--- a/deliverables/final/Final Presentation.pptx
+++ b/deliverables/final/Final Presentation.pptx
@@ -6,16 +6,21 @@
   </p:sldMasterIdLst>
   <p:sldIdLst>
     <p:sldId id="256" r:id="rId2"/>
-    <p:sldId id="259" r:id="rId3"/>
-    <p:sldId id="257" r:id="rId4"/>
-    <p:sldId id="258" r:id="rId5"/>
-    <p:sldId id="260" r:id="rId6"/>
-    <p:sldId id="261" r:id="rId7"/>
-    <p:sldId id="262" r:id="rId8"/>
-    <p:sldId id="263" r:id="rId9"/>
-    <p:sldId id="264" r:id="rId10"/>
-    <p:sldId id="265" r:id="rId11"/>
-    <p:sldId id="266" r:id="rId12"/>
+    <p:sldId id="267" r:id="rId3"/>
+    <p:sldId id="268" r:id="rId4"/>
+    <p:sldId id="269" r:id="rId5"/>
+    <p:sldId id="270" r:id="rId6"/>
+    <p:sldId id="271" r:id="rId7"/>
+    <p:sldId id="259" r:id="rId8"/>
+    <p:sldId id="257" r:id="rId9"/>
+    <p:sldId id="258" r:id="rId10"/>
+    <p:sldId id="260" r:id="rId11"/>
+    <p:sldId id="261" r:id="rId12"/>
+    <p:sldId id="262" r:id="rId13"/>
+    <p:sldId id="263" r:id="rId14"/>
+    <p:sldId id="264" r:id="rId15"/>
+    <p:sldId id="265" r:id="rId16"/>
+    <p:sldId id="266" r:id="rId17"/>
   </p:sldIdLst>
   <p:sldSz cx="9144000" cy="6858000" type="screen4x3"/>
   <p:notesSz cx="6858000" cy="9144000"/>
@@ -2875,7 +2880,7 @@
             <a:fld id="{0A98AF03-7270-45C2-A683-C5E353EF01A5}" type="datetime4">
               <a:rPr lang="en-US" smtClean="0"/>
               <a:pPr/>
-              <a:t>April 6, 2012</a:t>
+              <a:t>April 22, 2012</a:t>
             </a:fld>
             <a:endParaRPr lang="en-US" dirty="0"/>
           </a:p>
@@ -3162,7 +3167,7 @@
             <a:fld id="{A2FB5AFD-D735-4504-A039-ADEBB6448D55}" type="datetime4">
               <a:rPr lang="en-US" smtClean="0"/>
               <a:pPr/>
-              <a:t>April 6, 2012</a:t>
+              <a:t>April 22, 2012</a:t>
             </a:fld>
             <a:endParaRPr lang="en-US" dirty="0"/>
           </a:p>
@@ -3339,7 +3344,7 @@
             <a:fld id="{AB5C8118-FB93-4E87-B380-0175F2FE2167}" type="datetime4">
               <a:rPr lang="en-US" smtClean="0"/>
               <a:pPr/>
-              <a:t>April 6, 2012</a:t>
+              <a:t>April 22, 2012</a:t>
             </a:fld>
             <a:endParaRPr lang="en-US" dirty="0"/>
           </a:p>
@@ -3506,7 +3511,7 @@
             <a:fld id="{05A93482-8E69-40F7-BCAD-5662A6CADB27}" type="datetime4">
               <a:rPr lang="en-US" smtClean="0"/>
               <a:pPr/>
-              <a:t>April 6, 2012</a:t>
+              <a:t>April 22, 2012</a:t>
             </a:fld>
             <a:endParaRPr lang="en-US" dirty="0"/>
           </a:p>
@@ -3749,7 +3754,7 @@
             <a:fld id="{FBB7EAE1-CAAC-4AEF-919E-158692B1E55E}" type="datetime4">
               <a:rPr lang="en-US" smtClean="0"/>
               <a:pPr/>
-              <a:t>April 6, 2012</a:t>
+              <a:t>April 22, 2012</a:t>
             </a:fld>
             <a:endParaRPr lang="en-US" dirty="0"/>
           </a:p>
@@ -3864,7 +3869,7 @@
             <a:fld id="{9525A706-D8F2-4D1A-855A-CADC92600C26}" type="datetime4">
               <a:rPr lang="en-US" smtClean="0"/>
               <a:pPr/>
-              <a:t>April 6, 2012</a:t>
+              <a:t>April 22, 2012</a:t>
             </a:fld>
             <a:endParaRPr lang="en-US" dirty="0"/>
           </a:p>
@@ -4405,7 +4410,7 @@
             <a:fld id="{99B4F123-1704-49AC-9D15-C4B1462B8014}" type="datetime4">
               <a:rPr lang="en-US" smtClean="0"/>
               <a:pPr/>
-              <a:t>April 6, 2012</a:t>
+              <a:t>April 22, 2012</a:t>
             </a:fld>
             <a:endParaRPr lang="en-US" dirty="0"/>
           </a:p>
@@ -4520,7 +4525,7 @@
             <a:fld id="{E3127EC2-47FB-48A1-8644-C8A81DDAA119}" type="datetime4">
               <a:rPr lang="en-US" smtClean="0"/>
               <a:pPr/>
-              <a:t>April 6, 2012</a:t>
+              <a:t>April 22, 2012</a:t>
             </a:fld>
             <a:endParaRPr lang="en-US" dirty="0"/>
           </a:p>
@@ -4612,7 +4617,7 @@
             <a:fld id="{AE3EC3ED-7435-49F9-84C8-03CCA2F8DEDB}" type="datetime4">
               <a:rPr lang="en-US" smtClean="0"/>
               <a:pPr/>
-              <a:t>April 6, 2012</a:t>
+              <a:t>April 22, 2012</a:t>
             </a:fld>
             <a:endParaRPr lang="en-US" dirty="0"/>
           </a:p>
@@ -7265,7 +7270,7 @@
             <a:fld id="{3FC49BF1-FCD3-4395-8FF6-0047AF66228E}" type="datetime4">
               <a:rPr lang="en-US" smtClean="0"/>
               <a:pPr/>
-              <a:t>April 6, 2012</a:t>
+              <a:t>April 22, 2012</a:t>
             </a:fld>
             <a:endParaRPr lang="en-US" dirty="0"/>
           </a:p>
@@ -10479,7 +10484,7 @@
             <a:fld id="{CA861222-2C8B-4501-BE87-6797EC025925}" type="datetime4">
               <a:rPr lang="en-US" smtClean="0"/>
               <a:pPr/>
-              <a:t>April 6, 2012</a:t>
+              <a:t>April 22, 2012</a:t>
             </a:fld>
             <a:endParaRPr lang="en-US" dirty="0"/>
           </a:p>
@@ -13303,7 +13308,7 @@
             <a:fld id="{16C01193-8287-4834-A286-6B880643E934}" type="datetime4">
               <a:rPr lang="en-US" smtClean="0"/>
               <a:pPr/>
-              <a:t>April 6, 2012</a:t>
+              <a:t>April 22, 2012</a:t>
             </a:fld>
             <a:endParaRPr lang="en-US" dirty="0"/>
           </a:p>
@@ -13898,7 +13903,7 @@
     </p:spTree>
     <p:extLst>
       <p:ext uri="{BB962C8B-B14F-4D97-AF65-F5344CB8AC3E}">
-        <p14:creationId xmlns:p14="http://schemas.microsoft.com/office/powerpoint/2010/main" val="1809248185"/>
+        <p14:creationId xmlns:p14="http://schemas.microsoft.com/office/powerpoint/2010/main" xmlns="" val="1809248185"/>
       </p:ext>
     </p:extLst>
   </p:cSld>
@@ -13944,225 +13949,28 @@
         </p:nvSpPr>
         <p:spPr>
           <a:xfrm>
-            <a:off x="1043490" y="641291"/>
-            <a:ext cx="7024744" cy="638582"/>
+            <a:off x="1043490" y="402565"/>
+            <a:ext cx="7024744" cy="1143000"/>
           </a:xfrm>
         </p:spPr>
         <p:txBody>
           <a:bodyPr>
-            <a:normAutofit fontScale="90000"/>
+            <a:normAutofit/>
           </a:bodyPr>
           <a:lstStyle/>
           <a:p>
             <a:r>
               <a:rPr lang="en-US" dirty="0" smtClean="0"/>
-              <a:t>System </a:t>
-            </a:r>
-            <a:r>
-              <a:rPr lang="en-US" dirty="0"/>
-              <a:t>M</a:t>
-            </a:r>
-            <a:r>
-              <a:rPr lang="en-US" dirty="0" smtClean="0"/>
-              <a:t>anual</a:t>
+              <a:t>STD</a:t>
             </a:r>
             <a:endParaRPr lang="en-US" dirty="0"/>
-          </a:p>
-        </p:txBody>
-      </p:sp>
-      <p:sp>
-        <p:nvSpPr>
-          <p:cNvPr id="3" name="Rectangle 2"/>
-          <p:cNvSpPr>
-            <a:spLocks noChangeArrowheads="1"/>
-          </p:cNvSpPr>
-          <p:nvPr/>
-        </p:nvSpPr>
-        <p:spPr bwMode="auto">
-          <a:xfrm>
-            <a:off x="0" y="0"/>
-            <a:ext cx="9144000" cy="0"/>
-          </a:xfrm>
-          <a:prstGeom prst="rect">
-            <a:avLst/>
-          </a:prstGeom>
-          <a:noFill/>
-          <a:ln>
-            <a:noFill/>
-          </a:ln>
-          <a:effectLst/>
-          <a:extLst>
-            <a:ext uri="{909E8E84-426E-40DD-AFC4-6F175D3DCCD1}">
-              <a14:hiddenFill xmlns:a14="http://schemas.microsoft.com/office/drawing/2010/main">
-                <a:solidFill>
-                  <a:schemeClr val="accent1"/>
-                </a:solidFill>
-              </a14:hiddenFill>
-            </a:ext>
-            <a:ext uri="{91240B29-F687-4F45-9708-019B960494DF}">
-              <a14:hiddenLine xmlns:a14="http://schemas.microsoft.com/office/drawing/2010/main" w="9525">
-                <a:solidFill>
-                  <a:schemeClr val="tx1"/>
-                </a:solidFill>
-                <a:miter lim="800000"/>
-                <a:headEnd/>
-                <a:tailEnd/>
-              </a14:hiddenLine>
-            </a:ext>
-            <a:ext uri="{AF507438-7753-43E0-B8FC-AC1667EBCBE1}">
-              <a14:hiddenEffects xmlns:a14="http://schemas.microsoft.com/office/drawing/2010/main">
-                <a:effectLst>
-                  <a:outerShdw dist="35921" dir="2700000" algn="ctr" rotWithShape="0">
-                    <a:schemeClr val="bg2"/>
-                  </a:outerShdw>
-                </a:effectLst>
-              </a14:hiddenEffects>
-            </a:ext>
-          </a:extLst>
-        </p:spPr>
-        <p:txBody>
-          <a:bodyPr vert="horz" wrap="none" lIns="91440" tIns="45720" rIns="91440" bIns="45720" numCol="1" anchor="ctr" anchorCtr="0" compatLnSpc="1">
-            <a:prstTxWarp prst="textNoShape">
-              <a:avLst/>
-            </a:prstTxWarp>
-            <a:spAutoFit/>
-          </a:bodyPr>
-          <a:lstStyle/>
-          <a:p>
-            <a:endParaRPr lang="en-US"/>
-          </a:p>
-        </p:txBody>
-      </p:sp>
-      <p:sp>
-        <p:nvSpPr>
-          <p:cNvPr id="5" name="Rectangle 2"/>
-          <p:cNvSpPr>
-            <a:spLocks noChangeArrowheads="1"/>
-          </p:cNvSpPr>
-          <p:nvPr/>
-        </p:nvSpPr>
-        <p:spPr bwMode="auto">
-          <a:xfrm>
-            <a:off x="0" y="0"/>
-            <a:ext cx="9144000" cy="0"/>
-          </a:xfrm>
-          <a:prstGeom prst="rect">
-            <a:avLst/>
-          </a:prstGeom>
-          <a:noFill/>
-          <a:ln>
-            <a:noFill/>
-          </a:ln>
-          <a:effectLst/>
-          <a:extLst>
-            <a:ext uri="{909E8E84-426E-40DD-AFC4-6F175D3DCCD1}">
-              <a14:hiddenFill xmlns:a14="http://schemas.microsoft.com/office/drawing/2010/main">
-                <a:solidFill>
-                  <a:schemeClr val="accent1"/>
-                </a:solidFill>
-              </a14:hiddenFill>
-            </a:ext>
-            <a:ext uri="{91240B29-F687-4F45-9708-019B960494DF}">
-              <a14:hiddenLine xmlns:a14="http://schemas.microsoft.com/office/drawing/2010/main" w="9525">
-                <a:solidFill>
-                  <a:schemeClr val="tx1"/>
-                </a:solidFill>
-                <a:miter lim="800000"/>
-                <a:headEnd/>
-                <a:tailEnd/>
-              </a14:hiddenLine>
-            </a:ext>
-            <a:ext uri="{AF507438-7753-43E0-B8FC-AC1667EBCBE1}">
-              <a14:hiddenEffects xmlns:a14="http://schemas.microsoft.com/office/drawing/2010/main">
-                <a:effectLst>
-                  <a:outerShdw dist="35921" dir="2700000" algn="ctr" rotWithShape="0">
-                    <a:schemeClr val="bg2"/>
-                  </a:outerShdw>
-                </a:effectLst>
-              </a14:hiddenEffects>
-            </a:ext>
-          </a:extLst>
-        </p:spPr>
-        <p:txBody>
-          <a:bodyPr vert="horz" wrap="none" lIns="91440" tIns="45720" rIns="91440" bIns="45720" numCol="1" anchor="ctr" anchorCtr="0" compatLnSpc="1">
-            <a:prstTxWarp prst="textNoShape">
-              <a:avLst/>
-            </a:prstTxWarp>
-            <a:spAutoFit/>
-          </a:bodyPr>
-          <a:lstStyle/>
-          <a:p>
-            <a:endParaRPr lang="en-US"/>
-          </a:p>
-        </p:txBody>
-      </p:sp>
-      <p:sp>
-        <p:nvSpPr>
-          <p:cNvPr id="4" name="Rectangle 2"/>
-          <p:cNvSpPr>
-            <a:spLocks noChangeArrowheads="1"/>
-          </p:cNvSpPr>
-          <p:nvPr/>
-        </p:nvSpPr>
-        <p:spPr bwMode="auto">
-          <a:xfrm>
-            <a:off x="0" y="0"/>
-            <a:ext cx="9144000" cy="0"/>
-          </a:xfrm>
-          <a:prstGeom prst="rect">
-            <a:avLst/>
-          </a:prstGeom>
-          <a:noFill/>
-          <a:ln>
-            <a:noFill/>
-          </a:ln>
-          <a:effectLst/>
-          <a:extLst>
-            <a:ext uri="{909E8E84-426E-40DD-AFC4-6F175D3DCCD1}">
-              <a14:hiddenFill xmlns:a14="http://schemas.microsoft.com/office/drawing/2010/main">
-                <a:solidFill>
-                  <a:schemeClr val="accent1"/>
-                </a:solidFill>
-              </a14:hiddenFill>
-            </a:ext>
-            <a:ext uri="{91240B29-F687-4F45-9708-019B960494DF}">
-              <a14:hiddenLine xmlns:a14="http://schemas.microsoft.com/office/drawing/2010/main" w="9525">
-                <a:solidFill>
-                  <a:schemeClr val="tx1"/>
-                </a:solidFill>
-                <a:miter lim="800000"/>
-                <a:headEnd/>
-                <a:tailEnd/>
-              </a14:hiddenLine>
-            </a:ext>
-            <a:ext uri="{AF507438-7753-43E0-B8FC-AC1667EBCBE1}">
-              <a14:hiddenEffects xmlns:a14="http://schemas.microsoft.com/office/drawing/2010/main">
-                <a:effectLst>
-                  <a:outerShdw dist="35921" dir="2700000" algn="ctr" rotWithShape="0">
-                    <a:schemeClr val="bg2"/>
-                  </a:outerShdw>
-                </a:effectLst>
-              </a14:hiddenEffects>
-            </a:ext>
-          </a:extLst>
-        </p:spPr>
-        <p:txBody>
-          <a:bodyPr vert="horz" wrap="none" lIns="91440" tIns="45720" rIns="91440" bIns="45720" numCol="1" anchor="ctr" anchorCtr="0" compatLnSpc="1">
-            <a:prstTxWarp prst="textNoShape">
-              <a:avLst/>
-            </a:prstTxWarp>
-            <a:spAutoFit/>
-          </a:bodyPr>
-          <a:lstStyle/>
-          <a:p>
-            <a:endParaRPr lang="en-US"/>
           </a:p>
         </p:txBody>
       </p:sp>
     </p:spTree>
     <p:extLst>
       <p:ext uri="{BB962C8B-B14F-4D97-AF65-F5344CB8AC3E}">
-        <p14:creationId xmlns:p14="http://schemas.microsoft.com/office/powerpoint/2010/main" val="273623958"/>
+        <p14:creationId xmlns:p14="http://schemas.microsoft.com/office/powerpoint/2010/main" xmlns="" val="1459248129"/>
       </p:ext>
     </p:extLst>
   </p:cSld>
@@ -14208,22 +14016,21 @@
         </p:nvSpPr>
         <p:spPr>
           <a:xfrm>
-            <a:off x="840509" y="3079691"/>
-            <a:ext cx="7430925" cy="638582"/>
+            <a:off x="1043490" y="641291"/>
+            <a:ext cx="7024744" cy="638582"/>
           </a:xfrm>
         </p:spPr>
         <p:txBody>
           <a:bodyPr>
-            <a:noAutofit/>
+            <a:normAutofit fontScale="90000"/>
           </a:bodyPr>
           <a:lstStyle/>
           <a:p>
-            <a:pPr algn="ctr"/>
             <a:r>
-              <a:rPr lang="en-US" sz="7200" dirty="0" smtClean="0"/>
-              <a:t>Q &amp; A</a:t>
+              <a:rPr lang="en-US" dirty="0" smtClean="0"/>
+              <a:t>SRS</a:t>
             </a:r>
-            <a:endParaRPr lang="en-US" sz="7200" dirty="0"/>
+            <a:endParaRPr lang="en-US" dirty="0"/>
           </a:p>
         </p:txBody>
       </p:sp>
@@ -14250,14 +14057,14 @@
           <a:effectLst/>
           <a:extLst>
             <a:ext uri="{909E8E84-426E-40DD-AFC4-6F175D3DCCD1}">
-              <a14:hiddenFill xmlns:a14="http://schemas.microsoft.com/office/drawing/2010/main">
+              <a14:hiddenFill xmlns:a14="http://schemas.microsoft.com/office/drawing/2010/main" xmlns="">
                 <a:solidFill>
                   <a:schemeClr val="accent1"/>
                 </a:solidFill>
               </a14:hiddenFill>
             </a:ext>
             <a:ext uri="{91240B29-F687-4F45-9708-019B960494DF}">
-              <a14:hiddenLine xmlns:a14="http://schemas.microsoft.com/office/drawing/2010/main" w="9525">
+              <a14:hiddenLine xmlns:a14="http://schemas.microsoft.com/office/drawing/2010/main" xmlns="" w="9525">
                 <a:solidFill>
                   <a:schemeClr val="tx1"/>
                 </a:solidFill>
@@ -14267,7 +14074,137 @@
               </a14:hiddenLine>
             </a:ext>
             <a:ext uri="{AF507438-7753-43E0-B8FC-AC1667EBCBE1}">
-              <a14:hiddenEffects xmlns:a14="http://schemas.microsoft.com/office/drawing/2010/main">
+              <a14:hiddenEffects xmlns:a14="http://schemas.microsoft.com/office/drawing/2010/main" xmlns="">
+                <a:effectLst>
+                  <a:outerShdw dist="35921" dir="2700000" algn="ctr" rotWithShape="0">
+                    <a:schemeClr val="bg2"/>
+                  </a:outerShdw>
+                </a:effectLst>
+              </a14:hiddenEffects>
+            </a:ext>
+          </a:extLst>
+        </p:spPr>
+        <p:txBody>
+          <a:bodyPr vert="horz" wrap="none" lIns="91440" tIns="45720" rIns="91440" bIns="45720" numCol="1" anchor="ctr" anchorCtr="0" compatLnSpc="1">
+            <a:prstTxWarp prst="textNoShape">
+              <a:avLst/>
+            </a:prstTxWarp>
+            <a:spAutoFit/>
+          </a:bodyPr>
+          <a:lstStyle/>
+          <a:p>
+            <a:endParaRPr lang="en-US"/>
+          </a:p>
+        </p:txBody>
+      </p:sp>
+    </p:spTree>
+    <p:extLst>
+      <p:ext uri="{BB962C8B-B14F-4D97-AF65-F5344CB8AC3E}">
+        <p14:creationId xmlns:p14="http://schemas.microsoft.com/office/powerpoint/2010/main" xmlns="" val="224431329"/>
+      </p:ext>
+    </p:extLst>
+  </p:cSld>
+  <p:clrMapOvr>
+    <a:masterClrMapping/>
+  </p:clrMapOvr>
+  <p:timing>
+    <p:tnLst>
+      <p:par>
+        <p:cTn id="1" dur="indefinite" restart="never" nodeType="tmRoot"/>
+      </p:par>
+    </p:tnLst>
+  </p:timing>
+</p:sld>
+</file>
+
+<file path=ppt/slides/slide12.xml><?xml version="1.0" encoding="utf-8"?>
+<p:sld xmlns:a="http://schemas.openxmlformats.org/drawingml/2006/main" xmlns:r="http://schemas.openxmlformats.org/officeDocument/2006/relationships" xmlns:p="http://schemas.openxmlformats.org/presentationml/2006/main">
+  <p:cSld>
+    <p:spTree>
+      <p:nvGrpSpPr>
+        <p:cNvPr id="1" name=""/>
+        <p:cNvGrpSpPr/>
+        <p:nvPr/>
+      </p:nvGrpSpPr>
+      <p:grpSpPr>
+        <a:xfrm>
+          <a:off x="0" y="0"/>
+          <a:ext cx="0" cy="0"/>
+          <a:chOff x="0" y="0"/>
+          <a:chExt cx="0" cy="0"/>
+        </a:xfrm>
+      </p:grpSpPr>
+      <p:sp>
+        <p:nvSpPr>
+          <p:cNvPr id="2" name="Title 1"/>
+          <p:cNvSpPr>
+            <a:spLocks noGrp="1"/>
+          </p:cNvSpPr>
+          <p:nvPr>
+            <p:ph type="title"/>
+          </p:nvPr>
+        </p:nvSpPr>
+        <p:spPr>
+          <a:xfrm>
+            <a:off x="1043490" y="641291"/>
+            <a:ext cx="7024744" cy="638582"/>
+          </a:xfrm>
+        </p:spPr>
+        <p:txBody>
+          <a:bodyPr>
+            <a:normAutofit fontScale="90000"/>
+          </a:bodyPr>
+          <a:lstStyle/>
+          <a:p>
+            <a:r>
+              <a:rPr lang="en-US" dirty="0" smtClean="0"/>
+              <a:t>SDD</a:t>
+            </a:r>
+            <a:endParaRPr lang="en-US" dirty="0"/>
+          </a:p>
+        </p:txBody>
+      </p:sp>
+      <p:sp>
+        <p:nvSpPr>
+          <p:cNvPr id="3" name="Rectangle 2"/>
+          <p:cNvSpPr>
+            <a:spLocks noChangeArrowheads="1"/>
+          </p:cNvSpPr>
+          <p:nvPr/>
+        </p:nvSpPr>
+        <p:spPr bwMode="auto">
+          <a:xfrm>
+            <a:off x="0" y="0"/>
+            <a:ext cx="9144000" cy="0"/>
+          </a:xfrm>
+          <a:prstGeom prst="rect">
+            <a:avLst/>
+          </a:prstGeom>
+          <a:noFill/>
+          <a:ln>
+            <a:noFill/>
+          </a:ln>
+          <a:effectLst/>
+          <a:extLst>
+            <a:ext uri="{909E8E84-426E-40DD-AFC4-6F175D3DCCD1}">
+              <a14:hiddenFill xmlns:a14="http://schemas.microsoft.com/office/drawing/2010/main" xmlns="">
+                <a:solidFill>
+                  <a:schemeClr val="accent1"/>
+                </a:solidFill>
+              </a14:hiddenFill>
+            </a:ext>
+            <a:ext uri="{91240B29-F687-4F45-9708-019B960494DF}">
+              <a14:hiddenLine xmlns:a14="http://schemas.microsoft.com/office/drawing/2010/main" xmlns="" w="9525">
+                <a:solidFill>
+                  <a:schemeClr val="tx1"/>
+                </a:solidFill>
+                <a:miter lim="800000"/>
+                <a:headEnd/>
+                <a:tailEnd/>
+              </a14:hiddenLine>
+            </a:ext>
+            <a:ext uri="{AF507438-7753-43E0-B8FC-AC1667EBCBE1}">
+              <a14:hiddenEffects xmlns:a14="http://schemas.microsoft.com/office/drawing/2010/main" xmlns="">
                 <a:effectLst>
                   <a:outerShdw dist="35921" dir="2700000" algn="ctr" rotWithShape="0">
                     <a:schemeClr val="bg2"/>
@@ -14313,14 +14250,14 @@
           <a:effectLst/>
           <a:extLst>
             <a:ext uri="{909E8E84-426E-40DD-AFC4-6F175D3DCCD1}">
-              <a14:hiddenFill xmlns:a14="http://schemas.microsoft.com/office/drawing/2010/main">
+              <a14:hiddenFill xmlns:a14="http://schemas.microsoft.com/office/drawing/2010/main" xmlns="">
                 <a:solidFill>
                   <a:schemeClr val="accent1"/>
                 </a:solidFill>
               </a14:hiddenFill>
             </a:ext>
             <a:ext uri="{91240B29-F687-4F45-9708-019B960494DF}">
-              <a14:hiddenLine xmlns:a14="http://schemas.microsoft.com/office/drawing/2010/main" w="9525">
+              <a14:hiddenLine xmlns:a14="http://schemas.microsoft.com/office/drawing/2010/main" xmlns="" w="9525">
                 <a:solidFill>
                   <a:schemeClr val="tx1"/>
                 </a:solidFill>
@@ -14330,7 +14267,393 @@
               </a14:hiddenLine>
             </a:ext>
             <a:ext uri="{AF507438-7753-43E0-B8FC-AC1667EBCBE1}">
-              <a14:hiddenEffects xmlns:a14="http://schemas.microsoft.com/office/drawing/2010/main">
+              <a14:hiddenEffects xmlns:a14="http://schemas.microsoft.com/office/drawing/2010/main" xmlns="">
+                <a:effectLst>
+                  <a:outerShdw dist="35921" dir="2700000" algn="ctr" rotWithShape="0">
+                    <a:schemeClr val="bg2"/>
+                  </a:outerShdw>
+                </a:effectLst>
+              </a14:hiddenEffects>
+            </a:ext>
+          </a:extLst>
+        </p:spPr>
+        <p:txBody>
+          <a:bodyPr vert="horz" wrap="none" lIns="91440" tIns="45720" rIns="91440" bIns="45720" numCol="1" anchor="ctr" anchorCtr="0" compatLnSpc="1">
+            <a:prstTxWarp prst="textNoShape">
+              <a:avLst/>
+            </a:prstTxWarp>
+            <a:spAutoFit/>
+          </a:bodyPr>
+          <a:lstStyle/>
+          <a:p>
+            <a:endParaRPr lang="en-US"/>
+          </a:p>
+        </p:txBody>
+      </p:sp>
+    </p:spTree>
+    <p:extLst>
+      <p:ext uri="{BB962C8B-B14F-4D97-AF65-F5344CB8AC3E}">
+        <p14:creationId xmlns:p14="http://schemas.microsoft.com/office/powerpoint/2010/main" xmlns="" val="2798939284"/>
+      </p:ext>
+    </p:extLst>
+  </p:cSld>
+  <p:clrMapOvr>
+    <a:masterClrMapping/>
+  </p:clrMapOvr>
+  <p:timing>
+    <p:tnLst>
+      <p:par>
+        <p:cTn id="1" dur="indefinite" restart="never" nodeType="tmRoot"/>
+      </p:par>
+    </p:tnLst>
+  </p:timing>
+</p:sld>
+</file>
+
+<file path=ppt/slides/slide13.xml><?xml version="1.0" encoding="utf-8"?>
+<p:sld xmlns:a="http://schemas.openxmlformats.org/drawingml/2006/main" xmlns:r="http://schemas.openxmlformats.org/officeDocument/2006/relationships" xmlns:p="http://schemas.openxmlformats.org/presentationml/2006/main">
+  <p:cSld>
+    <p:spTree>
+      <p:nvGrpSpPr>
+        <p:cNvPr id="1" name=""/>
+        <p:cNvGrpSpPr/>
+        <p:nvPr/>
+      </p:nvGrpSpPr>
+      <p:grpSpPr>
+        <a:xfrm>
+          <a:off x="0" y="0"/>
+          <a:ext cx="0" cy="0"/>
+          <a:chOff x="0" y="0"/>
+          <a:chExt cx="0" cy="0"/>
+        </a:xfrm>
+      </p:grpSpPr>
+      <p:sp>
+        <p:nvSpPr>
+          <p:cNvPr id="2" name="Title 1"/>
+          <p:cNvSpPr>
+            <a:spLocks noGrp="1"/>
+          </p:cNvSpPr>
+          <p:nvPr>
+            <p:ph type="title"/>
+          </p:nvPr>
+        </p:nvSpPr>
+        <p:spPr>
+          <a:xfrm>
+            <a:off x="1043490" y="641291"/>
+            <a:ext cx="7024744" cy="638582"/>
+          </a:xfrm>
+        </p:spPr>
+        <p:txBody>
+          <a:bodyPr>
+            <a:normAutofit fontScale="90000"/>
+          </a:bodyPr>
+          <a:lstStyle/>
+          <a:p>
+            <a:r>
+              <a:rPr lang="en-US" dirty="0" smtClean="0"/>
+              <a:t>SPMP</a:t>
+            </a:r>
+            <a:endParaRPr lang="en-US" dirty="0"/>
+          </a:p>
+        </p:txBody>
+      </p:sp>
+      <p:sp>
+        <p:nvSpPr>
+          <p:cNvPr id="3" name="Rectangle 2"/>
+          <p:cNvSpPr>
+            <a:spLocks noChangeArrowheads="1"/>
+          </p:cNvSpPr>
+          <p:nvPr/>
+        </p:nvSpPr>
+        <p:spPr bwMode="auto">
+          <a:xfrm>
+            <a:off x="0" y="0"/>
+            <a:ext cx="9144000" cy="0"/>
+          </a:xfrm>
+          <a:prstGeom prst="rect">
+            <a:avLst/>
+          </a:prstGeom>
+          <a:noFill/>
+          <a:ln>
+            <a:noFill/>
+          </a:ln>
+          <a:effectLst/>
+          <a:extLst>
+            <a:ext uri="{909E8E84-426E-40DD-AFC4-6F175D3DCCD1}">
+              <a14:hiddenFill xmlns:a14="http://schemas.microsoft.com/office/drawing/2010/main" xmlns="">
+                <a:solidFill>
+                  <a:schemeClr val="accent1"/>
+                </a:solidFill>
+              </a14:hiddenFill>
+            </a:ext>
+            <a:ext uri="{91240B29-F687-4F45-9708-019B960494DF}">
+              <a14:hiddenLine xmlns:a14="http://schemas.microsoft.com/office/drawing/2010/main" xmlns="" w="9525">
+                <a:solidFill>
+                  <a:schemeClr val="tx1"/>
+                </a:solidFill>
+                <a:miter lim="800000"/>
+                <a:headEnd/>
+                <a:tailEnd/>
+              </a14:hiddenLine>
+            </a:ext>
+            <a:ext uri="{AF507438-7753-43E0-B8FC-AC1667EBCBE1}">
+              <a14:hiddenEffects xmlns:a14="http://schemas.microsoft.com/office/drawing/2010/main" xmlns="">
+                <a:effectLst>
+                  <a:outerShdw dist="35921" dir="2700000" algn="ctr" rotWithShape="0">
+                    <a:schemeClr val="bg2"/>
+                  </a:outerShdw>
+                </a:effectLst>
+              </a14:hiddenEffects>
+            </a:ext>
+          </a:extLst>
+        </p:spPr>
+        <p:txBody>
+          <a:bodyPr vert="horz" wrap="none" lIns="91440" tIns="45720" rIns="91440" bIns="45720" numCol="1" anchor="ctr" anchorCtr="0" compatLnSpc="1">
+            <a:prstTxWarp prst="textNoShape">
+              <a:avLst/>
+            </a:prstTxWarp>
+            <a:spAutoFit/>
+          </a:bodyPr>
+          <a:lstStyle/>
+          <a:p>
+            <a:endParaRPr lang="en-US"/>
+          </a:p>
+        </p:txBody>
+      </p:sp>
+      <p:sp>
+        <p:nvSpPr>
+          <p:cNvPr id="5" name="Rectangle 2"/>
+          <p:cNvSpPr>
+            <a:spLocks noChangeArrowheads="1"/>
+          </p:cNvSpPr>
+          <p:nvPr/>
+        </p:nvSpPr>
+        <p:spPr bwMode="auto">
+          <a:xfrm>
+            <a:off x="0" y="0"/>
+            <a:ext cx="9144000" cy="0"/>
+          </a:xfrm>
+          <a:prstGeom prst="rect">
+            <a:avLst/>
+          </a:prstGeom>
+          <a:noFill/>
+          <a:ln>
+            <a:noFill/>
+          </a:ln>
+          <a:effectLst/>
+          <a:extLst>
+            <a:ext uri="{909E8E84-426E-40DD-AFC4-6F175D3DCCD1}">
+              <a14:hiddenFill xmlns:a14="http://schemas.microsoft.com/office/drawing/2010/main" xmlns="">
+                <a:solidFill>
+                  <a:schemeClr val="accent1"/>
+                </a:solidFill>
+              </a14:hiddenFill>
+            </a:ext>
+            <a:ext uri="{91240B29-F687-4F45-9708-019B960494DF}">
+              <a14:hiddenLine xmlns:a14="http://schemas.microsoft.com/office/drawing/2010/main" xmlns="" w="9525">
+                <a:solidFill>
+                  <a:schemeClr val="tx1"/>
+                </a:solidFill>
+                <a:miter lim="800000"/>
+                <a:headEnd/>
+                <a:tailEnd/>
+              </a14:hiddenLine>
+            </a:ext>
+            <a:ext uri="{AF507438-7753-43E0-B8FC-AC1667EBCBE1}">
+              <a14:hiddenEffects xmlns:a14="http://schemas.microsoft.com/office/drawing/2010/main" xmlns="">
+                <a:effectLst>
+                  <a:outerShdw dist="35921" dir="2700000" algn="ctr" rotWithShape="0">
+                    <a:schemeClr val="bg2"/>
+                  </a:outerShdw>
+                </a:effectLst>
+              </a14:hiddenEffects>
+            </a:ext>
+          </a:extLst>
+        </p:spPr>
+        <p:txBody>
+          <a:bodyPr vert="horz" wrap="none" lIns="91440" tIns="45720" rIns="91440" bIns="45720" numCol="1" anchor="ctr" anchorCtr="0" compatLnSpc="1">
+            <a:prstTxWarp prst="textNoShape">
+              <a:avLst/>
+            </a:prstTxWarp>
+            <a:spAutoFit/>
+          </a:bodyPr>
+          <a:lstStyle/>
+          <a:p>
+            <a:endParaRPr lang="en-US"/>
+          </a:p>
+        </p:txBody>
+      </p:sp>
+    </p:spTree>
+    <p:extLst>
+      <p:ext uri="{BB962C8B-B14F-4D97-AF65-F5344CB8AC3E}">
+        <p14:creationId xmlns:p14="http://schemas.microsoft.com/office/powerpoint/2010/main" xmlns="" val="792481554"/>
+      </p:ext>
+    </p:extLst>
+  </p:cSld>
+  <p:clrMapOvr>
+    <a:masterClrMapping/>
+  </p:clrMapOvr>
+  <p:timing>
+    <p:tnLst>
+      <p:par>
+        <p:cTn id="1" dur="indefinite" restart="never" nodeType="tmRoot"/>
+      </p:par>
+    </p:tnLst>
+  </p:timing>
+</p:sld>
+</file>
+
+<file path=ppt/slides/slide14.xml><?xml version="1.0" encoding="utf-8"?>
+<p:sld xmlns:a="http://schemas.openxmlformats.org/drawingml/2006/main" xmlns:r="http://schemas.openxmlformats.org/officeDocument/2006/relationships" xmlns:p="http://schemas.openxmlformats.org/presentationml/2006/main">
+  <p:cSld>
+    <p:spTree>
+      <p:nvGrpSpPr>
+        <p:cNvPr id="1" name=""/>
+        <p:cNvGrpSpPr/>
+        <p:nvPr/>
+      </p:nvGrpSpPr>
+      <p:grpSpPr>
+        <a:xfrm>
+          <a:off x="0" y="0"/>
+          <a:ext cx="0" cy="0"/>
+          <a:chOff x="0" y="0"/>
+          <a:chExt cx="0" cy="0"/>
+        </a:xfrm>
+      </p:grpSpPr>
+      <p:sp>
+        <p:nvSpPr>
+          <p:cNvPr id="2" name="Title 1"/>
+          <p:cNvSpPr>
+            <a:spLocks noGrp="1"/>
+          </p:cNvSpPr>
+          <p:nvPr>
+            <p:ph type="title"/>
+          </p:nvPr>
+        </p:nvSpPr>
+        <p:spPr>
+          <a:xfrm>
+            <a:off x="1043490" y="641291"/>
+            <a:ext cx="7024744" cy="638582"/>
+          </a:xfrm>
+        </p:spPr>
+        <p:txBody>
+          <a:bodyPr>
+            <a:normAutofit fontScale="90000"/>
+          </a:bodyPr>
+          <a:lstStyle/>
+          <a:p>
+            <a:r>
+              <a:rPr lang="en-US" dirty="0" smtClean="0"/>
+              <a:t>User Manual</a:t>
+            </a:r>
+            <a:endParaRPr lang="en-US" dirty="0"/>
+          </a:p>
+        </p:txBody>
+      </p:sp>
+      <p:sp>
+        <p:nvSpPr>
+          <p:cNvPr id="3" name="Rectangle 2"/>
+          <p:cNvSpPr>
+            <a:spLocks noChangeArrowheads="1"/>
+          </p:cNvSpPr>
+          <p:nvPr/>
+        </p:nvSpPr>
+        <p:spPr bwMode="auto">
+          <a:xfrm>
+            <a:off x="0" y="0"/>
+            <a:ext cx="9144000" cy="0"/>
+          </a:xfrm>
+          <a:prstGeom prst="rect">
+            <a:avLst/>
+          </a:prstGeom>
+          <a:noFill/>
+          <a:ln>
+            <a:noFill/>
+          </a:ln>
+          <a:effectLst/>
+          <a:extLst>
+            <a:ext uri="{909E8E84-426E-40DD-AFC4-6F175D3DCCD1}">
+              <a14:hiddenFill xmlns:a14="http://schemas.microsoft.com/office/drawing/2010/main" xmlns="">
+                <a:solidFill>
+                  <a:schemeClr val="accent1"/>
+                </a:solidFill>
+              </a14:hiddenFill>
+            </a:ext>
+            <a:ext uri="{91240B29-F687-4F45-9708-019B960494DF}">
+              <a14:hiddenLine xmlns:a14="http://schemas.microsoft.com/office/drawing/2010/main" xmlns="" w="9525">
+                <a:solidFill>
+                  <a:schemeClr val="tx1"/>
+                </a:solidFill>
+                <a:miter lim="800000"/>
+                <a:headEnd/>
+                <a:tailEnd/>
+              </a14:hiddenLine>
+            </a:ext>
+            <a:ext uri="{AF507438-7753-43E0-B8FC-AC1667EBCBE1}">
+              <a14:hiddenEffects xmlns:a14="http://schemas.microsoft.com/office/drawing/2010/main" xmlns="">
+                <a:effectLst>
+                  <a:outerShdw dist="35921" dir="2700000" algn="ctr" rotWithShape="0">
+                    <a:schemeClr val="bg2"/>
+                  </a:outerShdw>
+                </a:effectLst>
+              </a14:hiddenEffects>
+            </a:ext>
+          </a:extLst>
+        </p:spPr>
+        <p:txBody>
+          <a:bodyPr vert="horz" wrap="none" lIns="91440" tIns="45720" rIns="91440" bIns="45720" numCol="1" anchor="ctr" anchorCtr="0" compatLnSpc="1">
+            <a:prstTxWarp prst="textNoShape">
+              <a:avLst/>
+            </a:prstTxWarp>
+            <a:spAutoFit/>
+          </a:bodyPr>
+          <a:lstStyle/>
+          <a:p>
+            <a:endParaRPr lang="en-US"/>
+          </a:p>
+        </p:txBody>
+      </p:sp>
+      <p:sp>
+        <p:nvSpPr>
+          <p:cNvPr id="5" name="Rectangle 2"/>
+          <p:cNvSpPr>
+            <a:spLocks noChangeArrowheads="1"/>
+          </p:cNvSpPr>
+          <p:nvPr/>
+        </p:nvSpPr>
+        <p:spPr bwMode="auto">
+          <a:xfrm>
+            <a:off x="0" y="0"/>
+            <a:ext cx="9144000" cy="0"/>
+          </a:xfrm>
+          <a:prstGeom prst="rect">
+            <a:avLst/>
+          </a:prstGeom>
+          <a:noFill/>
+          <a:ln>
+            <a:noFill/>
+          </a:ln>
+          <a:effectLst/>
+          <a:extLst>
+            <a:ext uri="{909E8E84-426E-40DD-AFC4-6F175D3DCCD1}">
+              <a14:hiddenFill xmlns:a14="http://schemas.microsoft.com/office/drawing/2010/main" xmlns="">
+                <a:solidFill>
+                  <a:schemeClr val="accent1"/>
+                </a:solidFill>
+              </a14:hiddenFill>
+            </a:ext>
+            <a:ext uri="{91240B29-F687-4F45-9708-019B960494DF}">
+              <a14:hiddenLine xmlns:a14="http://schemas.microsoft.com/office/drawing/2010/main" xmlns="" w="9525">
+                <a:solidFill>
+                  <a:schemeClr val="tx1"/>
+                </a:solidFill>
+                <a:miter lim="800000"/>
+                <a:headEnd/>
+                <a:tailEnd/>
+              </a14:hiddenLine>
+            </a:ext>
+            <a:ext uri="{AF507438-7753-43E0-B8FC-AC1667EBCBE1}">
+              <a14:hiddenEffects xmlns:a14="http://schemas.microsoft.com/office/drawing/2010/main" xmlns="">
                 <a:effectLst>
                   <a:outerShdw dist="35921" dir="2700000" algn="ctr" rotWithShape="0">
                     <a:schemeClr val="bg2"/>
@@ -14376,14 +14699,14 @@
           <a:effectLst/>
           <a:extLst>
             <a:ext uri="{909E8E84-426E-40DD-AFC4-6F175D3DCCD1}">
-              <a14:hiddenFill xmlns:a14="http://schemas.microsoft.com/office/drawing/2010/main">
+              <a14:hiddenFill xmlns:a14="http://schemas.microsoft.com/office/drawing/2010/main" xmlns="">
                 <a:solidFill>
                   <a:schemeClr val="accent1"/>
                 </a:solidFill>
               </a14:hiddenFill>
             </a:ext>
             <a:ext uri="{91240B29-F687-4F45-9708-019B960494DF}">
-              <a14:hiddenLine xmlns:a14="http://schemas.microsoft.com/office/drawing/2010/main" w="9525">
+              <a14:hiddenLine xmlns:a14="http://schemas.microsoft.com/office/drawing/2010/main" xmlns="" w="9525">
                 <a:solidFill>
                   <a:schemeClr val="tx1"/>
                 </a:solidFill>
@@ -14393,7 +14716,7 @@
               </a14:hiddenLine>
             </a:ext>
             <a:ext uri="{AF507438-7753-43E0-B8FC-AC1667EBCBE1}">
-              <a14:hiddenEffects xmlns:a14="http://schemas.microsoft.com/office/drawing/2010/main">
+              <a14:hiddenEffects xmlns:a14="http://schemas.microsoft.com/office/drawing/2010/main" xmlns="">
                 <a:effectLst>
                   <a:outerShdw dist="35921" dir="2700000" algn="ctr" rotWithShape="0">
                     <a:schemeClr val="bg2"/>
@@ -14419,7 +14742,528 @@
     </p:spTree>
     <p:extLst>
       <p:ext uri="{BB962C8B-B14F-4D97-AF65-F5344CB8AC3E}">
-        <p14:creationId xmlns:p14="http://schemas.microsoft.com/office/powerpoint/2010/main" val="336984967"/>
+        <p14:creationId xmlns:p14="http://schemas.microsoft.com/office/powerpoint/2010/main" xmlns="" val="2227559208"/>
+      </p:ext>
+    </p:extLst>
+  </p:cSld>
+  <p:clrMapOvr>
+    <a:masterClrMapping/>
+  </p:clrMapOvr>
+  <p:timing>
+    <p:tnLst>
+      <p:par>
+        <p:cTn id="1" dur="indefinite" restart="never" nodeType="tmRoot"/>
+      </p:par>
+    </p:tnLst>
+  </p:timing>
+</p:sld>
+</file>
+
+<file path=ppt/slides/slide15.xml><?xml version="1.0" encoding="utf-8"?>
+<p:sld xmlns:a="http://schemas.openxmlformats.org/drawingml/2006/main" xmlns:r="http://schemas.openxmlformats.org/officeDocument/2006/relationships" xmlns:p="http://schemas.openxmlformats.org/presentationml/2006/main">
+  <p:cSld>
+    <p:spTree>
+      <p:nvGrpSpPr>
+        <p:cNvPr id="1" name=""/>
+        <p:cNvGrpSpPr/>
+        <p:nvPr/>
+      </p:nvGrpSpPr>
+      <p:grpSpPr>
+        <a:xfrm>
+          <a:off x="0" y="0"/>
+          <a:ext cx="0" cy="0"/>
+          <a:chOff x="0" y="0"/>
+          <a:chExt cx="0" cy="0"/>
+        </a:xfrm>
+      </p:grpSpPr>
+      <p:sp>
+        <p:nvSpPr>
+          <p:cNvPr id="2" name="Title 1"/>
+          <p:cNvSpPr>
+            <a:spLocks noGrp="1"/>
+          </p:cNvSpPr>
+          <p:nvPr>
+            <p:ph type="title"/>
+          </p:nvPr>
+        </p:nvSpPr>
+        <p:spPr>
+          <a:xfrm>
+            <a:off x="1043490" y="641291"/>
+            <a:ext cx="7024744" cy="638582"/>
+          </a:xfrm>
+        </p:spPr>
+        <p:txBody>
+          <a:bodyPr>
+            <a:normAutofit fontScale="90000"/>
+          </a:bodyPr>
+          <a:lstStyle/>
+          <a:p>
+            <a:r>
+              <a:rPr lang="en-US" dirty="0" smtClean="0"/>
+              <a:t>System </a:t>
+            </a:r>
+            <a:r>
+              <a:rPr lang="en-US" dirty="0"/>
+              <a:t>M</a:t>
+            </a:r>
+            <a:r>
+              <a:rPr lang="en-US" dirty="0" smtClean="0"/>
+              <a:t>anual</a:t>
+            </a:r>
+            <a:endParaRPr lang="en-US" dirty="0"/>
+          </a:p>
+        </p:txBody>
+      </p:sp>
+      <p:sp>
+        <p:nvSpPr>
+          <p:cNvPr id="3" name="Rectangle 2"/>
+          <p:cNvSpPr>
+            <a:spLocks noChangeArrowheads="1"/>
+          </p:cNvSpPr>
+          <p:nvPr/>
+        </p:nvSpPr>
+        <p:spPr bwMode="auto">
+          <a:xfrm>
+            <a:off x="0" y="0"/>
+            <a:ext cx="9144000" cy="0"/>
+          </a:xfrm>
+          <a:prstGeom prst="rect">
+            <a:avLst/>
+          </a:prstGeom>
+          <a:noFill/>
+          <a:ln>
+            <a:noFill/>
+          </a:ln>
+          <a:effectLst/>
+          <a:extLst>
+            <a:ext uri="{909E8E84-426E-40DD-AFC4-6F175D3DCCD1}">
+              <a14:hiddenFill xmlns:a14="http://schemas.microsoft.com/office/drawing/2010/main" xmlns="">
+                <a:solidFill>
+                  <a:schemeClr val="accent1"/>
+                </a:solidFill>
+              </a14:hiddenFill>
+            </a:ext>
+            <a:ext uri="{91240B29-F687-4F45-9708-019B960494DF}">
+              <a14:hiddenLine xmlns:a14="http://schemas.microsoft.com/office/drawing/2010/main" xmlns="" w="9525">
+                <a:solidFill>
+                  <a:schemeClr val="tx1"/>
+                </a:solidFill>
+                <a:miter lim="800000"/>
+                <a:headEnd/>
+                <a:tailEnd/>
+              </a14:hiddenLine>
+            </a:ext>
+            <a:ext uri="{AF507438-7753-43E0-B8FC-AC1667EBCBE1}">
+              <a14:hiddenEffects xmlns:a14="http://schemas.microsoft.com/office/drawing/2010/main" xmlns="">
+                <a:effectLst>
+                  <a:outerShdw dist="35921" dir="2700000" algn="ctr" rotWithShape="0">
+                    <a:schemeClr val="bg2"/>
+                  </a:outerShdw>
+                </a:effectLst>
+              </a14:hiddenEffects>
+            </a:ext>
+          </a:extLst>
+        </p:spPr>
+        <p:txBody>
+          <a:bodyPr vert="horz" wrap="none" lIns="91440" tIns="45720" rIns="91440" bIns="45720" numCol="1" anchor="ctr" anchorCtr="0" compatLnSpc="1">
+            <a:prstTxWarp prst="textNoShape">
+              <a:avLst/>
+            </a:prstTxWarp>
+            <a:spAutoFit/>
+          </a:bodyPr>
+          <a:lstStyle/>
+          <a:p>
+            <a:endParaRPr lang="en-US"/>
+          </a:p>
+        </p:txBody>
+      </p:sp>
+      <p:sp>
+        <p:nvSpPr>
+          <p:cNvPr id="5" name="Rectangle 2"/>
+          <p:cNvSpPr>
+            <a:spLocks noChangeArrowheads="1"/>
+          </p:cNvSpPr>
+          <p:nvPr/>
+        </p:nvSpPr>
+        <p:spPr bwMode="auto">
+          <a:xfrm>
+            <a:off x="0" y="0"/>
+            <a:ext cx="9144000" cy="0"/>
+          </a:xfrm>
+          <a:prstGeom prst="rect">
+            <a:avLst/>
+          </a:prstGeom>
+          <a:noFill/>
+          <a:ln>
+            <a:noFill/>
+          </a:ln>
+          <a:effectLst/>
+          <a:extLst>
+            <a:ext uri="{909E8E84-426E-40DD-AFC4-6F175D3DCCD1}">
+              <a14:hiddenFill xmlns:a14="http://schemas.microsoft.com/office/drawing/2010/main" xmlns="">
+                <a:solidFill>
+                  <a:schemeClr val="accent1"/>
+                </a:solidFill>
+              </a14:hiddenFill>
+            </a:ext>
+            <a:ext uri="{91240B29-F687-4F45-9708-019B960494DF}">
+              <a14:hiddenLine xmlns:a14="http://schemas.microsoft.com/office/drawing/2010/main" xmlns="" w="9525">
+                <a:solidFill>
+                  <a:schemeClr val="tx1"/>
+                </a:solidFill>
+                <a:miter lim="800000"/>
+                <a:headEnd/>
+                <a:tailEnd/>
+              </a14:hiddenLine>
+            </a:ext>
+            <a:ext uri="{AF507438-7753-43E0-B8FC-AC1667EBCBE1}">
+              <a14:hiddenEffects xmlns:a14="http://schemas.microsoft.com/office/drawing/2010/main" xmlns="">
+                <a:effectLst>
+                  <a:outerShdw dist="35921" dir="2700000" algn="ctr" rotWithShape="0">
+                    <a:schemeClr val="bg2"/>
+                  </a:outerShdw>
+                </a:effectLst>
+              </a14:hiddenEffects>
+            </a:ext>
+          </a:extLst>
+        </p:spPr>
+        <p:txBody>
+          <a:bodyPr vert="horz" wrap="none" lIns="91440" tIns="45720" rIns="91440" bIns="45720" numCol="1" anchor="ctr" anchorCtr="0" compatLnSpc="1">
+            <a:prstTxWarp prst="textNoShape">
+              <a:avLst/>
+            </a:prstTxWarp>
+            <a:spAutoFit/>
+          </a:bodyPr>
+          <a:lstStyle/>
+          <a:p>
+            <a:endParaRPr lang="en-US"/>
+          </a:p>
+        </p:txBody>
+      </p:sp>
+      <p:sp>
+        <p:nvSpPr>
+          <p:cNvPr id="4" name="Rectangle 2"/>
+          <p:cNvSpPr>
+            <a:spLocks noChangeArrowheads="1"/>
+          </p:cNvSpPr>
+          <p:nvPr/>
+        </p:nvSpPr>
+        <p:spPr bwMode="auto">
+          <a:xfrm>
+            <a:off x="0" y="0"/>
+            <a:ext cx="9144000" cy="0"/>
+          </a:xfrm>
+          <a:prstGeom prst="rect">
+            <a:avLst/>
+          </a:prstGeom>
+          <a:noFill/>
+          <a:ln>
+            <a:noFill/>
+          </a:ln>
+          <a:effectLst/>
+          <a:extLst>
+            <a:ext uri="{909E8E84-426E-40DD-AFC4-6F175D3DCCD1}">
+              <a14:hiddenFill xmlns:a14="http://schemas.microsoft.com/office/drawing/2010/main" xmlns="">
+                <a:solidFill>
+                  <a:schemeClr val="accent1"/>
+                </a:solidFill>
+              </a14:hiddenFill>
+            </a:ext>
+            <a:ext uri="{91240B29-F687-4F45-9708-019B960494DF}">
+              <a14:hiddenLine xmlns:a14="http://schemas.microsoft.com/office/drawing/2010/main" xmlns="" w="9525">
+                <a:solidFill>
+                  <a:schemeClr val="tx1"/>
+                </a:solidFill>
+                <a:miter lim="800000"/>
+                <a:headEnd/>
+                <a:tailEnd/>
+              </a14:hiddenLine>
+            </a:ext>
+            <a:ext uri="{AF507438-7753-43E0-B8FC-AC1667EBCBE1}">
+              <a14:hiddenEffects xmlns:a14="http://schemas.microsoft.com/office/drawing/2010/main" xmlns="">
+                <a:effectLst>
+                  <a:outerShdw dist="35921" dir="2700000" algn="ctr" rotWithShape="0">
+                    <a:schemeClr val="bg2"/>
+                  </a:outerShdw>
+                </a:effectLst>
+              </a14:hiddenEffects>
+            </a:ext>
+          </a:extLst>
+        </p:spPr>
+        <p:txBody>
+          <a:bodyPr vert="horz" wrap="none" lIns="91440" tIns="45720" rIns="91440" bIns="45720" numCol="1" anchor="ctr" anchorCtr="0" compatLnSpc="1">
+            <a:prstTxWarp prst="textNoShape">
+              <a:avLst/>
+            </a:prstTxWarp>
+            <a:spAutoFit/>
+          </a:bodyPr>
+          <a:lstStyle/>
+          <a:p>
+            <a:endParaRPr lang="en-US"/>
+          </a:p>
+        </p:txBody>
+      </p:sp>
+    </p:spTree>
+    <p:extLst>
+      <p:ext uri="{BB962C8B-B14F-4D97-AF65-F5344CB8AC3E}">
+        <p14:creationId xmlns:p14="http://schemas.microsoft.com/office/powerpoint/2010/main" xmlns="" val="273623958"/>
+      </p:ext>
+    </p:extLst>
+  </p:cSld>
+  <p:clrMapOvr>
+    <a:masterClrMapping/>
+  </p:clrMapOvr>
+  <p:timing>
+    <p:tnLst>
+      <p:par>
+        <p:cTn id="1" dur="indefinite" restart="never" nodeType="tmRoot"/>
+      </p:par>
+    </p:tnLst>
+  </p:timing>
+</p:sld>
+</file>
+
+<file path=ppt/slides/slide16.xml><?xml version="1.0" encoding="utf-8"?>
+<p:sld xmlns:a="http://schemas.openxmlformats.org/drawingml/2006/main" xmlns:r="http://schemas.openxmlformats.org/officeDocument/2006/relationships" xmlns:p="http://schemas.openxmlformats.org/presentationml/2006/main">
+  <p:cSld>
+    <p:spTree>
+      <p:nvGrpSpPr>
+        <p:cNvPr id="1" name=""/>
+        <p:cNvGrpSpPr/>
+        <p:nvPr/>
+      </p:nvGrpSpPr>
+      <p:grpSpPr>
+        <a:xfrm>
+          <a:off x="0" y="0"/>
+          <a:ext cx="0" cy="0"/>
+          <a:chOff x="0" y="0"/>
+          <a:chExt cx="0" cy="0"/>
+        </a:xfrm>
+      </p:grpSpPr>
+      <p:sp>
+        <p:nvSpPr>
+          <p:cNvPr id="2" name="Title 1"/>
+          <p:cNvSpPr>
+            <a:spLocks noGrp="1"/>
+          </p:cNvSpPr>
+          <p:nvPr>
+            <p:ph type="title"/>
+          </p:nvPr>
+        </p:nvSpPr>
+        <p:spPr>
+          <a:xfrm>
+            <a:off x="840509" y="3079691"/>
+            <a:ext cx="7430925" cy="638582"/>
+          </a:xfrm>
+        </p:spPr>
+        <p:txBody>
+          <a:bodyPr>
+            <a:noAutofit/>
+          </a:bodyPr>
+          <a:lstStyle/>
+          <a:p>
+            <a:pPr algn="ctr"/>
+            <a:r>
+              <a:rPr lang="en-US" sz="7200" dirty="0" smtClean="0"/>
+              <a:t>Q &amp; A</a:t>
+            </a:r>
+            <a:endParaRPr lang="en-US" sz="7200" dirty="0"/>
+          </a:p>
+        </p:txBody>
+      </p:sp>
+      <p:sp>
+        <p:nvSpPr>
+          <p:cNvPr id="3" name="Rectangle 2"/>
+          <p:cNvSpPr>
+            <a:spLocks noChangeArrowheads="1"/>
+          </p:cNvSpPr>
+          <p:nvPr/>
+        </p:nvSpPr>
+        <p:spPr bwMode="auto">
+          <a:xfrm>
+            <a:off x="0" y="0"/>
+            <a:ext cx="9144000" cy="0"/>
+          </a:xfrm>
+          <a:prstGeom prst="rect">
+            <a:avLst/>
+          </a:prstGeom>
+          <a:noFill/>
+          <a:ln>
+            <a:noFill/>
+          </a:ln>
+          <a:effectLst/>
+          <a:extLst>
+            <a:ext uri="{909E8E84-426E-40DD-AFC4-6F175D3DCCD1}">
+              <a14:hiddenFill xmlns:a14="http://schemas.microsoft.com/office/drawing/2010/main" xmlns="">
+                <a:solidFill>
+                  <a:schemeClr val="accent1"/>
+                </a:solidFill>
+              </a14:hiddenFill>
+            </a:ext>
+            <a:ext uri="{91240B29-F687-4F45-9708-019B960494DF}">
+              <a14:hiddenLine xmlns:a14="http://schemas.microsoft.com/office/drawing/2010/main" xmlns="" w="9525">
+                <a:solidFill>
+                  <a:schemeClr val="tx1"/>
+                </a:solidFill>
+                <a:miter lim="800000"/>
+                <a:headEnd/>
+                <a:tailEnd/>
+              </a14:hiddenLine>
+            </a:ext>
+            <a:ext uri="{AF507438-7753-43E0-B8FC-AC1667EBCBE1}">
+              <a14:hiddenEffects xmlns:a14="http://schemas.microsoft.com/office/drawing/2010/main" xmlns="">
+                <a:effectLst>
+                  <a:outerShdw dist="35921" dir="2700000" algn="ctr" rotWithShape="0">
+                    <a:schemeClr val="bg2"/>
+                  </a:outerShdw>
+                </a:effectLst>
+              </a14:hiddenEffects>
+            </a:ext>
+          </a:extLst>
+        </p:spPr>
+        <p:txBody>
+          <a:bodyPr vert="horz" wrap="none" lIns="91440" tIns="45720" rIns="91440" bIns="45720" numCol="1" anchor="ctr" anchorCtr="0" compatLnSpc="1">
+            <a:prstTxWarp prst="textNoShape">
+              <a:avLst/>
+            </a:prstTxWarp>
+            <a:spAutoFit/>
+          </a:bodyPr>
+          <a:lstStyle/>
+          <a:p>
+            <a:endParaRPr lang="en-US"/>
+          </a:p>
+        </p:txBody>
+      </p:sp>
+      <p:sp>
+        <p:nvSpPr>
+          <p:cNvPr id="5" name="Rectangle 2"/>
+          <p:cNvSpPr>
+            <a:spLocks noChangeArrowheads="1"/>
+          </p:cNvSpPr>
+          <p:nvPr/>
+        </p:nvSpPr>
+        <p:spPr bwMode="auto">
+          <a:xfrm>
+            <a:off x="0" y="0"/>
+            <a:ext cx="9144000" cy="0"/>
+          </a:xfrm>
+          <a:prstGeom prst="rect">
+            <a:avLst/>
+          </a:prstGeom>
+          <a:noFill/>
+          <a:ln>
+            <a:noFill/>
+          </a:ln>
+          <a:effectLst/>
+          <a:extLst>
+            <a:ext uri="{909E8E84-426E-40DD-AFC4-6F175D3DCCD1}">
+              <a14:hiddenFill xmlns:a14="http://schemas.microsoft.com/office/drawing/2010/main" xmlns="">
+                <a:solidFill>
+                  <a:schemeClr val="accent1"/>
+                </a:solidFill>
+              </a14:hiddenFill>
+            </a:ext>
+            <a:ext uri="{91240B29-F687-4F45-9708-019B960494DF}">
+              <a14:hiddenLine xmlns:a14="http://schemas.microsoft.com/office/drawing/2010/main" xmlns="" w="9525">
+                <a:solidFill>
+                  <a:schemeClr val="tx1"/>
+                </a:solidFill>
+                <a:miter lim="800000"/>
+                <a:headEnd/>
+                <a:tailEnd/>
+              </a14:hiddenLine>
+            </a:ext>
+            <a:ext uri="{AF507438-7753-43E0-B8FC-AC1667EBCBE1}">
+              <a14:hiddenEffects xmlns:a14="http://schemas.microsoft.com/office/drawing/2010/main" xmlns="">
+                <a:effectLst>
+                  <a:outerShdw dist="35921" dir="2700000" algn="ctr" rotWithShape="0">
+                    <a:schemeClr val="bg2"/>
+                  </a:outerShdw>
+                </a:effectLst>
+              </a14:hiddenEffects>
+            </a:ext>
+          </a:extLst>
+        </p:spPr>
+        <p:txBody>
+          <a:bodyPr vert="horz" wrap="none" lIns="91440" tIns="45720" rIns="91440" bIns="45720" numCol="1" anchor="ctr" anchorCtr="0" compatLnSpc="1">
+            <a:prstTxWarp prst="textNoShape">
+              <a:avLst/>
+            </a:prstTxWarp>
+            <a:spAutoFit/>
+          </a:bodyPr>
+          <a:lstStyle/>
+          <a:p>
+            <a:endParaRPr lang="en-US"/>
+          </a:p>
+        </p:txBody>
+      </p:sp>
+      <p:sp>
+        <p:nvSpPr>
+          <p:cNvPr id="4" name="Rectangle 2"/>
+          <p:cNvSpPr>
+            <a:spLocks noChangeArrowheads="1"/>
+          </p:cNvSpPr>
+          <p:nvPr/>
+        </p:nvSpPr>
+        <p:spPr bwMode="auto">
+          <a:xfrm>
+            <a:off x="0" y="0"/>
+            <a:ext cx="9144000" cy="0"/>
+          </a:xfrm>
+          <a:prstGeom prst="rect">
+            <a:avLst/>
+          </a:prstGeom>
+          <a:noFill/>
+          <a:ln>
+            <a:noFill/>
+          </a:ln>
+          <a:effectLst/>
+          <a:extLst>
+            <a:ext uri="{909E8E84-426E-40DD-AFC4-6F175D3DCCD1}">
+              <a14:hiddenFill xmlns:a14="http://schemas.microsoft.com/office/drawing/2010/main" xmlns="">
+                <a:solidFill>
+                  <a:schemeClr val="accent1"/>
+                </a:solidFill>
+              </a14:hiddenFill>
+            </a:ext>
+            <a:ext uri="{91240B29-F687-4F45-9708-019B960494DF}">
+              <a14:hiddenLine xmlns:a14="http://schemas.microsoft.com/office/drawing/2010/main" xmlns="" w="9525">
+                <a:solidFill>
+                  <a:schemeClr val="tx1"/>
+                </a:solidFill>
+                <a:miter lim="800000"/>
+                <a:headEnd/>
+                <a:tailEnd/>
+              </a14:hiddenLine>
+            </a:ext>
+            <a:ext uri="{AF507438-7753-43E0-B8FC-AC1667EBCBE1}">
+              <a14:hiddenEffects xmlns:a14="http://schemas.microsoft.com/office/drawing/2010/main" xmlns="">
+                <a:effectLst>
+                  <a:outerShdw dist="35921" dir="2700000" algn="ctr" rotWithShape="0">
+                    <a:schemeClr val="bg2"/>
+                  </a:outerShdw>
+                </a:effectLst>
+              </a14:hiddenEffects>
+            </a:ext>
+          </a:extLst>
+        </p:spPr>
+        <p:txBody>
+          <a:bodyPr vert="horz" wrap="none" lIns="91440" tIns="45720" rIns="91440" bIns="45720" numCol="1" anchor="ctr" anchorCtr="0" compatLnSpc="1">
+            <a:prstTxWarp prst="textNoShape">
+              <a:avLst/>
+            </a:prstTxWarp>
+            <a:spAutoFit/>
+          </a:bodyPr>
+          <a:lstStyle/>
+          <a:p>
+            <a:endParaRPr lang="en-US"/>
+          </a:p>
+        </p:txBody>
+      </p:sp>
+    </p:spTree>
+    <p:extLst>
+      <p:ext uri="{BB962C8B-B14F-4D97-AF65-F5344CB8AC3E}">
+        <p14:creationId xmlns:p14="http://schemas.microsoft.com/office/powerpoint/2010/main" xmlns="" val="336984967"/>
       </p:ext>
     </p:extLst>
   </p:cSld>
@@ -14465,16 +15309,14 @@
         </p:nvSpPr>
         <p:spPr/>
         <p:txBody>
-          <a:bodyPr/>
+          <a:bodyPr>
+            <a:normAutofit/>
+          </a:bodyPr>
           <a:lstStyle/>
           <a:p>
             <a:r>
               <a:rPr lang="en-US" dirty="0" smtClean="0"/>
-              <a:t>Online </a:t>
-            </a:r>
-            <a:r>
-              <a:rPr lang="en-US" dirty="0" err="1" smtClean="0"/>
-              <a:t>Demonstation</a:t>
+              <a:t>Project Overview</a:t>
             </a:r>
             <a:endParaRPr lang="en-US" dirty="0"/>
           </a:p>
@@ -14495,89 +15337,45 @@
           <a:bodyPr/>
           <a:lstStyle/>
           <a:p>
-            <a:endParaRPr lang="en-US" dirty="0" smtClean="0">
-              <a:hlinkClick r:id="rId2"/>
-            </a:endParaRPr>
-          </a:p>
-          <a:p>
-            <a:r>
-              <a:rPr lang="en-US" dirty="0" smtClean="0">
-                <a:hlinkClick r:id="rId2"/>
-              </a:rPr>
-              <a:t>http://ibudget.simplefunctions.com</a:t>
-            </a:r>
-            <a:endParaRPr lang="en-US" dirty="0" smtClean="0"/>
-          </a:p>
-          <a:p>
-            <a:endParaRPr lang="en-US" dirty="0" smtClean="0"/>
-          </a:p>
-          <a:p>
             <a:r>
               <a:rPr lang="en-US" dirty="0" smtClean="0"/>
-              <a:t>We each take turn to show the pages or functionalities that we worked on.</a:t>
+              <a:t>What is </a:t>
+            </a:r>
+            <a:r>
+              <a:rPr lang="en-US" dirty="0" err="1" smtClean="0"/>
+              <a:t>iBudget</a:t>
+            </a:r>
+            <a:r>
+              <a:rPr lang="en-US" dirty="0" smtClean="0"/>
+              <a:t>? -1 slide</a:t>
+            </a:r>
+          </a:p>
+          <a:p>
+            <a:r>
+              <a:rPr lang="en-US" dirty="0" smtClean="0"/>
+              <a:t>Example of competition – Mint 1 slide</a:t>
+            </a:r>
+          </a:p>
+          <a:p>
+            <a:r>
+              <a:rPr lang="en-US" dirty="0" smtClean="0"/>
+              <a:t>Competitive advantage – 1 slide</a:t>
+            </a:r>
+          </a:p>
+          <a:p>
+            <a:r>
+              <a:rPr lang="en-US" dirty="0" smtClean="0"/>
+              <a:t>What is the expected outcome of the project – 1 slide</a:t>
             </a:r>
             <a:endParaRPr lang="en-US" dirty="0"/>
           </a:p>
         </p:txBody>
       </p:sp>
-      <p:pic>
-        <p:nvPicPr>
-          <p:cNvPr id="1026" name="Picture 2" descr="HTML5-logo.svg"/>
-          <p:cNvPicPr>
-            <a:picLocks noChangeAspect="1" noChangeArrowheads="1"/>
-          </p:cNvPicPr>
-          <p:nvPr/>
-        </p:nvPicPr>
-        <p:blipFill>
-          <a:blip r:embed="rId3">
-            <a:extLst>
-              <a:ext uri="{28A0092B-C50C-407E-A947-70E740481C1C}">
-                <a14:useLocalDpi xmlns:a14="http://schemas.microsoft.com/office/drawing/2010/main" val="0"/>
-              </a:ext>
-            </a:extLst>
-          </a:blip>
-          <a:srcRect/>
-          <a:stretch>
-            <a:fillRect/>
-          </a:stretch>
-        </p:blipFill>
-        <p:spPr bwMode="auto">
-          <a:xfrm>
-            <a:off x="3862602" y="4856334"/>
-            <a:ext cx="1143000" cy="1143001"/>
-          </a:xfrm>
-          <a:prstGeom prst="rect">
-            <a:avLst/>
-          </a:prstGeom>
-          <a:noFill/>
-          <a:extLst>
-            <a:ext uri="{909E8E84-426E-40DD-AFC4-6F175D3DCCD1}">
-              <a14:hiddenFill xmlns:a14="http://schemas.microsoft.com/office/drawing/2010/main">
-                <a:solidFill>
-                  <a:srgbClr val="FFFFFF"/>
-                </a:solidFill>
-              </a14:hiddenFill>
-            </a:ext>
-          </a:extLst>
-        </p:spPr>
-      </p:pic>
     </p:spTree>
-    <p:extLst>
-      <p:ext uri="{BB962C8B-B14F-4D97-AF65-F5344CB8AC3E}">
-        <p14:creationId xmlns:p14="http://schemas.microsoft.com/office/powerpoint/2010/main" val="3832736806"/>
-      </p:ext>
-    </p:extLst>
   </p:cSld>
   <p:clrMapOvr>
     <a:masterClrMapping/>
   </p:clrMapOvr>
-  <p:timing>
-    <p:tnLst>
-      <p:par>
-        <p:cTn id="1" dur="indefinite" restart="never" nodeType="tmRoot"/>
-      </p:par>
-    </p:tnLst>
-  </p:timing>
 </p:sld>
 </file>
 
@@ -14610,12 +15408,14 @@
         </p:nvSpPr>
         <p:spPr/>
         <p:txBody>
-          <a:bodyPr/>
+          <a:bodyPr>
+            <a:normAutofit/>
+          </a:bodyPr>
           <a:lstStyle/>
           <a:p>
             <a:r>
               <a:rPr lang="en-US" dirty="0" smtClean="0"/>
-              <a:t>Source Code</a:t>
+              <a:t>Project Organization</a:t>
             </a:r>
             <a:endParaRPr lang="en-US" dirty="0"/>
           </a:p>
@@ -14631,41 +15431,39 @@
             <p:ph idx="1"/>
           </p:nvPr>
         </p:nvSpPr>
-        <p:spPr>
-          <a:xfrm>
-            <a:off x="1043492" y="2817091"/>
-            <a:ext cx="6777317" cy="3015538"/>
-          </a:xfrm>
-        </p:spPr>
+        <p:spPr/>
         <p:txBody>
           <a:bodyPr/>
           <a:lstStyle/>
           <a:p>
             <a:r>
               <a:rPr lang="en-US" dirty="0" smtClean="0"/>
-              <a:t>We can pick out section of source code that we want to show</a:t>
+              <a:t>Process Model – Unified Process</a:t>
+            </a:r>
+          </a:p>
+          <a:p>
+            <a:r>
+              <a:rPr lang="en-US" dirty="0" smtClean="0"/>
+              <a:t>Organizational Structure</a:t>
+            </a:r>
+          </a:p>
+          <a:p>
+            <a:pPr>
+              <a:buNone/>
+            </a:pPr>
+            <a:r>
+              <a:rPr lang="en-US" dirty="0" smtClean="0"/>
+              <a:t> </a:t>
             </a:r>
             <a:endParaRPr lang="en-US" dirty="0"/>
           </a:p>
         </p:txBody>
       </p:sp>
     </p:spTree>
-    <p:extLst>
-      <p:ext uri="{BB962C8B-B14F-4D97-AF65-F5344CB8AC3E}">
-        <p14:creationId xmlns:p14="http://schemas.microsoft.com/office/powerpoint/2010/main" val="1092677546"/>
-      </p:ext>
-    </p:extLst>
   </p:cSld>
   <p:clrMapOvr>
     <a:masterClrMapping/>
   </p:clrMapOvr>
-  <p:timing>
-    <p:tnLst>
-      <p:par>
-        <p:cTn id="1" dur="indefinite" restart="never" nodeType="tmRoot"/>
-      </p:par>
-    </p:tnLst>
-  </p:timing>
 </p:sld>
 </file>
 
@@ -14696,43 +15494,69 @@
             <p:ph type="title"/>
           </p:nvPr>
         </p:nvSpPr>
-        <p:spPr>
-          <a:xfrm>
-            <a:off x="1043490" y="1037291"/>
-            <a:ext cx="7024744" cy="638582"/>
-          </a:xfrm>
-        </p:spPr>
+        <p:spPr/>
         <p:txBody>
-          <a:bodyPr>
-            <a:normAutofit fontScale="90000"/>
-          </a:bodyPr>
+          <a:bodyPr/>
           <a:lstStyle/>
           <a:p>
             <a:r>
               <a:rPr lang="en-US" dirty="0" smtClean="0"/>
-              <a:t>API Document</a:t>
+              <a:t>M</a:t>
+            </a:r>
+            <a:r>
+              <a:rPr lang="en-US" dirty="0" smtClean="0"/>
+              <a:t>anagement Process</a:t>
+            </a:r>
+            <a:endParaRPr lang="en-US" dirty="0"/>
+          </a:p>
+        </p:txBody>
+      </p:sp>
+      <p:sp>
+        <p:nvSpPr>
+          <p:cNvPr id="3" name="Content Placeholder 2"/>
+          <p:cNvSpPr>
+            <a:spLocks noGrp="1"/>
+          </p:cNvSpPr>
+          <p:nvPr>
+            <p:ph idx="1"/>
+          </p:nvPr>
+        </p:nvSpPr>
+        <p:spPr/>
+        <p:txBody>
+          <a:bodyPr/>
+          <a:lstStyle/>
+          <a:p>
+            <a:r>
+              <a:rPr lang="en-US" dirty="0" smtClean="0"/>
+              <a:t>Management Objectives and Priorities</a:t>
+            </a:r>
+          </a:p>
+          <a:p>
+            <a:r>
+              <a:rPr lang="en-US" dirty="0" smtClean="0"/>
+              <a:t>Risk management</a:t>
+            </a:r>
+          </a:p>
+          <a:p>
+            <a:r>
+              <a:rPr lang="en-US" dirty="0" smtClean="0"/>
+              <a:t>Monitoring and controlling mechanism</a:t>
+            </a:r>
+          </a:p>
+          <a:p>
+            <a:r>
+              <a:rPr lang="en-US" dirty="0" smtClean="0"/>
+              <a:t>Staffing Plan</a:t>
             </a:r>
             <a:endParaRPr lang="en-US" dirty="0"/>
           </a:p>
         </p:txBody>
       </p:sp>
     </p:spTree>
-    <p:extLst>
-      <p:ext uri="{BB962C8B-B14F-4D97-AF65-F5344CB8AC3E}">
-        <p14:creationId xmlns:p14="http://schemas.microsoft.com/office/powerpoint/2010/main" val="3037995522"/>
-      </p:ext>
-    </p:extLst>
   </p:cSld>
   <p:clrMapOvr>
     <a:masterClrMapping/>
   </p:clrMapOvr>
-  <p:timing>
-    <p:tnLst>
-      <p:par>
-        <p:cTn id="1" dur="indefinite" restart="never" nodeType="tmRoot"/>
-      </p:par>
-    </p:tnLst>
-  </p:timing>
 </p:sld>
 </file>
 
@@ -14763,12 +15587,7 @@
             <p:ph type="title"/>
           </p:nvPr>
         </p:nvSpPr>
-        <p:spPr>
-          <a:xfrm>
-            <a:off x="1043490" y="402565"/>
-            <a:ext cx="7024744" cy="1143000"/>
-          </a:xfrm>
-        </p:spPr>
+        <p:spPr/>
         <p:txBody>
           <a:bodyPr>
             <a:normAutofit/>
@@ -14777,29 +15596,51 @@
           <a:p>
             <a:r>
               <a:rPr lang="en-US" dirty="0" smtClean="0"/>
-              <a:t>STD</a:t>
+              <a:t>Resources and Schedule</a:t>
             </a:r>
+            <a:endParaRPr lang="en-US" dirty="0"/>
+          </a:p>
+        </p:txBody>
+      </p:sp>
+      <p:sp>
+        <p:nvSpPr>
+          <p:cNvPr id="3" name="Content Placeholder 2"/>
+          <p:cNvSpPr>
+            <a:spLocks noGrp="1"/>
+          </p:cNvSpPr>
+          <p:nvPr>
+            <p:ph idx="1"/>
+          </p:nvPr>
+        </p:nvSpPr>
+        <p:spPr/>
+        <p:txBody>
+          <a:bodyPr/>
+          <a:lstStyle/>
+          <a:p>
+            <a:r>
+              <a:rPr lang="en-US" dirty="0" smtClean="0"/>
+              <a:t>Budget and resource allocation</a:t>
+            </a:r>
+          </a:p>
+          <a:p>
+            <a:r>
+              <a:rPr lang="en-US" dirty="0" smtClean="0"/>
+              <a:t>Schedule</a:t>
+            </a:r>
+          </a:p>
+          <a:p>
+            <a:pPr>
+              <a:buNone/>
+            </a:pPr>
             <a:endParaRPr lang="en-US" dirty="0"/>
           </a:p>
         </p:txBody>
       </p:sp>
     </p:spTree>
-    <p:extLst>
-      <p:ext uri="{BB962C8B-B14F-4D97-AF65-F5344CB8AC3E}">
-        <p14:creationId xmlns:p14="http://schemas.microsoft.com/office/powerpoint/2010/main" val="1459248129"/>
-      </p:ext>
-    </p:extLst>
   </p:cSld>
   <p:clrMapOvr>
     <a:masterClrMapping/>
   </p:clrMapOvr>
-  <p:timing>
-    <p:tnLst>
-      <p:par>
-        <p:cTn id="1" dur="indefinite" restart="never" nodeType="tmRoot"/>
-      </p:par>
-    </p:tnLst>
-  </p:timing>
 </p:sld>
 </file>
 
@@ -14830,83 +15671,28 @@
             <p:ph type="title"/>
           </p:nvPr>
         </p:nvSpPr>
-        <p:spPr>
-          <a:xfrm>
-            <a:off x="1043490" y="641291"/>
-            <a:ext cx="7024744" cy="638582"/>
-          </a:xfrm>
-        </p:spPr>
+        <p:spPr/>
         <p:txBody>
-          <a:bodyPr>
-            <a:normAutofit fontScale="90000"/>
-          </a:bodyPr>
+          <a:bodyPr/>
           <a:lstStyle/>
           <a:p>
-            <a:r>
-              <a:rPr lang="en-US" dirty="0" smtClean="0"/>
-              <a:t>SRS</a:t>
-            </a:r>
-            <a:endParaRPr lang="en-US" dirty="0"/>
+            <a:endParaRPr lang="en-US"/>
           </a:p>
         </p:txBody>
       </p:sp>
       <p:sp>
         <p:nvSpPr>
-          <p:cNvPr id="3" name="Rectangle 2"/>
+          <p:cNvPr id="3" name="Content Placeholder 2"/>
           <p:cNvSpPr>
-            <a:spLocks noChangeArrowheads="1"/>
+            <a:spLocks noGrp="1"/>
           </p:cNvSpPr>
-          <p:nvPr/>
+          <p:nvPr>
+            <p:ph idx="1"/>
+          </p:nvPr>
         </p:nvSpPr>
-        <p:spPr bwMode="auto">
-          <a:xfrm>
-            <a:off x="0" y="0"/>
-            <a:ext cx="9144000" cy="0"/>
-          </a:xfrm>
-          <a:prstGeom prst="rect">
-            <a:avLst/>
-          </a:prstGeom>
-          <a:noFill/>
-          <a:ln>
-            <a:noFill/>
-          </a:ln>
-          <a:effectLst/>
-          <a:extLst>
-            <a:ext uri="{909E8E84-426E-40DD-AFC4-6F175D3DCCD1}">
-              <a14:hiddenFill xmlns:a14="http://schemas.microsoft.com/office/drawing/2010/main">
-                <a:solidFill>
-                  <a:schemeClr val="accent1"/>
-                </a:solidFill>
-              </a14:hiddenFill>
-            </a:ext>
-            <a:ext uri="{91240B29-F687-4F45-9708-019B960494DF}">
-              <a14:hiddenLine xmlns:a14="http://schemas.microsoft.com/office/drawing/2010/main" w="9525">
-                <a:solidFill>
-                  <a:schemeClr val="tx1"/>
-                </a:solidFill>
-                <a:miter lim="800000"/>
-                <a:headEnd/>
-                <a:tailEnd/>
-              </a14:hiddenLine>
-            </a:ext>
-            <a:ext uri="{AF507438-7753-43E0-B8FC-AC1667EBCBE1}">
-              <a14:hiddenEffects xmlns:a14="http://schemas.microsoft.com/office/drawing/2010/main">
-                <a:effectLst>
-                  <a:outerShdw dist="35921" dir="2700000" algn="ctr" rotWithShape="0">
-                    <a:schemeClr val="bg2"/>
-                  </a:outerShdw>
-                </a:effectLst>
-              </a14:hiddenEffects>
-            </a:ext>
-          </a:extLst>
-        </p:spPr>
+        <p:spPr/>
         <p:txBody>
-          <a:bodyPr vert="horz" wrap="none" lIns="91440" tIns="45720" rIns="91440" bIns="45720" numCol="1" anchor="ctr" anchorCtr="0" compatLnSpc="1">
-            <a:prstTxWarp prst="textNoShape">
-              <a:avLst/>
-            </a:prstTxWarp>
-            <a:spAutoFit/>
-          </a:bodyPr>
+          <a:bodyPr/>
           <a:lstStyle/>
           <a:p>
             <a:endParaRPr lang="en-US"/>
@@ -14914,22 +15700,10 @@
         </p:txBody>
       </p:sp>
     </p:spTree>
-    <p:extLst>
-      <p:ext uri="{BB962C8B-B14F-4D97-AF65-F5344CB8AC3E}">
-        <p14:creationId xmlns:p14="http://schemas.microsoft.com/office/powerpoint/2010/main" val="224431329"/>
-      </p:ext>
-    </p:extLst>
   </p:cSld>
   <p:clrMapOvr>
     <a:masterClrMapping/>
   </p:clrMapOvr>
-  <p:timing>
-    <p:tnLst>
-      <p:par>
-        <p:cTn id="1" dur="indefinite" restart="never" nodeType="tmRoot"/>
-      </p:par>
-    </p:tnLst>
-  </p:timing>
 </p:sld>
 </file>
 
@@ -14960,21 +15734,18 @@
             <p:ph type="title"/>
           </p:nvPr>
         </p:nvSpPr>
-        <p:spPr>
-          <a:xfrm>
-            <a:off x="1043490" y="641291"/>
-            <a:ext cx="7024744" cy="638582"/>
-          </a:xfrm>
-        </p:spPr>
+        <p:spPr/>
         <p:txBody>
-          <a:bodyPr>
-            <a:normAutofit fontScale="90000"/>
-          </a:bodyPr>
+          <a:bodyPr/>
           <a:lstStyle/>
           <a:p>
             <a:r>
               <a:rPr lang="en-US" dirty="0" smtClean="0"/>
-              <a:t>SDD</a:t>
+              <a:t>Online </a:t>
+            </a:r>
+            <a:r>
+              <a:rPr lang="en-US" dirty="0" err="1" smtClean="0"/>
+              <a:t>Demonstation</a:t>
             </a:r>
             <a:endParaRPr lang="en-US" dirty="0"/>
           </a:p>
@@ -14982,134 +15753,89 @@
       </p:sp>
       <p:sp>
         <p:nvSpPr>
-          <p:cNvPr id="3" name="Rectangle 2"/>
+          <p:cNvPr id="3" name="Content Placeholder 2"/>
           <p:cNvSpPr>
-            <a:spLocks noChangeArrowheads="1"/>
+            <a:spLocks noGrp="1"/>
           </p:cNvSpPr>
+          <p:nvPr>
+            <p:ph idx="1"/>
+          </p:nvPr>
+        </p:nvSpPr>
+        <p:spPr/>
+        <p:txBody>
+          <a:bodyPr/>
+          <a:lstStyle/>
+          <a:p>
+            <a:endParaRPr lang="en-US" dirty="0" smtClean="0">
+              <a:hlinkClick r:id="rId2"/>
+            </a:endParaRPr>
+          </a:p>
+          <a:p>
+            <a:r>
+              <a:rPr lang="en-US" dirty="0" smtClean="0">
+                <a:hlinkClick r:id="rId2"/>
+              </a:rPr>
+              <a:t>http://ibudget.simplefunctions.com</a:t>
+            </a:r>
+            <a:endParaRPr lang="en-US" dirty="0" smtClean="0"/>
+          </a:p>
+          <a:p>
+            <a:endParaRPr lang="en-US" dirty="0" smtClean="0"/>
+          </a:p>
+          <a:p>
+            <a:r>
+              <a:rPr lang="en-US" dirty="0" smtClean="0"/>
+              <a:t>We each take turn to show the pages or functionalities that we worked on.</a:t>
+            </a:r>
+            <a:endParaRPr lang="en-US" dirty="0"/>
+          </a:p>
+        </p:txBody>
+      </p:sp>
+      <p:pic>
+        <p:nvPicPr>
+          <p:cNvPr id="1026" name="Picture 2" descr="HTML5-logo.svg"/>
+          <p:cNvPicPr>
+            <a:picLocks noChangeAspect="1" noChangeArrowheads="1"/>
+          </p:cNvPicPr>
           <p:nvPr/>
-        </p:nvSpPr>
+        </p:nvPicPr>
+        <p:blipFill>
+          <a:blip r:embed="rId3" cstate="print">
+            <a:extLst>
+              <a:ext uri="{28A0092B-C50C-407E-A947-70E740481C1C}">
+                <a14:useLocalDpi xmlns:a14="http://schemas.microsoft.com/office/drawing/2010/main" xmlns="" val="0"/>
+              </a:ext>
+            </a:extLst>
+          </a:blip>
+          <a:srcRect/>
+          <a:stretch>
+            <a:fillRect/>
+          </a:stretch>
+        </p:blipFill>
         <p:spPr bwMode="auto">
           <a:xfrm>
-            <a:off x="0" y="0"/>
-            <a:ext cx="9144000" cy="0"/>
+            <a:off x="3862602" y="4856334"/>
+            <a:ext cx="1143000" cy="1143001"/>
           </a:xfrm>
           <a:prstGeom prst="rect">
             <a:avLst/>
           </a:prstGeom>
           <a:noFill/>
-          <a:ln>
-            <a:noFill/>
-          </a:ln>
-          <a:effectLst/>
           <a:extLst>
             <a:ext uri="{909E8E84-426E-40DD-AFC4-6F175D3DCCD1}">
-              <a14:hiddenFill xmlns:a14="http://schemas.microsoft.com/office/drawing/2010/main">
+              <a14:hiddenFill xmlns:a14="http://schemas.microsoft.com/office/drawing/2010/main" xmlns="">
                 <a:solidFill>
-                  <a:schemeClr val="accent1"/>
+                  <a:srgbClr val="FFFFFF"/>
                 </a:solidFill>
               </a14:hiddenFill>
             </a:ext>
-            <a:ext uri="{91240B29-F687-4F45-9708-019B960494DF}">
-              <a14:hiddenLine xmlns:a14="http://schemas.microsoft.com/office/drawing/2010/main" w="9525">
-                <a:solidFill>
-                  <a:schemeClr val="tx1"/>
-                </a:solidFill>
-                <a:miter lim="800000"/>
-                <a:headEnd/>
-                <a:tailEnd/>
-              </a14:hiddenLine>
-            </a:ext>
-            <a:ext uri="{AF507438-7753-43E0-B8FC-AC1667EBCBE1}">
-              <a14:hiddenEffects xmlns:a14="http://schemas.microsoft.com/office/drawing/2010/main">
-                <a:effectLst>
-                  <a:outerShdw dist="35921" dir="2700000" algn="ctr" rotWithShape="0">
-                    <a:schemeClr val="bg2"/>
-                  </a:outerShdw>
-                </a:effectLst>
-              </a14:hiddenEffects>
-            </a:ext>
           </a:extLst>
         </p:spPr>
-        <p:txBody>
-          <a:bodyPr vert="horz" wrap="none" lIns="91440" tIns="45720" rIns="91440" bIns="45720" numCol="1" anchor="ctr" anchorCtr="0" compatLnSpc="1">
-            <a:prstTxWarp prst="textNoShape">
-              <a:avLst/>
-            </a:prstTxWarp>
-            <a:spAutoFit/>
-          </a:bodyPr>
-          <a:lstStyle/>
-          <a:p>
-            <a:endParaRPr lang="en-US"/>
-          </a:p>
-        </p:txBody>
-      </p:sp>
-      <p:sp>
-        <p:nvSpPr>
-          <p:cNvPr id="5" name="Rectangle 2"/>
-          <p:cNvSpPr>
-            <a:spLocks noChangeArrowheads="1"/>
-          </p:cNvSpPr>
-          <p:nvPr/>
-        </p:nvSpPr>
-        <p:spPr bwMode="auto">
-          <a:xfrm>
-            <a:off x="0" y="0"/>
-            <a:ext cx="9144000" cy="0"/>
-          </a:xfrm>
-          <a:prstGeom prst="rect">
-            <a:avLst/>
-          </a:prstGeom>
-          <a:noFill/>
-          <a:ln>
-            <a:noFill/>
-          </a:ln>
-          <a:effectLst/>
-          <a:extLst>
-            <a:ext uri="{909E8E84-426E-40DD-AFC4-6F175D3DCCD1}">
-              <a14:hiddenFill xmlns:a14="http://schemas.microsoft.com/office/drawing/2010/main">
-                <a:solidFill>
-                  <a:schemeClr val="accent1"/>
-                </a:solidFill>
-              </a14:hiddenFill>
-            </a:ext>
-            <a:ext uri="{91240B29-F687-4F45-9708-019B960494DF}">
-              <a14:hiddenLine xmlns:a14="http://schemas.microsoft.com/office/drawing/2010/main" w="9525">
-                <a:solidFill>
-                  <a:schemeClr val="tx1"/>
-                </a:solidFill>
-                <a:miter lim="800000"/>
-                <a:headEnd/>
-                <a:tailEnd/>
-              </a14:hiddenLine>
-            </a:ext>
-            <a:ext uri="{AF507438-7753-43E0-B8FC-AC1667EBCBE1}">
-              <a14:hiddenEffects xmlns:a14="http://schemas.microsoft.com/office/drawing/2010/main">
-                <a:effectLst>
-                  <a:outerShdw dist="35921" dir="2700000" algn="ctr" rotWithShape="0">
-                    <a:schemeClr val="bg2"/>
-                  </a:outerShdw>
-                </a:effectLst>
-              </a14:hiddenEffects>
-            </a:ext>
-          </a:extLst>
-        </p:spPr>
-        <p:txBody>
-          <a:bodyPr vert="horz" wrap="none" lIns="91440" tIns="45720" rIns="91440" bIns="45720" numCol="1" anchor="ctr" anchorCtr="0" compatLnSpc="1">
-            <a:prstTxWarp prst="textNoShape">
-              <a:avLst/>
-            </a:prstTxWarp>
-            <a:spAutoFit/>
-          </a:bodyPr>
-          <a:lstStyle/>
-          <a:p>
-            <a:endParaRPr lang="en-US"/>
-          </a:p>
-        </p:txBody>
-      </p:sp>
+      </p:pic>
     </p:spTree>
     <p:extLst>
       <p:ext uri="{BB962C8B-B14F-4D97-AF65-F5344CB8AC3E}">
-        <p14:creationId xmlns:p14="http://schemas.microsoft.com/office/powerpoint/2010/main" val="2798939284"/>
+        <p14:creationId xmlns:p14="http://schemas.microsoft.com/office/powerpoint/2010/main" xmlns="" val="3832736806"/>
       </p:ext>
     </p:extLst>
   </p:cSld>
@@ -15153,21 +15879,14 @@
             <p:ph type="title"/>
           </p:nvPr>
         </p:nvSpPr>
-        <p:spPr>
-          <a:xfrm>
-            <a:off x="1043490" y="641291"/>
-            <a:ext cx="7024744" cy="638582"/>
-          </a:xfrm>
-        </p:spPr>
+        <p:spPr/>
         <p:txBody>
-          <a:bodyPr>
-            <a:normAutofit fontScale="90000"/>
-          </a:bodyPr>
+          <a:bodyPr/>
           <a:lstStyle/>
           <a:p>
             <a:r>
               <a:rPr lang="en-US" dirty="0" smtClean="0"/>
-              <a:t>SPMP</a:t>
+              <a:t>Source Code</a:t>
             </a:r>
             <a:endParaRPr lang="en-US" dirty="0"/>
           </a:p>
@@ -15175,134 +15894,36 @@
       </p:sp>
       <p:sp>
         <p:nvSpPr>
-          <p:cNvPr id="3" name="Rectangle 2"/>
+          <p:cNvPr id="3" name="Content Placeholder 2"/>
           <p:cNvSpPr>
-            <a:spLocks noChangeArrowheads="1"/>
+            <a:spLocks noGrp="1"/>
           </p:cNvSpPr>
-          <p:nvPr/>
+          <p:nvPr>
+            <p:ph idx="1"/>
+          </p:nvPr>
         </p:nvSpPr>
-        <p:spPr bwMode="auto">
+        <p:spPr>
           <a:xfrm>
-            <a:off x="0" y="0"/>
-            <a:ext cx="9144000" cy="0"/>
+            <a:off x="1043492" y="2817091"/>
+            <a:ext cx="6777317" cy="3015538"/>
           </a:xfrm>
-          <a:prstGeom prst="rect">
-            <a:avLst/>
-          </a:prstGeom>
-          <a:noFill/>
-          <a:ln>
-            <a:noFill/>
-          </a:ln>
-          <a:effectLst/>
-          <a:extLst>
-            <a:ext uri="{909E8E84-426E-40DD-AFC4-6F175D3DCCD1}">
-              <a14:hiddenFill xmlns:a14="http://schemas.microsoft.com/office/drawing/2010/main">
-                <a:solidFill>
-                  <a:schemeClr val="accent1"/>
-                </a:solidFill>
-              </a14:hiddenFill>
-            </a:ext>
-            <a:ext uri="{91240B29-F687-4F45-9708-019B960494DF}">
-              <a14:hiddenLine xmlns:a14="http://schemas.microsoft.com/office/drawing/2010/main" w="9525">
-                <a:solidFill>
-                  <a:schemeClr val="tx1"/>
-                </a:solidFill>
-                <a:miter lim="800000"/>
-                <a:headEnd/>
-                <a:tailEnd/>
-              </a14:hiddenLine>
-            </a:ext>
-            <a:ext uri="{AF507438-7753-43E0-B8FC-AC1667EBCBE1}">
-              <a14:hiddenEffects xmlns:a14="http://schemas.microsoft.com/office/drawing/2010/main">
-                <a:effectLst>
-                  <a:outerShdw dist="35921" dir="2700000" algn="ctr" rotWithShape="0">
-                    <a:schemeClr val="bg2"/>
-                  </a:outerShdw>
-                </a:effectLst>
-              </a14:hiddenEffects>
-            </a:ext>
-          </a:extLst>
         </p:spPr>
         <p:txBody>
-          <a:bodyPr vert="horz" wrap="none" lIns="91440" tIns="45720" rIns="91440" bIns="45720" numCol="1" anchor="ctr" anchorCtr="0" compatLnSpc="1">
-            <a:prstTxWarp prst="textNoShape">
-              <a:avLst/>
-            </a:prstTxWarp>
-            <a:spAutoFit/>
-          </a:bodyPr>
+          <a:bodyPr/>
           <a:lstStyle/>
           <a:p>
-            <a:endParaRPr lang="en-US"/>
-          </a:p>
-        </p:txBody>
-      </p:sp>
-      <p:sp>
-        <p:nvSpPr>
-          <p:cNvPr id="5" name="Rectangle 2"/>
-          <p:cNvSpPr>
-            <a:spLocks noChangeArrowheads="1"/>
-          </p:cNvSpPr>
-          <p:nvPr/>
-        </p:nvSpPr>
-        <p:spPr bwMode="auto">
-          <a:xfrm>
-            <a:off x="0" y="0"/>
-            <a:ext cx="9144000" cy="0"/>
-          </a:xfrm>
-          <a:prstGeom prst="rect">
-            <a:avLst/>
-          </a:prstGeom>
-          <a:noFill/>
-          <a:ln>
-            <a:noFill/>
-          </a:ln>
-          <a:effectLst/>
-          <a:extLst>
-            <a:ext uri="{909E8E84-426E-40DD-AFC4-6F175D3DCCD1}">
-              <a14:hiddenFill xmlns:a14="http://schemas.microsoft.com/office/drawing/2010/main">
-                <a:solidFill>
-                  <a:schemeClr val="accent1"/>
-                </a:solidFill>
-              </a14:hiddenFill>
-            </a:ext>
-            <a:ext uri="{91240B29-F687-4F45-9708-019B960494DF}">
-              <a14:hiddenLine xmlns:a14="http://schemas.microsoft.com/office/drawing/2010/main" w="9525">
-                <a:solidFill>
-                  <a:schemeClr val="tx1"/>
-                </a:solidFill>
-                <a:miter lim="800000"/>
-                <a:headEnd/>
-                <a:tailEnd/>
-              </a14:hiddenLine>
-            </a:ext>
-            <a:ext uri="{AF507438-7753-43E0-B8FC-AC1667EBCBE1}">
-              <a14:hiddenEffects xmlns:a14="http://schemas.microsoft.com/office/drawing/2010/main">
-                <a:effectLst>
-                  <a:outerShdw dist="35921" dir="2700000" algn="ctr" rotWithShape="0">
-                    <a:schemeClr val="bg2"/>
-                  </a:outerShdw>
-                </a:effectLst>
-              </a14:hiddenEffects>
-            </a:ext>
-          </a:extLst>
-        </p:spPr>
-        <p:txBody>
-          <a:bodyPr vert="horz" wrap="none" lIns="91440" tIns="45720" rIns="91440" bIns="45720" numCol="1" anchor="ctr" anchorCtr="0" compatLnSpc="1">
-            <a:prstTxWarp prst="textNoShape">
-              <a:avLst/>
-            </a:prstTxWarp>
-            <a:spAutoFit/>
-          </a:bodyPr>
-          <a:lstStyle/>
-          <a:p>
-            <a:endParaRPr lang="en-US"/>
+            <a:r>
+              <a:rPr lang="en-US" dirty="0" smtClean="0"/>
+              <a:t>We can pick out section of source code that we want to show</a:t>
+            </a:r>
+            <a:endParaRPr lang="en-US" dirty="0"/>
           </a:p>
         </p:txBody>
       </p:sp>
     </p:spTree>
     <p:extLst>
       <p:ext uri="{BB962C8B-B14F-4D97-AF65-F5344CB8AC3E}">
-        <p14:creationId xmlns:p14="http://schemas.microsoft.com/office/powerpoint/2010/main" val="792481554"/>
+        <p14:creationId xmlns:p14="http://schemas.microsoft.com/office/powerpoint/2010/main" xmlns="" val="1092677546"/>
       </p:ext>
     </p:extLst>
   </p:cSld>
@@ -15348,7 +15969,7 @@
         </p:nvSpPr>
         <p:spPr>
           <a:xfrm>
-            <a:off x="1043490" y="641291"/>
+            <a:off x="1043490" y="1037291"/>
             <a:ext cx="7024744" cy="638582"/>
           </a:xfrm>
         </p:spPr>
@@ -15360,205 +15981,16 @@
           <a:p>
             <a:r>
               <a:rPr lang="en-US" dirty="0" smtClean="0"/>
-              <a:t>User Manual</a:t>
+              <a:t>API Document</a:t>
             </a:r>
             <a:endParaRPr lang="en-US" dirty="0"/>
-          </a:p>
-        </p:txBody>
-      </p:sp>
-      <p:sp>
-        <p:nvSpPr>
-          <p:cNvPr id="3" name="Rectangle 2"/>
-          <p:cNvSpPr>
-            <a:spLocks noChangeArrowheads="1"/>
-          </p:cNvSpPr>
-          <p:nvPr/>
-        </p:nvSpPr>
-        <p:spPr bwMode="auto">
-          <a:xfrm>
-            <a:off x="0" y="0"/>
-            <a:ext cx="9144000" cy="0"/>
-          </a:xfrm>
-          <a:prstGeom prst="rect">
-            <a:avLst/>
-          </a:prstGeom>
-          <a:noFill/>
-          <a:ln>
-            <a:noFill/>
-          </a:ln>
-          <a:effectLst/>
-          <a:extLst>
-            <a:ext uri="{909E8E84-426E-40DD-AFC4-6F175D3DCCD1}">
-              <a14:hiddenFill xmlns:a14="http://schemas.microsoft.com/office/drawing/2010/main">
-                <a:solidFill>
-                  <a:schemeClr val="accent1"/>
-                </a:solidFill>
-              </a14:hiddenFill>
-            </a:ext>
-            <a:ext uri="{91240B29-F687-4F45-9708-019B960494DF}">
-              <a14:hiddenLine xmlns:a14="http://schemas.microsoft.com/office/drawing/2010/main" w="9525">
-                <a:solidFill>
-                  <a:schemeClr val="tx1"/>
-                </a:solidFill>
-                <a:miter lim="800000"/>
-                <a:headEnd/>
-                <a:tailEnd/>
-              </a14:hiddenLine>
-            </a:ext>
-            <a:ext uri="{AF507438-7753-43E0-B8FC-AC1667EBCBE1}">
-              <a14:hiddenEffects xmlns:a14="http://schemas.microsoft.com/office/drawing/2010/main">
-                <a:effectLst>
-                  <a:outerShdw dist="35921" dir="2700000" algn="ctr" rotWithShape="0">
-                    <a:schemeClr val="bg2"/>
-                  </a:outerShdw>
-                </a:effectLst>
-              </a14:hiddenEffects>
-            </a:ext>
-          </a:extLst>
-        </p:spPr>
-        <p:txBody>
-          <a:bodyPr vert="horz" wrap="none" lIns="91440" tIns="45720" rIns="91440" bIns="45720" numCol="1" anchor="ctr" anchorCtr="0" compatLnSpc="1">
-            <a:prstTxWarp prst="textNoShape">
-              <a:avLst/>
-            </a:prstTxWarp>
-            <a:spAutoFit/>
-          </a:bodyPr>
-          <a:lstStyle/>
-          <a:p>
-            <a:endParaRPr lang="en-US"/>
-          </a:p>
-        </p:txBody>
-      </p:sp>
-      <p:sp>
-        <p:nvSpPr>
-          <p:cNvPr id="5" name="Rectangle 2"/>
-          <p:cNvSpPr>
-            <a:spLocks noChangeArrowheads="1"/>
-          </p:cNvSpPr>
-          <p:nvPr/>
-        </p:nvSpPr>
-        <p:spPr bwMode="auto">
-          <a:xfrm>
-            <a:off x="0" y="0"/>
-            <a:ext cx="9144000" cy="0"/>
-          </a:xfrm>
-          <a:prstGeom prst="rect">
-            <a:avLst/>
-          </a:prstGeom>
-          <a:noFill/>
-          <a:ln>
-            <a:noFill/>
-          </a:ln>
-          <a:effectLst/>
-          <a:extLst>
-            <a:ext uri="{909E8E84-426E-40DD-AFC4-6F175D3DCCD1}">
-              <a14:hiddenFill xmlns:a14="http://schemas.microsoft.com/office/drawing/2010/main">
-                <a:solidFill>
-                  <a:schemeClr val="accent1"/>
-                </a:solidFill>
-              </a14:hiddenFill>
-            </a:ext>
-            <a:ext uri="{91240B29-F687-4F45-9708-019B960494DF}">
-              <a14:hiddenLine xmlns:a14="http://schemas.microsoft.com/office/drawing/2010/main" w="9525">
-                <a:solidFill>
-                  <a:schemeClr val="tx1"/>
-                </a:solidFill>
-                <a:miter lim="800000"/>
-                <a:headEnd/>
-                <a:tailEnd/>
-              </a14:hiddenLine>
-            </a:ext>
-            <a:ext uri="{AF507438-7753-43E0-B8FC-AC1667EBCBE1}">
-              <a14:hiddenEffects xmlns:a14="http://schemas.microsoft.com/office/drawing/2010/main">
-                <a:effectLst>
-                  <a:outerShdw dist="35921" dir="2700000" algn="ctr" rotWithShape="0">
-                    <a:schemeClr val="bg2"/>
-                  </a:outerShdw>
-                </a:effectLst>
-              </a14:hiddenEffects>
-            </a:ext>
-          </a:extLst>
-        </p:spPr>
-        <p:txBody>
-          <a:bodyPr vert="horz" wrap="none" lIns="91440" tIns="45720" rIns="91440" bIns="45720" numCol="1" anchor="ctr" anchorCtr="0" compatLnSpc="1">
-            <a:prstTxWarp prst="textNoShape">
-              <a:avLst/>
-            </a:prstTxWarp>
-            <a:spAutoFit/>
-          </a:bodyPr>
-          <a:lstStyle/>
-          <a:p>
-            <a:endParaRPr lang="en-US"/>
-          </a:p>
-        </p:txBody>
-      </p:sp>
-      <p:sp>
-        <p:nvSpPr>
-          <p:cNvPr id="4" name="Rectangle 2"/>
-          <p:cNvSpPr>
-            <a:spLocks noChangeArrowheads="1"/>
-          </p:cNvSpPr>
-          <p:nvPr/>
-        </p:nvSpPr>
-        <p:spPr bwMode="auto">
-          <a:xfrm>
-            <a:off x="0" y="0"/>
-            <a:ext cx="9144000" cy="0"/>
-          </a:xfrm>
-          <a:prstGeom prst="rect">
-            <a:avLst/>
-          </a:prstGeom>
-          <a:noFill/>
-          <a:ln>
-            <a:noFill/>
-          </a:ln>
-          <a:effectLst/>
-          <a:extLst>
-            <a:ext uri="{909E8E84-426E-40DD-AFC4-6F175D3DCCD1}">
-              <a14:hiddenFill xmlns:a14="http://schemas.microsoft.com/office/drawing/2010/main">
-                <a:solidFill>
-                  <a:schemeClr val="accent1"/>
-                </a:solidFill>
-              </a14:hiddenFill>
-            </a:ext>
-            <a:ext uri="{91240B29-F687-4F45-9708-019B960494DF}">
-              <a14:hiddenLine xmlns:a14="http://schemas.microsoft.com/office/drawing/2010/main" w="9525">
-                <a:solidFill>
-                  <a:schemeClr val="tx1"/>
-                </a:solidFill>
-                <a:miter lim="800000"/>
-                <a:headEnd/>
-                <a:tailEnd/>
-              </a14:hiddenLine>
-            </a:ext>
-            <a:ext uri="{AF507438-7753-43E0-B8FC-AC1667EBCBE1}">
-              <a14:hiddenEffects xmlns:a14="http://schemas.microsoft.com/office/drawing/2010/main">
-                <a:effectLst>
-                  <a:outerShdw dist="35921" dir="2700000" algn="ctr" rotWithShape="0">
-                    <a:schemeClr val="bg2"/>
-                  </a:outerShdw>
-                </a:effectLst>
-              </a14:hiddenEffects>
-            </a:ext>
-          </a:extLst>
-        </p:spPr>
-        <p:txBody>
-          <a:bodyPr vert="horz" wrap="none" lIns="91440" tIns="45720" rIns="91440" bIns="45720" numCol="1" anchor="ctr" anchorCtr="0" compatLnSpc="1">
-            <a:prstTxWarp prst="textNoShape">
-              <a:avLst/>
-            </a:prstTxWarp>
-            <a:spAutoFit/>
-          </a:bodyPr>
-          <a:lstStyle/>
-          <a:p>
-            <a:endParaRPr lang="en-US"/>
           </a:p>
         </p:txBody>
       </p:sp>
     </p:spTree>
     <p:extLst>
       <p:ext uri="{BB962C8B-B14F-4D97-AF65-F5344CB8AC3E}">
-        <p14:creationId xmlns:p14="http://schemas.microsoft.com/office/powerpoint/2010/main" val="2227559208"/>
+        <p14:creationId xmlns:p14="http://schemas.microsoft.com/office/powerpoint/2010/main" xmlns="" val="3037995522"/>
       </p:ext>
     </p:extLst>
   </p:cSld>

--- a/deliverables/final/Final Presentation.pptx
+++ b/deliverables/final/Final Presentation.pptx
@@ -6,21 +6,23 @@
   </p:sldMasterIdLst>
   <p:sldIdLst>
     <p:sldId id="256" r:id="rId2"/>
-    <p:sldId id="267" r:id="rId3"/>
-    <p:sldId id="268" r:id="rId4"/>
-    <p:sldId id="269" r:id="rId5"/>
-    <p:sldId id="270" r:id="rId6"/>
-    <p:sldId id="271" r:id="rId7"/>
-    <p:sldId id="259" r:id="rId8"/>
-    <p:sldId id="257" r:id="rId9"/>
-    <p:sldId id="258" r:id="rId10"/>
-    <p:sldId id="260" r:id="rId11"/>
-    <p:sldId id="261" r:id="rId12"/>
-    <p:sldId id="262" r:id="rId13"/>
-    <p:sldId id="263" r:id="rId14"/>
-    <p:sldId id="264" r:id="rId15"/>
-    <p:sldId id="265" r:id="rId16"/>
-    <p:sldId id="266" r:id="rId17"/>
+    <p:sldId id="272" r:id="rId3"/>
+    <p:sldId id="267" r:id="rId4"/>
+    <p:sldId id="274" r:id="rId5"/>
+    <p:sldId id="268" r:id="rId6"/>
+    <p:sldId id="269" r:id="rId7"/>
+    <p:sldId id="270" r:id="rId8"/>
+    <p:sldId id="271" r:id="rId9"/>
+    <p:sldId id="259" r:id="rId10"/>
+    <p:sldId id="257" r:id="rId11"/>
+    <p:sldId id="258" r:id="rId12"/>
+    <p:sldId id="260" r:id="rId13"/>
+    <p:sldId id="261" r:id="rId14"/>
+    <p:sldId id="262" r:id="rId15"/>
+    <p:sldId id="263" r:id="rId16"/>
+    <p:sldId id="264" r:id="rId17"/>
+    <p:sldId id="265" r:id="rId18"/>
+    <p:sldId id="266" r:id="rId19"/>
   </p:sldIdLst>
   <p:sldSz cx="9144000" cy="6858000" type="screen4x3"/>
   <p:notesSz cx="6858000" cy="9144000"/>
@@ -2880,7 +2882,7 @@
             <a:fld id="{0A98AF03-7270-45C2-A683-C5E353EF01A5}" type="datetime4">
               <a:rPr lang="en-US" smtClean="0"/>
               <a:pPr/>
-              <a:t>April 22, 2012</a:t>
+              <a:t>April 26, 2012</a:t>
             </a:fld>
             <a:endParaRPr lang="en-US" dirty="0"/>
           </a:p>
@@ -3167,7 +3169,7 @@
             <a:fld id="{A2FB5AFD-D735-4504-A039-ADEBB6448D55}" type="datetime4">
               <a:rPr lang="en-US" smtClean="0"/>
               <a:pPr/>
-              <a:t>April 22, 2012</a:t>
+              <a:t>April 26, 2012</a:t>
             </a:fld>
             <a:endParaRPr lang="en-US" dirty="0"/>
           </a:p>
@@ -3344,7 +3346,7 @@
             <a:fld id="{AB5C8118-FB93-4E87-B380-0175F2FE2167}" type="datetime4">
               <a:rPr lang="en-US" smtClean="0"/>
               <a:pPr/>
-              <a:t>April 22, 2012</a:t>
+              <a:t>April 26, 2012</a:t>
             </a:fld>
             <a:endParaRPr lang="en-US" dirty="0"/>
           </a:p>
@@ -3511,7 +3513,7 @@
             <a:fld id="{05A93482-8E69-40F7-BCAD-5662A6CADB27}" type="datetime4">
               <a:rPr lang="en-US" smtClean="0"/>
               <a:pPr/>
-              <a:t>April 22, 2012</a:t>
+              <a:t>April 26, 2012</a:t>
             </a:fld>
             <a:endParaRPr lang="en-US" dirty="0"/>
           </a:p>
@@ -3754,7 +3756,7 @@
             <a:fld id="{FBB7EAE1-CAAC-4AEF-919E-158692B1E55E}" type="datetime4">
               <a:rPr lang="en-US" smtClean="0"/>
               <a:pPr/>
-              <a:t>April 22, 2012</a:t>
+              <a:t>April 26, 2012</a:t>
             </a:fld>
             <a:endParaRPr lang="en-US" dirty="0"/>
           </a:p>
@@ -3869,7 +3871,7 @@
             <a:fld id="{9525A706-D8F2-4D1A-855A-CADC92600C26}" type="datetime4">
               <a:rPr lang="en-US" smtClean="0"/>
               <a:pPr/>
-              <a:t>April 22, 2012</a:t>
+              <a:t>April 26, 2012</a:t>
             </a:fld>
             <a:endParaRPr lang="en-US" dirty="0"/>
           </a:p>
@@ -4410,7 +4412,7 @@
             <a:fld id="{99B4F123-1704-49AC-9D15-C4B1462B8014}" type="datetime4">
               <a:rPr lang="en-US" smtClean="0"/>
               <a:pPr/>
-              <a:t>April 22, 2012</a:t>
+              <a:t>April 26, 2012</a:t>
             </a:fld>
             <a:endParaRPr lang="en-US" dirty="0"/>
           </a:p>
@@ -4525,7 +4527,7 @@
             <a:fld id="{E3127EC2-47FB-48A1-8644-C8A81DDAA119}" type="datetime4">
               <a:rPr lang="en-US" smtClean="0"/>
               <a:pPr/>
-              <a:t>April 22, 2012</a:t>
+              <a:t>April 26, 2012</a:t>
             </a:fld>
             <a:endParaRPr lang="en-US" dirty="0"/>
           </a:p>
@@ -4617,7 +4619,7 @@
             <a:fld id="{AE3EC3ED-7435-49F9-84C8-03CCA2F8DEDB}" type="datetime4">
               <a:rPr lang="en-US" smtClean="0"/>
               <a:pPr/>
-              <a:t>April 22, 2012</a:t>
+              <a:t>April 26, 2012</a:t>
             </a:fld>
             <a:endParaRPr lang="en-US" dirty="0"/>
           </a:p>
@@ -7270,7 +7272,7 @@
             <a:fld id="{3FC49BF1-FCD3-4395-8FF6-0047AF66228E}" type="datetime4">
               <a:rPr lang="en-US" smtClean="0"/>
               <a:pPr/>
-              <a:t>April 22, 2012</a:t>
+              <a:t>April 26, 2012</a:t>
             </a:fld>
             <a:endParaRPr lang="en-US" dirty="0"/>
           </a:p>
@@ -10484,7 +10486,7 @@
             <a:fld id="{CA861222-2C8B-4501-BE87-6797EC025925}" type="datetime4">
               <a:rPr lang="en-US" smtClean="0"/>
               <a:pPr/>
-              <a:t>April 22, 2012</a:t>
+              <a:t>April 26, 2012</a:t>
             </a:fld>
             <a:endParaRPr lang="en-US" dirty="0"/>
           </a:p>
@@ -13308,7 +13310,7 @@
             <a:fld id="{16C01193-8287-4834-A286-6B880643E934}" type="datetime4">
               <a:rPr lang="en-US" smtClean="0"/>
               <a:pPr/>
-              <a:t>April 22, 2012</a:t>
+              <a:t>April 26, 2012</a:t>
             </a:fld>
             <a:endParaRPr lang="en-US" dirty="0"/>
           </a:p>
@@ -13903,7 +13905,7 @@
     </p:spTree>
     <p:extLst>
       <p:ext uri="{BB962C8B-B14F-4D97-AF65-F5344CB8AC3E}">
-        <p14:creationId xmlns:p14="http://schemas.microsoft.com/office/powerpoint/2010/main" xmlns="" val="1809248185"/>
+        <p14:creationId xmlns="" xmlns:p14="http://schemas.microsoft.com/office/powerpoint/2010/main" val="1809248185"/>
       </p:ext>
     </p:extLst>
   </p:cSld>
@@ -13947,21 +13949,42 @@
             <p:ph type="title"/>
           </p:nvPr>
         </p:nvSpPr>
+        <p:spPr/>
+        <p:txBody>
+          <a:bodyPr/>
+          <a:lstStyle/>
+          <a:p>
+            <a:r>
+              <a:rPr lang="en-US" dirty="0" smtClean="0"/>
+              <a:t>Source Code</a:t>
+            </a:r>
+            <a:endParaRPr lang="en-US" dirty="0"/>
+          </a:p>
+        </p:txBody>
+      </p:sp>
+      <p:sp>
+        <p:nvSpPr>
+          <p:cNvPr id="3" name="Content Placeholder 2"/>
+          <p:cNvSpPr>
+            <a:spLocks noGrp="1"/>
+          </p:cNvSpPr>
+          <p:nvPr>
+            <p:ph idx="1"/>
+          </p:nvPr>
+        </p:nvSpPr>
         <p:spPr>
           <a:xfrm>
-            <a:off x="1043490" y="402565"/>
-            <a:ext cx="7024744" cy="1143000"/>
+            <a:off x="1043492" y="2817091"/>
+            <a:ext cx="6777317" cy="3015538"/>
           </a:xfrm>
         </p:spPr>
         <p:txBody>
-          <a:bodyPr>
-            <a:normAutofit/>
-          </a:bodyPr>
+          <a:bodyPr/>
           <a:lstStyle/>
           <a:p>
             <a:r>
               <a:rPr lang="en-US" dirty="0" smtClean="0"/>
-              <a:t>STD</a:t>
+              <a:t>We can pick out section of source code that we want to show</a:t>
             </a:r>
             <a:endParaRPr lang="en-US" dirty="0"/>
           </a:p>
@@ -13970,7 +13993,7 @@
     </p:spTree>
     <p:extLst>
       <p:ext uri="{BB962C8B-B14F-4D97-AF65-F5344CB8AC3E}">
-        <p14:creationId xmlns:p14="http://schemas.microsoft.com/office/powerpoint/2010/main" xmlns="" val="1459248129"/>
+        <p14:creationId xmlns="" xmlns:p14="http://schemas.microsoft.com/office/powerpoint/2010/main" val="1092677546"/>
       </p:ext>
     </p:extLst>
   </p:cSld>
@@ -14016,7 +14039,7 @@
         </p:nvSpPr>
         <p:spPr>
           <a:xfrm>
-            <a:off x="1043490" y="641291"/>
+            <a:off x="1043490" y="1037291"/>
             <a:ext cx="7024744" cy="638582"/>
           </a:xfrm>
         </p:spPr>
@@ -14028,79 +14051,16 @@
           <a:p>
             <a:r>
               <a:rPr lang="en-US" dirty="0" smtClean="0"/>
-              <a:t>SRS</a:t>
+              <a:t>API Document</a:t>
             </a:r>
             <a:endParaRPr lang="en-US" dirty="0"/>
-          </a:p>
-        </p:txBody>
-      </p:sp>
-      <p:sp>
-        <p:nvSpPr>
-          <p:cNvPr id="3" name="Rectangle 2"/>
-          <p:cNvSpPr>
-            <a:spLocks noChangeArrowheads="1"/>
-          </p:cNvSpPr>
-          <p:nvPr/>
-        </p:nvSpPr>
-        <p:spPr bwMode="auto">
-          <a:xfrm>
-            <a:off x="0" y="0"/>
-            <a:ext cx="9144000" cy="0"/>
-          </a:xfrm>
-          <a:prstGeom prst="rect">
-            <a:avLst/>
-          </a:prstGeom>
-          <a:noFill/>
-          <a:ln>
-            <a:noFill/>
-          </a:ln>
-          <a:effectLst/>
-          <a:extLst>
-            <a:ext uri="{909E8E84-426E-40DD-AFC4-6F175D3DCCD1}">
-              <a14:hiddenFill xmlns:a14="http://schemas.microsoft.com/office/drawing/2010/main" xmlns="">
-                <a:solidFill>
-                  <a:schemeClr val="accent1"/>
-                </a:solidFill>
-              </a14:hiddenFill>
-            </a:ext>
-            <a:ext uri="{91240B29-F687-4F45-9708-019B960494DF}">
-              <a14:hiddenLine xmlns:a14="http://schemas.microsoft.com/office/drawing/2010/main" xmlns="" w="9525">
-                <a:solidFill>
-                  <a:schemeClr val="tx1"/>
-                </a:solidFill>
-                <a:miter lim="800000"/>
-                <a:headEnd/>
-                <a:tailEnd/>
-              </a14:hiddenLine>
-            </a:ext>
-            <a:ext uri="{AF507438-7753-43E0-B8FC-AC1667EBCBE1}">
-              <a14:hiddenEffects xmlns:a14="http://schemas.microsoft.com/office/drawing/2010/main" xmlns="">
-                <a:effectLst>
-                  <a:outerShdw dist="35921" dir="2700000" algn="ctr" rotWithShape="0">
-                    <a:schemeClr val="bg2"/>
-                  </a:outerShdw>
-                </a:effectLst>
-              </a14:hiddenEffects>
-            </a:ext>
-          </a:extLst>
-        </p:spPr>
-        <p:txBody>
-          <a:bodyPr vert="horz" wrap="none" lIns="91440" tIns="45720" rIns="91440" bIns="45720" numCol="1" anchor="ctr" anchorCtr="0" compatLnSpc="1">
-            <a:prstTxWarp prst="textNoShape">
-              <a:avLst/>
-            </a:prstTxWarp>
-            <a:spAutoFit/>
-          </a:bodyPr>
-          <a:lstStyle/>
-          <a:p>
-            <a:endParaRPr lang="en-US"/>
           </a:p>
         </p:txBody>
       </p:sp>
     </p:spTree>
     <p:extLst>
       <p:ext uri="{BB962C8B-B14F-4D97-AF65-F5344CB8AC3E}">
-        <p14:creationId xmlns:p14="http://schemas.microsoft.com/office/powerpoint/2010/main" xmlns="" val="224431329"/>
+        <p14:creationId xmlns="" xmlns:p14="http://schemas.microsoft.com/office/powerpoint/2010/main" val="3037995522"/>
       </p:ext>
     </p:extLst>
   </p:cSld>
@@ -14146,154 +14106,28 @@
         </p:nvSpPr>
         <p:spPr>
           <a:xfrm>
-            <a:off x="1043490" y="641291"/>
-            <a:ext cx="7024744" cy="638582"/>
+            <a:off x="1043490" y="402565"/>
+            <a:ext cx="7024744" cy="1143000"/>
           </a:xfrm>
         </p:spPr>
         <p:txBody>
           <a:bodyPr>
-            <a:normAutofit fontScale="90000"/>
+            <a:normAutofit/>
           </a:bodyPr>
           <a:lstStyle/>
           <a:p>
             <a:r>
               <a:rPr lang="en-US" dirty="0" smtClean="0"/>
-              <a:t>SDD</a:t>
+              <a:t>STD</a:t>
             </a:r>
             <a:endParaRPr lang="en-US" dirty="0"/>
-          </a:p>
-        </p:txBody>
-      </p:sp>
-      <p:sp>
-        <p:nvSpPr>
-          <p:cNvPr id="3" name="Rectangle 2"/>
-          <p:cNvSpPr>
-            <a:spLocks noChangeArrowheads="1"/>
-          </p:cNvSpPr>
-          <p:nvPr/>
-        </p:nvSpPr>
-        <p:spPr bwMode="auto">
-          <a:xfrm>
-            <a:off x="0" y="0"/>
-            <a:ext cx="9144000" cy="0"/>
-          </a:xfrm>
-          <a:prstGeom prst="rect">
-            <a:avLst/>
-          </a:prstGeom>
-          <a:noFill/>
-          <a:ln>
-            <a:noFill/>
-          </a:ln>
-          <a:effectLst/>
-          <a:extLst>
-            <a:ext uri="{909E8E84-426E-40DD-AFC4-6F175D3DCCD1}">
-              <a14:hiddenFill xmlns:a14="http://schemas.microsoft.com/office/drawing/2010/main" xmlns="">
-                <a:solidFill>
-                  <a:schemeClr val="accent1"/>
-                </a:solidFill>
-              </a14:hiddenFill>
-            </a:ext>
-            <a:ext uri="{91240B29-F687-4F45-9708-019B960494DF}">
-              <a14:hiddenLine xmlns:a14="http://schemas.microsoft.com/office/drawing/2010/main" xmlns="" w="9525">
-                <a:solidFill>
-                  <a:schemeClr val="tx1"/>
-                </a:solidFill>
-                <a:miter lim="800000"/>
-                <a:headEnd/>
-                <a:tailEnd/>
-              </a14:hiddenLine>
-            </a:ext>
-            <a:ext uri="{AF507438-7753-43E0-B8FC-AC1667EBCBE1}">
-              <a14:hiddenEffects xmlns:a14="http://schemas.microsoft.com/office/drawing/2010/main" xmlns="">
-                <a:effectLst>
-                  <a:outerShdw dist="35921" dir="2700000" algn="ctr" rotWithShape="0">
-                    <a:schemeClr val="bg2"/>
-                  </a:outerShdw>
-                </a:effectLst>
-              </a14:hiddenEffects>
-            </a:ext>
-          </a:extLst>
-        </p:spPr>
-        <p:txBody>
-          <a:bodyPr vert="horz" wrap="none" lIns="91440" tIns="45720" rIns="91440" bIns="45720" numCol="1" anchor="ctr" anchorCtr="0" compatLnSpc="1">
-            <a:prstTxWarp prst="textNoShape">
-              <a:avLst/>
-            </a:prstTxWarp>
-            <a:spAutoFit/>
-          </a:bodyPr>
-          <a:lstStyle/>
-          <a:p>
-            <a:endParaRPr lang="en-US"/>
-          </a:p>
-        </p:txBody>
-      </p:sp>
-      <p:sp>
-        <p:nvSpPr>
-          <p:cNvPr id="5" name="Rectangle 2"/>
-          <p:cNvSpPr>
-            <a:spLocks noChangeArrowheads="1"/>
-          </p:cNvSpPr>
-          <p:nvPr/>
-        </p:nvSpPr>
-        <p:spPr bwMode="auto">
-          <a:xfrm>
-            <a:off x="0" y="0"/>
-            <a:ext cx="9144000" cy="0"/>
-          </a:xfrm>
-          <a:prstGeom prst="rect">
-            <a:avLst/>
-          </a:prstGeom>
-          <a:noFill/>
-          <a:ln>
-            <a:noFill/>
-          </a:ln>
-          <a:effectLst/>
-          <a:extLst>
-            <a:ext uri="{909E8E84-426E-40DD-AFC4-6F175D3DCCD1}">
-              <a14:hiddenFill xmlns:a14="http://schemas.microsoft.com/office/drawing/2010/main" xmlns="">
-                <a:solidFill>
-                  <a:schemeClr val="accent1"/>
-                </a:solidFill>
-              </a14:hiddenFill>
-            </a:ext>
-            <a:ext uri="{91240B29-F687-4F45-9708-019B960494DF}">
-              <a14:hiddenLine xmlns:a14="http://schemas.microsoft.com/office/drawing/2010/main" xmlns="" w="9525">
-                <a:solidFill>
-                  <a:schemeClr val="tx1"/>
-                </a:solidFill>
-                <a:miter lim="800000"/>
-                <a:headEnd/>
-                <a:tailEnd/>
-              </a14:hiddenLine>
-            </a:ext>
-            <a:ext uri="{AF507438-7753-43E0-B8FC-AC1667EBCBE1}">
-              <a14:hiddenEffects xmlns:a14="http://schemas.microsoft.com/office/drawing/2010/main" xmlns="">
-                <a:effectLst>
-                  <a:outerShdw dist="35921" dir="2700000" algn="ctr" rotWithShape="0">
-                    <a:schemeClr val="bg2"/>
-                  </a:outerShdw>
-                </a:effectLst>
-              </a14:hiddenEffects>
-            </a:ext>
-          </a:extLst>
-        </p:spPr>
-        <p:txBody>
-          <a:bodyPr vert="horz" wrap="none" lIns="91440" tIns="45720" rIns="91440" bIns="45720" numCol="1" anchor="ctr" anchorCtr="0" compatLnSpc="1">
-            <a:prstTxWarp prst="textNoShape">
-              <a:avLst/>
-            </a:prstTxWarp>
-            <a:spAutoFit/>
-          </a:bodyPr>
-          <a:lstStyle/>
-          <a:p>
-            <a:endParaRPr lang="en-US"/>
           </a:p>
         </p:txBody>
       </p:sp>
     </p:spTree>
     <p:extLst>
       <p:ext uri="{BB962C8B-B14F-4D97-AF65-F5344CB8AC3E}">
-        <p14:creationId xmlns:p14="http://schemas.microsoft.com/office/powerpoint/2010/main" xmlns="" val="2798939284"/>
+        <p14:creationId xmlns="" xmlns:p14="http://schemas.microsoft.com/office/powerpoint/2010/main" val="1459248129"/>
       </p:ext>
     </p:extLst>
   </p:cSld>
@@ -14351,7 +14185,7 @@
           <a:p>
             <a:r>
               <a:rPr lang="en-US" dirty="0" smtClean="0"/>
-              <a:t>SPMP</a:t>
+              <a:t>SRS</a:t>
             </a:r>
             <a:endParaRPr lang="en-US" dirty="0"/>
           </a:p>
@@ -14380,14 +14214,14 @@
           <a:effectLst/>
           <a:extLst>
             <a:ext uri="{909E8E84-426E-40DD-AFC4-6F175D3DCCD1}">
-              <a14:hiddenFill xmlns:a14="http://schemas.microsoft.com/office/drawing/2010/main" xmlns="">
+              <a14:hiddenFill xmlns="" xmlns:a14="http://schemas.microsoft.com/office/drawing/2010/main">
                 <a:solidFill>
                   <a:schemeClr val="accent1"/>
                 </a:solidFill>
               </a14:hiddenFill>
             </a:ext>
             <a:ext uri="{91240B29-F687-4F45-9708-019B960494DF}">
-              <a14:hiddenLine xmlns:a14="http://schemas.microsoft.com/office/drawing/2010/main" xmlns="" w="9525">
+              <a14:hiddenLine xmlns="" xmlns:a14="http://schemas.microsoft.com/office/drawing/2010/main" w="9525">
                 <a:solidFill>
                   <a:schemeClr val="tx1"/>
                 </a:solidFill>
@@ -14397,7 +14231,7 @@
               </a14:hiddenLine>
             </a:ext>
             <a:ext uri="{AF507438-7753-43E0-B8FC-AC1667EBCBE1}">
-              <a14:hiddenEffects xmlns:a14="http://schemas.microsoft.com/office/drawing/2010/main" xmlns="">
+              <a14:hiddenEffects xmlns="" xmlns:a14="http://schemas.microsoft.com/office/drawing/2010/main">
                 <a:effectLst>
                   <a:outerShdw dist="35921" dir="2700000" algn="ctr" rotWithShape="0">
                     <a:schemeClr val="bg2"/>
@@ -14420,73 +14254,10 @@
           </a:p>
         </p:txBody>
       </p:sp>
-      <p:sp>
-        <p:nvSpPr>
-          <p:cNvPr id="5" name="Rectangle 2"/>
-          <p:cNvSpPr>
-            <a:spLocks noChangeArrowheads="1"/>
-          </p:cNvSpPr>
-          <p:nvPr/>
-        </p:nvSpPr>
-        <p:spPr bwMode="auto">
-          <a:xfrm>
-            <a:off x="0" y="0"/>
-            <a:ext cx="9144000" cy="0"/>
-          </a:xfrm>
-          <a:prstGeom prst="rect">
-            <a:avLst/>
-          </a:prstGeom>
-          <a:noFill/>
-          <a:ln>
-            <a:noFill/>
-          </a:ln>
-          <a:effectLst/>
-          <a:extLst>
-            <a:ext uri="{909E8E84-426E-40DD-AFC4-6F175D3DCCD1}">
-              <a14:hiddenFill xmlns:a14="http://schemas.microsoft.com/office/drawing/2010/main" xmlns="">
-                <a:solidFill>
-                  <a:schemeClr val="accent1"/>
-                </a:solidFill>
-              </a14:hiddenFill>
-            </a:ext>
-            <a:ext uri="{91240B29-F687-4F45-9708-019B960494DF}">
-              <a14:hiddenLine xmlns:a14="http://schemas.microsoft.com/office/drawing/2010/main" xmlns="" w="9525">
-                <a:solidFill>
-                  <a:schemeClr val="tx1"/>
-                </a:solidFill>
-                <a:miter lim="800000"/>
-                <a:headEnd/>
-                <a:tailEnd/>
-              </a14:hiddenLine>
-            </a:ext>
-            <a:ext uri="{AF507438-7753-43E0-B8FC-AC1667EBCBE1}">
-              <a14:hiddenEffects xmlns:a14="http://schemas.microsoft.com/office/drawing/2010/main" xmlns="">
-                <a:effectLst>
-                  <a:outerShdw dist="35921" dir="2700000" algn="ctr" rotWithShape="0">
-                    <a:schemeClr val="bg2"/>
-                  </a:outerShdw>
-                </a:effectLst>
-              </a14:hiddenEffects>
-            </a:ext>
-          </a:extLst>
-        </p:spPr>
-        <p:txBody>
-          <a:bodyPr vert="horz" wrap="none" lIns="91440" tIns="45720" rIns="91440" bIns="45720" numCol="1" anchor="ctr" anchorCtr="0" compatLnSpc="1">
-            <a:prstTxWarp prst="textNoShape">
-              <a:avLst/>
-            </a:prstTxWarp>
-            <a:spAutoFit/>
-          </a:bodyPr>
-          <a:lstStyle/>
-          <a:p>
-            <a:endParaRPr lang="en-US"/>
-          </a:p>
-        </p:txBody>
-      </p:sp>
     </p:spTree>
     <p:extLst>
       <p:ext uri="{BB962C8B-B14F-4D97-AF65-F5344CB8AC3E}">
-        <p14:creationId xmlns:p14="http://schemas.microsoft.com/office/powerpoint/2010/main" xmlns="" val="792481554"/>
+        <p14:creationId xmlns="" xmlns:p14="http://schemas.microsoft.com/office/powerpoint/2010/main" val="224431329"/>
       </p:ext>
     </p:extLst>
   </p:cSld>
@@ -14544,7 +14315,7 @@
           <a:p>
             <a:r>
               <a:rPr lang="en-US" dirty="0" smtClean="0"/>
-              <a:t>User Manual</a:t>
+              <a:t>SDD</a:t>
             </a:r>
             <a:endParaRPr lang="en-US" dirty="0"/>
           </a:p>
@@ -14573,14 +14344,14 @@
           <a:effectLst/>
           <a:extLst>
             <a:ext uri="{909E8E84-426E-40DD-AFC4-6F175D3DCCD1}">
-              <a14:hiddenFill xmlns:a14="http://schemas.microsoft.com/office/drawing/2010/main" xmlns="">
+              <a14:hiddenFill xmlns="" xmlns:a14="http://schemas.microsoft.com/office/drawing/2010/main">
                 <a:solidFill>
                   <a:schemeClr val="accent1"/>
                 </a:solidFill>
               </a14:hiddenFill>
             </a:ext>
             <a:ext uri="{91240B29-F687-4F45-9708-019B960494DF}">
-              <a14:hiddenLine xmlns:a14="http://schemas.microsoft.com/office/drawing/2010/main" xmlns="" w="9525">
+              <a14:hiddenLine xmlns="" xmlns:a14="http://schemas.microsoft.com/office/drawing/2010/main" w="9525">
                 <a:solidFill>
                   <a:schemeClr val="tx1"/>
                 </a:solidFill>
@@ -14590,7 +14361,7 @@
               </a14:hiddenLine>
             </a:ext>
             <a:ext uri="{AF507438-7753-43E0-B8FC-AC1667EBCBE1}">
-              <a14:hiddenEffects xmlns:a14="http://schemas.microsoft.com/office/drawing/2010/main" xmlns="">
+              <a14:hiddenEffects xmlns="" xmlns:a14="http://schemas.microsoft.com/office/drawing/2010/main">
                 <a:effectLst>
                   <a:outerShdw dist="35921" dir="2700000" algn="ctr" rotWithShape="0">
                     <a:schemeClr val="bg2"/>
@@ -14636,14 +14407,14 @@
           <a:effectLst/>
           <a:extLst>
             <a:ext uri="{909E8E84-426E-40DD-AFC4-6F175D3DCCD1}">
-              <a14:hiddenFill xmlns:a14="http://schemas.microsoft.com/office/drawing/2010/main" xmlns="">
+              <a14:hiddenFill xmlns="" xmlns:a14="http://schemas.microsoft.com/office/drawing/2010/main">
                 <a:solidFill>
                   <a:schemeClr val="accent1"/>
                 </a:solidFill>
               </a14:hiddenFill>
             </a:ext>
             <a:ext uri="{91240B29-F687-4F45-9708-019B960494DF}">
-              <a14:hiddenLine xmlns:a14="http://schemas.microsoft.com/office/drawing/2010/main" xmlns="" w="9525">
+              <a14:hiddenLine xmlns="" xmlns:a14="http://schemas.microsoft.com/office/drawing/2010/main" w="9525">
                 <a:solidFill>
                   <a:schemeClr val="tx1"/>
                 </a:solidFill>
@@ -14653,7 +14424,7 @@
               </a14:hiddenLine>
             </a:ext>
             <a:ext uri="{AF507438-7753-43E0-B8FC-AC1667EBCBE1}">
-              <a14:hiddenEffects xmlns:a14="http://schemas.microsoft.com/office/drawing/2010/main" xmlns="">
+              <a14:hiddenEffects xmlns="" xmlns:a14="http://schemas.microsoft.com/office/drawing/2010/main">
                 <a:effectLst>
                   <a:outerShdw dist="35921" dir="2700000" algn="ctr" rotWithShape="0">
                     <a:schemeClr val="bg2"/>
@@ -14676,73 +14447,10 @@
           </a:p>
         </p:txBody>
       </p:sp>
-      <p:sp>
-        <p:nvSpPr>
-          <p:cNvPr id="4" name="Rectangle 2"/>
-          <p:cNvSpPr>
-            <a:spLocks noChangeArrowheads="1"/>
-          </p:cNvSpPr>
-          <p:nvPr/>
-        </p:nvSpPr>
-        <p:spPr bwMode="auto">
-          <a:xfrm>
-            <a:off x="0" y="0"/>
-            <a:ext cx="9144000" cy="0"/>
-          </a:xfrm>
-          <a:prstGeom prst="rect">
-            <a:avLst/>
-          </a:prstGeom>
-          <a:noFill/>
-          <a:ln>
-            <a:noFill/>
-          </a:ln>
-          <a:effectLst/>
-          <a:extLst>
-            <a:ext uri="{909E8E84-426E-40DD-AFC4-6F175D3DCCD1}">
-              <a14:hiddenFill xmlns:a14="http://schemas.microsoft.com/office/drawing/2010/main" xmlns="">
-                <a:solidFill>
-                  <a:schemeClr val="accent1"/>
-                </a:solidFill>
-              </a14:hiddenFill>
-            </a:ext>
-            <a:ext uri="{91240B29-F687-4F45-9708-019B960494DF}">
-              <a14:hiddenLine xmlns:a14="http://schemas.microsoft.com/office/drawing/2010/main" xmlns="" w="9525">
-                <a:solidFill>
-                  <a:schemeClr val="tx1"/>
-                </a:solidFill>
-                <a:miter lim="800000"/>
-                <a:headEnd/>
-                <a:tailEnd/>
-              </a14:hiddenLine>
-            </a:ext>
-            <a:ext uri="{AF507438-7753-43E0-B8FC-AC1667EBCBE1}">
-              <a14:hiddenEffects xmlns:a14="http://schemas.microsoft.com/office/drawing/2010/main" xmlns="">
-                <a:effectLst>
-                  <a:outerShdw dist="35921" dir="2700000" algn="ctr" rotWithShape="0">
-                    <a:schemeClr val="bg2"/>
-                  </a:outerShdw>
-                </a:effectLst>
-              </a14:hiddenEffects>
-            </a:ext>
-          </a:extLst>
-        </p:spPr>
-        <p:txBody>
-          <a:bodyPr vert="horz" wrap="none" lIns="91440" tIns="45720" rIns="91440" bIns="45720" numCol="1" anchor="ctr" anchorCtr="0" compatLnSpc="1">
-            <a:prstTxWarp prst="textNoShape">
-              <a:avLst/>
-            </a:prstTxWarp>
-            <a:spAutoFit/>
-          </a:bodyPr>
-          <a:lstStyle/>
-          <a:p>
-            <a:endParaRPr lang="en-US"/>
-          </a:p>
-        </p:txBody>
-      </p:sp>
     </p:spTree>
     <p:extLst>
       <p:ext uri="{BB962C8B-B14F-4D97-AF65-F5344CB8AC3E}">
-        <p14:creationId xmlns:p14="http://schemas.microsoft.com/office/powerpoint/2010/main" xmlns="" val="2227559208"/>
+        <p14:creationId xmlns="" xmlns:p14="http://schemas.microsoft.com/office/powerpoint/2010/main" val="2798939284"/>
       </p:ext>
     </p:extLst>
   </p:cSld>
@@ -14800,15 +14508,7 @@
           <a:p>
             <a:r>
               <a:rPr lang="en-US" dirty="0" smtClean="0"/>
-              <a:t>System </a:t>
-            </a:r>
-            <a:r>
-              <a:rPr lang="en-US" dirty="0"/>
-              <a:t>M</a:t>
-            </a:r>
-            <a:r>
-              <a:rPr lang="en-US" dirty="0" smtClean="0"/>
-              <a:t>anual</a:t>
+              <a:t>SPMP</a:t>
             </a:r>
             <a:endParaRPr lang="en-US" dirty="0"/>
           </a:p>
@@ -14837,14 +14537,14 @@
           <a:effectLst/>
           <a:extLst>
             <a:ext uri="{909E8E84-426E-40DD-AFC4-6F175D3DCCD1}">
-              <a14:hiddenFill xmlns:a14="http://schemas.microsoft.com/office/drawing/2010/main" xmlns="">
+              <a14:hiddenFill xmlns="" xmlns:a14="http://schemas.microsoft.com/office/drawing/2010/main">
                 <a:solidFill>
                   <a:schemeClr val="accent1"/>
                 </a:solidFill>
               </a14:hiddenFill>
             </a:ext>
             <a:ext uri="{91240B29-F687-4F45-9708-019B960494DF}">
-              <a14:hiddenLine xmlns:a14="http://schemas.microsoft.com/office/drawing/2010/main" xmlns="" w="9525">
+              <a14:hiddenLine xmlns="" xmlns:a14="http://schemas.microsoft.com/office/drawing/2010/main" w="9525">
                 <a:solidFill>
                   <a:schemeClr val="tx1"/>
                 </a:solidFill>
@@ -14854,7 +14554,7 @@
               </a14:hiddenLine>
             </a:ext>
             <a:ext uri="{AF507438-7753-43E0-B8FC-AC1667EBCBE1}">
-              <a14:hiddenEffects xmlns:a14="http://schemas.microsoft.com/office/drawing/2010/main" xmlns="">
+              <a14:hiddenEffects xmlns="" xmlns:a14="http://schemas.microsoft.com/office/drawing/2010/main">
                 <a:effectLst>
                   <a:outerShdw dist="35921" dir="2700000" algn="ctr" rotWithShape="0">
                     <a:schemeClr val="bg2"/>
@@ -14900,14 +14600,14 @@
           <a:effectLst/>
           <a:extLst>
             <a:ext uri="{909E8E84-426E-40DD-AFC4-6F175D3DCCD1}">
-              <a14:hiddenFill xmlns:a14="http://schemas.microsoft.com/office/drawing/2010/main" xmlns="">
+              <a14:hiddenFill xmlns="" xmlns:a14="http://schemas.microsoft.com/office/drawing/2010/main">
                 <a:solidFill>
                   <a:schemeClr val="accent1"/>
                 </a:solidFill>
               </a14:hiddenFill>
             </a:ext>
             <a:ext uri="{91240B29-F687-4F45-9708-019B960494DF}">
-              <a14:hiddenLine xmlns:a14="http://schemas.microsoft.com/office/drawing/2010/main" xmlns="" w="9525">
+              <a14:hiddenLine xmlns="" xmlns:a14="http://schemas.microsoft.com/office/drawing/2010/main" w="9525">
                 <a:solidFill>
                   <a:schemeClr val="tx1"/>
                 </a:solidFill>
@@ -14917,7 +14617,7 @@
               </a14:hiddenLine>
             </a:ext>
             <a:ext uri="{AF507438-7753-43E0-B8FC-AC1667EBCBE1}">
-              <a14:hiddenEffects xmlns:a14="http://schemas.microsoft.com/office/drawing/2010/main" xmlns="">
+              <a14:hiddenEffects xmlns="" xmlns:a14="http://schemas.microsoft.com/office/drawing/2010/main">
                 <a:effectLst>
                   <a:outerShdw dist="35921" dir="2700000" algn="ctr" rotWithShape="0">
                     <a:schemeClr val="bg2"/>
@@ -14940,73 +14640,10 @@
           </a:p>
         </p:txBody>
       </p:sp>
-      <p:sp>
-        <p:nvSpPr>
-          <p:cNvPr id="4" name="Rectangle 2"/>
-          <p:cNvSpPr>
-            <a:spLocks noChangeArrowheads="1"/>
-          </p:cNvSpPr>
-          <p:nvPr/>
-        </p:nvSpPr>
-        <p:spPr bwMode="auto">
-          <a:xfrm>
-            <a:off x="0" y="0"/>
-            <a:ext cx="9144000" cy="0"/>
-          </a:xfrm>
-          <a:prstGeom prst="rect">
-            <a:avLst/>
-          </a:prstGeom>
-          <a:noFill/>
-          <a:ln>
-            <a:noFill/>
-          </a:ln>
-          <a:effectLst/>
-          <a:extLst>
-            <a:ext uri="{909E8E84-426E-40DD-AFC4-6F175D3DCCD1}">
-              <a14:hiddenFill xmlns:a14="http://schemas.microsoft.com/office/drawing/2010/main" xmlns="">
-                <a:solidFill>
-                  <a:schemeClr val="accent1"/>
-                </a:solidFill>
-              </a14:hiddenFill>
-            </a:ext>
-            <a:ext uri="{91240B29-F687-4F45-9708-019B960494DF}">
-              <a14:hiddenLine xmlns:a14="http://schemas.microsoft.com/office/drawing/2010/main" xmlns="" w="9525">
-                <a:solidFill>
-                  <a:schemeClr val="tx1"/>
-                </a:solidFill>
-                <a:miter lim="800000"/>
-                <a:headEnd/>
-                <a:tailEnd/>
-              </a14:hiddenLine>
-            </a:ext>
-            <a:ext uri="{AF507438-7753-43E0-B8FC-AC1667EBCBE1}">
-              <a14:hiddenEffects xmlns:a14="http://schemas.microsoft.com/office/drawing/2010/main" xmlns="">
-                <a:effectLst>
-                  <a:outerShdw dist="35921" dir="2700000" algn="ctr" rotWithShape="0">
-                    <a:schemeClr val="bg2"/>
-                  </a:outerShdw>
-                </a:effectLst>
-              </a14:hiddenEffects>
-            </a:ext>
-          </a:extLst>
-        </p:spPr>
-        <p:txBody>
-          <a:bodyPr vert="horz" wrap="none" lIns="91440" tIns="45720" rIns="91440" bIns="45720" numCol="1" anchor="ctr" anchorCtr="0" compatLnSpc="1">
-            <a:prstTxWarp prst="textNoShape">
-              <a:avLst/>
-            </a:prstTxWarp>
-            <a:spAutoFit/>
-          </a:bodyPr>
-          <a:lstStyle/>
-          <a:p>
-            <a:endParaRPr lang="en-US"/>
-          </a:p>
-        </p:txBody>
-      </p:sp>
     </p:spTree>
     <p:extLst>
       <p:ext uri="{BB962C8B-B14F-4D97-AF65-F5344CB8AC3E}">
-        <p14:creationId xmlns:p14="http://schemas.microsoft.com/office/powerpoint/2010/main" xmlns="" val="273623958"/>
+        <p14:creationId xmlns="" xmlns:p14="http://schemas.microsoft.com/office/powerpoint/2010/main" val="792481554"/>
       </p:ext>
     </p:extLst>
   </p:cSld>
@@ -15052,22 +14689,21 @@
         </p:nvSpPr>
         <p:spPr>
           <a:xfrm>
-            <a:off x="840509" y="3079691"/>
-            <a:ext cx="7430925" cy="638582"/>
+            <a:off x="1043490" y="641291"/>
+            <a:ext cx="7024744" cy="638582"/>
           </a:xfrm>
         </p:spPr>
         <p:txBody>
           <a:bodyPr>
-            <a:noAutofit/>
+            <a:normAutofit fontScale="90000"/>
           </a:bodyPr>
           <a:lstStyle/>
           <a:p>
-            <a:pPr algn="ctr"/>
             <a:r>
-              <a:rPr lang="en-US" sz="7200" dirty="0" smtClean="0"/>
-              <a:t>Q &amp; A</a:t>
+              <a:rPr lang="en-US" dirty="0" smtClean="0"/>
+              <a:t>User Manual</a:t>
             </a:r>
-            <a:endParaRPr lang="en-US" sz="7200" dirty="0"/>
+            <a:endParaRPr lang="en-US" dirty="0"/>
           </a:p>
         </p:txBody>
       </p:sp>
@@ -15094,14 +14730,14 @@
           <a:effectLst/>
           <a:extLst>
             <a:ext uri="{909E8E84-426E-40DD-AFC4-6F175D3DCCD1}">
-              <a14:hiddenFill xmlns:a14="http://schemas.microsoft.com/office/drawing/2010/main" xmlns="">
+              <a14:hiddenFill xmlns="" xmlns:a14="http://schemas.microsoft.com/office/drawing/2010/main">
                 <a:solidFill>
                   <a:schemeClr val="accent1"/>
                 </a:solidFill>
               </a14:hiddenFill>
             </a:ext>
             <a:ext uri="{91240B29-F687-4F45-9708-019B960494DF}">
-              <a14:hiddenLine xmlns:a14="http://schemas.microsoft.com/office/drawing/2010/main" xmlns="" w="9525">
+              <a14:hiddenLine xmlns="" xmlns:a14="http://schemas.microsoft.com/office/drawing/2010/main" w="9525">
                 <a:solidFill>
                   <a:schemeClr val="tx1"/>
                 </a:solidFill>
@@ -15111,7 +14747,7 @@
               </a14:hiddenLine>
             </a:ext>
             <a:ext uri="{AF507438-7753-43E0-B8FC-AC1667EBCBE1}">
-              <a14:hiddenEffects xmlns:a14="http://schemas.microsoft.com/office/drawing/2010/main" xmlns="">
+              <a14:hiddenEffects xmlns="" xmlns:a14="http://schemas.microsoft.com/office/drawing/2010/main">
                 <a:effectLst>
                   <a:outerShdw dist="35921" dir="2700000" algn="ctr" rotWithShape="0">
                     <a:schemeClr val="bg2"/>
@@ -15157,14 +14793,14 @@
           <a:effectLst/>
           <a:extLst>
             <a:ext uri="{909E8E84-426E-40DD-AFC4-6F175D3DCCD1}">
-              <a14:hiddenFill xmlns:a14="http://schemas.microsoft.com/office/drawing/2010/main" xmlns="">
+              <a14:hiddenFill xmlns="" xmlns:a14="http://schemas.microsoft.com/office/drawing/2010/main">
                 <a:solidFill>
                   <a:schemeClr val="accent1"/>
                 </a:solidFill>
               </a14:hiddenFill>
             </a:ext>
             <a:ext uri="{91240B29-F687-4F45-9708-019B960494DF}">
-              <a14:hiddenLine xmlns:a14="http://schemas.microsoft.com/office/drawing/2010/main" xmlns="" w="9525">
+              <a14:hiddenLine xmlns="" xmlns:a14="http://schemas.microsoft.com/office/drawing/2010/main" w="9525">
                 <a:solidFill>
                   <a:schemeClr val="tx1"/>
                 </a:solidFill>
@@ -15174,7 +14810,7 @@
               </a14:hiddenLine>
             </a:ext>
             <a:ext uri="{AF507438-7753-43E0-B8FC-AC1667EBCBE1}">
-              <a14:hiddenEffects xmlns:a14="http://schemas.microsoft.com/office/drawing/2010/main" xmlns="">
+              <a14:hiddenEffects xmlns="" xmlns:a14="http://schemas.microsoft.com/office/drawing/2010/main">
                 <a:effectLst>
                   <a:outerShdw dist="35921" dir="2700000" algn="ctr" rotWithShape="0">
                     <a:schemeClr val="bg2"/>
@@ -15220,14 +14856,14 @@
           <a:effectLst/>
           <a:extLst>
             <a:ext uri="{909E8E84-426E-40DD-AFC4-6F175D3DCCD1}">
-              <a14:hiddenFill xmlns:a14="http://schemas.microsoft.com/office/drawing/2010/main" xmlns="">
+              <a14:hiddenFill xmlns="" xmlns:a14="http://schemas.microsoft.com/office/drawing/2010/main">
                 <a:solidFill>
                   <a:schemeClr val="accent1"/>
                 </a:solidFill>
               </a14:hiddenFill>
             </a:ext>
             <a:ext uri="{91240B29-F687-4F45-9708-019B960494DF}">
-              <a14:hiddenLine xmlns:a14="http://schemas.microsoft.com/office/drawing/2010/main" xmlns="" w="9525">
+              <a14:hiddenLine xmlns="" xmlns:a14="http://schemas.microsoft.com/office/drawing/2010/main" w="9525">
                 <a:solidFill>
                   <a:schemeClr val="tx1"/>
                 </a:solidFill>
@@ -15237,7 +14873,7 @@
               </a14:hiddenLine>
             </a:ext>
             <a:ext uri="{AF507438-7753-43E0-B8FC-AC1667EBCBE1}">
-              <a14:hiddenEffects xmlns:a14="http://schemas.microsoft.com/office/drawing/2010/main" xmlns="">
+              <a14:hiddenEffects xmlns="" xmlns:a14="http://schemas.microsoft.com/office/drawing/2010/main">
                 <a:effectLst>
                   <a:outerShdw dist="35921" dir="2700000" algn="ctr" rotWithShape="0">
                     <a:schemeClr val="bg2"/>
@@ -15263,7 +14899,528 @@
     </p:spTree>
     <p:extLst>
       <p:ext uri="{BB962C8B-B14F-4D97-AF65-F5344CB8AC3E}">
-        <p14:creationId xmlns:p14="http://schemas.microsoft.com/office/powerpoint/2010/main" xmlns="" val="336984967"/>
+        <p14:creationId xmlns="" xmlns:p14="http://schemas.microsoft.com/office/powerpoint/2010/main" val="2227559208"/>
+      </p:ext>
+    </p:extLst>
+  </p:cSld>
+  <p:clrMapOvr>
+    <a:masterClrMapping/>
+  </p:clrMapOvr>
+  <p:timing>
+    <p:tnLst>
+      <p:par>
+        <p:cTn id="1" dur="indefinite" restart="never" nodeType="tmRoot"/>
+      </p:par>
+    </p:tnLst>
+  </p:timing>
+</p:sld>
+</file>
+
+<file path=ppt/slides/slide17.xml><?xml version="1.0" encoding="utf-8"?>
+<p:sld xmlns:a="http://schemas.openxmlformats.org/drawingml/2006/main" xmlns:r="http://schemas.openxmlformats.org/officeDocument/2006/relationships" xmlns:p="http://schemas.openxmlformats.org/presentationml/2006/main">
+  <p:cSld>
+    <p:spTree>
+      <p:nvGrpSpPr>
+        <p:cNvPr id="1" name=""/>
+        <p:cNvGrpSpPr/>
+        <p:nvPr/>
+      </p:nvGrpSpPr>
+      <p:grpSpPr>
+        <a:xfrm>
+          <a:off x="0" y="0"/>
+          <a:ext cx="0" cy="0"/>
+          <a:chOff x="0" y="0"/>
+          <a:chExt cx="0" cy="0"/>
+        </a:xfrm>
+      </p:grpSpPr>
+      <p:sp>
+        <p:nvSpPr>
+          <p:cNvPr id="2" name="Title 1"/>
+          <p:cNvSpPr>
+            <a:spLocks noGrp="1"/>
+          </p:cNvSpPr>
+          <p:nvPr>
+            <p:ph type="title"/>
+          </p:nvPr>
+        </p:nvSpPr>
+        <p:spPr>
+          <a:xfrm>
+            <a:off x="1043490" y="641291"/>
+            <a:ext cx="7024744" cy="638582"/>
+          </a:xfrm>
+        </p:spPr>
+        <p:txBody>
+          <a:bodyPr>
+            <a:normAutofit fontScale="90000"/>
+          </a:bodyPr>
+          <a:lstStyle/>
+          <a:p>
+            <a:r>
+              <a:rPr lang="en-US" dirty="0" smtClean="0"/>
+              <a:t>System </a:t>
+            </a:r>
+            <a:r>
+              <a:rPr lang="en-US" dirty="0"/>
+              <a:t>M</a:t>
+            </a:r>
+            <a:r>
+              <a:rPr lang="en-US" dirty="0" smtClean="0"/>
+              <a:t>anual</a:t>
+            </a:r>
+            <a:endParaRPr lang="en-US" dirty="0"/>
+          </a:p>
+        </p:txBody>
+      </p:sp>
+      <p:sp>
+        <p:nvSpPr>
+          <p:cNvPr id="3" name="Rectangle 2"/>
+          <p:cNvSpPr>
+            <a:spLocks noChangeArrowheads="1"/>
+          </p:cNvSpPr>
+          <p:nvPr/>
+        </p:nvSpPr>
+        <p:spPr bwMode="auto">
+          <a:xfrm>
+            <a:off x="0" y="0"/>
+            <a:ext cx="9144000" cy="0"/>
+          </a:xfrm>
+          <a:prstGeom prst="rect">
+            <a:avLst/>
+          </a:prstGeom>
+          <a:noFill/>
+          <a:ln>
+            <a:noFill/>
+          </a:ln>
+          <a:effectLst/>
+          <a:extLst>
+            <a:ext uri="{909E8E84-426E-40DD-AFC4-6F175D3DCCD1}">
+              <a14:hiddenFill xmlns="" xmlns:a14="http://schemas.microsoft.com/office/drawing/2010/main">
+                <a:solidFill>
+                  <a:schemeClr val="accent1"/>
+                </a:solidFill>
+              </a14:hiddenFill>
+            </a:ext>
+            <a:ext uri="{91240B29-F687-4F45-9708-019B960494DF}">
+              <a14:hiddenLine xmlns="" xmlns:a14="http://schemas.microsoft.com/office/drawing/2010/main" w="9525">
+                <a:solidFill>
+                  <a:schemeClr val="tx1"/>
+                </a:solidFill>
+                <a:miter lim="800000"/>
+                <a:headEnd/>
+                <a:tailEnd/>
+              </a14:hiddenLine>
+            </a:ext>
+            <a:ext uri="{AF507438-7753-43E0-B8FC-AC1667EBCBE1}">
+              <a14:hiddenEffects xmlns="" xmlns:a14="http://schemas.microsoft.com/office/drawing/2010/main">
+                <a:effectLst>
+                  <a:outerShdw dist="35921" dir="2700000" algn="ctr" rotWithShape="0">
+                    <a:schemeClr val="bg2"/>
+                  </a:outerShdw>
+                </a:effectLst>
+              </a14:hiddenEffects>
+            </a:ext>
+          </a:extLst>
+        </p:spPr>
+        <p:txBody>
+          <a:bodyPr vert="horz" wrap="none" lIns="91440" tIns="45720" rIns="91440" bIns="45720" numCol="1" anchor="ctr" anchorCtr="0" compatLnSpc="1">
+            <a:prstTxWarp prst="textNoShape">
+              <a:avLst/>
+            </a:prstTxWarp>
+            <a:spAutoFit/>
+          </a:bodyPr>
+          <a:lstStyle/>
+          <a:p>
+            <a:endParaRPr lang="en-US"/>
+          </a:p>
+        </p:txBody>
+      </p:sp>
+      <p:sp>
+        <p:nvSpPr>
+          <p:cNvPr id="5" name="Rectangle 2"/>
+          <p:cNvSpPr>
+            <a:spLocks noChangeArrowheads="1"/>
+          </p:cNvSpPr>
+          <p:nvPr/>
+        </p:nvSpPr>
+        <p:spPr bwMode="auto">
+          <a:xfrm>
+            <a:off x="0" y="0"/>
+            <a:ext cx="9144000" cy="0"/>
+          </a:xfrm>
+          <a:prstGeom prst="rect">
+            <a:avLst/>
+          </a:prstGeom>
+          <a:noFill/>
+          <a:ln>
+            <a:noFill/>
+          </a:ln>
+          <a:effectLst/>
+          <a:extLst>
+            <a:ext uri="{909E8E84-426E-40DD-AFC4-6F175D3DCCD1}">
+              <a14:hiddenFill xmlns="" xmlns:a14="http://schemas.microsoft.com/office/drawing/2010/main">
+                <a:solidFill>
+                  <a:schemeClr val="accent1"/>
+                </a:solidFill>
+              </a14:hiddenFill>
+            </a:ext>
+            <a:ext uri="{91240B29-F687-4F45-9708-019B960494DF}">
+              <a14:hiddenLine xmlns="" xmlns:a14="http://schemas.microsoft.com/office/drawing/2010/main" w="9525">
+                <a:solidFill>
+                  <a:schemeClr val="tx1"/>
+                </a:solidFill>
+                <a:miter lim="800000"/>
+                <a:headEnd/>
+                <a:tailEnd/>
+              </a14:hiddenLine>
+            </a:ext>
+            <a:ext uri="{AF507438-7753-43E0-B8FC-AC1667EBCBE1}">
+              <a14:hiddenEffects xmlns="" xmlns:a14="http://schemas.microsoft.com/office/drawing/2010/main">
+                <a:effectLst>
+                  <a:outerShdw dist="35921" dir="2700000" algn="ctr" rotWithShape="0">
+                    <a:schemeClr val="bg2"/>
+                  </a:outerShdw>
+                </a:effectLst>
+              </a14:hiddenEffects>
+            </a:ext>
+          </a:extLst>
+        </p:spPr>
+        <p:txBody>
+          <a:bodyPr vert="horz" wrap="none" lIns="91440" tIns="45720" rIns="91440" bIns="45720" numCol="1" anchor="ctr" anchorCtr="0" compatLnSpc="1">
+            <a:prstTxWarp prst="textNoShape">
+              <a:avLst/>
+            </a:prstTxWarp>
+            <a:spAutoFit/>
+          </a:bodyPr>
+          <a:lstStyle/>
+          <a:p>
+            <a:endParaRPr lang="en-US"/>
+          </a:p>
+        </p:txBody>
+      </p:sp>
+      <p:sp>
+        <p:nvSpPr>
+          <p:cNvPr id="4" name="Rectangle 2"/>
+          <p:cNvSpPr>
+            <a:spLocks noChangeArrowheads="1"/>
+          </p:cNvSpPr>
+          <p:nvPr/>
+        </p:nvSpPr>
+        <p:spPr bwMode="auto">
+          <a:xfrm>
+            <a:off x="0" y="0"/>
+            <a:ext cx="9144000" cy="0"/>
+          </a:xfrm>
+          <a:prstGeom prst="rect">
+            <a:avLst/>
+          </a:prstGeom>
+          <a:noFill/>
+          <a:ln>
+            <a:noFill/>
+          </a:ln>
+          <a:effectLst/>
+          <a:extLst>
+            <a:ext uri="{909E8E84-426E-40DD-AFC4-6F175D3DCCD1}">
+              <a14:hiddenFill xmlns="" xmlns:a14="http://schemas.microsoft.com/office/drawing/2010/main">
+                <a:solidFill>
+                  <a:schemeClr val="accent1"/>
+                </a:solidFill>
+              </a14:hiddenFill>
+            </a:ext>
+            <a:ext uri="{91240B29-F687-4F45-9708-019B960494DF}">
+              <a14:hiddenLine xmlns="" xmlns:a14="http://schemas.microsoft.com/office/drawing/2010/main" w="9525">
+                <a:solidFill>
+                  <a:schemeClr val="tx1"/>
+                </a:solidFill>
+                <a:miter lim="800000"/>
+                <a:headEnd/>
+                <a:tailEnd/>
+              </a14:hiddenLine>
+            </a:ext>
+            <a:ext uri="{AF507438-7753-43E0-B8FC-AC1667EBCBE1}">
+              <a14:hiddenEffects xmlns="" xmlns:a14="http://schemas.microsoft.com/office/drawing/2010/main">
+                <a:effectLst>
+                  <a:outerShdw dist="35921" dir="2700000" algn="ctr" rotWithShape="0">
+                    <a:schemeClr val="bg2"/>
+                  </a:outerShdw>
+                </a:effectLst>
+              </a14:hiddenEffects>
+            </a:ext>
+          </a:extLst>
+        </p:spPr>
+        <p:txBody>
+          <a:bodyPr vert="horz" wrap="none" lIns="91440" tIns="45720" rIns="91440" bIns="45720" numCol="1" anchor="ctr" anchorCtr="0" compatLnSpc="1">
+            <a:prstTxWarp prst="textNoShape">
+              <a:avLst/>
+            </a:prstTxWarp>
+            <a:spAutoFit/>
+          </a:bodyPr>
+          <a:lstStyle/>
+          <a:p>
+            <a:endParaRPr lang="en-US"/>
+          </a:p>
+        </p:txBody>
+      </p:sp>
+    </p:spTree>
+    <p:extLst>
+      <p:ext uri="{BB962C8B-B14F-4D97-AF65-F5344CB8AC3E}">
+        <p14:creationId xmlns="" xmlns:p14="http://schemas.microsoft.com/office/powerpoint/2010/main" val="273623958"/>
+      </p:ext>
+    </p:extLst>
+  </p:cSld>
+  <p:clrMapOvr>
+    <a:masterClrMapping/>
+  </p:clrMapOvr>
+  <p:timing>
+    <p:tnLst>
+      <p:par>
+        <p:cTn id="1" dur="indefinite" restart="never" nodeType="tmRoot"/>
+      </p:par>
+    </p:tnLst>
+  </p:timing>
+</p:sld>
+</file>
+
+<file path=ppt/slides/slide18.xml><?xml version="1.0" encoding="utf-8"?>
+<p:sld xmlns:a="http://schemas.openxmlformats.org/drawingml/2006/main" xmlns:r="http://schemas.openxmlformats.org/officeDocument/2006/relationships" xmlns:p="http://schemas.openxmlformats.org/presentationml/2006/main">
+  <p:cSld>
+    <p:spTree>
+      <p:nvGrpSpPr>
+        <p:cNvPr id="1" name=""/>
+        <p:cNvGrpSpPr/>
+        <p:nvPr/>
+      </p:nvGrpSpPr>
+      <p:grpSpPr>
+        <a:xfrm>
+          <a:off x="0" y="0"/>
+          <a:ext cx="0" cy="0"/>
+          <a:chOff x="0" y="0"/>
+          <a:chExt cx="0" cy="0"/>
+        </a:xfrm>
+      </p:grpSpPr>
+      <p:sp>
+        <p:nvSpPr>
+          <p:cNvPr id="2" name="Title 1"/>
+          <p:cNvSpPr>
+            <a:spLocks noGrp="1"/>
+          </p:cNvSpPr>
+          <p:nvPr>
+            <p:ph type="title"/>
+          </p:nvPr>
+        </p:nvSpPr>
+        <p:spPr>
+          <a:xfrm>
+            <a:off x="840509" y="3079691"/>
+            <a:ext cx="7430925" cy="638582"/>
+          </a:xfrm>
+        </p:spPr>
+        <p:txBody>
+          <a:bodyPr>
+            <a:noAutofit/>
+          </a:bodyPr>
+          <a:lstStyle/>
+          <a:p>
+            <a:pPr algn="ctr"/>
+            <a:r>
+              <a:rPr lang="en-US" sz="7200" dirty="0" smtClean="0"/>
+              <a:t>Q &amp; A</a:t>
+            </a:r>
+            <a:endParaRPr lang="en-US" sz="7200" dirty="0"/>
+          </a:p>
+        </p:txBody>
+      </p:sp>
+      <p:sp>
+        <p:nvSpPr>
+          <p:cNvPr id="3" name="Rectangle 2"/>
+          <p:cNvSpPr>
+            <a:spLocks noChangeArrowheads="1"/>
+          </p:cNvSpPr>
+          <p:nvPr/>
+        </p:nvSpPr>
+        <p:spPr bwMode="auto">
+          <a:xfrm>
+            <a:off x="0" y="0"/>
+            <a:ext cx="9144000" cy="0"/>
+          </a:xfrm>
+          <a:prstGeom prst="rect">
+            <a:avLst/>
+          </a:prstGeom>
+          <a:noFill/>
+          <a:ln>
+            <a:noFill/>
+          </a:ln>
+          <a:effectLst/>
+          <a:extLst>
+            <a:ext uri="{909E8E84-426E-40DD-AFC4-6F175D3DCCD1}">
+              <a14:hiddenFill xmlns="" xmlns:a14="http://schemas.microsoft.com/office/drawing/2010/main">
+                <a:solidFill>
+                  <a:schemeClr val="accent1"/>
+                </a:solidFill>
+              </a14:hiddenFill>
+            </a:ext>
+            <a:ext uri="{91240B29-F687-4F45-9708-019B960494DF}">
+              <a14:hiddenLine xmlns="" xmlns:a14="http://schemas.microsoft.com/office/drawing/2010/main" w="9525">
+                <a:solidFill>
+                  <a:schemeClr val="tx1"/>
+                </a:solidFill>
+                <a:miter lim="800000"/>
+                <a:headEnd/>
+                <a:tailEnd/>
+              </a14:hiddenLine>
+            </a:ext>
+            <a:ext uri="{AF507438-7753-43E0-B8FC-AC1667EBCBE1}">
+              <a14:hiddenEffects xmlns="" xmlns:a14="http://schemas.microsoft.com/office/drawing/2010/main">
+                <a:effectLst>
+                  <a:outerShdw dist="35921" dir="2700000" algn="ctr" rotWithShape="0">
+                    <a:schemeClr val="bg2"/>
+                  </a:outerShdw>
+                </a:effectLst>
+              </a14:hiddenEffects>
+            </a:ext>
+          </a:extLst>
+        </p:spPr>
+        <p:txBody>
+          <a:bodyPr vert="horz" wrap="none" lIns="91440" tIns="45720" rIns="91440" bIns="45720" numCol="1" anchor="ctr" anchorCtr="0" compatLnSpc="1">
+            <a:prstTxWarp prst="textNoShape">
+              <a:avLst/>
+            </a:prstTxWarp>
+            <a:spAutoFit/>
+          </a:bodyPr>
+          <a:lstStyle/>
+          <a:p>
+            <a:endParaRPr lang="en-US"/>
+          </a:p>
+        </p:txBody>
+      </p:sp>
+      <p:sp>
+        <p:nvSpPr>
+          <p:cNvPr id="5" name="Rectangle 2"/>
+          <p:cNvSpPr>
+            <a:spLocks noChangeArrowheads="1"/>
+          </p:cNvSpPr>
+          <p:nvPr/>
+        </p:nvSpPr>
+        <p:spPr bwMode="auto">
+          <a:xfrm>
+            <a:off x="0" y="0"/>
+            <a:ext cx="9144000" cy="0"/>
+          </a:xfrm>
+          <a:prstGeom prst="rect">
+            <a:avLst/>
+          </a:prstGeom>
+          <a:noFill/>
+          <a:ln>
+            <a:noFill/>
+          </a:ln>
+          <a:effectLst/>
+          <a:extLst>
+            <a:ext uri="{909E8E84-426E-40DD-AFC4-6F175D3DCCD1}">
+              <a14:hiddenFill xmlns="" xmlns:a14="http://schemas.microsoft.com/office/drawing/2010/main">
+                <a:solidFill>
+                  <a:schemeClr val="accent1"/>
+                </a:solidFill>
+              </a14:hiddenFill>
+            </a:ext>
+            <a:ext uri="{91240B29-F687-4F45-9708-019B960494DF}">
+              <a14:hiddenLine xmlns="" xmlns:a14="http://schemas.microsoft.com/office/drawing/2010/main" w="9525">
+                <a:solidFill>
+                  <a:schemeClr val="tx1"/>
+                </a:solidFill>
+                <a:miter lim="800000"/>
+                <a:headEnd/>
+                <a:tailEnd/>
+              </a14:hiddenLine>
+            </a:ext>
+            <a:ext uri="{AF507438-7753-43E0-B8FC-AC1667EBCBE1}">
+              <a14:hiddenEffects xmlns="" xmlns:a14="http://schemas.microsoft.com/office/drawing/2010/main">
+                <a:effectLst>
+                  <a:outerShdw dist="35921" dir="2700000" algn="ctr" rotWithShape="0">
+                    <a:schemeClr val="bg2"/>
+                  </a:outerShdw>
+                </a:effectLst>
+              </a14:hiddenEffects>
+            </a:ext>
+          </a:extLst>
+        </p:spPr>
+        <p:txBody>
+          <a:bodyPr vert="horz" wrap="none" lIns="91440" tIns="45720" rIns="91440" bIns="45720" numCol="1" anchor="ctr" anchorCtr="0" compatLnSpc="1">
+            <a:prstTxWarp prst="textNoShape">
+              <a:avLst/>
+            </a:prstTxWarp>
+            <a:spAutoFit/>
+          </a:bodyPr>
+          <a:lstStyle/>
+          <a:p>
+            <a:endParaRPr lang="en-US"/>
+          </a:p>
+        </p:txBody>
+      </p:sp>
+      <p:sp>
+        <p:nvSpPr>
+          <p:cNvPr id="4" name="Rectangle 2"/>
+          <p:cNvSpPr>
+            <a:spLocks noChangeArrowheads="1"/>
+          </p:cNvSpPr>
+          <p:nvPr/>
+        </p:nvSpPr>
+        <p:spPr bwMode="auto">
+          <a:xfrm>
+            <a:off x="0" y="0"/>
+            <a:ext cx="9144000" cy="0"/>
+          </a:xfrm>
+          <a:prstGeom prst="rect">
+            <a:avLst/>
+          </a:prstGeom>
+          <a:noFill/>
+          <a:ln>
+            <a:noFill/>
+          </a:ln>
+          <a:effectLst/>
+          <a:extLst>
+            <a:ext uri="{909E8E84-426E-40DD-AFC4-6F175D3DCCD1}">
+              <a14:hiddenFill xmlns="" xmlns:a14="http://schemas.microsoft.com/office/drawing/2010/main">
+                <a:solidFill>
+                  <a:schemeClr val="accent1"/>
+                </a:solidFill>
+              </a14:hiddenFill>
+            </a:ext>
+            <a:ext uri="{91240B29-F687-4F45-9708-019B960494DF}">
+              <a14:hiddenLine xmlns="" xmlns:a14="http://schemas.microsoft.com/office/drawing/2010/main" w="9525">
+                <a:solidFill>
+                  <a:schemeClr val="tx1"/>
+                </a:solidFill>
+                <a:miter lim="800000"/>
+                <a:headEnd/>
+                <a:tailEnd/>
+              </a14:hiddenLine>
+            </a:ext>
+            <a:ext uri="{AF507438-7753-43E0-B8FC-AC1667EBCBE1}">
+              <a14:hiddenEffects xmlns="" xmlns:a14="http://schemas.microsoft.com/office/drawing/2010/main">
+                <a:effectLst>
+                  <a:outerShdw dist="35921" dir="2700000" algn="ctr" rotWithShape="0">
+                    <a:schemeClr val="bg2"/>
+                  </a:outerShdw>
+                </a:effectLst>
+              </a14:hiddenEffects>
+            </a:ext>
+          </a:extLst>
+        </p:spPr>
+        <p:txBody>
+          <a:bodyPr vert="horz" wrap="none" lIns="91440" tIns="45720" rIns="91440" bIns="45720" numCol="1" anchor="ctr" anchorCtr="0" compatLnSpc="1">
+            <a:prstTxWarp prst="textNoShape">
+              <a:avLst/>
+            </a:prstTxWarp>
+            <a:spAutoFit/>
+          </a:bodyPr>
+          <a:lstStyle/>
+          <a:p>
+            <a:endParaRPr lang="en-US"/>
+          </a:p>
+        </p:txBody>
+      </p:sp>
+    </p:spTree>
+    <p:extLst>
+      <p:ext uri="{BB962C8B-B14F-4D97-AF65-F5344CB8AC3E}">
+        <p14:creationId xmlns="" xmlns:p14="http://schemas.microsoft.com/office/powerpoint/2010/main" val="336984967"/>
       </p:ext>
     </p:extLst>
   </p:cSld>
@@ -15307,7 +15464,12 @@
             <p:ph type="title"/>
           </p:nvPr>
         </p:nvSpPr>
-        <p:spPr/>
+        <p:spPr>
+          <a:xfrm>
+            <a:off x="796065" y="286439"/>
+            <a:ext cx="7024744" cy="1143000"/>
+          </a:xfrm>
+        </p:spPr>
         <p:txBody>
           <a:bodyPr>
             <a:normAutofit/>
@@ -15316,7 +15478,7 @@
           <a:p>
             <a:r>
               <a:rPr lang="en-US" dirty="0" smtClean="0"/>
-              <a:t>Project Overview</a:t>
+              <a:t>What is iBudget?</a:t>
             </a:r>
             <a:endParaRPr lang="en-US" dirty="0"/>
           </a:p>
@@ -15332,42 +15494,74 @@
             <p:ph idx="1"/>
           </p:nvPr>
         </p:nvSpPr>
-        <p:spPr/>
+        <p:spPr>
+          <a:xfrm>
+            <a:off x="796065" y="1726841"/>
+            <a:ext cx="6777317" cy="4376504"/>
+          </a:xfrm>
+        </p:spPr>
         <p:txBody>
-          <a:bodyPr/>
+          <a:bodyPr>
+            <a:normAutofit/>
+          </a:bodyPr>
           <a:lstStyle/>
           <a:p>
+            <a:pPr>
+              <a:buNone/>
+            </a:pPr>
+            <a:endParaRPr lang="en-US" dirty="0" smtClean="0"/>
+          </a:p>
+          <a:p>
+            <a:pPr>
+              <a:buNone/>
+            </a:pPr>
             <a:r>
               <a:rPr lang="en-US" dirty="0" smtClean="0"/>
-              <a:t>What is </a:t>
+              <a:t>A web-based personal financial management service designed to:</a:t>
             </a:r>
-            <a:r>
-              <a:rPr lang="en-US" dirty="0" err="1" smtClean="0"/>
-              <a:t>iBudget</a:t>
-            </a:r>
+          </a:p>
+          <a:p>
+            <a:pPr>
+              <a:buNone/>
+            </a:pPr>
+            <a:endParaRPr lang="en-US" dirty="0" smtClean="0"/>
+          </a:p>
+          <a:p>
+            <a:pPr marL="525780" indent="-457200">
+              <a:buFont typeface="Wingdings" pitchFamily="2" charset="2"/>
+              <a:buChar char="Ø"/>
+            </a:pPr>
             <a:r>
               <a:rPr lang="en-US" dirty="0" smtClean="0"/>
-              <a:t>? -1 slide</a:t>
+              <a:t>Keep track of all your financial accounts into one place</a:t>
             </a:r>
           </a:p>
           <a:p>
+            <a:pPr marL="525780" indent="-457200">
+              <a:buFont typeface="Wingdings" pitchFamily="2" charset="2"/>
+              <a:buChar char="Ø"/>
+            </a:pPr>
             <a:r>
               <a:rPr lang="en-US" dirty="0" smtClean="0"/>
-              <a:t>Example of competition – Mint 1 slide</a:t>
+              <a:t>Allow you to set a budget</a:t>
             </a:r>
           </a:p>
           <a:p>
+            <a:pPr marL="525780" indent="-457200">
+              <a:buFont typeface="Wingdings" pitchFamily="2" charset="2"/>
+              <a:buChar char="Ø"/>
+            </a:pPr>
             <a:r>
               <a:rPr lang="en-US" dirty="0" smtClean="0"/>
-              <a:t>Competitive advantage – 1 slide</a:t>
+              <a:t>Manage individual transactions</a:t>
             </a:r>
           </a:p>
           <a:p>
-            <a:r>
-              <a:rPr lang="en-US" dirty="0" smtClean="0"/>
-              <a:t>What is the expected outcome of the project – 1 slide</a:t>
-            </a:r>
-            <a:endParaRPr lang="en-US" dirty="0"/>
+            <a:pPr marL="525780" indent="-457200">
+              <a:buFont typeface="+mj-lt"/>
+              <a:buAutoNum type="alphaUcPeriod"/>
+            </a:pPr>
+            <a:endParaRPr lang="en-US" dirty="0" smtClean="0"/>
           </a:p>
         </p:txBody>
       </p:sp>
@@ -15406,7 +15600,12 @@
             <p:ph type="title"/>
           </p:nvPr>
         </p:nvSpPr>
-        <p:spPr/>
+        <p:spPr>
+          <a:xfrm>
+            <a:off x="796065" y="286439"/>
+            <a:ext cx="7024744" cy="1143000"/>
+          </a:xfrm>
+        </p:spPr>
         <p:txBody>
           <a:bodyPr>
             <a:normAutofit/>
@@ -15415,7 +15614,7 @@
           <a:p>
             <a:r>
               <a:rPr lang="en-US" dirty="0" smtClean="0"/>
-              <a:t>Project Organization</a:t>
+              <a:t>Competition: Mint.com</a:t>
             </a:r>
             <a:endParaRPr lang="en-US" dirty="0"/>
           </a:p>
@@ -15431,34 +15630,72 @@
             <p:ph idx="1"/>
           </p:nvPr>
         </p:nvSpPr>
-        <p:spPr/>
+        <p:spPr>
+          <a:xfrm>
+            <a:off x="3007605" y="1795749"/>
+            <a:ext cx="5640636" cy="2448552"/>
+          </a:xfrm>
+        </p:spPr>
         <p:txBody>
-          <a:bodyPr/>
+          <a:bodyPr>
+            <a:normAutofit/>
+          </a:bodyPr>
           <a:lstStyle/>
           <a:p>
             <a:r>
               <a:rPr lang="en-US" dirty="0" smtClean="0"/>
-              <a:t>Process Model – Unified Process</a:t>
+              <a:t>See all accounts</a:t>
             </a:r>
+            <a:endParaRPr lang="en-US" dirty="0" smtClean="0"/>
           </a:p>
           <a:p>
             <a:r>
               <a:rPr lang="en-US" dirty="0" smtClean="0"/>
-              <a:t>Organizational Structure</a:t>
+              <a:t>Auto categorization</a:t>
             </a:r>
-          </a:p>
-          <a:p>
-            <a:pPr>
-              <a:buNone/>
-            </a:pPr>
+            <a:endParaRPr lang="en-US" dirty="0" smtClean="0"/>
+          </a:p>
+          <a:p>
             <a:r>
               <a:rPr lang="en-US" dirty="0" smtClean="0"/>
-              <a:t> </a:t>
+              <a:t>Timely alerts to email and phone</a:t>
+            </a:r>
+          </a:p>
+          <a:p>
+            <a:r>
+              <a:rPr lang="en-US" dirty="0" smtClean="0"/>
+              <a:t>Helpful graphs</a:t>
             </a:r>
             <a:endParaRPr lang="en-US" dirty="0"/>
           </a:p>
         </p:txBody>
       </p:sp>
+      <p:pic>
+        <p:nvPicPr>
+          <p:cNvPr id="16386" name="Picture 2" descr="File:Mintcom.png"/>
+          <p:cNvPicPr>
+            <a:picLocks noChangeAspect="1" noChangeArrowheads="1"/>
+          </p:cNvPicPr>
+          <p:nvPr/>
+        </p:nvPicPr>
+        <p:blipFill>
+          <a:blip r:embed="rId2" cstate="print"/>
+          <a:srcRect/>
+          <a:stretch>
+            <a:fillRect/>
+          </a:stretch>
+        </p:blipFill>
+        <p:spPr bwMode="auto">
+          <a:xfrm>
+            <a:off x="-283322" y="2310735"/>
+            <a:ext cx="7620000" cy="5715000"/>
+          </a:xfrm>
+          <a:prstGeom prst="rect">
+            <a:avLst/>
+          </a:prstGeom>
+          <a:noFill/>
+        </p:spPr>
+      </p:pic>
     </p:spTree>
   </p:cSld>
   <p:clrMapOvr>
@@ -15494,61 +15731,219 @@
             <p:ph type="title"/>
           </p:nvPr>
         </p:nvSpPr>
-        <p:spPr/>
+        <p:spPr>
+          <a:xfrm>
+            <a:off x="796065" y="286439"/>
+            <a:ext cx="7024744" cy="1143000"/>
+          </a:xfrm>
+        </p:spPr>
         <p:txBody>
-          <a:bodyPr/>
+          <a:bodyPr>
+            <a:normAutofit/>
+          </a:bodyPr>
           <a:lstStyle/>
           <a:p>
             <a:r>
               <a:rPr lang="en-US" dirty="0" smtClean="0"/>
-              <a:t>M</a:t>
-            </a:r>
-            <a:r>
-              <a:rPr lang="en-US" dirty="0" smtClean="0"/>
-              <a:t>anagement Process</a:t>
+              <a:t>Competitive Advantage</a:t>
             </a:r>
             <a:endParaRPr lang="en-US" dirty="0"/>
+          </a:p>
+        </p:txBody>
+      </p:sp>
+      <p:pic>
+        <p:nvPicPr>
+          <p:cNvPr id="16386" name="Picture 2" descr="File:Mintcom.png"/>
+          <p:cNvPicPr>
+            <a:picLocks noChangeAspect="1" noChangeArrowheads="1"/>
+          </p:cNvPicPr>
+          <p:nvPr/>
+        </p:nvPicPr>
+        <p:blipFill>
+          <a:blip r:embed="rId2" cstate="print"/>
+          <a:srcRect/>
+          <a:stretch>
+            <a:fillRect/>
+          </a:stretch>
+        </p:blipFill>
+        <p:spPr bwMode="auto">
+          <a:xfrm>
+            <a:off x="5073789" y="1293519"/>
+            <a:ext cx="2747020" cy="2060265"/>
+          </a:xfrm>
+          <a:prstGeom prst="rect">
+            <a:avLst/>
+          </a:prstGeom>
+          <a:noFill/>
+        </p:spPr>
+      </p:pic>
+      <p:cxnSp>
+        <p:nvCxnSpPr>
+          <p:cNvPr id="7" name="Straight Connector 6"/>
+          <p:cNvCxnSpPr/>
+          <p:nvPr/>
+        </p:nvCxnSpPr>
+        <p:spPr>
+          <a:xfrm>
+            <a:off x="4639733" y="1738489"/>
+            <a:ext cx="0" cy="4312355"/>
+          </a:xfrm>
+          <a:prstGeom prst="line">
+            <a:avLst/>
+          </a:prstGeom>
+        </p:spPr>
+        <p:style>
+          <a:lnRef idx="3">
+            <a:schemeClr val="accent1"/>
+          </a:lnRef>
+          <a:fillRef idx="0">
+            <a:schemeClr val="accent1"/>
+          </a:fillRef>
+          <a:effectRef idx="2">
+            <a:schemeClr val="accent1"/>
+          </a:effectRef>
+          <a:fontRef idx="minor">
+            <a:schemeClr val="tx1"/>
+          </a:fontRef>
+        </p:style>
+      </p:cxnSp>
+      <p:sp>
+        <p:nvSpPr>
+          <p:cNvPr id="8" name="Rectangle 7"/>
+          <p:cNvSpPr/>
+          <p:nvPr/>
+        </p:nvSpPr>
+        <p:spPr>
+          <a:xfrm>
+            <a:off x="1546829" y="1894901"/>
+            <a:ext cx="2097049" cy="707886"/>
+          </a:xfrm>
+          <a:prstGeom prst="rect">
+            <a:avLst/>
+          </a:prstGeom>
+        </p:spPr>
+        <p:txBody>
+          <a:bodyPr wrap="none">
+            <a:spAutoFit/>
+          </a:bodyPr>
+          <a:lstStyle/>
+          <a:p>
+            <a:r>
+              <a:rPr lang="en-US" sz="4000" b="1" dirty="0" smtClean="0">
+                <a:solidFill>
+                  <a:schemeClr val="accent1"/>
+                </a:solidFill>
+                <a:latin typeface="+mj-lt"/>
+                <a:ea typeface="+mj-ea"/>
+                <a:cs typeface="+mj-cs"/>
+              </a:rPr>
+              <a:t>iBudget</a:t>
+            </a:r>
           </a:p>
         </p:txBody>
       </p:sp>
       <p:sp>
         <p:nvSpPr>
-          <p:cNvPr id="3" name="Content Placeholder 2"/>
-          <p:cNvSpPr>
-            <a:spLocks noGrp="1"/>
-          </p:cNvSpPr>
-          <p:nvPr>
-            <p:ph idx="1"/>
-          </p:nvPr>
+          <p:cNvPr id="9" name="TextBox 8"/>
+          <p:cNvSpPr txBox="1"/>
+          <p:nvPr/>
         </p:nvSpPr>
-        <p:spPr/>
+        <p:spPr>
+          <a:xfrm>
+            <a:off x="796065" y="2984452"/>
+            <a:ext cx="3434412" cy="2031325"/>
+          </a:xfrm>
+          <a:prstGeom prst="rect">
+            <a:avLst/>
+          </a:prstGeom>
+          <a:noFill/>
+        </p:spPr>
         <p:txBody>
-          <a:bodyPr/>
+          <a:bodyPr wrap="square" rtlCol="0">
+            <a:spAutoFit/>
+          </a:bodyPr>
           <a:lstStyle/>
           <a:p>
             <a:r>
               <a:rPr lang="en-US" dirty="0" smtClean="0"/>
-              <a:t>Management Objectives and Priorities</a:t>
+              <a:t>Does NOT require:</a:t>
             </a:r>
           </a:p>
           <a:p>
+            <a:endParaRPr lang="en-US" dirty="0" smtClean="0"/>
+          </a:p>
+          <a:p>
+            <a:pPr marL="342900" indent="-342900">
+              <a:buFont typeface="+mj-lt"/>
+              <a:buAutoNum type="alphaLcParenR"/>
+            </a:pPr>
             <a:r>
               <a:rPr lang="en-US" dirty="0" smtClean="0"/>
-              <a:t>Risk management</a:t>
+              <a:t>A secure connection to a financial institution</a:t>
             </a:r>
           </a:p>
           <a:p>
+            <a:pPr marL="342900" indent="-342900">
+              <a:buFont typeface="+mj-lt"/>
+              <a:buAutoNum type="alphaLcParenR"/>
+            </a:pPr>
+            <a:endParaRPr lang="en-US" dirty="0" smtClean="0"/>
+          </a:p>
+          <a:p>
+            <a:pPr marL="342900" indent="-342900">
+              <a:buFont typeface="+mj-lt"/>
+              <a:buAutoNum type="alphaLcParenR"/>
+            </a:pPr>
             <a:r>
               <a:rPr lang="en-US" dirty="0" smtClean="0"/>
-              <a:t>Monitoring and controlling mechanism</a:t>
+              <a:t>Login credentials to a financial institution</a:t>
             </a:r>
           </a:p>
+        </p:txBody>
+      </p:sp>
+      <p:sp>
+        <p:nvSpPr>
+          <p:cNvPr id="10" name="TextBox 9"/>
+          <p:cNvSpPr txBox="1"/>
+          <p:nvPr/>
+        </p:nvSpPr>
+        <p:spPr>
+          <a:xfrm>
+            <a:off x="5073789" y="2984451"/>
+            <a:ext cx="3012592" cy="1200329"/>
+          </a:xfrm>
+          <a:prstGeom prst="rect">
+            <a:avLst/>
+          </a:prstGeom>
+          <a:noFill/>
+        </p:spPr>
+        <p:txBody>
+          <a:bodyPr wrap="square" rtlCol="0">
+            <a:spAutoFit/>
+          </a:bodyPr>
+          <a:lstStyle/>
           <a:p>
             <a:r>
               <a:rPr lang="en-US" dirty="0" smtClean="0"/>
-              <a:t>Staffing Plan</a:t>
+              <a:t>Requires:</a:t>
             </a:r>
-            <a:endParaRPr lang="en-US" dirty="0"/>
+          </a:p>
+          <a:p>
+            <a:endParaRPr lang="en-US" dirty="0" smtClean="0"/>
+          </a:p>
+          <a:p>
+            <a:r>
+              <a:rPr lang="en-US" dirty="0" smtClean="0"/>
+              <a:t>Account credentials to</a:t>
+            </a:r>
+            <a:r>
+              <a:rPr lang="en-US" dirty="0" smtClean="0"/>
+              <a:t> </a:t>
+            </a:r>
+            <a:r>
+              <a:rPr lang="en-US" dirty="0" smtClean="0"/>
+              <a:t>financial institutions</a:t>
+            </a:r>
           </a:p>
         </p:txBody>
       </p:sp>
@@ -15596,7 +15991,7 @@
           <a:p>
             <a:r>
               <a:rPr lang="en-US" dirty="0" smtClean="0"/>
-              <a:t>Resources and Schedule</a:t>
+              <a:t>Project Organization</a:t>
             </a:r>
             <a:endParaRPr lang="en-US" dirty="0"/>
           </a:p>
@@ -15619,19 +16014,23 @@
           <a:p>
             <a:r>
               <a:rPr lang="en-US" dirty="0" smtClean="0"/>
-              <a:t>Budget and resource allocation</a:t>
+              <a:t>Process Model – Unified Process</a:t>
             </a:r>
           </a:p>
           <a:p>
             <a:r>
               <a:rPr lang="en-US" dirty="0" smtClean="0"/>
-              <a:t>Schedule</a:t>
+              <a:t>Organizational Structure</a:t>
             </a:r>
           </a:p>
           <a:p>
             <a:pPr>
               <a:buNone/>
             </a:pPr>
+            <a:r>
+              <a:rPr lang="en-US" dirty="0" smtClean="0"/>
+              <a:t> </a:t>
+            </a:r>
             <a:endParaRPr lang="en-US" dirty="0"/>
           </a:p>
         </p:txBody>
@@ -15676,7 +16075,11 @@
           <a:bodyPr/>
           <a:lstStyle/>
           <a:p>
-            <a:endParaRPr lang="en-US"/>
+            <a:r>
+              <a:rPr lang="en-US" dirty="0" smtClean="0"/>
+              <a:t>Management Process</a:t>
+            </a:r>
+            <a:endParaRPr lang="en-US" dirty="0"/>
           </a:p>
         </p:txBody>
       </p:sp>
@@ -15695,7 +16098,29 @@
           <a:bodyPr/>
           <a:lstStyle/>
           <a:p>
-            <a:endParaRPr lang="en-US"/>
+            <a:r>
+              <a:rPr lang="en-US" dirty="0" smtClean="0"/>
+              <a:t>Management Objectives and Priorities</a:t>
+            </a:r>
+          </a:p>
+          <a:p>
+            <a:r>
+              <a:rPr lang="en-US" dirty="0" smtClean="0"/>
+              <a:t>Risk management</a:t>
+            </a:r>
+          </a:p>
+          <a:p>
+            <a:r>
+              <a:rPr lang="en-US" dirty="0" smtClean="0"/>
+              <a:t>Monitoring and controlling mechanism</a:t>
+            </a:r>
+          </a:p>
+          <a:p>
+            <a:r>
+              <a:rPr lang="en-US" dirty="0" smtClean="0"/>
+              <a:t>Staffing Plan</a:t>
+            </a:r>
+            <a:endParaRPr lang="en-US" dirty="0"/>
           </a:p>
         </p:txBody>
       </p:sp>
@@ -15736,16 +16161,14 @@
         </p:nvSpPr>
         <p:spPr/>
         <p:txBody>
-          <a:bodyPr/>
+          <a:bodyPr>
+            <a:normAutofit/>
+          </a:bodyPr>
           <a:lstStyle/>
           <a:p>
             <a:r>
               <a:rPr lang="en-US" dirty="0" smtClean="0"/>
-              <a:t>Online </a:t>
-            </a:r>
-            <a:r>
-              <a:rPr lang="en-US" dirty="0" err="1" smtClean="0"/>
-              <a:t>Demonstation</a:t>
+              <a:t>Resources and Schedule</a:t>
             </a:r>
             <a:endParaRPr lang="en-US" dirty="0"/>
           </a:p>
@@ -15766,89 +16189,30 @@
           <a:bodyPr/>
           <a:lstStyle/>
           <a:p>
-            <a:endParaRPr lang="en-US" dirty="0" smtClean="0">
-              <a:hlinkClick r:id="rId2"/>
-            </a:endParaRPr>
-          </a:p>
-          <a:p>
-            <a:r>
-              <a:rPr lang="en-US" dirty="0" smtClean="0">
-                <a:hlinkClick r:id="rId2"/>
-              </a:rPr>
-              <a:t>http://ibudget.simplefunctions.com</a:t>
-            </a:r>
-            <a:endParaRPr lang="en-US" dirty="0" smtClean="0"/>
-          </a:p>
-          <a:p>
-            <a:endParaRPr lang="en-US" dirty="0" smtClean="0"/>
-          </a:p>
-          <a:p>
             <a:r>
               <a:rPr lang="en-US" dirty="0" smtClean="0"/>
-              <a:t>We each take turn to show the pages or functionalities that we worked on.</a:t>
+              <a:t>Budget and resource allocation</a:t>
             </a:r>
+          </a:p>
+          <a:p>
+            <a:r>
+              <a:rPr lang="en-US" dirty="0" smtClean="0"/>
+              <a:t>Schedule</a:t>
+            </a:r>
+          </a:p>
+          <a:p>
+            <a:pPr>
+              <a:buNone/>
+            </a:pPr>
             <a:endParaRPr lang="en-US" dirty="0"/>
           </a:p>
         </p:txBody>
       </p:sp>
-      <p:pic>
-        <p:nvPicPr>
-          <p:cNvPr id="1026" name="Picture 2" descr="HTML5-logo.svg"/>
-          <p:cNvPicPr>
-            <a:picLocks noChangeAspect="1" noChangeArrowheads="1"/>
-          </p:cNvPicPr>
-          <p:nvPr/>
-        </p:nvPicPr>
-        <p:blipFill>
-          <a:blip r:embed="rId3" cstate="print">
-            <a:extLst>
-              <a:ext uri="{28A0092B-C50C-407E-A947-70E740481C1C}">
-                <a14:useLocalDpi xmlns:a14="http://schemas.microsoft.com/office/drawing/2010/main" xmlns="" val="0"/>
-              </a:ext>
-            </a:extLst>
-          </a:blip>
-          <a:srcRect/>
-          <a:stretch>
-            <a:fillRect/>
-          </a:stretch>
-        </p:blipFill>
-        <p:spPr bwMode="auto">
-          <a:xfrm>
-            <a:off x="3862602" y="4856334"/>
-            <a:ext cx="1143000" cy="1143001"/>
-          </a:xfrm>
-          <a:prstGeom prst="rect">
-            <a:avLst/>
-          </a:prstGeom>
-          <a:noFill/>
-          <a:extLst>
-            <a:ext uri="{909E8E84-426E-40DD-AFC4-6F175D3DCCD1}">
-              <a14:hiddenFill xmlns:a14="http://schemas.microsoft.com/office/drawing/2010/main" xmlns="">
-                <a:solidFill>
-                  <a:srgbClr val="FFFFFF"/>
-                </a:solidFill>
-              </a14:hiddenFill>
-            </a:ext>
-          </a:extLst>
-        </p:spPr>
-      </p:pic>
     </p:spTree>
-    <p:extLst>
-      <p:ext uri="{BB962C8B-B14F-4D97-AF65-F5344CB8AC3E}">
-        <p14:creationId xmlns:p14="http://schemas.microsoft.com/office/powerpoint/2010/main" xmlns="" val="3832736806"/>
-      </p:ext>
-    </p:extLst>
   </p:cSld>
   <p:clrMapOvr>
     <a:masterClrMapping/>
   </p:clrMapOvr>
-  <p:timing>
-    <p:tnLst>
-      <p:par>
-        <p:cTn id="1" dur="indefinite" restart="never" nodeType="tmRoot"/>
-      </p:par>
-    </p:tnLst>
-  </p:timing>
 </p:sld>
 </file>
 
@@ -15884,11 +16248,7 @@
           <a:bodyPr/>
           <a:lstStyle/>
           <a:p>
-            <a:r>
-              <a:rPr lang="en-US" dirty="0" smtClean="0"/>
-              <a:t>Source Code</a:t>
-            </a:r>
-            <a:endParaRPr lang="en-US" dirty="0"/>
+            <a:endParaRPr lang="en-US"/>
           </a:p>
         </p:txBody>
       </p:sp>
@@ -15902,41 +16262,20 @@
             <p:ph idx="1"/>
           </p:nvPr>
         </p:nvSpPr>
-        <p:spPr>
-          <a:xfrm>
-            <a:off x="1043492" y="2817091"/>
-            <a:ext cx="6777317" cy="3015538"/>
-          </a:xfrm>
-        </p:spPr>
+        <p:spPr/>
         <p:txBody>
           <a:bodyPr/>
           <a:lstStyle/>
           <a:p>
-            <a:r>
-              <a:rPr lang="en-US" dirty="0" smtClean="0"/>
-              <a:t>We can pick out section of source code that we want to show</a:t>
-            </a:r>
-            <a:endParaRPr lang="en-US" dirty="0"/>
+            <a:endParaRPr lang="en-US"/>
           </a:p>
         </p:txBody>
       </p:sp>
     </p:spTree>
-    <p:extLst>
-      <p:ext uri="{BB962C8B-B14F-4D97-AF65-F5344CB8AC3E}">
-        <p14:creationId xmlns:p14="http://schemas.microsoft.com/office/powerpoint/2010/main" xmlns="" val="1092677546"/>
-      </p:ext>
-    </p:extLst>
   </p:cSld>
   <p:clrMapOvr>
     <a:masterClrMapping/>
   </p:clrMapOvr>
-  <p:timing>
-    <p:tnLst>
-      <p:par>
-        <p:cTn id="1" dur="indefinite" restart="never" nodeType="tmRoot"/>
-      </p:par>
-    </p:tnLst>
-  </p:timing>
 </p:sld>
 </file>
 
@@ -15967,30 +16306,108 @@
             <p:ph type="title"/>
           </p:nvPr>
         </p:nvSpPr>
-        <p:spPr>
-          <a:xfrm>
-            <a:off x="1043490" y="1037291"/>
-            <a:ext cx="7024744" cy="638582"/>
-          </a:xfrm>
-        </p:spPr>
+        <p:spPr/>
         <p:txBody>
-          <a:bodyPr>
-            <a:normAutofit fontScale="90000"/>
-          </a:bodyPr>
+          <a:bodyPr/>
           <a:lstStyle/>
           <a:p>
             <a:r>
               <a:rPr lang="en-US" dirty="0" smtClean="0"/>
-              <a:t>API Document</a:t>
+              <a:t>Online </a:t>
+            </a:r>
+            <a:r>
+              <a:rPr lang="en-US" dirty="0" err="1" smtClean="0"/>
+              <a:t>Demonstation</a:t>
             </a:r>
             <a:endParaRPr lang="en-US" dirty="0"/>
           </a:p>
         </p:txBody>
       </p:sp>
+      <p:sp>
+        <p:nvSpPr>
+          <p:cNvPr id="3" name="Content Placeholder 2"/>
+          <p:cNvSpPr>
+            <a:spLocks noGrp="1"/>
+          </p:cNvSpPr>
+          <p:nvPr>
+            <p:ph idx="1"/>
+          </p:nvPr>
+        </p:nvSpPr>
+        <p:spPr/>
+        <p:txBody>
+          <a:bodyPr/>
+          <a:lstStyle/>
+          <a:p>
+            <a:endParaRPr lang="en-US" dirty="0" smtClean="0">
+              <a:hlinkClick r:id="rId2"/>
+            </a:endParaRPr>
+          </a:p>
+          <a:p>
+            <a:r>
+              <a:rPr lang="en-US" dirty="0" smtClean="0">
+                <a:hlinkClick r:id="rId2"/>
+              </a:rPr>
+              <a:t>http://ibudget.simplefunctions.com</a:t>
+            </a:r>
+            <a:endParaRPr lang="en-US" dirty="0" smtClean="0"/>
+          </a:p>
+          <a:p>
+            <a:endParaRPr lang="en-US" dirty="0" smtClean="0"/>
+          </a:p>
+          <a:p>
+            <a:r>
+              <a:rPr lang="en-US" dirty="0" smtClean="0"/>
+              <a:t>We each take turn to show the pages or functionalities that we worked on.</a:t>
+            </a:r>
+            <a:endParaRPr lang="en-US" dirty="0"/>
+          </a:p>
+        </p:txBody>
+      </p:sp>
+      <p:pic>
+        <p:nvPicPr>
+          <p:cNvPr id="1026" name="Picture 2" descr="HTML5-logo.svg"/>
+          <p:cNvPicPr>
+            <a:picLocks noChangeAspect="1" noChangeArrowheads="1"/>
+          </p:cNvPicPr>
+          <p:nvPr/>
+        </p:nvPicPr>
+        <p:blipFill>
+          <a:blip r:embed="rId3" cstate="print">
+            <a:extLst>
+              <a:ext uri="{28A0092B-C50C-407E-A947-70E740481C1C}">
+                <a14:useLocalDpi xmlns="" xmlns:a14="http://schemas.microsoft.com/office/drawing/2010/main" val="0"/>
+              </a:ext>
+            </a:extLst>
+          </a:blip>
+          <a:srcRect/>
+          <a:stretch>
+            <a:fillRect/>
+          </a:stretch>
+        </p:blipFill>
+        <p:spPr bwMode="auto">
+          <a:xfrm>
+            <a:off x="3862602" y="4856334"/>
+            <a:ext cx="1143000" cy="1143001"/>
+          </a:xfrm>
+          <a:prstGeom prst="rect">
+            <a:avLst/>
+          </a:prstGeom>
+          <a:noFill/>
+          <a:extLst>
+            <a:ext uri="{909E8E84-426E-40DD-AFC4-6F175D3DCCD1}">
+              <a14:hiddenFill xmlns="" xmlns:a14="http://schemas.microsoft.com/office/drawing/2010/main">
+                <a:solidFill>
+                  <a:srgbClr val="FFFFFF"/>
+                </a:solidFill>
+              </a14:hiddenFill>
+            </a:ext>
+          </a:extLst>
+        </p:spPr>
+      </p:pic>
     </p:spTree>
     <p:extLst>
       <p:ext uri="{BB962C8B-B14F-4D97-AF65-F5344CB8AC3E}">
-        <p14:creationId xmlns:p14="http://schemas.microsoft.com/office/powerpoint/2010/main" xmlns="" val="3037995522"/>
+        <p14:creationId xmlns="" xmlns:p14="http://schemas.microsoft.com/office/powerpoint/2010/main" val="3832736806"/>
       </p:ext>
     </p:extLst>
   </p:cSld>

--- a/deliverables/final/Final Presentation.pptx
+++ b/deliverables/final/Final Presentation.pptx
@@ -18,16 +18,19 @@
     <p:sldId id="270" r:id="rId12"/>
     <p:sldId id="279" r:id="rId13"/>
     <p:sldId id="271" r:id="rId14"/>
-    <p:sldId id="259" r:id="rId15"/>
-    <p:sldId id="257" r:id="rId16"/>
-    <p:sldId id="258" r:id="rId17"/>
-    <p:sldId id="260" r:id="rId18"/>
-    <p:sldId id="261" r:id="rId19"/>
-    <p:sldId id="262" r:id="rId20"/>
-    <p:sldId id="263" r:id="rId21"/>
-    <p:sldId id="264" r:id="rId22"/>
-    <p:sldId id="265" r:id="rId23"/>
-    <p:sldId id="266" r:id="rId24"/>
+    <p:sldId id="280" r:id="rId15"/>
+    <p:sldId id="281" r:id="rId16"/>
+    <p:sldId id="283" r:id="rId17"/>
+    <p:sldId id="284" r:id="rId18"/>
+    <p:sldId id="285" r:id="rId19"/>
+    <p:sldId id="286" r:id="rId20"/>
+    <p:sldId id="287" r:id="rId21"/>
+    <p:sldId id="288" r:id="rId22"/>
+    <p:sldId id="289" r:id="rId23"/>
+    <p:sldId id="282" r:id="rId24"/>
+    <p:sldId id="259" r:id="rId25"/>
+    <p:sldId id="257" r:id="rId26"/>
+    <p:sldId id="266" r:id="rId27"/>
   </p:sldIdLst>
   <p:sldSz cx="9144000" cy="6858000" type="screen4x3"/>
   <p:notesSz cx="6858000" cy="9144000"/>
@@ -22186,10 +22189,16 @@
         </p:nvSpPr>
         <p:spPr/>
         <p:txBody>
-          <a:bodyPr/>
+          <a:bodyPr>
+            <a:normAutofit fontScale="90000"/>
+          </a:bodyPr>
           <a:lstStyle/>
           <a:p>
-            <a:endParaRPr lang="en-US"/>
+            <a:r>
+              <a:rPr lang="en-US" dirty="0" smtClean="0"/>
+              <a:t>Configuration Management and Version Control</a:t>
+            </a:r>
+            <a:endParaRPr lang="en-US" dirty="0"/>
           </a:p>
         </p:txBody>
       </p:sp>
@@ -22205,10 +22214,67 @@
         </p:nvSpPr>
         <p:spPr/>
         <p:txBody>
-          <a:bodyPr/>
+          <a:bodyPr>
+            <a:normAutofit lnSpcReduction="10000"/>
+          </a:bodyPr>
           <a:lstStyle/>
           <a:p>
-            <a:endParaRPr lang="en-US"/>
+            <a:r>
+              <a:rPr lang="en-US" dirty="0" smtClean="0"/>
+              <a:t>Google Project Hosting</a:t>
+            </a:r>
+          </a:p>
+          <a:p>
+            <a:pPr lvl="1">
+              <a:buFont typeface="Wingdings" pitchFamily="2" charset="2"/>
+              <a:buChar char="§"/>
+            </a:pPr>
+            <a:r>
+              <a:rPr lang="en-US" dirty="0" smtClean="0"/>
+              <a:t>Contain all project documents</a:t>
+            </a:r>
+          </a:p>
+          <a:p>
+            <a:r>
+              <a:rPr lang="en-US" dirty="0" smtClean="0"/>
+              <a:t>Configuration summary will be managed in the project wiki </a:t>
+            </a:r>
+          </a:p>
+          <a:p>
+            <a:pPr lvl="1">
+              <a:buFont typeface="Wingdings" pitchFamily="2" charset="2"/>
+              <a:buChar char="§"/>
+            </a:pPr>
+            <a:r>
+              <a:rPr lang="en-US" u="sng" dirty="0" smtClean="0">
+                <a:hlinkClick r:id="rId2"/>
+              </a:rPr>
+              <a:t>http://code.google.com/p/cs679-b1-class-project/w/list</a:t>
+            </a:r>
+            <a:endParaRPr lang="en-US" dirty="0" smtClean="0"/>
+          </a:p>
+          <a:p>
+            <a:r>
+              <a:rPr lang="en-US" dirty="0" err="1" smtClean="0"/>
+              <a:t>svn</a:t>
+            </a:r>
+            <a:r>
+              <a:rPr lang="en-US" dirty="0" smtClean="0"/>
+              <a:t> (from Google Project Hosting)</a:t>
+            </a:r>
+          </a:p>
+          <a:p>
+            <a:pPr lvl="1">
+              <a:buFont typeface="Wingdings" pitchFamily="2" charset="2"/>
+              <a:buChar char="§"/>
+            </a:pPr>
+            <a:r>
+              <a:rPr lang="en-US" dirty="0" smtClean="0"/>
+              <a:t>Used to control versions of all project documents</a:t>
+            </a:r>
+          </a:p>
+          <a:p>
+            <a:endParaRPr lang="en-US" dirty="0"/>
           </a:p>
         </p:txBody>
       </p:sp>
@@ -22249,16 +22315,30 @@
         </p:nvSpPr>
         <p:spPr/>
         <p:txBody>
-          <a:bodyPr/>
+          <a:bodyPr>
+            <a:normAutofit/>
+          </a:bodyPr>
           <a:lstStyle/>
           <a:p>
             <a:r>
-              <a:rPr lang="en-US" dirty="0" smtClean="0"/>
-              <a:t>Online </a:t>
+              <a:rPr lang="en-US" dirty="0" smtClean="0">
+                <a:solidFill>
+                  <a:schemeClr val="bg2">
+                    <a:lumMod val="75000"/>
+                  </a:schemeClr>
+                </a:solidFill>
+              </a:rPr>
+              <a:t>Software </a:t>
             </a:r>
             <a:r>
-              <a:rPr lang="en-US" dirty="0" err="1" smtClean="0"/>
-              <a:t>Demonstation</a:t>
+              <a:rPr lang="en-US" dirty="0" smtClean="0">
+                <a:solidFill>
+                  <a:schemeClr val="bg2">
+                    <a:lumMod val="75000"/>
+                  </a:schemeClr>
+                </a:solidFill>
+              </a:rPr>
+              <a:t>Quality</a:t>
             </a:r>
             <a:endParaRPr lang="en-US" dirty="0"/>
           </a:p>
@@ -22279,89 +22359,15 @@
           <a:bodyPr/>
           <a:lstStyle/>
           <a:p>
-            <a:endParaRPr lang="en-US" dirty="0" smtClean="0">
-              <a:hlinkClick r:id="rId2"/>
-            </a:endParaRPr>
-          </a:p>
-          <a:p>
-            <a:r>
-              <a:rPr lang="en-US" dirty="0" smtClean="0">
-                <a:hlinkClick r:id="rId2"/>
-              </a:rPr>
-              <a:t>http://ibudget.simplefunctions.com</a:t>
-            </a:r>
-            <a:endParaRPr lang="en-US" dirty="0" smtClean="0"/>
-          </a:p>
-          <a:p>
-            <a:endParaRPr lang="en-US" dirty="0" smtClean="0"/>
-          </a:p>
-          <a:p>
-            <a:r>
-              <a:rPr lang="en-US" dirty="0" smtClean="0"/>
-              <a:t>We each take turn to show the pages or functionalities that we worked on.</a:t>
-            </a:r>
-            <a:endParaRPr lang="en-US" dirty="0"/>
+            <a:endParaRPr lang="en-US"/>
           </a:p>
         </p:txBody>
       </p:sp>
-      <p:pic>
-        <p:nvPicPr>
-          <p:cNvPr id="1026" name="Picture 2" descr="HTML5-logo.svg"/>
-          <p:cNvPicPr>
-            <a:picLocks noChangeAspect="1" noChangeArrowheads="1"/>
-          </p:cNvPicPr>
-          <p:nvPr/>
-        </p:nvPicPr>
-        <p:blipFill>
-          <a:blip r:embed="rId3" cstate="print">
-            <a:extLst>
-              <a:ext uri="{28A0092B-C50C-407E-A947-70E740481C1C}">
-                <a14:useLocalDpi xmlns:a14="http://schemas.microsoft.com/office/drawing/2010/main" xmlns="" val="0"/>
-              </a:ext>
-            </a:extLst>
-          </a:blip>
-          <a:srcRect/>
-          <a:stretch>
-            <a:fillRect/>
-          </a:stretch>
-        </p:blipFill>
-        <p:spPr bwMode="auto">
-          <a:xfrm>
-            <a:off x="3862602" y="4856334"/>
-            <a:ext cx="1143000" cy="1143001"/>
-          </a:xfrm>
-          <a:prstGeom prst="rect">
-            <a:avLst/>
-          </a:prstGeom>
-          <a:noFill/>
-          <a:extLst>
-            <a:ext uri="{909E8E84-426E-40DD-AFC4-6F175D3DCCD1}">
-              <a14:hiddenFill xmlns:a14="http://schemas.microsoft.com/office/drawing/2010/main" xmlns="">
-                <a:solidFill>
-                  <a:srgbClr val="FFFFFF"/>
-                </a:solidFill>
-              </a14:hiddenFill>
-            </a:ext>
-          </a:extLst>
-        </p:spPr>
-      </p:pic>
     </p:spTree>
-    <p:extLst>
-      <p:ext uri="{BB962C8B-B14F-4D97-AF65-F5344CB8AC3E}">
-        <p14:creationId xmlns:p14="http://schemas.microsoft.com/office/powerpoint/2010/main" xmlns="" val="3832736806"/>
-      </p:ext>
-    </p:extLst>
   </p:cSld>
   <p:clrMapOvr>
     <a:masterClrMapping/>
   </p:clrMapOvr>
-  <p:timing>
-    <p:tnLst>
-      <p:par>
-        <p:cTn id="1" dur="indefinite" restart="never" nodeType="tmRoot"/>
-      </p:par>
-    </p:tnLst>
-  </p:timing>
 </p:sld>
 </file>
 
@@ -22397,11 +22403,7 @@
           <a:bodyPr/>
           <a:lstStyle/>
           <a:p>
-            <a:r>
-              <a:rPr lang="en-US" dirty="0" smtClean="0"/>
-              <a:t>Source Code</a:t>
-            </a:r>
-            <a:endParaRPr lang="en-US" dirty="0"/>
+            <a:endParaRPr lang="en-US"/>
           </a:p>
         </p:txBody>
       </p:sp>
@@ -22415,41 +22417,20 @@
             <p:ph idx="1"/>
           </p:nvPr>
         </p:nvSpPr>
-        <p:spPr>
-          <a:xfrm>
-            <a:off x="1043492" y="2817091"/>
-            <a:ext cx="6777317" cy="3015538"/>
-          </a:xfrm>
-        </p:spPr>
+        <p:spPr/>
         <p:txBody>
           <a:bodyPr/>
           <a:lstStyle/>
           <a:p>
-            <a:r>
-              <a:rPr lang="en-US" dirty="0" smtClean="0"/>
-              <a:t>We can pick out section of source code that we want to show</a:t>
-            </a:r>
-            <a:endParaRPr lang="en-US" dirty="0"/>
+            <a:endParaRPr lang="en-US"/>
           </a:p>
         </p:txBody>
       </p:sp>
     </p:spTree>
-    <p:extLst>
-      <p:ext uri="{BB962C8B-B14F-4D97-AF65-F5344CB8AC3E}">
-        <p14:creationId xmlns:p14="http://schemas.microsoft.com/office/powerpoint/2010/main" xmlns="" val="1092677546"/>
-      </p:ext>
-    </p:extLst>
   </p:cSld>
   <p:clrMapOvr>
     <a:masterClrMapping/>
   </p:clrMapOvr>
-  <p:timing>
-    <p:tnLst>
-      <p:par>
-        <p:cTn id="1" dur="indefinite" restart="never" nodeType="tmRoot"/>
-      </p:par>
-    </p:tnLst>
-  </p:timing>
 </p:sld>
 </file>
 
@@ -22480,30 +22461,57 @@
             <p:ph type="title"/>
           </p:nvPr>
         </p:nvSpPr>
-        <p:spPr>
-          <a:xfrm>
-            <a:off x="1043490" y="1037291"/>
-            <a:ext cx="7024744" cy="638582"/>
-          </a:xfrm>
-        </p:spPr>
+        <p:spPr/>
         <p:txBody>
-          <a:bodyPr>
-            <a:normAutofit fontScale="90000"/>
-          </a:bodyPr>
+          <a:bodyPr/>
           <a:lstStyle/>
           <a:p>
             <a:r>
               <a:rPr lang="en-US" dirty="0" smtClean="0"/>
-              <a:t>API Document</a:t>
+              <a:t>System Architecture</a:t>
             </a:r>
             <a:endParaRPr lang="en-US" dirty="0"/>
           </a:p>
         </p:txBody>
       </p:sp>
+      <p:pic>
+        <p:nvPicPr>
+          <p:cNvPr id="4" name="Picture" descr="A description..."/>
+          <p:cNvPicPr>
+            <a:picLocks noGrp="1"/>
+          </p:cNvPicPr>
+          <p:nvPr>
+            <p:ph idx="1"/>
+          </p:nvPr>
+        </p:nvPicPr>
+        <p:blipFill>
+          <a:blip r:embed="rId2" cstate="print"/>
+          <a:srcRect/>
+          <a:stretch>
+            <a:fillRect/>
+          </a:stretch>
+        </p:blipFill>
+        <p:spPr bwMode="auto">
+          <a:xfrm>
+            <a:off x="2764631" y="3316287"/>
+            <a:ext cx="3333750" cy="1524000"/>
+          </a:xfrm>
+          <a:prstGeom prst="rect">
+            <a:avLst/>
+          </a:prstGeom>
+          <a:noFill/>
+          <a:ln w="9525">
+            <a:noFill/>
+            <a:miter lim="800000"/>
+            <a:headEnd/>
+            <a:tailEnd/>
+          </a:ln>
+        </p:spPr>
+      </p:pic>
     </p:spTree>
     <p:extLst>
       <p:ext uri="{BB962C8B-B14F-4D97-AF65-F5344CB8AC3E}">
-        <p14:creationId xmlns:p14="http://schemas.microsoft.com/office/powerpoint/2010/main" xmlns="" val="3037995522"/>
+        <p14:creationId xmlns:p14="http://schemas.microsoft.com/office/powerpoint/2010/main" xmlns="" val="3832736806"/>
       </p:ext>
     </p:extLst>
   </p:cSld>
@@ -22547,21 +22555,57 @@
             <p:ph type="title"/>
           </p:nvPr>
         </p:nvSpPr>
-        <p:spPr>
-          <a:xfrm>
-            <a:off x="1043490" y="402565"/>
-            <a:ext cx="7024744" cy="1143000"/>
-          </a:xfrm>
-        </p:spPr>
+        <p:spPr/>
         <p:txBody>
-          <a:bodyPr>
-            <a:normAutofit/>
-          </a:bodyPr>
+          <a:bodyPr/>
           <a:lstStyle/>
           <a:p>
             <a:r>
               <a:rPr lang="en-US" dirty="0" smtClean="0"/>
-              <a:t>STD</a:t>
+              <a:t>Design Patterns</a:t>
+            </a:r>
+            <a:endParaRPr lang="en-US" dirty="0"/>
+          </a:p>
+        </p:txBody>
+      </p:sp>
+      <p:sp>
+        <p:nvSpPr>
+          <p:cNvPr id="3" name="Content Placeholder 2"/>
+          <p:cNvSpPr>
+            <a:spLocks noGrp="1"/>
+          </p:cNvSpPr>
+          <p:nvPr>
+            <p:ph idx="1"/>
+          </p:nvPr>
+        </p:nvSpPr>
+        <p:spPr>
+          <a:xfrm>
+            <a:off x="1043492" y="2817091"/>
+            <a:ext cx="6777317" cy="3015538"/>
+          </a:xfrm>
+        </p:spPr>
+        <p:txBody>
+          <a:bodyPr/>
+          <a:lstStyle/>
+          <a:p>
+            <a:r>
+              <a:rPr lang="en-US" dirty="0" smtClean="0"/>
+              <a:t>Factory</a:t>
+            </a:r>
+          </a:p>
+          <a:p>
+            <a:endParaRPr lang="en-US" dirty="0"/>
+          </a:p>
+          <a:p>
+            <a:endParaRPr lang="en-US" dirty="0" smtClean="0"/>
+          </a:p>
+          <a:p>
+            <a:endParaRPr lang="en-US" dirty="0" smtClean="0"/>
+          </a:p>
+          <a:p>
+            <a:r>
+              <a:rPr lang="en-US" dirty="0" smtClean="0"/>
+              <a:t>Singleton</a:t>
             </a:r>
             <a:endParaRPr lang="en-US" dirty="0"/>
           </a:p>
@@ -22570,7 +22614,7 @@
     </p:spTree>
     <p:extLst>
       <p:ext uri="{BB962C8B-B14F-4D97-AF65-F5344CB8AC3E}">
-        <p14:creationId xmlns:p14="http://schemas.microsoft.com/office/powerpoint/2010/main" xmlns="" val="1459248129"/>
+        <p14:creationId xmlns:p14="http://schemas.microsoft.com/office/powerpoint/2010/main" xmlns="" val="1092677546"/>
       </p:ext>
     </p:extLst>
   </p:cSld>
@@ -22628,12 +22672,225 @@
           <a:p>
             <a:r>
               <a:rPr lang="en-US" dirty="0" smtClean="0"/>
-              <a:t>SRS</a:t>
+              <a:t>Data Description</a:t>
             </a:r>
             <a:endParaRPr lang="en-US" dirty="0"/>
           </a:p>
         </p:txBody>
       </p:sp>
+      <p:pic>
+        <p:nvPicPr>
+          <p:cNvPr id="5" name="Picture" descr="A description..."/>
+          <p:cNvPicPr/>
+          <p:nvPr/>
+        </p:nvPicPr>
+        <p:blipFill>
+          <a:blip r:embed="rId2" cstate="print"/>
+          <a:srcRect/>
+          <a:stretch>
+            <a:fillRect/>
+          </a:stretch>
+        </p:blipFill>
+        <p:spPr bwMode="auto">
+          <a:xfrm>
+            <a:off x="1126617" y="1439603"/>
+            <a:ext cx="6705600" cy="5031740"/>
+          </a:xfrm>
+          <a:prstGeom prst="rect">
+            <a:avLst/>
+          </a:prstGeom>
+          <a:noFill/>
+          <a:ln w="9525">
+            <a:noFill/>
+            <a:miter lim="800000"/>
+            <a:headEnd/>
+            <a:tailEnd/>
+          </a:ln>
+        </p:spPr>
+      </p:pic>
+      <p:sp>
+        <p:nvSpPr>
+          <p:cNvPr id="6" name="Rectangle 5"/>
+          <p:cNvSpPr/>
+          <p:nvPr/>
+        </p:nvSpPr>
+        <p:spPr>
+          <a:xfrm>
+            <a:off x="1251527" y="5747666"/>
+            <a:ext cx="4572000" cy="646331"/>
+          </a:xfrm>
+          <a:prstGeom prst="rect">
+            <a:avLst/>
+          </a:prstGeom>
+        </p:spPr>
+        <p:style>
+          <a:lnRef idx="1">
+            <a:schemeClr val="accent1"/>
+          </a:lnRef>
+          <a:fillRef idx="2">
+            <a:schemeClr val="accent1"/>
+          </a:fillRef>
+          <a:effectRef idx="1">
+            <a:schemeClr val="accent1"/>
+          </a:effectRef>
+          <a:fontRef idx="minor">
+            <a:schemeClr val="dk1"/>
+          </a:fontRef>
+        </p:style>
+        <p:txBody>
+          <a:bodyPr>
+            <a:spAutoFit/>
+          </a:bodyPr>
+          <a:lstStyle/>
+          <a:p>
+            <a:r>
+              <a:rPr lang="en-US" sz="1200" b="1" dirty="0"/>
+              <a:t>A = Auto </a:t>
+            </a:r>
+            <a:r>
+              <a:rPr lang="en-US" sz="1200" b="1" dirty="0" smtClean="0"/>
+              <a:t>Increment;  N </a:t>
+            </a:r>
+            <a:r>
+              <a:rPr lang="en-US" sz="1200" b="1" dirty="0"/>
+              <a:t>= NOT </a:t>
+            </a:r>
+            <a:r>
+              <a:rPr lang="en-US" sz="1200" b="1" dirty="0" smtClean="0"/>
+              <a:t>NULL;  P </a:t>
+            </a:r>
+            <a:r>
+              <a:rPr lang="en-US" sz="1200" b="1" dirty="0"/>
+              <a:t>= Primary Key</a:t>
+            </a:r>
+          </a:p>
+          <a:p>
+            <a:r>
+              <a:rPr lang="en-US" sz="1200" b="1" dirty="0"/>
+              <a:t>U = </a:t>
+            </a:r>
+            <a:r>
+              <a:rPr lang="en-US" sz="1200" b="1" dirty="0" smtClean="0"/>
+              <a:t>Unique;  I  </a:t>
+            </a:r>
+            <a:r>
+              <a:rPr lang="en-US" sz="1200" b="1" dirty="0"/>
+              <a:t>= </a:t>
+            </a:r>
+            <a:r>
+              <a:rPr lang="en-US" sz="1200" b="1" dirty="0" smtClean="0"/>
+              <a:t>Indexed;  D </a:t>
+            </a:r>
+            <a:r>
+              <a:rPr lang="en-US" sz="1200" b="1" dirty="0"/>
+              <a:t>= Has default value assigned</a:t>
+            </a:r>
+          </a:p>
+          <a:p>
+            <a:r>
+              <a:rPr lang="en-US" sz="1200" b="1" dirty="0"/>
+              <a:t>F = Foreign Key</a:t>
+            </a:r>
+          </a:p>
+        </p:txBody>
+      </p:sp>
+    </p:spTree>
+    <p:extLst>
+      <p:ext uri="{BB962C8B-B14F-4D97-AF65-F5344CB8AC3E}">
+        <p14:creationId xmlns:p14="http://schemas.microsoft.com/office/powerpoint/2010/main" xmlns="" val="3037995522"/>
+      </p:ext>
+    </p:extLst>
+  </p:cSld>
+  <p:clrMapOvr>
+    <a:masterClrMapping/>
+  </p:clrMapOvr>
+  <p:timing>
+    <p:tnLst>
+      <p:par>
+        <p:cTn id="1" dur="indefinite" restart="never" nodeType="tmRoot"/>
+      </p:par>
+    </p:tnLst>
+  </p:timing>
+</p:sld>
+</file>
+
+<file path=ppt/slides/slide19.xml><?xml version="1.0" encoding="utf-8"?>
+<p:sld xmlns:a="http://schemas.openxmlformats.org/drawingml/2006/main" xmlns:r="http://schemas.openxmlformats.org/officeDocument/2006/relationships" xmlns:p="http://schemas.openxmlformats.org/presentationml/2006/main">
+  <p:cSld>
+    <p:spTree>
+      <p:nvGrpSpPr>
+        <p:cNvPr id="1" name=""/>
+        <p:cNvGrpSpPr/>
+        <p:nvPr/>
+      </p:nvGrpSpPr>
+      <p:grpSpPr>
+        <a:xfrm>
+          <a:off x="0" y="0"/>
+          <a:ext cx="0" cy="0"/>
+          <a:chOff x="0" y="0"/>
+          <a:chExt cx="0" cy="0"/>
+        </a:xfrm>
+      </p:grpSpPr>
+      <p:sp>
+        <p:nvSpPr>
+          <p:cNvPr id="2" name="Title 1"/>
+          <p:cNvSpPr>
+            <a:spLocks noGrp="1"/>
+          </p:cNvSpPr>
+          <p:nvPr>
+            <p:ph type="title"/>
+          </p:nvPr>
+        </p:nvSpPr>
+        <p:spPr>
+          <a:xfrm>
+            <a:off x="1043490" y="641291"/>
+            <a:ext cx="7024744" cy="638582"/>
+          </a:xfrm>
+        </p:spPr>
+        <p:txBody>
+          <a:bodyPr>
+            <a:normAutofit fontScale="90000"/>
+          </a:bodyPr>
+          <a:lstStyle/>
+          <a:p>
+            <a:r>
+              <a:rPr lang="en-US" dirty="0" smtClean="0"/>
+              <a:t>Human Interface Design</a:t>
+            </a:r>
+            <a:endParaRPr lang="en-US" dirty="0"/>
+          </a:p>
+        </p:txBody>
+      </p:sp>
+      <p:pic>
+        <p:nvPicPr>
+          <p:cNvPr id="7" name="Picture" descr="A description..."/>
+          <p:cNvPicPr/>
+          <p:nvPr/>
+        </p:nvPicPr>
+        <p:blipFill>
+          <a:blip r:embed="rId3" cstate="print"/>
+          <a:srcRect/>
+          <a:stretch>
+            <a:fillRect/>
+          </a:stretch>
+        </p:blipFill>
+        <p:spPr bwMode="auto">
+          <a:xfrm>
+            <a:off x="517236" y="1708727"/>
+            <a:ext cx="4054765" cy="4036291"/>
+          </a:xfrm>
+          <a:prstGeom prst="rect">
+            <a:avLst/>
+          </a:prstGeom>
+          <a:noFill/>
+          <a:ln w="9525">
+            <a:noFill/>
+            <a:miter lim="800000"/>
+            <a:headEnd/>
+            <a:tailEnd/>
+          </a:ln>
+        </p:spPr>
+      </p:pic>
       <p:sp>
         <p:nvSpPr>
           <p:cNvPr id="3" name="Rectangle 2"/>
@@ -22697,203 +22954,36 @@
           </a:p>
         </p:txBody>
       </p:sp>
+      <p:graphicFrame>
+        <p:nvGraphicFramePr>
+          <p:cNvPr id="4" name="Object 3"/>
+          <p:cNvGraphicFramePr>
+            <a:graphicFrameLocks noChangeAspect="1"/>
+          </p:cNvGraphicFramePr>
+          <p:nvPr>
+            <p:extLst>
+              <p:ext uri="{D42A27DB-BD31-4B8C-83A1-F6EECF244321}">
+                <p14:modId xmlns:p14="http://schemas.microsoft.com/office/powerpoint/2010/main" xmlns="" val="99859930"/>
+              </p:ext>
+            </p:extLst>
+          </p:nvPr>
+        </p:nvGraphicFramePr>
+        <p:xfrm>
+          <a:off x="4399912" y="1279872"/>
+          <a:ext cx="4282558" cy="5235227"/>
+        </p:xfrm>
+        <a:graphic>
+          <a:graphicData uri="http://schemas.openxmlformats.org/presentationml/2006/ole">
+            <p:oleObj spid="_x0000_s36866" name="Visio" r:id="rId4" imgW="4580844" imgH="5596830" progId="">
+              <p:embed/>
+            </p:oleObj>
+          </a:graphicData>
+        </a:graphic>
+      </p:graphicFrame>
     </p:spTree>
     <p:extLst>
       <p:ext uri="{BB962C8B-B14F-4D97-AF65-F5344CB8AC3E}">
         <p14:creationId xmlns:p14="http://schemas.microsoft.com/office/powerpoint/2010/main" xmlns="" val="224431329"/>
-      </p:ext>
-    </p:extLst>
-  </p:cSld>
-  <p:clrMapOvr>
-    <a:masterClrMapping/>
-  </p:clrMapOvr>
-  <p:timing>
-    <p:tnLst>
-      <p:par>
-        <p:cTn id="1" dur="indefinite" restart="never" nodeType="tmRoot"/>
-      </p:par>
-    </p:tnLst>
-  </p:timing>
-</p:sld>
-</file>
-
-<file path=ppt/slides/slide19.xml><?xml version="1.0" encoding="utf-8"?>
-<p:sld xmlns:a="http://schemas.openxmlformats.org/drawingml/2006/main" xmlns:r="http://schemas.openxmlformats.org/officeDocument/2006/relationships" xmlns:p="http://schemas.openxmlformats.org/presentationml/2006/main">
-  <p:cSld>
-    <p:spTree>
-      <p:nvGrpSpPr>
-        <p:cNvPr id="1" name=""/>
-        <p:cNvGrpSpPr/>
-        <p:nvPr/>
-      </p:nvGrpSpPr>
-      <p:grpSpPr>
-        <a:xfrm>
-          <a:off x="0" y="0"/>
-          <a:ext cx="0" cy="0"/>
-          <a:chOff x="0" y="0"/>
-          <a:chExt cx="0" cy="0"/>
-        </a:xfrm>
-      </p:grpSpPr>
-      <p:sp>
-        <p:nvSpPr>
-          <p:cNvPr id="2" name="Title 1"/>
-          <p:cNvSpPr>
-            <a:spLocks noGrp="1"/>
-          </p:cNvSpPr>
-          <p:nvPr>
-            <p:ph type="title"/>
-          </p:nvPr>
-        </p:nvSpPr>
-        <p:spPr>
-          <a:xfrm>
-            <a:off x="1043490" y="641291"/>
-            <a:ext cx="7024744" cy="638582"/>
-          </a:xfrm>
-        </p:spPr>
-        <p:txBody>
-          <a:bodyPr>
-            <a:normAutofit fontScale="90000"/>
-          </a:bodyPr>
-          <a:lstStyle/>
-          <a:p>
-            <a:r>
-              <a:rPr lang="en-US" dirty="0" smtClean="0"/>
-              <a:t>SDD</a:t>
-            </a:r>
-            <a:endParaRPr lang="en-US" dirty="0"/>
-          </a:p>
-        </p:txBody>
-      </p:sp>
-      <p:sp>
-        <p:nvSpPr>
-          <p:cNvPr id="3" name="Rectangle 2"/>
-          <p:cNvSpPr>
-            <a:spLocks noChangeArrowheads="1"/>
-          </p:cNvSpPr>
-          <p:nvPr/>
-        </p:nvSpPr>
-        <p:spPr bwMode="auto">
-          <a:xfrm>
-            <a:off x="0" y="0"/>
-            <a:ext cx="9144000" cy="0"/>
-          </a:xfrm>
-          <a:prstGeom prst="rect">
-            <a:avLst/>
-          </a:prstGeom>
-          <a:noFill/>
-          <a:ln>
-            <a:noFill/>
-          </a:ln>
-          <a:effectLst/>
-          <a:extLst>
-            <a:ext uri="{909E8E84-426E-40DD-AFC4-6F175D3DCCD1}">
-              <a14:hiddenFill xmlns:a14="http://schemas.microsoft.com/office/drawing/2010/main" xmlns="">
-                <a:solidFill>
-                  <a:schemeClr val="accent1"/>
-                </a:solidFill>
-              </a14:hiddenFill>
-            </a:ext>
-            <a:ext uri="{91240B29-F687-4F45-9708-019B960494DF}">
-              <a14:hiddenLine xmlns:a14="http://schemas.microsoft.com/office/drawing/2010/main" xmlns="" w="9525">
-                <a:solidFill>
-                  <a:schemeClr val="tx1"/>
-                </a:solidFill>
-                <a:miter lim="800000"/>
-                <a:headEnd/>
-                <a:tailEnd/>
-              </a14:hiddenLine>
-            </a:ext>
-            <a:ext uri="{AF507438-7753-43E0-B8FC-AC1667EBCBE1}">
-              <a14:hiddenEffects xmlns:a14="http://schemas.microsoft.com/office/drawing/2010/main" xmlns="">
-                <a:effectLst>
-                  <a:outerShdw dist="35921" dir="2700000" algn="ctr" rotWithShape="0">
-                    <a:schemeClr val="bg2"/>
-                  </a:outerShdw>
-                </a:effectLst>
-              </a14:hiddenEffects>
-            </a:ext>
-          </a:extLst>
-        </p:spPr>
-        <p:txBody>
-          <a:bodyPr vert="horz" wrap="none" lIns="91440" tIns="45720" rIns="91440" bIns="45720" numCol="1" anchor="ctr" anchorCtr="0" compatLnSpc="1">
-            <a:prstTxWarp prst="textNoShape">
-              <a:avLst/>
-            </a:prstTxWarp>
-            <a:spAutoFit/>
-          </a:bodyPr>
-          <a:lstStyle/>
-          <a:p>
-            <a:endParaRPr lang="en-US"/>
-          </a:p>
-        </p:txBody>
-      </p:sp>
-      <p:sp>
-        <p:nvSpPr>
-          <p:cNvPr id="5" name="Rectangle 2"/>
-          <p:cNvSpPr>
-            <a:spLocks noChangeArrowheads="1"/>
-          </p:cNvSpPr>
-          <p:nvPr/>
-        </p:nvSpPr>
-        <p:spPr bwMode="auto">
-          <a:xfrm>
-            <a:off x="0" y="0"/>
-            <a:ext cx="9144000" cy="0"/>
-          </a:xfrm>
-          <a:prstGeom prst="rect">
-            <a:avLst/>
-          </a:prstGeom>
-          <a:noFill/>
-          <a:ln>
-            <a:noFill/>
-          </a:ln>
-          <a:effectLst/>
-          <a:extLst>
-            <a:ext uri="{909E8E84-426E-40DD-AFC4-6F175D3DCCD1}">
-              <a14:hiddenFill xmlns:a14="http://schemas.microsoft.com/office/drawing/2010/main" xmlns="">
-                <a:solidFill>
-                  <a:schemeClr val="accent1"/>
-                </a:solidFill>
-              </a14:hiddenFill>
-            </a:ext>
-            <a:ext uri="{91240B29-F687-4F45-9708-019B960494DF}">
-              <a14:hiddenLine xmlns:a14="http://schemas.microsoft.com/office/drawing/2010/main" xmlns="" w="9525">
-                <a:solidFill>
-                  <a:schemeClr val="tx1"/>
-                </a:solidFill>
-                <a:miter lim="800000"/>
-                <a:headEnd/>
-                <a:tailEnd/>
-              </a14:hiddenLine>
-            </a:ext>
-            <a:ext uri="{AF507438-7753-43E0-B8FC-AC1667EBCBE1}">
-              <a14:hiddenEffects xmlns:a14="http://schemas.microsoft.com/office/drawing/2010/main" xmlns="">
-                <a:effectLst>
-                  <a:outerShdw dist="35921" dir="2700000" algn="ctr" rotWithShape="0">
-                    <a:schemeClr val="bg2"/>
-                  </a:outerShdw>
-                </a:effectLst>
-              </a14:hiddenEffects>
-            </a:ext>
-          </a:extLst>
-        </p:spPr>
-        <p:txBody>
-          <a:bodyPr vert="horz" wrap="none" lIns="91440" tIns="45720" rIns="91440" bIns="45720" numCol="1" anchor="ctr" anchorCtr="0" compatLnSpc="1">
-            <a:prstTxWarp prst="textNoShape">
-              <a:avLst/>
-            </a:prstTxWarp>
-            <a:spAutoFit/>
-          </a:bodyPr>
-          <a:lstStyle/>
-          <a:p>
-            <a:endParaRPr lang="en-US"/>
-          </a:p>
-        </p:txBody>
-      </p:sp>
-    </p:spTree>
-    <p:extLst>
-      <p:ext uri="{BB962C8B-B14F-4D97-AF65-F5344CB8AC3E}">
-        <p14:creationId xmlns:p14="http://schemas.microsoft.com/office/powerpoint/2010/main" xmlns="" val="2798939284"/>
       </p:ext>
     </p:extLst>
   </p:cSld>
@@ -23087,7 +23177,256 @@
           <a:p>
             <a:r>
               <a:rPr lang="en-US" dirty="0" smtClean="0"/>
-              <a:t>SPMP</a:t>
+              <a:t>Human Interface Design</a:t>
+            </a:r>
+            <a:endParaRPr lang="en-US" dirty="0"/>
+          </a:p>
+        </p:txBody>
+      </p:sp>
+      <p:sp>
+        <p:nvSpPr>
+          <p:cNvPr id="3" name="Rectangle 2"/>
+          <p:cNvSpPr>
+            <a:spLocks noChangeArrowheads="1"/>
+          </p:cNvSpPr>
+          <p:nvPr/>
+        </p:nvSpPr>
+        <p:spPr bwMode="auto">
+          <a:xfrm>
+            <a:off x="0" y="0"/>
+            <a:ext cx="9144000" cy="0"/>
+          </a:xfrm>
+          <a:prstGeom prst="rect">
+            <a:avLst/>
+          </a:prstGeom>
+          <a:noFill/>
+          <a:ln>
+            <a:noFill/>
+          </a:ln>
+          <a:effectLst/>
+          <a:extLst>
+            <a:ext uri="{909E8E84-426E-40DD-AFC4-6F175D3DCCD1}">
+              <a14:hiddenFill xmlns:a14="http://schemas.microsoft.com/office/drawing/2010/main" xmlns="">
+                <a:solidFill>
+                  <a:schemeClr val="accent1"/>
+                </a:solidFill>
+              </a14:hiddenFill>
+            </a:ext>
+            <a:ext uri="{91240B29-F687-4F45-9708-019B960494DF}">
+              <a14:hiddenLine xmlns:a14="http://schemas.microsoft.com/office/drawing/2010/main" xmlns="" w="9525">
+                <a:solidFill>
+                  <a:schemeClr val="tx1"/>
+                </a:solidFill>
+                <a:miter lim="800000"/>
+                <a:headEnd/>
+                <a:tailEnd/>
+              </a14:hiddenLine>
+            </a:ext>
+            <a:ext uri="{AF507438-7753-43E0-B8FC-AC1667EBCBE1}">
+              <a14:hiddenEffects xmlns:a14="http://schemas.microsoft.com/office/drawing/2010/main" xmlns="">
+                <a:effectLst>
+                  <a:outerShdw dist="35921" dir="2700000" algn="ctr" rotWithShape="0">
+                    <a:schemeClr val="bg2"/>
+                  </a:outerShdw>
+                </a:effectLst>
+              </a14:hiddenEffects>
+            </a:ext>
+          </a:extLst>
+        </p:spPr>
+        <p:txBody>
+          <a:bodyPr vert="horz" wrap="none" lIns="91440" tIns="45720" rIns="91440" bIns="45720" numCol="1" anchor="ctr" anchorCtr="0" compatLnSpc="1">
+            <a:prstTxWarp prst="textNoShape">
+              <a:avLst/>
+            </a:prstTxWarp>
+            <a:spAutoFit/>
+          </a:bodyPr>
+          <a:lstStyle/>
+          <a:p>
+            <a:endParaRPr lang="en-US"/>
+          </a:p>
+        </p:txBody>
+      </p:sp>
+      <p:pic>
+        <p:nvPicPr>
+          <p:cNvPr id="6" name="Picture" descr="A description..."/>
+          <p:cNvPicPr/>
+          <p:nvPr/>
+        </p:nvPicPr>
+        <p:blipFill>
+          <a:blip r:embed="rId3" cstate="print"/>
+          <a:srcRect/>
+          <a:stretch>
+            <a:fillRect/>
+          </a:stretch>
+        </p:blipFill>
+        <p:spPr bwMode="auto">
+          <a:xfrm>
+            <a:off x="482600" y="1551710"/>
+            <a:ext cx="6851073" cy="4626436"/>
+          </a:xfrm>
+          <a:prstGeom prst="rect">
+            <a:avLst/>
+          </a:prstGeom>
+          <a:noFill/>
+          <a:ln w="9525">
+            <a:noFill/>
+            <a:miter lim="800000"/>
+            <a:headEnd/>
+            <a:tailEnd/>
+          </a:ln>
+        </p:spPr>
+      </p:pic>
+      <p:sp>
+        <p:nvSpPr>
+          <p:cNvPr id="5" name="Rectangle 2"/>
+          <p:cNvSpPr>
+            <a:spLocks noChangeArrowheads="1"/>
+          </p:cNvSpPr>
+          <p:nvPr/>
+        </p:nvSpPr>
+        <p:spPr bwMode="auto">
+          <a:xfrm>
+            <a:off x="0" y="0"/>
+            <a:ext cx="9144000" cy="0"/>
+          </a:xfrm>
+          <a:prstGeom prst="rect">
+            <a:avLst/>
+          </a:prstGeom>
+          <a:noFill/>
+          <a:ln>
+            <a:noFill/>
+          </a:ln>
+          <a:effectLst/>
+          <a:extLst>
+            <a:ext uri="{909E8E84-426E-40DD-AFC4-6F175D3DCCD1}">
+              <a14:hiddenFill xmlns:a14="http://schemas.microsoft.com/office/drawing/2010/main" xmlns="">
+                <a:solidFill>
+                  <a:schemeClr val="accent1"/>
+                </a:solidFill>
+              </a14:hiddenFill>
+            </a:ext>
+            <a:ext uri="{91240B29-F687-4F45-9708-019B960494DF}">
+              <a14:hiddenLine xmlns:a14="http://schemas.microsoft.com/office/drawing/2010/main" xmlns="" w="9525">
+                <a:solidFill>
+                  <a:schemeClr val="tx1"/>
+                </a:solidFill>
+                <a:miter lim="800000"/>
+                <a:headEnd/>
+                <a:tailEnd/>
+              </a14:hiddenLine>
+            </a:ext>
+            <a:ext uri="{AF507438-7753-43E0-B8FC-AC1667EBCBE1}">
+              <a14:hiddenEffects xmlns:a14="http://schemas.microsoft.com/office/drawing/2010/main" xmlns="">
+                <a:effectLst>
+                  <a:outerShdw dist="35921" dir="2700000" algn="ctr" rotWithShape="0">
+                    <a:schemeClr val="bg2"/>
+                  </a:outerShdw>
+                </a:effectLst>
+              </a14:hiddenEffects>
+            </a:ext>
+          </a:extLst>
+        </p:spPr>
+        <p:txBody>
+          <a:bodyPr vert="horz" wrap="none" lIns="91440" tIns="45720" rIns="91440" bIns="45720" numCol="1" anchor="ctr" anchorCtr="0" compatLnSpc="1">
+            <a:prstTxWarp prst="textNoShape">
+              <a:avLst/>
+            </a:prstTxWarp>
+            <a:spAutoFit/>
+          </a:bodyPr>
+          <a:lstStyle/>
+          <a:p>
+            <a:endParaRPr lang="en-US"/>
+          </a:p>
+        </p:txBody>
+      </p:sp>
+      <p:graphicFrame>
+        <p:nvGraphicFramePr>
+          <p:cNvPr id="8" name="Object 7"/>
+          <p:cNvGraphicFramePr>
+            <a:graphicFrameLocks noChangeAspect="1"/>
+          </p:cNvGraphicFramePr>
+          <p:nvPr>
+            <p:extLst>
+              <p:ext uri="{D42A27DB-BD31-4B8C-83A1-F6EECF244321}">
+                <p14:modId xmlns:p14="http://schemas.microsoft.com/office/powerpoint/2010/main" xmlns="" val="1552680796"/>
+              </p:ext>
+            </p:extLst>
+          </p:nvPr>
+        </p:nvGraphicFramePr>
+        <p:xfrm>
+          <a:off x="7213600" y="933016"/>
+          <a:ext cx="1447800" cy="5324475"/>
+        </p:xfrm>
+        <a:graphic>
+          <a:graphicData uri="http://schemas.openxmlformats.org/presentationml/2006/ole">
+            <p:oleObj spid="_x0000_s37890" name="Visio" r:id="rId4" imgW="1447108" imgH="5311032" progId="">
+              <p:embed/>
+            </p:oleObj>
+          </a:graphicData>
+        </a:graphic>
+      </p:graphicFrame>
+    </p:spTree>
+    <p:extLst>
+      <p:ext uri="{BB962C8B-B14F-4D97-AF65-F5344CB8AC3E}">
+        <p14:creationId xmlns:p14="http://schemas.microsoft.com/office/powerpoint/2010/main" xmlns="" val="2798939284"/>
+      </p:ext>
+    </p:extLst>
+  </p:cSld>
+  <p:clrMapOvr>
+    <a:masterClrMapping/>
+  </p:clrMapOvr>
+  <p:timing>
+    <p:tnLst>
+      <p:par>
+        <p:cTn id="1" dur="indefinite" restart="never" nodeType="tmRoot"/>
+      </p:par>
+    </p:tnLst>
+  </p:timing>
+</p:sld>
+</file>
+
+<file path=ppt/slides/slide21.xml><?xml version="1.0" encoding="utf-8"?>
+<p:sld xmlns:a="http://schemas.openxmlformats.org/drawingml/2006/main" xmlns:r="http://schemas.openxmlformats.org/officeDocument/2006/relationships" xmlns:p="http://schemas.openxmlformats.org/presentationml/2006/main">
+  <p:cSld>
+    <p:spTree>
+      <p:nvGrpSpPr>
+        <p:cNvPr id="1" name=""/>
+        <p:cNvGrpSpPr/>
+        <p:nvPr/>
+      </p:nvGrpSpPr>
+      <p:grpSpPr>
+        <a:xfrm>
+          <a:off x="0" y="0"/>
+          <a:ext cx="0" cy="0"/>
+          <a:chOff x="0" y="0"/>
+          <a:chExt cx="0" cy="0"/>
+        </a:xfrm>
+      </p:grpSpPr>
+      <p:sp>
+        <p:nvSpPr>
+          <p:cNvPr id="2" name="Title 1"/>
+          <p:cNvSpPr>
+            <a:spLocks noGrp="1"/>
+          </p:cNvSpPr>
+          <p:nvPr>
+            <p:ph type="title"/>
+          </p:nvPr>
+        </p:nvSpPr>
+        <p:spPr>
+          <a:xfrm>
+            <a:off x="1043490" y="641291"/>
+            <a:ext cx="7024744" cy="638582"/>
+          </a:xfrm>
+        </p:spPr>
+        <p:txBody>
+          <a:bodyPr>
+            <a:normAutofit fontScale="90000"/>
+          </a:bodyPr>
+          <a:lstStyle/>
+          <a:p>
+            <a:r>
+              <a:rPr lang="en-US" dirty="0" smtClean="0"/>
+              <a:t>Human Interface Design</a:t>
             </a:r>
             <a:endParaRPr lang="en-US" dirty="0"/>
           </a:p>
@@ -23219,6 +23558,66 @@
           </a:p>
         </p:txBody>
       </p:sp>
+      <p:pic>
+        <p:nvPicPr>
+          <p:cNvPr id="7" name="Picture" descr="A description..."/>
+          <p:cNvPicPr/>
+          <p:nvPr/>
+        </p:nvPicPr>
+        <p:blipFill>
+          <a:blip r:embed="rId2" cstate="print"/>
+          <a:srcRect/>
+          <a:stretch>
+            <a:fillRect/>
+          </a:stretch>
+        </p:blipFill>
+        <p:spPr bwMode="auto">
+          <a:xfrm>
+            <a:off x="602990" y="1175904"/>
+            <a:ext cx="5942965" cy="1790700"/>
+          </a:xfrm>
+          <a:prstGeom prst="rect">
+            <a:avLst/>
+          </a:prstGeom>
+          <a:noFill/>
+          <a:ln w="9525">
+            <a:noFill/>
+            <a:miter lim="800000"/>
+            <a:headEnd/>
+            <a:tailEnd/>
+          </a:ln>
+        </p:spPr>
+      </p:pic>
+      <p:pic>
+        <p:nvPicPr>
+          <p:cNvPr id="9" name="Picture" descr="A description..."/>
+          <p:cNvPicPr/>
+          <p:nvPr/>
+        </p:nvPicPr>
+        <p:blipFill>
+          <a:blip r:embed="rId3" cstate="print"/>
+          <a:srcRect/>
+          <a:stretch>
+            <a:fillRect/>
+          </a:stretch>
+        </p:blipFill>
+        <p:spPr bwMode="auto">
+          <a:xfrm>
+            <a:off x="2680854" y="2434012"/>
+            <a:ext cx="5943600" cy="4058920"/>
+          </a:xfrm>
+          <a:prstGeom prst="rect">
+            <a:avLst/>
+          </a:prstGeom>
+          <a:noFill/>
+          <a:ln w="9525">
+            <a:noFill/>
+            <a:miter lim="800000"/>
+            <a:headEnd/>
+            <a:tailEnd/>
+          </a:ln>
+        </p:spPr>
+      </p:pic>
     </p:spTree>
     <p:extLst>
       <p:ext uri="{BB962C8B-B14F-4D97-AF65-F5344CB8AC3E}">
@@ -23239,7 +23638,7 @@
 </p:sld>
 </file>
 
-<file path=ppt/slides/slide21.xml><?xml version="1.0" encoding="utf-8"?>
+<file path=ppt/slides/slide22.xml><?xml version="1.0" encoding="utf-8"?>
 <p:sld xmlns:a="http://schemas.openxmlformats.org/drawingml/2006/main" xmlns:r="http://schemas.openxmlformats.org/officeDocument/2006/relationships" xmlns:p="http://schemas.openxmlformats.org/presentationml/2006/main">
   <p:cSld>
     <p:spTree>
@@ -23280,7 +23679,322 @@
           <a:p>
             <a:r>
               <a:rPr lang="en-US" dirty="0" smtClean="0"/>
-              <a:t>User Manual</a:t>
+              <a:t>Human Interface Design</a:t>
+            </a:r>
+            <a:endParaRPr lang="en-US" dirty="0"/>
+          </a:p>
+        </p:txBody>
+      </p:sp>
+      <p:sp>
+        <p:nvSpPr>
+          <p:cNvPr id="3" name="Rectangle 2"/>
+          <p:cNvSpPr>
+            <a:spLocks noChangeArrowheads="1"/>
+          </p:cNvSpPr>
+          <p:nvPr/>
+        </p:nvSpPr>
+        <p:spPr bwMode="auto">
+          <a:xfrm>
+            <a:off x="0" y="0"/>
+            <a:ext cx="9144000" cy="0"/>
+          </a:xfrm>
+          <a:prstGeom prst="rect">
+            <a:avLst/>
+          </a:prstGeom>
+          <a:noFill/>
+          <a:ln>
+            <a:noFill/>
+          </a:ln>
+          <a:effectLst/>
+          <a:extLst>
+            <a:ext uri="{909E8E84-426E-40DD-AFC4-6F175D3DCCD1}">
+              <a14:hiddenFill xmlns:a14="http://schemas.microsoft.com/office/drawing/2010/main" xmlns="">
+                <a:solidFill>
+                  <a:schemeClr val="accent1"/>
+                </a:solidFill>
+              </a14:hiddenFill>
+            </a:ext>
+            <a:ext uri="{91240B29-F687-4F45-9708-019B960494DF}">
+              <a14:hiddenLine xmlns:a14="http://schemas.microsoft.com/office/drawing/2010/main" xmlns="" w="9525">
+                <a:solidFill>
+                  <a:schemeClr val="tx1"/>
+                </a:solidFill>
+                <a:miter lim="800000"/>
+                <a:headEnd/>
+                <a:tailEnd/>
+              </a14:hiddenLine>
+            </a:ext>
+            <a:ext uri="{AF507438-7753-43E0-B8FC-AC1667EBCBE1}">
+              <a14:hiddenEffects xmlns:a14="http://schemas.microsoft.com/office/drawing/2010/main" xmlns="">
+                <a:effectLst>
+                  <a:outerShdw dist="35921" dir="2700000" algn="ctr" rotWithShape="0">
+                    <a:schemeClr val="bg2"/>
+                  </a:outerShdw>
+                </a:effectLst>
+              </a14:hiddenEffects>
+            </a:ext>
+          </a:extLst>
+        </p:spPr>
+        <p:txBody>
+          <a:bodyPr vert="horz" wrap="none" lIns="91440" tIns="45720" rIns="91440" bIns="45720" numCol="1" anchor="ctr" anchorCtr="0" compatLnSpc="1">
+            <a:prstTxWarp prst="textNoShape">
+              <a:avLst/>
+            </a:prstTxWarp>
+            <a:spAutoFit/>
+          </a:bodyPr>
+          <a:lstStyle/>
+          <a:p>
+            <a:endParaRPr lang="en-US"/>
+          </a:p>
+        </p:txBody>
+      </p:sp>
+      <p:sp>
+        <p:nvSpPr>
+          <p:cNvPr id="5" name="Rectangle 2"/>
+          <p:cNvSpPr>
+            <a:spLocks noChangeArrowheads="1"/>
+          </p:cNvSpPr>
+          <p:nvPr/>
+        </p:nvSpPr>
+        <p:spPr bwMode="auto">
+          <a:xfrm>
+            <a:off x="0" y="0"/>
+            <a:ext cx="9144000" cy="0"/>
+          </a:xfrm>
+          <a:prstGeom prst="rect">
+            <a:avLst/>
+          </a:prstGeom>
+          <a:noFill/>
+          <a:ln>
+            <a:noFill/>
+          </a:ln>
+          <a:effectLst/>
+          <a:extLst>
+            <a:ext uri="{909E8E84-426E-40DD-AFC4-6F175D3DCCD1}">
+              <a14:hiddenFill xmlns:a14="http://schemas.microsoft.com/office/drawing/2010/main" xmlns="">
+                <a:solidFill>
+                  <a:schemeClr val="accent1"/>
+                </a:solidFill>
+              </a14:hiddenFill>
+            </a:ext>
+            <a:ext uri="{91240B29-F687-4F45-9708-019B960494DF}">
+              <a14:hiddenLine xmlns:a14="http://schemas.microsoft.com/office/drawing/2010/main" xmlns="" w="9525">
+                <a:solidFill>
+                  <a:schemeClr val="tx1"/>
+                </a:solidFill>
+                <a:miter lim="800000"/>
+                <a:headEnd/>
+                <a:tailEnd/>
+              </a14:hiddenLine>
+            </a:ext>
+            <a:ext uri="{AF507438-7753-43E0-B8FC-AC1667EBCBE1}">
+              <a14:hiddenEffects xmlns:a14="http://schemas.microsoft.com/office/drawing/2010/main" xmlns="">
+                <a:effectLst>
+                  <a:outerShdw dist="35921" dir="2700000" algn="ctr" rotWithShape="0">
+                    <a:schemeClr val="bg2"/>
+                  </a:outerShdw>
+                </a:effectLst>
+              </a14:hiddenEffects>
+            </a:ext>
+          </a:extLst>
+        </p:spPr>
+        <p:txBody>
+          <a:bodyPr vert="horz" wrap="none" lIns="91440" tIns="45720" rIns="91440" bIns="45720" numCol="1" anchor="ctr" anchorCtr="0" compatLnSpc="1">
+            <a:prstTxWarp prst="textNoShape">
+              <a:avLst/>
+            </a:prstTxWarp>
+            <a:spAutoFit/>
+          </a:bodyPr>
+          <a:lstStyle/>
+          <a:p>
+            <a:endParaRPr lang="en-US"/>
+          </a:p>
+        </p:txBody>
+      </p:sp>
+      <p:pic>
+        <p:nvPicPr>
+          <p:cNvPr id="8" name="Picture 7"/>
+          <p:cNvPicPr/>
+          <p:nvPr/>
+        </p:nvPicPr>
+        <p:blipFill>
+          <a:blip r:embed="rId3" cstate="email">
+            <a:extLst>
+              <a:ext uri="{28A0092B-C50C-407E-A947-70E740481C1C}">
+                <a14:useLocalDpi xmlns:a14="http://schemas.microsoft.com/office/drawing/2010/main" xmlns="" val="0"/>
+              </a:ext>
+            </a:extLst>
+          </a:blip>
+          <a:srcRect/>
+          <a:stretch>
+            <a:fillRect/>
+          </a:stretch>
+        </p:blipFill>
+        <p:spPr bwMode="auto">
+          <a:xfrm>
+            <a:off x="477173" y="2419927"/>
+            <a:ext cx="4981518" cy="2767560"/>
+          </a:xfrm>
+          <a:prstGeom prst="rect">
+            <a:avLst/>
+          </a:prstGeom>
+          <a:noFill/>
+          <a:ln>
+            <a:noFill/>
+          </a:ln>
+        </p:spPr>
+      </p:pic>
+      <p:sp>
+        <p:nvSpPr>
+          <p:cNvPr id="4" name="Rectangle 2"/>
+          <p:cNvSpPr>
+            <a:spLocks noChangeArrowheads="1"/>
+          </p:cNvSpPr>
+          <p:nvPr/>
+        </p:nvSpPr>
+        <p:spPr bwMode="auto">
+          <a:xfrm>
+            <a:off x="0" y="0"/>
+            <a:ext cx="9144000" cy="0"/>
+          </a:xfrm>
+          <a:prstGeom prst="rect">
+            <a:avLst/>
+          </a:prstGeom>
+          <a:noFill/>
+          <a:ln>
+            <a:noFill/>
+          </a:ln>
+          <a:effectLst/>
+          <a:extLst>
+            <a:ext uri="{909E8E84-426E-40DD-AFC4-6F175D3DCCD1}">
+              <a14:hiddenFill xmlns:a14="http://schemas.microsoft.com/office/drawing/2010/main" xmlns="">
+                <a:solidFill>
+                  <a:schemeClr val="accent1"/>
+                </a:solidFill>
+              </a14:hiddenFill>
+            </a:ext>
+            <a:ext uri="{91240B29-F687-4F45-9708-019B960494DF}">
+              <a14:hiddenLine xmlns:a14="http://schemas.microsoft.com/office/drawing/2010/main" xmlns="" w="9525">
+                <a:solidFill>
+                  <a:schemeClr val="tx1"/>
+                </a:solidFill>
+                <a:miter lim="800000"/>
+                <a:headEnd/>
+                <a:tailEnd/>
+              </a14:hiddenLine>
+            </a:ext>
+            <a:ext uri="{AF507438-7753-43E0-B8FC-AC1667EBCBE1}">
+              <a14:hiddenEffects xmlns:a14="http://schemas.microsoft.com/office/drawing/2010/main" xmlns="">
+                <a:effectLst>
+                  <a:outerShdw dist="35921" dir="2700000" algn="ctr" rotWithShape="0">
+                    <a:schemeClr val="bg2"/>
+                  </a:outerShdw>
+                </a:effectLst>
+              </a14:hiddenEffects>
+            </a:ext>
+          </a:extLst>
+        </p:spPr>
+        <p:txBody>
+          <a:bodyPr vert="horz" wrap="none" lIns="91440" tIns="45720" rIns="91440" bIns="45720" numCol="1" anchor="ctr" anchorCtr="0" compatLnSpc="1">
+            <a:prstTxWarp prst="textNoShape">
+              <a:avLst/>
+            </a:prstTxWarp>
+            <a:spAutoFit/>
+          </a:bodyPr>
+          <a:lstStyle/>
+          <a:p>
+            <a:endParaRPr lang="en-US"/>
+          </a:p>
+        </p:txBody>
+      </p:sp>
+      <p:graphicFrame>
+        <p:nvGraphicFramePr>
+          <p:cNvPr id="6" name="Object 5"/>
+          <p:cNvGraphicFramePr>
+            <a:graphicFrameLocks noChangeAspect="1"/>
+          </p:cNvGraphicFramePr>
+          <p:nvPr>
+            <p:extLst>
+              <p:ext uri="{D42A27DB-BD31-4B8C-83A1-F6EECF244321}">
+                <p14:modId xmlns:p14="http://schemas.microsoft.com/office/powerpoint/2010/main" xmlns="" val="3607041668"/>
+              </p:ext>
+            </p:extLst>
+          </p:nvPr>
+        </p:nvGraphicFramePr>
+        <p:xfrm>
+          <a:off x="5458691" y="1279873"/>
+          <a:ext cx="3209925" cy="5086350"/>
+        </p:xfrm>
+        <a:graphic>
+          <a:graphicData uri="http://schemas.openxmlformats.org/presentationml/2006/ole">
+            <p:oleObj spid="_x0000_s38914" name="Visio" r:id="rId4" imgW="3204214" imgH="5082432" progId="">
+              <p:embed/>
+            </p:oleObj>
+          </a:graphicData>
+        </a:graphic>
+      </p:graphicFrame>
+    </p:spTree>
+    <p:extLst>
+      <p:ext uri="{BB962C8B-B14F-4D97-AF65-F5344CB8AC3E}">
+        <p14:creationId xmlns:p14="http://schemas.microsoft.com/office/powerpoint/2010/main" xmlns="" val="2227559208"/>
+      </p:ext>
+    </p:extLst>
+  </p:cSld>
+  <p:clrMapOvr>
+    <a:masterClrMapping/>
+  </p:clrMapOvr>
+  <p:timing>
+    <p:tnLst>
+      <p:par>
+        <p:cTn id="1" dur="indefinite" restart="never" nodeType="tmRoot"/>
+      </p:par>
+    </p:tnLst>
+  </p:timing>
+</p:sld>
+</file>
+
+<file path=ppt/slides/slide23.xml><?xml version="1.0" encoding="utf-8"?>
+<p:sld xmlns:a="http://schemas.openxmlformats.org/drawingml/2006/main" xmlns:r="http://schemas.openxmlformats.org/officeDocument/2006/relationships" xmlns:p="http://schemas.openxmlformats.org/presentationml/2006/main">
+  <p:cSld>
+    <p:spTree>
+      <p:nvGrpSpPr>
+        <p:cNvPr id="1" name=""/>
+        <p:cNvGrpSpPr/>
+        <p:nvPr/>
+      </p:nvGrpSpPr>
+      <p:grpSpPr>
+        <a:xfrm>
+          <a:off x="0" y="0"/>
+          <a:ext cx="0" cy="0"/>
+          <a:chOff x="0" y="0"/>
+          <a:chExt cx="0" cy="0"/>
+        </a:xfrm>
+      </p:grpSpPr>
+      <p:sp>
+        <p:nvSpPr>
+          <p:cNvPr id="2" name="Title 1"/>
+          <p:cNvSpPr>
+            <a:spLocks noGrp="1"/>
+          </p:cNvSpPr>
+          <p:nvPr>
+            <p:ph type="title"/>
+          </p:nvPr>
+        </p:nvSpPr>
+        <p:spPr>
+          <a:xfrm>
+            <a:off x="1043490" y="641291"/>
+            <a:ext cx="7024744" cy="638582"/>
+          </a:xfrm>
+        </p:spPr>
+        <p:txBody>
+          <a:bodyPr>
+            <a:normAutofit fontScale="90000"/>
+          </a:bodyPr>
+          <a:lstStyle/>
+          <a:p>
+            <a:r>
+              <a:rPr lang="en-US" dirty="0" smtClean="0"/>
+              <a:t>Human Interface Design</a:t>
             </a:r>
             <a:endParaRPr lang="en-US" dirty="0"/>
           </a:p>
@@ -23475,10 +24189,70 @@
           </a:p>
         </p:txBody>
       </p:sp>
+      <p:pic>
+        <p:nvPicPr>
+          <p:cNvPr id="9" name="Picture" descr="A description..."/>
+          <p:cNvPicPr/>
+          <p:nvPr/>
+        </p:nvPicPr>
+        <p:blipFill>
+          <a:blip r:embed="rId2" cstate="print"/>
+          <a:srcRect/>
+          <a:stretch>
+            <a:fillRect/>
+          </a:stretch>
+        </p:blipFill>
+        <p:spPr bwMode="auto">
+          <a:xfrm>
+            <a:off x="593436" y="1749483"/>
+            <a:ext cx="5943600" cy="3802380"/>
+          </a:xfrm>
+          <a:prstGeom prst="rect">
+            <a:avLst/>
+          </a:prstGeom>
+          <a:noFill/>
+          <a:ln w="9525">
+            <a:noFill/>
+            <a:miter lim="800000"/>
+            <a:headEnd/>
+            <a:tailEnd/>
+          </a:ln>
+        </p:spPr>
+      </p:pic>
+      <p:pic>
+        <p:nvPicPr>
+          <p:cNvPr id="10" name="Picture" descr="A description..."/>
+          <p:cNvPicPr/>
+          <p:nvPr/>
+        </p:nvPicPr>
+        <p:blipFill>
+          <a:blip r:embed="rId3" cstate="print"/>
+          <a:srcRect/>
+          <a:stretch>
+            <a:fillRect/>
+          </a:stretch>
+        </p:blipFill>
+        <p:spPr bwMode="auto">
+          <a:xfrm>
+            <a:off x="6059055" y="1279873"/>
+            <a:ext cx="2586182" cy="5182998"/>
+          </a:xfrm>
+          <a:prstGeom prst="rect">
+            <a:avLst/>
+          </a:prstGeom>
+          <a:noFill/>
+          <a:ln w="9525">
+            <a:noFill/>
+            <a:miter lim="800000"/>
+            <a:headEnd/>
+            <a:tailEnd/>
+          </a:ln>
+        </p:spPr>
+      </p:pic>
     </p:spTree>
     <p:extLst>
       <p:ext uri="{BB962C8B-B14F-4D97-AF65-F5344CB8AC3E}">
-        <p14:creationId xmlns:p14="http://schemas.microsoft.com/office/powerpoint/2010/main" xmlns="" val="2227559208"/>
+        <p14:creationId xmlns:p14="http://schemas.microsoft.com/office/powerpoint/2010/main" xmlns="" val="273623958"/>
       </p:ext>
     </p:extLst>
   </p:cSld>
@@ -23495,7 +24269,7 @@
 </p:sld>
 </file>
 
-<file path=ppt/slides/slide22.xml><?xml version="1.0" encoding="utf-8"?>
+<file path=ppt/slides/slide24.xml><?xml version="1.0" encoding="utf-8"?>
 <p:sld xmlns:a="http://schemas.openxmlformats.org/drawingml/2006/main" xmlns:r="http://schemas.openxmlformats.org/officeDocument/2006/relationships" xmlns:p="http://schemas.openxmlformats.org/presentationml/2006/main">
   <p:cSld>
     <p:spTree>
@@ -23522,29 +24296,18 @@
             <p:ph type="title"/>
           </p:nvPr>
         </p:nvSpPr>
-        <p:spPr>
-          <a:xfrm>
-            <a:off x="1043490" y="641291"/>
-            <a:ext cx="7024744" cy="638582"/>
-          </a:xfrm>
-        </p:spPr>
+        <p:spPr/>
         <p:txBody>
-          <a:bodyPr>
-            <a:normAutofit fontScale="90000"/>
-          </a:bodyPr>
+          <a:bodyPr/>
           <a:lstStyle/>
           <a:p>
             <a:r>
               <a:rPr lang="en-US" dirty="0" smtClean="0"/>
-              <a:t>System </a:t>
+              <a:t>Online </a:t>
             </a:r>
             <a:r>
-              <a:rPr lang="en-US" dirty="0"/>
-              <a:t>M</a:t>
-            </a:r>
-            <a:r>
-              <a:rPr lang="en-US" dirty="0" smtClean="0"/>
-              <a:t>anual</a:t>
+              <a:rPr lang="en-US" dirty="0" err="1" smtClean="0"/>
+              <a:t>Demonstation</a:t>
             </a:r>
             <a:endParaRPr lang="en-US" dirty="0"/>
           </a:p>
@@ -23552,197 +24315,89 @@
       </p:sp>
       <p:sp>
         <p:nvSpPr>
-          <p:cNvPr id="3" name="Rectangle 2"/>
+          <p:cNvPr id="3" name="Content Placeholder 2"/>
           <p:cNvSpPr>
-            <a:spLocks noChangeArrowheads="1"/>
+            <a:spLocks noGrp="1"/>
           </p:cNvSpPr>
+          <p:nvPr>
+            <p:ph idx="1"/>
+          </p:nvPr>
+        </p:nvSpPr>
+        <p:spPr/>
+        <p:txBody>
+          <a:bodyPr/>
+          <a:lstStyle/>
+          <a:p>
+            <a:endParaRPr lang="en-US" dirty="0" smtClean="0">
+              <a:hlinkClick r:id="rId2"/>
+            </a:endParaRPr>
+          </a:p>
+          <a:p>
+            <a:r>
+              <a:rPr lang="en-US" dirty="0" smtClean="0">
+                <a:hlinkClick r:id="rId2"/>
+              </a:rPr>
+              <a:t>http://ibudget.simplefunctions.com</a:t>
+            </a:r>
+            <a:endParaRPr lang="en-US" dirty="0" smtClean="0"/>
+          </a:p>
+          <a:p>
+            <a:endParaRPr lang="en-US" dirty="0" smtClean="0"/>
+          </a:p>
+          <a:p>
+            <a:r>
+              <a:rPr lang="en-US" dirty="0" smtClean="0"/>
+              <a:t>We each take turn to show the pages or functionalities that we worked on.</a:t>
+            </a:r>
+            <a:endParaRPr lang="en-US" dirty="0"/>
+          </a:p>
+        </p:txBody>
+      </p:sp>
+      <p:pic>
+        <p:nvPicPr>
+          <p:cNvPr id="1026" name="Picture 2" descr="HTML5-logo.svg"/>
+          <p:cNvPicPr>
+            <a:picLocks noChangeAspect="1" noChangeArrowheads="1"/>
+          </p:cNvPicPr>
           <p:nvPr/>
-        </p:nvSpPr>
+        </p:nvPicPr>
+        <p:blipFill>
+          <a:blip r:embed="rId3" cstate="print">
+            <a:extLst>
+              <a:ext uri="{28A0092B-C50C-407E-A947-70E740481C1C}">
+                <a14:useLocalDpi xmlns:a14="http://schemas.microsoft.com/office/drawing/2010/main" xmlns="" val="0"/>
+              </a:ext>
+            </a:extLst>
+          </a:blip>
+          <a:srcRect/>
+          <a:stretch>
+            <a:fillRect/>
+          </a:stretch>
+        </p:blipFill>
         <p:spPr bwMode="auto">
           <a:xfrm>
-            <a:off x="0" y="0"/>
-            <a:ext cx="9144000" cy="0"/>
+            <a:off x="3862602" y="4856334"/>
+            <a:ext cx="1143000" cy="1143001"/>
           </a:xfrm>
           <a:prstGeom prst="rect">
             <a:avLst/>
           </a:prstGeom>
           <a:noFill/>
-          <a:ln>
-            <a:noFill/>
-          </a:ln>
-          <a:effectLst/>
           <a:extLst>
             <a:ext uri="{909E8E84-426E-40DD-AFC4-6F175D3DCCD1}">
               <a14:hiddenFill xmlns:a14="http://schemas.microsoft.com/office/drawing/2010/main" xmlns="">
                 <a:solidFill>
-                  <a:schemeClr val="accent1"/>
+                  <a:srgbClr val="FFFFFF"/>
                 </a:solidFill>
               </a14:hiddenFill>
             </a:ext>
-            <a:ext uri="{91240B29-F687-4F45-9708-019B960494DF}">
-              <a14:hiddenLine xmlns:a14="http://schemas.microsoft.com/office/drawing/2010/main" xmlns="" w="9525">
-                <a:solidFill>
-                  <a:schemeClr val="tx1"/>
-                </a:solidFill>
-                <a:miter lim="800000"/>
-                <a:headEnd/>
-                <a:tailEnd/>
-              </a14:hiddenLine>
-            </a:ext>
-            <a:ext uri="{AF507438-7753-43E0-B8FC-AC1667EBCBE1}">
-              <a14:hiddenEffects xmlns:a14="http://schemas.microsoft.com/office/drawing/2010/main" xmlns="">
-                <a:effectLst>
-                  <a:outerShdw dist="35921" dir="2700000" algn="ctr" rotWithShape="0">
-                    <a:schemeClr val="bg2"/>
-                  </a:outerShdw>
-                </a:effectLst>
-              </a14:hiddenEffects>
-            </a:ext>
           </a:extLst>
         </p:spPr>
-        <p:txBody>
-          <a:bodyPr vert="horz" wrap="none" lIns="91440" tIns="45720" rIns="91440" bIns="45720" numCol="1" anchor="ctr" anchorCtr="0" compatLnSpc="1">
-            <a:prstTxWarp prst="textNoShape">
-              <a:avLst/>
-            </a:prstTxWarp>
-            <a:spAutoFit/>
-          </a:bodyPr>
-          <a:lstStyle/>
-          <a:p>
-            <a:endParaRPr lang="en-US"/>
-          </a:p>
-        </p:txBody>
-      </p:sp>
-      <p:sp>
-        <p:nvSpPr>
-          <p:cNvPr id="5" name="Rectangle 2"/>
-          <p:cNvSpPr>
-            <a:spLocks noChangeArrowheads="1"/>
-          </p:cNvSpPr>
-          <p:nvPr/>
-        </p:nvSpPr>
-        <p:spPr bwMode="auto">
-          <a:xfrm>
-            <a:off x="0" y="0"/>
-            <a:ext cx="9144000" cy="0"/>
-          </a:xfrm>
-          <a:prstGeom prst="rect">
-            <a:avLst/>
-          </a:prstGeom>
-          <a:noFill/>
-          <a:ln>
-            <a:noFill/>
-          </a:ln>
-          <a:effectLst/>
-          <a:extLst>
-            <a:ext uri="{909E8E84-426E-40DD-AFC4-6F175D3DCCD1}">
-              <a14:hiddenFill xmlns:a14="http://schemas.microsoft.com/office/drawing/2010/main" xmlns="">
-                <a:solidFill>
-                  <a:schemeClr val="accent1"/>
-                </a:solidFill>
-              </a14:hiddenFill>
-            </a:ext>
-            <a:ext uri="{91240B29-F687-4F45-9708-019B960494DF}">
-              <a14:hiddenLine xmlns:a14="http://schemas.microsoft.com/office/drawing/2010/main" xmlns="" w="9525">
-                <a:solidFill>
-                  <a:schemeClr val="tx1"/>
-                </a:solidFill>
-                <a:miter lim="800000"/>
-                <a:headEnd/>
-                <a:tailEnd/>
-              </a14:hiddenLine>
-            </a:ext>
-            <a:ext uri="{AF507438-7753-43E0-B8FC-AC1667EBCBE1}">
-              <a14:hiddenEffects xmlns:a14="http://schemas.microsoft.com/office/drawing/2010/main" xmlns="">
-                <a:effectLst>
-                  <a:outerShdw dist="35921" dir="2700000" algn="ctr" rotWithShape="0">
-                    <a:schemeClr val="bg2"/>
-                  </a:outerShdw>
-                </a:effectLst>
-              </a14:hiddenEffects>
-            </a:ext>
-          </a:extLst>
-        </p:spPr>
-        <p:txBody>
-          <a:bodyPr vert="horz" wrap="none" lIns="91440" tIns="45720" rIns="91440" bIns="45720" numCol="1" anchor="ctr" anchorCtr="0" compatLnSpc="1">
-            <a:prstTxWarp prst="textNoShape">
-              <a:avLst/>
-            </a:prstTxWarp>
-            <a:spAutoFit/>
-          </a:bodyPr>
-          <a:lstStyle/>
-          <a:p>
-            <a:endParaRPr lang="en-US"/>
-          </a:p>
-        </p:txBody>
-      </p:sp>
-      <p:sp>
-        <p:nvSpPr>
-          <p:cNvPr id="4" name="Rectangle 2"/>
-          <p:cNvSpPr>
-            <a:spLocks noChangeArrowheads="1"/>
-          </p:cNvSpPr>
-          <p:nvPr/>
-        </p:nvSpPr>
-        <p:spPr bwMode="auto">
-          <a:xfrm>
-            <a:off x="0" y="0"/>
-            <a:ext cx="9144000" cy="0"/>
-          </a:xfrm>
-          <a:prstGeom prst="rect">
-            <a:avLst/>
-          </a:prstGeom>
-          <a:noFill/>
-          <a:ln>
-            <a:noFill/>
-          </a:ln>
-          <a:effectLst/>
-          <a:extLst>
-            <a:ext uri="{909E8E84-426E-40DD-AFC4-6F175D3DCCD1}">
-              <a14:hiddenFill xmlns:a14="http://schemas.microsoft.com/office/drawing/2010/main" xmlns="">
-                <a:solidFill>
-                  <a:schemeClr val="accent1"/>
-                </a:solidFill>
-              </a14:hiddenFill>
-            </a:ext>
-            <a:ext uri="{91240B29-F687-4F45-9708-019B960494DF}">
-              <a14:hiddenLine xmlns:a14="http://schemas.microsoft.com/office/drawing/2010/main" xmlns="" w="9525">
-                <a:solidFill>
-                  <a:schemeClr val="tx1"/>
-                </a:solidFill>
-                <a:miter lim="800000"/>
-                <a:headEnd/>
-                <a:tailEnd/>
-              </a14:hiddenLine>
-            </a:ext>
-            <a:ext uri="{AF507438-7753-43E0-B8FC-AC1667EBCBE1}">
-              <a14:hiddenEffects xmlns:a14="http://schemas.microsoft.com/office/drawing/2010/main" xmlns="">
-                <a:effectLst>
-                  <a:outerShdw dist="35921" dir="2700000" algn="ctr" rotWithShape="0">
-                    <a:schemeClr val="bg2"/>
-                  </a:outerShdw>
-                </a:effectLst>
-              </a14:hiddenEffects>
-            </a:ext>
-          </a:extLst>
-        </p:spPr>
-        <p:txBody>
-          <a:bodyPr vert="horz" wrap="none" lIns="91440" tIns="45720" rIns="91440" bIns="45720" numCol="1" anchor="ctr" anchorCtr="0" compatLnSpc="1">
-            <a:prstTxWarp prst="textNoShape">
-              <a:avLst/>
-            </a:prstTxWarp>
-            <a:spAutoFit/>
-          </a:bodyPr>
-          <a:lstStyle/>
-          <a:p>
-            <a:endParaRPr lang="en-US"/>
-          </a:p>
-        </p:txBody>
-      </p:sp>
+      </p:pic>
     </p:spTree>
     <p:extLst>
       <p:ext uri="{BB962C8B-B14F-4D97-AF65-F5344CB8AC3E}">
-        <p14:creationId xmlns:p14="http://schemas.microsoft.com/office/powerpoint/2010/main" xmlns="" val="273623958"/>
+        <p14:creationId xmlns:p14="http://schemas.microsoft.com/office/powerpoint/2010/main" xmlns="" val="3832736806"/>
       </p:ext>
     </p:extLst>
   </p:cSld>
@@ -23759,7 +24414,95 @@
 </p:sld>
 </file>
 
-<file path=ppt/slides/slide23.xml><?xml version="1.0" encoding="utf-8"?>
+<file path=ppt/slides/slide25.xml><?xml version="1.0" encoding="utf-8"?>
+<p:sld xmlns:a="http://schemas.openxmlformats.org/drawingml/2006/main" xmlns:r="http://schemas.openxmlformats.org/officeDocument/2006/relationships" xmlns:p="http://schemas.openxmlformats.org/presentationml/2006/main">
+  <p:cSld>
+    <p:spTree>
+      <p:nvGrpSpPr>
+        <p:cNvPr id="1" name=""/>
+        <p:cNvGrpSpPr/>
+        <p:nvPr/>
+      </p:nvGrpSpPr>
+      <p:grpSpPr>
+        <a:xfrm>
+          <a:off x="0" y="0"/>
+          <a:ext cx="0" cy="0"/>
+          <a:chOff x="0" y="0"/>
+          <a:chExt cx="0" cy="0"/>
+        </a:xfrm>
+      </p:grpSpPr>
+      <p:sp>
+        <p:nvSpPr>
+          <p:cNvPr id="2" name="Title 1"/>
+          <p:cNvSpPr>
+            <a:spLocks noGrp="1"/>
+          </p:cNvSpPr>
+          <p:nvPr>
+            <p:ph type="title"/>
+          </p:nvPr>
+        </p:nvSpPr>
+        <p:spPr/>
+        <p:txBody>
+          <a:bodyPr/>
+          <a:lstStyle/>
+          <a:p>
+            <a:r>
+              <a:rPr lang="en-US" dirty="0" smtClean="0"/>
+              <a:t>Source Code</a:t>
+            </a:r>
+            <a:endParaRPr lang="en-US" dirty="0"/>
+          </a:p>
+        </p:txBody>
+      </p:sp>
+      <p:sp>
+        <p:nvSpPr>
+          <p:cNvPr id="3" name="Content Placeholder 2"/>
+          <p:cNvSpPr>
+            <a:spLocks noGrp="1"/>
+          </p:cNvSpPr>
+          <p:nvPr>
+            <p:ph idx="1"/>
+          </p:nvPr>
+        </p:nvSpPr>
+        <p:spPr>
+          <a:xfrm>
+            <a:off x="1043492" y="2817091"/>
+            <a:ext cx="6777317" cy="3015538"/>
+          </a:xfrm>
+        </p:spPr>
+        <p:txBody>
+          <a:bodyPr/>
+          <a:lstStyle/>
+          <a:p>
+            <a:r>
+              <a:rPr lang="en-US" dirty="0" smtClean="0"/>
+              <a:t>We can pick out section of source code that we want to show</a:t>
+            </a:r>
+            <a:endParaRPr lang="en-US" dirty="0"/>
+          </a:p>
+        </p:txBody>
+      </p:sp>
+    </p:spTree>
+    <p:extLst>
+      <p:ext uri="{BB962C8B-B14F-4D97-AF65-F5344CB8AC3E}">
+        <p14:creationId xmlns:p14="http://schemas.microsoft.com/office/powerpoint/2010/main" xmlns="" val="1092677546"/>
+      </p:ext>
+    </p:extLst>
+  </p:cSld>
+  <p:clrMapOvr>
+    <a:masterClrMapping/>
+  </p:clrMapOvr>
+  <p:timing>
+    <p:tnLst>
+      <p:par>
+        <p:cTn id="1" dur="indefinite" restart="never" nodeType="tmRoot"/>
+      </p:par>
+    </p:tnLst>
+  </p:timing>
+</p:sld>
+</file>
+
+<file path=ppt/slides/slide26.xml><?xml version="1.0" encoding="utf-8"?>
 <p:sld xmlns:a="http://schemas.openxmlformats.org/drawingml/2006/main" xmlns:r="http://schemas.openxmlformats.org/officeDocument/2006/relationships" xmlns:p="http://schemas.openxmlformats.org/presentationml/2006/main">
   <p:cSld>
     <p:spTree>

--- a/deliverables/final/Final Presentation.pptx
+++ b/deliverables/final/Final Presentation.pptx
@@ -4,6 +4,9 @@
   <p:sldMasterIdLst>
     <p:sldMasterId id="2147483792" r:id="rId1"/>
   </p:sldMasterIdLst>
+  <p:notesMasterIdLst>
+    <p:notesMasterId r:id="rId32"/>
+  </p:notesMasterIdLst>
   <p:sldIdLst>
     <p:sldId id="256" r:id="rId2"/>
     <p:sldId id="272" r:id="rId3"/>
@@ -23,18 +26,18 @@
     <p:sldId id="292" r:id="rId17"/>
     <p:sldId id="293" r:id="rId18"/>
     <p:sldId id="280" r:id="rId19"/>
-    <p:sldId id="281" r:id="rId20"/>
-    <p:sldId id="283" r:id="rId21"/>
-    <p:sldId id="284" r:id="rId22"/>
-    <p:sldId id="285" r:id="rId23"/>
-    <p:sldId id="286" r:id="rId24"/>
-    <p:sldId id="287" r:id="rId25"/>
-    <p:sldId id="288" r:id="rId26"/>
-    <p:sldId id="289" r:id="rId27"/>
-    <p:sldId id="282" r:id="rId28"/>
-    <p:sldId id="259" r:id="rId29"/>
-    <p:sldId id="257" r:id="rId30"/>
-    <p:sldId id="266" r:id="rId31"/>
+    <p:sldId id="295" r:id="rId20"/>
+    <p:sldId id="281" r:id="rId21"/>
+    <p:sldId id="283" r:id="rId22"/>
+    <p:sldId id="294" r:id="rId23"/>
+    <p:sldId id="285" r:id="rId24"/>
+    <p:sldId id="286" r:id="rId25"/>
+    <p:sldId id="287" r:id="rId26"/>
+    <p:sldId id="288" r:id="rId27"/>
+    <p:sldId id="289" r:id="rId28"/>
+    <p:sldId id="282" r:id="rId29"/>
+    <p:sldId id="266" r:id="rId30"/>
+    <p:sldId id="259" r:id="rId31"/>
   </p:sldIdLst>
   <p:sldSz cx="9144000" cy="6858000" type="screen4x3"/>
   <p:notesSz cx="6858000" cy="9144000"/>
@@ -138,31 +141,19 @@
 
 <file path=ppt/charts/chart1.xml><?xml version="1.0" encoding="utf-8"?>
 <c:chartSpace xmlns:c="http://schemas.openxmlformats.org/drawingml/2006/chart" xmlns:a="http://schemas.openxmlformats.org/drawingml/2006/main" xmlns:r="http://schemas.openxmlformats.org/officeDocument/2006/relationships">
-  <c:date1904 val="0"/>
   <c:lang val="en-US"/>
-  <c:roundedCorners val="1"/>
-  <mc:AlternateContent xmlns:mc="http://schemas.openxmlformats.org/markup-compatibility/2006">
-    <mc:Choice xmlns:c14="http://schemas.microsoft.com/office/drawing/2007/8/2/chart" Requires="c14">
-      <c14:style val="102"/>
-    </mc:Choice>
-    <mc:Fallback>
-      <c:style val="2"/>
-    </mc:Fallback>
-  </mc:AlternateContent>
   <c:chart>
-    <c:autoTitleDeleted val="1"/>
     <c:plotArea>
       <c:layout/>
       <c:barChart>
         <c:barDir val="col"/>
         <c:grouping val="clustered"/>
-        <c:varyColors val="1"/>
         <c:ser>
           <c:idx val="0"/>
           <c:order val="0"/>
           <c:tx>
             <c:strRef>
-              <c:f>label 0</c:f>
+              <c:f>Sheet1!$B$2</c:f>
               <c:strCache>
                 <c:ptCount val="1"/>
                 <c:pt idx="0">
@@ -176,10 +167,9 @@
               <a:srgbClr val="004586"/>
             </a:solidFill>
           </c:spPr>
-          <c:invertIfNegative val="1"/>
           <c:cat>
             <c:strRef>
-              <c:f>categories</c:f>
+              <c:f>Sheet1!$A$3:$A$6</c:f>
               <c:strCache>
                 <c:ptCount val="4"/>
                 <c:pt idx="0">
@@ -199,9 +189,9 @@
           </c:cat>
           <c:val>
             <c:numRef>
-              <c:f>0</c:f>
+              <c:f>Sheet1!$B$3:$B$6</c:f>
               <c:numCache>
-                <c:formatCode>General</c:formatCode>
+                <c:formatCode>[hh]:mm:ss</c:formatCode>
                 <c:ptCount val="4"/>
                 <c:pt idx="0">
                   <c:v>3.9756944444444402</c:v>
@@ -218,24 +208,13 @@
               </c:numCache>
             </c:numRef>
           </c:val>
-          <c:extLst>
-            <c:ext xmlns:c14="http://schemas.microsoft.com/office/drawing/2007/8/2/chart" uri="{6F2FDCE9-48DA-4B69-8628-5D25D57E5C99}">
-              <c14:invertSolidFillFmt>
-                <c14:spPr xmlns:c14="http://schemas.microsoft.com/office/drawing/2007/8/2/chart">
-                  <a:solidFill>
-                    <a:srgbClr val="FFFFFF"/>
-                  </a:solidFill>
-                </c14:spPr>
-              </c14:invertSolidFillFmt>
-            </c:ext>
-          </c:extLst>
         </c:ser>
         <c:ser>
           <c:idx val="1"/>
           <c:order val="1"/>
           <c:tx>
             <c:strRef>
-              <c:f>label 1</c:f>
+              <c:f>Sheet1!$C$2</c:f>
               <c:strCache>
                 <c:ptCount val="1"/>
                 <c:pt idx="0">
@@ -249,10 +228,9 @@
               <a:srgbClr val="FF420E"/>
             </a:solidFill>
           </c:spPr>
-          <c:invertIfNegative val="1"/>
           <c:cat>
             <c:strRef>
-              <c:f>categories</c:f>
+              <c:f>Sheet1!$A$3:$A$6</c:f>
               <c:strCache>
                 <c:ptCount val="4"/>
                 <c:pt idx="0">
@@ -272,9 +250,9 @@
           </c:cat>
           <c:val>
             <c:numRef>
-              <c:f>1</c:f>
+              <c:f>Sheet1!$C$3:$C$6</c:f>
               <c:numCache>
-                <c:formatCode>General</c:formatCode>
+                <c:formatCode>[hh]:mm:ss</c:formatCode>
                 <c:ptCount val="4"/>
                 <c:pt idx="0">
                   <c:v>5.5381944444444402</c:v>
@@ -291,53 +269,36 @@
               </c:numCache>
             </c:numRef>
           </c:val>
-          <c:extLst>
-            <c:ext xmlns:c14="http://schemas.microsoft.com/office/drawing/2007/8/2/chart" uri="{6F2FDCE9-48DA-4B69-8628-5D25D57E5C99}">
-              <c14:invertSolidFillFmt>
-                <c14:spPr xmlns:c14="http://schemas.microsoft.com/office/drawing/2007/8/2/chart">
-                  <a:solidFill>
-                    <a:srgbClr val="FFFFFF"/>
-                  </a:solidFill>
-                </c14:spPr>
-              </c14:invertSolidFillFmt>
-            </c:ext>
-          </c:extLst>
         </c:ser>
-        <c:dLbls>
-          <c:showLegendKey val="0"/>
-          <c:showVal val="0"/>
-          <c:showCatName val="0"/>
-          <c:showSerName val="0"/>
-          <c:showPercent val="0"/>
-          <c:showBubbleSize val="0"/>
-        </c:dLbls>
         <c:gapWidth val="100"/>
-        <c:axId val="74568832"/>
-        <c:axId val="74570368"/>
+        <c:axId val="82621952"/>
+        <c:axId val="82623488"/>
       </c:barChart>
       <c:catAx>
-        <c:axId val="74568832"/>
+        <c:axId val="82621952"/>
         <c:scaling>
           <c:orientation val="minMax"/>
         </c:scaling>
-        <c:delete val="1"/>
         <c:axPos val="b"/>
-        <c:majorTickMark val="out"/>
-        <c:minorTickMark val="none"/>
         <c:tickLblPos val="nextTo"/>
-        <c:crossAx val="74570368"/>
+        <c:spPr>
+          <a:ln>
+            <a:solidFill>
+              <a:srgbClr val="B3B3B3"/>
+            </a:solidFill>
+          </a:ln>
+        </c:spPr>
+        <c:crossAx val="82623488"/>
         <c:crossesAt val="0"/>
         <c:auto val="1"/>
         <c:lblAlgn val="ctr"/>
         <c:lblOffset val="100"/>
-        <c:noMultiLvlLbl val="1"/>
       </c:catAx>
       <c:valAx>
-        <c:axId val="74570368"/>
+        <c:axId val="82623488"/>
         <c:scaling>
           <c:orientation val="minMax"/>
         </c:scaling>
-        <c:delete val="1"/>
         <c:axPos val="l"/>
         <c:majorGridlines>
           <c:spPr>
@@ -348,11 +309,16 @@
             </a:ln>
           </c:spPr>
         </c:majorGridlines>
-        <c:numFmt formatCode="General" sourceLinked="1"/>
-        <c:majorTickMark val="out"/>
-        <c:minorTickMark val="none"/>
+        <c:numFmt formatCode="[hh]:mm:ss" sourceLinked="1"/>
         <c:tickLblPos val="nextTo"/>
-        <c:crossAx val="74568832"/>
+        <c:spPr>
+          <a:ln>
+            <a:solidFill>
+              <a:srgbClr val="B3B3B3"/>
+            </a:solidFill>
+          </a:ln>
+        </c:spPr>
+        <c:crossAx val="82621952"/>
         <c:crossesAt val="0"/>
         <c:crossBetween val="between"/>
       </c:valAx>
@@ -367,33 +333,22 @@
     <c:legend>
       <c:legendPos val="r"/>
       <c:layout/>
-      <c:overlay val="1"/>
     </c:legend>
     <c:plotVisOnly val="1"/>
-    <c:dispBlanksAs val="zero"/>
-    <c:showDLblsOverMax val="1"/>
   </c:chart>
   <c:spPr>
     <a:solidFill>
       <a:srgbClr val="FFFFFF"/>
     </a:solidFill>
   </c:spPr>
+  <c:externalData r:id="rId1"/>
 </c:chartSpace>
 </file>
 
 <file path=ppt/charts/chart2.xml><?xml version="1.0" encoding="utf-8"?>
 <c:chartSpace xmlns:c="http://schemas.openxmlformats.org/drawingml/2006/chart" xmlns:a="http://schemas.openxmlformats.org/drawingml/2006/main" xmlns:r="http://schemas.openxmlformats.org/officeDocument/2006/relationships">
-  <c:date1904 val="0"/>
   <c:lang val="en-US"/>
   <c:roundedCorners val="1"/>
-  <mc:AlternateContent xmlns:mc="http://schemas.openxmlformats.org/markup-compatibility/2006">
-    <mc:Choice xmlns:c14="http://schemas.microsoft.com/office/drawing/2007/8/2/chart" Requires="c14">
-      <c14:style val="102"/>
-    </mc:Choice>
-    <mc:Fallback>
-      <c:style val="2"/>
-    </mc:Fallback>
-  </mc:AlternateContent>
   <c:chart>
     <c:autoTitleDeleted val="1"/>
     <c:plotArea>
@@ -421,11 +376,9 @@
           </c:spPr>
           <c:dPt>
             <c:idx val="0"/>
-            <c:bubble3D val="0"/>
           </c:dPt>
           <c:dPt>
             <c:idx val="1"/>
-            <c:bubble3D val="0"/>
             <c:spPr>
               <a:solidFill>
                 <a:srgbClr val="FF420E"/>
@@ -453,24 +406,16 @@
                 <c:formatCode>General</c:formatCode>
                 <c:ptCount val="2"/>
                 <c:pt idx="0">
-                  <c:v>19.4340277777778</c:v>
+                  <c:v>19.434027777777796</c:v>
                 </c:pt>
                 <c:pt idx="1">
-                  <c:v>16.6979166666667</c:v>
+                  <c:v>16.697916666666703</c:v>
                 </c:pt>
               </c:numCache>
             </c:numRef>
           </c:val>
         </c:ser>
-        <c:dLbls>
-          <c:showLegendKey val="0"/>
-          <c:showVal val="0"/>
-          <c:showCatName val="0"/>
-          <c:showSerName val="0"/>
-          <c:showPercent val="0"/>
-          <c:showBubbleSize val="0"/>
-          <c:showLeaderLines val="1"/>
-        </c:dLbls>
+        <c:dLbls/>
         <c:firstSliceAng val="0"/>
       </c:pieChart>
       <c:spPr>
@@ -496,6 +441,471 @@
     </a:solidFill>
   </c:spPr>
 </c:chartSpace>
+</file>
+
+<file path=ppt/notesMasters/notesMaster1.xml><?xml version="1.0" encoding="utf-8"?>
+<p:notesMaster xmlns:a="http://schemas.openxmlformats.org/drawingml/2006/main" xmlns:r="http://schemas.openxmlformats.org/officeDocument/2006/relationships" xmlns:p="http://schemas.openxmlformats.org/presentationml/2006/main">
+  <p:cSld>
+    <p:bg>
+      <p:bgRef idx="1001">
+        <a:schemeClr val="bg1"/>
+      </p:bgRef>
+    </p:bg>
+    <p:spTree>
+      <p:nvGrpSpPr>
+        <p:cNvPr id="1" name=""/>
+        <p:cNvGrpSpPr/>
+        <p:nvPr/>
+      </p:nvGrpSpPr>
+      <p:grpSpPr>
+        <a:xfrm>
+          <a:off x="0" y="0"/>
+          <a:ext cx="0" cy="0"/>
+          <a:chOff x="0" y="0"/>
+          <a:chExt cx="0" cy="0"/>
+        </a:xfrm>
+      </p:grpSpPr>
+      <p:sp>
+        <p:nvSpPr>
+          <p:cNvPr id="2" name="Header Placeholder 1"/>
+          <p:cNvSpPr>
+            <a:spLocks noGrp="1"/>
+          </p:cNvSpPr>
+          <p:nvPr>
+            <p:ph type="hdr" sz="quarter"/>
+          </p:nvPr>
+        </p:nvSpPr>
+        <p:spPr>
+          <a:xfrm>
+            <a:off x="0" y="0"/>
+            <a:ext cx="2971800" cy="457200"/>
+          </a:xfrm>
+          <a:prstGeom prst="rect">
+            <a:avLst/>
+          </a:prstGeom>
+        </p:spPr>
+        <p:txBody>
+          <a:bodyPr vert="horz" lIns="91440" tIns="45720" rIns="91440" bIns="45720" rtlCol="0"/>
+          <a:lstStyle>
+            <a:lvl1pPr algn="l">
+              <a:defRPr sz="1200"/>
+            </a:lvl1pPr>
+          </a:lstStyle>
+          <a:p>
+            <a:endParaRPr lang="en-US"/>
+          </a:p>
+        </p:txBody>
+      </p:sp>
+      <p:sp>
+        <p:nvSpPr>
+          <p:cNvPr id="3" name="Date Placeholder 2"/>
+          <p:cNvSpPr>
+            <a:spLocks noGrp="1"/>
+          </p:cNvSpPr>
+          <p:nvPr>
+            <p:ph type="dt" idx="1"/>
+          </p:nvPr>
+        </p:nvSpPr>
+        <p:spPr>
+          <a:xfrm>
+            <a:off x="3884613" y="0"/>
+            <a:ext cx="2971800" cy="457200"/>
+          </a:xfrm>
+          <a:prstGeom prst="rect">
+            <a:avLst/>
+          </a:prstGeom>
+        </p:spPr>
+        <p:txBody>
+          <a:bodyPr vert="horz" lIns="91440" tIns="45720" rIns="91440" bIns="45720" rtlCol="0"/>
+          <a:lstStyle>
+            <a:lvl1pPr algn="r">
+              <a:defRPr sz="1200"/>
+            </a:lvl1pPr>
+          </a:lstStyle>
+          <a:p>
+            <a:fld id="{1C1C5CF6-DD17-4F1F-ADC8-DFB45EB30005}" type="datetimeFigureOut">
+              <a:rPr lang="en-US" smtClean="0"/>
+              <a:t>4/29/2012</a:t>
+            </a:fld>
+            <a:endParaRPr lang="en-US"/>
+          </a:p>
+        </p:txBody>
+      </p:sp>
+      <p:sp>
+        <p:nvSpPr>
+          <p:cNvPr id="4" name="Slide Image Placeholder 3"/>
+          <p:cNvSpPr>
+            <a:spLocks noGrp="1" noRot="1" noChangeAspect="1"/>
+          </p:cNvSpPr>
+          <p:nvPr>
+            <p:ph type="sldImg" idx="2"/>
+          </p:nvPr>
+        </p:nvSpPr>
+        <p:spPr>
+          <a:xfrm>
+            <a:off x="1143000" y="685800"/>
+            <a:ext cx="4572000" cy="3429000"/>
+          </a:xfrm>
+          <a:prstGeom prst="rect">
+            <a:avLst/>
+          </a:prstGeom>
+          <a:noFill/>
+          <a:ln w="12700">
+            <a:solidFill>
+              <a:prstClr val="black"/>
+            </a:solidFill>
+          </a:ln>
+        </p:spPr>
+        <p:txBody>
+          <a:bodyPr vert="horz" lIns="91440" tIns="45720" rIns="91440" bIns="45720" rtlCol="0" anchor="ctr"/>
+          <a:lstStyle/>
+          <a:p>
+            <a:endParaRPr lang="en-US"/>
+          </a:p>
+        </p:txBody>
+      </p:sp>
+      <p:sp>
+        <p:nvSpPr>
+          <p:cNvPr id="5" name="Notes Placeholder 4"/>
+          <p:cNvSpPr>
+            <a:spLocks noGrp="1"/>
+          </p:cNvSpPr>
+          <p:nvPr>
+            <p:ph type="body" sz="quarter" idx="3"/>
+          </p:nvPr>
+        </p:nvSpPr>
+        <p:spPr>
+          <a:xfrm>
+            <a:off x="685800" y="4343400"/>
+            <a:ext cx="5486400" cy="4114800"/>
+          </a:xfrm>
+          <a:prstGeom prst="rect">
+            <a:avLst/>
+          </a:prstGeom>
+        </p:spPr>
+        <p:txBody>
+          <a:bodyPr vert="horz" lIns="91440" tIns="45720" rIns="91440" bIns="45720" rtlCol="0">
+            <a:normAutofit/>
+          </a:bodyPr>
+          <a:lstStyle/>
+          <a:p>
+            <a:pPr lvl="0"/>
+            <a:r>
+              <a:rPr lang="en-US" smtClean="0"/>
+              <a:t>Click to edit Master text styles</a:t>
+            </a:r>
+          </a:p>
+          <a:p>
+            <a:pPr lvl="1"/>
+            <a:r>
+              <a:rPr lang="en-US" smtClean="0"/>
+              <a:t>Second level</a:t>
+            </a:r>
+          </a:p>
+          <a:p>
+            <a:pPr lvl="2"/>
+            <a:r>
+              <a:rPr lang="en-US" smtClean="0"/>
+              <a:t>Third level</a:t>
+            </a:r>
+          </a:p>
+          <a:p>
+            <a:pPr lvl="3"/>
+            <a:r>
+              <a:rPr lang="en-US" smtClean="0"/>
+              <a:t>Fourth level</a:t>
+            </a:r>
+          </a:p>
+          <a:p>
+            <a:pPr lvl="4"/>
+            <a:r>
+              <a:rPr lang="en-US" smtClean="0"/>
+              <a:t>Fifth level</a:t>
+            </a:r>
+            <a:endParaRPr lang="en-US"/>
+          </a:p>
+        </p:txBody>
+      </p:sp>
+      <p:sp>
+        <p:nvSpPr>
+          <p:cNvPr id="6" name="Footer Placeholder 5"/>
+          <p:cNvSpPr>
+            <a:spLocks noGrp="1"/>
+          </p:cNvSpPr>
+          <p:nvPr>
+            <p:ph type="ftr" sz="quarter" idx="4"/>
+          </p:nvPr>
+        </p:nvSpPr>
+        <p:spPr>
+          <a:xfrm>
+            <a:off x="0" y="8685213"/>
+            <a:ext cx="2971800" cy="457200"/>
+          </a:xfrm>
+          <a:prstGeom prst="rect">
+            <a:avLst/>
+          </a:prstGeom>
+        </p:spPr>
+        <p:txBody>
+          <a:bodyPr vert="horz" lIns="91440" tIns="45720" rIns="91440" bIns="45720" rtlCol="0" anchor="b"/>
+          <a:lstStyle>
+            <a:lvl1pPr algn="l">
+              <a:defRPr sz="1200"/>
+            </a:lvl1pPr>
+          </a:lstStyle>
+          <a:p>
+            <a:endParaRPr lang="en-US"/>
+          </a:p>
+        </p:txBody>
+      </p:sp>
+      <p:sp>
+        <p:nvSpPr>
+          <p:cNvPr id="7" name="Slide Number Placeholder 6"/>
+          <p:cNvSpPr>
+            <a:spLocks noGrp="1"/>
+          </p:cNvSpPr>
+          <p:nvPr>
+            <p:ph type="sldNum" sz="quarter" idx="5"/>
+          </p:nvPr>
+        </p:nvSpPr>
+        <p:spPr>
+          <a:xfrm>
+            <a:off x="3884613" y="8685213"/>
+            <a:ext cx="2971800" cy="457200"/>
+          </a:xfrm>
+          <a:prstGeom prst="rect">
+            <a:avLst/>
+          </a:prstGeom>
+        </p:spPr>
+        <p:txBody>
+          <a:bodyPr vert="horz" lIns="91440" tIns="45720" rIns="91440" bIns="45720" rtlCol="0" anchor="b"/>
+          <a:lstStyle>
+            <a:lvl1pPr algn="r">
+              <a:defRPr sz="1200"/>
+            </a:lvl1pPr>
+          </a:lstStyle>
+          <a:p>
+            <a:fld id="{571BB694-2EE6-4BEE-8AE8-20A8D9DB53E6}" type="slidenum">
+              <a:rPr lang="en-US" smtClean="0"/>
+              <a:t>‹#›</a:t>
+            </a:fld>
+            <a:endParaRPr lang="en-US"/>
+          </a:p>
+        </p:txBody>
+      </p:sp>
+    </p:spTree>
+  </p:cSld>
+  <p:clrMap bg1="lt1" tx1="dk1" bg2="lt2" tx2="dk2" accent1="accent1" accent2="accent2" accent3="accent3" accent4="accent4" accent5="accent5" accent6="accent6" hlink="hlink" folHlink="folHlink"/>
+  <p:notesStyle>
+    <a:lvl1pPr marL="0" algn="l" defTabSz="914400" rtl="0" eaLnBrk="1" latinLnBrk="0" hangingPunct="1">
+      <a:defRPr sz="1200" kern="1200">
+        <a:solidFill>
+          <a:schemeClr val="tx1"/>
+        </a:solidFill>
+        <a:latin typeface="+mn-lt"/>
+        <a:ea typeface="+mn-ea"/>
+        <a:cs typeface="+mn-cs"/>
+      </a:defRPr>
+    </a:lvl1pPr>
+    <a:lvl2pPr marL="457200" algn="l" defTabSz="914400" rtl="0" eaLnBrk="1" latinLnBrk="0" hangingPunct="1">
+      <a:defRPr sz="1200" kern="1200">
+        <a:solidFill>
+          <a:schemeClr val="tx1"/>
+        </a:solidFill>
+        <a:latin typeface="+mn-lt"/>
+        <a:ea typeface="+mn-ea"/>
+        <a:cs typeface="+mn-cs"/>
+      </a:defRPr>
+    </a:lvl2pPr>
+    <a:lvl3pPr marL="914400" algn="l" defTabSz="914400" rtl="0" eaLnBrk="1" latinLnBrk="0" hangingPunct="1">
+      <a:defRPr sz="1200" kern="1200">
+        <a:solidFill>
+          <a:schemeClr val="tx1"/>
+        </a:solidFill>
+        <a:latin typeface="+mn-lt"/>
+        <a:ea typeface="+mn-ea"/>
+        <a:cs typeface="+mn-cs"/>
+      </a:defRPr>
+    </a:lvl3pPr>
+    <a:lvl4pPr marL="1371600" algn="l" defTabSz="914400" rtl="0" eaLnBrk="1" latinLnBrk="0" hangingPunct="1">
+      <a:defRPr sz="1200" kern="1200">
+        <a:solidFill>
+          <a:schemeClr val="tx1"/>
+        </a:solidFill>
+        <a:latin typeface="+mn-lt"/>
+        <a:ea typeface="+mn-ea"/>
+        <a:cs typeface="+mn-cs"/>
+      </a:defRPr>
+    </a:lvl4pPr>
+    <a:lvl5pPr marL="1828800" algn="l" defTabSz="914400" rtl="0" eaLnBrk="1" latinLnBrk="0" hangingPunct="1">
+      <a:defRPr sz="1200" kern="1200">
+        <a:solidFill>
+          <a:schemeClr val="tx1"/>
+        </a:solidFill>
+        <a:latin typeface="+mn-lt"/>
+        <a:ea typeface="+mn-ea"/>
+        <a:cs typeface="+mn-cs"/>
+      </a:defRPr>
+    </a:lvl5pPr>
+    <a:lvl6pPr marL="2286000" algn="l" defTabSz="914400" rtl="0" eaLnBrk="1" latinLnBrk="0" hangingPunct="1">
+      <a:defRPr sz="1200" kern="1200">
+        <a:solidFill>
+          <a:schemeClr val="tx1"/>
+        </a:solidFill>
+        <a:latin typeface="+mn-lt"/>
+        <a:ea typeface="+mn-ea"/>
+        <a:cs typeface="+mn-cs"/>
+      </a:defRPr>
+    </a:lvl6pPr>
+    <a:lvl7pPr marL="2743200" algn="l" defTabSz="914400" rtl="0" eaLnBrk="1" latinLnBrk="0" hangingPunct="1">
+      <a:defRPr sz="1200" kern="1200">
+        <a:solidFill>
+          <a:schemeClr val="tx1"/>
+        </a:solidFill>
+        <a:latin typeface="+mn-lt"/>
+        <a:ea typeface="+mn-ea"/>
+        <a:cs typeface="+mn-cs"/>
+      </a:defRPr>
+    </a:lvl7pPr>
+    <a:lvl8pPr marL="3200400" algn="l" defTabSz="914400" rtl="0" eaLnBrk="1" latinLnBrk="0" hangingPunct="1">
+      <a:defRPr sz="1200" kern="1200">
+        <a:solidFill>
+          <a:schemeClr val="tx1"/>
+        </a:solidFill>
+        <a:latin typeface="+mn-lt"/>
+        <a:ea typeface="+mn-ea"/>
+        <a:cs typeface="+mn-cs"/>
+      </a:defRPr>
+    </a:lvl8pPr>
+    <a:lvl9pPr marL="3657600" algn="l" defTabSz="914400" rtl="0" eaLnBrk="1" latinLnBrk="0" hangingPunct="1">
+      <a:defRPr sz="1200" kern="1200">
+        <a:solidFill>
+          <a:schemeClr val="tx1"/>
+        </a:solidFill>
+        <a:latin typeface="+mn-lt"/>
+        <a:ea typeface="+mn-ea"/>
+        <a:cs typeface="+mn-cs"/>
+      </a:defRPr>
+    </a:lvl9pPr>
+  </p:notesStyle>
+</p:notesMaster>
+</file>
+
+<file path=ppt/notesSlides/notesSlide1.xml><?xml version="1.0" encoding="utf-8"?>
+<p:notes xmlns:a="http://schemas.openxmlformats.org/drawingml/2006/main" xmlns:r="http://schemas.openxmlformats.org/officeDocument/2006/relationships" xmlns:p="http://schemas.openxmlformats.org/presentationml/2006/main">
+  <p:cSld>
+    <p:spTree>
+      <p:nvGrpSpPr>
+        <p:cNvPr id="1" name=""/>
+        <p:cNvGrpSpPr/>
+        <p:nvPr/>
+      </p:nvGrpSpPr>
+      <p:grpSpPr>
+        <a:xfrm>
+          <a:off x="0" y="0"/>
+          <a:ext cx="0" cy="0"/>
+          <a:chOff x="0" y="0"/>
+          <a:chExt cx="0" cy="0"/>
+        </a:xfrm>
+      </p:grpSpPr>
+      <p:sp>
+        <p:nvSpPr>
+          <p:cNvPr id="2" name="Slide Image Placeholder 1"/>
+          <p:cNvSpPr>
+            <a:spLocks noGrp="1" noRot="1" noChangeAspect="1"/>
+          </p:cNvSpPr>
+          <p:nvPr>
+            <p:ph type="sldImg"/>
+          </p:nvPr>
+        </p:nvSpPr>
+        <p:spPr/>
+      </p:sp>
+      <p:sp>
+        <p:nvSpPr>
+          <p:cNvPr id="3" name="Notes Placeholder 2"/>
+          <p:cNvSpPr>
+            <a:spLocks noGrp="1"/>
+          </p:cNvSpPr>
+          <p:nvPr>
+            <p:ph type="body" idx="1"/>
+          </p:nvPr>
+        </p:nvSpPr>
+        <p:spPr/>
+        <p:txBody>
+          <a:bodyPr>
+            <a:normAutofit/>
+          </a:bodyPr>
+          <a:lstStyle/>
+          <a:p>
+            <a:r>
+              <a:rPr lang="en-US" sz="1200" kern="1200" baseline="0" dirty="0" smtClean="0">
+                <a:solidFill>
+                  <a:schemeClr val="tx1"/>
+                </a:solidFill>
+                <a:latin typeface="+mn-lt"/>
+                <a:ea typeface="+mn-ea"/>
+                <a:cs typeface="+mn-cs"/>
+              </a:rPr>
+              <a:t>The model manages the behavior and data of the application domain, responds to requests for information about its state (usually from the view), and responds to instructions to change state (usually from the controller). The model is not necessarily merely a database; the 'model' in MVC is both the data and the business/domain logic needed to manipulate the data. </a:t>
+            </a:r>
+          </a:p>
+          <a:p>
+            <a:r>
+              <a:rPr lang="en-US" sz="1200" kern="1200" baseline="0" dirty="0" smtClean="0">
+                <a:solidFill>
+                  <a:schemeClr val="tx1"/>
+                </a:solidFill>
+                <a:latin typeface="+mn-lt"/>
+                <a:ea typeface="+mn-ea"/>
+                <a:cs typeface="+mn-cs"/>
+              </a:rPr>
+              <a:t>The view renders the model into a form suitable for interaction, typically a user interface element. Multiple views can exist for a single model for different purposes. </a:t>
+            </a:r>
+          </a:p>
+          <a:p>
+            <a:r>
+              <a:rPr lang="en-US" sz="1200" kern="1200" baseline="0" dirty="0" smtClean="0">
+                <a:solidFill>
+                  <a:schemeClr val="tx1"/>
+                </a:solidFill>
+                <a:latin typeface="+mn-lt"/>
+                <a:ea typeface="+mn-ea"/>
+                <a:cs typeface="+mn-cs"/>
+              </a:rPr>
+              <a:t>The controller receives user input and initiates a response by making calls on model objects. A controller accepts input from the user and instructs the model and a view port to perform actions based on that input. </a:t>
+            </a:r>
+            <a:endParaRPr lang="en-US" dirty="0"/>
+          </a:p>
+        </p:txBody>
+      </p:sp>
+      <p:sp>
+        <p:nvSpPr>
+          <p:cNvPr id="4" name="Slide Number Placeholder 3"/>
+          <p:cNvSpPr>
+            <a:spLocks noGrp="1"/>
+          </p:cNvSpPr>
+          <p:nvPr>
+            <p:ph type="sldNum" sz="quarter" idx="10"/>
+          </p:nvPr>
+        </p:nvSpPr>
+        <p:spPr/>
+        <p:txBody>
+          <a:bodyPr/>
+          <a:lstStyle/>
+          <a:p>
+            <a:fld id="{571BB694-2EE6-4BEE-8AE8-20A8D9DB53E6}" type="slidenum">
+              <a:rPr lang="en-US" smtClean="0"/>
+              <a:t>21</a:t>
+            </a:fld>
+            <a:endParaRPr lang="en-US"/>
+          </a:p>
+        </p:txBody>
+      </p:sp>
+    </p:spTree>
+  </p:cSld>
+  <p:clrMapOvr>
+    <a:masterClrMapping/>
+  </p:clrMapOvr>
+</p:notes>
 </file>
 
 <file path=ppt/slideLayouts/slideLayout1.xml><?xml version="1.0" encoding="utf-8"?>
@@ -14279,7 +14689,7 @@
     </p:spTree>
     <p:extLst>
       <p:ext uri="{BB962C8B-B14F-4D97-AF65-F5344CB8AC3E}">
-        <p14:creationId xmlns:p14="http://schemas.microsoft.com/office/powerpoint/2010/main" val="1809248185"/>
+        <p14:creationId xmlns:p14="http://schemas.microsoft.com/office/powerpoint/2010/main" xmlns="" val="1809248185"/>
       </p:ext>
     </p:extLst>
   </p:cSld>
@@ -17784,7 +18194,12 @@
             <p:ph type="title"/>
           </p:nvPr>
         </p:nvSpPr>
-        <p:spPr/>
+        <p:spPr>
+          <a:xfrm>
+            <a:off x="795281" y="363415"/>
+            <a:ext cx="7024744" cy="1143000"/>
+          </a:xfrm>
+        </p:spPr>
         <p:txBody>
           <a:bodyPr/>
           <a:lstStyle/>
@@ -17799,17 +18214,13 @@
       </p:sp>
       <p:graphicFrame>
         <p:nvGraphicFramePr>
-          <p:cNvPr id="4" name="Content Placeholder 3"/>
-          <p:cNvGraphicFramePr>
-            <a:graphicFrameLocks noGrp="1"/>
-          </p:cNvGraphicFramePr>
-          <p:nvPr>
-            <p:ph idx="1"/>
-          </p:nvPr>
+          <p:cNvPr id="5" name="Chart 4"/>
+          <p:cNvGraphicFramePr/>
+          <p:nvPr/>
         </p:nvGraphicFramePr>
         <p:xfrm>
-          <a:off x="1042988" y="2324100"/>
-          <a:ext cx="6777037" cy="3508375"/>
+          <a:off x="1042988" y="1740877"/>
+          <a:ext cx="7011499" cy="4520608"/>
         </p:xfrm>
         <a:graphic>
           <a:graphicData uri="http://schemas.openxmlformats.org/drawingml/2006/chart">
@@ -17820,7 +18231,7 @@
     </p:spTree>
     <p:extLst>
       <p:ext uri="{BB962C8B-B14F-4D97-AF65-F5344CB8AC3E}">
-        <p14:creationId xmlns:p14="http://schemas.microsoft.com/office/powerpoint/2010/main" val="643549545"/>
+        <p14:creationId xmlns:p14="http://schemas.microsoft.com/office/powerpoint/2010/main" xmlns="" val="643549545"/>
       </p:ext>
     </p:extLst>
   </p:cSld>
@@ -17912,7 +18323,7 @@
             <p:ph idx="1"/>
             <p:extLst>
               <p:ext uri="{D42A27DB-BD31-4B8C-83A1-F6EECF244321}">
-                <p14:modId xmlns:p14="http://schemas.microsoft.com/office/powerpoint/2010/main" val="1184224690"/>
+                <p14:modId xmlns:p14="http://schemas.microsoft.com/office/powerpoint/2010/main" xmlns="" val="1184224690"/>
               </p:ext>
             </p:extLst>
           </p:nvPr>
@@ -17930,7 +18341,7 @@
     </p:spTree>
     <p:extLst>
       <p:ext uri="{BB962C8B-B14F-4D97-AF65-F5344CB8AC3E}">
-        <p14:creationId xmlns:p14="http://schemas.microsoft.com/office/powerpoint/2010/main" val="428867361"/>
+        <p14:creationId xmlns:p14="http://schemas.microsoft.com/office/powerpoint/2010/main" xmlns="" val="428867361"/>
       </p:ext>
     </p:extLst>
   </p:cSld>
@@ -22977,7 +23388,7 @@
     </p:spTree>
     <p:extLst>
       <p:ext uri="{BB962C8B-B14F-4D97-AF65-F5344CB8AC3E}">
-        <p14:creationId xmlns:p14="http://schemas.microsoft.com/office/powerpoint/2010/main" val="2229789335"/>
+        <p14:creationId xmlns:p14="http://schemas.microsoft.com/office/powerpoint/2010/main" xmlns="" val="2229789335"/>
       </p:ext>
     </p:extLst>
   </p:cSld>
@@ -23142,7 +23553,7 @@
     </p:spTree>
     <p:extLst>
       <p:ext uri="{BB962C8B-B14F-4D97-AF65-F5344CB8AC3E}">
-        <p14:creationId xmlns:p14="http://schemas.microsoft.com/office/powerpoint/2010/main" val="2295343860"/>
+        <p14:creationId xmlns:p14="http://schemas.microsoft.com/office/powerpoint/2010/main" xmlns="" val="2295343860"/>
       </p:ext>
     </p:extLst>
   </p:cSld>
@@ -23179,7 +23590,12 @@
             <p:ph type="title"/>
           </p:nvPr>
         </p:nvSpPr>
-        <p:spPr/>
+        <p:spPr>
+          <a:xfrm>
+            <a:off x="796065" y="456164"/>
+            <a:ext cx="7024744" cy="1143000"/>
+          </a:xfrm>
+        </p:spPr>
         <p:txBody>
           <a:bodyPr>
             <a:normAutofit/>
@@ -23210,9 +23626,16 @@
             <p:ph idx="1"/>
           </p:nvPr>
         </p:nvSpPr>
-        <p:spPr/>
+        <p:spPr>
+          <a:xfrm>
+            <a:off x="796065" y="1840523"/>
+            <a:ext cx="7679720" cy="4525108"/>
+          </a:xfrm>
+        </p:spPr>
         <p:txBody>
-          <a:bodyPr/>
+          <a:bodyPr>
+            <a:normAutofit/>
+          </a:bodyPr>
           <a:lstStyle/>
           <a:p>
             <a:pPr algn="just">
@@ -23241,8 +23664,20 @@
             </a:pPr>
             <a:r>
               <a:rPr lang="en-US" dirty="0"/>
-              <a:t> Each project artifact was inspected by at least 2 reviewers before submission</a:t>
+              <a:t> Each project artifact was inspected by at least 2 reviewers before </a:t>
             </a:r>
+            <a:r>
+              <a:rPr lang="en-US" dirty="0" smtClean="0"/>
+              <a:t>submission</a:t>
+            </a:r>
+          </a:p>
+          <a:p>
+            <a:pPr>
+              <a:buSzPct val="45000"/>
+              <a:buFont typeface="StarSymbol"/>
+              <a:buChar char=""/>
+            </a:pPr>
+            <a:endParaRPr lang="en-US" dirty="0"/>
           </a:p>
           <a:p>
             <a:pPr>
@@ -23254,8 +23689,21 @@
               <a:rPr lang="en-US" dirty="0">
                 <a:ea typeface="Century Gothic"/>
               </a:rPr>
-              <a:t> Set of coding standards</a:t>
+              <a:t> Set of coding </a:t>
             </a:r>
+            <a:r>
+              <a:rPr lang="en-US" dirty="0" smtClean="0">
+                <a:ea typeface="Century Gothic"/>
+              </a:rPr>
+              <a:t>standards</a:t>
+            </a:r>
+          </a:p>
+          <a:p>
+            <a:pPr>
+              <a:buSzPct val="45000"/>
+              <a:buFont typeface="StarSymbol"/>
+              <a:buChar char=""/>
+            </a:pPr>
             <a:endParaRPr lang="en-US" dirty="0"/>
           </a:p>
           <a:p>
@@ -23320,103 +23768,442 @@
         </p:nvSpPr>
         <p:spPr>
           <a:xfrm>
-            <a:off x="1043492" y="1498718"/>
+            <a:off x="796065" y="456164"/>
             <a:ext cx="7024744" cy="1143000"/>
           </a:xfrm>
         </p:spPr>
         <p:txBody>
-          <a:bodyPr>
-            <a:normAutofit fontScale="90000"/>
-          </a:bodyPr>
+          <a:bodyPr/>
           <a:lstStyle/>
           <a:p>
             <a:r>
               <a:rPr lang="en-US" dirty="0" smtClean="0"/>
-              <a:t>What could we have done better?</a:t>
+              <a:t>Bug Tracking</a:t>
             </a:r>
-            <a:r>
-              <a:rPr lang="en-US" dirty="0"/>
-              <a:t/>
-            </a:r>
-            <a:br>
-              <a:rPr lang="en-US" dirty="0"/>
-            </a:br>
             <a:endParaRPr lang="en-US" dirty="0"/>
           </a:p>
         </p:txBody>
       </p:sp>
       <p:sp>
         <p:nvSpPr>
-          <p:cNvPr id="3" name="Content Placeholder 2"/>
-          <p:cNvSpPr>
-            <a:spLocks noGrp="1"/>
-          </p:cNvSpPr>
-          <p:nvPr>
-            <p:ph idx="1"/>
-          </p:nvPr>
+          <p:cNvPr id="5" name="TextBox 4"/>
+          <p:cNvSpPr txBox="1"/>
+          <p:nvPr/>
         </p:nvSpPr>
-        <p:spPr/>
+        <p:spPr>
+          <a:xfrm>
+            <a:off x="796065" y="1893222"/>
+            <a:ext cx="7574212" cy="1292662"/>
+          </a:xfrm>
+          <a:prstGeom prst="rect">
+            <a:avLst/>
+          </a:prstGeom>
+          <a:noFill/>
+        </p:spPr>
         <p:txBody>
-          <a:bodyPr/>
+          <a:bodyPr wrap="square" rtlCol="0">
+            <a:spAutoFit/>
+          </a:bodyPr>
           <a:lstStyle/>
           <a:p>
-            <a:pPr algn="just">
-              <a:buSzPct val="45000"/>
-              <a:buFont typeface="StarSymbol"/>
-              <a:buChar char=""/>
+            <a:pPr>
+              <a:buFont typeface="Arial" pitchFamily="34" charset="0"/>
+              <a:buChar char="•"/>
             </a:pPr>
             <a:r>
-              <a:rPr lang="en-US" dirty="0">
+              <a:rPr lang="en-US" dirty="0" smtClean="0"/>
+              <a:t> </a:t>
+            </a:r>
+            <a:r>
+              <a:rPr lang="en-US" sz="2400" dirty="0" smtClean="0">
                 <a:solidFill>
-                  <a:srgbClr val="000000"/>
+                  <a:schemeClr val="tx2"/>
                 </a:solidFill>
               </a:rPr>
-              <a:t>Better task allocation</a:t>
+              <a:t>Bugs will be tracked in the project wiki:</a:t>
+            </a:r>
+          </a:p>
+          <a:p>
+            <a:r>
+              <a:rPr lang="en-US" dirty="0" smtClean="0"/>
+              <a:t> </a:t>
+            </a:r>
+            <a:r>
+              <a:rPr lang="en-US" dirty="0" smtClean="0">
+                <a:hlinkClick r:id="rId2"/>
+              </a:rPr>
+              <a:t>http</a:t>
+            </a:r>
+            <a:r>
+              <a:rPr lang="en-US" dirty="0" smtClean="0">
+                <a:hlinkClick r:id="rId2"/>
+              </a:rPr>
+              <a:t>://</a:t>
+            </a:r>
+            <a:r>
+              <a:rPr lang="en-US" dirty="0" smtClean="0">
+                <a:hlinkClick r:id="rId2"/>
+              </a:rPr>
+              <a:t>code.google.com/p/cs679-b1-class project/issues/list</a:t>
+            </a:r>
+            <a:endParaRPr lang="en-US" dirty="0" smtClean="0"/>
+          </a:p>
+          <a:p>
+            <a:endParaRPr lang="en-US" dirty="0" smtClean="0"/>
+          </a:p>
+          <a:p>
+            <a:endParaRPr lang="en-US" dirty="0"/>
+          </a:p>
+        </p:txBody>
+      </p:sp>
+      <p:cxnSp>
+        <p:nvCxnSpPr>
+          <p:cNvPr id="9" name="Straight Connector 8"/>
+          <p:cNvCxnSpPr/>
+          <p:nvPr/>
+        </p:nvCxnSpPr>
+        <p:spPr>
+          <a:xfrm>
+            <a:off x="4639733" y="2883877"/>
+            <a:ext cx="0" cy="3166967"/>
+          </a:xfrm>
+          <a:prstGeom prst="line">
+            <a:avLst/>
+          </a:prstGeom>
+        </p:spPr>
+        <p:style>
+          <a:lnRef idx="3">
+            <a:schemeClr val="accent1"/>
+          </a:lnRef>
+          <a:fillRef idx="0">
+            <a:schemeClr val="accent1"/>
+          </a:fillRef>
+          <a:effectRef idx="2">
+            <a:schemeClr val="accent1"/>
+          </a:effectRef>
+          <a:fontRef idx="minor">
+            <a:schemeClr val="tx1"/>
+          </a:fontRef>
+        </p:style>
+      </p:cxnSp>
+      <p:sp>
+        <p:nvSpPr>
+          <p:cNvPr id="13" name="TextBox 12"/>
+          <p:cNvSpPr txBox="1"/>
+          <p:nvPr/>
+        </p:nvSpPr>
+        <p:spPr>
+          <a:xfrm>
+            <a:off x="1976691" y="2955051"/>
+            <a:ext cx="1257075" cy="461665"/>
+          </a:xfrm>
+          <a:prstGeom prst="rect">
+            <a:avLst/>
+          </a:prstGeom>
+          <a:noFill/>
+        </p:spPr>
+        <p:txBody>
+          <a:bodyPr wrap="none" rtlCol="0">
+            <a:spAutoFit/>
+          </a:bodyPr>
+          <a:lstStyle/>
+          <a:p>
+            <a:r>
+              <a:rPr lang="en-US" sz="2400" dirty="0" smtClean="0">
+                <a:solidFill>
+                  <a:schemeClr val="tx2"/>
+                </a:solidFill>
+              </a:rPr>
+              <a:t>Criteria</a:t>
+            </a:r>
+            <a:endParaRPr lang="en-US" sz="2400" dirty="0" smtClean="0">
+              <a:solidFill>
+                <a:schemeClr val="tx2"/>
+              </a:solidFill>
+            </a:endParaRPr>
+          </a:p>
+        </p:txBody>
+      </p:sp>
+      <p:sp>
+        <p:nvSpPr>
+          <p:cNvPr id="14" name="TextBox 13"/>
+          <p:cNvSpPr txBox="1"/>
+          <p:nvPr/>
+        </p:nvSpPr>
+        <p:spPr>
+          <a:xfrm>
+            <a:off x="5940894" y="2955051"/>
+            <a:ext cx="1467068" cy="461665"/>
+          </a:xfrm>
+          <a:prstGeom prst="rect">
+            <a:avLst/>
+          </a:prstGeom>
+          <a:noFill/>
+        </p:spPr>
+        <p:txBody>
+          <a:bodyPr wrap="none" rtlCol="0">
+            <a:spAutoFit/>
+          </a:bodyPr>
+          <a:lstStyle/>
+          <a:p>
+            <a:r>
+              <a:rPr lang="en-US" sz="2400" dirty="0" smtClean="0">
+                <a:solidFill>
+                  <a:schemeClr val="tx2"/>
+                </a:solidFill>
+              </a:rPr>
+              <a:t>Example</a:t>
+            </a:r>
+            <a:endParaRPr lang="en-US" sz="2400" dirty="0" smtClean="0">
+              <a:solidFill>
+                <a:schemeClr val="tx2"/>
+              </a:solidFill>
+            </a:endParaRPr>
+          </a:p>
+        </p:txBody>
+      </p:sp>
+      <p:sp>
+        <p:nvSpPr>
+          <p:cNvPr id="15" name="TextBox 14"/>
+          <p:cNvSpPr txBox="1"/>
+          <p:nvPr/>
+        </p:nvSpPr>
+        <p:spPr>
+          <a:xfrm>
+            <a:off x="796065" y="3416716"/>
+            <a:ext cx="3518027" cy="2532681"/>
+          </a:xfrm>
+          <a:prstGeom prst="rect">
+            <a:avLst/>
+          </a:prstGeom>
+          <a:noFill/>
+        </p:spPr>
+        <p:txBody>
+          <a:bodyPr wrap="square" rtlCol="0">
+            <a:spAutoFit/>
+          </a:bodyPr>
+          <a:lstStyle/>
+          <a:p>
+            <a:pPr>
+              <a:lnSpc>
+                <a:spcPct val="150000"/>
+              </a:lnSpc>
+              <a:buFont typeface="Arial" pitchFamily="34" charset="0"/>
+              <a:buChar char="•"/>
+            </a:pPr>
+            <a:r>
+              <a:rPr lang="en-US" dirty="0" smtClean="0"/>
+              <a:t> ID</a:t>
+            </a:r>
+          </a:p>
+          <a:p>
+            <a:pPr>
+              <a:lnSpc>
+                <a:spcPct val="150000"/>
+              </a:lnSpc>
+              <a:buFont typeface="Arial" pitchFamily="34" charset="0"/>
+              <a:buChar char="•"/>
+            </a:pPr>
+            <a:r>
+              <a:rPr lang="en-US" dirty="0" smtClean="0"/>
+              <a:t> </a:t>
+            </a:r>
+            <a:r>
+              <a:rPr lang="en-US" dirty="0" smtClean="0"/>
+              <a:t>Type</a:t>
+            </a:r>
+          </a:p>
+          <a:p>
+            <a:pPr>
+              <a:lnSpc>
+                <a:spcPct val="150000"/>
+              </a:lnSpc>
+              <a:buFont typeface="Arial" pitchFamily="34" charset="0"/>
+              <a:buChar char="•"/>
+            </a:pPr>
+            <a:r>
+              <a:rPr lang="en-US" dirty="0" smtClean="0"/>
+              <a:t> </a:t>
+            </a:r>
+            <a:r>
+              <a:rPr lang="en-US" dirty="0" smtClean="0"/>
+              <a:t>Status</a:t>
+            </a:r>
+          </a:p>
+          <a:p>
+            <a:pPr>
+              <a:lnSpc>
+                <a:spcPct val="150000"/>
+              </a:lnSpc>
+              <a:buFont typeface="Arial" pitchFamily="34" charset="0"/>
+              <a:buChar char="•"/>
+            </a:pPr>
+            <a:r>
+              <a:rPr lang="en-US" dirty="0" smtClean="0"/>
+              <a:t> </a:t>
+            </a:r>
+            <a:r>
+              <a:rPr lang="en-US" dirty="0" smtClean="0"/>
+              <a:t>Priority</a:t>
+            </a:r>
+          </a:p>
+          <a:p>
+            <a:pPr>
+              <a:lnSpc>
+                <a:spcPct val="150000"/>
+              </a:lnSpc>
+              <a:buFont typeface="Arial" pitchFamily="34" charset="0"/>
+              <a:buChar char="•"/>
+            </a:pPr>
+            <a:r>
+              <a:rPr lang="en-US" dirty="0" smtClean="0"/>
+              <a:t> </a:t>
+            </a:r>
+            <a:r>
+              <a:rPr lang="en-US" dirty="0" smtClean="0"/>
+              <a:t>Owner</a:t>
+            </a:r>
+          </a:p>
+          <a:p>
+            <a:pPr>
+              <a:lnSpc>
+                <a:spcPct val="150000"/>
+              </a:lnSpc>
+              <a:buFont typeface="Arial" pitchFamily="34" charset="0"/>
+              <a:buChar char="•"/>
+            </a:pPr>
+            <a:r>
+              <a:rPr lang="en-US" dirty="0" smtClean="0"/>
+              <a:t> </a:t>
+            </a:r>
+            <a:r>
+              <a:rPr lang="en-US" dirty="0" smtClean="0"/>
+              <a:t>Summary</a:t>
             </a:r>
             <a:endParaRPr lang="en-US" dirty="0"/>
           </a:p>
+        </p:txBody>
+      </p:sp>
+      <p:sp>
+        <p:nvSpPr>
+          <p:cNvPr id="16" name="TextBox 15"/>
+          <p:cNvSpPr txBox="1"/>
+          <p:nvPr/>
+        </p:nvSpPr>
+        <p:spPr>
+          <a:xfrm>
+            <a:off x="4852250" y="3416716"/>
+            <a:ext cx="3518027" cy="3000821"/>
+          </a:xfrm>
+          <a:prstGeom prst="rect">
+            <a:avLst/>
+          </a:prstGeom>
+          <a:noFill/>
+        </p:spPr>
+        <p:txBody>
+          <a:bodyPr wrap="square" rtlCol="0">
+            <a:spAutoFit/>
+          </a:bodyPr>
+          <a:lstStyle/>
           <a:p>
-            <a:pPr algn="just">
-              <a:buSzPct val="45000"/>
-              <a:buFont typeface="StarSymbol"/>
-              <a:buChar char=""/>
+            <a:pPr>
+              <a:lnSpc>
+                <a:spcPct val="150000"/>
+              </a:lnSpc>
+              <a:buFont typeface="Arial" pitchFamily="34" charset="0"/>
+              <a:buChar char="•"/>
             </a:pPr>
-            <a:endParaRPr lang="en-US" dirty="0"/>
+            <a:r>
+              <a:rPr lang="en-US" dirty="0" smtClean="0"/>
+              <a:t> ID: 14</a:t>
+            </a:r>
           </a:p>
           <a:p>
             <a:pPr>
-              <a:buSzPct val="45000"/>
-              <a:buFont typeface="StarSymbol"/>
-              <a:buChar char=""/>
+              <a:lnSpc>
+                <a:spcPct val="150000"/>
+              </a:lnSpc>
+              <a:buFont typeface="Arial" pitchFamily="34" charset="0"/>
+              <a:buChar char="•"/>
             </a:pPr>
             <a:r>
-              <a:rPr lang="en-US" dirty="0">
-                <a:solidFill>
-                  <a:srgbClr val="000000"/>
-                </a:solidFill>
-              </a:rPr>
-              <a:t> Pair programming</a:t>
+              <a:rPr lang="en-US" dirty="0" smtClean="0"/>
+              <a:t> </a:t>
             </a:r>
-            <a:endParaRPr lang="en-US" dirty="0"/>
+            <a:r>
+              <a:rPr lang="en-US" dirty="0" smtClean="0"/>
+              <a:t>Type: Defect</a:t>
+            </a:r>
           </a:p>
           <a:p>
             <a:pPr>
-              <a:buSzPct val="45000"/>
-              <a:buFont typeface="StarSymbol"/>
-              <a:buChar char=""/>
+              <a:lnSpc>
+                <a:spcPct val="150000"/>
+              </a:lnSpc>
+              <a:buFont typeface="Arial" pitchFamily="34" charset="0"/>
+              <a:buChar char="•"/>
             </a:pPr>
             <a:r>
-              <a:rPr lang="en-US" dirty="0">
-                <a:solidFill>
-                  <a:srgbClr val="000000"/>
-                </a:solidFill>
-                <a:ea typeface="Century Gothic"/>
-              </a:rPr>
-              <a:t> Unit tests</a:t>
+              <a:rPr lang="en-US" dirty="0" smtClean="0"/>
+              <a:t> </a:t>
             </a:r>
-            <a:endParaRPr lang="en-US" dirty="0"/>
+            <a:r>
+              <a:rPr lang="en-US" dirty="0" smtClean="0"/>
+              <a:t>Status: Accepted</a:t>
+            </a:r>
           </a:p>
           <a:p>
+            <a:pPr>
+              <a:lnSpc>
+                <a:spcPct val="150000"/>
+              </a:lnSpc>
+              <a:buFont typeface="Arial" pitchFamily="34" charset="0"/>
+              <a:buChar char="•"/>
+            </a:pPr>
+            <a:r>
+              <a:rPr lang="en-US" dirty="0" smtClean="0"/>
+              <a:t> </a:t>
+            </a:r>
+            <a:r>
+              <a:rPr lang="en-US" dirty="0" smtClean="0"/>
+              <a:t>Priority: Critical</a:t>
+            </a:r>
+          </a:p>
+          <a:p>
+            <a:pPr>
+              <a:lnSpc>
+                <a:spcPct val="150000"/>
+              </a:lnSpc>
+              <a:buFont typeface="Arial" pitchFamily="34" charset="0"/>
+              <a:buChar char="•"/>
+            </a:pPr>
+            <a:r>
+              <a:rPr lang="en-US" dirty="0" smtClean="0"/>
+              <a:t> </a:t>
+            </a:r>
+            <a:r>
+              <a:rPr lang="en-US" dirty="0" smtClean="0"/>
+              <a:t>Owner: </a:t>
+            </a:r>
+            <a:r>
+              <a:rPr lang="en-US" dirty="0" err="1" smtClean="0"/>
+              <a:t>churkl</a:t>
+            </a:r>
+            <a:endParaRPr lang="en-US" dirty="0" smtClean="0"/>
+          </a:p>
+          <a:p>
+            <a:pPr>
+              <a:buFont typeface="Arial" pitchFamily="34" charset="0"/>
+              <a:buChar char="•"/>
+            </a:pPr>
+            <a:r>
+              <a:rPr lang="en-US" dirty="0" smtClean="0"/>
+              <a:t> </a:t>
+            </a:r>
+            <a:r>
+              <a:rPr lang="en-US" dirty="0" smtClean="0"/>
+              <a:t>Summary: Category on transactions are not loaded correctly</a:t>
+            </a:r>
             <a:endParaRPr lang="en-US" dirty="0"/>
           </a:p>
         </p:txBody>
@@ -23592,70 +24379,114 @@
             <p:ph type="title"/>
           </p:nvPr>
         </p:nvSpPr>
+        <p:spPr>
+          <a:xfrm>
+            <a:off x="1043492" y="1498718"/>
+            <a:ext cx="7024744" cy="1143000"/>
+          </a:xfrm>
+        </p:spPr>
+        <p:txBody>
+          <a:bodyPr>
+            <a:normAutofit fontScale="90000"/>
+          </a:bodyPr>
+          <a:lstStyle/>
+          <a:p>
+            <a:r>
+              <a:rPr lang="en-US" dirty="0" smtClean="0"/>
+              <a:t>What could we have done better?</a:t>
+            </a:r>
+            <a:r>
+              <a:rPr lang="en-US" dirty="0"/>
+              <a:t/>
+            </a:r>
+            <a:br>
+              <a:rPr lang="en-US" dirty="0"/>
+            </a:br>
+            <a:endParaRPr lang="en-US" dirty="0"/>
+          </a:p>
+        </p:txBody>
+      </p:sp>
+      <p:sp>
+        <p:nvSpPr>
+          <p:cNvPr id="3" name="Content Placeholder 2"/>
+          <p:cNvSpPr>
+            <a:spLocks noGrp="1"/>
+          </p:cNvSpPr>
+          <p:nvPr>
+            <p:ph idx="1"/>
+          </p:nvPr>
+        </p:nvSpPr>
         <p:spPr/>
         <p:txBody>
           <a:bodyPr/>
           <a:lstStyle/>
           <a:p>
+            <a:pPr algn="just">
+              <a:buSzPct val="45000"/>
+              <a:buFont typeface="StarSymbol"/>
+              <a:buChar char=""/>
+            </a:pPr>
             <a:r>
-              <a:rPr lang="en-US" dirty="0" smtClean="0"/>
-              <a:t>System Architecture</a:t>
+              <a:rPr lang="en-US" dirty="0">
+                <a:solidFill>
+                  <a:srgbClr val="000000"/>
+                </a:solidFill>
+              </a:rPr>
+              <a:t>Better task allocation</a:t>
             </a:r>
+            <a:endParaRPr lang="en-US" dirty="0"/>
+          </a:p>
+          <a:p>
+            <a:pPr algn="just">
+              <a:buSzPct val="45000"/>
+              <a:buFont typeface="StarSymbol"/>
+              <a:buChar char=""/>
+            </a:pPr>
+            <a:endParaRPr lang="en-US" dirty="0"/>
+          </a:p>
+          <a:p>
+            <a:pPr>
+              <a:buSzPct val="45000"/>
+              <a:buFont typeface="StarSymbol"/>
+              <a:buChar char=""/>
+            </a:pPr>
+            <a:r>
+              <a:rPr lang="en-US" dirty="0">
+                <a:solidFill>
+                  <a:srgbClr val="000000"/>
+                </a:solidFill>
+              </a:rPr>
+              <a:t> Pair programming</a:t>
+            </a:r>
+            <a:endParaRPr lang="en-US" dirty="0"/>
+          </a:p>
+          <a:p>
+            <a:pPr>
+              <a:buSzPct val="45000"/>
+              <a:buFont typeface="StarSymbol"/>
+              <a:buChar char=""/>
+            </a:pPr>
+            <a:r>
+              <a:rPr lang="en-US" dirty="0">
+                <a:solidFill>
+                  <a:srgbClr val="000000"/>
+                </a:solidFill>
+                <a:ea typeface="Century Gothic"/>
+              </a:rPr>
+              <a:t> Unit tests</a:t>
+            </a:r>
+            <a:endParaRPr lang="en-US" dirty="0"/>
+          </a:p>
+          <a:p>
             <a:endParaRPr lang="en-US" dirty="0"/>
           </a:p>
         </p:txBody>
       </p:sp>
-      <p:pic>
-        <p:nvPicPr>
-          <p:cNvPr id="4" name="Picture" descr="A description..."/>
-          <p:cNvPicPr>
-            <a:picLocks noGrp="1"/>
-          </p:cNvPicPr>
-          <p:nvPr>
-            <p:ph idx="1"/>
-          </p:nvPr>
-        </p:nvPicPr>
-        <p:blipFill>
-          <a:blip r:embed="rId2" cstate="print"/>
-          <a:srcRect/>
-          <a:stretch>
-            <a:fillRect/>
-          </a:stretch>
-        </p:blipFill>
-        <p:spPr bwMode="auto">
-          <a:xfrm>
-            <a:off x="2764631" y="3316287"/>
-            <a:ext cx="3333750" cy="1524000"/>
-          </a:xfrm>
-          <a:prstGeom prst="rect">
-            <a:avLst/>
-          </a:prstGeom>
-          <a:noFill/>
-          <a:ln w="9525">
-            <a:noFill/>
-            <a:miter lim="800000"/>
-            <a:headEnd/>
-            <a:tailEnd/>
-          </a:ln>
-        </p:spPr>
-      </p:pic>
     </p:spTree>
-    <p:extLst>
-      <p:ext uri="{BB962C8B-B14F-4D97-AF65-F5344CB8AC3E}">
-        <p14:creationId xmlns:p14="http://schemas.microsoft.com/office/powerpoint/2010/main" val="3832736806"/>
-      </p:ext>
-    </p:extLst>
   </p:cSld>
   <p:clrMapOvr>
     <a:masterClrMapping/>
   </p:clrMapOvr>
-  <p:timing>
-    <p:tnLst>
-      <p:par>
-        <p:cTn id="1" dur="indefinite" restart="never" nodeType="tmRoot"/>
-      </p:par>
-    </p:tnLst>
-  </p:timing>
 </p:sld>
 </file>
 
@@ -23686,7 +24517,111 @@
             <p:ph type="title"/>
           </p:nvPr>
         </p:nvSpPr>
-        <p:spPr/>
+        <p:spPr>
+          <a:xfrm>
+            <a:off x="878237" y="456164"/>
+            <a:ext cx="7024744" cy="1143000"/>
+          </a:xfrm>
+        </p:spPr>
+        <p:txBody>
+          <a:bodyPr/>
+          <a:lstStyle/>
+          <a:p>
+            <a:r>
+              <a:rPr lang="en-US" dirty="0" smtClean="0"/>
+              <a:t>System Architecture</a:t>
+            </a:r>
+            <a:endParaRPr lang="en-US" dirty="0"/>
+          </a:p>
+        </p:txBody>
+      </p:sp>
+      <p:pic>
+        <p:nvPicPr>
+          <p:cNvPr id="4" name="Picture" descr="A description..."/>
+          <p:cNvPicPr>
+            <a:picLocks noGrp="1"/>
+          </p:cNvPicPr>
+          <p:nvPr>
+            <p:ph idx="1"/>
+          </p:nvPr>
+        </p:nvPicPr>
+        <p:blipFill>
+          <a:blip r:embed="rId3" cstate="print"/>
+          <a:srcRect/>
+          <a:stretch>
+            <a:fillRect/>
+          </a:stretch>
+        </p:blipFill>
+        <p:spPr bwMode="auto">
+          <a:xfrm>
+            <a:off x="2764631" y="3316287"/>
+            <a:ext cx="3333750" cy="1524000"/>
+          </a:xfrm>
+          <a:prstGeom prst="rect">
+            <a:avLst/>
+          </a:prstGeom>
+          <a:noFill/>
+          <a:ln w="9525">
+            <a:noFill/>
+            <a:miter lim="800000"/>
+            <a:headEnd/>
+            <a:tailEnd/>
+          </a:ln>
+        </p:spPr>
+      </p:pic>
+    </p:spTree>
+    <p:extLst>
+      <p:ext uri="{BB962C8B-B14F-4D97-AF65-F5344CB8AC3E}">
+        <p14:creationId xmlns:p14="http://schemas.microsoft.com/office/powerpoint/2010/main" xmlns="" val="3832736806"/>
+      </p:ext>
+    </p:extLst>
+  </p:cSld>
+  <p:clrMapOvr>
+    <a:masterClrMapping/>
+  </p:clrMapOvr>
+  <p:timing>
+    <p:tnLst>
+      <p:par>
+        <p:cTn id="1" dur="indefinite" restart="never" nodeType="tmRoot"/>
+      </p:par>
+    </p:tnLst>
+  </p:timing>
+</p:sld>
+</file>
+
+<file path=ppt/slides/slide22.xml><?xml version="1.0" encoding="utf-8"?>
+<p:sld xmlns:a="http://schemas.openxmlformats.org/drawingml/2006/main" xmlns:r="http://schemas.openxmlformats.org/officeDocument/2006/relationships" xmlns:p="http://schemas.openxmlformats.org/presentationml/2006/main">
+  <p:cSld>
+    <p:spTree>
+      <p:nvGrpSpPr>
+        <p:cNvPr id="1" name=""/>
+        <p:cNvGrpSpPr/>
+        <p:nvPr/>
+      </p:nvGrpSpPr>
+      <p:grpSpPr>
+        <a:xfrm>
+          <a:off x="0" y="0"/>
+          <a:ext cx="0" cy="0"/>
+          <a:chOff x="0" y="0"/>
+          <a:chExt cx="0" cy="0"/>
+        </a:xfrm>
+      </p:grpSpPr>
+      <p:sp>
+        <p:nvSpPr>
+          <p:cNvPr id="2" name="Title 1"/>
+          <p:cNvSpPr>
+            <a:spLocks noGrp="1"/>
+          </p:cNvSpPr>
+          <p:nvPr>
+            <p:ph type="title"/>
+          </p:nvPr>
+        </p:nvSpPr>
+        <p:spPr>
+          <a:xfrm>
+            <a:off x="796065" y="656492"/>
+            <a:ext cx="7024744" cy="1143000"/>
+          </a:xfrm>
+        </p:spPr>
         <p:txBody>
           <a:bodyPr/>
           <a:lstStyle/>
@@ -23711,7 +24646,7 @@
         </p:nvSpPr>
         <p:spPr>
           <a:xfrm>
-            <a:off x="1043492" y="2817091"/>
+            <a:off x="1043492" y="2262554"/>
             <a:ext cx="6777317" cy="3015538"/>
           </a:xfrm>
         </p:spPr>
@@ -23725,18 +24660,27 @@
             </a:r>
           </a:p>
           <a:p>
-            <a:endParaRPr lang="en-US" dirty="0"/>
-          </a:p>
-          <a:p>
-            <a:endParaRPr lang="en-US" dirty="0" smtClean="0"/>
-          </a:p>
-          <a:p>
+            <a:pPr>
+              <a:buNone/>
+            </a:pPr>
             <a:endParaRPr lang="en-US" dirty="0" smtClean="0"/>
           </a:p>
           <a:p>
             <a:r>
               <a:rPr lang="en-US" dirty="0" smtClean="0"/>
               <a:t>Singleton</a:t>
+            </a:r>
+          </a:p>
+          <a:p>
+            <a:pPr>
+              <a:buNone/>
+            </a:pPr>
+            <a:endParaRPr lang="en-US" dirty="0" smtClean="0"/>
+          </a:p>
+          <a:p>
+            <a:r>
+              <a:rPr lang="en-US" dirty="0" smtClean="0"/>
+              <a:t>Observer</a:t>
             </a:r>
             <a:endParaRPr lang="en-US" dirty="0"/>
           </a:p>
@@ -23745,7 +24689,7 @@
     </p:spTree>
     <p:extLst>
       <p:ext uri="{BB962C8B-B14F-4D97-AF65-F5344CB8AC3E}">
-        <p14:creationId xmlns:p14="http://schemas.microsoft.com/office/powerpoint/2010/main" val="1092677546"/>
+        <p14:creationId xmlns:p14="http://schemas.microsoft.com/office/powerpoint/2010/main" xmlns="" val="1092677546"/>
       </p:ext>
     </p:extLst>
   </p:cSld>
@@ -23762,7 +24706,7 @@
 </p:sld>
 </file>
 
-<file path=ppt/slides/slide22.xml><?xml version="1.0" encoding="utf-8"?>
+<file path=ppt/slides/slide23.xml><?xml version="1.0" encoding="utf-8"?>
 <p:sld xmlns:a="http://schemas.openxmlformats.org/drawingml/2006/main" xmlns:r="http://schemas.openxmlformats.org/officeDocument/2006/relationships" xmlns:p="http://schemas.openxmlformats.org/presentationml/2006/main">
   <p:cSld>
     <p:spTree>
@@ -23928,7 +24872,7 @@
     </p:spTree>
     <p:extLst>
       <p:ext uri="{BB962C8B-B14F-4D97-AF65-F5344CB8AC3E}">
-        <p14:creationId xmlns:p14="http://schemas.microsoft.com/office/powerpoint/2010/main" val="3037995522"/>
+        <p14:creationId xmlns:p14="http://schemas.microsoft.com/office/powerpoint/2010/main" xmlns="" val="3037995522"/>
       </p:ext>
     </p:extLst>
   </p:cSld>
@@ -23945,7 +24889,7 @@
 </p:sld>
 </file>
 
-<file path=ppt/slides/slide23.xml><?xml version="1.0" encoding="utf-8"?>
+<file path=ppt/slides/slide24.xml><?xml version="1.0" encoding="utf-8"?>
 <p:sld xmlns:a="http://schemas.openxmlformats.org/drawingml/2006/main" xmlns:r="http://schemas.openxmlformats.org/officeDocument/2006/relationships" xmlns:p="http://schemas.openxmlformats.org/presentationml/2006/main">
   <p:cSld>
     <p:spTree>
@@ -24045,14 +24989,14 @@
           <a:effectLst/>
           <a:extLst>
             <a:ext uri="{909E8E84-426E-40DD-AFC4-6F175D3DCCD1}">
-              <a14:hiddenFill xmlns:a14="http://schemas.microsoft.com/office/drawing/2010/main">
+              <a14:hiddenFill xmlns:a14="http://schemas.microsoft.com/office/drawing/2010/main" xmlns="">
                 <a:solidFill>
                   <a:schemeClr val="accent1"/>
                 </a:solidFill>
               </a14:hiddenFill>
             </a:ext>
             <a:ext uri="{91240B29-F687-4F45-9708-019B960494DF}">
-              <a14:hiddenLine xmlns:a14="http://schemas.microsoft.com/office/drawing/2010/main" w="9525">
+              <a14:hiddenLine xmlns:a14="http://schemas.microsoft.com/office/drawing/2010/main" xmlns="" w="9525">
                 <a:solidFill>
                   <a:schemeClr val="tx1"/>
                 </a:solidFill>
@@ -24062,7 +25006,7 @@
               </a14:hiddenLine>
             </a:ext>
             <a:ext uri="{AF507438-7753-43E0-B8FC-AC1667EBCBE1}">
-              <a14:hiddenEffects xmlns:a14="http://schemas.microsoft.com/office/drawing/2010/main">
+              <a14:hiddenEffects xmlns:a14="http://schemas.microsoft.com/office/drawing/2010/main" xmlns="">
                 <a:effectLst>
                   <a:outerShdw dist="35921" dir="2700000" algn="ctr" rotWithShape="0">
                     <a:schemeClr val="bg2"/>
@@ -24094,7 +25038,7 @@
           <p:nvPr>
             <p:extLst>
               <p:ext uri="{D42A27DB-BD31-4B8C-83A1-F6EECF244321}">
-                <p14:modId xmlns:p14="http://schemas.microsoft.com/office/powerpoint/2010/main" val="99859930"/>
+                <p14:modId xmlns:p14="http://schemas.microsoft.com/office/powerpoint/2010/main" xmlns="" val="99859930"/>
               </p:ext>
             </p:extLst>
           </p:nvPr>
@@ -24105,365 +25049,16 @@
         </p:xfrm>
         <a:graphic>
           <a:graphicData uri="http://schemas.openxmlformats.org/presentationml/2006/ole">
-            <mc:AlternateContent xmlns:mc="http://schemas.openxmlformats.org/markup-compatibility/2006">
-              <mc:Choice xmlns:v="urn:schemas-microsoft-com:vml" Requires="v">
-                <p:oleObj spid="_x0000_s36868" name="Visio" r:id="rId4" imgW="4580844" imgH="5596830" progId="">
-                  <p:embed/>
-                </p:oleObj>
-              </mc:Choice>
-              <mc:Fallback>
-                <p:oleObj name="Visio" r:id="rId4" imgW="4580844" imgH="5596830" progId="">
-                  <p:embed/>
-                  <p:pic>
-                    <p:nvPicPr>
-                      <p:cNvPr id="0" name="Picture 2"/>
-                      <p:cNvPicPr>
-                        <a:picLocks noChangeAspect="1" noChangeArrowheads="1"/>
-                      </p:cNvPicPr>
-                      <p:nvPr/>
-                    </p:nvPicPr>
-                    <p:blipFill>
-                      <a:blip r:embed="rId5">
-                        <a:extLst>
-                          <a:ext uri="{28A0092B-C50C-407E-A947-70E740481C1C}">
-                            <a14:useLocalDpi xmlns:a14="http://schemas.microsoft.com/office/drawing/2010/main" val="0"/>
-                          </a:ext>
-                        </a:extLst>
-                      </a:blip>
-                      <a:srcRect/>
-                      <a:stretch>
-                        <a:fillRect/>
-                      </a:stretch>
-                    </p:blipFill>
-                    <p:spPr bwMode="auto">
-                      <a:xfrm>
-                        <a:off x="4399912" y="1279872"/>
-                        <a:ext cx="4282558" cy="5235227"/>
-                      </a:xfrm>
-                      <a:prstGeom prst="rect">
-                        <a:avLst/>
-                      </a:prstGeom>
-                      <a:noFill/>
-                      <a:extLst>
-                        <a:ext uri="{909E8E84-426E-40DD-AFC4-6F175D3DCCD1}">
-                          <a14:hiddenFill xmlns:a14="http://schemas.microsoft.com/office/drawing/2010/main">
-                            <a:solidFill>
-                              <a:srgbClr val="FFFFFF"/>
-                            </a:solidFill>
-                          </a14:hiddenFill>
-                        </a:ext>
-                      </a:extLst>
-                    </p:spPr>
-                  </p:pic>
-                </p:oleObj>
-              </mc:Fallback>
-            </mc:AlternateContent>
+            <p:oleObj spid="_x0000_s36868" name="Visio" r:id="rId4" imgW="4580844" imgH="5596830" progId="">
+              <p:embed/>
+            </p:oleObj>
           </a:graphicData>
         </a:graphic>
       </p:graphicFrame>
     </p:spTree>
     <p:extLst>
       <p:ext uri="{BB962C8B-B14F-4D97-AF65-F5344CB8AC3E}">
-        <p14:creationId xmlns:p14="http://schemas.microsoft.com/office/powerpoint/2010/main" val="224431329"/>
-      </p:ext>
-    </p:extLst>
-  </p:cSld>
-  <p:clrMapOvr>
-    <a:masterClrMapping/>
-  </p:clrMapOvr>
-  <p:timing>
-    <p:tnLst>
-      <p:par>
-        <p:cTn id="1" dur="indefinite" restart="never" nodeType="tmRoot"/>
-      </p:par>
-    </p:tnLst>
-  </p:timing>
-</p:sld>
-</file>
-
-<file path=ppt/slides/slide24.xml><?xml version="1.0" encoding="utf-8"?>
-<p:sld xmlns:a="http://schemas.openxmlformats.org/drawingml/2006/main" xmlns:r="http://schemas.openxmlformats.org/officeDocument/2006/relationships" xmlns:p="http://schemas.openxmlformats.org/presentationml/2006/main">
-  <p:cSld>
-    <p:spTree>
-      <p:nvGrpSpPr>
-        <p:cNvPr id="1" name=""/>
-        <p:cNvGrpSpPr/>
-        <p:nvPr/>
-      </p:nvGrpSpPr>
-      <p:grpSpPr>
-        <a:xfrm>
-          <a:off x="0" y="0"/>
-          <a:ext cx="0" cy="0"/>
-          <a:chOff x="0" y="0"/>
-          <a:chExt cx="0" cy="0"/>
-        </a:xfrm>
-      </p:grpSpPr>
-      <p:sp>
-        <p:nvSpPr>
-          <p:cNvPr id="2" name="Title 1"/>
-          <p:cNvSpPr>
-            <a:spLocks noGrp="1"/>
-          </p:cNvSpPr>
-          <p:nvPr>
-            <p:ph type="title"/>
-          </p:nvPr>
-        </p:nvSpPr>
-        <p:spPr>
-          <a:xfrm>
-            <a:off x="1043490" y="641291"/>
-            <a:ext cx="7024744" cy="638582"/>
-          </a:xfrm>
-        </p:spPr>
-        <p:txBody>
-          <a:bodyPr>
-            <a:normAutofit fontScale="90000"/>
-          </a:bodyPr>
-          <a:lstStyle/>
-          <a:p>
-            <a:r>
-              <a:rPr lang="en-US" dirty="0" smtClean="0"/>
-              <a:t>Human Interface Design</a:t>
-            </a:r>
-            <a:endParaRPr lang="en-US" dirty="0"/>
-          </a:p>
-        </p:txBody>
-      </p:sp>
-      <p:sp>
-        <p:nvSpPr>
-          <p:cNvPr id="3" name="Rectangle 2"/>
-          <p:cNvSpPr>
-            <a:spLocks noChangeArrowheads="1"/>
-          </p:cNvSpPr>
-          <p:nvPr/>
-        </p:nvSpPr>
-        <p:spPr bwMode="auto">
-          <a:xfrm>
-            <a:off x="0" y="0"/>
-            <a:ext cx="9144000" cy="0"/>
-          </a:xfrm>
-          <a:prstGeom prst="rect">
-            <a:avLst/>
-          </a:prstGeom>
-          <a:noFill/>
-          <a:ln>
-            <a:noFill/>
-          </a:ln>
-          <a:effectLst/>
-          <a:extLst>
-            <a:ext uri="{909E8E84-426E-40DD-AFC4-6F175D3DCCD1}">
-              <a14:hiddenFill xmlns:a14="http://schemas.microsoft.com/office/drawing/2010/main">
-                <a:solidFill>
-                  <a:schemeClr val="accent1"/>
-                </a:solidFill>
-              </a14:hiddenFill>
-            </a:ext>
-            <a:ext uri="{91240B29-F687-4F45-9708-019B960494DF}">
-              <a14:hiddenLine xmlns:a14="http://schemas.microsoft.com/office/drawing/2010/main" w="9525">
-                <a:solidFill>
-                  <a:schemeClr val="tx1"/>
-                </a:solidFill>
-                <a:miter lim="800000"/>
-                <a:headEnd/>
-                <a:tailEnd/>
-              </a14:hiddenLine>
-            </a:ext>
-            <a:ext uri="{AF507438-7753-43E0-B8FC-AC1667EBCBE1}">
-              <a14:hiddenEffects xmlns:a14="http://schemas.microsoft.com/office/drawing/2010/main">
-                <a:effectLst>
-                  <a:outerShdw dist="35921" dir="2700000" algn="ctr" rotWithShape="0">
-                    <a:schemeClr val="bg2"/>
-                  </a:outerShdw>
-                </a:effectLst>
-              </a14:hiddenEffects>
-            </a:ext>
-          </a:extLst>
-        </p:spPr>
-        <p:txBody>
-          <a:bodyPr vert="horz" wrap="none" lIns="91440" tIns="45720" rIns="91440" bIns="45720" numCol="1" anchor="ctr" anchorCtr="0" compatLnSpc="1">
-            <a:prstTxWarp prst="textNoShape">
-              <a:avLst/>
-            </a:prstTxWarp>
-            <a:spAutoFit/>
-          </a:bodyPr>
-          <a:lstStyle/>
-          <a:p>
-            <a:endParaRPr lang="en-US"/>
-          </a:p>
-        </p:txBody>
-      </p:sp>
-      <p:pic>
-        <p:nvPicPr>
-          <p:cNvPr id="6" name="Picture" descr="A description..."/>
-          <p:cNvPicPr/>
-          <p:nvPr/>
-        </p:nvPicPr>
-        <p:blipFill>
-          <a:blip r:embed="rId3" cstate="print"/>
-          <a:srcRect/>
-          <a:stretch>
-            <a:fillRect/>
-          </a:stretch>
-        </p:blipFill>
-        <p:spPr bwMode="auto">
-          <a:xfrm>
-            <a:off x="482600" y="1551710"/>
-            <a:ext cx="6851073" cy="4626436"/>
-          </a:xfrm>
-          <a:prstGeom prst="rect">
-            <a:avLst/>
-          </a:prstGeom>
-          <a:noFill/>
-          <a:ln w="9525">
-            <a:noFill/>
-            <a:miter lim="800000"/>
-            <a:headEnd/>
-            <a:tailEnd/>
-          </a:ln>
-        </p:spPr>
-      </p:pic>
-      <p:sp>
-        <p:nvSpPr>
-          <p:cNvPr id="5" name="Rectangle 2"/>
-          <p:cNvSpPr>
-            <a:spLocks noChangeArrowheads="1"/>
-          </p:cNvSpPr>
-          <p:nvPr/>
-        </p:nvSpPr>
-        <p:spPr bwMode="auto">
-          <a:xfrm>
-            <a:off x="0" y="0"/>
-            <a:ext cx="9144000" cy="0"/>
-          </a:xfrm>
-          <a:prstGeom prst="rect">
-            <a:avLst/>
-          </a:prstGeom>
-          <a:noFill/>
-          <a:ln>
-            <a:noFill/>
-          </a:ln>
-          <a:effectLst/>
-          <a:extLst>
-            <a:ext uri="{909E8E84-426E-40DD-AFC4-6F175D3DCCD1}">
-              <a14:hiddenFill xmlns:a14="http://schemas.microsoft.com/office/drawing/2010/main">
-                <a:solidFill>
-                  <a:schemeClr val="accent1"/>
-                </a:solidFill>
-              </a14:hiddenFill>
-            </a:ext>
-            <a:ext uri="{91240B29-F687-4F45-9708-019B960494DF}">
-              <a14:hiddenLine xmlns:a14="http://schemas.microsoft.com/office/drawing/2010/main" w="9525">
-                <a:solidFill>
-                  <a:schemeClr val="tx1"/>
-                </a:solidFill>
-                <a:miter lim="800000"/>
-                <a:headEnd/>
-                <a:tailEnd/>
-              </a14:hiddenLine>
-            </a:ext>
-            <a:ext uri="{AF507438-7753-43E0-B8FC-AC1667EBCBE1}">
-              <a14:hiddenEffects xmlns:a14="http://schemas.microsoft.com/office/drawing/2010/main">
-                <a:effectLst>
-                  <a:outerShdw dist="35921" dir="2700000" algn="ctr" rotWithShape="0">
-                    <a:schemeClr val="bg2"/>
-                  </a:outerShdw>
-                </a:effectLst>
-              </a14:hiddenEffects>
-            </a:ext>
-          </a:extLst>
-        </p:spPr>
-        <p:txBody>
-          <a:bodyPr vert="horz" wrap="none" lIns="91440" tIns="45720" rIns="91440" bIns="45720" numCol="1" anchor="ctr" anchorCtr="0" compatLnSpc="1">
-            <a:prstTxWarp prst="textNoShape">
-              <a:avLst/>
-            </a:prstTxWarp>
-            <a:spAutoFit/>
-          </a:bodyPr>
-          <a:lstStyle/>
-          <a:p>
-            <a:endParaRPr lang="en-US"/>
-          </a:p>
-        </p:txBody>
-      </p:sp>
-      <p:graphicFrame>
-        <p:nvGraphicFramePr>
-          <p:cNvPr id="8" name="Object 7"/>
-          <p:cNvGraphicFramePr>
-            <a:graphicFrameLocks noChangeAspect="1"/>
-          </p:cNvGraphicFramePr>
-          <p:nvPr>
-            <p:extLst>
-              <p:ext uri="{D42A27DB-BD31-4B8C-83A1-F6EECF244321}">
-                <p14:modId xmlns:p14="http://schemas.microsoft.com/office/powerpoint/2010/main" val="1552680796"/>
-              </p:ext>
-            </p:extLst>
-          </p:nvPr>
-        </p:nvGraphicFramePr>
-        <p:xfrm>
-          <a:off x="7213600" y="933016"/>
-          <a:ext cx="1447800" cy="5324475"/>
-        </p:xfrm>
-        <a:graphic>
-          <a:graphicData uri="http://schemas.openxmlformats.org/presentationml/2006/ole">
-            <mc:AlternateContent xmlns:mc="http://schemas.openxmlformats.org/markup-compatibility/2006">
-              <mc:Choice xmlns:v="urn:schemas-microsoft-com:vml" Requires="v">
-                <p:oleObj spid="_x0000_s37892" name="Visio" r:id="rId4" imgW="1447108" imgH="5311032" progId="">
-                  <p:embed/>
-                </p:oleObj>
-              </mc:Choice>
-              <mc:Fallback>
-                <p:oleObj name="Visio" r:id="rId4" imgW="1447108" imgH="5311032" progId="">
-                  <p:embed/>
-                  <p:pic>
-                    <p:nvPicPr>
-                      <p:cNvPr id="0" name="Picture 2"/>
-                      <p:cNvPicPr>
-                        <a:picLocks noChangeAspect="1" noChangeArrowheads="1"/>
-                      </p:cNvPicPr>
-                      <p:nvPr/>
-                    </p:nvPicPr>
-                    <p:blipFill>
-                      <a:blip r:embed="rId5">
-                        <a:extLst>
-                          <a:ext uri="{28A0092B-C50C-407E-A947-70E740481C1C}">
-                            <a14:useLocalDpi xmlns:a14="http://schemas.microsoft.com/office/drawing/2010/main" val="0"/>
-                          </a:ext>
-                        </a:extLst>
-                      </a:blip>
-                      <a:srcRect/>
-                      <a:stretch>
-                        <a:fillRect/>
-                      </a:stretch>
-                    </p:blipFill>
-                    <p:spPr bwMode="auto">
-                      <a:xfrm>
-                        <a:off x="7213600" y="933016"/>
-                        <a:ext cx="1447800" cy="5324475"/>
-                      </a:xfrm>
-                      <a:prstGeom prst="rect">
-                        <a:avLst/>
-                      </a:prstGeom>
-                      <a:noFill/>
-                      <a:extLst>
-                        <a:ext uri="{909E8E84-426E-40DD-AFC4-6F175D3DCCD1}">
-                          <a14:hiddenFill xmlns:a14="http://schemas.microsoft.com/office/drawing/2010/main">
-                            <a:solidFill>
-                              <a:srgbClr val="FFFFFF"/>
-                            </a:solidFill>
-                          </a14:hiddenFill>
-                        </a:ext>
-                      </a:extLst>
-                    </p:spPr>
-                  </p:pic>
-                </p:oleObj>
-              </mc:Fallback>
-            </mc:AlternateContent>
-          </a:graphicData>
-        </a:graphic>
-      </p:graphicFrame>
-    </p:spTree>
-    <p:extLst>
-      <p:ext uri="{BB962C8B-B14F-4D97-AF65-F5344CB8AC3E}">
-        <p14:creationId xmlns:p14="http://schemas.microsoft.com/office/powerpoint/2010/main" val="2798939284"/>
+        <p14:creationId xmlns:p14="http://schemas.microsoft.com/office/powerpoint/2010/main" xmlns="" val="224431329"/>
       </p:ext>
     </p:extLst>
   </p:cSld>
@@ -24550,14 +25145,14 @@
           <a:effectLst/>
           <a:extLst>
             <a:ext uri="{909E8E84-426E-40DD-AFC4-6F175D3DCCD1}">
-              <a14:hiddenFill xmlns:a14="http://schemas.microsoft.com/office/drawing/2010/main">
+              <a14:hiddenFill xmlns:a14="http://schemas.microsoft.com/office/drawing/2010/main" xmlns="">
                 <a:solidFill>
                   <a:schemeClr val="accent1"/>
                 </a:solidFill>
               </a14:hiddenFill>
             </a:ext>
             <a:ext uri="{91240B29-F687-4F45-9708-019B960494DF}">
-              <a14:hiddenLine xmlns:a14="http://schemas.microsoft.com/office/drawing/2010/main" w="9525">
+              <a14:hiddenLine xmlns:a14="http://schemas.microsoft.com/office/drawing/2010/main" xmlns="" w="9525">
                 <a:solidFill>
                   <a:schemeClr val="tx1"/>
                 </a:solidFill>
@@ -24567,70 +25162,7 @@
               </a14:hiddenLine>
             </a:ext>
             <a:ext uri="{AF507438-7753-43E0-B8FC-AC1667EBCBE1}">
-              <a14:hiddenEffects xmlns:a14="http://schemas.microsoft.com/office/drawing/2010/main">
-                <a:effectLst>
-                  <a:outerShdw dist="35921" dir="2700000" algn="ctr" rotWithShape="0">
-                    <a:schemeClr val="bg2"/>
-                  </a:outerShdw>
-                </a:effectLst>
-              </a14:hiddenEffects>
-            </a:ext>
-          </a:extLst>
-        </p:spPr>
-        <p:txBody>
-          <a:bodyPr vert="horz" wrap="none" lIns="91440" tIns="45720" rIns="91440" bIns="45720" numCol="1" anchor="ctr" anchorCtr="0" compatLnSpc="1">
-            <a:prstTxWarp prst="textNoShape">
-              <a:avLst/>
-            </a:prstTxWarp>
-            <a:spAutoFit/>
-          </a:bodyPr>
-          <a:lstStyle/>
-          <a:p>
-            <a:endParaRPr lang="en-US"/>
-          </a:p>
-        </p:txBody>
-      </p:sp>
-      <p:sp>
-        <p:nvSpPr>
-          <p:cNvPr id="5" name="Rectangle 2"/>
-          <p:cNvSpPr>
-            <a:spLocks noChangeArrowheads="1"/>
-          </p:cNvSpPr>
-          <p:nvPr/>
-        </p:nvSpPr>
-        <p:spPr bwMode="auto">
-          <a:xfrm>
-            <a:off x="0" y="0"/>
-            <a:ext cx="9144000" cy="0"/>
-          </a:xfrm>
-          <a:prstGeom prst="rect">
-            <a:avLst/>
-          </a:prstGeom>
-          <a:noFill/>
-          <a:ln>
-            <a:noFill/>
-          </a:ln>
-          <a:effectLst/>
-          <a:extLst>
-            <a:ext uri="{909E8E84-426E-40DD-AFC4-6F175D3DCCD1}">
-              <a14:hiddenFill xmlns:a14="http://schemas.microsoft.com/office/drawing/2010/main">
-                <a:solidFill>
-                  <a:schemeClr val="accent1"/>
-                </a:solidFill>
-              </a14:hiddenFill>
-            </a:ext>
-            <a:ext uri="{91240B29-F687-4F45-9708-019B960494DF}">
-              <a14:hiddenLine xmlns:a14="http://schemas.microsoft.com/office/drawing/2010/main" w="9525">
-                <a:solidFill>
-                  <a:schemeClr val="tx1"/>
-                </a:solidFill>
-                <a:miter lim="800000"/>
-                <a:headEnd/>
-                <a:tailEnd/>
-              </a14:hiddenLine>
-            </a:ext>
-            <a:ext uri="{AF507438-7753-43E0-B8FC-AC1667EBCBE1}">
-              <a14:hiddenEffects xmlns:a14="http://schemas.microsoft.com/office/drawing/2010/main">
+              <a14:hiddenEffects xmlns:a14="http://schemas.microsoft.com/office/drawing/2010/main" xmlns="">
                 <a:effectLst>
                   <a:outerShdw dist="35921" dir="2700000" algn="ctr" rotWithShape="0">
                     <a:schemeClr val="bg2"/>
@@ -24655,12 +25187,12 @@
       </p:sp>
       <p:pic>
         <p:nvPicPr>
-          <p:cNvPr id="7" name="Picture" descr="A description..."/>
+          <p:cNvPr id="6" name="Picture" descr="A description..."/>
           <p:cNvPicPr/>
           <p:nvPr/>
         </p:nvPicPr>
         <p:blipFill>
-          <a:blip r:embed="rId2" cstate="print"/>
+          <a:blip r:embed="rId3" cstate="print"/>
           <a:srcRect/>
           <a:stretch>
             <a:fillRect/>
@@ -24668,8 +25200,8 @@
         </p:blipFill>
         <p:spPr bwMode="auto">
           <a:xfrm>
-            <a:off x="602990" y="1175904"/>
-            <a:ext cx="5942965" cy="1790700"/>
+            <a:off x="482600" y="1551710"/>
+            <a:ext cx="6851073" cy="4626436"/>
           </a:xfrm>
           <a:prstGeom prst="rect">
             <a:avLst/>
@@ -24683,40 +25215,99 @@
           </a:ln>
         </p:spPr>
       </p:pic>
-      <p:pic>
-        <p:nvPicPr>
-          <p:cNvPr id="9" name="Picture" descr="A description..."/>
-          <p:cNvPicPr/>
+      <p:sp>
+        <p:nvSpPr>
+          <p:cNvPr id="5" name="Rectangle 2"/>
+          <p:cNvSpPr>
+            <a:spLocks noChangeArrowheads="1"/>
+          </p:cNvSpPr>
           <p:nvPr/>
-        </p:nvPicPr>
-        <p:blipFill>
-          <a:blip r:embed="rId3" cstate="print"/>
-          <a:srcRect/>
-          <a:stretch>
-            <a:fillRect/>
-          </a:stretch>
-        </p:blipFill>
+        </p:nvSpPr>
         <p:spPr bwMode="auto">
           <a:xfrm>
-            <a:off x="2680854" y="2434012"/>
-            <a:ext cx="5943600" cy="4058920"/>
+            <a:off x="0" y="0"/>
+            <a:ext cx="9144000" cy="0"/>
           </a:xfrm>
           <a:prstGeom prst="rect">
             <a:avLst/>
           </a:prstGeom>
           <a:noFill/>
-          <a:ln w="9525">
+          <a:ln>
             <a:noFill/>
-            <a:miter lim="800000"/>
-            <a:headEnd/>
-            <a:tailEnd/>
           </a:ln>
+          <a:effectLst/>
+          <a:extLst>
+            <a:ext uri="{909E8E84-426E-40DD-AFC4-6F175D3DCCD1}">
+              <a14:hiddenFill xmlns:a14="http://schemas.microsoft.com/office/drawing/2010/main" xmlns="">
+                <a:solidFill>
+                  <a:schemeClr val="accent1"/>
+                </a:solidFill>
+              </a14:hiddenFill>
+            </a:ext>
+            <a:ext uri="{91240B29-F687-4F45-9708-019B960494DF}">
+              <a14:hiddenLine xmlns:a14="http://schemas.microsoft.com/office/drawing/2010/main" xmlns="" w="9525">
+                <a:solidFill>
+                  <a:schemeClr val="tx1"/>
+                </a:solidFill>
+                <a:miter lim="800000"/>
+                <a:headEnd/>
+                <a:tailEnd/>
+              </a14:hiddenLine>
+            </a:ext>
+            <a:ext uri="{AF507438-7753-43E0-B8FC-AC1667EBCBE1}">
+              <a14:hiddenEffects xmlns:a14="http://schemas.microsoft.com/office/drawing/2010/main" xmlns="">
+                <a:effectLst>
+                  <a:outerShdw dist="35921" dir="2700000" algn="ctr" rotWithShape="0">
+                    <a:schemeClr val="bg2"/>
+                  </a:outerShdw>
+                </a:effectLst>
+              </a14:hiddenEffects>
+            </a:ext>
+          </a:extLst>
         </p:spPr>
-      </p:pic>
+        <p:txBody>
+          <a:bodyPr vert="horz" wrap="none" lIns="91440" tIns="45720" rIns="91440" bIns="45720" numCol="1" anchor="ctr" anchorCtr="0" compatLnSpc="1">
+            <a:prstTxWarp prst="textNoShape">
+              <a:avLst/>
+            </a:prstTxWarp>
+            <a:spAutoFit/>
+          </a:bodyPr>
+          <a:lstStyle/>
+          <a:p>
+            <a:endParaRPr lang="en-US"/>
+          </a:p>
+        </p:txBody>
+      </p:sp>
+      <p:graphicFrame>
+        <p:nvGraphicFramePr>
+          <p:cNvPr id="8" name="Object 7"/>
+          <p:cNvGraphicFramePr>
+            <a:graphicFrameLocks noChangeAspect="1"/>
+          </p:cNvGraphicFramePr>
+          <p:nvPr>
+            <p:extLst>
+              <p:ext uri="{D42A27DB-BD31-4B8C-83A1-F6EECF244321}">
+                <p14:modId xmlns:p14="http://schemas.microsoft.com/office/powerpoint/2010/main" xmlns="" val="1552680796"/>
+              </p:ext>
+            </p:extLst>
+          </p:nvPr>
+        </p:nvGraphicFramePr>
+        <p:xfrm>
+          <a:off x="7213600" y="933016"/>
+          <a:ext cx="1447800" cy="5324475"/>
+        </p:xfrm>
+        <a:graphic>
+          <a:graphicData uri="http://schemas.openxmlformats.org/presentationml/2006/ole">
+            <p:oleObj spid="_x0000_s37892" name="Visio" r:id="rId4" imgW="1447108" imgH="5311032" progId="">
+              <p:embed/>
+            </p:oleObj>
+          </a:graphicData>
+        </a:graphic>
+      </p:graphicFrame>
     </p:spTree>
     <p:extLst>
       <p:ext uri="{BB962C8B-B14F-4D97-AF65-F5344CB8AC3E}">
-        <p14:creationId xmlns:p14="http://schemas.microsoft.com/office/powerpoint/2010/main" val="792481554"/>
+        <p14:creationId xmlns:p14="http://schemas.microsoft.com/office/powerpoint/2010/main" xmlns="" val="2798939284"/>
       </p:ext>
     </p:extLst>
   </p:cSld>
@@ -24803,14 +25394,14 @@
           <a:effectLst/>
           <a:extLst>
             <a:ext uri="{909E8E84-426E-40DD-AFC4-6F175D3DCCD1}">
-              <a14:hiddenFill xmlns:a14="http://schemas.microsoft.com/office/drawing/2010/main">
+              <a14:hiddenFill xmlns:a14="http://schemas.microsoft.com/office/drawing/2010/main" xmlns="">
                 <a:solidFill>
                   <a:schemeClr val="accent1"/>
                 </a:solidFill>
               </a14:hiddenFill>
             </a:ext>
             <a:ext uri="{91240B29-F687-4F45-9708-019B960494DF}">
-              <a14:hiddenLine xmlns:a14="http://schemas.microsoft.com/office/drawing/2010/main" w="9525">
+              <a14:hiddenLine xmlns:a14="http://schemas.microsoft.com/office/drawing/2010/main" xmlns="" w="9525">
                 <a:solidFill>
                   <a:schemeClr val="tx1"/>
                 </a:solidFill>
@@ -24820,7 +25411,7 @@
               </a14:hiddenLine>
             </a:ext>
             <a:ext uri="{AF507438-7753-43E0-B8FC-AC1667EBCBE1}">
-              <a14:hiddenEffects xmlns:a14="http://schemas.microsoft.com/office/drawing/2010/main">
+              <a14:hiddenEffects xmlns:a14="http://schemas.microsoft.com/office/drawing/2010/main" xmlns="">
                 <a:effectLst>
                   <a:outerShdw dist="35921" dir="2700000" algn="ctr" rotWithShape="0">
                     <a:schemeClr val="bg2"/>
@@ -24866,14 +25457,14 @@
           <a:effectLst/>
           <a:extLst>
             <a:ext uri="{909E8E84-426E-40DD-AFC4-6F175D3DCCD1}">
-              <a14:hiddenFill xmlns:a14="http://schemas.microsoft.com/office/drawing/2010/main">
+              <a14:hiddenFill xmlns:a14="http://schemas.microsoft.com/office/drawing/2010/main" xmlns="">
                 <a:solidFill>
                   <a:schemeClr val="accent1"/>
                 </a:solidFill>
               </a14:hiddenFill>
             </a:ext>
             <a:ext uri="{91240B29-F687-4F45-9708-019B960494DF}">
-              <a14:hiddenLine xmlns:a14="http://schemas.microsoft.com/office/drawing/2010/main" w="9525">
+              <a14:hiddenLine xmlns:a14="http://schemas.microsoft.com/office/drawing/2010/main" xmlns="" w="9525">
                 <a:solidFill>
                   <a:schemeClr val="tx1"/>
                 </a:solidFill>
@@ -24883,7 +25474,7 @@
               </a14:hiddenLine>
             </a:ext>
             <a:ext uri="{AF507438-7753-43E0-B8FC-AC1667EBCBE1}">
-              <a14:hiddenEffects xmlns:a14="http://schemas.microsoft.com/office/drawing/2010/main">
+              <a14:hiddenEffects xmlns:a14="http://schemas.microsoft.com/office/drawing/2010/main" xmlns="">
                 <a:effectLst>
                   <a:outerShdw dist="35921" dir="2700000" algn="ctr" rotWithShape="0">
                     <a:schemeClr val="bg2"/>
@@ -24908,18 +25499,12 @@
       </p:sp>
       <p:pic>
         <p:nvPicPr>
-          <p:cNvPr id="8" name="Picture 7"/>
+          <p:cNvPr id="7" name="Picture" descr="A description..."/>
           <p:cNvPicPr/>
           <p:nvPr/>
         </p:nvPicPr>
         <p:blipFill>
-          <a:blip r:embed="rId3" cstate="email">
-            <a:extLst>
-              <a:ext uri="{28A0092B-C50C-407E-A947-70E740481C1C}">
-                <a14:useLocalDpi xmlns:a14="http://schemas.microsoft.com/office/drawing/2010/main" val="0"/>
-              </a:ext>
-            </a:extLst>
-          </a:blip>
+          <a:blip r:embed="rId2" cstate="print"/>
           <a:srcRect/>
           <a:stretch>
             <a:fillRect/>
@@ -24927,161 +25512,55 @@
         </p:blipFill>
         <p:spPr bwMode="auto">
           <a:xfrm>
-            <a:off x="477173" y="2419927"/>
-            <a:ext cx="4981518" cy="2767560"/>
+            <a:off x="602990" y="1175904"/>
+            <a:ext cx="5942965" cy="1790700"/>
           </a:xfrm>
           <a:prstGeom prst="rect">
             <a:avLst/>
           </a:prstGeom>
           <a:noFill/>
-          <a:ln>
+          <a:ln w="9525">
             <a:noFill/>
+            <a:miter lim="800000"/>
+            <a:headEnd/>
+            <a:tailEnd/>
           </a:ln>
         </p:spPr>
       </p:pic>
-      <p:sp>
-        <p:nvSpPr>
-          <p:cNvPr id="4" name="Rectangle 2"/>
-          <p:cNvSpPr>
-            <a:spLocks noChangeArrowheads="1"/>
-          </p:cNvSpPr>
+      <p:pic>
+        <p:nvPicPr>
+          <p:cNvPr id="9" name="Picture" descr="A description..."/>
+          <p:cNvPicPr/>
           <p:nvPr/>
-        </p:nvSpPr>
+        </p:nvPicPr>
+        <p:blipFill>
+          <a:blip r:embed="rId3" cstate="print"/>
+          <a:srcRect/>
+          <a:stretch>
+            <a:fillRect/>
+          </a:stretch>
+        </p:blipFill>
         <p:spPr bwMode="auto">
           <a:xfrm>
-            <a:off x="0" y="0"/>
-            <a:ext cx="9144000" cy="0"/>
+            <a:off x="2680854" y="2434012"/>
+            <a:ext cx="5943600" cy="4058920"/>
           </a:xfrm>
           <a:prstGeom prst="rect">
             <a:avLst/>
           </a:prstGeom>
           <a:noFill/>
-          <a:ln>
+          <a:ln w="9525">
             <a:noFill/>
+            <a:miter lim="800000"/>
+            <a:headEnd/>
+            <a:tailEnd/>
           </a:ln>
-          <a:effectLst/>
-          <a:extLst>
-            <a:ext uri="{909E8E84-426E-40DD-AFC4-6F175D3DCCD1}">
-              <a14:hiddenFill xmlns:a14="http://schemas.microsoft.com/office/drawing/2010/main">
-                <a:solidFill>
-                  <a:schemeClr val="accent1"/>
-                </a:solidFill>
-              </a14:hiddenFill>
-            </a:ext>
-            <a:ext uri="{91240B29-F687-4F45-9708-019B960494DF}">
-              <a14:hiddenLine xmlns:a14="http://schemas.microsoft.com/office/drawing/2010/main" w="9525">
-                <a:solidFill>
-                  <a:schemeClr val="tx1"/>
-                </a:solidFill>
-                <a:miter lim="800000"/>
-                <a:headEnd/>
-                <a:tailEnd/>
-              </a14:hiddenLine>
-            </a:ext>
-            <a:ext uri="{AF507438-7753-43E0-B8FC-AC1667EBCBE1}">
-              <a14:hiddenEffects xmlns:a14="http://schemas.microsoft.com/office/drawing/2010/main">
-                <a:effectLst>
-                  <a:outerShdw dist="35921" dir="2700000" algn="ctr" rotWithShape="0">
-                    <a:schemeClr val="bg2"/>
-                  </a:outerShdw>
-                </a:effectLst>
-              </a14:hiddenEffects>
-            </a:ext>
-          </a:extLst>
         </p:spPr>
-        <p:txBody>
-          <a:bodyPr vert="horz" wrap="none" lIns="91440" tIns="45720" rIns="91440" bIns="45720" numCol="1" anchor="ctr" anchorCtr="0" compatLnSpc="1">
-            <a:prstTxWarp prst="textNoShape">
-              <a:avLst/>
-            </a:prstTxWarp>
-            <a:spAutoFit/>
-          </a:bodyPr>
-          <a:lstStyle/>
-          <a:p>
-            <a:endParaRPr lang="en-US"/>
-          </a:p>
-        </p:txBody>
-      </p:sp>
-      <p:graphicFrame>
-        <p:nvGraphicFramePr>
-          <p:cNvPr id="6" name="Object 5"/>
-          <p:cNvGraphicFramePr>
-            <a:graphicFrameLocks noChangeAspect="1"/>
-          </p:cNvGraphicFramePr>
-          <p:nvPr>
-            <p:extLst>
-              <p:ext uri="{D42A27DB-BD31-4B8C-83A1-F6EECF244321}">
-                <p14:modId xmlns:p14="http://schemas.microsoft.com/office/powerpoint/2010/main" val="3607041668"/>
-              </p:ext>
-            </p:extLst>
-          </p:nvPr>
-        </p:nvGraphicFramePr>
-        <p:xfrm>
-          <a:off x="5458691" y="1279873"/>
-          <a:ext cx="3209925" cy="5086350"/>
-        </p:xfrm>
-        <a:graphic>
-          <a:graphicData uri="http://schemas.openxmlformats.org/presentationml/2006/ole">
-            <mc:AlternateContent xmlns:mc="http://schemas.openxmlformats.org/markup-compatibility/2006">
-              <mc:Choice xmlns:v="urn:schemas-microsoft-com:vml" Requires="v">
-                <p:oleObj spid="_x0000_s38916" name="Visio" r:id="rId4" imgW="3204214" imgH="5082432" progId="">
-                  <p:embed/>
-                </p:oleObj>
-              </mc:Choice>
-              <mc:Fallback>
-                <p:oleObj name="Visio" r:id="rId4" imgW="3204214" imgH="5082432" progId="">
-                  <p:embed/>
-                  <p:pic>
-                    <p:nvPicPr>
-                      <p:cNvPr id="0" name="Picture 2"/>
-                      <p:cNvPicPr>
-                        <a:picLocks noChangeAspect="1" noChangeArrowheads="1"/>
-                      </p:cNvPicPr>
-                      <p:nvPr/>
-                    </p:nvPicPr>
-                    <p:blipFill>
-                      <a:blip r:embed="rId5">
-                        <a:extLst>
-                          <a:ext uri="{28A0092B-C50C-407E-A947-70E740481C1C}">
-                            <a14:useLocalDpi xmlns:a14="http://schemas.microsoft.com/office/drawing/2010/main" val="0"/>
-                          </a:ext>
-                        </a:extLst>
-                      </a:blip>
-                      <a:srcRect/>
-                      <a:stretch>
-                        <a:fillRect/>
-                      </a:stretch>
-                    </p:blipFill>
-                    <p:spPr bwMode="auto">
-                      <a:xfrm>
-                        <a:off x="5458691" y="1279873"/>
-                        <a:ext cx="3209925" cy="5086350"/>
-                      </a:xfrm>
-                      <a:prstGeom prst="rect">
-                        <a:avLst/>
-                      </a:prstGeom>
-                      <a:noFill/>
-                      <a:extLst>
-                        <a:ext uri="{909E8E84-426E-40DD-AFC4-6F175D3DCCD1}">
-                          <a14:hiddenFill xmlns:a14="http://schemas.microsoft.com/office/drawing/2010/main">
-                            <a:solidFill>
-                              <a:srgbClr val="FFFFFF"/>
-                            </a:solidFill>
-                          </a14:hiddenFill>
-                        </a:ext>
-                      </a:extLst>
-                    </p:spPr>
-                  </p:pic>
-                </p:oleObj>
-              </mc:Fallback>
-            </mc:AlternateContent>
-          </a:graphicData>
-        </a:graphic>
-      </p:graphicFrame>
+      </p:pic>
     </p:spTree>
     <p:extLst>
       <p:ext uri="{BB962C8B-B14F-4D97-AF65-F5344CB8AC3E}">
-        <p14:creationId xmlns:p14="http://schemas.microsoft.com/office/powerpoint/2010/main" val="2227559208"/>
+        <p14:creationId xmlns:p14="http://schemas.microsoft.com/office/powerpoint/2010/main" xmlns="" val="792481554"/>
       </p:ext>
     </p:extLst>
   </p:cSld>
@@ -25168,14 +25647,14 @@
           <a:effectLst/>
           <a:extLst>
             <a:ext uri="{909E8E84-426E-40DD-AFC4-6F175D3DCCD1}">
-              <a14:hiddenFill xmlns:a14="http://schemas.microsoft.com/office/drawing/2010/main">
+              <a14:hiddenFill xmlns:a14="http://schemas.microsoft.com/office/drawing/2010/main" xmlns="">
                 <a:solidFill>
                   <a:schemeClr val="accent1"/>
                 </a:solidFill>
               </a14:hiddenFill>
             </a:ext>
             <a:ext uri="{91240B29-F687-4F45-9708-019B960494DF}">
-              <a14:hiddenLine xmlns:a14="http://schemas.microsoft.com/office/drawing/2010/main" w="9525">
+              <a14:hiddenLine xmlns:a14="http://schemas.microsoft.com/office/drawing/2010/main" xmlns="" w="9525">
                 <a:solidFill>
                   <a:schemeClr val="tx1"/>
                 </a:solidFill>
@@ -25185,7 +25664,7 @@
               </a14:hiddenLine>
             </a:ext>
             <a:ext uri="{AF507438-7753-43E0-B8FC-AC1667EBCBE1}">
-              <a14:hiddenEffects xmlns:a14="http://schemas.microsoft.com/office/drawing/2010/main">
+              <a14:hiddenEffects xmlns:a14="http://schemas.microsoft.com/office/drawing/2010/main" xmlns="">
                 <a:effectLst>
                   <a:outerShdw dist="35921" dir="2700000" algn="ctr" rotWithShape="0">
                     <a:schemeClr val="bg2"/>
@@ -25231,14 +25710,14 @@
           <a:effectLst/>
           <a:extLst>
             <a:ext uri="{909E8E84-426E-40DD-AFC4-6F175D3DCCD1}">
-              <a14:hiddenFill xmlns:a14="http://schemas.microsoft.com/office/drawing/2010/main">
+              <a14:hiddenFill xmlns:a14="http://schemas.microsoft.com/office/drawing/2010/main" xmlns="">
                 <a:solidFill>
                   <a:schemeClr val="accent1"/>
                 </a:solidFill>
               </a14:hiddenFill>
             </a:ext>
             <a:ext uri="{91240B29-F687-4F45-9708-019B960494DF}">
-              <a14:hiddenLine xmlns:a14="http://schemas.microsoft.com/office/drawing/2010/main" w="9525">
+              <a14:hiddenLine xmlns:a14="http://schemas.microsoft.com/office/drawing/2010/main" xmlns="" w="9525">
                 <a:solidFill>
                   <a:schemeClr val="tx1"/>
                 </a:solidFill>
@@ -25248,7 +25727,322 @@
               </a14:hiddenLine>
             </a:ext>
             <a:ext uri="{AF507438-7753-43E0-B8FC-AC1667EBCBE1}">
-              <a14:hiddenEffects xmlns:a14="http://schemas.microsoft.com/office/drawing/2010/main">
+              <a14:hiddenEffects xmlns:a14="http://schemas.microsoft.com/office/drawing/2010/main" xmlns="">
+                <a:effectLst>
+                  <a:outerShdw dist="35921" dir="2700000" algn="ctr" rotWithShape="0">
+                    <a:schemeClr val="bg2"/>
+                  </a:outerShdw>
+                </a:effectLst>
+              </a14:hiddenEffects>
+            </a:ext>
+          </a:extLst>
+        </p:spPr>
+        <p:txBody>
+          <a:bodyPr vert="horz" wrap="none" lIns="91440" tIns="45720" rIns="91440" bIns="45720" numCol="1" anchor="ctr" anchorCtr="0" compatLnSpc="1">
+            <a:prstTxWarp prst="textNoShape">
+              <a:avLst/>
+            </a:prstTxWarp>
+            <a:spAutoFit/>
+          </a:bodyPr>
+          <a:lstStyle/>
+          <a:p>
+            <a:endParaRPr lang="en-US"/>
+          </a:p>
+        </p:txBody>
+      </p:sp>
+      <p:pic>
+        <p:nvPicPr>
+          <p:cNvPr id="8" name="Picture 7"/>
+          <p:cNvPicPr/>
+          <p:nvPr/>
+        </p:nvPicPr>
+        <p:blipFill>
+          <a:blip r:embed="rId3" cstate="email">
+            <a:extLst>
+              <a:ext uri="{28A0092B-C50C-407E-A947-70E740481C1C}">
+                <a14:useLocalDpi xmlns:a14="http://schemas.microsoft.com/office/drawing/2010/main" xmlns="" val="0"/>
+              </a:ext>
+            </a:extLst>
+          </a:blip>
+          <a:srcRect/>
+          <a:stretch>
+            <a:fillRect/>
+          </a:stretch>
+        </p:blipFill>
+        <p:spPr bwMode="auto">
+          <a:xfrm>
+            <a:off x="477173" y="2419927"/>
+            <a:ext cx="4981518" cy="2767560"/>
+          </a:xfrm>
+          <a:prstGeom prst="rect">
+            <a:avLst/>
+          </a:prstGeom>
+          <a:noFill/>
+          <a:ln>
+            <a:noFill/>
+          </a:ln>
+        </p:spPr>
+      </p:pic>
+      <p:sp>
+        <p:nvSpPr>
+          <p:cNvPr id="4" name="Rectangle 2"/>
+          <p:cNvSpPr>
+            <a:spLocks noChangeArrowheads="1"/>
+          </p:cNvSpPr>
+          <p:nvPr/>
+        </p:nvSpPr>
+        <p:spPr bwMode="auto">
+          <a:xfrm>
+            <a:off x="0" y="0"/>
+            <a:ext cx="9144000" cy="0"/>
+          </a:xfrm>
+          <a:prstGeom prst="rect">
+            <a:avLst/>
+          </a:prstGeom>
+          <a:noFill/>
+          <a:ln>
+            <a:noFill/>
+          </a:ln>
+          <a:effectLst/>
+          <a:extLst>
+            <a:ext uri="{909E8E84-426E-40DD-AFC4-6F175D3DCCD1}">
+              <a14:hiddenFill xmlns:a14="http://schemas.microsoft.com/office/drawing/2010/main" xmlns="">
+                <a:solidFill>
+                  <a:schemeClr val="accent1"/>
+                </a:solidFill>
+              </a14:hiddenFill>
+            </a:ext>
+            <a:ext uri="{91240B29-F687-4F45-9708-019B960494DF}">
+              <a14:hiddenLine xmlns:a14="http://schemas.microsoft.com/office/drawing/2010/main" xmlns="" w="9525">
+                <a:solidFill>
+                  <a:schemeClr val="tx1"/>
+                </a:solidFill>
+                <a:miter lim="800000"/>
+                <a:headEnd/>
+                <a:tailEnd/>
+              </a14:hiddenLine>
+            </a:ext>
+            <a:ext uri="{AF507438-7753-43E0-B8FC-AC1667EBCBE1}">
+              <a14:hiddenEffects xmlns:a14="http://schemas.microsoft.com/office/drawing/2010/main" xmlns="">
+                <a:effectLst>
+                  <a:outerShdw dist="35921" dir="2700000" algn="ctr" rotWithShape="0">
+                    <a:schemeClr val="bg2"/>
+                  </a:outerShdw>
+                </a:effectLst>
+              </a14:hiddenEffects>
+            </a:ext>
+          </a:extLst>
+        </p:spPr>
+        <p:txBody>
+          <a:bodyPr vert="horz" wrap="none" lIns="91440" tIns="45720" rIns="91440" bIns="45720" numCol="1" anchor="ctr" anchorCtr="0" compatLnSpc="1">
+            <a:prstTxWarp prst="textNoShape">
+              <a:avLst/>
+            </a:prstTxWarp>
+            <a:spAutoFit/>
+          </a:bodyPr>
+          <a:lstStyle/>
+          <a:p>
+            <a:endParaRPr lang="en-US"/>
+          </a:p>
+        </p:txBody>
+      </p:sp>
+      <p:graphicFrame>
+        <p:nvGraphicFramePr>
+          <p:cNvPr id="6" name="Object 5"/>
+          <p:cNvGraphicFramePr>
+            <a:graphicFrameLocks noChangeAspect="1"/>
+          </p:cNvGraphicFramePr>
+          <p:nvPr>
+            <p:extLst>
+              <p:ext uri="{D42A27DB-BD31-4B8C-83A1-F6EECF244321}">
+                <p14:modId xmlns:p14="http://schemas.microsoft.com/office/powerpoint/2010/main" xmlns="" val="3607041668"/>
+              </p:ext>
+            </p:extLst>
+          </p:nvPr>
+        </p:nvGraphicFramePr>
+        <p:xfrm>
+          <a:off x="5458691" y="1279873"/>
+          <a:ext cx="3209925" cy="5086350"/>
+        </p:xfrm>
+        <a:graphic>
+          <a:graphicData uri="http://schemas.openxmlformats.org/presentationml/2006/ole">
+            <p:oleObj spid="_x0000_s38916" name="Visio" r:id="rId4" imgW="3204214" imgH="5082432" progId="">
+              <p:embed/>
+            </p:oleObj>
+          </a:graphicData>
+        </a:graphic>
+      </p:graphicFrame>
+    </p:spTree>
+    <p:extLst>
+      <p:ext uri="{BB962C8B-B14F-4D97-AF65-F5344CB8AC3E}">
+        <p14:creationId xmlns:p14="http://schemas.microsoft.com/office/powerpoint/2010/main" xmlns="" val="2227559208"/>
+      </p:ext>
+    </p:extLst>
+  </p:cSld>
+  <p:clrMapOvr>
+    <a:masterClrMapping/>
+  </p:clrMapOvr>
+  <p:timing>
+    <p:tnLst>
+      <p:par>
+        <p:cTn id="1" dur="indefinite" restart="never" nodeType="tmRoot"/>
+      </p:par>
+    </p:tnLst>
+  </p:timing>
+</p:sld>
+</file>
+
+<file path=ppt/slides/slide28.xml><?xml version="1.0" encoding="utf-8"?>
+<p:sld xmlns:a="http://schemas.openxmlformats.org/drawingml/2006/main" xmlns:r="http://schemas.openxmlformats.org/officeDocument/2006/relationships" xmlns:p="http://schemas.openxmlformats.org/presentationml/2006/main">
+  <p:cSld>
+    <p:spTree>
+      <p:nvGrpSpPr>
+        <p:cNvPr id="1" name=""/>
+        <p:cNvGrpSpPr/>
+        <p:nvPr/>
+      </p:nvGrpSpPr>
+      <p:grpSpPr>
+        <a:xfrm>
+          <a:off x="0" y="0"/>
+          <a:ext cx="0" cy="0"/>
+          <a:chOff x="0" y="0"/>
+          <a:chExt cx="0" cy="0"/>
+        </a:xfrm>
+      </p:grpSpPr>
+      <p:sp>
+        <p:nvSpPr>
+          <p:cNvPr id="2" name="Title 1"/>
+          <p:cNvSpPr>
+            <a:spLocks noGrp="1"/>
+          </p:cNvSpPr>
+          <p:nvPr>
+            <p:ph type="title"/>
+          </p:nvPr>
+        </p:nvSpPr>
+        <p:spPr>
+          <a:xfrm>
+            <a:off x="1043490" y="641291"/>
+            <a:ext cx="7024744" cy="638582"/>
+          </a:xfrm>
+        </p:spPr>
+        <p:txBody>
+          <a:bodyPr>
+            <a:normAutofit fontScale="90000"/>
+          </a:bodyPr>
+          <a:lstStyle/>
+          <a:p>
+            <a:r>
+              <a:rPr lang="en-US" dirty="0" smtClean="0"/>
+              <a:t>Human Interface Design</a:t>
+            </a:r>
+            <a:endParaRPr lang="en-US" dirty="0"/>
+          </a:p>
+        </p:txBody>
+      </p:sp>
+      <p:sp>
+        <p:nvSpPr>
+          <p:cNvPr id="3" name="Rectangle 2"/>
+          <p:cNvSpPr>
+            <a:spLocks noChangeArrowheads="1"/>
+          </p:cNvSpPr>
+          <p:nvPr/>
+        </p:nvSpPr>
+        <p:spPr bwMode="auto">
+          <a:xfrm>
+            <a:off x="0" y="0"/>
+            <a:ext cx="9144000" cy="0"/>
+          </a:xfrm>
+          <a:prstGeom prst="rect">
+            <a:avLst/>
+          </a:prstGeom>
+          <a:noFill/>
+          <a:ln>
+            <a:noFill/>
+          </a:ln>
+          <a:effectLst/>
+          <a:extLst>
+            <a:ext uri="{909E8E84-426E-40DD-AFC4-6F175D3DCCD1}">
+              <a14:hiddenFill xmlns:a14="http://schemas.microsoft.com/office/drawing/2010/main" xmlns="">
+                <a:solidFill>
+                  <a:schemeClr val="accent1"/>
+                </a:solidFill>
+              </a14:hiddenFill>
+            </a:ext>
+            <a:ext uri="{91240B29-F687-4F45-9708-019B960494DF}">
+              <a14:hiddenLine xmlns:a14="http://schemas.microsoft.com/office/drawing/2010/main" xmlns="" w="9525">
+                <a:solidFill>
+                  <a:schemeClr val="tx1"/>
+                </a:solidFill>
+                <a:miter lim="800000"/>
+                <a:headEnd/>
+                <a:tailEnd/>
+              </a14:hiddenLine>
+            </a:ext>
+            <a:ext uri="{AF507438-7753-43E0-B8FC-AC1667EBCBE1}">
+              <a14:hiddenEffects xmlns:a14="http://schemas.microsoft.com/office/drawing/2010/main" xmlns="">
+                <a:effectLst>
+                  <a:outerShdw dist="35921" dir="2700000" algn="ctr" rotWithShape="0">
+                    <a:schemeClr val="bg2"/>
+                  </a:outerShdw>
+                </a:effectLst>
+              </a14:hiddenEffects>
+            </a:ext>
+          </a:extLst>
+        </p:spPr>
+        <p:txBody>
+          <a:bodyPr vert="horz" wrap="none" lIns="91440" tIns="45720" rIns="91440" bIns="45720" numCol="1" anchor="ctr" anchorCtr="0" compatLnSpc="1">
+            <a:prstTxWarp prst="textNoShape">
+              <a:avLst/>
+            </a:prstTxWarp>
+            <a:spAutoFit/>
+          </a:bodyPr>
+          <a:lstStyle/>
+          <a:p>
+            <a:endParaRPr lang="en-US"/>
+          </a:p>
+        </p:txBody>
+      </p:sp>
+      <p:sp>
+        <p:nvSpPr>
+          <p:cNvPr id="5" name="Rectangle 2"/>
+          <p:cNvSpPr>
+            <a:spLocks noChangeArrowheads="1"/>
+          </p:cNvSpPr>
+          <p:nvPr/>
+        </p:nvSpPr>
+        <p:spPr bwMode="auto">
+          <a:xfrm>
+            <a:off x="0" y="0"/>
+            <a:ext cx="9144000" cy="0"/>
+          </a:xfrm>
+          <a:prstGeom prst="rect">
+            <a:avLst/>
+          </a:prstGeom>
+          <a:noFill/>
+          <a:ln>
+            <a:noFill/>
+          </a:ln>
+          <a:effectLst/>
+          <a:extLst>
+            <a:ext uri="{909E8E84-426E-40DD-AFC4-6F175D3DCCD1}">
+              <a14:hiddenFill xmlns:a14="http://schemas.microsoft.com/office/drawing/2010/main" xmlns="">
+                <a:solidFill>
+                  <a:schemeClr val="accent1"/>
+                </a:solidFill>
+              </a14:hiddenFill>
+            </a:ext>
+            <a:ext uri="{91240B29-F687-4F45-9708-019B960494DF}">
+              <a14:hiddenLine xmlns:a14="http://schemas.microsoft.com/office/drawing/2010/main" xmlns="" w="9525">
+                <a:solidFill>
+                  <a:schemeClr val="tx1"/>
+                </a:solidFill>
+                <a:miter lim="800000"/>
+                <a:headEnd/>
+                <a:tailEnd/>
+              </a14:hiddenLine>
+            </a:ext>
+            <a:ext uri="{AF507438-7753-43E0-B8FC-AC1667EBCBE1}">
+              <a14:hiddenEffects xmlns:a14="http://schemas.microsoft.com/office/drawing/2010/main" xmlns="">
                 <a:effectLst>
                   <a:outerShdw dist="35921" dir="2700000" algn="ctr" rotWithShape="0">
                     <a:schemeClr val="bg2"/>
@@ -25294,14 +26088,14 @@
           <a:effectLst/>
           <a:extLst>
             <a:ext uri="{909E8E84-426E-40DD-AFC4-6F175D3DCCD1}">
-              <a14:hiddenFill xmlns:a14="http://schemas.microsoft.com/office/drawing/2010/main">
+              <a14:hiddenFill xmlns:a14="http://schemas.microsoft.com/office/drawing/2010/main" xmlns="">
                 <a:solidFill>
                   <a:schemeClr val="accent1"/>
                 </a:solidFill>
               </a14:hiddenFill>
             </a:ext>
             <a:ext uri="{91240B29-F687-4F45-9708-019B960494DF}">
-              <a14:hiddenLine xmlns:a14="http://schemas.microsoft.com/office/drawing/2010/main" w="9525">
+              <a14:hiddenLine xmlns:a14="http://schemas.microsoft.com/office/drawing/2010/main" xmlns="" w="9525">
                 <a:solidFill>
                   <a:schemeClr val="tx1"/>
                 </a:solidFill>
@@ -25311,7 +26105,7 @@
               </a14:hiddenLine>
             </a:ext>
             <a:ext uri="{AF507438-7753-43E0-B8FC-AC1667EBCBE1}">
-              <a14:hiddenEffects xmlns:a14="http://schemas.microsoft.com/office/drawing/2010/main">
+              <a14:hiddenEffects xmlns:a14="http://schemas.microsoft.com/office/drawing/2010/main" xmlns="">
                 <a:effectLst>
                   <a:outerShdw dist="35921" dir="2700000" algn="ctr" rotWithShape="0">
                     <a:schemeClr val="bg2"/>
@@ -25397,152 +26191,7 @@
     </p:spTree>
     <p:extLst>
       <p:ext uri="{BB962C8B-B14F-4D97-AF65-F5344CB8AC3E}">
-        <p14:creationId xmlns:p14="http://schemas.microsoft.com/office/powerpoint/2010/main" val="273623958"/>
-      </p:ext>
-    </p:extLst>
-  </p:cSld>
-  <p:clrMapOvr>
-    <a:masterClrMapping/>
-  </p:clrMapOvr>
-  <p:timing>
-    <p:tnLst>
-      <p:par>
-        <p:cTn id="1" dur="indefinite" restart="never" nodeType="tmRoot"/>
-      </p:par>
-    </p:tnLst>
-  </p:timing>
-</p:sld>
-</file>
-
-<file path=ppt/slides/slide28.xml><?xml version="1.0" encoding="utf-8"?>
-<p:sld xmlns:a="http://schemas.openxmlformats.org/drawingml/2006/main" xmlns:r="http://schemas.openxmlformats.org/officeDocument/2006/relationships" xmlns:p="http://schemas.openxmlformats.org/presentationml/2006/main">
-  <p:cSld>
-    <p:spTree>
-      <p:nvGrpSpPr>
-        <p:cNvPr id="1" name=""/>
-        <p:cNvGrpSpPr/>
-        <p:nvPr/>
-      </p:nvGrpSpPr>
-      <p:grpSpPr>
-        <a:xfrm>
-          <a:off x="0" y="0"/>
-          <a:ext cx="0" cy="0"/>
-          <a:chOff x="0" y="0"/>
-          <a:chExt cx="0" cy="0"/>
-        </a:xfrm>
-      </p:grpSpPr>
-      <p:sp>
-        <p:nvSpPr>
-          <p:cNvPr id="2" name="Title 1"/>
-          <p:cNvSpPr>
-            <a:spLocks noGrp="1"/>
-          </p:cNvSpPr>
-          <p:nvPr>
-            <p:ph type="title"/>
-          </p:nvPr>
-        </p:nvSpPr>
-        <p:spPr/>
-        <p:txBody>
-          <a:bodyPr/>
-          <a:lstStyle/>
-          <a:p>
-            <a:r>
-              <a:rPr lang="en-US" dirty="0" smtClean="0"/>
-              <a:t>Online </a:t>
-            </a:r>
-            <a:r>
-              <a:rPr lang="en-US" dirty="0" err="1" smtClean="0"/>
-              <a:t>Demonstation</a:t>
-            </a:r>
-            <a:endParaRPr lang="en-US" dirty="0"/>
-          </a:p>
-        </p:txBody>
-      </p:sp>
-      <p:sp>
-        <p:nvSpPr>
-          <p:cNvPr id="3" name="Content Placeholder 2"/>
-          <p:cNvSpPr>
-            <a:spLocks noGrp="1"/>
-          </p:cNvSpPr>
-          <p:nvPr>
-            <p:ph idx="1"/>
-          </p:nvPr>
-        </p:nvSpPr>
-        <p:spPr/>
-        <p:txBody>
-          <a:bodyPr/>
-          <a:lstStyle/>
-          <a:p>
-            <a:endParaRPr lang="en-US" dirty="0" smtClean="0">
-              <a:hlinkClick r:id="rId2"/>
-            </a:endParaRPr>
-          </a:p>
-          <a:p>
-            <a:r>
-              <a:rPr lang="en-US" dirty="0" smtClean="0">
-                <a:hlinkClick r:id="rId2"/>
-              </a:rPr>
-              <a:t>http://ibudget.simplefunctions.com</a:t>
-            </a:r>
-            <a:endParaRPr lang="en-US" dirty="0" smtClean="0"/>
-          </a:p>
-          <a:p>
-            <a:endParaRPr lang="en-US" dirty="0" smtClean="0"/>
-          </a:p>
-          <a:p>
-            <a:r>
-              <a:rPr lang="en-US" dirty="0" smtClean="0"/>
-              <a:t>We each take turn to show the pages or functionalities that we worked on.</a:t>
-            </a:r>
-            <a:endParaRPr lang="en-US" dirty="0"/>
-          </a:p>
-        </p:txBody>
-      </p:sp>
-      <p:pic>
-        <p:nvPicPr>
-          <p:cNvPr id="1026" name="Picture 2" descr="HTML5-logo.svg"/>
-          <p:cNvPicPr>
-            <a:picLocks noChangeAspect="1" noChangeArrowheads="1"/>
-          </p:cNvPicPr>
-          <p:nvPr/>
-        </p:nvPicPr>
-        <p:blipFill>
-          <a:blip r:embed="rId3" cstate="print">
-            <a:extLst>
-              <a:ext uri="{28A0092B-C50C-407E-A947-70E740481C1C}">
-                <a14:useLocalDpi xmlns:a14="http://schemas.microsoft.com/office/drawing/2010/main" val="0"/>
-              </a:ext>
-            </a:extLst>
-          </a:blip>
-          <a:srcRect/>
-          <a:stretch>
-            <a:fillRect/>
-          </a:stretch>
-        </p:blipFill>
-        <p:spPr bwMode="auto">
-          <a:xfrm>
-            <a:off x="3862602" y="4856334"/>
-            <a:ext cx="1143000" cy="1143001"/>
-          </a:xfrm>
-          <a:prstGeom prst="rect">
-            <a:avLst/>
-          </a:prstGeom>
-          <a:noFill/>
-          <a:extLst>
-            <a:ext uri="{909E8E84-426E-40DD-AFC4-6F175D3DCCD1}">
-              <a14:hiddenFill xmlns:a14="http://schemas.microsoft.com/office/drawing/2010/main">
-                <a:solidFill>
-                  <a:srgbClr val="FFFFFF"/>
-                </a:solidFill>
-              </a14:hiddenFill>
-            </a:ext>
-          </a:extLst>
-        </p:spPr>
-      </p:pic>
-    </p:spTree>
-    <p:extLst>
-      <p:ext uri="{BB962C8B-B14F-4D97-AF65-F5344CB8AC3E}">
-        <p14:creationId xmlns:p14="http://schemas.microsoft.com/office/powerpoint/2010/main" val="3832736806"/>
+        <p14:creationId xmlns:p14="http://schemas.microsoft.com/office/powerpoint/2010/main" xmlns="" val="273623958"/>
       </p:ext>
     </p:extLst>
   </p:cSld>
@@ -25586,51 +26235,220 @@
             <p:ph type="title"/>
           </p:nvPr>
         </p:nvSpPr>
-        <p:spPr/>
+        <p:spPr>
+          <a:xfrm>
+            <a:off x="840509" y="3079691"/>
+            <a:ext cx="7430925" cy="638582"/>
+          </a:xfrm>
+        </p:spPr>
         <p:txBody>
-          <a:bodyPr/>
+          <a:bodyPr>
+            <a:noAutofit/>
+          </a:bodyPr>
           <a:lstStyle/>
           <a:p>
+            <a:pPr algn="ctr"/>
             <a:r>
-              <a:rPr lang="en-US" dirty="0" smtClean="0"/>
-              <a:t>Source Code</a:t>
+              <a:rPr lang="en-US" sz="7200" dirty="0" smtClean="0"/>
+              <a:t>Q &amp; A</a:t>
             </a:r>
-            <a:endParaRPr lang="en-US" dirty="0"/>
+            <a:endParaRPr lang="en-US" sz="7200" dirty="0"/>
           </a:p>
         </p:txBody>
       </p:sp>
       <p:sp>
         <p:nvSpPr>
-          <p:cNvPr id="3" name="Content Placeholder 2"/>
+          <p:cNvPr id="3" name="Rectangle 2"/>
           <p:cNvSpPr>
-            <a:spLocks noGrp="1"/>
+            <a:spLocks noChangeArrowheads="1"/>
           </p:cNvSpPr>
-          <p:nvPr>
-            <p:ph idx="1"/>
-          </p:nvPr>
+          <p:nvPr/>
         </p:nvSpPr>
-        <p:spPr>
+        <p:spPr bwMode="auto">
           <a:xfrm>
-            <a:off x="1043492" y="2817091"/>
-            <a:ext cx="6777317" cy="3015538"/>
+            <a:off x="0" y="0"/>
+            <a:ext cx="9144000" cy="0"/>
           </a:xfrm>
+          <a:prstGeom prst="rect">
+            <a:avLst/>
+          </a:prstGeom>
+          <a:noFill/>
+          <a:ln>
+            <a:noFill/>
+          </a:ln>
+          <a:effectLst/>
+          <a:extLst>
+            <a:ext uri="{909E8E84-426E-40DD-AFC4-6F175D3DCCD1}">
+              <a14:hiddenFill xmlns:a14="http://schemas.microsoft.com/office/drawing/2010/main" xmlns="">
+                <a:solidFill>
+                  <a:schemeClr val="accent1"/>
+                </a:solidFill>
+              </a14:hiddenFill>
+            </a:ext>
+            <a:ext uri="{91240B29-F687-4F45-9708-019B960494DF}">
+              <a14:hiddenLine xmlns:a14="http://schemas.microsoft.com/office/drawing/2010/main" xmlns="" w="9525">
+                <a:solidFill>
+                  <a:schemeClr val="tx1"/>
+                </a:solidFill>
+                <a:miter lim="800000"/>
+                <a:headEnd/>
+                <a:tailEnd/>
+              </a14:hiddenLine>
+            </a:ext>
+            <a:ext uri="{AF507438-7753-43E0-B8FC-AC1667EBCBE1}">
+              <a14:hiddenEffects xmlns:a14="http://schemas.microsoft.com/office/drawing/2010/main" xmlns="">
+                <a:effectLst>
+                  <a:outerShdw dist="35921" dir="2700000" algn="ctr" rotWithShape="0">
+                    <a:schemeClr val="bg2"/>
+                  </a:outerShdw>
+                </a:effectLst>
+              </a14:hiddenEffects>
+            </a:ext>
+          </a:extLst>
         </p:spPr>
         <p:txBody>
-          <a:bodyPr/>
+          <a:bodyPr vert="horz" wrap="none" lIns="91440" tIns="45720" rIns="91440" bIns="45720" numCol="1" anchor="ctr" anchorCtr="0" compatLnSpc="1">
+            <a:prstTxWarp prst="textNoShape">
+              <a:avLst/>
+            </a:prstTxWarp>
+            <a:spAutoFit/>
+          </a:bodyPr>
           <a:lstStyle/>
           <a:p>
-            <a:r>
-              <a:rPr lang="en-US" dirty="0" smtClean="0"/>
-              <a:t>We can pick out section of source code that we want to show</a:t>
-            </a:r>
-            <a:endParaRPr lang="en-US" dirty="0"/>
+            <a:endParaRPr lang="en-US"/>
+          </a:p>
+        </p:txBody>
+      </p:sp>
+      <p:sp>
+        <p:nvSpPr>
+          <p:cNvPr id="5" name="Rectangle 2"/>
+          <p:cNvSpPr>
+            <a:spLocks noChangeArrowheads="1"/>
+          </p:cNvSpPr>
+          <p:nvPr/>
+        </p:nvSpPr>
+        <p:spPr bwMode="auto">
+          <a:xfrm>
+            <a:off x="0" y="0"/>
+            <a:ext cx="9144000" cy="0"/>
+          </a:xfrm>
+          <a:prstGeom prst="rect">
+            <a:avLst/>
+          </a:prstGeom>
+          <a:noFill/>
+          <a:ln>
+            <a:noFill/>
+          </a:ln>
+          <a:effectLst/>
+          <a:extLst>
+            <a:ext uri="{909E8E84-426E-40DD-AFC4-6F175D3DCCD1}">
+              <a14:hiddenFill xmlns:a14="http://schemas.microsoft.com/office/drawing/2010/main" xmlns="">
+                <a:solidFill>
+                  <a:schemeClr val="accent1"/>
+                </a:solidFill>
+              </a14:hiddenFill>
+            </a:ext>
+            <a:ext uri="{91240B29-F687-4F45-9708-019B960494DF}">
+              <a14:hiddenLine xmlns:a14="http://schemas.microsoft.com/office/drawing/2010/main" xmlns="" w="9525">
+                <a:solidFill>
+                  <a:schemeClr val="tx1"/>
+                </a:solidFill>
+                <a:miter lim="800000"/>
+                <a:headEnd/>
+                <a:tailEnd/>
+              </a14:hiddenLine>
+            </a:ext>
+            <a:ext uri="{AF507438-7753-43E0-B8FC-AC1667EBCBE1}">
+              <a14:hiddenEffects xmlns:a14="http://schemas.microsoft.com/office/drawing/2010/main" xmlns="">
+                <a:effectLst>
+                  <a:outerShdw dist="35921" dir="2700000" algn="ctr" rotWithShape="0">
+                    <a:schemeClr val="bg2"/>
+                  </a:outerShdw>
+                </a:effectLst>
+              </a14:hiddenEffects>
+            </a:ext>
+          </a:extLst>
+        </p:spPr>
+        <p:txBody>
+          <a:bodyPr vert="horz" wrap="none" lIns="91440" tIns="45720" rIns="91440" bIns="45720" numCol="1" anchor="ctr" anchorCtr="0" compatLnSpc="1">
+            <a:prstTxWarp prst="textNoShape">
+              <a:avLst/>
+            </a:prstTxWarp>
+            <a:spAutoFit/>
+          </a:bodyPr>
+          <a:lstStyle/>
+          <a:p>
+            <a:endParaRPr lang="en-US"/>
+          </a:p>
+        </p:txBody>
+      </p:sp>
+      <p:sp>
+        <p:nvSpPr>
+          <p:cNvPr id="4" name="Rectangle 2"/>
+          <p:cNvSpPr>
+            <a:spLocks noChangeArrowheads="1"/>
+          </p:cNvSpPr>
+          <p:nvPr/>
+        </p:nvSpPr>
+        <p:spPr bwMode="auto">
+          <a:xfrm>
+            <a:off x="0" y="0"/>
+            <a:ext cx="9144000" cy="0"/>
+          </a:xfrm>
+          <a:prstGeom prst="rect">
+            <a:avLst/>
+          </a:prstGeom>
+          <a:noFill/>
+          <a:ln>
+            <a:noFill/>
+          </a:ln>
+          <a:effectLst/>
+          <a:extLst>
+            <a:ext uri="{909E8E84-426E-40DD-AFC4-6F175D3DCCD1}">
+              <a14:hiddenFill xmlns:a14="http://schemas.microsoft.com/office/drawing/2010/main" xmlns="">
+                <a:solidFill>
+                  <a:schemeClr val="accent1"/>
+                </a:solidFill>
+              </a14:hiddenFill>
+            </a:ext>
+            <a:ext uri="{91240B29-F687-4F45-9708-019B960494DF}">
+              <a14:hiddenLine xmlns:a14="http://schemas.microsoft.com/office/drawing/2010/main" xmlns="" w="9525">
+                <a:solidFill>
+                  <a:schemeClr val="tx1"/>
+                </a:solidFill>
+                <a:miter lim="800000"/>
+                <a:headEnd/>
+                <a:tailEnd/>
+              </a14:hiddenLine>
+            </a:ext>
+            <a:ext uri="{AF507438-7753-43E0-B8FC-AC1667EBCBE1}">
+              <a14:hiddenEffects xmlns:a14="http://schemas.microsoft.com/office/drawing/2010/main" xmlns="">
+                <a:effectLst>
+                  <a:outerShdw dist="35921" dir="2700000" algn="ctr" rotWithShape="0">
+                    <a:schemeClr val="bg2"/>
+                  </a:outerShdw>
+                </a:effectLst>
+              </a14:hiddenEffects>
+            </a:ext>
+          </a:extLst>
+        </p:spPr>
+        <p:txBody>
+          <a:bodyPr vert="horz" wrap="none" lIns="91440" tIns="45720" rIns="91440" bIns="45720" numCol="1" anchor="ctr" anchorCtr="0" compatLnSpc="1">
+            <a:prstTxWarp prst="textNoShape">
+              <a:avLst/>
+            </a:prstTxWarp>
+            <a:spAutoFit/>
+          </a:bodyPr>
+          <a:lstStyle/>
+          <a:p>
+            <a:endParaRPr lang="en-US"/>
           </a:p>
         </p:txBody>
       </p:sp>
     </p:spTree>
     <p:extLst>
       <p:ext uri="{BB962C8B-B14F-4D97-AF65-F5344CB8AC3E}">
-        <p14:creationId xmlns:p14="http://schemas.microsoft.com/office/powerpoint/2010/main" val="1092677546"/>
+        <p14:creationId xmlns:p14="http://schemas.microsoft.com/office/powerpoint/2010/main" xmlns="" val="336984967"/>
       </p:ext>
     </p:extLst>
   </p:cSld>
@@ -25803,220 +26621,108 @@
             <p:ph type="title"/>
           </p:nvPr>
         </p:nvSpPr>
-        <p:spPr>
-          <a:xfrm>
-            <a:off x="840509" y="3079691"/>
-            <a:ext cx="7430925" cy="638582"/>
-          </a:xfrm>
-        </p:spPr>
+        <p:spPr/>
         <p:txBody>
-          <a:bodyPr>
-            <a:noAutofit/>
-          </a:bodyPr>
+          <a:bodyPr/>
           <a:lstStyle/>
           <a:p>
-            <a:pPr algn="ctr"/>
             <a:r>
-              <a:rPr lang="en-US" sz="7200" dirty="0" smtClean="0"/>
-              <a:t>Q &amp; A</a:t>
+              <a:rPr lang="en-US" dirty="0" smtClean="0"/>
+              <a:t>Online </a:t>
             </a:r>
-            <a:endParaRPr lang="en-US" sz="7200" dirty="0"/>
+            <a:r>
+              <a:rPr lang="en-US" dirty="0" err="1" smtClean="0"/>
+              <a:t>Demonstation</a:t>
+            </a:r>
+            <a:endParaRPr lang="en-US" dirty="0"/>
           </a:p>
         </p:txBody>
       </p:sp>
       <p:sp>
         <p:nvSpPr>
-          <p:cNvPr id="3" name="Rectangle 2"/>
+          <p:cNvPr id="3" name="Content Placeholder 2"/>
           <p:cNvSpPr>
-            <a:spLocks noChangeArrowheads="1"/>
+            <a:spLocks noGrp="1"/>
           </p:cNvSpPr>
+          <p:nvPr>
+            <p:ph idx="1"/>
+          </p:nvPr>
+        </p:nvSpPr>
+        <p:spPr/>
+        <p:txBody>
+          <a:bodyPr/>
+          <a:lstStyle/>
+          <a:p>
+            <a:endParaRPr lang="en-US" dirty="0" smtClean="0">
+              <a:hlinkClick r:id="rId2"/>
+            </a:endParaRPr>
+          </a:p>
+          <a:p>
+            <a:r>
+              <a:rPr lang="en-US" dirty="0" smtClean="0">
+                <a:hlinkClick r:id="rId2"/>
+              </a:rPr>
+              <a:t>http://ibudget.simplefunctions.com</a:t>
+            </a:r>
+            <a:endParaRPr lang="en-US" dirty="0" smtClean="0"/>
+          </a:p>
+          <a:p>
+            <a:endParaRPr lang="en-US" dirty="0" smtClean="0"/>
+          </a:p>
+          <a:p>
+            <a:r>
+              <a:rPr lang="en-US" dirty="0" smtClean="0"/>
+              <a:t>We each take turn to show the pages or functionalities that we worked on.</a:t>
+            </a:r>
+            <a:endParaRPr lang="en-US" dirty="0"/>
+          </a:p>
+        </p:txBody>
+      </p:sp>
+      <p:pic>
+        <p:nvPicPr>
+          <p:cNvPr id="1026" name="Picture 2" descr="HTML5-logo.svg"/>
+          <p:cNvPicPr>
+            <a:picLocks noChangeAspect="1" noChangeArrowheads="1"/>
+          </p:cNvPicPr>
           <p:nvPr/>
-        </p:nvSpPr>
+        </p:nvPicPr>
+        <p:blipFill>
+          <a:blip r:embed="rId3" cstate="print">
+            <a:extLst>
+              <a:ext uri="{28A0092B-C50C-407E-A947-70E740481C1C}">
+                <a14:useLocalDpi xmlns:a14="http://schemas.microsoft.com/office/drawing/2010/main" xmlns="" val="0"/>
+              </a:ext>
+            </a:extLst>
+          </a:blip>
+          <a:srcRect/>
+          <a:stretch>
+            <a:fillRect/>
+          </a:stretch>
+        </p:blipFill>
         <p:spPr bwMode="auto">
           <a:xfrm>
-            <a:off x="0" y="0"/>
-            <a:ext cx="9144000" cy="0"/>
+            <a:off x="3862602" y="4856334"/>
+            <a:ext cx="1143000" cy="1143001"/>
           </a:xfrm>
           <a:prstGeom prst="rect">
             <a:avLst/>
           </a:prstGeom>
           <a:noFill/>
-          <a:ln>
-            <a:noFill/>
-          </a:ln>
-          <a:effectLst/>
           <a:extLst>
             <a:ext uri="{909E8E84-426E-40DD-AFC4-6F175D3DCCD1}">
-              <a14:hiddenFill xmlns:a14="http://schemas.microsoft.com/office/drawing/2010/main">
+              <a14:hiddenFill xmlns:a14="http://schemas.microsoft.com/office/drawing/2010/main" xmlns="">
                 <a:solidFill>
-                  <a:schemeClr val="accent1"/>
+                  <a:srgbClr val="FFFFFF"/>
                 </a:solidFill>
               </a14:hiddenFill>
             </a:ext>
-            <a:ext uri="{91240B29-F687-4F45-9708-019B960494DF}">
-              <a14:hiddenLine xmlns:a14="http://schemas.microsoft.com/office/drawing/2010/main" w="9525">
-                <a:solidFill>
-                  <a:schemeClr val="tx1"/>
-                </a:solidFill>
-                <a:miter lim="800000"/>
-                <a:headEnd/>
-                <a:tailEnd/>
-              </a14:hiddenLine>
-            </a:ext>
-            <a:ext uri="{AF507438-7753-43E0-B8FC-AC1667EBCBE1}">
-              <a14:hiddenEffects xmlns:a14="http://schemas.microsoft.com/office/drawing/2010/main">
-                <a:effectLst>
-                  <a:outerShdw dist="35921" dir="2700000" algn="ctr" rotWithShape="0">
-                    <a:schemeClr val="bg2"/>
-                  </a:outerShdw>
-                </a:effectLst>
-              </a14:hiddenEffects>
-            </a:ext>
           </a:extLst>
         </p:spPr>
-        <p:txBody>
-          <a:bodyPr vert="horz" wrap="none" lIns="91440" tIns="45720" rIns="91440" bIns="45720" numCol="1" anchor="ctr" anchorCtr="0" compatLnSpc="1">
-            <a:prstTxWarp prst="textNoShape">
-              <a:avLst/>
-            </a:prstTxWarp>
-            <a:spAutoFit/>
-          </a:bodyPr>
-          <a:lstStyle/>
-          <a:p>
-            <a:endParaRPr lang="en-US"/>
-          </a:p>
-        </p:txBody>
-      </p:sp>
-      <p:sp>
-        <p:nvSpPr>
-          <p:cNvPr id="5" name="Rectangle 2"/>
-          <p:cNvSpPr>
-            <a:spLocks noChangeArrowheads="1"/>
-          </p:cNvSpPr>
-          <p:nvPr/>
-        </p:nvSpPr>
-        <p:spPr bwMode="auto">
-          <a:xfrm>
-            <a:off x="0" y="0"/>
-            <a:ext cx="9144000" cy="0"/>
-          </a:xfrm>
-          <a:prstGeom prst="rect">
-            <a:avLst/>
-          </a:prstGeom>
-          <a:noFill/>
-          <a:ln>
-            <a:noFill/>
-          </a:ln>
-          <a:effectLst/>
-          <a:extLst>
-            <a:ext uri="{909E8E84-426E-40DD-AFC4-6F175D3DCCD1}">
-              <a14:hiddenFill xmlns:a14="http://schemas.microsoft.com/office/drawing/2010/main">
-                <a:solidFill>
-                  <a:schemeClr val="accent1"/>
-                </a:solidFill>
-              </a14:hiddenFill>
-            </a:ext>
-            <a:ext uri="{91240B29-F687-4F45-9708-019B960494DF}">
-              <a14:hiddenLine xmlns:a14="http://schemas.microsoft.com/office/drawing/2010/main" w="9525">
-                <a:solidFill>
-                  <a:schemeClr val="tx1"/>
-                </a:solidFill>
-                <a:miter lim="800000"/>
-                <a:headEnd/>
-                <a:tailEnd/>
-              </a14:hiddenLine>
-            </a:ext>
-            <a:ext uri="{AF507438-7753-43E0-B8FC-AC1667EBCBE1}">
-              <a14:hiddenEffects xmlns:a14="http://schemas.microsoft.com/office/drawing/2010/main">
-                <a:effectLst>
-                  <a:outerShdw dist="35921" dir="2700000" algn="ctr" rotWithShape="0">
-                    <a:schemeClr val="bg2"/>
-                  </a:outerShdw>
-                </a:effectLst>
-              </a14:hiddenEffects>
-            </a:ext>
-          </a:extLst>
-        </p:spPr>
-        <p:txBody>
-          <a:bodyPr vert="horz" wrap="none" lIns="91440" tIns="45720" rIns="91440" bIns="45720" numCol="1" anchor="ctr" anchorCtr="0" compatLnSpc="1">
-            <a:prstTxWarp prst="textNoShape">
-              <a:avLst/>
-            </a:prstTxWarp>
-            <a:spAutoFit/>
-          </a:bodyPr>
-          <a:lstStyle/>
-          <a:p>
-            <a:endParaRPr lang="en-US"/>
-          </a:p>
-        </p:txBody>
-      </p:sp>
-      <p:sp>
-        <p:nvSpPr>
-          <p:cNvPr id="4" name="Rectangle 2"/>
-          <p:cNvSpPr>
-            <a:spLocks noChangeArrowheads="1"/>
-          </p:cNvSpPr>
-          <p:nvPr/>
-        </p:nvSpPr>
-        <p:spPr bwMode="auto">
-          <a:xfrm>
-            <a:off x="0" y="0"/>
-            <a:ext cx="9144000" cy="0"/>
-          </a:xfrm>
-          <a:prstGeom prst="rect">
-            <a:avLst/>
-          </a:prstGeom>
-          <a:noFill/>
-          <a:ln>
-            <a:noFill/>
-          </a:ln>
-          <a:effectLst/>
-          <a:extLst>
-            <a:ext uri="{909E8E84-426E-40DD-AFC4-6F175D3DCCD1}">
-              <a14:hiddenFill xmlns:a14="http://schemas.microsoft.com/office/drawing/2010/main">
-                <a:solidFill>
-                  <a:schemeClr val="accent1"/>
-                </a:solidFill>
-              </a14:hiddenFill>
-            </a:ext>
-            <a:ext uri="{91240B29-F687-4F45-9708-019B960494DF}">
-              <a14:hiddenLine xmlns:a14="http://schemas.microsoft.com/office/drawing/2010/main" w="9525">
-                <a:solidFill>
-                  <a:schemeClr val="tx1"/>
-                </a:solidFill>
-                <a:miter lim="800000"/>
-                <a:headEnd/>
-                <a:tailEnd/>
-              </a14:hiddenLine>
-            </a:ext>
-            <a:ext uri="{AF507438-7753-43E0-B8FC-AC1667EBCBE1}">
-              <a14:hiddenEffects xmlns:a14="http://schemas.microsoft.com/office/drawing/2010/main">
-                <a:effectLst>
-                  <a:outerShdw dist="35921" dir="2700000" algn="ctr" rotWithShape="0">
-                    <a:schemeClr val="bg2"/>
-                  </a:outerShdw>
-                </a:effectLst>
-              </a14:hiddenEffects>
-            </a:ext>
-          </a:extLst>
-        </p:spPr>
-        <p:txBody>
-          <a:bodyPr vert="horz" wrap="none" lIns="91440" tIns="45720" rIns="91440" bIns="45720" numCol="1" anchor="ctr" anchorCtr="0" compatLnSpc="1">
-            <a:prstTxWarp prst="textNoShape">
-              <a:avLst/>
-            </a:prstTxWarp>
-            <a:spAutoFit/>
-          </a:bodyPr>
-          <a:lstStyle/>
-          <a:p>
-            <a:endParaRPr lang="en-US"/>
-          </a:p>
-        </p:txBody>
-      </p:sp>
+      </p:pic>
     </p:spTree>
     <p:extLst>
       <p:ext uri="{BB962C8B-B14F-4D97-AF65-F5344CB8AC3E}">
-        <p14:creationId xmlns:p14="http://schemas.microsoft.com/office/powerpoint/2010/main" val="336984967"/>
+        <p14:creationId xmlns:p14="http://schemas.microsoft.com/office/powerpoint/2010/main" xmlns="" val="3832736806"/>
       </p:ext>
     </p:extLst>
   </p:cSld>
@@ -31844,4 +32550,287 @@
   <a:objectDefaults/>
   <a:extraClrSchemeLst/>
 </a:theme>
+</file>
+
+<file path=ppt/theme/theme2.xml><?xml version="1.0" encoding="utf-8"?>
+<a:theme xmlns:a="http://schemas.openxmlformats.org/drawingml/2006/main" name="Office Theme">
+  <a:themeElements>
+    <a:clrScheme name="Office">
+      <a:dk1>
+        <a:sysClr val="windowText" lastClr="000000"/>
+      </a:dk1>
+      <a:lt1>
+        <a:sysClr val="window" lastClr="FFFFFF"/>
+      </a:lt1>
+      <a:dk2>
+        <a:srgbClr val="1F497D"/>
+      </a:dk2>
+      <a:lt2>
+        <a:srgbClr val="EEECE1"/>
+      </a:lt2>
+      <a:accent1>
+        <a:srgbClr val="4F81BD"/>
+      </a:accent1>
+      <a:accent2>
+        <a:srgbClr val="C0504D"/>
+      </a:accent2>
+      <a:accent3>
+        <a:srgbClr val="9BBB59"/>
+      </a:accent3>
+      <a:accent4>
+        <a:srgbClr val="8064A2"/>
+      </a:accent4>
+      <a:accent5>
+        <a:srgbClr val="4BACC6"/>
+      </a:accent5>
+      <a:accent6>
+        <a:srgbClr val="F79646"/>
+      </a:accent6>
+      <a:hlink>
+        <a:srgbClr val="0000FF"/>
+      </a:hlink>
+      <a:folHlink>
+        <a:srgbClr val="800080"/>
+      </a:folHlink>
+    </a:clrScheme>
+    <a:fontScheme name="Office">
+      <a:majorFont>
+        <a:latin typeface="Calibri"/>
+        <a:ea typeface=""/>
+        <a:cs typeface=""/>
+        <a:font script="Jpan" typeface="ＭＳ Ｐゴシック"/>
+        <a:font script="Hang" typeface="맑은 고딕"/>
+        <a:font script="Hans" typeface="宋体"/>
+        <a:font script="Hant" typeface="新細明體"/>
+        <a:font script="Arab" typeface="Times New Roman"/>
+        <a:font script="Hebr" typeface="Times New Roman"/>
+        <a:font script="Thai" typeface="Angsana New"/>
+        <a:font script="Ethi" typeface="Nyala"/>
+        <a:font script="Beng" typeface="Vrinda"/>
+        <a:font script="Gujr" typeface="Shruti"/>
+        <a:font script="Khmr" typeface="MoolBoran"/>
+        <a:font script="Knda" typeface="Tunga"/>
+        <a:font script="Guru" typeface="Raavi"/>
+        <a:font script="Cans" typeface="Euphemia"/>
+        <a:font script="Cher" typeface="Plantagenet Cherokee"/>
+        <a:font script="Yiii" typeface="Microsoft Yi Baiti"/>
+        <a:font script="Tibt" typeface="Microsoft Himalaya"/>
+        <a:font script="Thaa" typeface="MV Boli"/>
+        <a:font script="Deva" typeface="Mangal"/>
+        <a:font script="Telu" typeface="Gautami"/>
+        <a:font script="Taml" typeface="Latha"/>
+        <a:font script="Syrc" typeface="Estrangelo Edessa"/>
+        <a:font script="Orya" typeface="Kalinga"/>
+        <a:font script="Mlym" typeface="Kartika"/>
+        <a:font script="Laoo" typeface="DokChampa"/>
+        <a:font script="Sinh" typeface="Iskoola Pota"/>
+        <a:font script="Mong" typeface="Mongolian Baiti"/>
+        <a:font script="Viet" typeface="Times New Roman"/>
+        <a:font script="Uigh" typeface="Microsoft Uighur"/>
+      </a:majorFont>
+      <a:minorFont>
+        <a:latin typeface="Calibri"/>
+        <a:ea typeface=""/>
+        <a:cs typeface=""/>
+        <a:font script="Jpan" typeface="ＭＳ Ｐゴシック"/>
+        <a:font script="Hang" typeface="맑은 고딕"/>
+        <a:font script="Hans" typeface="宋体"/>
+        <a:font script="Hant" typeface="新細明體"/>
+        <a:font script="Arab" typeface="Arial"/>
+        <a:font script="Hebr" typeface="Arial"/>
+        <a:font script="Thai" typeface="Cordia New"/>
+        <a:font script="Ethi" typeface="Nyala"/>
+        <a:font script="Beng" typeface="Vrinda"/>
+        <a:font script="Gujr" typeface="Shruti"/>
+        <a:font script="Khmr" typeface="DaunPenh"/>
+        <a:font script="Knda" typeface="Tunga"/>
+        <a:font script="Guru" typeface="Raavi"/>
+        <a:font script="Cans" typeface="Euphemia"/>
+        <a:font script="Cher" typeface="Plantagenet Cherokee"/>
+        <a:font script="Yiii" typeface="Microsoft Yi Baiti"/>
+        <a:font script="Tibt" typeface="Microsoft Himalaya"/>
+        <a:font script="Thaa" typeface="MV Boli"/>
+        <a:font script="Deva" typeface="Mangal"/>
+        <a:font script="Telu" typeface="Gautami"/>
+        <a:font script="Taml" typeface="Latha"/>
+        <a:font script="Syrc" typeface="Estrangelo Edessa"/>
+        <a:font script="Orya" typeface="Kalinga"/>
+        <a:font script="Mlym" typeface="Kartika"/>
+        <a:font script="Laoo" typeface="DokChampa"/>
+        <a:font script="Sinh" typeface="Iskoola Pota"/>
+        <a:font script="Mong" typeface="Mongolian Baiti"/>
+        <a:font script="Viet" typeface="Arial"/>
+        <a:font script="Uigh" typeface="Microsoft Uighur"/>
+      </a:minorFont>
+    </a:fontScheme>
+    <a:fmtScheme name="Office">
+      <a:fillStyleLst>
+        <a:solidFill>
+          <a:schemeClr val="phClr"/>
+        </a:solidFill>
+        <a:gradFill rotWithShape="1">
+          <a:gsLst>
+            <a:gs pos="0">
+              <a:schemeClr val="phClr">
+                <a:tint val="50000"/>
+                <a:satMod val="300000"/>
+              </a:schemeClr>
+            </a:gs>
+            <a:gs pos="35000">
+              <a:schemeClr val="phClr">
+                <a:tint val="37000"/>
+                <a:satMod val="300000"/>
+              </a:schemeClr>
+            </a:gs>
+            <a:gs pos="100000">
+              <a:schemeClr val="phClr">
+                <a:tint val="15000"/>
+                <a:satMod val="350000"/>
+              </a:schemeClr>
+            </a:gs>
+          </a:gsLst>
+          <a:lin ang="16200000" scaled="1"/>
+        </a:gradFill>
+        <a:gradFill rotWithShape="1">
+          <a:gsLst>
+            <a:gs pos="0">
+              <a:schemeClr val="phClr">
+                <a:shade val="51000"/>
+                <a:satMod val="130000"/>
+              </a:schemeClr>
+            </a:gs>
+            <a:gs pos="80000">
+              <a:schemeClr val="phClr">
+                <a:shade val="93000"/>
+                <a:satMod val="130000"/>
+              </a:schemeClr>
+            </a:gs>
+            <a:gs pos="100000">
+              <a:schemeClr val="phClr">
+                <a:shade val="94000"/>
+                <a:satMod val="135000"/>
+              </a:schemeClr>
+            </a:gs>
+          </a:gsLst>
+          <a:lin ang="16200000" scaled="0"/>
+        </a:gradFill>
+      </a:fillStyleLst>
+      <a:lnStyleLst>
+        <a:ln w="9525" cap="flat" cmpd="sng" algn="ctr">
+          <a:solidFill>
+            <a:schemeClr val="phClr">
+              <a:shade val="95000"/>
+              <a:satMod val="105000"/>
+            </a:schemeClr>
+          </a:solidFill>
+          <a:prstDash val="solid"/>
+        </a:ln>
+        <a:ln w="25400" cap="flat" cmpd="sng" algn="ctr">
+          <a:solidFill>
+            <a:schemeClr val="phClr"/>
+          </a:solidFill>
+          <a:prstDash val="solid"/>
+        </a:ln>
+        <a:ln w="38100" cap="flat" cmpd="sng" algn="ctr">
+          <a:solidFill>
+            <a:schemeClr val="phClr"/>
+          </a:solidFill>
+          <a:prstDash val="solid"/>
+        </a:ln>
+      </a:lnStyleLst>
+      <a:effectStyleLst>
+        <a:effectStyle>
+          <a:effectLst>
+            <a:outerShdw blurRad="40000" dist="20000" dir="5400000" rotWithShape="0">
+              <a:srgbClr val="000000">
+                <a:alpha val="38000"/>
+              </a:srgbClr>
+            </a:outerShdw>
+          </a:effectLst>
+        </a:effectStyle>
+        <a:effectStyle>
+          <a:effectLst>
+            <a:outerShdw blurRad="40000" dist="23000" dir="5400000" rotWithShape="0">
+              <a:srgbClr val="000000">
+                <a:alpha val="35000"/>
+              </a:srgbClr>
+            </a:outerShdw>
+          </a:effectLst>
+        </a:effectStyle>
+        <a:effectStyle>
+          <a:effectLst>
+            <a:outerShdw blurRad="40000" dist="23000" dir="5400000" rotWithShape="0">
+              <a:srgbClr val="000000">
+                <a:alpha val="35000"/>
+              </a:srgbClr>
+            </a:outerShdw>
+          </a:effectLst>
+          <a:scene3d>
+            <a:camera prst="orthographicFront">
+              <a:rot lat="0" lon="0" rev="0"/>
+            </a:camera>
+            <a:lightRig rig="threePt" dir="t">
+              <a:rot lat="0" lon="0" rev="1200000"/>
+            </a:lightRig>
+          </a:scene3d>
+          <a:sp3d>
+            <a:bevelT w="63500" h="25400"/>
+          </a:sp3d>
+        </a:effectStyle>
+      </a:effectStyleLst>
+      <a:bgFillStyleLst>
+        <a:solidFill>
+          <a:schemeClr val="phClr"/>
+        </a:solidFill>
+        <a:gradFill rotWithShape="1">
+          <a:gsLst>
+            <a:gs pos="0">
+              <a:schemeClr val="phClr">
+                <a:tint val="40000"/>
+                <a:satMod val="350000"/>
+              </a:schemeClr>
+            </a:gs>
+            <a:gs pos="40000">
+              <a:schemeClr val="phClr">
+                <a:tint val="45000"/>
+                <a:shade val="99000"/>
+                <a:satMod val="350000"/>
+              </a:schemeClr>
+            </a:gs>
+            <a:gs pos="100000">
+              <a:schemeClr val="phClr">
+                <a:shade val="20000"/>
+                <a:satMod val="255000"/>
+              </a:schemeClr>
+            </a:gs>
+          </a:gsLst>
+          <a:path path="circle">
+            <a:fillToRect l="50000" t="-80000" r="50000" b="180000"/>
+          </a:path>
+        </a:gradFill>
+        <a:gradFill rotWithShape="1">
+          <a:gsLst>
+            <a:gs pos="0">
+              <a:schemeClr val="phClr">
+                <a:tint val="80000"/>
+                <a:satMod val="300000"/>
+              </a:schemeClr>
+            </a:gs>
+            <a:gs pos="100000">
+              <a:schemeClr val="phClr">
+                <a:shade val="30000"/>
+                <a:satMod val="200000"/>
+              </a:schemeClr>
+            </a:gs>
+          </a:gsLst>
+          <a:path path="circle">
+            <a:fillToRect l="50000" t="50000" r="50000" b="50000"/>
+          </a:path>
+        </a:gradFill>
+      </a:bgFillStyleLst>
+    </a:fmtScheme>
+  </a:themeElements>
+  <a:objectDefaults/>
+  <a:extraClrSchemeLst/>
+</a:theme>
 </file>
--- a/deliverables/final/Final Presentation.pptx
+++ b/deliverables/final/Final Presentation.pptx
@@ -5,7 +5,7 @@
     <p:sldMasterId id="2147483792" r:id="rId1"/>
   </p:sldMasterIdLst>
   <p:notesMasterIdLst>
-    <p:notesMasterId r:id="rId32"/>
+    <p:notesMasterId r:id="rId33"/>
   </p:notesMasterIdLst>
   <p:sldIdLst>
     <p:sldId id="256" r:id="rId2"/>
@@ -25,19 +25,20 @@
     <p:sldId id="271" r:id="rId16"/>
     <p:sldId id="292" r:id="rId17"/>
     <p:sldId id="293" r:id="rId18"/>
-    <p:sldId id="280" r:id="rId19"/>
-    <p:sldId id="295" r:id="rId20"/>
-    <p:sldId id="281" r:id="rId21"/>
-    <p:sldId id="283" r:id="rId22"/>
-    <p:sldId id="294" r:id="rId23"/>
-    <p:sldId id="285" r:id="rId24"/>
-    <p:sldId id="286" r:id="rId25"/>
-    <p:sldId id="287" r:id="rId26"/>
-    <p:sldId id="288" r:id="rId27"/>
-    <p:sldId id="289" r:id="rId28"/>
-    <p:sldId id="282" r:id="rId29"/>
-    <p:sldId id="266" r:id="rId30"/>
-    <p:sldId id="259" r:id="rId31"/>
+    <p:sldId id="296" r:id="rId19"/>
+    <p:sldId id="280" r:id="rId20"/>
+    <p:sldId id="295" r:id="rId21"/>
+    <p:sldId id="281" r:id="rId22"/>
+    <p:sldId id="283" r:id="rId23"/>
+    <p:sldId id="294" r:id="rId24"/>
+    <p:sldId id="285" r:id="rId25"/>
+    <p:sldId id="286" r:id="rId26"/>
+    <p:sldId id="287" r:id="rId27"/>
+    <p:sldId id="288" r:id="rId28"/>
+    <p:sldId id="289" r:id="rId29"/>
+    <p:sldId id="282" r:id="rId30"/>
+    <p:sldId id="266" r:id="rId31"/>
+    <p:sldId id="259" r:id="rId32"/>
   </p:sldIdLst>
   <p:sldSz cx="9144000" cy="6858000" type="screen4x3"/>
   <p:notesSz cx="6858000" cy="9144000"/>
@@ -894,7 +895,7 @@
           <a:p>
             <a:fld id="{571BB694-2EE6-4BEE-8AE8-20A8D9DB53E6}" type="slidenum">
               <a:rPr lang="en-US" smtClean="0"/>
-              <a:t>21</a:t>
+              <a:t>22</a:t>
             </a:fld>
             <a:endParaRPr lang="en-US"/>
           </a:p>
@@ -23592,6 +23593,93 @@
         </p:nvSpPr>
         <p:spPr>
           <a:xfrm>
+            <a:off x="697638" y="422031"/>
+            <a:ext cx="7024744" cy="1143000"/>
+          </a:xfrm>
+        </p:spPr>
+        <p:txBody>
+          <a:bodyPr/>
+          <a:lstStyle/>
+          <a:p>
+            <a:r>
+              <a:rPr lang="en-US" dirty="0" smtClean="0"/>
+              <a:t>Use Case Diagram</a:t>
+            </a:r>
+            <a:endParaRPr lang="en-US" dirty="0"/>
+          </a:p>
+        </p:txBody>
+      </p:sp>
+      <p:pic>
+        <p:nvPicPr>
+          <p:cNvPr id="75778" name="Picture 2"/>
+          <p:cNvPicPr>
+            <a:picLocks noGrp="1" noChangeAspect="1" noChangeArrowheads="1"/>
+          </p:cNvPicPr>
+          <p:nvPr>
+            <p:ph idx="1"/>
+          </p:nvPr>
+        </p:nvPicPr>
+        <p:blipFill>
+          <a:blip r:embed="rId2" cstate="print"/>
+          <a:srcRect/>
+          <a:stretch>
+            <a:fillRect/>
+          </a:stretch>
+        </p:blipFill>
+        <p:spPr bwMode="auto">
+          <a:xfrm>
+            <a:off x="1553423" y="1735015"/>
+            <a:ext cx="6312762" cy="4734572"/>
+          </a:xfrm>
+          <a:prstGeom prst="rect">
+            <a:avLst/>
+          </a:prstGeom>
+          <a:noFill/>
+          <a:ln w="9525">
+            <a:noFill/>
+            <a:miter lim="800000"/>
+            <a:headEnd/>
+            <a:tailEnd/>
+          </a:ln>
+        </p:spPr>
+      </p:pic>
+    </p:spTree>
+  </p:cSld>
+  <p:clrMapOvr>
+    <a:masterClrMapping/>
+  </p:clrMapOvr>
+</p:sld>
+</file>
+
+<file path=ppt/slides/slide19.xml><?xml version="1.0" encoding="utf-8"?>
+<p:sld xmlns:a="http://schemas.openxmlformats.org/drawingml/2006/main" xmlns:r="http://schemas.openxmlformats.org/officeDocument/2006/relationships" xmlns:p="http://schemas.openxmlformats.org/presentationml/2006/main">
+  <p:cSld>
+    <p:spTree>
+      <p:nvGrpSpPr>
+        <p:cNvPr id="1" name=""/>
+        <p:cNvGrpSpPr/>
+        <p:nvPr/>
+      </p:nvGrpSpPr>
+      <p:grpSpPr>
+        <a:xfrm>
+          <a:off x="0" y="0"/>
+          <a:ext cx="0" cy="0"/>
+          <a:chOff x="0" y="0"/>
+          <a:chExt cx="0" cy="0"/>
+        </a:xfrm>
+      </p:grpSpPr>
+      <p:sp>
+        <p:nvSpPr>
+          <p:cNvPr id="2" name="Title 1"/>
+          <p:cNvSpPr>
+            <a:spLocks noGrp="1"/>
+          </p:cNvSpPr>
+          <p:nvPr>
+            <p:ph type="title"/>
+          </p:nvPr>
+        </p:nvSpPr>
+        <p:spPr>
+          <a:xfrm>
             <a:off x="796065" y="456164"/>
             <a:ext cx="7024744" cy="1143000"/>
           </a:xfrm>
@@ -23739,7 +23827,143 @@
 </p:sld>
 </file>
 
-<file path=ppt/slides/slide19.xml><?xml version="1.0" encoding="utf-8"?>
+<file path=ppt/slides/slide2.xml><?xml version="1.0" encoding="utf-8"?>
+<p:sld xmlns:a="http://schemas.openxmlformats.org/drawingml/2006/main" xmlns:r="http://schemas.openxmlformats.org/officeDocument/2006/relationships" xmlns:p="http://schemas.openxmlformats.org/presentationml/2006/main">
+  <p:cSld>
+    <p:spTree>
+      <p:nvGrpSpPr>
+        <p:cNvPr id="1" name=""/>
+        <p:cNvGrpSpPr/>
+        <p:nvPr/>
+      </p:nvGrpSpPr>
+      <p:grpSpPr>
+        <a:xfrm>
+          <a:off x="0" y="0"/>
+          <a:ext cx="0" cy="0"/>
+          <a:chOff x="0" y="0"/>
+          <a:chExt cx="0" cy="0"/>
+        </a:xfrm>
+      </p:grpSpPr>
+      <p:sp>
+        <p:nvSpPr>
+          <p:cNvPr id="2" name="Title 1"/>
+          <p:cNvSpPr>
+            <a:spLocks noGrp="1"/>
+          </p:cNvSpPr>
+          <p:nvPr>
+            <p:ph type="title"/>
+          </p:nvPr>
+        </p:nvSpPr>
+        <p:spPr>
+          <a:xfrm>
+            <a:off x="796065" y="286439"/>
+            <a:ext cx="7024744" cy="1143000"/>
+          </a:xfrm>
+        </p:spPr>
+        <p:txBody>
+          <a:bodyPr>
+            <a:normAutofit/>
+          </a:bodyPr>
+          <a:lstStyle/>
+          <a:p>
+            <a:r>
+              <a:rPr lang="en-US" dirty="0" smtClean="0"/>
+              <a:t>What is iBudget?</a:t>
+            </a:r>
+            <a:endParaRPr lang="en-US" dirty="0"/>
+          </a:p>
+        </p:txBody>
+      </p:sp>
+      <p:sp>
+        <p:nvSpPr>
+          <p:cNvPr id="3" name="Content Placeholder 2"/>
+          <p:cNvSpPr>
+            <a:spLocks noGrp="1"/>
+          </p:cNvSpPr>
+          <p:nvPr>
+            <p:ph idx="1"/>
+          </p:nvPr>
+        </p:nvSpPr>
+        <p:spPr>
+          <a:xfrm>
+            <a:off x="796065" y="1726841"/>
+            <a:ext cx="6777317" cy="4376504"/>
+          </a:xfrm>
+        </p:spPr>
+        <p:txBody>
+          <a:bodyPr>
+            <a:normAutofit/>
+          </a:bodyPr>
+          <a:lstStyle/>
+          <a:p>
+            <a:pPr>
+              <a:buNone/>
+            </a:pPr>
+            <a:endParaRPr lang="en-US" dirty="0" smtClean="0"/>
+          </a:p>
+          <a:p>
+            <a:pPr>
+              <a:buNone/>
+            </a:pPr>
+            <a:r>
+              <a:rPr lang="en-US" dirty="0" smtClean="0"/>
+              <a:t>A web-based personal financial management service designed to:</a:t>
+            </a:r>
+          </a:p>
+          <a:p>
+            <a:pPr>
+              <a:buNone/>
+            </a:pPr>
+            <a:endParaRPr lang="en-US" dirty="0" smtClean="0"/>
+          </a:p>
+          <a:p>
+            <a:pPr marL="525780" indent="-457200">
+              <a:buFont typeface="Wingdings" pitchFamily="2" charset="2"/>
+              <a:buChar char="Ø"/>
+            </a:pPr>
+            <a:r>
+              <a:rPr lang="en-US" dirty="0" smtClean="0"/>
+              <a:t>Keep track of all your financial accounts into one place</a:t>
+            </a:r>
+          </a:p>
+          <a:p>
+            <a:pPr marL="525780" indent="-457200">
+              <a:buFont typeface="Wingdings" pitchFamily="2" charset="2"/>
+              <a:buChar char="Ø"/>
+            </a:pPr>
+            <a:r>
+              <a:rPr lang="en-US" dirty="0" smtClean="0"/>
+              <a:t>Allow you to set a budget</a:t>
+            </a:r>
+          </a:p>
+          <a:p>
+            <a:pPr marL="525780" indent="-457200">
+              <a:buFont typeface="Wingdings" pitchFamily="2" charset="2"/>
+              <a:buChar char="Ø"/>
+            </a:pPr>
+            <a:r>
+              <a:rPr lang="en-US" dirty="0" smtClean="0"/>
+              <a:t>Manage individual transactions</a:t>
+            </a:r>
+          </a:p>
+          <a:p>
+            <a:pPr marL="525780" indent="-457200">
+              <a:buFont typeface="+mj-lt"/>
+              <a:buAutoNum type="alphaUcPeriod"/>
+            </a:pPr>
+            <a:endParaRPr lang="en-US" dirty="0" smtClean="0"/>
+          </a:p>
+        </p:txBody>
+      </p:sp>
+    </p:spTree>
+  </p:cSld>
+  <p:clrMapOvr>
+    <a:masterClrMapping/>
+  </p:clrMapOvr>
+</p:sld>
+</file>
+
+<file path=ppt/slides/slide20.xml><?xml version="1.0" encoding="utf-8"?>
 <p:sld xmlns:a="http://schemas.openxmlformats.org/drawingml/2006/main" xmlns:r="http://schemas.openxmlformats.org/officeDocument/2006/relationships" xmlns:p="http://schemas.openxmlformats.org/presentationml/2006/main">
   <p:cSld>
     <p:spTree>
@@ -24216,143 +24440,7 @@
 </p:sld>
 </file>
 
-<file path=ppt/slides/slide2.xml><?xml version="1.0" encoding="utf-8"?>
-<p:sld xmlns:a="http://schemas.openxmlformats.org/drawingml/2006/main" xmlns:r="http://schemas.openxmlformats.org/officeDocument/2006/relationships" xmlns:p="http://schemas.openxmlformats.org/presentationml/2006/main">
-  <p:cSld>
-    <p:spTree>
-      <p:nvGrpSpPr>
-        <p:cNvPr id="1" name=""/>
-        <p:cNvGrpSpPr/>
-        <p:nvPr/>
-      </p:nvGrpSpPr>
-      <p:grpSpPr>
-        <a:xfrm>
-          <a:off x="0" y="0"/>
-          <a:ext cx="0" cy="0"/>
-          <a:chOff x="0" y="0"/>
-          <a:chExt cx="0" cy="0"/>
-        </a:xfrm>
-      </p:grpSpPr>
-      <p:sp>
-        <p:nvSpPr>
-          <p:cNvPr id="2" name="Title 1"/>
-          <p:cNvSpPr>
-            <a:spLocks noGrp="1"/>
-          </p:cNvSpPr>
-          <p:nvPr>
-            <p:ph type="title"/>
-          </p:nvPr>
-        </p:nvSpPr>
-        <p:spPr>
-          <a:xfrm>
-            <a:off x="796065" y="286439"/>
-            <a:ext cx="7024744" cy="1143000"/>
-          </a:xfrm>
-        </p:spPr>
-        <p:txBody>
-          <a:bodyPr>
-            <a:normAutofit/>
-          </a:bodyPr>
-          <a:lstStyle/>
-          <a:p>
-            <a:r>
-              <a:rPr lang="en-US" dirty="0" smtClean="0"/>
-              <a:t>What is iBudget?</a:t>
-            </a:r>
-            <a:endParaRPr lang="en-US" dirty="0"/>
-          </a:p>
-        </p:txBody>
-      </p:sp>
-      <p:sp>
-        <p:nvSpPr>
-          <p:cNvPr id="3" name="Content Placeholder 2"/>
-          <p:cNvSpPr>
-            <a:spLocks noGrp="1"/>
-          </p:cNvSpPr>
-          <p:nvPr>
-            <p:ph idx="1"/>
-          </p:nvPr>
-        </p:nvSpPr>
-        <p:spPr>
-          <a:xfrm>
-            <a:off x="796065" y="1726841"/>
-            <a:ext cx="6777317" cy="4376504"/>
-          </a:xfrm>
-        </p:spPr>
-        <p:txBody>
-          <a:bodyPr>
-            <a:normAutofit/>
-          </a:bodyPr>
-          <a:lstStyle/>
-          <a:p>
-            <a:pPr>
-              <a:buNone/>
-            </a:pPr>
-            <a:endParaRPr lang="en-US" dirty="0" smtClean="0"/>
-          </a:p>
-          <a:p>
-            <a:pPr>
-              <a:buNone/>
-            </a:pPr>
-            <a:r>
-              <a:rPr lang="en-US" dirty="0" smtClean="0"/>
-              <a:t>A web-based personal financial management service designed to:</a:t>
-            </a:r>
-          </a:p>
-          <a:p>
-            <a:pPr>
-              <a:buNone/>
-            </a:pPr>
-            <a:endParaRPr lang="en-US" dirty="0" smtClean="0"/>
-          </a:p>
-          <a:p>
-            <a:pPr marL="525780" indent="-457200">
-              <a:buFont typeface="Wingdings" pitchFamily="2" charset="2"/>
-              <a:buChar char="Ø"/>
-            </a:pPr>
-            <a:r>
-              <a:rPr lang="en-US" dirty="0" smtClean="0"/>
-              <a:t>Keep track of all your financial accounts into one place</a:t>
-            </a:r>
-          </a:p>
-          <a:p>
-            <a:pPr marL="525780" indent="-457200">
-              <a:buFont typeface="Wingdings" pitchFamily="2" charset="2"/>
-              <a:buChar char="Ø"/>
-            </a:pPr>
-            <a:r>
-              <a:rPr lang="en-US" dirty="0" smtClean="0"/>
-              <a:t>Allow you to set a budget</a:t>
-            </a:r>
-          </a:p>
-          <a:p>
-            <a:pPr marL="525780" indent="-457200">
-              <a:buFont typeface="Wingdings" pitchFamily="2" charset="2"/>
-              <a:buChar char="Ø"/>
-            </a:pPr>
-            <a:r>
-              <a:rPr lang="en-US" dirty="0" smtClean="0"/>
-              <a:t>Manage individual transactions</a:t>
-            </a:r>
-          </a:p>
-          <a:p>
-            <a:pPr marL="525780" indent="-457200">
-              <a:buFont typeface="+mj-lt"/>
-              <a:buAutoNum type="alphaUcPeriod"/>
-            </a:pPr>
-            <a:endParaRPr lang="en-US" dirty="0" smtClean="0"/>
-          </a:p>
-        </p:txBody>
-      </p:sp>
-    </p:spTree>
-  </p:cSld>
-  <p:clrMapOvr>
-    <a:masterClrMapping/>
-  </p:clrMapOvr>
-</p:sld>
-</file>
-
-<file path=ppt/slides/slide20.xml><?xml version="1.0" encoding="utf-8"?>
+<file path=ppt/slides/slide21.xml><?xml version="1.0" encoding="utf-8"?>
 <p:sld xmlns:a="http://schemas.openxmlformats.org/drawingml/2006/main" xmlns:r="http://schemas.openxmlformats.org/officeDocument/2006/relationships" xmlns:p="http://schemas.openxmlformats.org/presentationml/2006/main">
   <p:cSld>
     <p:spTree>
@@ -24490,7 +24578,7 @@
 </p:sld>
 </file>
 
-<file path=ppt/slides/slide21.xml><?xml version="1.0" encoding="utf-8"?>
+<file path=ppt/slides/slide22.xml><?xml version="1.0" encoding="utf-8"?>
 <p:sld xmlns:a="http://schemas.openxmlformats.org/drawingml/2006/main" xmlns:r="http://schemas.openxmlformats.org/officeDocument/2006/relationships" xmlns:p="http://schemas.openxmlformats.org/presentationml/2006/main">
   <p:cSld>
     <p:spTree>
@@ -24589,7 +24677,7 @@
 </p:sld>
 </file>
 
-<file path=ppt/slides/slide22.xml><?xml version="1.0" encoding="utf-8"?>
+<file path=ppt/slides/slide23.xml><?xml version="1.0" encoding="utf-8"?>
 <p:sld xmlns:a="http://schemas.openxmlformats.org/drawingml/2006/main" xmlns:r="http://schemas.openxmlformats.org/officeDocument/2006/relationships" xmlns:p="http://schemas.openxmlformats.org/presentationml/2006/main">
   <p:cSld>
     <p:spTree>
@@ -24706,7 +24794,7 @@
 </p:sld>
 </file>
 
-<file path=ppt/slides/slide23.xml><?xml version="1.0" encoding="utf-8"?>
+<file path=ppt/slides/slide24.xml><?xml version="1.0" encoding="utf-8"?>
 <p:sld xmlns:a="http://schemas.openxmlformats.org/drawingml/2006/main" xmlns:r="http://schemas.openxmlformats.org/officeDocument/2006/relationships" xmlns:p="http://schemas.openxmlformats.org/presentationml/2006/main">
   <p:cSld>
     <p:spTree>
@@ -24889,7 +24977,7 @@
 </p:sld>
 </file>
 
-<file path=ppt/slides/slide24.xml><?xml version="1.0" encoding="utf-8"?>
+<file path=ppt/slides/slide25.xml><?xml version="1.0" encoding="utf-8"?>
 <p:sld xmlns:a="http://schemas.openxmlformats.org/drawingml/2006/main" xmlns:r="http://schemas.openxmlformats.org/officeDocument/2006/relationships" xmlns:p="http://schemas.openxmlformats.org/presentationml/2006/main">
   <p:cSld>
     <p:spTree>
@@ -25075,7 +25163,7 @@
 </p:sld>
 </file>
 
-<file path=ppt/slides/slide25.xml><?xml version="1.0" encoding="utf-8"?>
+<file path=ppt/slides/slide26.xml><?xml version="1.0" encoding="utf-8"?>
 <p:sld xmlns:a="http://schemas.openxmlformats.org/drawingml/2006/main" xmlns:r="http://schemas.openxmlformats.org/officeDocument/2006/relationships" xmlns:p="http://schemas.openxmlformats.org/presentationml/2006/main">
   <p:cSld>
     <p:spTree>
@@ -25324,7 +25412,7 @@
 </p:sld>
 </file>
 
-<file path=ppt/slides/slide26.xml><?xml version="1.0" encoding="utf-8"?>
+<file path=ppt/slides/slide27.xml><?xml version="1.0" encoding="utf-8"?>
 <p:sld xmlns:a="http://schemas.openxmlformats.org/drawingml/2006/main" xmlns:r="http://schemas.openxmlformats.org/officeDocument/2006/relationships" xmlns:p="http://schemas.openxmlformats.org/presentationml/2006/main">
   <p:cSld>
     <p:spTree>
@@ -25577,7 +25665,7 @@
 </p:sld>
 </file>
 
-<file path=ppt/slides/slide27.xml><?xml version="1.0" encoding="utf-8"?>
+<file path=ppt/slides/slide28.xml><?xml version="1.0" encoding="utf-8"?>
 <p:sld xmlns:a="http://schemas.openxmlformats.org/drawingml/2006/main" xmlns:r="http://schemas.openxmlformats.org/officeDocument/2006/relationships" xmlns:p="http://schemas.openxmlformats.org/presentationml/2006/main">
   <p:cSld>
     <p:spTree>
@@ -25892,7 +25980,7 @@
 </p:sld>
 </file>
 
-<file path=ppt/slides/slide28.xml><?xml version="1.0" encoding="utf-8"?>
+<file path=ppt/slides/slide29.xml><?xml version="1.0" encoding="utf-8"?>
 <p:sld xmlns:a="http://schemas.openxmlformats.org/drawingml/2006/main" xmlns:r="http://schemas.openxmlformats.org/officeDocument/2006/relationships" xmlns:p="http://schemas.openxmlformats.org/presentationml/2006/main">
   <p:cSld>
     <p:spTree>
@@ -26208,7 +26296,136 @@
 </p:sld>
 </file>
 
-<file path=ppt/slides/slide29.xml><?xml version="1.0" encoding="utf-8"?>
+<file path=ppt/slides/slide3.xml><?xml version="1.0" encoding="utf-8"?>
+<p:sld xmlns:a="http://schemas.openxmlformats.org/drawingml/2006/main" xmlns:r="http://schemas.openxmlformats.org/officeDocument/2006/relationships" xmlns:p="http://schemas.openxmlformats.org/presentationml/2006/main">
+  <p:cSld>
+    <p:spTree>
+      <p:nvGrpSpPr>
+        <p:cNvPr id="1" name=""/>
+        <p:cNvGrpSpPr/>
+        <p:nvPr/>
+      </p:nvGrpSpPr>
+      <p:grpSpPr>
+        <a:xfrm>
+          <a:off x="0" y="0"/>
+          <a:ext cx="0" cy="0"/>
+          <a:chOff x="0" y="0"/>
+          <a:chExt cx="0" cy="0"/>
+        </a:xfrm>
+      </p:grpSpPr>
+      <p:sp>
+        <p:nvSpPr>
+          <p:cNvPr id="2" name="Title 1"/>
+          <p:cNvSpPr>
+            <a:spLocks noGrp="1"/>
+          </p:cNvSpPr>
+          <p:nvPr>
+            <p:ph type="title"/>
+          </p:nvPr>
+        </p:nvSpPr>
+        <p:spPr>
+          <a:xfrm>
+            <a:off x="796065" y="286439"/>
+            <a:ext cx="7024744" cy="1143000"/>
+          </a:xfrm>
+        </p:spPr>
+        <p:txBody>
+          <a:bodyPr>
+            <a:normAutofit/>
+          </a:bodyPr>
+          <a:lstStyle/>
+          <a:p>
+            <a:r>
+              <a:rPr lang="en-US" dirty="0" smtClean="0"/>
+              <a:t>Competition: Mint.com</a:t>
+            </a:r>
+            <a:endParaRPr lang="en-US" dirty="0"/>
+          </a:p>
+        </p:txBody>
+      </p:sp>
+      <p:sp>
+        <p:nvSpPr>
+          <p:cNvPr id="3" name="Content Placeholder 2"/>
+          <p:cNvSpPr>
+            <a:spLocks noGrp="1"/>
+          </p:cNvSpPr>
+          <p:nvPr>
+            <p:ph idx="1"/>
+          </p:nvPr>
+        </p:nvSpPr>
+        <p:spPr>
+          <a:xfrm>
+            <a:off x="3007605" y="1795749"/>
+            <a:ext cx="5640636" cy="2448552"/>
+          </a:xfrm>
+        </p:spPr>
+        <p:txBody>
+          <a:bodyPr>
+            <a:normAutofit/>
+          </a:bodyPr>
+          <a:lstStyle/>
+          <a:p>
+            <a:r>
+              <a:rPr lang="en-US" dirty="0" smtClean="0"/>
+              <a:t>See all accounts</a:t>
+            </a:r>
+          </a:p>
+          <a:p>
+            <a:r>
+              <a:rPr lang="en-US" dirty="0" smtClean="0"/>
+              <a:t>Auto categorization</a:t>
+            </a:r>
+          </a:p>
+          <a:p>
+            <a:r>
+              <a:rPr lang="en-US" dirty="0" smtClean="0"/>
+              <a:t>Timely alerts to email and phone</a:t>
+            </a:r>
+          </a:p>
+          <a:p>
+            <a:r>
+              <a:rPr lang="en-US" dirty="0" smtClean="0"/>
+              <a:t>Helpful graphs</a:t>
+            </a:r>
+            <a:endParaRPr lang="en-US" dirty="0"/>
+          </a:p>
+        </p:txBody>
+      </p:sp>
+      <p:pic>
+        <p:nvPicPr>
+          <p:cNvPr id="16386" name="Picture 2" descr="File:Mintcom.png"/>
+          <p:cNvPicPr>
+            <a:picLocks noChangeAspect="1" noChangeArrowheads="1"/>
+          </p:cNvPicPr>
+          <p:nvPr/>
+        </p:nvPicPr>
+        <p:blipFill>
+          <a:blip r:embed="rId2" cstate="print"/>
+          <a:srcRect/>
+          <a:stretch>
+            <a:fillRect/>
+          </a:stretch>
+        </p:blipFill>
+        <p:spPr bwMode="auto">
+          <a:xfrm>
+            <a:off x="-283322" y="2310735"/>
+            <a:ext cx="7620000" cy="5715000"/>
+          </a:xfrm>
+          <a:prstGeom prst="rect">
+            <a:avLst/>
+          </a:prstGeom>
+          <a:noFill/>
+        </p:spPr>
+      </p:pic>
+    </p:spTree>
+  </p:cSld>
+  <p:clrMapOvr>
+    <a:masterClrMapping/>
+  </p:clrMapOvr>
+</p:sld>
+</file>
+
+<file path=ppt/slides/slide30.xml><?xml version="1.0" encoding="utf-8"?>
 <p:sld xmlns:a="http://schemas.openxmlformats.org/drawingml/2006/main" xmlns:r="http://schemas.openxmlformats.org/officeDocument/2006/relationships" xmlns:p="http://schemas.openxmlformats.org/presentationml/2006/main">
   <p:cSld>
     <p:spTree>
@@ -26465,136 +26682,7 @@
 </p:sld>
 </file>
 
-<file path=ppt/slides/slide3.xml><?xml version="1.0" encoding="utf-8"?>
-<p:sld xmlns:a="http://schemas.openxmlformats.org/drawingml/2006/main" xmlns:r="http://schemas.openxmlformats.org/officeDocument/2006/relationships" xmlns:p="http://schemas.openxmlformats.org/presentationml/2006/main">
-  <p:cSld>
-    <p:spTree>
-      <p:nvGrpSpPr>
-        <p:cNvPr id="1" name=""/>
-        <p:cNvGrpSpPr/>
-        <p:nvPr/>
-      </p:nvGrpSpPr>
-      <p:grpSpPr>
-        <a:xfrm>
-          <a:off x="0" y="0"/>
-          <a:ext cx="0" cy="0"/>
-          <a:chOff x="0" y="0"/>
-          <a:chExt cx="0" cy="0"/>
-        </a:xfrm>
-      </p:grpSpPr>
-      <p:sp>
-        <p:nvSpPr>
-          <p:cNvPr id="2" name="Title 1"/>
-          <p:cNvSpPr>
-            <a:spLocks noGrp="1"/>
-          </p:cNvSpPr>
-          <p:nvPr>
-            <p:ph type="title"/>
-          </p:nvPr>
-        </p:nvSpPr>
-        <p:spPr>
-          <a:xfrm>
-            <a:off x="796065" y="286439"/>
-            <a:ext cx="7024744" cy="1143000"/>
-          </a:xfrm>
-        </p:spPr>
-        <p:txBody>
-          <a:bodyPr>
-            <a:normAutofit/>
-          </a:bodyPr>
-          <a:lstStyle/>
-          <a:p>
-            <a:r>
-              <a:rPr lang="en-US" dirty="0" smtClean="0"/>
-              <a:t>Competition: Mint.com</a:t>
-            </a:r>
-            <a:endParaRPr lang="en-US" dirty="0"/>
-          </a:p>
-        </p:txBody>
-      </p:sp>
-      <p:sp>
-        <p:nvSpPr>
-          <p:cNvPr id="3" name="Content Placeholder 2"/>
-          <p:cNvSpPr>
-            <a:spLocks noGrp="1"/>
-          </p:cNvSpPr>
-          <p:nvPr>
-            <p:ph idx="1"/>
-          </p:nvPr>
-        </p:nvSpPr>
-        <p:spPr>
-          <a:xfrm>
-            <a:off x="3007605" y="1795749"/>
-            <a:ext cx="5640636" cy="2448552"/>
-          </a:xfrm>
-        </p:spPr>
-        <p:txBody>
-          <a:bodyPr>
-            <a:normAutofit/>
-          </a:bodyPr>
-          <a:lstStyle/>
-          <a:p>
-            <a:r>
-              <a:rPr lang="en-US" dirty="0" smtClean="0"/>
-              <a:t>See all accounts</a:t>
-            </a:r>
-          </a:p>
-          <a:p>
-            <a:r>
-              <a:rPr lang="en-US" dirty="0" smtClean="0"/>
-              <a:t>Auto categorization</a:t>
-            </a:r>
-          </a:p>
-          <a:p>
-            <a:r>
-              <a:rPr lang="en-US" dirty="0" smtClean="0"/>
-              <a:t>Timely alerts to email and phone</a:t>
-            </a:r>
-          </a:p>
-          <a:p>
-            <a:r>
-              <a:rPr lang="en-US" dirty="0" smtClean="0"/>
-              <a:t>Helpful graphs</a:t>
-            </a:r>
-            <a:endParaRPr lang="en-US" dirty="0"/>
-          </a:p>
-        </p:txBody>
-      </p:sp>
-      <p:pic>
-        <p:nvPicPr>
-          <p:cNvPr id="16386" name="Picture 2" descr="File:Mintcom.png"/>
-          <p:cNvPicPr>
-            <a:picLocks noChangeAspect="1" noChangeArrowheads="1"/>
-          </p:cNvPicPr>
-          <p:nvPr/>
-        </p:nvPicPr>
-        <p:blipFill>
-          <a:blip r:embed="rId2" cstate="print"/>
-          <a:srcRect/>
-          <a:stretch>
-            <a:fillRect/>
-          </a:stretch>
-        </p:blipFill>
-        <p:spPr bwMode="auto">
-          <a:xfrm>
-            <a:off x="-283322" y="2310735"/>
-            <a:ext cx="7620000" cy="5715000"/>
-          </a:xfrm>
-          <a:prstGeom prst="rect">
-            <a:avLst/>
-          </a:prstGeom>
-          <a:noFill/>
-        </p:spPr>
-      </p:pic>
-    </p:spTree>
-  </p:cSld>
-  <p:clrMapOvr>
-    <a:masterClrMapping/>
-  </p:clrMapOvr>
-</p:sld>
-</file>
-
-<file path=ppt/slides/slide30.xml><?xml version="1.0" encoding="utf-8"?>
+<file path=ppt/slides/slide31.xml><?xml version="1.0" encoding="utf-8"?>
 <p:sld xmlns:a="http://schemas.openxmlformats.org/drawingml/2006/main" xmlns:r="http://schemas.openxmlformats.org/officeDocument/2006/relationships" xmlns:p="http://schemas.openxmlformats.org/presentationml/2006/main">
   <p:cSld>
     <p:spTree>

--- a/deliverables/final/Final Presentation.pptx
+++ b/deliverables/final/Final Presentation.pptx
@@ -5,7 +5,7 @@
     <p:sldMasterId id="2147483792" r:id="rId1"/>
   </p:sldMasterIdLst>
   <p:notesMasterIdLst>
-    <p:notesMasterId r:id="rId33"/>
+    <p:notesMasterId r:id="rId35"/>
   </p:notesMasterIdLst>
   <p:sldIdLst>
     <p:sldId id="256" r:id="rId2"/>
@@ -23,22 +23,24 @@
     <p:sldId id="291" r:id="rId14"/>
     <p:sldId id="279" r:id="rId15"/>
     <p:sldId id="271" r:id="rId16"/>
-    <p:sldId id="292" r:id="rId17"/>
-    <p:sldId id="293" r:id="rId18"/>
-    <p:sldId id="296" r:id="rId19"/>
-    <p:sldId id="280" r:id="rId20"/>
-    <p:sldId id="295" r:id="rId21"/>
-    <p:sldId id="281" r:id="rId22"/>
-    <p:sldId id="283" r:id="rId23"/>
-    <p:sldId id="294" r:id="rId24"/>
-    <p:sldId id="285" r:id="rId25"/>
-    <p:sldId id="286" r:id="rId26"/>
-    <p:sldId id="287" r:id="rId27"/>
-    <p:sldId id="288" r:id="rId28"/>
-    <p:sldId id="289" r:id="rId29"/>
-    <p:sldId id="282" r:id="rId30"/>
-    <p:sldId id="266" r:id="rId31"/>
-    <p:sldId id="259" r:id="rId32"/>
+    <p:sldId id="298" r:id="rId17"/>
+    <p:sldId id="292" r:id="rId18"/>
+    <p:sldId id="293" r:id="rId19"/>
+    <p:sldId id="296" r:id="rId20"/>
+    <p:sldId id="280" r:id="rId21"/>
+    <p:sldId id="295" r:id="rId22"/>
+    <p:sldId id="297" r:id="rId23"/>
+    <p:sldId id="281" r:id="rId24"/>
+    <p:sldId id="283" r:id="rId25"/>
+    <p:sldId id="294" r:id="rId26"/>
+    <p:sldId id="285" r:id="rId27"/>
+    <p:sldId id="286" r:id="rId28"/>
+    <p:sldId id="287" r:id="rId29"/>
+    <p:sldId id="288" r:id="rId30"/>
+    <p:sldId id="289" r:id="rId31"/>
+    <p:sldId id="282" r:id="rId32"/>
+    <p:sldId id="266" r:id="rId33"/>
+    <p:sldId id="259" r:id="rId34"/>
   </p:sldIdLst>
   <p:sldSz cx="9144000" cy="6858000" type="screen4x3"/>
   <p:notesSz cx="6858000" cy="9144000"/>
@@ -142,13 +144,25 @@
 
 <file path=ppt/charts/chart1.xml><?xml version="1.0" encoding="utf-8"?>
 <c:chartSpace xmlns:c="http://schemas.openxmlformats.org/drawingml/2006/chart" xmlns:a="http://schemas.openxmlformats.org/drawingml/2006/main" xmlns:r="http://schemas.openxmlformats.org/officeDocument/2006/relationships">
+  <c:date1904 val="0"/>
   <c:lang val="en-US"/>
+  <c:roundedCorners val="0"/>
+  <mc:AlternateContent xmlns:mc="http://schemas.openxmlformats.org/markup-compatibility/2006">
+    <mc:Choice xmlns:c14="http://schemas.microsoft.com/office/drawing/2007/8/2/chart" Requires="c14">
+      <c14:style val="102"/>
+    </mc:Choice>
+    <mc:Fallback>
+      <c:style val="2"/>
+    </mc:Fallback>
+  </mc:AlternateContent>
   <c:chart>
+    <c:autoTitleDeleted val="0"/>
     <c:plotArea>
       <c:layout/>
       <c:barChart>
         <c:barDir val="col"/>
         <c:grouping val="clustered"/>
+        <c:varyColors val="0"/>
         <c:ser>
           <c:idx val="0"/>
           <c:order val="0"/>
@@ -168,6 +182,7 @@
               <a:srgbClr val="004586"/>
             </a:solidFill>
           </c:spPr>
+          <c:invertIfNegative val="0"/>
           <c:cat>
             <c:strRef>
               <c:f>Sheet1!$A$3:$A$6</c:f>
@@ -229,6 +244,7 @@
               <a:srgbClr val="FF420E"/>
             </a:solidFill>
           </c:spPr>
+          <c:invertIfNegative val="0"/>
           <c:cat>
             <c:strRef>
               <c:f>Sheet1!$A$3:$A$6</c:f>
@@ -271,16 +287,27 @@
             </c:numRef>
           </c:val>
         </c:ser>
+        <c:dLbls>
+          <c:showLegendKey val="0"/>
+          <c:showVal val="0"/>
+          <c:showCatName val="0"/>
+          <c:showSerName val="0"/>
+          <c:showPercent val="0"/>
+          <c:showBubbleSize val="0"/>
+        </c:dLbls>
         <c:gapWidth val="100"/>
-        <c:axId val="82621952"/>
-        <c:axId val="82623488"/>
+        <c:axId val="127267200"/>
+        <c:axId val="127268736"/>
       </c:barChart>
       <c:catAx>
-        <c:axId val="82621952"/>
+        <c:axId val="127267200"/>
         <c:scaling>
           <c:orientation val="minMax"/>
         </c:scaling>
+        <c:delete val="0"/>
         <c:axPos val="b"/>
+        <c:majorTickMark val="out"/>
+        <c:minorTickMark val="none"/>
         <c:tickLblPos val="nextTo"/>
         <c:spPr>
           <a:ln>
@@ -289,17 +316,19 @@
             </a:solidFill>
           </a:ln>
         </c:spPr>
-        <c:crossAx val="82623488"/>
+        <c:crossAx val="127268736"/>
         <c:crossesAt val="0"/>
         <c:auto val="1"/>
         <c:lblAlgn val="ctr"/>
         <c:lblOffset val="100"/>
+        <c:noMultiLvlLbl val="0"/>
       </c:catAx>
       <c:valAx>
-        <c:axId val="82623488"/>
+        <c:axId val="127268736"/>
         <c:scaling>
           <c:orientation val="minMax"/>
         </c:scaling>
+        <c:delete val="0"/>
         <c:axPos val="l"/>
         <c:majorGridlines>
           <c:spPr>
@@ -311,6 +340,8 @@
           </c:spPr>
         </c:majorGridlines>
         <c:numFmt formatCode="[hh]:mm:ss" sourceLinked="1"/>
+        <c:majorTickMark val="out"/>
+        <c:minorTickMark val="none"/>
         <c:tickLblPos val="nextTo"/>
         <c:spPr>
           <a:ln>
@@ -319,7 +350,7 @@
             </a:solidFill>
           </a:ln>
         </c:spPr>
-        <c:crossAx val="82621952"/>
+        <c:crossAx val="127267200"/>
         <c:crossesAt val="0"/>
         <c:crossBetween val="between"/>
       </c:valAx>
@@ -334,22 +365,36 @@
     <c:legend>
       <c:legendPos val="r"/>
       <c:layout/>
+      <c:overlay val="0"/>
     </c:legend>
     <c:plotVisOnly val="1"/>
+    <c:dispBlanksAs val="gap"/>
+    <c:showDLblsOverMax val="0"/>
   </c:chart>
   <c:spPr>
     <a:solidFill>
       <a:srgbClr val="FFFFFF"/>
     </a:solidFill>
   </c:spPr>
-  <c:externalData r:id="rId1"/>
+  <c:externalData r:id="rId1">
+    <c:autoUpdate val="0"/>
+  </c:externalData>
 </c:chartSpace>
 </file>
 
 <file path=ppt/charts/chart2.xml><?xml version="1.0" encoding="utf-8"?>
 <c:chartSpace xmlns:c="http://schemas.openxmlformats.org/drawingml/2006/chart" xmlns:a="http://schemas.openxmlformats.org/drawingml/2006/main" xmlns:r="http://schemas.openxmlformats.org/officeDocument/2006/relationships">
+  <c:date1904 val="0"/>
   <c:lang val="en-US"/>
   <c:roundedCorners val="1"/>
+  <mc:AlternateContent xmlns:mc="http://schemas.openxmlformats.org/markup-compatibility/2006">
+    <mc:Choice xmlns:c14="http://schemas.microsoft.com/office/drawing/2007/8/2/chart" Requires="c14">
+      <c14:style val="102"/>
+    </mc:Choice>
+    <mc:Fallback>
+      <c:style val="2"/>
+    </mc:Fallback>
+  </mc:AlternateContent>
   <c:chart>
     <c:autoTitleDeleted val="1"/>
     <c:plotArea>
@@ -376,10 +421,8 @@
             </a:solidFill>
           </c:spPr>
           <c:dPt>
-            <c:idx val="0"/>
-          </c:dPt>
-          <c:dPt>
             <c:idx val="1"/>
+            <c:bubble3D val="0"/>
             <c:spPr>
               <a:solidFill>
                 <a:srgbClr val="FF420E"/>
@@ -416,7 +459,15 @@
             </c:numRef>
           </c:val>
         </c:ser>
-        <c:dLbls/>
+        <c:dLbls>
+          <c:showLegendKey val="0"/>
+          <c:showVal val="0"/>
+          <c:showCatName val="0"/>
+          <c:showSerName val="0"/>
+          <c:showPercent val="0"/>
+          <c:showBubbleSize val="0"/>
+          <c:showLeaderLines val="0"/>
+        </c:dLbls>
         <c:firstSliceAng val="0"/>
       </c:pieChart>
       <c:spPr>
@@ -694,6 +745,11 @@
         </p:txBody>
       </p:sp>
     </p:spTree>
+    <p:extLst>
+      <p:ext uri="{BB962C8B-B14F-4D97-AF65-F5344CB8AC3E}">
+        <p14:creationId xmlns:p14="http://schemas.microsoft.com/office/powerpoint/2010/main" val="2012456123"/>
+      </p:ext>
+    </p:extLst>
   </p:cSld>
   <p:clrMap bg1="lt1" tx1="dk1" bg2="lt2" tx2="dk2" accent1="accent1" accent2="accent2" accent3="accent3" accent4="accent4" accent5="accent5" accent6="accent6" hlink="hlink" folHlink="folHlink"/>
   <p:notesStyle>
@@ -895,7 +951,7 @@
           <a:p>
             <a:fld id="{571BB694-2EE6-4BEE-8AE8-20A8D9DB53E6}" type="slidenum">
               <a:rPr lang="en-US" smtClean="0"/>
-              <a:t>22</a:t>
+              <a:t>24</a:t>
             </a:fld>
             <a:endParaRPr lang="en-US"/>
           </a:p>
@@ -14690,7 +14746,7 @@
     </p:spTree>
     <p:extLst>
       <p:ext uri="{BB962C8B-B14F-4D97-AF65-F5344CB8AC3E}">
-        <p14:creationId xmlns:p14="http://schemas.microsoft.com/office/powerpoint/2010/main" xmlns="" val="1809248185"/>
+        <p14:creationId xmlns:p14="http://schemas.microsoft.com/office/powerpoint/2010/main" val="1809248185"/>
       </p:ext>
     </p:extLst>
   </p:cSld>
@@ -18232,7 +18288,7 @@
     </p:spTree>
     <p:extLst>
       <p:ext uri="{BB962C8B-B14F-4D97-AF65-F5344CB8AC3E}">
-        <p14:creationId xmlns:p14="http://schemas.microsoft.com/office/powerpoint/2010/main" xmlns="" val="643549545"/>
+        <p14:creationId xmlns:p14="http://schemas.microsoft.com/office/powerpoint/2010/main" val="643549545"/>
       </p:ext>
     </p:extLst>
   </p:cSld>
@@ -18324,7 +18380,7 @@
             <p:ph idx="1"/>
             <p:extLst>
               <p:ext uri="{D42A27DB-BD31-4B8C-83A1-F6EECF244321}">
-                <p14:modId xmlns:p14="http://schemas.microsoft.com/office/powerpoint/2010/main" xmlns="" val="1184224690"/>
+                <p14:modId xmlns:p14="http://schemas.microsoft.com/office/powerpoint/2010/main" val="1184224690"/>
               </p:ext>
             </p:extLst>
           </p:nvPr>
@@ -18342,7 +18398,7 @@
     </p:spTree>
     <p:extLst>
       <p:ext uri="{BB962C8B-B14F-4D97-AF65-F5344CB8AC3E}">
-        <p14:creationId xmlns:p14="http://schemas.microsoft.com/office/powerpoint/2010/main" xmlns="" val="428867361"/>
+        <p14:creationId xmlns:p14="http://schemas.microsoft.com/office/powerpoint/2010/main" val="428867361"/>
       </p:ext>
     </p:extLst>
   </p:cSld>
@@ -20176,7 +20232,7 @@
                         </a:spcAft>
                       </a:pPr>
                       <a:r>
-                        <a:rPr lang="en-US" sz="800" b="1">
+                        <a:rPr lang="en-US" sz="800" b="1" dirty="0">
                           <a:solidFill>
                             <a:srgbClr val="000000"/>
                           </a:solidFill>
@@ -20186,7 +20242,7 @@
                         </a:rPr>
                         <a:t>Development</a:t>
                       </a:r>
-                      <a:endParaRPr lang="en-US" sz="1200">
+                      <a:endParaRPr lang="en-US" sz="1200" dirty="0">
                         <a:latin typeface="Arial"/>
                         <a:ea typeface="Calibri"/>
                         <a:cs typeface="Times New Roman"/>
@@ -23266,6 +23322,132 @@
             <p:ph type="title"/>
           </p:nvPr>
         </p:nvSpPr>
+        <p:spPr>
+          <a:xfrm>
+            <a:off x="962643" y="698760"/>
+            <a:ext cx="7024744" cy="1143000"/>
+          </a:xfrm>
+        </p:spPr>
+        <p:txBody>
+          <a:bodyPr>
+            <a:normAutofit fontScale="90000"/>
+          </a:bodyPr>
+          <a:lstStyle/>
+          <a:p>
+            <a:r>
+              <a:rPr lang="en-US" dirty="0" smtClean="0"/>
+              <a:t>Managing Documents and Code (</a:t>
+            </a:r>
+            <a:r>
+              <a:rPr lang="en-US" dirty="0" err="1" smtClean="0"/>
+              <a:t>svn</a:t>
+            </a:r>
+            <a:r>
+              <a:rPr lang="en-US" dirty="0" smtClean="0"/>
+              <a:t>)</a:t>
+            </a:r>
+            <a:endParaRPr lang="en-US" dirty="0"/>
+          </a:p>
+        </p:txBody>
+      </p:sp>
+      <p:sp>
+        <p:nvSpPr>
+          <p:cNvPr id="3" name="Content Placeholder 2"/>
+          <p:cNvSpPr>
+            <a:spLocks noGrp="1"/>
+          </p:cNvSpPr>
+          <p:nvPr>
+            <p:ph idx="1"/>
+          </p:nvPr>
+        </p:nvSpPr>
+        <p:spPr/>
+        <p:txBody>
+          <a:bodyPr/>
+          <a:lstStyle/>
+          <a:p>
+            <a:endParaRPr lang="en-US"/>
+          </a:p>
+        </p:txBody>
+      </p:sp>
+      <p:pic>
+        <p:nvPicPr>
+          <p:cNvPr id="40963" name="Picture 3" descr="C:\Users\Jonathan Reimels\Desktop\Screen Shot 2012-04-29 at 11.26.17 PM.png"/>
+          <p:cNvPicPr>
+            <a:picLocks noChangeAspect="1" noChangeArrowheads="1"/>
+          </p:cNvPicPr>
+          <p:nvPr/>
+        </p:nvPicPr>
+        <p:blipFill rotWithShape="1">
+          <a:blip r:embed="rId2" cstate="email">
+            <a:extLst>
+              <a:ext uri="{28A0092B-C50C-407E-A947-70E740481C1C}">
+                <a14:useLocalDpi xmlns:a14="http://schemas.microsoft.com/office/drawing/2010/main" val="0"/>
+              </a:ext>
+            </a:extLst>
+          </a:blip>
+          <a:srcRect l="6418" t="11975" r="7056" b="35110"/>
+          <a:stretch/>
+        </p:blipFill>
+        <p:spPr bwMode="auto">
+          <a:xfrm>
+            <a:off x="1213198" y="1841760"/>
+            <a:ext cx="6428574" cy="4418667"/>
+          </a:xfrm>
+          <a:prstGeom prst="rect">
+            <a:avLst/>
+          </a:prstGeom>
+          <a:noFill/>
+          <a:extLst>
+            <a:ext uri="{909E8E84-426E-40DD-AFC4-6F175D3DCCD1}">
+              <a14:hiddenFill xmlns:a14="http://schemas.microsoft.com/office/drawing/2010/main">
+                <a:solidFill>
+                  <a:srgbClr val="FFFFFF"/>
+                </a:solidFill>
+              </a14:hiddenFill>
+            </a:ext>
+          </a:extLst>
+        </p:spPr>
+      </p:pic>
+    </p:spTree>
+    <p:extLst>
+      <p:ext uri="{BB962C8B-B14F-4D97-AF65-F5344CB8AC3E}">
+        <p14:creationId xmlns:p14="http://schemas.microsoft.com/office/powerpoint/2010/main" val="1986630412"/>
+      </p:ext>
+    </p:extLst>
+  </p:cSld>
+  <p:clrMapOvr>
+    <a:masterClrMapping/>
+  </p:clrMapOvr>
+</p:sld>
+</file>
+
+<file path=ppt/slides/slide17.xml><?xml version="1.0" encoding="utf-8"?>
+<p:sld xmlns:a="http://schemas.openxmlformats.org/drawingml/2006/main" xmlns:r="http://schemas.openxmlformats.org/officeDocument/2006/relationships" xmlns:p="http://schemas.openxmlformats.org/presentationml/2006/main">
+  <p:cSld>
+    <p:spTree>
+      <p:nvGrpSpPr>
+        <p:cNvPr id="1" name=""/>
+        <p:cNvGrpSpPr/>
+        <p:nvPr/>
+      </p:nvGrpSpPr>
+      <p:grpSpPr>
+        <a:xfrm>
+          <a:off x="0" y="0"/>
+          <a:ext cx="0" cy="0"/>
+          <a:chOff x="0" y="0"/>
+          <a:chExt cx="0" cy="0"/>
+        </a:xfrm>
+      </p:grpSpPr>
+      <p:sp>
+        <p:nvSpPr>
+          <p:cNvPr id="2" name="Title 1"/>
+          <p:cNvSpPr>
+            <a:spLocks noGrp="1"/>
+          </p:cNvSpPr>
+          <p:nvPr>
+            <p:ph type="title"/>
+          </p:nvPr>
+        </p:nvSpPr>
         <p:spPr/>
         <p:txBody>
           <a:bodyPr/>
@@ -23389,7 +23571,7 @@
     </p:spTree>
     <p:extLst>
       <p:ext uri="{BB962C8B-B14F-4D97-AF65-F5344CB8AC3E}">
-        <p14:creationId xmlns:p14="http://schemas.microsoft.com/office/powerpoint/2010/main" xmlns="" val="2229789335"/>
+        <p14:creationId xmlns:p14="http://schemas.microsoft.com/office/powerpoint/2010/main" val="2229789335"/>
       </p:ext>
     </p:extLst>
   </p:cSld>
@@ -23399,7 +23581,7 @@
 </p:sld>
 </file>
 
-<file path=ppt/slides/slide17.xml><?xml version="1.0" encoding="utf-8"?>
+<file path=ppt/slides/slide18.xml><?xml version="1.0" encoding="utf-8"?>
 <p:sld xmlns:a="http://schemas.openxmlformats.org/drawingml/2006/main" xmlns:r="http://schemas.openxmlformats.org/officeDocument/2006/relationships" xmlns:p="http://schemas.openxmlformats.org/presentationml/2006/main">
   <p:cSld>
     <p:spTree>
@@ -23554,7 +23736,7 @@
     </p:spTree>
     <p:extLst>
       <p:ext uri="{BB962C8B-B14F-4D97-AF65-F5344CB8AC3E}">
-        <p14:creationId xmlns:p14="http://schemas.microsoft.com/office/powerpoint/2010/main" xmlns="" val="2295343860"/>
+        <p14:creationId xmlns:p14="http://schemas.microsoft.com/office/powerpoint/2010/main" val="2295343860"/>
       </p:ext>
     </p:extLst>
   </p:cSld>
@@ -23564,7 +23746,7 @@
 </p:sld>
 </file>
 
-<file path=ppt/slides/slide18.xml><?xml version="1.0" encoding="utf-8"?>
+<file path=ppt/slides/slide19.xml><?xml version="1.0" encoding="utf-8"?>
 <p:sld xmlns:a="http://schemas.openxmlformats.org/drawingml/2006/main" xmlns:r="http://schemas.openxmlformats.org/officeDocument/2006/relationships" xmlns:p="http://schemas.openxmlformats.org/presentationml/2006/main">
   <p:cSld>
     <p:spTree>
@@ -23643,182 +23825,6 @@
           </a:ln>
         </p:spPr>
       </p:pic>
-    </p:spTree>
-  </p:cSld>
-  <p:clrMapOvr>
-    <a:masterClrMapping/>
-  </p:clrMapOvr>
-</p:sld>
-</file>
-
-<file path=ppt/slides/slide19.xml><?xml version="1.0" encoding="utf-8"?>
-<p:sld xmlns:a="http://schemas.openxmlformats.org/drawingml/2006/main" xmlns:r="http://schemas.openxmlformats.org/officeDocument/2006/relationships" xmlns:p="http://schemas.openxmlformats.org/presentationml/2006/main">
-  <p:cSld>
-    <p:spTree>
-      <p:nvGrpSpPr>
-        <p:cNvPr id="1" name=""/>
-        <p:cNvGrpSpPr/>
-        <p:nvPr/>
-      </p:nvGrpSpPr>
-      <p:grpSpPr>
-        <a:xfrm>
-          <a:off x="0" y="0"/>
-          <a:ext cx="0" cy="0"/>
-          <a:chOff x="0" y="0"/>
-          <a:chExt cx="0" cy="0"/>
-        </a:xfrm>
-      </p:grpSpPr>
-      <p:sp>
-        <p:nvSpPr>
-          <p:cNvPr id="2" name="Title 1"/>
-          <p:cNvSpPr>
-            <a:spLocks noGrp="1"/>
-          </p:cNvSpPr>
-          <p:nvPr>
-            <p:ph type="title"/>
-          </p:nvPr>
-        </p:nvSpPr>
-        <p:spPr>
-          <a:xfrm>
-            <a:off x="796065" y="456164"/>
-            <a:ext cx="7024744" cy="1143000"/>
-          </a:xfrm>
-        </p:spPr>
-        <p:txBody>
-          <a:bodyPr>
-            <a:normAutofit/>
-          </a:bodyPr>
-          <a:lstStyle/>
-          <a:p>
-            <a:r>
-              <a:rPr lang="en-US" dirty="0" smtClean="0">
-                <a:solidFill>
-                  <a:schemeClr val="bg2">
-                    <a:lumMod val="75000"/>
-                  </a:schemeClr>
-                </a:solidFill>
-              </a:rPr>
-              <a:t>Software Quality</a:t>
-            </a:r>
-            <a:endParaRPr lang="en-US" dirty="0"/>
-          </a:p>
-        </p:txBody>
-      </p:sp>
-      <p:sp>
-        <p:nvSpPr>
-          <p:cNvPr id="3" name="Content Placeholder 2"/>
-          <p:cNvSpPr>
-            <a:spLocks noGrp="1"/>
-          </p:cNvSpPr>
-          <p:nvPr>
-            <p:ph idx="1"/>
-          </p:nvPr>
-        </p:nvSpPr>
-        <p:spPr>
-          <a:xfrm>
-            <a:off x="796065" y="1840523"/>
-            <a:ext cx="7679720" cy="4525108"/>
-          </a:xfrm>
-        </p:spPr>
-        <p:txBody>
-          <a:bodyPr>
-            <a:normAutofit/>
-          </a:bodyPr>
-          <a:lstStyle/>
-          <a:p>
-            <a:pPr algn="just">
-              <a:buSzPct val="45000"/>
-              <a:buFont typeface="StarSymbol"/>
-              <a:buChar char=""/>
-            </a:pPr>
-            <a:r>
-              <a:rPr lang="en-US" dirty="0"/>
-              <a:t>Each team member responsible for the quality of his/her work</a:t>
-            </a:r>
-          </a:p>
-          <a:p>
-            <a:pPr algn="just">
-              <a:buSzPct val="45000"/>
-              <a:buFont typeface="StarSymbol"/>
-              <a:buChar char=""/>
-            </a:pPr>
-            <a:endParaRPr lang="en-US" dirty="0"/>
-          </a:p>
-          <a:p>
-            <a:pPr>
-              <a:buSzPct val="45000"/>
-              <a:buFont typeface="StarSymbol"/>
-              <a:buChar char=""/>
-            </a:pPr>
-            <a:r>
-              <a:rPr lang="en-US" dirty="0"/>
-              <a:t> Each project artifact was inspected by at least 2 reviewers before </a:t>
-            </a:r>
-            <a:r>
-              <a:rPr lang="en-US" dirty="0" smtClean="0"/>
-              <a:t>submission</a:t>
-            </a:r>
-          </a:p>
-          <a:p>
-            <a:pPr>
-              <a:buSzPct val="45000"/>
-              <a:buFont typeface="StarSymbol"/>
-              <a:buChar char=""/>
-            </a:pPr>
-            <a:endParaRPr lang="en-US" dirty="0"/>
-          </a:p>
-          <a:p>
-            <a:pPr>
-              <a:buSzPct val="45000"/>
-              <a:buFont typeface="StarSymbol"/>
-              <a:buChar char=""/>
-            </a:pPr>
-            <a:r>
-              <a:rPr lang="en-US" dirty="0">
-                <a:ea typeface="Century Gothic"/>
-              </a:rPr>
-              <a:t> Set of coding </a:t>
-            </a:r>
-            <a:r>
-              <a:rPr lang="en-US" dirty="0" smtClean="0">
-                <a:ea typeface="Century Gothic"/>
-              </a:rPr>
-              <a:t>standards</a:t>
-            </a:r>
-          </a:p>
-          <a:p>
-            <a:pPr>
-              <a:buSzPct val="45000"/>
-              <a:buFont typeface="StarSymbol"/>
-              <a:buChar char=""/>
-            </a:pPr>
-            <a:endParaRPr lang="en-US" dirty="0"/>
-          </a:p>
-          <a:p>
-            <a:pPr>
-              <a:buSzPct val="45000"/>
-              <a:buFont typeface="StarSymbol"/>
-              <a:buChar char=""/>
-            </a:pPr>
-            <a:r>
-              <a:rPr lang="en-US" dirty="0">
-                <a:ea typeface="Century Gothic"/>
-              </a:rPr>
-              <a:t>Google code issue tracker used for issues</a:t>
-            </a:r>
-            <a:endParaRPr lang="en-US" dirty="0"/>
-          </a:p>
-          <a:p>
-            <a:endParaRPr lang="en-US" dirty="0"/>
-          </a:p>
-          <a:p>
-            <a:endParaRPr lang="en-US" dirty="0"/>
-          </a:p>
-          <a:p>
-            <a:endParaRPr lang="en-US" dirty="0"/>
-          </a:p>
-        </p:txBody>
-      </p:sp>
     </p:spTree>
   </p:cSld>
   <p:clrMapOvr>
@@ -23997,6 +24003,182 @@
           </a:xfrm>
         </p:spPr>
         <p:txBody>
+          <a:bodyPr>
+            <a:normAutofit/>
+          </a:bodyPr>
+          <a:lstStyle/>
+          <a:p>
+            <a:r>
+              <a:rPr lang="en-US" dirty="0" smtClean="0">
+                <a:solidFill>
+                  <a:schemeClr val="bg2">
+                    <a:lumMod val="75000"/>
+                  </a:schemeClr>
+                </a:solidFill>
+              </a:rPr>
+              <a:t>Software Quality</a:t>
+            </a:r>
+            <a:endParaRPr lang="en-US" dirty="0"/>
+          </a:p>
+        </p:txBody>
+      </p:sp>
+      <p:sp>
+        <p:nvSpPr>
+          <p:cNvPr id="3" name="Content Placeholder 2"/>
+          <p:cNvSpPr>
+            <a:spLocks noGrp="1"/>
+          </p:cNvSpPr>
+          <p:nvPr>
+            <p:ph idx="1"/>
+          </p:nvPr>
+        </p:nvSpPr>
+        <p:spPr>
+          <a:xfrm>
+            <a:off x="796065" y="1840523"/>
+            <a:ext cx="7679720" cy="4525108"/>
+          </a:xfrm>
+        </p:spPr>
+        <p:txBody>
+          <a:bodyPr>
+            <a:normAutofit/>
+          </a:bodyPr>
+          <a:lstStyle/>
+          <a:p>
+            <a:pPr algn="just">
+              <a:buSzPct val="45000"/>
+              <a:buFont typeface="StarSymbol"/>
+              <a:buChar char=""/>
+            </a:pPr>
+            <a:r>
+              <a:rPr lang="en-US" dirty="0"/>
+              <a:t>Each team member responsible for the quality of his/her work</a:t>
+            </a:r>
+          </a:p>
+          <a:p>
+            <a:pPr algn="just">
+              <a:buSzPct val="45000"/>
+              <a:buFont typeface="StarSymbol"/>
+              <a:buChar char=""/>
+            </a:pPr>
+            <a:endParaRPr lang="en-US" dirty="0"/>
+          </a:p>
+          <a:p>
+            <a:pPr>
+              <a:buSzPct val="45000"/>
+              <a:buFont typeface="StarSymbol"/>
+              <a:buChar char=""/>
+            </a:pPr>
+            <a:r>
+              <a:rPr lang="en-US" dirty="0"/>
+              <a:t> Each project artifact was inspected by at least 2 reviewers before </a:t>
+            </a:r>
+            <a:r>
+              <a:rPr lang="en-US" dirty="0" smtClean="0"/>
+              <a:t>submission</a:t>
+            </a:r>
+          </a:p>
+          <a:p>
+            <a:pPr>
+              <a:buSzPct val="45000"/>
+              <a:buFont typeface="StarSymbol"/>
+              <a:buChar char=""/>
+            </a:pPr>
+            <a:endParaRPr lang="en-US" dirty="0"/>
+          </a:p>
+          <a:p>
+            <a:pPr>
+              <a:buSzPct val="45000"/>
+              <a:buFont typeface="StarSymbol"/>
+              <a:buChar char=""/>
+            </a:pPr>
+            <a:r>
+              <a:rPr lang="en-US" dirty="0">
+                <a:ea typeface="Century Gothic"/>
+              </a:rPr>
+              <a:t> Set of coding </a:t>
+            </a:r>
+            <a:r>
+              <a:rPr lang="en-US" dirty="0" smtClean="0">
+                <a:ea typeface="Century Gothic"/>
+              </a:rPr>
+              <a:t>standards</a:t>
+            </a:r>
+          </a:p>
+          <a:p>
+            <a:pPr>
+              <a:buSzPct val="45000"/>
+              <a:buFont typeface="StarSymbol"/>
+              <a:buChar char=""/>
+            </a:pPr>
+            <a:endParaRPr lang="en-US" dirty="0"/>
+          </a:p>
+          <a:p>
+            <a:pPr>
+              <a:buSzPct val="45000"/>
+              <a:buFont typeface="StarSymbol"/>
+              <a:buChar char=""/>
+            </a:pPr>
+            <a:r>
+              <a:rPr lang="en-US" dirty="0">
+                <a:ea typeface="Century Gothic"/>
+              </a:rPr>
+              <a:t>Google code issue tracker used for issues</a:t>
+            </a:r>
+            <a:endParaRPr lang="en-US" dirty="0"/>
+          </a:p>
+          <a:p>
+            <a:endParaRPr lang="en-US" dirty="0"/>
+          </a:p>
+          <a:p>
+            <a:endParaRPr lang="en-US" dirty="0"/>
+          </a:p>
+          <a:p>
+            <a:endParaRPr lang="en-US" dirty="0"/>
+          </a:p>
+        </p:txBody>
+      </p:sp>
+    </p:spTree>
+  </p:cSld>
+  <p:clrMapOvr>
+    <a:masterClrMapping/>
+  </p:clrMapOvr>
+</p:sld>
+</file>
+
+<file path=ppt/slides/slide21.xml><?xml version="1.0" encoding="utf-8"?>
+<p:sld xmlns:a="http://schemas.openxmlformats.org/drawingml/2006/main" xmlns:r="http://schemas.openxmlformats.org/officeDocument/2006/relationships" xmlns:p="http://schemas.openxmlformats.org/presentationml/2006/main">
+  <p:cSld>
+    <p:spTree>
+      <p:nvGrpSpPr>
+        <p:cNvPr id="1" name=""/>
+        <p:cNvGrpSpPr/>
+        <p:nvPr/>
+      </p:nvGrpSpPr>
+      <p:grpSpPr>
+        <a:xfrm>
+          <a:off x="0" y="0"/>
+          <a:ext cx="0" cy="0"/>
+          <a:chOff x="0" y="0"/>
+          <a:chExt cx="0" cy="0"/>
+        </a:xfrm>
+      </p:grpSpPr>
+      <p:sp>
+        <p:nvSpPr>
+          <p:cNvPr id="2" name="Title 1"/>
+          <p:cNvSpPr>
+            <a:spLocks noGrp="1"/>
+          </p:cNvSpPr>
+          <p:nvPr>
+            <p:ph type="title"/>
+          </p:nvPr>
+        </p:nvSpPr>
+        <p:spPr>
+          <a:xfrm>
+            <a:off x="796065" y="456164"/>
+            <a:ext cx="7024744" cy="1143000"/>
+          </a:xfrm>
+        </p:spPr>
+        <p:txBody>
           <a:bodyPr/>
           <a:lstStyle/>
           <a:p>
@@ -24056,19 +24238,7 @@
               <a:rPr lang="en-US" dirty="0" smtClean="0">
                 <a:hlinkClick r:id="rId2"/>
               </a:rPr>
-              <a:t>http</a:t>
-            </a:r>
-            <a:r>
-              <a:rPr lang="en-US" dirty="0" smtClean="0">
-                <a:hlinkClick r:id="rId2"/>
-              </a:rPr>
-              <a:t>://</a:t>
-            </a:r>
-            <a:r>
-              <a:rPr lang="en-US" dirty="0" smtClean="0">
-                <a:hlinkClick r:id="rId2"/>
-              </a:rPr>
-              <a:t>code.google.com/p/cs679-b1-class project/issues/list</a:t>
+              <a:t>http://code.google.com/p/cs679-b1-class project/issues/list</a:t>
             </a:r>
             <a:endParaRPr lang="en-US" dirty="0" smtClean="0"/>
           </a:p>
@@ -24140,11 +24310,6 @@
               </a:rPr>
               <a:t>Criteria</a:t>
             </a:r>
-            <a:endParaRPr lang="en-US" sz="2400" dirty="0" smtClean="0">
-              <a:solidFill>
-                <a:schemeClr val="tx2"/>
-              </a:solidFill>
-            </a:endParaRPr>
           </a:p>
         </p:txBody>
       </p:sp>
@@ -24178,11 +24343,6 @@
               </a:rPr>
               <a:t>Example</a:t>
             </a:r>
-            <a:endParaRPr lang="en-US" sz="2400" dirty="0" smtClean="0">
-              <a:solidFill>
-                <a:schemeClr val="tx2"/>
-              </a:solidFill>
-            </a:endParaRPr>
           </a:p>
         </p:txBody>
       </p:sp>
@@ -24230,11 +24390,7 @@
             </a:pPr>
             <a:r>
               <a:rPr lang="en-US" dirty="0" smtClean="0"/>
-              <a:t> </a:t>
-            </a:r>
-            <a:r>
-              <a:rPr lang="en-US" dirty="0" smtClean="0"/>
-              <a:t>Type</a:t>
+              <a:t> Type</a:t>
             </a:r>
           </a:p>
           <a:p>
@@ -24247,11 +24403,7 @@
             </a:pPr>
             <a:r>
               <a:rPr lang="en-US" dirty="0" smtClean="0"/>
-              <a:t> </a:t>
-            </a:r>
-            <a:r>
-              <a:rPr lang="en-US" dirty="0" smtClean="0"/>
-              <a:t>Status</a:t>
+              <a:t> Status</a:t>
             </a:r>
           </a:p>
           <a:p>
@@ -24264,11 +24416,7 @@
             </a:pPr>
             <a:r>
               <a:rPr lang="en-US" dirty="0" smtClean="0"/>
-              <a:t> </a:t>
-            </a:r>
-            <a:r>
-              <a:rPr lang="en-US" dirty="0" smtClean="0"/>
-              <a:t>Priority</a:t>
+              <a:t> Priority</a:t>
             </a:r>
           </a:p>
           <a:p>
@@ -24281,11 +24429,7 @@
             </a:pPr>
             <a:r>
               <a:rPr lang="en-US" dirty="0" smtClean="0"/>
-              <a:t> </a:t>
-            </a:r>
-            <a:r>
-              <a:rPr lang="en-US" dirty="0" smtClean="0"/>
-              <a:t>Owner</a:t>
+              <a:t> Owner</a:t>
             </a:r>
           </a:p>
           <a:p>
@@ -24298,11 +24442,7 @@
             </a:pPr>
             <a:r>
               <a:rPr lang="en-US" dirty="0" smtClean="0"/>
-              <a:t> </a:t>
-            </a:r>
-            <a:r>
-              <a:rPr lang="en-US" dirty="0" smtClean="0"/>
-              <a:t>Summary</a:t>
+              <a:t> Summary</a:t>
             </a:r>
             <a:endParaRPr lang="en-US" dirty="0"/>
           </a:p>
@@ -24352,11 +24492,7 @@
             </a:pPr>
             <a:r>
               <a:rPr lang="en-US" dirty="0" smtClean="0"/>
-              <a:t> </a:t>
-            </a:r>
-            <a:r>
-              <a:rPr lang="en-US" dirty="0" smtClean="0"/>
-              <a:t>Type: Defect</a:t>
+              <a:t> Type: Defect</a:t>
             </a:r>
           </a:p>
           <a:p>
@@ -24369,11 +24505,7 @@
             </a:pPr>
             <a:r>
               <a:rPr lang="en-US" dirty="0" smtClean="0"/>
-              <a:t> </a:t>
-            </a:r>
-            <a:r>
-              <a:rPr lang="en-US" dirty="0" smtClean="0"/>
-              <a:t>Status: Accepted</a:t>
+              <a:t> Status: Accepted</a:t>
             </a:r>
           </a:p>
           <a:p>
@@ -24386,11 +24518,7 @@
             </a:pPr>
             <a:r>
               <a:rPr lang="en-US" dirty="0" smtClean="0"/>
-              <a:t> </a:t>
-            </a:r>
-            <a:r>
-              <a:rPr lang="en-US" dirty="0" smtClean="0"/>
-              <a:t>Priority: Critical</a:t>
+              <a:t> Priority: Critical</a:t>
             </a:r>
           </a:p>
           <a:p>
@@ -24403,11 +24531,7 @@
             </a:pPr>
             <a:r>
               <a:rPr lang="en-US" dirty="0" smtClean="0"/>
-              <a:t> </a:t>
-            </a:r>
-            <a:r>
-              <a:rPr lang="en-US" dirty="0" smtClean="0"/>
-              <a:t>Owner: </a:t>
+              <a:t> Owner: </a:t>
             </a:r>
             <a:r>
               <a:rPr lang="en-US" dirty="0" err="1" smtClean="0"/>
@@ -24422,11 +24546,7 @@
             </a:pPr>
             <a:r>
               <a:rPr lang="en-US" dirty="0" smtClean="0"/>
-              <a:t> </a:t>
-            </a:r>
-            <a:r>
-              <a:rPr lang="en-US" dirty="0" smtClean="0"/>
-              <a:t>Summary: Category on transactions are not loaded correctly</a:t>
+              <a:t> Summary: Category on transactions are not loaded correctly</a:t>
             </a:r>
             <a:endParaRPr lang="en-US" dirty="0"/>
           </a:p>
@@ -24440,7 +24560,123 @@
 </p:sld>
 </file>
 
-<file path=ppt/slides/slide21.xml><?xml version="1.0" encoding="utf-8"?>
+<file path=ppt/slides/slide22.xml><?xml version="1.0" encoding="utf-8"?>
+<p:sld xmlns:a="http://schemas.openxmlformats.org/drawingml/2006/main" xmlns:r="http://schemas.openxmlformats.org/officeDocument/2006/relationships" xmlns:p="http://schemas.openxmlformats.org/presentationml/2006/main">
+  <p:cSld>
+    <p:spTree>
+      <p:nvGrpSpPr>
+        <p:cNvPr id="1" name=""/>
+        <p:cNvGrpSpPr/>
+        <p:nvPr/>
+      </p:nvGrpSpPr>
+      <p:grpSpPr>
+        <a:xfrm>
+          <a:off x="0" y="0"/>
+          <a:ext cx="0" cy="0"/>
+          <a:chOff x="0" y="0"/>
+          <a:chExt cx="0" cy="0"/>
+        </a:xfrm>
+      </p:grpSpPr>
+      <p:sp>
+        <p:nvSpPr>
+          <p:cNvPr id="2" name="Title 1"/>
+          <p:cNvSpPr>
+            <a:spLocks noGrp="1"/>
+          </p:cNvSpPr>
+          <p:nvPr>
+            <p:ph type="title"/>
+          </p:nvPr>
+        </p:nvSpPr>
+        <p:spPr>
+          <a:xfrm>
+            <a:off x="924025" y="607786"/>
+            <a:ext cx="7024744" cy="1143000"/>
+          </a:xfrm>
+        </p:spPr>
+        <p:txBody>
+          <a:bodyPr/>
+          <a:lstStyle/>
+          <a:p>
+            <a:r>
+              <a:rPr lang="en-US" dirty="0" smtClean="0"/>
+              <a:t>Bug Tracking</a:t>
+            </a:r>
+            <a:endParaRPr lang="en-US" dirty="0"/>
+          </a:p>
+        </p:txBody>
+      </p:sp>
+      <p:sp>
+        <p:nvSpPr>
+          <p:cNvPr id="3" name="Content Placeholder 2"/>
+          <p:cNvSpPr>
+            <a:spLocks noGrp="1"/>
+          </p:cNvSpPr>
+          <p:nvPr>
+            <p:ph idx="1"/>
+          </p:nvPr>
+        </p:nvSpPr>
+        <p:spPr/>
+        <p:txBody>
+          <a:bodyPr/>
+          <a:lstStyle/>
+          <a:p>
+            <a:endParaRPr lang="en-US"/>
+          </a:p>
+        </p:txBody>
+      </p:sp>
+      <p:pic>
+        <p:nvPicPr>
+          <p:cNvPr id="39938" name="Picture 2" descr="C:\Users\Jonathan Reimels\Desktop\Screen Shot 2012-04-29 at 11.19.39 PM.png"/>
+          <p:cNvPicPr>
+            <a:picLocks noChangeAspect="1" noChangeArrowheads="1"/>
+          </p:cNvPicPr>
+          <p:nvPr/>
+        </p:nvPicPr>
+        <p:blipFill rotWithShape="1">
+          <a:blip r:embed="rId2" cstate="email">
+            <a:extLst>
+              <a:ext uri="{28A0092B-C50C-407E-A947-70E740481C1C}">
+                <a14:useLocalDpi xmlns:a14="http://schemas.microsoft.com/office/drawing/2010/main" val="0"/>
+              </a:ext>
+            </a:extLst>
+          </a:blip>
+          <a:srcRect l="4748" t="23778" r="12503" b="12350"/>
+          <a:stretch/>
+        </p:blipFill>
+        <p:spPr bwMode="auto">
+          <a:xfrm>
+            <a:off x="977340" y="2155778"/>
+            <a:ext cx="6971429" cy="4068801"/>
+          </a:xfrm>
+          <a:prstGeom prst="rect">
+            <a:avLst/>
+          </a:prstGeom>
+          <a:noFill/>
+          <a:extLst>
+            <a:ext uri="{909E8E84-426E-40DD-AFC4-6F175D3DCCD1}">
+              <a14:hiddenFill xmlns:a14="http://schemas.microsoft.com/office/drawing/2010/main">
+                <a:solidFill>
+                  <a:srgbClr val="FFFFFF"/>
+                </a:solidFill>
+              </a14:hiddenFill>
+            </a:ext>
+          </a:extLst>
+        </p:spPr>
+      </p:pic>
+    </p:spTree>
+    <p:extLst>
+      <p:ext uri="{BB962C8B-B14F-4D97-AF65-F5344CB8AC3E}">
+        <p14:creationId xmlns:p14="http://schemas.microsoft.com/office/powerpoint/2010/main" val="3699591201"/>
+      </p:ext>
+    </p:extLst>
+  </p:cSld>
+  <p:clrMapOvr>
+    <a:masterClrMapping/>
+  </p:clrMapOvr>
+</p:sld>
+</file>
+
+<file path=ppt/slides/slide23.xml><?xml version="1.0" encoding="utf-8"?>
 <p:sld xmlns:a="http://schemas.openxmlformats.org/drawingml/2006/main" xmlns:r="http://schemas.openxmlformats.org/officeDocument/2006/relationships" xmlns:p="http://schemas.openxmlformats.org/presentationml/2006/main">
   <p:cSld>
     <p:spTree>
@@ -24578,7 +24814,7 @@
 </p:sld>
 </file>
 
-<file path=ppt/slides/slide22.xml><?xml version="1.0" encoding="utf-8"?>
+<file path=ppt/slides/slide24.xml><?xml version="1.0" encoding="utf-8"?>
 <p:sld xmlns:a="http://schemas.openxmlformats.org/drawingml/2006/main" xmlns:r="http://schemas.openxmlformats.org/officeDocument/2006/relationships" xmlns:p="http://schemas.openxmlformats.org/presentationml/2006/main">
   <p:cSld>
     <p:spTree>
@@ -24660,7 +24896,7 @@
     </p:spTree>
     <p:extLst>
       <p:ext uri="{BB962C8B-B14F-4D97-AF65-F5344CB8AC3E}">
-        <p14:creationId xmlns:p14="http://schemas.microsoft.com/office/powerpoint/2010/main" xmlns="" val="3832736806"/>
+        <p14:creationId xmlns:p14="http://schemas.microsoft.com/office/powerpoint/2010/main" val="3832736806"/>
       </p:ext>
     </p:extLst>
   </p:cSld>
@@ -24677,7 +24913,7 @@
 </p:sld>
 </file>
 
-<file path=ppt/slides/slide23.xml><?xml version="1.0" encoding="utf-8"?>
+<file path=ppt/slides/slide25.xml><?xml version="1.0" encoding="utf-8"?>
 <p:sld xmlns:a="http://schemas.openxmlformats.org/drawingml/2006/main" xmlns:r="http://schemas.openxmlformats.org/officeDocument/2006/relationships" xmlns:p="http://schemas.openxmlformats.org/presentationml/2006/main">
   <p:cSld>
     <p:spTree>
@@ -24777,7 +25013,7 @@
     </p:spTree>
     <p:extLst>
       <p:ext uri="{BB962C8B-B14F-4D97-AF65-F5344CB8AC3E}">
-        <p14:creationId xmlns:p14="http://schemas.microsoft.com/office/powerpoint/2010/main" xmlns="" val="1092677546"/>
+        <p14:creationId xmlns:p14="http://schemas.microsoft.com/office/powerpoint/2010/main" val="1092677546"/>
       </p:ext>
     </p:extLst>
   </p:cSld>
@@ -24794,7 +25030,7 @@
 </p:sld>
 </file>
 
-<file path=ppt/slides/slide24.xml><?xml version="1.0" encoding="utf-8"?>
+<file path=ppt/slides/slide26.xml><?xml version="1.0" encoding="utf-8"?>
 <p:sld xmlns:a="http://schemas.openxmlformats.org/drawingml/2006/main" xmlns:r="http://schemas.openxmlformats.org/officeDocument/2006/relationships" xmlns:p="http://schemas.openxmlformats.org/presentationml/2006/main">
   <p:cSld>
     <p:spTree>
@@ -24960,7 +25196,7 @@
     </p:spTree>
     <p:extLst>
       <p:ext uri="{BB962C8B-B14F-4D97-AF65-F5344CB8AC3E}">
-        <p14:creationId xmlns:p14="http://schemas.microsoft.com/office/powerpoint/2010/main" xmlns="" val="3037995522"/>
+        <p14:creationId xmlns:p14="http://schemas.microsoft.com/office/powerpoint/2010/main" val="3037995522"/>
       </p:ext>
     </p:extLst>
   </p:cSld>
@@ -24977,7 +25213,7 @@
 </p:sld>
 </file>
 
-<file path=ppt/slides/slide25.xml><?xml version="1.0" encoding="utf-8"?>
+<file path=ppt/slides/slide27.xml><?xml version="1.0" encoding="utf-8"?>
 <p:sld xmlns:a="http://schemas.openxmlformats.org/drawingml/2006/main" xmlns:r="http://schemas.openxmlformats.org/officeDocument/2006/relationships" xmlns:p="http://schemas.openxmlformats.org/presentationml/2006/main">
   <p:cSld>
     <p:spTree>
@@ -25077,14 +25313,14 @@
           <a:effectLst/>
           <a:extLst>
             <a:ext uri="{909E8E84-426E-40DD-AFC4-6F175D3DCCD1}">
-              <a14:hiddenFill xmlns:a14="http://schemas.microsoft.com/office/drawing/2010/main" xmlns="">
+              <a14:hiddenFill xmlns:a14="http://schemas.microsoft.com/office/drawing/2010/main">
                 <a:solidFill>
                   <a:schemeClr val="accent1"/>
                 </a:solidFill>
               </a14:hiddenFill>
             </a:ext>
             <a:ext uri="{91240B29-F687-4F45-9708-019B960494DF}">
-              <a14:hiddenLine xmlns:a14="http://schemas.microsoft.com/office/drawing/2010/main" xmlns="" w="9525">
+              <a14:hiddenLine xmlns:a14="http://schemas.microsoft.com/office/drawing/2010/main" w="9525">
                 <a:solidFill>
                   <a:schemeClr val="tx1"/>
                 </a:solidFill>
@@ -25094,7 +25330,7 @@
               </a14:hiddenLine>
             </a:ext>
             <a:ext uri="{AF507438-7753-43E0-B8FC-AC1667EBCBE1}">
-              <a14:hiddenEffects xmlns:a14="http://schemas.microsoft.com/office/drawing/2010/main" xmlns="">
+              <a14:hiddenEffects xmlns:a14="http://schemas.microsoft.com/office/drawing/2010/main">
                 <a:effectLst>
                   <a:outerShdw dist="35921" dir="2700000" algn="ctr" rotWithShape="0">
                     <a:schemeClr val="bg2"/>
@@ -25126,7 +25362,7 @@
           <p:nvPr>
             <p:extLst>
               <p:ext uri="{D42A27DB-BD31-4B8C-83A1-F6EECF244321}">
-                <p14:modId xmlns:p14="http://schemas.microsoft.com/office/powerpoint/2010/main" xmlns="" val="99859930"/>
+                <p14:modId xmlns:p14="http://schemas.microsoft.com/office/powerpoint/2010/main" val="99859930"/>
               </p:ext>
             </p:extLst>
           </p:nvPr>
@@ -25137,518 +25373,66 @@
         </p:xfrm>
         <a:graphic>
           <a:graphicData uri="http://schemas.openxmlformats.org/presentationml/2006/ole">
-            <p:oleObj spid="_x0000_s36868" name="Visio" r:id="rId4" imgW="4580844" imgH="5596830" progId="">
-              <p:embed/>
-            </p:oleObj>
+            <mc:AlternateContent xmlns:mc="http://schemas.openxmlformats.org/markup-compatibility/2006">
+              <mc:Choice xmlns:v="urn:schemas-microsoft-com:vml" Requires="v">
+                <p:oleObj spid="_x0000_s36872" name="Visio" r:id="rId4" imgW="4580844" imgH="5596830" progId="">
+                  <p:embed/>
+                </p:oleObj>
+              </mc:Choice>
+              <mc:Fallback>
+                <p:oleObj name="Visio" r:id="rId4" imgW="4580844" imgH="5596830" progId="">
+                  <p:embed/>
+                  <p:pic>
+                    <p:nvPicPr>
+                      <p:cNvPr id="0" name="Picture 4"/>
+                      <p:cNvPicPr>
+                        <a:picLocks noChangeAspect="1" noChangeArrowheads="1"/>
+                      </p:cNvPicPr>
+                      <p:nvPr/>
+                    </p:nvPicPr>
+                    <p:blipFill>
+                      <a:blip r:embed="rId5">
+                        <a:extLst>
+                          <a:ext uri="{28A0092B-C50C-407E-A947-70E740481C1C}">
+                            <a14:useLocalDpi xmlns:a14="http://schemas.microsoft.com/office/drawing/2010/main" val="0"/>
+                          </a:ext>
+                        </a:extLst>
+                      </a:blip>
+                      <a:srcRect/>
+                      <a:stretch>
+                        <a:fillRect/>
+                      </a:stretch>
+                    </p:blipFill>
+                    <p:spPr bwMode="auto">
+                      <a:xfrm>
+                        <a:off x="4399912" y="1279872"/>
+                        <a:ext cx="4282558" cy="5235227"/>
+                      </a:xfrm>
+                      <a:prstGeom prst="rect">
+                        <a:avLst/>
+                      </a:prstGeom>
+                      <a:noFill/>
+                      <a:extLst>
+                        <a:ext uri="{909E8E84-426E-40DD-AFC4-6F175D3DCCD1}">
+                          <a14:hiddenFill xmlns:a14="http://schemas.microsoft.com/office/drawing/2010/main">
+                            <a:solidFill>
+                              <a:srgbClr val="FFFFFF"/>
+                            </a:solidFill>
+                          </a14:hiddenFill>
+                        </a:ext>
+                      </a:extLst>
+                    </p:spPr>
+                  </p:pic>
+                </p:oleObj>
+              </mc:Fallback>
+            </mc:AlternateContent>
           </a:graphicData>
         </a:graphic>
       </p:graphicFrame>
     </p:spTree>
     <p:extLst>
       <p:ext uri="{BB962C8B-B14F-4D97-AF65-F5344CB8AC3E}">
-        <p14:creationId xmlns:p14="http://schemas.microsoft.com/office/powerpoint/2010/main" xmlns="" val="224431329"/>
-      </p:ext>
-    </p:extLst>
-  </p:cSld>
-  <p:clrMapOvr>
-    <a:masterClrMapping/>
-  </p:clrMapOvr>
-  <p:timing>
-    <p:tnLst>
-      <p:par>
-        <p:cTn id="1" dur="indefinite" restart="never" nodeType="tmRoot"/>
-      </p:par>
-    </p:tnLst>
-  </p:timing>
-</p:sld>
-</file>
-
-<file path=ppt/slides/slide26.xml><?xml version="1.0" encoding="utf-8"?>
-<p:sld xmlns:a="http://schemas.openxmlformats.org/drawingml/2006/main" xmlns:r="http://schemas.openxmlformats.org/officeDocument/2006/relationships" xmlns:p="http://schemas.openxmlformats.org/presentationml/2006/main">
-  <p:cSld>
-    <p:spTree>
-      <p:nvGrpSpPr>
-        <p:cNvPr id="1" name=""/>
-        <p:cNvGrpSpPr/>
-        <p:nvPr/>
-      </p:nvGrpSpPr>
-      <p:grpSpPr>
-        <a:xfrm>
-          <a:off x="0" y="0"/>
-          <a:ext cx="0" cy="0"/>
-          <a:chOff x="0" y="0"/>
-          <a:chExt cx="0" cy="0"/>
-        </a:xfrm>
-      </p:grpSpPr>
-      <p:sp>
-        <p:nvSpPr>
-          <p:cNvPr id="2" name="Title 1"/>
-          <p:cNvSpPr>
-            <a:spLocks noGrp="1"/>
-          </p:cNvSpPr>
-          <p:nvPr>
-            <p:ph type="title"/>
-          </p:nvPr>
-        </p:nvSpPr>
-        <p:spPr>
-          <a:xfrm>
-            <a:off x="1043490" y="641291"/>
-            <a:ext cx="7024744" cy="638582"/>
-          </a:xfrm>
-        </p:spPr>
-        <p:txBody>
-          <a:bodyPr>
-            <a:normAutofit fontScale="90000"/>
-          </a:bodyPr>
-          <a:lstStyle/>
-          <a:p>
-            <a:r>
-              <a:rPr lang="en-US" dirty="0" smtClean="0"/>
-              <a:t>Human Interface Design</a:t>
-            </a:r>
-            <a:endParaRPr lang="en-US" dirty="0"/>
-          </a:p>
-        </p:txBody>
-      </p:sp>
-      <p:sp>
-        <p:nvSpPr>
-          <p:cNvPr id="3" name="Rectangle 2"/>
-          <p:cNvSpPr>
-            <a:spLocks noChangeArrowheads="1"/>
-          </p:cNvSpPr>
-          <p:nvPr/>
-        </p:nvSpPr>
-        <p:spPr bwMode="auto">
-          <a:xfrm>
-            <a:off x="0" y="0"/>
-            <a:ext cx="9144000" cy="0"/>
-          </a:xfrm>
-          <a:prstGeom prst="rect">
-            <a:avLst/>
-          </a:prstGeom>
-          <a:noFill/>
-          <a:ln>
-            <a:noFill/>
-          </a:ln>
-          <a:effectLst/>
-          <a:extLst>
-            <a:ext uri="{909E8E84-426E-40DD-AFC4-6F175D3DCCD1}">
-              <a14:hiddenFill xmlns:a14="http://schemas.microsoft.com/office/drawing/2010/main" xmlns="">
-                <a:solidFill>
-                  <a:schemeClr val="accent1"/>
-                </a:solidFill>
-              </a14:hiddenFill>
-            </a:ext>
-            <a:ext uri="{91240B29-F687-4F45-9708-019B960494DF}">
-              <a14:hiddenLine xmlns:a14="http://schemas.microsoft.com/office/drawing/2010/main" xmlns="" w="9525">
-                <a:solidFill>
-                  <a:schemeClr val="tx1"/>
-                </a:solidFill>
-                <a:miter lim="800000"/>
-                <a:headEnd/>
-                <a:tailEnd/>
-              </a14:hiddenLine>
-            </a:ext>
-            <a:ext uri="{AF507438-7753-43E0-B8FC-AC1667EBCBE1}">
-              <a14:hiddenEffects xmlns:a14="http://schemas.microsoft.com/office/drawing/2010/main" xmlns="">
-                <a:effectLst>
-                  <a:outerShdw dist="35921" dir="2700000" algn="ctr" rotWithShape="0">
-                    <a:schemeClr val="bg2"/>
-                  </a:outerShdw>
-                </a:effectLst>
-              </a14:hiddenEffects>
-            </a:ext>
-          </a:extLst>
-        </p:spPr>
-        <p:txBody>
-          <a:bodyPr vert="horz" wrap="none" lIns="91440" tIns="45720" rIns="91440" bIns="45720" numCol="1" anchor="ctr" anchorCtr="0" compatLnSpc="1">
-            <a:prstTxWarp prst="textNoShape">
-              <a:avLst/>
-            </a:prstTxWarp>
-            <a:spAutoFit/>
-          </a:bodyPr>
-          <a:lstStyle/>
-          <a:p>
-            <a:endParaRPr lang="en-US"/>
-          </a:p>
-        </p:txBody>
-      </p:sp>
-      <p:pic>
-        <p:nvPicPr>
-          <p:cNvPr id="6" name="Picture" descr="A description..."/>
-          <p:cNvPicPr/>
-          <p:nvPr/>
-        </p:nvPicPr>
-        <p:blipFill>
-          <a:blip r:embed="rId3" cstate="print"/>
-          <a:srcRect/>
-          <a:stretch>
-            <a:fillRect/>
-          </a:stretch>
-        </p:blipFill>
-        <p:spPr bwMode="auto">
-          <a:xfrm>
-            <a:off x="482600" y="1551710"/>
-            <a:ext cx="6851073" cy="4626436"/>
-          </a:xfrm>
-          <a:prstGeom prst="rect">
-            <a:avLst/>
-          </a:prstGeom>
-          <a:noFill/>
-          <a:ln w="9525">
-            <a:noFill/>
-            <a:miter lim="800000"/>
-            <a:headEnd/>
-            <a:tailEnd/>
-          </a:ln>
-        </p:spPr>
-      </p:pic>
-      <p:sp>
-        <p:nvSpPr>
-          <p:cNvPr id="5" name="Rectangle 2"/>
-          <p:cNvSpPr>
-            <a:spLocks noChangeArrowheads="1"/>
-          </p:cNvSpPr>
-          <p:nvPr/>
-        </p:nvSpPr>
-        <p:spPr bwMode="auto">
-          <a:xfrm>
-            <a:off x="0" y="0"/>
-            <a:ext cx="9144000" cy="0"/>
-          </a:xfrm>
-          <a:prstGeom prst="rect">
-            <a:avLst/>
-          </a:prstGeom>
-          <a:noFill/>
-          <a:ln>
-            <a:noFill/>
-          </a:ln>
-          <a:effectLst/>
-          <a:extLst>
-            <a:ext uri="{909E8E84-426E-40DD-AFC4-6F175D3DCCD1}">
-              <a14:hiddenFill xmlns:a14="http://schemas.microsoft.com/office/drawing/2010/main" xmlns="">
-                <a:solidFill>
-                  <a:schemeClr val="accent1"/>
-                </a:solidFill>
-              </a14:hiddenFill>
-            </a:ext>
-            <a:ext uri="{91240B29-F687-4F45-9708-019B960494DF}">
-              <a14:hiddenLine xmlns:a14="http://schemas.microsoft.com/office/drawing/2010/main" xmlns="" w="9525">
-                <a:solidFill>
-                  <a:schemeClr val="tx1"/>
-                </a:solidFill>
-                <a:miter lim="800000"/>
-                <a:headEnd/>
-                <a:tailEnd/>
-              </a14:hiddenLine>
-            </a:ext>
-            <a:ext uri="{AF507438-7753-43E0-B8FC-AC1667EBCBE1}">
-              <a14:hiddenEffects xmlns:a14="http://schemas.microsoft.com/office/drawing/2010/main" xmlns="">
-                <a:effectLst>
-                  <a:outerShdw dist="35921" dir="2700000" algn="ctr" rotWithShape="0">
-                    <a:schemeClr val="bg2"/>
-                  </a:outerShdw>
-                </a:effectLst>
-              </a14:hiddenEffects>
-            </a:ext>
-          </a:extLst>
-        </p:spPr>
-        <p:txBody>
-          <a:bodyPr vert="horz" wrap="none" lIns="91440" tIns="45720" rIns="91440" bIns="45720" numCol="1" anchor="ctr" anchorCtr="0" compatLnSpc="1">
-            <a:prstTxWarp prst="textNoShape">
-              <a:avLst/>
-            </a:prstTxWarp>
-            <a:spAutoFit/>
-          </a:bodyPr>
-          <a:lstStyle/>
-          <a:p>
-            <a:endParaRPr lang="en-US"/>
-          </a:p>
-        </p:txBody>
-      </p:sp>
-      <p:graphicFrame>
-        <p:nvGraphicFramePr>
-          <p:cNvPr id="8" name="Object 7"/>
-          <p:cNvGraphicFramePr>
-            <a:graphicFrameLocks noChangeAspect="1"/>
-          </p:cNvGraphicFramePr>
-          <p:nvPr>
-            <p:extLst>
-              <p:ext uri="{D42A27DB-BD31-4B8C-83A1-F6EECF244321}">
-                <p14:modId xmlns:p14="http://schemas.microsoft.com/office/powerpoint/2010/main" xmlns="" val="1552680796"/>
-              </p:ext>
-            </p:extLst>
-          </p:nvPr>
-        </p:nvGraphicFramePr>
-        <p:xfrm>
-          <a:off x="7213600" y="933016"/>
-          <a:ext cx="1447800" cy="5324475"/>
-        </p:xfrm>
-        <a:graphic>
-          <a:graphicData uri="http://schemas.openxmlformats.org/presentationml/2006/ole">
-            <p:oleObj spid="_x0000_s37892" name="Visio" r:id="rId4" imgW="1447108" imgH="5311032" progId="">
-              <p:embed/>
-            </p:oleObj>
-          </a:graphicData>
-        </a:graphic>
-      </p:graphicFrame>
-    </p:spTree>
-    <p:extLst>
-      <p:ext uri="{BB962C8B-B14F-4D97-AF65-F5344CB8AC3E}">
-        <p14:creationId xmlns:p14="http://schemas.microsoft.com/office/powerpoint/2010/main" xmlns="" val="2798939284"/>
-      </p:ext>
-    </p:extLst>
-  </p:cSld>
-  <p:clrMapOvr>
-    <a:masterClrMapping/>
-  </p:clrMapOvr>
-  <p:timing>
-    <p:tnLst>
-      <p:par>
-        <p:cTn id="1" dur="indefinite" restart="never" nodeType="tmRoot"/>
-      </p:par>
-    </p:tnLst>
-  </p:timing>
-</p:sld>
-</file>
-
-<file path=ppt/slides/slide27.xml><?xml version="1.0" encoding="utf-8"?>
-<p:sld xmlns:a="http://schemas.openxmlformats.org/drawingml/2006/main" xmlns:r="http://schemas.openxmlformats.org/officeDocument/2006/relationships" xmlns:p="http://schemas.openxmlformats.org/presentationml/2006/main">
-  <p:cSld>
-    <p:spTree>
-      <p:nvGrpSpPr>
-        <p:cNvPr id="1" name=""/>
-        <p:cNvGrpSpPr/>
-        <p:nvPr/>
-      </p:nvGrpSpPr>
-      <p:grpSpPr>
-        <a:xfrm>
-          <a:off x="0" y="0"/>
-          <a:ext cx="0" cy="0"/>
-          <a:chOff x="0" y="0"/>
-          <a:chExt cx="0" cy="0"/>
-        </a:xfrm>
-      </p:grpSpPr>
-      <p:sp>
-        <p:nvSpPr>
-          <p:cNvPr id="2" name="Title 1"/>
-          <p:cNvSpPr>
-            <a:spLocks noGrp="1"/>
-          </p:cNvSpPr>
-          <p:nvPr>
-            <p:ph type="title"/>
-          </p:nvPr>
-        </p:nvSpPr>
-        <p:spPr>
-          <a:xfrm>
-            <a:off x="1043490" y="641291"/>
-            <a:ext cx="7024744" cy="638582"/>
-          </a:xfrm>
-        </p:spPr>
-        <p:txBody>
-          <a:bodyPr>
-            <a:normAutofit fontScale="90000"/>
-          </a:bodyPr>
-          <a:lstStyle/>
-          <a:p>
-            <a:r>
-              <a:rPr lang="en-US" dirty="0" smtClean="0"/>
-              <a:t>Human Interface Design</a:t>
-            </a:r>
-            <a:endParaRPr lang="en-US" dirty="0"/>
-          </a:p>
-        </p:txBody>
-      </p:sp>
-      <p:sp>
-        <p:nvSpPr>
-          <p:cNvPr id="3" name="Rectangle 2"/>
-          <p:cNvSpPr>
-            <a:spLocks noChangeArrowheads="1"/>
-          </p:cNvSpPr>
-          <p:nvPr/>
-        </p:nvSpPr>
-        <p:spPr bwMode="auto">
-          <a:xfrm>
-            <a:off x="0" y="0"/>
-            <a:ext cx="9144000" cy="0"/>
-          </a:xfrm>
-          <a:prstGeom prst="rect">
-            <a:avLst/>
-          </a:prstGeom>
-          <a:noFill/>
-          <a:ln>
-            <a:noFill/>
-          </a:ln>
-          <a:effectLst/>
-          <a:extLst>
-            <a:ext uri="{909E8E84-426E-40DD-AFC4-6F175D3DCCD1}">
-              <a14:hiddenFill xmlns:a14="http://schemas.microsoft.com/office/drawing/2010/main" xmlns="">
-                <a:solidFill>
-                  <a:schemeClr val="accent1"/>
-                </a:solidFill>
-              </a14:hiddenFill>
-            </a:ext>
-            <a:ext uri="{91240B29-F687-4F45-9708-019B960494DF}">
-              <a14:hiddenLine xmlns:a14="http://schemas.microsoft.com/office/drawing/2010/main" xmlns="" w="9525">
-                <a:solidFill>
-                  <a:schemeClr val="tx1"/>
-                </a:solidFill>
-                <a:miter lim="800000"/>
-                <a:headEnd/>
-                <a:tailEnd/>
-              </a14:hiddenLine>
-            </a:ext>
-            <a:ext uri="{AF507438-7753-43E0-B8FC-AC1667EBCBE1}">
-              <a14:hiddenEffects xmlns:a14="http://schemas.microsoft.com/office/drawing/2010/main" xmlns="">
-                <a:effectLst>
-                  <a:outerShdw dist="35921" dir="2700000" algn="ctr" rotWithShape="0">
-                    <a:schemeClr val="bg2"/>
-                  </a:outerShdw>
-                </a:effectLst>
-              </a14:hiddenEffects>
-            </a:ext>
-          </a:extLst>
-        </p:spPr>
-        <p:txBody>
-          <a:bodyPr vert="horz" wrap="none" lIns="91440" tIns="45720" rIns="91440" bIns="45720" numCol="1" anchor="ctr" anchorCtr="0" compatLnSpc="1">
-            <a:prstTxWarp prst="textNoShape">
-              <a:avLst/>
-            </a:prstTxWarp>
-            <a:spAutoFit/>
-          </a:bodyPr>
-          <a:lstStyle/>
-          <a:p>
-            <a:endParaRPr lang="en-US"/>
-          </a:p>
-        </p:txBody>
-      </p:sp>
-      <p:sp>
-        <p:nvSpPr>
-          <p:cNvPr id="5" name="Rectangle 2"/>
-          <p:cNvSpPr>
-            <a:spLocks noChangeArrowheads="1"/>
-          </p:cNvSpPr>
-          <p:nvPr/>
-        </p:nvSpPr>
-        <p:spPr bwMode="auto">
-          <a:xfrm>
-            <a:off x="0" y="0"/>
-            <a:ext cx="9144000" cy="0"/>
-          </a:xfrm>
-          <a:prstGeom prst="rect">
-            <a:avLst/>
-          </a:prstGeom>
-          <a:noFill/>
-          <a:ln>
-            <a:noFill/>
-          </a:ln>
-          <a:effectLst/>
-          <a:extLst>
-            <a:ext uri="{909E8E84-426E-40DD-AFC4-6F175D3DCCD1}">
-              <a14:hiddenFill xmlns:a14="http://schemas.microsoft.com/office/drawing/2010/main" xmlns="">
-                <a:solidFill>
-                  <a:schemeClr val="accent1"/>
-                </a:solidFill>
-              </a14:hiddenFill>
-            </a:ext>
-            <a:ext uri="{91240B29-F687-4F45-9708-019B960494DF}">
-              <a14:hiddenLine xmlns:a14="http://schemas.microsoft.com/office/drawing/2010/main" xmlns="" w="9525">
-                <a:solidFill>
-                  <a:schemeClr val="tx1"/>
-                </a:solidFill>
-                <a:miter lim="800000"/>
-                <a:headEnd/>
-                <a:tailEnd/>
-              </a14:hiddenLine>
-            </a:ext>
-            <a:ext uri="{AF507438-7753-43E0-B8FC-AC1667EBCBE1}">
-              <a14:hiddenEffects xmlns:a14="http://schemas.microsoft.com/office/drawing/2010/main" xmlns="">
-                <a:effectLst>
-                  <a:outerShdw dist="35921" dir="2700000" algn="ctr" rotWithShape="0">
-                    <a:schemeClr val="bg2"/>
-                  </a:outerShdw>
-                </a:effectLst>
-              </a14:hiddenEffects>
-            </a:ext>
-          </a:extLst>
-        </p:spPr>
-        <p:txBody>
-          <a:bodyPr vert="horz" wrap="none" lIns="91440" tIns="45720" rIns="91440" bIns="45720" numCol="1" anchor="ctr" anchorCtr="0" compatLnSpc="1">
-            <a:prstTxWarp prst="textNoShape">
-              <a:avLst/>
-            </a:prstTxWarp>
-            <a:spAutoFit/>
-          </a:bodyPr>
-          <a:lstStyle/>
-          <a:p>
-            <a:endParaRPr lang="en-US"/>
-          </a:p>
-        </p:txBody>
-      </p:sp>
-      <p:pic>
-        <p:nvPicPr>
-          <p:cNvPr id="7" name="Picture" descr="A description..."/>
-          <p:cNvPicPr/>
-          <p:nvPr/>
-        </p:nvPicPr>
-        <p:blipFill>
-          <a:blip r:embed="rId2" cstate="print"/>
-          <a:srcRect/>
-          <a:stretch>
-            <a:fillRect/>
-          </a:stretch>
-        </p:blipFill>
-        <p:spPr bwMode="auto">
-          <a:xfrm>
-            <a:off x="602990" y="1175904"/>
-            <a:ext cx="5942965" cy="1790700"/>
-          </a:xfrm>
-          <a:prstGeom prst="rect">
-            <a:avLst/>
-          </a:prstGeom>
-          <a:noFill/>
-          <a:ln w="9525">
-            <a:noFill/>
-            <a:miter lim="800000"/>
-            <a:headEnd/>
-            <a:tailEnd/>
-          </a:ln>
-        </p:spPr>
-      </p:pic>
-      <p:pic>
-        <p:nvPicPr>
-          <p:cNvPr id="9" name="Picture" descr="A description..."/>
-          <p:cNvPicPr/>
-          <p:nvPr/>
-        </p:nvPicPr>
-        <p:blipFill>
-          <a:blip r:embed="rId3" cstate="print"/>
-          <a:srcRect/>
-          <a:stretch>
-            <a:fillRect/>
-          </a:stretch>
-        </p:blipFill>
-        <p:spPr bwMode="auto">
-          <a:xfrm>
-            <a:off x="2680854" y="2434012"/>
-            <a:ext cx="5943600" cy="4058920"/>
-          </a:xfrm>
-          <a:prstGeom prst="rect">
-            <a:avLst/>
-          </a:prstGeom>
-          <a:noFill/>
-          <a:ln w="9525">
-            <a:noFill/>
-            <a:miter lim="800000"/>
-            <a:headEnd/>
-            <a:tailEnd/>
-          </a:ln>
-        </p:spPr>
-      </p:pic>
-    </p:spTree>
-    <p:extLst>
-      <p:ext uri="{BB962C8B-B14F-4D97-AF65-F5344CB8AC3E}">
-        <p14:creationId xmlns:p14="http://schemas.microsoft.com/office/powerpoint/2010/main" xmlns="" val="792481554"/>
+        <p14:creationId xmlns:p14="http://schemas.microsoft.com/office/powerpoint/2010/main" val="224431329"/>
       </p:ext>
     </p:extLst>
   </p:cSld>
@@ -25735,14 +25519,14 @@
           <a:effectLst/>
           <a:extLst>
             <a:ext uri="{909E8E84-426E-40DD-AFC4-6F175D3DCCD1}">
-              <a14:hiddenFill xmlns:a14="http://schemas.microsoft.com/office/drawing/2010/main" xmlns="">
+              <a14:hiddenFill xmlns:a14="http://schemas.microsoft.com/office/drawing/2010/main">
                 <a:solidFill>
                   <a:schemeClr val="accent1"/>
                 </a:solidFill>
               </a14:hiddenFill>
             </a:ext>
             <a:ext uri="{91240B29-F687-4F45-9708-019B960494DF}">
-              <a14:hiddenLine xmlns:a14="http://schemas.microsoft.com/office/drawing/2010/main" xmlns="" w="9525">
+              <a14:hiddenLine xmlns:a14="http://schemas.microsoft.com/office/drawing/2010/main" w="9525">
                 <a:solidFill>
                   <a:schemeClr val="tx1"/>
                 </a:solidFill>
@@ -25752,70 +25536,7 @@
               </a14:hiddenLine>
             </a:ext>
             <a:ext uri="{AF507438-7753-43E0-B8FC-AC1667EBCBE1}">
-              <a14:hiddenEffects xmlns:a14="http://schemas.microsoft.com/office/drawing/2010/main" xmlns="">
-                <a:effectLst>
-                  <a:outerShdw dist="35921" dir="2700000" algn="ctr" rotWithShape="0">
-                    <a:schemeClr val="bg2"/>
-                  </a:outerShdw>
-                </a:effectLst>
-              </a14:hiddenEffects>
-            </a:ext>
-          </a:extLst>
-        </p:spPr>
-        <p:txBody>
-          <a:bodyPr vert="horz" wrap="none" lIns="91440" tIns="45720" rIns="91440" bIns="45720" numCol="1" anchor="ctr" anchorCtr="0" compatLnSpc="1">
-            <a:prstTxWarp prst="textNoShape">
-              <a:avLst/>
-            </a:prstTxWarp>
-            <a:spAutoFit/>
-          </a:bodyPr>
-          <a:lstStyle/>
-          <a:p>
-            <a:endParaRPr lang="en-US"/>
-          </a:p>
-        </p:txBody>
-      </p:sp>
-      <p:sp>
-        <p:nvSpPr>
-          <p:cNvPr id="5" name="Rectangle 2"/>
-          <p:cNvSpPr>
-            <a:spLocks noChangeArrowheads="1"/>
-          </p:cNvSpPr>
-          <p:nvPr/>
-        </p:nvSpPr>
-        <p:spPr bwMode="auto">
-          <a:xfrm>
-            <a:off x="0" y="0"/>
-            <a:ext cx="9144000" cy="0"/>
-          </a:xfrm>
-          <a:prstGeom prst="rect">
-            <a:avLst/>
-          </a:prstGeom>
-          <a:noFill/>
-          <a:ln>
-            <a:noFill/>
-          </a:ln>
-          <a:effectLst/>
-          <a:extLst>
-            <a:ext uri="{909E8E84-426E-40DD-AFC4-6F175D3DCCD1}">
-              <a14:hiddenFill xmlns:a14="http://schemas.microsoft.com/office/drawing/2010/main" xmlns="">
-                <a:solidFill>
-                  <a:schemeClr val="accent1"/>
-                </a:solidFill>
-              </a14:hiddenFill>
-            </a:ext>
-            <a:ext uri="{91240B29-F687-4F45-9708-019B960494DF}">
-              <a14:hiddenLine xmlns:a14="http://schemas.microsoft.com/office/drawing/2010/main" xmlns="" w="9525">
-                <a:solidFill>
-                  <a:schemeClr val="tx1"/>
-                </a:solidFill>
-                <a:miter lim="800000"/>
-                <a:headEnd/>
-                <a:tailEnd/>
-              </a14:hiddenLine>
-            </a:ext>
-            <a:ext uri="{AF507438-7753-43E0-B8FC-AC1667EBCBE1}">
-              <a14:hiddenEffects xmlns:a14="http://schemas.microsoft.com/office/drawing/2010/main" xmlns="">
+              <a14:hiddenEffects xmlns:a14="http://schemas.microsoft.com/office/drawing/2010/main">
                 <a:effectLst>
                   <a:outerShdw dist="35921" dir="2700000" algn="ctr" rotWithShape="0">
                     <a:schemeClr val="bg2"/>
@@ -25840,18 +25561,12 @@
       </p:sp>
       <p:pic>
         <p:nvPicPr>
-          <p:cNvPr id="8" name="Picture 7"/>
+          <p:cNvPr id="6" name="Picture" descr="A description..."/>
           <p:cNvPicPr/>
           <p:nvPr/>
         </p:nvPicPr>
         <p:blipFill>
-          <a:blip r:embed="rId3" cstate="email">
-            <a:extLst>
-              <a:ext uri="{28A0092B-C50C-407E-A947-70E740481C1C}">
-                <a14:useLocalDpi xmlns:a14="http://schemas.microsoft.com/office/drawing/2010/main" xmlns="" val="0"/>
-              </a:ext>
-            </a:extLst>
-          </a:blip>
+          <a:blip r:embed="rId3" cstate="print"/>
           <a:srcRect/>
           <a:stretch>
             <a:fillRect/>
@@ -25859,21 +25574,24 @@
         </p:blipFill>
         <p:spPr bwMode="auto">
           <a:xfrm>
-            <a:off x="477173" y="2419927"/>
-            <a:ext cx="4981518" cy="2767560"/>
+            <a:off x="482600" y="1551710"/>
+            <a:ext cx="6851073" cy="4626436"/>
           </a:xfrm>
           <a:prstGeom prst="rect">
             <a:avLst/>
           </a:prstGeom>
           <a:noFill/>
-          <a:ln>
+          <a:ln w="9525">
             <a:noFill/>
+            <a:miter lim="800000"/>
+            <a:headEnd/>
+            <a:tailEnd/>
           </a:ln>
         </p:spPr>
       </p:pic>
       <p:sp>
         <p:nvSpPr>
-          <p:cNvPr id="4" name="Rectangle 2"/>
+          <p:cNvPr id="5" name="Rectangle 2"/>
           <p:cNvSpPr>
             <a:spLocks noChangeArrowheads="1"/>
           </p:cNvSpPr>
@@ -25894,14 +25612,14 @@
           <a:effectLst/>
           <a:extLst>
             <a:ext uri="{909E8E84-426E-40DD-AFC4-6F175D3DCCD1}">
-              <a14:hiddenFill xmlns:a14="http://schemas.microsoft.com/office/drawing/2010/main" xmlns="">
+              <a14:hiddenFill xmlns:a14="http://schemas.microsoft.com/office/drawing/2010/main">
                 <a:solidFill>
                   <a:schemeClr val="accent1"/>
                 </a:solidFill>
               </a14:hiddenFill>
             </a:ext>
             <a:ext uri="{91240B29-F687-4F45-9708-019B960494DF}">
-              <a14:hiddenLine xmlns:a14="http://schemas.microsoft.com/office/drawing/2010/main" xmlns="" w="9525">
+              <a14:hiddenLine xmlns:a14="http://schemas.microsoft.com/office/drawing/2010/main" w="9525">
                 <a:solidFill>
                   <a:schemeClr val="tx1"/>
                 </a:solidFill>
@@ -25911,7 +25629,7 @@
               </a14:hiddenLine>
             </a:ext>
             <a:ext uri="{AF507438-7753-43E0-B8FC-AC1667EBCBE1}">
-              <a14:hiddenEffects xmlns:a14="http://schemas.microsoft.com/office/drawing/2010/main" xmlns="">
+              <a14:hiddenEffects xmlns:a14="http://schemas.microsoft.com/office/drawing/2010/main">
                 <a:effectLst>
                   <a:outerShdw dist="35921" dir="2700000" algn="ctr" rotWithShape="0">
                     <a:schemeClr val="bg2"/>
@@ -25936,34 +25654,84 @@
       </p:sp>
       <p:graphicFrame>
         <p:nvGraphicFramePr>
-          <p:cNvPr id="6" name="Object 5"/>
+          <p:cNvPr id="8" name="Object 7"/>
           <p:cNvGraphicFramePr>
             <a:graphicFrameLocks noChangeAspect="1"/>
           </p:cNvGraphicFramePr>
           <p:nvPr>
             <p:extLst>
               <p:ext uri="{D42A27DB-BD31-4B8C-83A1-F6EECF244321}">
-                <p14:modId xmlns:p14="http://schemas.microsoft.com/office/powerpoint/2010/main" xmlns="" val="3607041668"/>
+                <p14:modId xmlns:p14="http://schemas.microsoft.com/office/powerpoint/2010/main" val="1552680796"/>
               </p:ext>
             </p:extLst>
           </p:nvPr>
         </p:nvGraphicFramePr>
         <p:xfrm>
-          <a:off x="5458691" y="1279873"/>
-          <a:ext cx="3209925" cy="5086350"/>
+          <a:off x="7213600" y="933016"/>
+          <a:ext cx="1447800" cy="5324475"/>
         </p:xfrm>
         <a:graphic>
           <a:graphicData uri="http://schemas.openxmlformats.org/presentationml/2006/ole">
-            <p:oleObj spid="_x0000_s38916" name="Visio" r:id="rId4" imgW="3204214" imgH="5082432" progId="">
-              <p:embed/>
-            </p:oleObj>
+            <mc:AlternateContent xmlns:mc="http://schemas.openxmlformats.org/markup-compatibility/2006">
+              <mc:Choice xmlns:v="urn:schemas-microsoft-com:vml" Requires="v">
+                <p:oleObj spid="_x0000_s37896" name="Visio" r:id="rId4" imgW="1447108" imgH="5311032" progId="">
+                  <p:embed/>
+                </p:oleObj>
+              </mc:Choice>
+              <mc:Fallback>
+                <p:oleObj name="Visio" r:id="rId4" imgW="1447108" imgH="5311032" progId="">
+                  <p:embed/>
+                  <p:pic>
+                    <p:nvPicPr>
+                      <p:cNvPr id="0" name="Picture 4"/>
+                      <p:cNvPicPr>
+                        <a:picLocks noChangeAspect="1" noChangeArrowheads="1"/>
+                      </p:cNvPicPr>
+                      <p:nvPr/>
+                    </p:nvPicPr>
+                    <p:blipFill>
+                      <a:blip r:embed="rId5">
+                        <a:extLst>
+                          <a:ext uri="{28A0092B-C50C-407E-A947-70E740481C1C}">
+                            <a14:useLocalDpi xmlns:a14="http://schemas.microsoft.com/office/drawing/2010/main" val="0"/>
+                          </a:ext>
+                        </a:extLst>
+                      </a:blip>
+                      <a:srcRect/>
+                      <a:stretch>
+                        <a:fillRect/>
+                      </a:stretch>
+                    </p:blipFill>
+                    <p:spPr bwMode="auto">
+                      <a:xfrm>
+                        <a:off x="7213600" y="933016"/>
+                        <a:ext cx="1447800" cy="5324475"/>
+                      </a:xfrm>
+                      <a:prstGeom prst="rect">
+                        <a:avLst/>
+                      </a:prstGeom>
+                      <a:noFill/>
+                      <a:extLst>
+                        <a:ext uri="{909E8E84-426E-40DD-AFC4-6F175D3DCCD1}">
+                          <a14:hiddenFill xmlns:a14="http://schemas.microsoft.com/office/drawing/2010/main">
+                            <a:solidFill>
+                              <a:srgbClr val="FFFFFF"/>
+                            </a:solidFill>
+                          </a14:hiddenFill>
+                        </a:ext>
+                      </a:extLst>
+                    </p:spPr>
+                  </p:pic>
+                </p:oleObj>
+              </mc:Fallback>
+            </mc:AlternateContent>
           </a:graphicData>
         </a:graphic>
       </p:graphicFrame>
     </p:spTree>
     <p:extLst>
       <p:ext uri="{BB962C8B-B14F-4D97-AF65-F5344CB8AC3E}">
-        <p14:creationId xmlns:p14="http://schemas.microsoft.com/office/powerpoint/2010/main" xmlns="" val="2227559208"/>
+        <p14:creationId xmlns:p14="http://schemas.microsoft.com/office/powerpoint/2010/main" val="2798939284"/>
       </p:ext>
     </p:extLst>
   </p:cSld>
@@ -26050,14 +25818,14 @@
           <a:effectLst/>
           <a:extLst>
             <a:ext uri="{909E8E84-426E-40DD-AFC4-6F175D3DCCD1}">
-              <a14:hiddenFill xmlns:a14="http://schemas.microsoft.com/office/drawing/2010/main" xmlns="">
+              <a14:hiddenFill xmlns:a14="http://schemas.microsoft.com/office/drawing/2010/main">
                 <a:solidFill>
                   <a:schemeClr val="accent1"/>
                 </a:solidFill>
               </a14:hiddenFill>
             </a:ext>
             <a:ext uri="{91240B29-F687-4F45-9708-019B960494DF}">
-              <a14:hiddenLine xmlns:a14="http://schemas.microsoft.com/office/drawing/2010/main" xmlns="" w="9525">
+              <a14:hiddenLine xmlns:a14="http://schemas.microsoft.com/office/drawing/2010/main" w="9525">
                 <a:solidFill>
                   <a:schemeClr val="tx1"/>
                 </a:solidFill>
@@ -26067,7 +25835,7 @@
               </a14:hiddenLine>
             </a:ext>
             <a:ext uri="{AF507438-7753-43E0-B8FC-AC1667EBCBE1}">
-              <a14:hiddenEffects xmlns:a14="http://schemas.microsoft.com/office/drawing/2010/main" xmlns="">
+              <a14:hiddenEffects xmlns:a14="http://schemas.microsoft.com/office/drawing/2010/main">
                 <a:effectLst>
                   <a:outerShdw dist="35921" dir="2700000" algn="ctr" rotWithShape="0">
                     <a:schemeClr val="bg2"/>
@@ -26113,14 +25881,14 @@
           <a:effectLst/>
           <a:extLst>
             <a:ext uri="{909E8E84-426E-40DD-AFC4-6F175D3DCCD1}">
-              <a14:hiddenFill xmlns:a14="http://schemas.microsoft.com/office/drawing/2010/main" xmlns="">
+              <a14:hiddenFill xmlns:a14="http://schemas.microsoft.com/office/drawing/2010/main">
                 <a:solidFill>
                   <a:schemeClr val="accent1"/>
                 </a:solidFill>
               </a14:hiddenFill>
             </a:ext>
             <a:ext uri="{91240B29-F687-4F45-9708-019B960494DF}">
-              <a14:hiddenLine xmlns:a14="http://schemas.microsoft.com/office/drawing/2010/main" xmlns="" w="9525">
+              <a14:hiddenLine xmlns:a14="http://schemas.microsoft.com/office/drawing/2010/main" w="9525">
                 <a:solidFill>
                   <a:schemeClr val="tx1"/>
                 </a:solidFill>
@@ -26130,70 +25898,7 @@
               </a14:hiddenLine>
             </a:ext>
             <a:ext uri="{AF507438-7753-43E0-B8FC-AC1667EBCBE1}">
-              <a14:hiddenEffects xmlns:a14="http://schemas.microsoft.com/office/drawing/2010/main" xmlns="">
-                <a:effectLst>
-                  <a:outerShdw dist="35921" dir="2700000" algn="ctr" rotWithShape="0">
-                    <a:schemeClr val="bg2"/>
-                  </a:outerShdw>
-                </a:effectLst>
-              </a14:hiddenEffects>
-            </a:ext>
-          </a:extLst>
-        </p:spPr>
-        <p:txBody>
-          <a:bodyPr vert="horz" wrap="none" lIns="91440" tIns="45720" rIns="91440" bIns="45720" numCol="1" anchor="ctr" anchorCtr="0" compatLnSpc="1">
-            <a:prstTxWarp prst="textNoShape">
-              <a:avLst/>
-            </a:prstTxWarp>
-            <a:spAutoFit/>
-          </a:bodyPr>
-          <a:lstStyle/>
-          <a:p>
-            <a:endParaRPr lang="en-US"/>
-          </a:p>
-        </p:txBody>
-      </p:sp>
-      <p:sp>
-        <p:nvSpPr>
-          <p:cNvPr id="4" name="Rectangle 2"/>
-          <p:cNvSpPr>
-            <a:spLocks noChangeArrowheads="1"/>
-          </p:cNvSpPr>
-          <p:nvPr/>
-        </p:nvSpPr>
-        <p:spPr bwMode="auto">
-          <a:xfrm>
-            <a:off x="0" y="0"/>
-            <a:ext cx="9144000" cy="0"/>
-          </a:xfrm>
-          <a:prstGeom prst="rect">
-            <a:avLst/>
-          </a:prstGeom>
-          <a:noFill/>
-          <a:ln>
-            <a:noFill/>
-          </a:ln>
-          <a:effectLst/>
-          <a:extLst>
-            <a:ext uri="{909E8E84-426E-40DD-AFC4-6F175D3DCCD1}">
-              <a14:hiddenFill xmlns:a14="http://schemas.microsoft.com/office/drawing/2010/main" xmlns="">
-                <a:solidFill>
-                  <a:schemeClr val="accent1"/>
-                </a:solidFill>
-              </a14:hiddenFill>
-            </a:ext>
-            <a:ext uri="{91240B29-F687-4F45-9708-019B960494DF}">
-              <a14:hiddenLine xmlns:a14="http://schemas.microsoft.com/office/drawing/2010/main" xmlns="" w="9525">
-                <a:solidFill>
-                  <a:schemeClr val="tx1"/>
-                </a:solidFill>
-                <a:miter lim="800000"/>
-                <a:headEnd/>
-                <a:tailEnd/>
-              </a14:hiddenLine>
-            </a:ext>
-            <a:ext uri="{AF507438-7753-43E0-B8FC-AC1667EBCBE1}">
-              <a14:hiddenEffects xmlns:a14="http://schemas.microsoft.com/office/drawing/2010/main" xmlns="">
+              <a14:hiddenEffects xmlns:a14="http://schemas.microsoft.com/office/drawing/2010/main">
                 <a:effectLst>
                   <a:outerShdw dist="35921" dir="2700000" algn="ctr" rotWithShape="0">
                     <a:schemeClr val="bg2"/>
@@ -26218,7 +25923,7 @@
       </p:sp>
       <p:pic>
         <p:nvPicPr>
-          <p:cNvPr id="9" name="Picture" descr="A description..."/>
+          <p:cNvPr id="7" name="Picture" descr="A description..."/>
           <p:cNvPicPr/>
           <p:nvPr/>
         </p:nvPicPr>
@@ -26231,8 +25936,8 @@
         </p:blipFill>
         <p:spPr bwMode="auto">
           <a:xfrm>
-            <a:off x="593436" y="1749483"/>
-            <a:ext cx="5943600" cy="3802380"/>
+            <a:off x="602990" y="1175904"/>
+            <a:ext cx="5942965" cy="1790700"/>
           </a:xfrm>
           <a:prstGeom prst="rect">
             <a:avLst/>
@@ -26248,7 +25953,7 @@
       </p:pic>
       <p:pic>
         <p:nvPicPr>
-          <p:cNvPr id="10" name="Picture" descr="A description..."/>
+          <p:cNvPr id="9" name="Picture" descr="A description..."/>
           <p:cNvPicPr/>
           <p:nvPr/>
         </p:nvPicPr>
@@ -26261,8 +25966,8 @@
         </p:blipFill>
         <p:spPr bwMode="auto">
           <a:xfrm>
-            <a:off x="6059055" y="1279873"/>
-            <a:ext cx="2586182" cy="5182998"/>
+            <a:off x="2680854" y="2434012"/>
+            <a:ext cx="5943600" cy="4058920"/>
           </a:xfrm>
           <a:prstGeom prst="rect">
             <a:avLst/>
@@ -26279,7 +25984,7 @@
     </p:spTree>
     <p:extLst>
       <p:ext uri="{BB962C8B-B14F-4D97-AF65-F5344CB8AC3E}">
-        <p14:creationId xmlns:p14="http://schemas.microsoft.com/office/powerpoint/2010/main" xmlns="" val="273623958"/>
+        <p14:creationId xmlns:p14="http://schemas.microsoft.com/office/powerpoint/2010/main" val="792481554"/>
       </p:ext>
     </p:extLst>
   </p:cSld>
@@ -26454,22 +26159,21 @@
         </p:nvSpPr>
         <p:spPr>
           <a:xfrm>
-            <a:off x="840509" y="3079691"/>
-            <a:ext cx="7430925" cy="638582"/>
+            <a:off x="1043490" y="641291"/>
+            <a:ext cx="7024744" cy="638582"/>
           </a:xfrm>
         </p:spPr>
         <p:txBody>
           <a:bodyPr>
-            <a:noAutofit/>
+            <a:normAutofit fontScale="90000"/>
           </a:bodyPr>
           <a:lstStyle/>
           <a:p>
-            <a:pPr algn="ctr"/>
             <a:r>
-              <a:rPr lang="en-US" sz="7200" dirty="0" smtClean="0"/>
-              <a:t>Q &amp; A</a:t>
+              <a:rPr lang="en-US" dirty="0" smtClean="0"/>
+              <a:t>Human Interface Design</a:t>
             </a:r>
-            <a:endParaRPr lang="en-US" sz="7200" dirty="0"/>
+            <a:endParaRPr lang="en-US" dirty="0"/>
           </a:p>
         </p:txBody>
       </p:sp>
@@ -26496,14 +26200,14 @@
           <a:effectLst/>
           <a:extLst>
             <a:ext uri="{909E8E84-426E-40DD-AFC4-6F175D3DCCD1}">
-              <a14:hiddenFill xmlns:a14="http://schemas.microsoft.com/office/drawing/2010/main" xmlns="">
+              <a14:hiddenFill xmlns:a14="http://schemas.microsoft.com/office/drawing/2010/main">
                 <a:solidFill>
                   <a:schemeClr val="accent1"/>
                 </a:solidFill>
               </a14:hiddenFill>
             </a:ext>
             <a:ext uri="{91240B29-F687-4F45-9708-019B960494DF}">
-              <a14:hiddenLine xmlns:a14="http://schemas.microsoft.com/office/drawing/2010/main" xmlns="" w="9525">
+              <a14:hiddenLine xmlns:a14="http://schemas.microsoft.com/office/drawing/2010/main" w="9525">
                 <a:solidFill>
                   <a:schemeClr val="tx1"/>
                 </a:solidFill>
@@ -26513,7 +26217,7 @@
               </a14:hiddenLine>
             </a:ext>
             <a:ext uri="{AF507438-7753-43E0-B8FC-AC1667EBCBE1}">
-              <a14:hiddenEffects xmlns:a14="http://schemas.microsoft.com/office/drawing/2010/main" xmlns="">
+              <a14:hiddenEffects xmlns:a14="http://schemas.microsoft.com/office/drawing/2010/main">
                 <a:effectLst>
                   <a:outerShdw dist="35921" dir="2700000" algn="ctr" rotWithShape="0">
                     <a:schemeClr val="bg2"/>
@@ -26559,14 +26263,14 @@
           <a:effectLst/>
           <a:extLst>
             <a:ext uri="{909E8E84-426E-40DD-AFC4-6F175D3DCCD1}">
-              <a14:hiddenFill xmlns:a14="http://schemas.microsoft.com/office/drawing/2010/main" xmlns="">
+              <a14:hiddenFill xmlns:a14="http://schemas.microsoft.com/office/drawing/2010/main">
                 <a:solidFill>
                   <a:schemeClr val="accent1"/>
                 </a:solidFill>
               </a14:hiddenFill>
             </a:ext>
             <a:ext uri="{91240B29-F687-4F45-9708-019B960494DF}">
-              <a14:hiddenLine xmlns:a14="http://schemas.microsoft.com/office/drawing/2010/main" xmlns="" w="9525">
+              <a14:hiddenLine xmlns:a14="http://schemas.microsoft.com/office/drawing/2010/main" w="9525">
                 <a:solidFill>
                   <a:schemeClr val="tx1"/>
                 </a:solidFill>
@@ -26576,7 +26280,372 @@
               </a14:hiddenLine>
             </a:ext>
             <a:ext uri="{AF507438-7753-43E0-B8FC-AC1667EBCBE1}">
-              <a14:hiddenEffects xmlns:a14="http://schemas.microsoft.com/office/drawing/2010/main" xmlns="">
+              <a14:hiddenEffects xmlns:a14="http://schemas.microsoft.com/office/drawing/2010/main">
+                <a:effectLst>
+                  <a:outerShdw dist="35921" dir="2700000" algn="ctr" rotWithShape="0">
+                    <a:schemeClr val="bg2"/>
+                  </a:outerShdw>
+                </a:effectLst>
+              </a14:hiddenEffects>
+            </a:ext>
+          </a:extLst>
+        </p:spPr>
+        <p:txBody>
+          <a:bodyPr vert="horz" wrap="none" lIns="91440" tIns="45720" rIns="91440" bIns="45720" numCol="1" anchor="ctr" anchorCtr="0" compatLnSpc="1">
+            <a:prstTxWarp prst="textNoShape">
+              <a:avLst/>
+            </a:prstTxWarp>
+            <a:spAutoFit/>
+          </a:bodyPr>
+          <a:lstStyle/>
+          <a:p>
+            <a:endParaRPr lang="en-US"/>
+          </a:p>
+        </p:txBody>
+      </p:sp>
+      <p:pic>
+        <p:nvPicPr>
+          <p:cNvPr id="8" name="Picture 7"/>
+          <p:cNvPicPr/>
+          <p:nvPr/>
+        </p:nvPicPr>
+        <p:blipFill>
+          <a:blip r:embed="rId3" cstate="email">
+            <a:extLst>
+              <a:ext uri="{28A0092B-C50C-407E-A947-70E740481C1C}">
+                <a14:useLocalDpi xmlns:a14="http://schemas.microsoft.com/office/drawing/2010/main" val="0"/>
+              </a:ext>
+            </a:extLst>
+          </a:blip>
+          <a:srcRect/>
+          <a:stretch>
+            <a:fillRect/>
+          </a:stretch>
+        </p:blipFill>
+        <p:spPr bwMode="auto">
+          <a:xfrm>
+            <a:off x="477173" y="2419927"/>
+            <a:ext cx="4981518" cy="2767560"/>
+          </a:xfrm>
+          <a:prstGeom prst="rect">
+            <a:avLst/>
+          </a:prstGeom>
+          <a:noFill/>
+          <a:ln>
+            <a:noFill/>
+          </a:ln>
+        </p:spPr>
+      </p:pic>
+      <p:sp>
+        <p:nvSpPr>
+          <p:cNvPr id="4" name="Rectangle 2"/>
+          <p:cNvSpPr>
+            <a:spLocks noChangeArrowheads="1"/>
+          </p:cNvSpPr>
+          <p:nvPr/>
+        </p:nvSpPr>
+        <p:spPr bwMode="auto">
+          <a:xfrm>
+            <a:off x="0" y="0"/>
+            <a:ext cx="9144000" cy="0"/>
+          </a:xfrm>
+          <a:prstGeom prst="rect">
+            <a:avLst/>
+          </a:prstGeom>
+          <a:noFill/>
+          <a:ln>
+            <a:noFill/>
+          </a:ln>
+          <a:effectLst/>
+          <a:extLst>
+            <a:ext uri="{909E8E84-426E-40DD-AFC4-6F175D3DCCD1}">
+              <a14:hiddenFill xmlns:a14="http://schemas.microsoft.com/office/drawing/2010/main">
+                <a:solidFill>
+                  <a:schemeClr val="accent1"/>
+                </a:solidFill>
+              </a14:hiddenFill>
+            </a:ext>
+            <a:ext uri="{91240B29-F687-4F45-9708-019B960494DF}">
+              <a14:hiddenLine xmlns:a14="http://schemas.microsoft.com/office/drawing/2010/main" w="9525">
+                <a:solidFill>
+                  <a:schemeClr val="tx1"/>
+                </a:solidFill>
+                <a:miter lim="800000"/>
+                <a:headEnd/>
+                <a:tailEnd/>
+              </a14:hiddenLine>
+            </a:ext>
+            <a:ext uri="{AF507438-7753-43E0-B8FC-AC1667EBCBE1}">
+              <a14:hiddenEffects xmlns:a14="http://schemas.microsoft.com/office/drawing/2010/main">
+                <a:effectLst>
+                  <a:outerShdw dist="35921" dir="2700000" algn="ctr" rotWithShape="0">
+                    <a:schemeClr val="bg2"/>
+                  </a:outerShdw>
+                </a:effectLst>
+              </a14:hiddenEffects>
+            </a:ext>
+          </a:extLst>
+        </p:spPr>
+        <p:txBody>
+          <a:bodyPr vert="horz" wrap="none" lIns="91440" tIns="45720" rIns="91440" bIns="45720" numCol="1" anchor="ctr" anchorCtr="0" compatLnSpc="1">
+            <a:prstTxWarp prst="textNoShape">
+              <a:avLst/>
+            </a:prstTxWarp>
+            <a:spAutoFit/>
+          </a:bodyPr>
+          <a:lstStyle/>
+          <a:p>
+            <a:endParaRPr lang="en-US"/>
+          </a:p>
+        </p:txBody>
+      </p:sp>
+      <p:graphicFrame>
+        <p:nvGraphicFramePr>
+          <p:cNvPr id="6" name="Object 5"/>
+          <p:cNvGraphicFramePr>
+            <a:graphicFrameLocks noChangeAspect="1"/>
+          </p:cNvGraphicFramePr>
+          <p:nvPr>
+            <p:extLst>
+              <p:ext uri="{D42A27DB-BD31-4B8C-83A1-F6EECF244321}">
+                <p14:modId xmlns:p14="http://schemas.microsoft.com/office/powerpoint/2010/main" val="3607041668"/>
+              </p:ext>
+            </p:extLst>
+          </p:nvPr>
+        </p:nvGraphicFramePr>
+        <p:xfrm>
+          <a:off x="5458691" y="1279873"/>
+          <a:ext cx="3209925" cy="5086350"/>
+        </p:xfrm>
+        <a:graphic>
+          <a:graphicData uri="http://schemas.openxmlformats.org/presentationml/2006/ole">
+            <mc:AlternateContent xmlns:mc="http://schemas.openxmlformats.org/markup-compatibility/2006">
+              <mc:Choice xmlns:v="urn:schemas-microsoft-com:vml" Requires="v">
+                <p:oleObj spid="_x0000_s38920" name="Visio" r:id="rId4" imgW="3204214" imgH="5082432" progId="">
+                  <p:embed/>
+                </p:oleObj>
+              </mc:Choice>
+              <mc:Fallback>
+                <p:oleObj name="Visio" r:id="rId4" imgW="3204214" imgH="5082432" progId="">
+                  <p:embed/>
+                  <p:pic>
+                    <p:nvPicPr>
+                      <p:cNvPr id="0" name="Picture 4"/>
+                      <p:cNvPicPr>
+                        <a:picLocks noChangeAspect="1" noChangeArrowheads="1"/>
+                      </p:cNvPicPr>
+                      <p:nvPr/>
+                    </p:nvPicPr>
+                    <p:blipFill>
+                      <a:blip r:embed="rId5">
+                        <a:extLst>
+                          <a:ext uri="{28A0092B-C50C-407E-A947-70E740481C1C}">
+                            <a14:useLocalDpi xmlns:a14="http://schemas.microsoft.com/office/drawing/2010/main" val="0"/>
+                          </a:ext>
+                        </a:extLst>
+                      </a:blip>
+                      <a:srcRect/>
+                      <a:stretch>
+                        <a:fillRect/>
+                      </a:stretch>
+                    </p:blipFill>
+                    <p:spPr bwMode="auto">
+                      <a:xfrm>
+                        <a:off x="5458691" y="1279873"/>
+                        <a:ext cx="3209925" cy="5086350"/>
+                      </a:xfrm>
+                      <a:prstGeom prst="rect">
+                        <a:avLst/>
+                      </a:prstGeom>
+                      <a:noFill/>
+                      <a:extLst>
+                        <a:ext uri="{909E8E84-426E-40DD-AFC4-6F175D3DCCD1}">
+                          <a14:hiddenFill xmlns:a14="http://schemas.microsoft.com/office/drawing/2010/main">
+                            <a:solidFill>
+                              <a:srgbClr val="FFFFFF"/>
+                            </a:solidFill>
+                          </a14:hiddenFill>
+                        </a:ext>
+                      </a:extLst>
+                    </p:spPr>
+                  </p:pic>
+                </p:oleObj>
+              </mc:Fallback>
+            </mc:AlternateContent>
+          </a:graphicData>
+        </a:graphic>
+      </p:graphicFrame>
+    </p:spTree>
+    <p:extLst>
+      <p:ext uri="{BB962C8B-B14F-4D97-AF65-F5344CB8AC3E}">
+        <p14:creationId xmlns:p14="http://schemas.microsoft.com/office/powerpoint/2010/main" val="2227559208"/>
+      </p:ext>
+    </p:extLst>
+  </p:cSld>
+  <p:clrMapOvr>
+    <a:masterClrMapping/>
+  </p:clrMapOvr>
+  <p:timing>
+    <p:tnLst>
+      <p:par>
+        <p:cTn id="1" dur="indefinite" restart="never" nodeType="tmRoot"/>
+      </p:par>
+    </p:tnLst>
+  </p:timing>
+</p:sld>
+</file>
+
+<file path=ppt/slides/slide31.xml><?xml version="1.0" encoding="utf-8"?>
+<p:sld xmlns:a="http://schemas.openxmlformats.org/drawingml/2006/main" xmlns:r="http://schemas.openxmlformats.org/officeDocument/2006/relationships" xmlns:p="http://schemas.openxmlformats.org/presentationml/2006/main">
+  <p:cSld>
+    <p:spTree>
+      <p:nvGrpSpPr>
+        <p:cNvPr id="1" name=""/>
+        <p:cNvGrpSpPr/>
+        <p:nvPr/>
+      </p:nvGrpSpPr>
+      <p:grpSpPr>
+        <a:xfrm>
+          <a:off x="0" y="0"/>
+          <a:ext cx="0" cy="0"/>
+          <a:chOff x="0" y="0"/>
+          <a:chExt cx="0" cy="0"/>
+        </a:xfrm>
+      </p:grpSpPr>
+      <p:sp>
+        <p:nvSpPr>
+          <p:cNvPr id="2" name="Title 1"/>
+          <p:cNvSpPr>
+            <a:spLocks noGrp="1"/>
+          </p:cNvSpPr>
+          <p:nvPr>
+            <p:ph type="title"/>
+          </p:nvPr>
+        </p:nvSpPr>
+        <p:spPr>
+          <a:xfrm>
+            <a:off x="1043490" y="641291"/>
+            <a:ext cx="7024744" cy="638582"/>
+          </a:xfrm>
+        </p:spPr>
+        <p:txBody>
+          <a:bodyPr>
+            <a:normAutofit fontScale="90000"/>
+          </a:bodyPr>
+          <a:lstStyle/>
+          <a:p>
+            <a:r>
+              <a:rPr lang="en-US" dirty="0" smtClean="0"/>
+              <a:t>Human Interface Design</a:t>
+            </a:r>
+            <a:endParaRPr lang="en-US" dirty="0"/>
+          </a:p>
+        </p:txBody>
+      </p:sp>
+      <p:sp>
+        <p:nvSpPr>
+          <p:cNvPr id="3" name="Rectangle 2"/>
+          <p:cNvSpPr>
+            <a:spLocks noChangeArrowheads="1"/>
+          </p:cNvSpPr>
+          <p:nvPr/>
+        </p:nvSpPr>
+        <p:spPr bwMode="auto">
+          <a:xfrm>
+            <a:off x="0" y="0"/>
+            <a:ext cx="9144000" cy="0"/>
+          </a:xfrm>
+          <a:prstGeom prst="rect">
+            <a:avLst/>
+          </a:prstGeom>
+          <a:noFill/>
+          <a:ln>
+            <a:noFill/>
+          </a:ln>
+          <a:effectLst/>
+          <a:extLst>
+            <a:ext uri="{909E8E84-426E-40DD-AFC4-6F175D3DCCD1}">
+              <a14:hiddenFill xmlns:a14="http://schemas.microsoft.com/office/drawing/2010/main">
+                <a:solidFill>
+                  <a:schemeClr val="accent1"/>
+                </a:solidFill>
+              </a14:hiddenFill>
+            </a:ext>
+            <a:ext uri="{91240B29-F687-4F45-9708-019B960494DF}">
+              <a14:hiddenLine xmlns:a14="http://schemas.microsoft.com/office/drawing/2010/main" w="9525">
+                <a:solidFill>
+                  <a:schemeClr val="tx1"/>
+                </a:solidFill>
+                <a:miter lim="800000"/>
+                <a:headEnd/>
+                <a:tailEnd/>
+              </a14:hiddenLine>
+            </a:ext>
+            <a:ext uri="{AF507438-7753-43E0-B8FC-AC1667EBCBE1}">
+              <a14:hiddenEffects xmlns:a14="http://schemas.microsoft.com/office/drawing/2010/main">
+                <a:effectLst>
+                  <a:outerShdw dist="35921" dir="2700000" algn="ctr" rotWithShape="0">
+                    <a:schemeClr val="bg2"/>
+                  </a:outerShdw>
+                </a:effectLst>
+              </a14:hiddenEffects>
+            </a:ext>
+          </a:extLst>
+        </p:spPr>
+        <p:txBody>
+          <a:bodyPr vert="horz" wrap="none" lIns="91440" tIns="45720" rIns="91440" bIns="45720" numCol="1" anchor="ctr" anchorCtr="0" compatLnSpc="1">
+            <a:prstTxWarp prst="textNoShape">
+              <a:avLst/>
+            </a:prstTxWarp>
+            <a:spAutoFit/>
+          </a:bodyPr>
+          <a:lstStyle/>
+          <a:p>
+            <a:endParaRPr lang="en-US"/>
+          </a:p>
+        </p:txBody>
+      </p:sp>
+      <p:sp>
+        <p:nvSpPr>
+          <p:cNvPr id="5" name="Rectangle 2"/>
+          <p:cNvSpPr>
+            <a:spLocks noChangeArrowheads="1"/>
+          </p:cNvSpPr>
+          <p:nvPr/>
+        </p:nvSpPr>
+        <p:spPr bwMode="auto">
+          <a:xfrm>
+            <a:off x="0" y="0"/>
+            <a:ext cx="9144000" cy="0"/>
+          </a:xfrm>
+          <a:prstGeom prst="rect">
+            <a:avLst/>
+          </a:prstGeom>
+          <a:noFill/>
+          <a:ln>
+            <a:noFill/>
+          </a:ln>
+          <a:effectLst/>
+          <a:extLst>
+            <a:ext uri="{909E8E84-426E-40DD-AFC4-6F175D3DCCD1}">
+              <a14:hiddenFill xmlns:a14="http://schemas.microsoft.com/office/drawing/2010/main">
+                <a:solidFill>
+                  <a:schemeClr val="accent1"/>
+                </a:solidFill>
+              </a14:hiddenFill>
+            </a:ext>
+            <a:ext uri="{91240B29-F687-4F45-9708-019B960494DF}">
+              <a14:hiddenLine xmlns:a14="http://schemas.microsoft.com/office/drawing/2010/main" w="9525">
+                <a:solidFill>
+                  <a:schemeClr val="tx1"/>
+                </a:solidFill>
+                <a:miter lim="800000"/>
+                <a:headEnd/>
+                <a:tailEnd/>
+              </a14:hiddenLine>
+            </a:ext>
+            <a:ext uri="{AF507438-7753-43E0-B8FC-AC1667EBCBE1}">
+              <a14:hiddenEffects xmlns:a14="http://schemas.microsoft.com/office/drawing/2010/main">
                 <a:effectLst>
                   <a:outerShdw dist="35921" dir="2700000" algn="ctr" rotWithShape="0">
                     <a:schemeClr val="bg2"/>
@@ -26622,14 +26691,14 @@
           <a:effectLst/>
           <a:extLst>
             <a:ext uri="{909E8E84-426E-40DD-AFC4-6F175D3DCCD1}">
-              <a14:hiddenFill xmlns:a14="http://schemas.microsoft.com/office/drawing/2010/main" xmlns="">
+              <a14:hiddenFill xmlns:a14="http://schemas.microsoft.com/office/drawing/2010/main">
                 <a:solidFill>
                   <a:schemeClr val="accent1"/>
                 </a:solidFill>
               </a14:hiddenFill>
             </a:ext>
             <a:ext uri="{91240B29-F687-4F45-9708-019B960494DF}">
-              <a14:hiddenLine xmlns:a14="http://schemas.microsoft.com/office/drawing/2010/main" xmlns="" w="9525">
+              <a14:hiddenLine xmlns:a14="http://schemas.microsoft.com/office/drawing/2010/main" w="9525">
                 <a:solidFill>
                   <a:schemeClr val="tx1"/>
                 </a:solidFill>
@@ -26639,7 +26708,324 @@
               </a14:hiddenLine>
             </a:ext>
             <a:ext uri="{AF507438-7753-43E0-B8FC-AC1667EBCBE1}">
-              <a14:hiddenEffects xmlns:a14="http://schemas.microsoft.com/office/drawing/2010/main" xmlns="">
+              <a14:hiddenEffects xmlns:a14="http://schemas.microsoft.com/office/drawing/2010/main">
+                <a:effectLst>
+                  <a:outerShdw dist="35921" dir="2700000" algn="ctr" rotWithShape="0">
+                    <a:schemeClr val="bg2"/>
+                  </a:outerShdw>
+                </a:effectLst>
+              </a14:hiddenEffects>
+            </a:ext>
+          </a:extLst>
+        </p:spPr>
+        <p:txBody>
+          <a:bodyPr vert="horz" wrap="none" lIns="91440" tIns="45720" rIns="91440" bIns="45720" numCol="1" anchor="ctr" anchorCtr="0" compatLnSpc="1">
+            <a:prstTxWarp prst="textNoShape">
+              <a:avLst/>
+            </a:prstTxWarp>
+            <a:spAutoFit/>
+          </a:bodyPr>
+          <a:lstStyle/>
+          <a:p>
+            <a:endParaRPr lang="en-US"/>
+          </a:p>
+        </p:txBody>
+      </p:sp>
+      <p:pic>
+        <p:nvPicPr>
+          <p:cNvPr id="9" name="Picture" descr="A description..."/>
+          <p:cNvPicPr/>
+          <p:nvPr/>
+        </p:nvPicPr>
+        <p:blipFill>
+          <a:blip r:embed="rId2" cstate="print"/>
+          <a:srcRect/>
+          <a:stretch>
+            <a:fillRect/>
+          </a:stretch>
+        </p:blipFill>
+        <p:spPr bwMode="auto">
+          <a:xfrm>
+            <a:off x="593436" y="1749483"/>
+            <a:ext cx="5943600" cy="3802380"/>
+          </a:xfrm>
+          <a:prstGeom prst="rect">
+            <a:avLst/>
+          </a:prstGeom>
+          <a:noFill/>
+          <a:ln w="9525">
+            <a:noFill/>
+            <a:miter lim="800000"/>
+            <a:headEnd/>
+            <a:tailEnd/>
+          </a:ln>
+        </p:spPr>
+      </p:pic>
+      <p:pic>
+        <p:nvPicPr>
+          <p:cNvPr id="10" name="Picture" descr="A description..."/>
+          <p:cNvPicPr/>
+          <p:nvPr/>
+        </p:nvPicPr>
+        <p:blipFill>
+          <a:blip r:embed="rId3" cstate="print"/>
+          <a:srcRect/>
+          <a:stretch>
+            <a:fillRect/>
+          </a:stretch>
+        </p:blipFill>
+        <p:spPr bwMode="auto">
+          <a:xfrm>
+            <a:off x="6059055" y="1279873"/>
+            <a:ext cx="2586182" cy="5182998"/>
+          </a:xfrm>
+          <a:prstGeom prst="rect">
+            <a:avLst/>
+          </a:prstGeom>
+          <a:noFill/>
+          <a:ln w="9525">
+            <a:noFill/>
+            <a:miter lim="800000"/>
+            <a:headEnd/>
+            <a:tailEnd/>
+          </a:ln>
+        </p:spPr>
+      </p:pic>
+    </p:spTree>
+    <p:extLst>
+      <p:ext uri="{BB962C8B-B14F-4D97-AF65-F5344CB8AC3E}">
+        <p14:creationId xmlns:p14="http://schemas.microsoft.com/office/powerpoint/2010/main" val="273623958"/>
+      </p:ext>
+    </p:extLst>
+  </p:cSld>
+  <p:clrMapOvr>
+    <a:masterClrMapping/>
+  </p:clrMapOvr>
+  <p:timing>
+    <p:tnLst>
+      <p:par>
+        <p:cTn id="1" dur="indefinite" restart="never" nodeType="tmRoot"/>
+      </p:par>
+    </p:tnLst>
+  </p:timing>
+</p:sld>
+</file>
+
+<file path=ppt/slides/slide32.xml><?xml version="1.0" encoding="utf-8"?>
+<p:sld xmlns:a="http://schemas.openxmlformats.org/drawingml/2006/main" xmlns:r="http://schemas.openxmlformats.org/officeDocument/2006/relationships" xmlns:p="http://schemas.openxmlformats.org/presentationml/2006/main">
+  <p:cSld>
+    <p:spTree>
+      <p:nvGrpSpPr>
+        <p:cNvPr id="1" name=""/>
+        <p:cNvGrpSpPr/>
+        <p:nvPr/>
+      </p:nvGrpSpPr>
+      <p:grpSpPr>
+        <a:xfrm>
+          <a:off x="0" y="0"/>
+          <a:ext cx="0" cy="0"/>
+          <a:chOff x="0" y="0"/>
+          <a:chExt cx="0" cy="0"/>
+        </a:xfrm>
+      </p:grpSpPr>
+      <p:sp>
+        <p:nvSpPr>
+          <p:cNvPr id="2" name="Title 1"/>
+          <p:cNvSpPr>
+            <a:spLocks noGrp="1"/>
+          </p:cNvSpPr>
+          <p:nvPr>
+            <p:ph type="title"/>
+          </p:nvPr>
+        </p:nvSpPr>
+        <p:spPr>
+          <a:xfrm>
+            <a:off x="840509" y="3079691"/>
+            <a:ext cx="7430925" cy="638582"/>
+          </a:xfrm>
+        </p:spPr>
+        <p:txBody>
+          <a:bodyPr>
+            <a:noAutofit/>
+          </a:bodyPr>
+          <a:lstStyle/>
+          <a:p>
+            <a:pPr algn="ctr"/>
+            <a:r>
+              <a:rPr lang="en-US" sz="7200" dirty="0" smtClean="0"/>
+              <a:t>Q &amp; A</a:t>
+            </a:r>
+            <a:endParaRPr lang="en-US" sz="7200" dirty="0"/>
+          </a:p>
+        </p:txBody>
+      </p:sp>
+      <p:sp>
+        <p:nvSpPr>
+          <p:cNvPr id="3" name="Rectangle 2"/>
+          <p:cNvSpPr>
+            <a:spLocks noChangeArrowheads="1"/>
+          </p:cNvSpPr>
+          <p:nvPr/>
+        </p:nvSpPr>
+        <p:spPr bwMode="auto">
+          <a:xfrm>
+            <a:off x="0" y="0"/>
+            <a:ext cx="9144000" cy="0"/>
+          </a:xfrm>
+          <a:prstGeom prst="rect">
+            <a:avLst/>
+          </a:prstGeom>
+          <a:noFill/>
+          <a:ln>
+            <a:noFill/>
+          </a:ln>
+          <a:effectLst/>
+          <a:extLst>
+            <a:ext uri="{909E8E84-426E-40DD-AFC4-6F175D3DCCD1}">
+              <a14:hiddenFill xmlns:a14="http://schemas.microsoft.com/office/drawing/2010/main">
+                <a:solidFill>
+                  <a:schemeClr val="accent1"/>
+                </a:solidFill>
+              </a14:hiddenFill>
+            </a:ext>
+            <a:ext uri="{91240B29-F687-4F45-9708-019B960494DF}">
+              <a14:hiddenLine xmlns:a14="http://schemas.microsoft.com/office/drawing/2010/main" w="9525">
+                <a:solidFill>
+                  <a:schemeClr val="tx1"/>
+                </a:solidFill>
+                <a:miter lim="800000"/>
+                <a:headEnd/>
+                <a:tailEnd/>
+              </a14:hiddenLine>
+            </a:ext>
+            <a:ext uri="{AF507438-7753-43E0-B8FC-AC1667EBCBE1}">
+              <a14:hiddenEffects xmlns:a14="http://schemas.microsoft.com/office/drawing/2010/main">
+                <a:effectLst>
+                  <a:outerShdw dist="35921" dir="2700000" algn="ctr" rotWithShape="0">
+                    <a:schemeClr val="bg2"/>
+                  </a:outerShdw>
+                </a:effectLst>
+              </a14:hiddenEffects>
+            </a:ext>
+          </a:extLst>
+        </p:spPr>
+        <p:txBody>
+          <a:bodyPr vert="horz" wrap="none" lIns="91440" tIns="45720" rIns="91440" bIns="45720" numCol="1" anchor="ctr" anchorCtr="0" compatLnSpc="1">
+            <a:prstTxWarp prst="textNoShape">
+              <a:avLst/>
+            </a:prstTxWarp>
+            <a:spAutoFit/>
+          </a:bodyPr>
+          <a:lstStyle/>
+          <a:p>
+            <a:endParaRPr lang="en-US"/>
+          </a:p>
+        </p:txBody>
+      </p:sp>
+      <p:sp>
+        <p:nvSpPr>
+          <p:cNvPr id="5" name="Rectangle 2"/>
+          <p:cNvSpPr>
+            <a:spLocks noChangeArrowheads="1"/>
+          </p:cNvSpPr>
+          <p:nvPr/>
+        </p:nvSpPr>
+        <p:spPr bwMode="auto">
+          <a:xfrm>
+            <a:off x="0" y="0"/>
+            <a:ext cx="9144000" cy="0"/>
+          </a:xfrm>
+          <a:prstGeom prst="rect">
+            <a:avLst/>
+          </a:prstGeom>
+          <a:noFill/>
+          <a:ln>
+            <a:noFill/>
+          </a:ln>
+          <a:effectLst/>
+          <a:extLst>
+            <a:ext uri="{909E8E84-426E-40DD-AFC4-6F175D3DCCD1}">
+              <a14:hiddenFill xmlns:a14="http://schemas.microsoft.com/office/drawing/2010/main">
+                <a:solidFill>
+                  <a:schemeClr val="accent1"/>
+                </a:solidFill>
+              </a14:hiddenFill>
+            </a:ext>
+            <a:ext uri="{91240B29-F687-4F45-9708-019B960494DF}">
+              <a14:hiddenLine xmlns:a14="http://schemas.microsoft.com/office/drawing/2010/main" w="9525">
+                <a:solidFill>
+                  <a:schemeClr val="tx1"/>
+                </a:solidFill>
+                <a:miter lim="800000"/>
+                <a:headEnd/>
+                <a:tailEnd/>
+              </a14:hiddenLine>
+            </a:ext>
+            <a:ext uri="{AF507438-7753-43E0-B8FC-AC1667EBCBE1}">
+              <a14:hiddenEffects xmlns:a14="http://schemas.microsoft.com/office/drawing/2010/main">
+                <a:effectLst>
+                  <a:outerShdw dist="35921" dir="2700000" algn="ctr" rotWithShape="0">
+                    <a:schemeClr val="bg2"/>
+                  </a:outerShdw>
+                </a:effectLst>
+              </a14:hiddenEffects>
+            </a:ext>
+          </a:extLst>
+        </p:spPr>
+        <p:txBody>
+          <a:bodyPr vert="horz" wrap="none" lIns="91440" tIns="45720" rIns="91440" bIns="45720" numCol="1" anchor="ctr" anchorCtr="0" compatLnSpc="1">
+            <a:prstTxWarp prst="textNoShape">
+              <a:avLst/>
+            </a:prstTxWarp>
+            <a:spAutoFit/>
+          </a:bodyPr>
+          <a:lstStyle/>
+          <a:p>
+            <a:endParaRPr lang="en-US"/>
+          </a:p>
+        </p:txBody>
+      </p:sp>
+      <p:sp>
+        <p:nvSpPr>
+          <p:cNvPr id="4" name="Rectangle 2"/>
+          <p:cNvSpPr>
+            <a:spLocks noChangeArrowheads="1"/>
+          </p:cNvSpPr>
+          <p:nvPr/>
+        </p:nvSpPr>
+        <p:spPr bwMode="auto">
+          <a:xfrm>
+            <a:off x="0" y="0"/>
+            <a:ext cx="9144000" cy="0"/>
+          </a:xfrm>
+          <a:prstGeom prst="rect">
+            <a:avLst/>
+          </a:prstGeom>
+          <a:noFill/>
+          <a:ln>
+            <a:noFill/>
+          </a:ln>
+          <a:effectLst/>
+          <a:extLst>
+            <a:ext uri="{909E8E84-426E-40DD-AFC4-6F175D3DCCD1}">
+              <a14:hiddenFill xmlns:a14="http://schemas.microsoft.com/office/drawing/2010/main">
+                <a:solidFill>
+                  <a:schemeClr val="accent1"/>
+                </a:solidFill>
+              </a14:hiddenFill>
+            </a:ext>
+            <a:ext uri="{91240B29-F687-4F45-9708-019B960494DF}">
+              <a14:hiddenLine xmlns:a14="http://schemas.microsoft.com/office/drawing/2010/main" w="9525">
+                <a:solidFill>
+                  <a:schemeClr val="tx1"/>
+                </a:solidFill>
+                <a:miter lim="800000"/>
+                <a:headEnd/>
+                <a:tailEnd/>
+              </a14:hiddenLine>
+            </a:ext>
+            <a:ext uri="{AF507438-7753-43E0-B8FC-AC1667EBCBE1}">
+              <a14:hiddenEffects xmlns:a14="http://schemas.microsoft.com/office/drawing/2010/main">
                 <a:effectLst>
                   <a:outerShdw dist="35921" dir="2700000" algn="ctr" rotWithShape="0">
                     <a:schemeClr val="bg2"/>
@@ -26665,7 +27051,7 @@
     </p:spTree>
     <p:extLst>
       <p:ext uri="{BB962C8B-B14F-4D97-AF65-F5344CB8AC3E}">
-        <p14:creationId xmlns:p14="http://schemas.microsoft.com/office/powerpoint/2010/main" xmlns="" val="336984967"/>
+        <p14:creationId xmlns:p14="http://schemas.microsoft.com/office/powerpoint/2010/main" val="336984967"/>
       </p:ext>
     </p:extLst>
   </p:cSld>
@@ -26682,7 +27068,7 @@
 </p:sld>
 </file>
 
-<file path=ppt/slides/slide31.xml><?xml version="1.0" encoding="utf-8"?>
+<file path=ppt/slides/slide33.xml><?xml version="1.0" encoding="utf-8"?>
 <p:sld xmlns:a="http://schemas.openxmlformats.org/drawingml/2006/main" xmlns:r="http://schemas.openxmlformats.org/officeDocument/2006/relationships" xmlns:p="http://schemas.openxmlformats.org/presentationml/2006/main">
   <p:cSld>
     <p:spTree>
@@ -26778,7 +27164,7 @@
           <a:blip r:embed="rId3" cstate="print">
             <a:extLst>
               <a:ext uri="{28A0092B-C50C-407E-A947-70E740481C1C}">
-                <a14:useLocalDpi xmlns:a14="http://schemas.microsoft.com/office/drawing/2010/main" xmlns="" val="0"/>
+                <a14:useLocalDpi xmlns:a14="http://schemas.microsoft.com/office/drawing/2010/main" val="0"/>
               </a:ext>
             </a:extLst>
           </a:blip>
@@ -26798,7 +27184,7 @@
           <a:noFill/>
           <a:extLst>
             <a:ext uri="{909E8E84-426E-40DD-AFC4-6F175D3DCCD1}">
-              <a14:hiddenFill xmlns:a14="http://schemas.microsoft.com/office/drawing/2010/main" xmlns="">
+              <a14:hiddenFill xmlns:a14="http://schemas.microsoft.com/office/drawing/2010/main">
                 <a:solidFill>
                   <a:srgbClr val="FFFFFF"/>
                 </a:solidFill>
@@ -26810,7 +27196,7 @@
     </p:spTree>
     <p:extLst>
       <p:ext uri="{BB962C8B-B14F-4D97-AF65-F5344CB8AC3E}">
-        <p14:creationId xmlns:p14="http://schemas.microsoft.com/office/powerpoint/2010/main" xmlns="" val="3832736806"/>
+        <p14:creationId xmlns:p14="http://schemas.microsoft.com/office/powerpoint/2010/main" val="3832736806"/>
       </p:ext>
     </p:extLst>
   </p:cSld>

--- a/deliverables/final/Final Presentation.pptx
+++ b/deliverables/final/Final Presentation.pptx
@@ -5,7 +5,7 @@
     <p:sldMasterId id="2147483792" r:id="rId1"/>
   </p:sldMasterIdLst>
   <p:notesMasterIdLst>
-    <p:notesMasterId r:id="rId35"/>
+    <p:notesMasterId r:id="rId37"/>
   </p:notesMasterIdLst>
   <p:sldIdLst>
     <p:sldId id="256" r:id="rId2"/>
@@ -37,10 +37,12 @@
     <p:sldId id="286" r:id="rId28"/>
     <p:sldId id="287" r:id="rId29"/>
     <p:sldId id="288" r:id="rId30"/>
-    <p:sldId id="289" r:id="rId31"/>
-    <p:sldId id="282" r:id="rId32"/>
-    <p:sldId id="266" r:id="rId33"/>
-    <p:sldId id="259" r:id="rId34"/>
+    <p:sldId id="299" r:id="rId31"/>
+    <p:sldId id="300" r:id="rId32"/>
+    <p:sldId id="289" r:id="rId33"/>
+    <p:sldId id="282" r:id="rId34"/>
+    <p:sldId id="266" r:id="rId35"/>
+    <p:sldId id="259" r:id="rId36"/>
   </p:sldIdLst>
   <p:sldSz cx="9144000" cy="6858000" type="screen4x3"/>
   <p:notesSz cx="6858000" cy="9144000"/>
@@ -210,16 +212,16 @@
                 <c:formatCode>[hh]:mm:ss</c:formatCode>
                 <c:ptCount val="4"/>
                 <c:pt idx="0">
-                  <c:v>3.9756944444444402</c:v>
+                  <c:v>3.97569444444444</c:v>
                 </c:pt>
                 <c:pt idx="1">
-                  <c:v>5.9444444444444402</c:v>
+                  <c:v>5.94444444444444</c:v>
                 </c:pt>
                 <c:pt idx="2">
                   <c:v>3.46875</c:v>
                 </c:pt>
                 <c:pt idx="3">
-                  <c:v>4.6805555555555598</c:v>
+                  <c:v>4.680555555555558</c:v>
                 </c:pt>
               </c:numCache>
             </c:numRef>
@@ -272,16 +274,16 @@
                 <c:formatCode>[hh]:mm:ss</c:formatCode>
                 <c:ptCount val="4"/>
                 <c:pt idx="0">
-                  <c:v>5.5381944444444402</c:v>
+                  <c:v>5.53819444444444</c:v>
                 </c:pt>
                 <c:pt idx="1">
-                  <c:v>3.9270833333333299</c:v>
+                  <c:v>3.927083333333329</c:v>
                 </c:pt>
                 <c:pt idx="2">
                   <c:v>2.84375</c:v>
                 </c:pt>
                 <c:pt idx="3">
-                  <c:v>3.4826388888888902</c:v>
+                  <c:v>3.48263888888889</c:v>
                 </c:pt>
               </c:numCache>
             </c:numRef>
@@ -296,11 +298,11 @@
           <c:showBubbleSize val="0"/>
         </c:dLbls>
         <c:gapWidth val="100"/>
-        <c:axId val="127267200"/>
-        <c:axId val="127268736"/>
+        <c:axId val="2099387144"/>
+        <c:axId val="2099383816"/>
       </c:barChart>
       <c:catAx>
-        <c:axId val="127267200"/>
+        <c:axId val="2099387144"/>
         <c:scaling>
           <c:orientation val="minMax"/>
         </c:scaling>
@@ -316,15 +318,15 @@
             </a:solidFill>
           </a:ln>
         </c:spPr>
-        <c:crossAx val="127268736"/>
-        <c:crossesAt val="0"/>
+        <c:crossAx val="2099383816"/>
+        <c:crossesAt val="0.0"/>
         <c:auto val="1"/>
         <c:lblAlgn val="ctr"/>
         <c:lblOffset val="100"/>
         <c:noMultiLvlLbl val="0"/>
       </c:catAx>
       <c:valAx>
-        <c:axId val="127268736"/>
+        <c:axId val="2099383816"/>
         <c:scaling>
           <c:orientation val="minMax"/>
         </c:scaling>
@@ -350,8 +352,8 @@
             </a:solidFill>
           </a:ln>
         </c:spPr>
-        <c:crossAx val="127267200"/>
-        <c:crossesAt val="0"/>
+        <c:crossAx val="2099387144"/>
+        <c:crossesAt val="0.0"/>
         <c:crossBetween val="between"/>
       </c:valAx>
       <c:spPr>
@@ -450,10 +452,10 @@
                 <c:formatCode>General</c:formatCode>
                 <c:ptCount val="2"/>
                 <c:pt idx="0">
-                  <c:v>19.434027777777796</c:v>
+                  <c:v>19.43402777777779</c:v>
                 </c:pt>
                 <c:pt idx="1">
-                  <c:v>16.697916666666703</c:v>
+                  <c:v>16.69791666666671</c:v>
                 </c:pt>
               </c:numCache>
             </c:numRef>
@@ -577,7 +579,7 @@
           <a:p>
             <a:fld id="{1C1C5CF6-DD17-4F1F-ADC8-DFB45EB30005}" type="datetimeFigureOut">
               <a:rPr lang="en-US" smtClean="0"/>
-              <a:t>4/29/2012</a:t>
+              <a:t>4/30/12</a:t>
             </a:fld>
             <a:endParaRPr lang="en-US"/>
           </a:p>
@@ -3723,7 +3725,7 @@
             <a:fld id="{0A98AF03-7270-45C2-A683-C5E353EF01A5}" type="datetime4">
               <a:rPr lang="en-US" smtClean="0"/>
               <a:pPr/>
-              <a:t>April 29, 2012</a:t>
+              <a:t>April 30, 2012</a:t>
             </a:fld>
             <a:endParaRPr lang="en-US" dirty="0"/>
           </a:p>
@@ -4010,7 +4012,7 @@
             <a:fld id="{A2FB5AFD-D735-4504-A039-ADEBB6448D55}" type="datetime4">
               <a:rPr lang="en-US" smtClean="0"/>
               <a:pPr/>
-              <a:t>April 29, 2012</a:t>
+              <a:t>April 30, 2012</a:t>
             </a:fld>
             <a:endParaRPr lang="en-US" dirty="0"/>
           </a:p>
@@ -4187,7 +4189,7 @@
             <a:fld id="{AB5C8118-FB93-4E87-B380-0175F2FE2167}" type="datetime4">
               <a:rPr lang="en-US" smtClean="0"/>
               <a:pPr/>
-              <a:t>April 29, 2012</a:t>
+              <a:t>April 30, 2012</a:t>
             </a:fld>
             <a:endParaRPr lang="en-US" dirty="0"/>
           </a:p>
@@ -4354,7 +4356,7 @@
             <a:fld id="{05A93482-8E69-40F7-BCAD-5662A6CADB27}" type="datetime4">
               <a:rPr lang="en-US" smtClean="0"/>
               <a:pPr/>
-              <a:t>April 29, 2012</a:t>
+              <a:t>April 30, 2012</a:t>
             </a:fld>
             <a:endParaRPr lang="en-US" dirty="0"/>
           </a:p>
@@ -4597,7 +4599,7 @@
             <a:fld id="{FBB7EAE1-CAAC-4AEF-919E-158692B1E55E}" type="datetime4">
               <a:rPr lang="en-US" smtClean="0"/>
               <a:pPr/>
-              <a:t>April 29, 2012</a:t>
+              <a:t>April 30, 2012</a:t>
             </a:fld>
             <a:endParaRPr lang="en-US" dirty="0"/>
           </a:p>
@@ -4712,7 +4714,7 @@
             <a:fld id="{9525A706-D8F2-4D1A-855A-CADC92600C26}" type="datetime4">
               <a:rPr lang="en-US" smtClean="0"/>
               <a:pPr/>
-              <a:t>April 29, 2012</a:t>
+              <a:t>April 30, 2012</a:t>
             </a:fld>
             <a:endParaRPr lang="en-US" dirty="0"/>
           </a:p>
@@ -5253,7 +5255,7 @@
             <a:fld id="{99B4F123-1704-49AC-9D15-C4B1462B8014}" type="datetime4">
               <a:rPr lang="en-US" smtClean="0"/>
               <a:pPr/>
-              <a:t>April 29, 2012</a:t>
+              <a:t>April 30, 2012</a:t>
             </a:fld>
             <a:endParaRPr lang="en-US" dirty="0"/>
           </a:p>
@@ -5368,7 +5370,7 @@
             <a:fld id="{E3127EC2-47FB-48A1-8644-C8A81DDAA119}" type="datetime4">
               <a:rPr lang="en-US" smtClean="0"/>
               <a:pPr/>
-              <a:t>April 29, 2012</a:t>
+              <a:t>April 30, 2012</a:t>
             </a:fld>
             <a:endParaRPr lang="en-US" dirty="0"/>
           </a:p>
@@ -5460,7 +5462,7 @@
             <a:fld id="{AE3EC3ED-7435-49F9-84C8-03CCA2F8DEDB}" type="datetime4">
               <a:rPr lang="en-US" smtClean="0"/>
               <a:pPr/>
-              <a:t>April 29, 2012</a:t>
+              <a:t>April 30, 2012</a:t>
             </a:fld>
             <a:endParaRPr lang="en-US" dirty="0"/>
           </a:p>
@@ -8113,7 +8115,7 @@
             <a:fld id="{3FC49BF1-FCD3-4395-8FF6-0047AF66228E}" type="datetime4">
               <a:rPr lang="en-US" smtClean="0"/>
               <a:pPr/>
-              <a:t>April 29, 2012</a:t>
+              <a:t>April 30, 2012</a:t>
             </a:fld>
             <a:endParaRPr lang="en-US" dirty="0"/>
           </a:p>
@@ -11327,7 +11329,7 @@
             <a:fld id="{CA861222-2C8B-4501-BE87-6797EC025925}" type="datetime4">
               <a:rPr lang="en-US" smtClean="0"/>
               <a:pPr/>
-              <a:t>April 29, 2012</a:t>
+              <a:t>April 30, 2012</a:t>
             </a:fld>
             <a:endParaRPr lang="en-US" dirty="0"/>
           </a:p>
@@ -14151,7 +14153,7 @@
             <a:fld id="{16C01193-8287-4834-A286-6B880643E934}" type="datetime4">
               <a:rPr lang="en-US" smtClean="0"/>
               <a:pPr/>
-              <a:t>April 29, 2012</a:t>
+              <a:t>April 30, 2012</a:t>
             </a:fld>
             <a:endParaRPr lang="en-US" dirty="0"/>
           </a:p>
@@ -14756,7 +14758,7 @@
   <p:timing>
     <p:tnLst>
       <p:par>
-        <p:cTn id="1" dur="indefinite" restart="never" nodeType="tmRoot"/>
+        <p:cTn xmlns:p14="http://schemas.microsoft.com/office/powerpoint/2010/main" id="1" dur="indefinite" restart="never" nodeType="tmRoot"/>
       </p:par>
     </p:tnLst>
   </p:timing>
@@ -23398,7 +23400,7 @@
           </a:prstGeom>
           <a:noFill/>
           <a:extLst>
-            <a:ext uri="{909E8E84-426E-40DD-AFC4-6F175D3DCCD1}">
+            <a:ext uri="{909E8E84-426E-40dd-AFC4-6F175D3DCCD1}">
               <a14:hiddenFill xmlns:a14="http://schemas.microsoft.com/office/drawing/2010/main">
                 <a:solidFill>
                   <a:srgbClr val="FFFFFF"/>
@@ -24069,8 +24071,12 @@
               <a:buChar char=""/>
             </a:pPr>
             <a:r>
+              <a:rPr lang="en-US" dirty="0" smtClean="0"/>
+              <a:t>Each </a:t>
+            </a:r>
+            <a:r>
               <a:rPr lang="en-US" dirty="0"/>
-              <a:t> Each project artifact was inspected by at least 2 reviewers before </a:t>
+              <a:t>project artifact was inspected by at least 2 reviewers before </a:t>
             </a:r>
             <a:r>
               <a:rPr lang="en-US" dirty="0" smtClean="0"/>
@@ -24092,10 +24098,16 @@
               <a:buChar char=""/>
             </a:pPr>
             <a:r>
+              <a:rPr lang="en-US" dirty="0" smtClean="0">
+                <a:ea typeface="Century Gothic"/>
+              </a:rPr>
+              <a:t>Set </a:t>
+            </a:r>
+            <a:r>
               <a:rPr lang="en-US" dirty="0">
                 <a:ea typeface="Century Gothic"/>
               </a:rPr>
-              <a:t> Set of coding </a:t>
+              <a:t>of coding </a:t>
             </a:r>
             <a:r>
               <a:rPr lang="en-US" dirty="0" smtClean="0">
@@ -24653,7 +24665,7 @@
           </a:prstGeom>
           <a:noFill/>
           <a:extLst>
-            <a:ext uri="{909E8E84-426E-40DD-AFC4-6F175D3DCCD1}">
+            <a:ext uri="{909E8E84-426E-40dd-AFC4-6F175D3DCCD1}">
               <a14:hiddenFill xmlns:a14="http://schemas.microsoft.com/office/drawing/2010/main">
                 <a:solidFill>
                   <a:srgbClr val="FFFFFF"/>
@@ -24775,13 +24787,20 @@
               <a:buChar char=""/>
             </a:pPr>
             <a:r>
-              <a:rPr lang="en-US" dirty="0">
+              <a:rPr lang="en-US" dirty="0" smtClean="0">
                 <a:solidFill>
                   <a:srgbClr val="000000"/>
                 </a:solidFill>
               </a:rPr>
-              <a:t> Pair programming</a:t>
+              <a:t>Pair programming</a:t>
             </a:r>
+          </a:p>
+          <a:p>
+            <a:pPr>
+              <a:buSzPct val="45000"/>
+              <a:buFont typeface="StarSymbol"/>
+              <a:buChar char=""/>
+            </a:pPr>
             <a:endParaRPr lang="en-US" dirty="0"/>
           </a:p>
           <a:p>
@@ -24791,13 +24810,22 @@
               <a:buChar char=""/>
             </a:pPr>
             <a:r>
+              <a:rPr lang="en-US" dirty="0" smtClean="0">
+                <a:solidFill>
+                  <a:srgbClr val="000000"/>
+                </a:solidFill>
+                <a:ea typeface="Century Gothic"/>
+              </a:rPr>
+              <a:t>Unit </a:t>
+            </a:r>
+            <a:r>
               <a:rPr lang="en-US" dirty="0">
                 <a:solidFill>
                   <a:srgbClr val="000000"/>
                 </a:solidFill>
                 <a:ea typeface="Century Gothic"/>
               </a:rPr>
-              <a:t> Unit tests</a:t>
+              <a:t>tests</a:t>
             </a:r>
             <a:endParaRPr lang="en-US" dirty="0"/>
           </a:p>
@@ -24843,17 +24871,30 @@
         </p:nvSpPr>
         <p:spPr>
           <a:xfrm>
-            <a:off x="878237" y="456164"/>
+            <a:off x="878237" y="850692"/>
             <a:ext cx="7024744" cy="1143000"/>
           </a:xfrm>
         </p:spPr>
         <p:txBody>
-          <a:bodyPr/>
+          <a:bodyPr>
+            <a:normAutofit fontScale="90000"/>
+          </a:bodyPr>
           <a:lstStyle/>
           <a:p>
             <a:r>
               <a:rPr lang="en-US" dirty="0" smtClean="0"/>
-              <a:t>System Architecture</a:t>
+              <a:t>System </a:t>
+            </a:r>
+            <a:r>
+              <a:rPr lang="en-US" dirty="0" smtClean="0"/>
+              <a:t>Architecture</a:t>
+            </a:r>
+            <a:br>
+              <a:rPr lang="en-US" dirty="0" smtClean="0"/>
+            </a:br>
+            <a:r>
+              <a:rPr lang="en-US" dirty="0" smtClean="0"/>
+              <a:t>MVC with ORM Layer</a:t>
             </a:r>
             <a:endParaRPr lang="en-US" dirty="0"/>
           </a:p>
@@ -24861,37 +24902,22 @@
       </p:sp>
       <p:pic>
         <p:nvPicPr>
-          <p:cNvPr id="4" name="Picture" descr="A description..."/>
+          <p:cNvPr id="10" name="Content Placeholder 9"/>
           <p:cNvPicPr>
-            <a:picLocks noGrp="1"/>
+            <a:picLocks noGrp="1" noChangeAspect="1"/>
           </p:cNvPicPr>
           <p:nvPr>
             <p:ph idx="1"/>
           </p:nvPr>
         </p:nvPicPr>
         <p:blipFill>
-          <a:blip r:embed="rId3" cstate="print"/>
-          <a:srcRect/>
+          <a:blip r:embed="rId3"/>
+          <a:srcRect l="-3473" r="-3473"/>
           <a:stretch>
             <a:fillRect/>
           </a:stretch>
         </p:blipFill>
-        <p:spPr bwMode="auto">
-          <a:xfrm>
-            <a:off x="2764631" y="3316287"/>
-            <a:ext cx="3333750" cy="1524000"/>
-          </a:xfrm>
-          <a:prstGeom prst="rect">
-            <a:avLst/>
-          </a:prstGeom>
-          <a:noFill/>
-          <a:ln w="9525">
-            <a:noFill/>
-            <a:miter lim="800000"/>
-            <a:headEnd/>
-            <a:tailEnd/>
-          </a:ln>
-        </p:spPr>
+        <p:spPr/>
       </p:pic>
     </p:spTree>
     <p:extLst>
@@ -24906,7 +24932,7 @@
   <p:timing>
     <p:tnLst>
       <p:par>
-        <p:cTn id="1" dur="indefinite" restart="never" nodeType="tmRoot"/>
+        <p:cTn xmlns:p14="http://schemas.microsoft.com/office/powerpoint/2010/main" id="1" dur="indefinite" restart="never" nodeType="tmRoot"/>
       </p:par>
     </p:tnLst>
   </p:timing>
@@ -24975,13 +25001,16 @@
           </a:xfrm>
         </p:spPr>
         <p:txBody>
-          <a:bodyPr/>
+          <a:bodyPr>
+            <a:normAutofit fontScale="92500" lnSpcReduction="10000"/>
+          </a:bodyPr>
           <a:lstStyle/>
           <a:p>
             <a:r>
               <a:rPr lang="en-US" dirty="0" smtClean="0"/>
-              <a:t>Factory</a:t>
+              <a:t>Factory: All Application Objects (ORM Objects)</a:t>
             </a:r>
+            <a:endParaRPr lang="en-US" dirty="0" smtClean="0"/>
           </a:p>
           <a:p>
             <a:pPr>
@@ -24992,8 +25021,9 @@
           <a:p>
             <a:r>
               <a:rPr lang="en-US" dirty="0" smtClean="0"/>
-              <a:t>Singleton</a:t>
+              <a:t>Singleton: All Source Objects</a:t>
             </a:r>
+            <a:endParaRPr lang="en-US" dirty="0" smtClean="0"/>
           </a:p>
           <a:p>
             <a:pPr>
@@ -25004,7 +25034,23 @@
           <a:p>
             <a:r>
               <a:rPr lang="en-US" dirty="0" smtClean="0"/>
-              <a:t>Observer</a:t>
+              <a:t>Observer: Being use by </a:t>
+            </a:r>
+            <a:r>
+              <a:rPr lang="en-US" dirty="0" err="1" smtClean="0"/>
+              <a:t>javascript</a:t>
+            </a:r>
+            <a:r>
+              <a:rPr lang="en-US" dirty="0" smtClean="0"/>
+              <a:t> such as on click or on change events which activates an </a:t>
+            </a:r>
+            <a:r>
+              <a:rPr lang="en-US" dirty="0" err="1" smtClean="0"/>
+              <a:t>ajax</a:t>
+            </a:r>
+            <a:r>
+              <a:rPr lang="en-US" dirty="0" smtClean="0"/>
+              <a:t> call to perform a specific task.</a:t>
             </a:r>
             <a:endParaRPr lang="en-US" dirty="0"/>
           </a:p>
@@ -25023,7 +25069,7 @@
   <p:timing>
     <p:tnLst>
       <p:par>
-        <p:cTn id="1" dur="indefinite" restart="never" nodeType="tmRoot"/>
+        <p:cTn xmlns:p14="http://schemas.microsoft.com/office/powerpoint/2010/main" id="1" dur="indefinite" restart="never" nodeType="tmRoot"/>
       </p:par>
     </p:tnLst>
   </p:timing>
@@ -25206,7 +25252,7 @@
   <p:timing>
     <p:tnLst>
       <p:par>
-        <p:cTn id="1" dur="indefinite" restart="never" nodeType="tmRoot"/>
+        <p:cTn xmlns:p14="http://schemas.microsoft.com/office/powerpoint/2010/main" id="1" dur="indefinite" restart="never" nodeType="tmRoot"/>
       </p:par>
     </p:tnLst>
   </p:timing>
@@ -25312,14 +25358,14 @@
           </a:ln>
           <a:effectLst/>
           <a:extLst>
-            <a:ext uri="{909E8E84-426E-40DD-AFC4-6F175D3DCCD1}">
+            <a:ext uri="{909E8E84-426E-40dd-AFC4-6F175D3DCCD1}">
               <a14:hiddenFill xmlns:a14="http://schemas.microsoft.com/office/drawing/2010/main">
                 <a:solidFill>
                   <a:schemeClr val="accent1"/>
                 </a:solidFill>
               </a14:hiddenFill>
             </a:ext>
-            <a:ext uri="{91240B29-F687-4F45-9708-019B960494DF}">
+            <a:ext uri="{91240B29-F687-4f45-9708-019B960494DF}">
               <a14:hiddenLine xmlns:a14="http://schemas.microsoft.com/office/drawing/2010/main" w="9525">
                 <a:solidFill>
                   <a:schemeClr val="tx1"/>
@@ -25329,7 +25375,7 @@
                 <a:tailEnd/>
               </a14:hiddenLine>
             </a:ext>
-            <a:ext uri="{AF507438-7753-43E0-B8FC-AC1667EBCBE1}">
+            <a:ext uri="{AF507438-7753-43e0-B8FC-AC1667EBCBE1}">
               <a14:hiddenEffects xmlns:a14="http://schemas.microsoft.com/office/drawing/2010/main">
                 <a:effectLst>
                   <a:outerShdw dist="35921" dir="2700000" algn="ctr" rotWithShape="0">
@@ -25375,7 +25421,7 @@
           <a:graphicData uri="http://schemas.openxmlformats.org/presentationml/2006/ole">
             <mc:AlternateContent xmlns:mc="http://schemas.openxmlformats.org/markup-compatibility/2006">
               <mc:Choice xmlns:v="urn:schemas-microsoft-com:vml" Requires="v">
-                <p:oleObj spid="_x0000_s36872" name="Visio" r:id="rId4" imgW="4580844" imgH="5596830" progId="">
+                <p:oleObj spid="_x0000_s36875" name="Visio" r:id="rId4" imgW="4580844" imgH="5596830" progId="">
                   <p:embed/>
                 </p:oleObj>
               </mc:Choice>
@@ -25413,7 +25459,7 @@
                       </a:prstGeom>
                       <a:noFill/>
                       <a:extLst>
-                        <a:ext uri="{909E8E84-426E-40DD-AFC4-6F175D3DCCD1}">
+                        <a:ext uri="{909E8E84-426E-40dd-AFC4-6F175D3DCCD1}">
                           <a14:hiddenFill xmlns:a14="http://schemas.microsoft.com/office/drawing/2010/main">
                             <a:solidFill>
                               <a:srgbClr val="FFFFFF"/>
@@ -25442,7 +25488,7 @@
   <p:timing>
     <p:tnLst>
       <p:par>
-        <p:cTn id="1" dur="indefinite" restart="never" nodeType="tmRoot"/>
+        <p:cTn xmlns:p14="http://schemas.microsoft.com/office/powerpoint/2010/main" id="1" dur="indefinite" restart="never" nodeType="tmRoot"/>
       </p:par>
     </p:tnLst>
   </p:timing>
@@ -25518,14 +25564,14 @@
           </a:ln>
           <a:effectLst/>
           <a:extLst>
-            <a:ext uri="{909E8E84-426E-40DD-AFC4-6F175D3DCCD1}">
+            <a:ext uri="{909E8E84-426E-40dd-AFC4-6F175D3DCCD1}">
               <a14:hiddenFill xmlns:a14="http://schemas.microsoft.com/office/drawing/2010/main">
                 <a:solidFill>
                   <a:schemeClr val="accent1"/>
                 </a:solidFill>
               </a14:hiddenFill>
             </a:ext>
-            <a:ext uri="{91240B29-F687-4F45-9708-019B960494DF}">
+            <a:ext uri="{91240B29-F687-4f45-9708-019B960494DF}">
               <a14:hiddenLine xmlns:a14="http://schemas.microsoft.com/office/drawing/2010/main" w="9525">
                 <a:solidFill>
                   <a:schemeClr val="tx1"/>
@@ -25535,7 +25581,7 @@
                 <a:tailEnd/>
               </a14:hiddenLine>
             </a:ext>
-            <a:ext uri="{AF507438-7753-43E0-B8FC-AC1667EBCBE1}">
+            <a:ext uri="{AF507438-7753-43e0-B8FC-AC1667EBCBE1}">
               <a14:hiddenEffects xmlns:a14="http://schemas.microsoft.com/office/drawing/2010/main">
                 <a:effectLst>
                   <a:outerShdw dist="35921" dir="2700000" algn="ctr" rotWithShape="0">
@@ -25611,14 +25657,14 @@
           </a:ln>
           <a:effectLst/>
           <a:extLst>
-            <a:ext uri="{909E8E84-426E-40DD-AFC4-6F175D3DCCD1}">
+            <a:ext uri="{909E8E84-426E-40dd-AFC4-6F175D3DCCD1}">
               <a14:hiddenFill xmlns:a14="http://schemas.microsoft.com/office/drawing/2010/main">
                 <a:solidFill>
                   <a:schemeClr val="accent1"/>
                 </a:solidFill>
               </a14:hiddenFill>
             </a:ext>
-            <a:ext uri="{91240B29-F687-4F45-9708-019B960494DF}">
+            <a:ext uri="{91240B29-F687-4f45-9708-019B960494DF}">
               <a14:hiddenLine xmlns:a14="http://schemas.microsoft.com/office/drawing/2010/main" w="9525">
                 <a:solidFill>
                   <a:schemeClr val="tx1"/>
@@ -25628,7 +25674,7 @@
                 <a:tailEnd/>
               </a14:hiddenLine>
             </a:ext>
-            <a:ext uri="{AF507438-7753-43E0-B8FC-AC1667EBCBE1}">
+            <a:ext uri="{AF507438-7753-43e0-B8FC-AC1667EBCBE1}">
               <a14:hiddenEffects xmlns:a14="http://schemas.microsoft.com/office/drawing/2010/main">
                 <a:effectLst>
                   <a:outerShdw dist="35921" dir="2700000" algn="ctr" rotWithShape="0">
@@ -25674,7 +25720,7 @@
           <a:graphicData uri="http://schemas.openxmlformats.org/presentationml/2006/ole">
             <mc:AlternateContent xmlns:mc="http://schemas.openxmlformats.org/markup-compatibility/2006">
               <mc:Choice xmlns:v="urn:schemas-microsoft-com:vml" Requires="v">
-                <p:oleObj spid="_x0000_s37896" name="Visio" r:id="rId4" imgW="1447108" imgH="5311032" progId="">
+                <p:oleObj spid="_x0000_s37899" name="Visio" r:id="rId4" imgW="1447108" imgH="5311032" progId="">
                   <p:embed/>
                 </p:oleObj>
               </mc:Choice>
@@ -25712,7 +25758,7 @@
                       </a:prstGeom>
                       <a:noFill/>
                       <a:extLst>
-                        <a:ext uri="{909E8E84-426E-40DD-AFC4-6F175D3DCCD1}">
+                        <a:ext uri="{909E8E84-426E-40dd-AFC4-6F175D3DCCD1}">
                           <a14:hiddenFill xmlns:a14="http://schemas.microsoft.com/office/drawing/2010/main">
                             <a:solidFill>
                               <a:srgbClr val="FFFFFF"/>
@@ -25741,7 +25787,7 @@
   <p:timing>
     <p:tnLst>
       <p:par>
-        <p:cTn id="1" dur="indefinite" restart="never" nodeType="tmRoot"/>
+        <p:cTn xmlns:p14="http://schemas.microsoft.com/office/powerpoint/2010/main" id="1" dur="indefinite" restart="never" nodeType="tmRoot"/>
       </p:par>
     </p:tnLst>
   </p:timing>
@@ -25817,14 +25863,14 @@
           </a:ln>
           <a:effectLst/>
           <a:extLst>
-            <a:ext uri="{909E8E84-426E-40DD-AFC4-6F175D3DCCD1}">
+            <a:ext uri="{909E8E84-426E-40dd-AFC4-6F175D3DCCD1}">
               <a14:hiddenFill xmlns:a14="http://schemas.microsoft.com/office/drawing/2010/main">
                 <a:solidFill>
                   <a:schemeClr val="accent1"/>
                 </a:solidFill>
               </a14:hiddenFill>
             </a:ext>
-            <a:ext uri="{91240B29-F687-4F45-9708-019B960494DF}">
+            <a:ext uri="{91240B29-F687-4f45-9708-019B960494DF}">
               <a14:hiddenLine xmlns:a14="http://schemas.microsoft.com/office/drawing/2010/main" w="9525">
                 <a:solidFill>
                   <a:schemeClr val="tx1"/>
@@ -25834,7 +25880,7 @@
                 <a:tailEnd/>
               </a14:hiddenLine>
             </a:ext>
-            <a:ext uri="{AF507438-7753-43E0-B8FC-AC1667EBCBE1}">
+            <a:ext uri="{AF507438-7753-43e0-B8FC-AC1667EBCBE1}">
               <a14:hiddenEffects xmlns:a14="http://schemas.microsoft.com/office/drawing/2010/main">
                 <a:effectLst>
                   <a:outerShdw dist="35921" dir="2700000" algn="ctr" rotWithShape="0">
@@ -25880,14 +25926,14 @@
           </a:ln>
           <a:effectLst/>
           <a:extLst>
-            <a:ext uri="{909E8E84-426E-40DD-AFC4-6F175D3DCCD1}">
+            <a:ext uri="{909E8E84-426E-40dd-AFC4-6F175D3DCCD1}">
               <a14:hiddenFill xmlns:a14="http://schemas.microsoft.com/office/drawing/2010/main">
                 <a:solidFill>
                   <a:schemeClr val="accent1"/>
                 </a:solidFill>
               </a14:hiddenFill>
             </a:ext>
-            <a:ext uri="{91240B29-F687-4F45-9708-019B960494DF}">
+            <a:ext uri="{91240B29-F687-4f45-9708-019B960494DF}">
               <a14:hiddenLine xmlns:a14="http://schemas.microsoft.com/office/drawing/2010/main" w="9525">
                 <a:solidFill>
                   <a:schemeClr val="tx1"/>
@@ -25897,7 +25943,7 @@
                 <a:tailEnd/>
               </a14:hiddenLine>
             </a:ext>
-            <a:ext uri="{AF507438-7753-43E0-B8FC-AC1667EBCBE1}">
+            <a:ext uri="{AF507438-7753-43e0-B8FC-AC1667EBCBE1}">
               <a14:hiddenEffects xmlns:a14="http://schemas.microsoft.com/office/drawing/2010/main">
                 <a:effectLst>
                   <a:outerShdw dist="35921" dir="2700000" algn="ctr" rotWithShape="0">
@@ -25994,7 +26040,7 @@
   <p:timing>
     <p:tnLst>
       <p:par>
-        <p:cTn id="1" dur="indefinite" restart="never" nodeType="tmRoot"/>
+        <p:cTn xmlns:p14="http://schemas.microsoft.com/office/powerpoint/2010/main" id="1" dur="indefinite" restart="never" nodeType="tmRoot"/>
       </p:par>
     </p:tnLst>
   </p:timing>
@@ -26159,6 +26205,167 @@
         </p:nvSpPr>
         <p:spPr>
           <a:xfrm>
+            <a:off x="1043490" y="1027664"/>
+            <a:ext cx="7024744" cy="501131"/>
+          </a:xfrm>
+        </p:spPr>
+        <p:txBody>
+          <a:bodyPr>
+            <a:normAutofit fontScale="90000"/>
+          </a:bodyPr>
+          <a:lstStyle/>
+          <a:p>
+            <a:r>
+              <a:rPr lang="en-US" dirty="0"/>
+              <a:t>Human Interface Design</a:t>
+            </a:r>
+          </a:p>
+        </p:txBody>
+      </p:sp>
+      <p:pic>
+        <p:nvPicPr>
+          <p:cNvPr id="4" name="Content Placeholder 3"/>
+          <p:cNvPicPr>
+            <a:picLocks noGrp="1" noChangeAspect="1"/>
+          </p:cNvPicPr>
+          <p:nvPr>
+            <p:ph idx="1"/>
+          </p:nvPr>
+        </p:nvPicPr>
+        <p:blipFill>
+          <a:blip r:embed="rId2"/>
+          <a:srcRect l="-19066" r="-19066"/>
+          <a:stretch>
+            <a:fillRect/>
+          </a:stretch>
+        </p:blipFill>
+        <p:spPr>
+          <a:xfrm>
+            <a:off x="1042989" y="1528763"/>
+            <a:ext cx="5032156" cy="3195637"/>
+          </a:xfrm>
+        </p:spPr>
+      </p:pic>
+    </p:spTree>
+    <p:extLst>
+      <p:ext uri="{BB962C8B-B14F-4D97-AF65-F5344CB8AC3E}">
+        <p14:creationId xmlns:p14="http://schemas.microsoft.com/office/powerpoint/2010/main" val="302170737"/>
+      </p:ext>
+    </p:extLst>
+  </p:cSld>
+  <p:clrMapOvr>
+    <a:masterClrMapping/>
+  </p:clrMapOvr>
+</p:sld>
+</file>
+
+<file path=ppt/slides/slide31.xml><?xml version="1.0" encoding="utf-8"?>
+<p:sld xmlns:a="http://schemas.openxmlformats.org/drawingml/2006/main" xmlns:r="http://schemas.openxmlformats.org/officeDocument/2006/relationships" xmlns:p="http://schemas.openxmlformats.org/presentationml/2006/main">
+  <p:cSld>
+    <p:spTree>
+      <p:nvGrpSpPr>
+        <p:cNvPr id="1" name=""/>
+        <p:cNvGrpSpPr/>
+        <p:nvPr/>
+      </p:nvGrpSpPr>
+      <p:grpSpPr>
+        <a:xfrm>
+          <a:off x="0" y="0"/>
+          <a:ext cx="0" cy="0"/>
+          <a:chOff x="0" y="0"/>
+          <a:chExt cx="0" cy="0"/>
+        </a:xfrm>
+      </p:grpSpPr>
+      <p:pic>
+        <p:nvPicPr>
+          <p:cNvPr id="4" name="Content Placeholder 3"/>
+          <p:cNvPicPr>
+            <a:picLocks noGrp="1" noChangeAspect="1"/>
+          </p:cNvPicPr>
+          <p:nvPr>
+            <p:ph idx="1"/>
+          </p:nvPr>
+        </p:nvPicPr>
+        <p:blipFill>
+          <a:blip r:embed="rId2"/>
+          <a:srcRect l="2309" r="2309"/>
+          <a:stretch>
+            <a:fillRect/>
+          </a:stretch>
+        </p:blipFill>
+        <p:spPr/>
+      </p:pic>
+      <p:sp>
+        <p:nvSpPr>
+          <p:cNvPr id="6" name="Title 1"/>
+          <p:cNvSpPr>
+            <a:spLocks noGrp="1"/>
+          </p:cNvSpPr>
+          <p:nvPr>
+            <p:ph type="title"/>
+          </p:nvPr>
+        </p:nvSpPr>
+        <p:spPr>
+          <a:xfrm>
+            <a:off x="1043490" y="1027664"/>
+            <a:ext cx="7024744" cy="501131"/>
+          </a:xfrm>
+        </p:spPr>
+        <p:txBody>
+          <a:bodyPr>
+            <a:normAutofit fontScale="90000"/>
+          </a:bodyPr>
+          <a:lstStyle/>
+          <a:p>
+            <a:r>
+              <a:rPr lang="en-US" dirty="0"/>
+              <a:t>Human Interface Design</a:t>
+            </a:r>
+          </a:p>
+        </p:txBody>
+      </p:sp>
+    </p:spTree>
+    <p:extLst>
+      <p:ext uri="{BB962C8B-B14F-4D97-AF65-F5344CB8AC3E}">
+        <p14:creationId xmlns:p14="http://schemas.microsoft.com/office/powerpoint/2010/main" val="2750094236"/>
+      </p:ext>
+    </p:extLst>
+  </p:cSld>
+  <p:clrMapOvr>
+    <a:masterClrMapping/>
+  </p:clrMapOvr>
+</p:sld>
+</file>
+
+<file path=ppt/slides/slide32.xml><?xml version="1.0" encoding="utf-8"?>
+<p:sld xmlns:a="http://schemas.openxmlformats.org/drawingml/2006/main" xmlns:r="http://schemas.openxmlformats.org/officeDocument/2006/relationships" xmlns:p="http://schemas.openxmlformats.org/presentationml/2006/main">
+  <p:cSld>
+    <p:spTree>
+      <p:nvGrpSpPr>
+        <p:cNvPr id="1" name=""/>
+        <p:cNvGrpSpPr/>
+        <p:nvPr/>
+      </p:nvGrpSpPr>
+      <p:grpSpPr>
+        <a:xfrm>
+          <a:off x="0" y="0"/>
+          <a:ext cx="0" cy="0"/>
+          <a:chOff x="0" y="0"/>
+          <a:chExt cx="0" cy="0"/>
+        </a:xfrm>
+      </p:grpSpPr>
+      <p:sp>
+        <p:nvSpPr>
+          <p:cNvPr id="2" name="Title 1"/>
+          <p:cNvSpPr>
+            <a:spLocks noGrp="1"/>
+          </p:cNvSpPr>
+          <p:nvPr>
+            <p:ph type="title"/>
+          </p:nvPr>
+        </p:nvSpPr>
+        <p:spPr>
+          <a:xfrm>
             <a:off x="1043490" y="641291"/>
             <a:ext cx="7024744" cy="638582"/>
           </a:xfrm>
@@ -26199,14 +26406,14 @@
           </a:ln>
           <a:effectLst/>
           <a:extLst>
-            <a:ext uri="{909E8E84-426E-40DD-AFC4-6F175D3DCCD1}">
+            <a:ext uri="{909E8E84-426E-40dd-AFC4-6F175D3DCCD1}">
               <a14:hiddenFill xmlns:a14="http://schemas.microsoft.com/office/drawing/2010/main">
                 <a:solidFill>
                   <a:schemeClr val="accent1"/>
                 </a:solidFill>
               </a14:hiddenFill>
             </a:ext>
-            <a:ext uri="{91240B29-F687-4F45-9708-019B960494DF}">
+            <a:ext uri="{91240B29-F687-4f45-9708-019B960494DF}">
               <a14:hiddenLine xmlns:a14="http://schemas.microsoft.com/office/drawing/2010/main" w="9525">
                 <a:solidFill>
                   <a:schemeClr val="tx1"/>
@@ -26216,7 +26423,7 @@
                 <a:tailEnd/>
               </a14:hiddenLine>
             </a:ext>
-            <a:ext uri="{AF507438-7753-43E0-B8FC-AC1667EBCBE1}">
+            <a:ext uri="{AF507438-7753-43e0-B8FC-AC1667EBCBE1}">
               <a14:hiddenEffects xmlns:a14="http://schemas.microsoft.com/office/drawing/2010/main">
                 <a:effectLst>
                   <a:outerShdw dist="35921" dir="2700000" algn="ctr" rotWithShape="0">
@@ -26262,14 +26469,14 @@
           </a:ln>
           <a:effectLst/>
           <a:extLst>
-            <a:ext uri="{909E8E84-426E-40DD-AFC4-6F175D3DCCD1}">
+            <a:ext uri="{909E8E84-426E-40dd-AFC4-6F175D3DCCD1}">
               <a14:hiddenFill xmlns:a14="http://schemas.microsoft.com/office/drawing/2010/main">
                 <a:solidFill>
                   <a:schemeClr val="accent1"/>
                 </a:solidFill>
               </a14:hiddenFill>
             </a:ext>
-            <a:ext uri="{91240B29-F687-4F45-9708-019B960494DF}">
+            <a:ext uri="{91240B29-F687-4f45-9708-019B960494DF}">
               <a14:hiddenLine xmlns:a14="http://schemas.microsoft.com/office/drawing/2010/main" w="9525">
                 <a:solidFill>
                   <a:schemeClr val="tx1"/>
@@ -26279,7 +26486,7 @@
                 <a:tailEnd/>
               </a14:hiddenLine>
             </a:ext>
-            <a:ext uri="{AF507438-7753-43E0-B8FC-AC1667EBCBE1}">
+            <a:ext uri="{AF507438-7753-43e0-B8FC-AC1667EBCBE1}">
               <a14:hiddenEffects xmlns:a14="http://schemas.microsoft.com/office/drawing/2010/main">
                 <a:effectLst>
                   <a:outerShdw dist="35921" dir="2700000" algn="ctr" rotWithShape="0">
@@ -26358,14 +26565,14 @@
           </a:ln>
           <a:effectLst/>
           <a:extLst>
-            <a:ext uri="{909E8E84-426E-40DD-AFC4-6F175D3DCCD1}">
+            <a:ext uri="{909E8E84-426E-40dd-AFC4-6F175D3DCCD1}">
               <a14:hiddenFill xmlns:a14="http://schemas.microsoft.com/office/drawing/2010/main">
                 <a:solidFill>
                   <a:schemeClr val="accent1"/>
                 </a:solidFill>
               </a14:hiddenFill>
             </a:ext>
-            <a:ext uri="{91240B29-F687-4F45-9708-019B960494DF}">
+            <a:ext uri="{91240B29-F687-4f45-9708-019B960494DF}">
               <a14:hiddenLine xmlns:a14="http://schemas.microsoft.com/office/drawing/2010/main" w="9525">
                 <a:solidFill>
                   <a:schemeClr val="tx1"/>
@@ -26375,7 +26582,7 @@
                 <a:tailEnd/>
               </a14:hiddenLine>
             </a:ext>
-            <a:ext uri="{AF507438-7753-43E0-B8FC-AC1667EBCBE1}">
+            <a:ext uri="{AF507438-7753-43e0-B8FC-AC1667EBCBE1}">
               <a14:hiddenEffects xmlns:a14="http://schemas.microsoft.com/office/drawing/2010/main">
                 <a:effectLst>
                   <a:outerShdw dist="35921" dir="2700000" algn="ctr" rotWithShape="0">
@@ -26421,7 +26628,7 @@
           <a:graphicData uri="http://schemas.openxmlformats.org/presentationml/2006/ole">
             <mc:AlternateContent xmlns:mc="http://schemas.openxmlformats.org/markup-compatibility/2006">
               <mc:Choice xmlns:v="urn:schemas-microsoft-com:vml" Requires="v">
-                <p:oleObj spid="_x0000_s38920" name="Visio" r:id="rId4" imgW="3204214" imgH="5082432" progId="">
+                <p:oleObj spid="_x0000_s38923" name="Visio" r:id="rId4" imgW="3204214" imgH="5082432" progId="">
                   <p:embed/>
                 </p:oleObj>
               </mc:Choice>
@@ -26459,7 +26666,7 @@
                       </a:prstGeom>
                       <a:noFill/>
                       <a:extLst>
-                        <a:ext uri="{909E8E84-426E-40DD-AFC4-6F175D3DCCD1}">
+                        <a:ext uri="{909E8E84-426E-40dd-AFC4-6F175D3DCCD1}">
                           <a14:hiddenFill xmlns:a14="http://schemas.microsoft.com/office/drawing/2010/main">
                             <a:solidFill>
                               <a:srgbClr val="FFFFFF"/>
@@ -26488,14 +26695,14 @@
   <p:timing>
     <p:tnLst>
       <p:par>
-        <p:cTn id="1" dur="indefinite" restart="never" nodeType="tmRoot"/>
+        <p:cTn xmlns:p14="http://schemas.microsoft.com/office/powerpoint/2010/main" id="1" dur="indefinite" restart="never" nodeType="tmRoot"/>
       </p:par>
     </p:tnLst>
   </p:timing>
 </p:sld>
 </file>
 
-<file path=ppt/slides/slide31.xml><?xml version="1.0" encoding="utf-8"?>
+<file path=ppt/slides/slide33.xml><?xml version="1.0" encoding="utf-8"?>
 <p:sld xmlns:a="http://schemas.openxmlformats.org/drawingml/2006/main" xmlns:r="http://schemas.openxmlformats.org/officeDocument/2006/relationships" xmlns:p="http://schemas.openxmlformats.org/presentationml/2006/main">
   <p:cSld>
     <p:spTree>
@@ -26564,14 +26771,14 @@
           </a:ln>
           <a:effectLst/>
           <a:extLst>
-            <a:ext uri="{909E8E84-426E-40DD-AFC4-6F175D3DCCD1}">
+            <a:ext uri="{909E8E84-426E-40dd-AFC4-6F175D3DCCD1}">
               <a14:hiddenFill xmlns:a14="http://schemas.microsoft.com/office/drawing/2010/main">
                 <a:solidFill>
                   <a:schemeClr val="accent1"/>
                 </a:solidFill>
               </a14:hiddenFill>
             </a:ext>
-            <a:ext uri="{91240B29-F687-4F45-9708-019B960494DF}">
+            <a:ext uri="{91240B29-F687-4f45-9708-019B960494DF}">
               <a14:hiddenLine xmlns:a14="http://schemas.microsoft.com/office/drawing/2010/main" w="9525">
                 <a:solidFill>
                   <a:schemeClr val="tx1"/>
@@ -26581,7 +26788,7 @@
                 <a:tailEnd/>
               </a14:hiddenLine>
             </a:ext>
-            <a:ext uri="{AF507438-7753-43E0-B8FC-AC1667EBCBE1}">
+            <a:ext uri="{AF507438-7753-43e0-B8FC-AC1667EBCBE1}">
               <a14:hiddenEffects xmlns:a14="http://schemas.microsoft.com/office/drawing/2010/main">
                 <a:effectLst>
                   <a:outerShdw dist="35921" dir="2700000" algn="ctr" rotWithShape="0">
@@ -26627,14 +26834,14 @@
           </a:ln>
           <a:effectLst/>
           <a:extLst>
-            <a:ext uri="{909E8E84-426E-40DD-AFC4-6F175D3DCCD1}">
+            <a:ext uri="{909E8E84-426E-40dd-AFC4-6F175D3DCCD1}">
               <a14:hiddenFill xmlns:a14="http://schemas.microsoft.com/office/drawing/2010/main">
                 <a:solidFill>
                   <a:schemeClr val="accent1"/>
                 </a:solidFill>
               </a14:hiddenFill>
             </a:ext>
-            <a:ext uri="{91240B29-F687-4F45-9708-019B960494DF}">
+            <a:ext uri="{91240B29-F687-4f45-9708-019B960494DF}">
               <a14:hiddenLine xmlns:a14="http://schemas.microsoft.com/office/drawing/2010/main" w="9525">
                 <a:solidFill>
                   <a:schemeClr val="tx1"/>
@@ -26644,7 +26851,7 @@
                 <a:tailEnd/>
               </a14:hiddenLine>
             </a:ext>
-            <a:ext uri="{AF507438-7753-43E0-B8FC-AC1667EBCBE1}">
+            <a:ext uri="{AF507438-7753-43e0-B8FC-AC1667EBCBE1}">
               <a14:hiddenEffects xmlns:a14="http://schemas.microsoft.com/office/drawing/2010/main">
                 <a:effectLst>
                   <a:outerShdw dist="35921" dir="2700000" algn="ctr" rotWithShape="0">
@@ -26690,14 +26897,14 @@
           </a:ln>
           <a:effectLst/>
           <a:extLst>
-            <a:ext uri="{909E8E84-426E-40DD-AFC4-6F175D3DCCD1}">
+            <a:ext uri="{909E8E84-426E-40dd-AFC4-6F175D3DCCD1}">
               <a14:hiddenFill xmlns:a14="http://schemas.microsoft.com/office/drawing/2010/main">
                 <a:solidFill>
                   <a:schemeClr val="accent1"/>
                 </a:solidFill>
               </a14:hiddenFill>
             </a:ext>
-            <a:ext uri="{91240B29-F687-4F45-9708-019B960494DF}">
+            <a:ext uri="{91240B29-F687-4f45-9708-019B960494DF}">
               <a14:hiddenLine xmlns:a14="http://schemas.microsoft.com/office/drawing/2010/main" w="9525">
                 <a:solidFill>
                   <a:schemeClr val="tx1"/>
@@ -26707,7 +26914,7 @@
                 <a:tailEnd/>
               </a14:hiddenLine>
             </a:ext>
-            <a:ext uri="{AF507438-7753-43E0-B8FC-AC1667EBCBE1}">
+            <a:ext uri="{AF507438-7753-43e0-B8FC-AC1667EBCBE1}">
               <a14:hiddenEffects xmlns:a14="http://schemas.microsoft.com/office/drawing/2010/main">
                 <a:effectLst>
                   <a:outerShdw dist="35921" dir="2700000" algn="ctr" rotWithShape="0">
@@ -26804,14 +27011,14 @@
   <p:timing>
     <p:tnLst>
       <p:par>
-        <p:cTn id="1" dur="indefinite" restart="never" nodeType="tmRoot"/>
+        <p:cTn xmlns:p14="http://schemas.microsoft.com/office/powerpoint/2010/main" id="1" dur="indefinite" restart="never" nodeType="tmRoot"/>
       </p:par>
     </p:tnLst>
   </p:timing>
 </p:sld>
 </file>
 
-<file path=ppt/slides/slide32.xml><?xml version="1.0" encoding="utf-8"?>
+<file path=ppt/slides/slide34.xml><?xml version="1.0" encoding="utf-8"?>
 <p:sld xmlns:a="http://schemas.openxmlformats.org/drawingml/2006/main" xmlns:r="http://schemas.openxmlformats.org/officeDocument/2006/relationships" xmlns:p="http://schemas.openxmlformats.org/presentationml/2006/main">
   <p:cSld>
     <p:spTree>
@@ -26881,14 +27088,14 @@
           </a:ln>
           <a:effectLst/>
           <a:extLst>
-            <a:ext uri="{909E8E84-426E-40DD-AFC4-6F175D3DCCD1}">
+            <a:ext uri="{909E8E84-426E-40dd-AFC4-6F175D3DCCD1}">
               <a14:hiddenFill xmlns:a14="http://schemas.microsoft.com/office/drawing/2010/main">
                 <a:solidFill>
                   <a:schemeClr val="accent1"/>
                 </a:solidFill>
               </a14:hiddenFill>
             </a:ext>
-            <a:ext uri="{91240B29-F687-4F45-9708-019B960494DF}">
+            <a:ext uri="{91240B29-F687-4f45-9708-019B960494DF}">
               <a14:hiddenLine xmlns:a14="http://schemas.microsoft.com/office/drawing/2010/main" w="9525">
                 <a:solidFill>
                   <a:schemeClr val="tx1"/>
@@ -26898,7 +27105,7 @@
                 <a:tailEnd/>
               </a14:hiddenLine>
             </a:ext>
-            <a:ext uri="{AF507438-7753-43E0-B8FC-AC1667EBCBE1}">
+            <a:ext uri="{AF507438-7753-43e0-B8FC-AC1667EBCBE1}">
               <a14:hiddenEffects xmlns:a14="http://schemas.microsoft.com/office/drawing/2010/main">
                 <a:effectLst>
                   <a:outerShdw dist="35921" dir="2700000" algn="ctr" rotWithShape="0">
@@ -26944,14 +27151,14 @@
           </a:ln>
           <a:effectLst/>
           <a:extLst>
-            <a:ext uri="{909E8E84-426E-40DD-AFC4-6F175D3DCCD1}">
+            <a:ext uri="{909E8E84-426E-40dd-AFC4-6F175D3DCCD1}">
               <a14:hiddenFill xmlns:a14="http://schemas.microsoft.com/office/drawing/2010/main">
                 <a:solidFill>
                   <a:schemeClr val="accent1"/>
                 </a:solidFill>
               </a14:hiddenFill>
             </a:ext>
-            <a:ext uri="{91240B29-F687-4F45-9708-019B960494DF}">
+            <a:ext uri="{91240B29-F687-4f45-9708-019B960494DF}">
               <a14:hiddenLine xmlns:a14="http://schemas.microsoft.com/office/drawing/2010/main" w="9525">
                 <a:solidFill>
                   <a:schemeClr val="tx1"/>
@@ -26961,7 +27168,7 @@
                 <a:tailEnd/>
               </a14:hiddenLine>
             </a:ext>
-            <a:ext uri="{AF507438-7753-43E0-B8FC-AC1667EBCBE1}">
+            <a:ext uri="{AF507438-7753-43e0-B8FC-AC1667EBCBE1}">
               <a14:hiddenEffects xmlns:a14="http://schemas.microsoft.com/office/drawing/2010/main">
                 <a:effectLst>
                   <a:outerShdw dist="35921" dir="2700000" algn="ctr" rotWithShape="0">
@@ -27007,14 +27214,14 @@
           </a:ln>
           <a:effectLst/>
           <a:extLst>
-            <a:ext uri="{909E8E84-426E-40DD-AFC4-6F175D3DCCD1}">
+            <a:ext uri="{909E8E84-426E-40dd-AFC4-6F175D3DCCD1}">
               <a14:hiddenFill xmlns:a14="http://schemas.microsoft.com/office/drawing/2010/main">
                 <a:solidFill>
                   <a:schemeClr val="accent1"/>
                 </a:solidFill>
               </a14:hiddenFill>
             </a:ext>
-            <a:ext uri="{91240B29-F687-4F45-9708-019B960494DF}">
+            <a:ext uri="{91240B29-F687-4f45-9708-019B960494DF}">
               <a14:hiddenLine xmlns:a14="http://schemas.microsoft.com/office/drawing/2010/main" w="9525">
                 <a:solidFill>
                   <a:schemeClr val="tx1"/>
@@ -27024,7 +27231,7 @@
                 <a:tailEnd/>
               </a14:hiddenLine>
             </a:ext>
-            <a:ext uri="{AF507438-7753-43E0-B8FC-AC1667EBCBE1}">
+            <a:ext uri="{AF507438-7753-43e0-B8FC-AC1667EBCBE1}">
               <a14:hiddenEffects xmlns:a14="http://schemas.microsoft.com/office/drawing/2010/main">
                 <a:effectLst>
                   <a:outerShdw dist="35921" dir="2700000" algn="ctr" rotWithShape="0">
@@ -27061,14 +27268,14 @@
   <p:timing>
     <p:tnLst>
       <p:par>
-        <p:cTn id="1" dur="indefinite" restart="never" nodeType="tmRoot"/>
+        <p:cTn xmlns:p14="http://schemas.microsoft.com/office/powerpoint/2010/main" id="1" dur="indefinite" restart="never" nodeType="tmRoot"/>
       </p:par>
     </p:tnLst>
   </p:timing>
 </p:sld>
 </file>
 
-<file path=ppt/slides/slide33.xml><?xml version="1.0" encoding="utf-8"?>
+<file path=ppt/slides/slide35.xml><?xml version="1.0" encoding="utf-8"?>
 <p:sld xmlns:a="http://schemas.openxmlformats.org/drawingml/2006/main" xmlns:r="http://schemas.openxmlformats.org/officeDocument/2006/relationships" xmlns:p="http://schemas.openxmlformats.org/presentationml/2006/main">
   <p:cSld>
     <p:spTree>
@@ -27183,7 +27390,7 @@
           </a:prstGeom>
           <a:noFill/>
           <a:extLst>
-            <a:ext uri="{909E8E84-426E-40DD-AFC4-6F175D3DCCD1}">
+            <a:ext uri="{909E8E84-426E-40dd-AFC4-6F175D3DCCD1}">
               <a14:hiddenFill xmlns:a14="http://schemas.microsoft.com/office/drawing/2010/main">
                 <a:solidFill>
                   <a:srgbClr val="FFFFFF"/>
@@ -27206,7 +27413,7 @@
   <p:timing>
     <p:tnLst>
       <p:par>
-        <p:cTn id="1" dur="indefinite" restart="never" nodeType="tmRoot"/>
+        <p:cTn xmlns:p14="http://schemas.microsoft.com/office/powerpoint/2010/main" id="1" dur="indefinite" restart="never" nodeType="tmRoot"/>
       </p:par>
     </p:tnLst>
   </p:timing>

--- a/deliverables/final/Final Presentation.pptx
+++ b/deliverables/final/Final Presentation.pptx
@@ -5,7 +5,7 @@
     <p:sldMasterId id="2147483792" r:id="rId1"/>
   </p:sldMasterIdLst>
   <p:notesMasterIdLst>
-    <p:notesMasterId r:id="rId37"/>
+    <p:notesMasterId r:id="rId41"/>
   </p:notesMasterIdLst>
   <p:sldIdLst>
     <p:sldId id="256" r:id="rId2"/>
@@ -13,36 +13,40 @@
     <p:sldId id="267" r:id="rId4"/>
     <p:sldId id="274" r:id="rId5"/>
     <p:sldId id="268" r:id="rId6"/>
-    <p:sldId id="275" r:id="rId7"/>
+    <p:sldId id="301" r:id="rId7"/>
     <p:sldId id="269" r:id="rId8"/>
     <p:sldId id="277" r:id="rId9"/>
     <p:sldId id="276" r:id="rId10"/>
     <p:sldId id="278" r:id="rId11"/>
     <p:sldId id="270" r:id="rId12"/>
-    <p:sldId id="290" r:id="rId13"/>
-    <p:sldId id="291" r:id="rId14"/>
-    <p:sldId id="279" r:id="rId15"/>
-    <p:sldId id="271" r:id="rId16"/>
-    <p:sldId id="298" r:id="rId17"/>
-    <p:sldId id="292" r:id="rId18"/>
-    <p:sldId id="293" r:id="rId19"/>
-    <p:sldId id="296" r:id="rId20"/>
-    <p:sldId id="280" r:id="rId21"/>
-    <p:sldId id="295" r:id="rId22"/>
-    <p:sldId id="297" r:id="rId23"/>
-    <p:sldId id="281" r:id="rId24"/>
-    <p:sldId id="283" r:id="rId25"/>
-    <p:sldId id="294" r:id="rId26"/>
-    <p:sldId id="285" r:id="rId27"/>
-    <p:sldId id="286" r:id="rId28"/>
+    <p:sldId id="279" r:id="rId13"/>
+    <p:sldId id="271" r:id="rId14"/>
+    <p:sldId id="298" r:id="rId15"/>
+    <p:sldId id="292" r:id="rId16"/>
+    <p:sldId id="293" r:id="rId17"/>
+    <p:sldId id="296" r:id="rId18"/>
+    <p:sldId id="280" r:id="rId19"/>
+    <p:sldId id="295" r:id="rId20"/>
+    <p:sldId id="297" r:id="rId21"/>
+    <p:sldId id="290" r:id="rId22"/>
+    <p:sldId id="281" r:id="rId23"/>
+    <p:sldId id="283" r:id="rId24"/>
+    <p:sldId id="294" r:id="rId25"/>
+    <p:sldId id="285" r:id="rId26"/>
+    <p:sldId id="286" r:id="rId27"/>
+    <p:sldId id="282" r:id="rId28"/>
     <p:sldId id="287" r:id="rId29"/>
-    <p:sldId id="288" r:id="rId30"/>
-    <p:sldId id="299" r:id="rId31"/>
-    <p:sldId id="300" r:id="rId32"/>
-    <p:sldId id="289" r:id="rId33"/>
-    <p:sldId id="282" r:id="rId34"/>
-    <p:sldId id="266" r:id="rId35"/>
-    <p:sldId id="259" r:id="rId36"/>
+    <p:sldId id="304" r:id="rId30"/>
+    <p:sldId id="305" r:id="rId31"/>
+    <p:sldId id="307" r:id="rId32"/>
+    <p:sldId id="306" r:id="rId33"/>
+    <p:sldId id="288" r:id="rId34"/>
+    <p:sldId id="299" r:id="rId35"/>
+    <p:sldId id="302" r:id="rId36"/>
+    <p:sldId id="300" r:id="rId37"/>
+    <p:sldId id="289" r:id="rId38"/>
+    <p:sldId id="259" r:id="rId39"/>
+    <p:sldId id="266" r:id="rId40"/>
   </p:sldIdLst>
   <p:sldSz cx="9144000" cy="6858000" type="screen4x3"/>
   <p:notesSz cx="6858000" cy="9144000"/>
@@ -146,25 +150,13 @@
 
 <file path=ppt/charts/chart1.xml><?xml version="1.0" encoding="utf-8"?>
 <c:chartSpace xmlns:c="http://schemas.openxmlformats.org/drawingml/2006/chart" xmlns:a="http://schemas.openxmlformats.org/drawingml/2006/main" xmlns:r="http://schemas.openxmlformats.org/officeDocument/2006/relationships">
-  <c:date1904 val="0"/>
   <c:lang val="en-US"/>
-  <c:roundedCorners val="0"/>
-  <mc:AlternateContent xmlns:mc="http://schemas.openxmlformats.org/markup-compatibility/2006">
-    <mc:Choice xmlns:c14="http://schemas.microsoft.com/office/drawing/2007/8/2/chart" Requires="c14">
-      <c14:style val="102"/>
-    </mc:Choice>
-    <mc:Fallback>
-      <c:style val="2"/>
-    </mc:Fallback>
-  </mc:AlternateContent>
   <c:chart>
-    <c:autoTitleDeleted val="0"/>
     <c:plotArea>
       <c:layout/>
       <c:barChart>
         <c:barDir val="col"/>
         <c:grouping val="clustered"/>
-        <c:varyColors val="0"/>
         <c:ser>
           <c:idx val="0"/>
           <c:order val="0"/>
@@ -184,7 +176,6 @@
               <a:srgbClr val="004586"/>
             </a:solidFill>
           </c:spPr>
-          <c:invertIfNegative val="0"/>
           <c:cat>
             <c:strRef>
               <c:f>Sheet1!$A$3:$A$6</c:f>
@@ -212,16 +203,16 @@
                 <c:formatCode>[hh]:mm:ss</c:formatCode>
                 <c:ptCount val="4"/>
                 <c:pt idx="0">
-                  <c:v>3.97569444444444</c:v>
+                  <c:v>3.9756944444444398</c:v>
                 </c:pt>
                 <c:pt idx="1">
-                  <c:v>5.94444444444444</c:v>
+                  <c:v>5.9444444444444402</c:v>
                 </c:pt>
                 <c:pt idx="2">
                   <c:v>3.46875</c:v>
                 </c:pt>
                 <c:pt idx="3">
-                  <c:v>4.680555555555558</c:v>
+                  <c:v>4.6805555555555562</c:v>
                 </c:pt>
               </c:numCache>
             </c:numRef>
@@ -246,7 +237,6 @@
               <a:srgbClr val="FF420E"/>
             </a:solidFill>
           </c:spPr>
-          <c:invertIfNegative val="0"/>
           <c:cat>
             <c:strRef>
               <c:f>Sheet1!$A$3:$A$6</c:f>
@@ -274,42 +264,32 @@
                 <c:formatCode>[hh]:mm:ss</c:formatCode>
                 <c:ptCount val="4"/>
                 <c:pt idx="0">
-                  <c:v>5.53819444444444</c:v>
+                  <c:v>5.5381944444444402</c:v>
                 </c:pt>
                 <c:pt idx="1">
-                  <c:v>3.927083333333329</c:v>
+                  <c:v>3.9270833333333286</c:v>
                 </c:pt>
                 <c:pt idx="2">
                   <c:v>2.84375</c:v>
                 </c:pt>
                 <c:pt idx="3">
-                  <c:v>3.48263888888889</c:v>
+                  <c:v>3.4826388888888897</c:v>
                 </c:pt>
               </c:numCache>
             </c:numRef>
           </c:val>
         </c:ser>
-        <c:dLbls>
-          <c:showLegendKey val="0"/>
-          <c:showVal val="0"/>
-          <c:showCatName val="0"/>
-          <c:showSerName val="0"/>
-          <c:showPercent val="0"/>
-          <c:showBubbleSize val="0"/>
-        </c:dLbls>
+        <c:dLbls/>
         <c:gapWidth val="100"/>
-        <c:axId val="2099387144"/>
-        <c:axId val="2099383816"/>
+        <c:axId val="57674752"/>
+        <c:axId val="57701504"/>
       </c:barChart>
       <c:catAx>
-        <c:axId val="2099387144"/>
+        <c:axId val="57674752"/>
         <c:scaling>
           <c:orientation val="minMax"/>
         </c:scaling>
-        <c:delete val="0"/>
         <c:axPos val="b"/>
-        <c:majorTickMark val="out"/>
-        <c:minorTickMark val="none"/>
         <c:tickLblPos val="nextTo"/>
         <c:spPr>
           <a:ln>
@@ -318,19 +298,17 @@
             </a:solidFill>
           </a:ln>
         </c:spPr>
-        <c:crossAx val="2099383816"/>
-        <c:crossesAt val="0.0"/>
+        <c:crossAx val="57701504"/>
+        <c:crossesAt val="0"/>
         <c:auto val="1"/>
         <c:lblAlgn val="ctr"/>
         <c:lblOffset val="100"/>
-        <c:noMultiLvlLbl val="0"/>
       </c:catAx>
       <c:valAx>
-        <c:axId val="2099383816"/>
+        <c:axId val="57701504"/>
         <c:scaling>
           <c:orientation val="minMax"/>
         </c:scaling>
-        <c:delete val="0"/>
         <c:axPos val="l"/>
         <c:majorGridlines>
           <c:spPr>
@@ -342,8 +320,6 @@
           </c:spPr>
         </c:majorGridlines>
         <c:numFmt formatCode="[hh]:mm:ss" sourceLinked="1"/>
-        <c:majorTickMark val="out"/>
-        <c:minorTickMark val="none"/>
         <c:tickLblPos val="nextTo"/>
         <c:spPr>
           <a:ln>
@@ -352,8 +328,8 @@
             </a:solidFill>
           </a:ln>
         </c:spPr>
-        <c:crossAx val="2099387144"/>
-        <c:crossesAt val="0.0"/>
+        <c:crossAx val="57674752"/>
+        <c:crossesAt val="0"/>
         <c:crossBetween val="between"/>
       </c:valAx>
       <c:spPr>
@@ -367,133 +343,16 @@
     <c:legend>
       <c:legendPos val="r"/>
       <c:layout/>
-      <c:overlay val="0"/>
     </c:legend>
     <c:plotVisOnly val="1"/>
     <c:dispBlanksAs val="gap"/>
-    <c:showDLblsOverMax val="0"/>
   </c:chart>
   <c:spPr>
     <a:solidFill>
       <a:srgbClr val="FFFFFF"/>
     </a:solidFill>
   </c:spPr>
-  <c:externalData r:id="rId1">
-    <c:autoUpdate val="0"/>
-  </c:externalData>
-</c:chartSpace>
-</file>
-
-<file path=ppt/charts/chart2.xml><?xml version="1.0" encoding="utf-8"?>
-<c:chartSpace xmlns:c="http://schemas.openxmlformats.org/drawingml/2006/chart" xmlns:a="http://schemas.openxmlformats.org/drawingml/2006/main" xmlns:r="http://schemas.openxmlformats.org/officeDocument/2006/relationships">
-  <c:date1904 val="0"/>
-  <c:lang val="en-US"/>
-  <c:roundedCorners val="1"/>
-  <mc:AlternateContent xmlns:mc="http://schemas.openxmlformats.org/markup-compatibility/2006">
-    <mc:Choice xmlns:c14="http://schemas.microsoft.com/office/drawing/2007/8/2/chart" Requires="c14">
-      <c14:style val="102"/>
-    </mc:Choice>
-    <mc:Fallback>
-      <c:style val="2"/>
-    </mc:Fallback>
-  </mc:AlternateContent>
-  <c:chart>
-    <c:autoTitleDeleted val="1"/>
-    <c:plotArea>
-      <c:layout/>
-      <c:pieChart>
-        <c:varyColors val="1"/>
-        <c:ser>
-          <c:idx val="0"/>
-          <c:order val="0"/>
-          <c:tx>
-            <c:strRef>
-              <c:f>label 0</c:f>
-              <c:strCache>
-                <c:ptCount val="1"/>
-                <c:pt idx="0">
-                  <c:v>Row 26</c:v>
-                </c:pt>
-              </c:strCache>
-            </c:strRef>
-          </c:tx>
-          <c:spPr>
-            <a:solidFill>
-              <a:srgbClr val="004586"/>
-            </a:solidFill>
-          </c:spPr>
-          <c:dPt>
-            <c:idx val="1"/>
-            <c:bubble3D val="0"/>
-            <c:spPr>
-              <a:solidFill>
-                <a:srgbClr val="FF420E"/>
-              </a:solidFill>
-            </c:spPr>
-          </c:dPt>
-          <c:cat>
-            <c:strRef>
-              <c:f>categories</c:f>
-              <c:strCache>
-                <c:ptCount val="2"/>
-                <c:pt idx="0">
-                  <c:v>Estimate:</c:v>
-                </c:pt>
-                <c:pt idx="1">
-                  <c:v>Actual:</c:v>
-                </c:pt>
-              </c:strCache>
-            </c:strRef>
-          </c:cat>
-          <c:val>
-            <c:numRef>
-              <c:f>0</c:f>
-              <c:numCache>
-                <c:formatCode>General</c:formatCode>
-                <c:ptCount val="2"/>
-                <c:pt idx="0">
-                  <c:v>19.43402777777779</c:v>
-                </c:pt>
-                <c:pt idx="1">
-                  <c:v>16.69791666666671</c:v>
-                </c:pt>
-              </c:numCache>
-            </c:numRef>
-          </c:val>
-        </c:ser>
-        <c:dLbls>
-          <c:showLegendKey val="0"/>
-          <c:showVal val="0"/>
-          <c:showCatName val="0"/>
-          <c:showSerName val="0"/>
-          <c:showPercent val="0"/>
-          <c:showBubbleSize val="0"/>
-          <c:showLeaderLines val="0"/>
-        </c:dLbls>
-        <c:firstSliceAng val="0"/>
-      </c:pieChart>
-      <c:spPr>
-        <a:ln>
-          <a:solidFill>
-            <a:srgbClr val="B3B3B3"/>
-          </a:solidFill>
-        </a:ln>
-      </c:spPr>
-    </c:plotArea>
-    <c:legend>
-      <c:legendPos val="r"/>
-      <c:layout/>
-      <c:overlay val="1"/>
-    </c:legend>
-    <c:plotVisOnly val="1"/>
-    <c:dispBlanksAs val="zero"/>
-    <c:showDLblsOverMax val="1"/>
-  </c:chart>
-  <c:spPr>
-    <a:solidFill>
-      <a:srgbClr val="FFFFFF"/>
-    </a:solidFill>
-  </c:spPr>
+  <c:externalData r:id="rId1"/>
 </c:chartSpace>
 </file>
 
@@ -579,7 +438,8 @@
           <a:p>
             <a:fld id="{1C1C5CF6-DD17-4F1F-ADC8-DFB45EB30005}" type="datetimeFigureOut">
               <a:rPr lang="en-US" smtClean="0"/>
-              <a:t>4/30/12</a:t>
+              <a:pPr/>
+              <a:t>4/30/2012</a:t>
             </a:fld>
             <a:endParaRPr lang="en-US"/>
           </a:p>
@@ -740,6 +600,7 @@
           <a:p>
             <a:fld id="{571BB694-2EE6-4BEE-8AE8-20A8D9DB53E6}" type="slidenum">
               <a:rPr lang="en-US" smtClean="0"/>
+              <a:pPr/>
               <a:t>‹#›</a:t>
             </a:fld>
             <a:endParaRPr lang="en-US"/>
@@ -749,7 +610,7 @@
     </p:spTree>
     <p:extLst>
       <p:ext uri="{BB962C8B-B14F-4D97-AF65-F5344CB8AC3E}">
-        <p14:creationId xmlns:p14="http://schemas.microsoft.com/office/powerpoint/2010/main" val="2012456123"/>
+        <p14:creationId xmlns:p14="http://schemas.microsoft.com/office/powerpoint/2010/main" xmlns="" val="2012456123"/>
       </p:ext>
     </p:extLst>
   </p:cSld>
@@ -953,7 +814,8 @@
           <a:p>
             <a:fld id="{571BB694-2EE6-4BEE-8AE8-20A8D9DB53E6}" type="slidenum">
               <a:rPr lang="en-US" smtClean="0"/>
-              <a:t>24</a:t>
+              <a:pPr/>
+              <a:t>23</a:t>
             </a:fld>
             <a:endParaRPr lang="en-US"/>
           </a:p>
@@ -14748,7 +14610,7 @@
     </p:spTree>
     <p:extLst>
       <p:ext uri="{BB962C8B-B14F-4D97-AF65-F5344CB8AC3E}">
-        <p14:creationId xmlns:p14="http://schemas.microsoft.com/office/powerpoint/2010/main" val="1809248185"/>
+        <p14:creationId xmlns:p14="http://schemas.microsoft.com/office/powerpoint/2010/main" xmlns="" val="1809248185"/>
       </p:ext>
     </p:extLst>
   </p:cSld>
@@ -14758,7 +14620,7 @@
   <p:timing>
     <p:tnLst>
       <p:par>
-        <p:cTn xmlns:p14="http://schemas.microsoft.com/office/powerpoint/2010/main" id="1" dur="indefinite" restart="never" nodeType="tmRoot"/>
+        <p:cTn id="1" dur="indefinite" restart="never" nodeType="tmRoot"/>
       </p:par>
     </p:tnLst>
   </p:timing>
@@ -17994,6 +17856,13 @@
   <p:clrMapOvr>
     <a:masterClrMapping/>
   </p:clrMapOvr>
+  <p:timing>
+    <p:tnLst>
+      <p:par>
+        <p:cTn id="1" dur="indefinite" restart="never" nodeType="tmRoot"/>
+      </p:par>
+    </p:tnLst>
+  </p:timing>
 </p:sld>
 </file>
 
@@ -18223,194 +18092,17 @@
   <p:clrMapOvr>
     <a:masterClrMapping/>
   </p:clrMapOvr>
+  <p:timing>
+    <p:tnLst>
+      <p:par>
+        <p:cTn id="1" dur="indefinite" restart="never" nodeType="tmRoot"/>
+      </p:par>
+    </p:tnLst>
+  </p:timing>
 </p:sld>
 </file>
 
 <file path=ppt/slides/slide12.xml><?xml version="1.0" encoding="utf-8"?>
-<p:sld xmlns:a="http://schemas.openxmlformats.org/drawingml/2006/main" xmlns:r="http://schemas.openxmlformats.org/officeDocument/2006/relationships" xmlns:p="http://schemas.openxmlformats.org/presentationml/2006/main">
-  <p:cSld>
-    <p:spTree>
-      <p:nvGrpSpPr>
-        <p:cNvPr id="1" name=""/>
-        <p:cNvGrpSpPr/>
-        <p:nvPr/>
-      </p:nvGrpSpPr>
-      <p:grpSpPr>
-        <a:xfrm>
-          <a:off x="0" y="0"/>
-          <a:ext cx="0" cy="0"/>
-          <a:chOff x="0" y="0"/>
-          <a:chExt cx="0" cy="0"/>
-        </a:xfrm>
-      </p:grpSpPr>
-      <p:sp>
-        <p:nvSpPr>
-          <p:cNvPr id="2" name="Title 1"/>
-          <p:cNvSpPr>
-            <a:spLocks noGrp="1"/>
-          </p:cNvSpPr>
-          <p:nvPr>
-            <p:ph type="title"/>
-          </p:nvPr>
-        </p:nvSpPr>
-        <p:spPr>
-          <a:xfrm>
-            <a:off x="795281" y="363415"/>
-            <a:ext cx="7024744" cy="1143000"/>
-          </a:xfrm>
-        </p:spPr>
-        <p:txBody>
-          <a:bodyPr/>
-          <a:lstStyle/>
-          <a:p>
-            <a:r>
-              <a:rPr lang="en-US" dirty="0" smtClean="0"/>
-              <a:t>Time spent</a:t>
-            </a:r>
-            <a:endParaRPr lang="en-US" dirty="0"/>
-          </a:p>
-        </p:txBody>
-      </p:sp>
-      <p:graphicFrame>
-        <p:nvGraphicFramePr>
-          <p:cNvPr id="5" name="Chart 4"/>
-          <p:cNvGraphicFramePr/>
-          <p:nvPr/>
-        </p:nvGraphicFramePr>
-        <p:xfrm>
-          <a:off x="1042988" y="1740877"/>
-          <a:ext cx="7011499" cy="4520608"/>
-        </p:xfrm>
-        <a:graphic>
-          <a:graphicData uri="http://schemas.openxmlformats.org/drawingml/2006/chart">
-            <c:chart xmlns:c="http://schemas.openxmlformats.org/drawingml/2006/chart" xmlns:r="http://schemas.openxmlformats.org/officeDocument/2006/relationships" r:id="rId2"/>
-          </a:graphicData>
-        </a:graphic>
-      </p:graphicFrame>
-    </p:spTree>
-    <p:extLst>
-      <p:ext uri="{BB962C8B-B14F-4D97-AF65-F5344CB8AC3E}">
-        <p14:creationId xmlns:p14="http://schemas.microsoft.com/office/powerpoint/2010/main" val="643549545"/>
-      </p:ext>
-    </p:extLst>
-  </p:cSld>
-  <p:clrMapOvr>
-    <a:masterClrMapping/>
-  </p:clrMapOvr>
-</p:sld>
-</file>
-
-<file path=ppt/slides/slide13.xml><?xml version="1.0" encoding="utf-8"?>
-<p:sld xmlns:a="http://schemas.openxmlformats.org/drawingml/2006/main" xmlns:r="http://schemas.openxmlformats.org/officeDocument/2006/relationships" xmlns:p="http://schemas.openxmlformats.org/presentationml/2006/main">
-  <p:cSld>
-    <p:spTree>
-      <p:nvGrpSpPr>
-        <p:cNvPr id="1" name=""/>
-        <p:cNvGrpSpPr/>
-        <p:nvPr/>
-      </p:nvGrpSpPr>
-      <p:grpSpPr>
-        <a:xfrm>
-          <a:off x="0" y="0"/>
-          <a:ext cx="0" cy="0"/>
-          <a:chOff x="0" y="0"/>
-          <a:chExt cx="0" cy="0"/>
-        </a:xfrm>
-      </p:grpSpPr>
-      <p:sp>
-        <p:nvSpPr>
-          <p:cNvPr id="2" name="Title 1"/>
-          <p:cNvSpPr>
-            <a:spLocks noGrp="1"/>
-          </p:cNvSpPr>
-          <p:nvPr>
-            <p:ph type="title"/>
-          </p:nvPr>
-        </p:nvSpPr>
-        <p:spPr/>
-        <p:txBody>
-          <a:bodyPr>
-            <a:normAutofit fontScale="90000"/>
-          </a:bodyPr>
-          <a:lstStyle/>
-          <a:p>
-            <a:r>
-              <a:rPr lang="en-US" dirty="0">
-                <a:solidFill>
-                  <a:srgbClr val="94C600"/>
-                </a:solidFill>
-                <a:ea typeface="Century Gothic"/>
-              </a:rPr>
-              <a:t>Estimate </a:t>
-            </a:r>
-            <a:r>
-              <a:rPr lang="en-US" dirty="0" err="1">
-                <a:solidFill>
-                  <a:srgbClr val="94C600"/>
-                </a:solidFill>
-                <a:ea typeface="Century Gothic"/>
-              </a:rPr>
-              <a:t>vs</a:t>
-            </a:r>
-            <a:r>
-              <a:rPr lang="en-US" dirty="0">
-                <a:solidFill>
-                  <a:srgbClr val="94C600"/>
-                </a:solidFill>
-                <a:ea typeface="Century Gothic"/>
-              </a:rPr>
-              <a:t> Actual time spent</a:t>
-            </a:r>
-            <a:r>
-              <a:rPr lang="en-US" dirty="0"/>
-              <a:t/>
-            </a:r>
-            <a:br>
-              <a:rPr lang="en-US" dirty="0"/>
-            </a:br>
-            <a:endParaRPr lang="en-US" dirty="0"/>
-          </a:p>
-        </p:txBody>
-      </p:sp>
-      <p:graphicFrame>
-        <p:nvGraphicFramePr>
-          <p:cNvPr id="4" name="Content Placeholder 3"/>
-          <p:cNvGraphicFramePr>
-            <a:graphicFrameLocks noGrp="1"/>
-          </p:cNvGraphicFramePr>
-          <p:nvPr>
-            <p:ph idx="1"/>
-            <p:extLst>
-              <p:ext uri="{D42A27DB-BD31-4B8C-83A1-F6EECF244321}">
-                <p14:modId xmlns:p14="http://schemas.microsoft.com/office/powerpoint/2010/main" val="1184224690"/>
-              </p:ext>
-            </p:extLst>
-          </p:nvPr>
-        </p:nvGraphicFramePr>
-        <p:xfrm>
-          <a:off x="1042988" y="2324100"/>
-          <a:ext cx="6777037" cy="3508375"/>
-        </p:xfrm>
-        <a:graphic>
-          <a:graphicData uri="http://schemas.openxmlformats.org/drawingml/2006/chart">
-            <c:chart xmlns:c="http://schemas.openxmlformats.org/drawingml/2006/chart" xmlns:r="http://schemas.openxmlformats.org/officeDocument/2006/relationships" r:id="rId2"/>
-          </a:graphicData>
-        </a:graphic>
-      </p:graphicFrame>
-    </p:spTree>
-    <p:extLst>
-      <p:ext uri="{BB962C8B-B14F-4D97-AF65-F5344CB8AC3E}">
-        <p14:creationId xmlns:p14="http://schemas.microsoft.com/office/powerpoint/2010/main" val="428867361"/>
-      </p:ext>
-    </p:extLst>
-  </p:cSld>
-  <p:clrMapOvr>
-    <a:masterClrMapping/>
-  </p:clrMapOvr>
-</p:sld>
-</file>
-
-<file path=ppt/slides/slide14.xml><?xml version="1.0" encoding="utf-8"?>
 <p:sld xmlns:a="http://schemas.openxmlformats.org/drawingml/2006/main" xmlns:r="http://schemas.openxmlformats.org/officeDocument/2006/relationships" xmlns:p="http://schemas.openxmlformats.org/presentationml/2006/main">
   <p:cSld>
     <p:spTree>
@@ -23168,10 +22860,17 @@
   <p:clrMapOvr>
     <a:masterClrMapping/>
   </p:clrMapOvr>
+  <p:timing>
+    <p:tnLst>
+      <p:par>
+        <p:cTn id="1" dur="indefinite" restart="never" nodeType="tmRoot"/>
+      </p:par>
+    </p:tnLst>
+  </p:timing>
 </p:sld>
 </file>
 
-<file path=ppt/slides/slide15.xml><?xml version="1.0" encoding="utf-8"?>
+<file path=ppt/slides/slide13.xml><?xml version="1.0" encoding="utf-8"?>
 <p:sld xmlns:a="http://schemas.openxmlformats.org/drawingml/2006/main" xmlns:r="http://schemas.openxmlformats.org/officeDocument/2006/relationships" xmlns:p="http://schemas.openxmlformats.org/presentationml/2006/main">
   <p:cSld>
     <p:spTree>
@@ -23294,10 +22993,17 @@
   <p:clrMapOvr>
     <a:masterClrMapping/>
   </p:clrMapOvr>
+  <p:timing>
+    <p:tnLst>
+      <p:par>
+        <p:cTn id="1" dur="indefinite" restart="never" nodeType="tmRoot"/>
+      </p:par>
+    </p:tnLst>
+  </p:timing>
 </p:sld>
 </file>
 
-<file path=ppt/slides/slide16.xml><?xml version="1.0" encoding="utf-8"?>
+<file path=ppt/slides/slide14.xml><?xml version="1.0" encoding="utf-8"?>
 <p:sld xmlns:a="http://schemas.openxmlformats.org/drawingml/2006/main" xmlns:r="http://schemas.openxmlformats.org/officeDocument/2006/relationships" xmlns:p="http://schemas.openxmlformats.org/presentationml/2006/main">
   <p:cSld>
     <p:spTree>
@@ -23383,7 +23089,7 @@
           <a:blip r:embed="rId2" cstate="email">
             <a:extLst>
               <a:ext uri="{28A0092B-C50C-407E-A947-70E740481C1C}">
-                <a14:useLocalDpi xmlns:a14="http://schemas.microsoft.com/office/drawing/2010/main" val="0"/>
+                <a14:useLocalDpi xmlns:a14="http://schemas.microsoft.com/office/drawing/2010/main" xmlns="" val="0"/>
               </a:ext>
             </a:extLst>
           </a:blip>
@@ -23401,7 +23107,7 @@
           <a:noFill/>
           <a:extLst>
             <a:ext uri="{909E8E84-426E-40dd-AFC4-6F175D3DCCD1}">
-              <a14:hiddenFill xmlns:a14="http://schemas.microsoft.com/office/drawing/2010/main">
+              <a14:hiddenFill xmlns:a14="http://schemas.microsoft.com/office/drawing/2010/main" xmlns="">
                 <a:solidFill>
                   <a:srgbClr val="FFFFFF"/>
                 </a:solidFill>
@@ -23413,17 +23119,24 @@
     </p:spTree>
     <p:extLst>
       <p:ext uri="{BB962C8B-B14F-4D97-AF65-F5344CB8AC3E}">
-        <p14:creationId xmlns:p14="http://schemas.microsoft.com/office/powerpoint/2010/main" val="1986630412"/>
+        <p14:creationId xmlns:p14="http://schemas.microsoft.com/office/powerpoint/2010/main" xmlns="" val="1986630412"/>
       </p:ext>
     </p:extLst>
   </p:cSld>
   <p:clrMapOvr>
     <a:masterClrMapping/>
   </p:clrMapOvr>
+  <p:timing>
+    <p:tnLst>
+      <p:par>
+        <p:cTn id="1" dur="indefinite" restart="never" nodeType="tmRoot"/>
+      </p:par>
+    </p:tnLst>
+  </p:timing>
 </p:sld>
 </file>
 
-<file path=ppt/slides/slide17.xml><?xml version="1.0" encoding="utf-8"?>
+<file path=ppt/slides/slide15.xml><?xml version="1.0" encoding="utf-8"?>
 <p:sld xmlns:a="http://schemas.openxmlformats.org/drawingml/2006/main" xmlns:r="http://schemas.openxmlformats.org/officeDocument/2006/relationships" xmlns:p="http://schemas.openxmlformats.org/presentationml/2006/main">
   <p:cSld>
     <p:spTree>
@@ -23457,7 +23170,7 @@
           <a:p>
             <a:r>
               <a:rPr lang="en-US" dirty="0" smtClean="0"/>
-              <a:t>Requirements</a:t>
+              <a:t>Functional Requirements</a:t>
             </a:r>
             <a:endParaRPr lang="en-US" dirty="0"/>
           </a:p>
@@ -23476,25 +23189,15 @@
         <p:spPr/>
         <p:txBody>
           <a:bodyPr>
-            <a:normAutofit fontScale="85000" lnSpcReduction="20000"/>
+            <a:normAutofit fontScale="92500" lnSpcReduction="20000"/>
           </a:bodyPr>
           <a:lstStyle/>
           <a:p>
-            <a:pPr algn="just">
+            <a:pPr marL="68580" indent="0">
               <a:buSzPct val="45000"/>
-              <a:buFont typeface="StarSymbol"/>
-              <a:buChar char=""/>
+              <a:buNone/>
             </a:pPr>
-            <a:r>
-              <a:rPr lang="en-US" sz="3200" dirty="0"/>
-              <a:t>Functional requirements:</a:t>
-            </a:r>
-          </a:p>
-          <a:p>
-            <a:pPr>
-              <a:buSzPct val="45000"/>
-            </a:pPr>
-            <a:endParaRPr lang="en-US" dirty="0"/>
+            <a:endParaRPr lang="en-US" dirty="0" smtClean="0"/>
           </a:p>
           <a:p>
             <a:pPr>
@@ -23573,17 +23276,24 @@
     </p:spTree>
     <p:extLst>
       <p:ext uri="{BB962C8B-B14F-4D97-AF65-F5344CB8AC3E}">
-        <p14:creationId xmlns:p14="http://schemas.microsoft.com/office/powerpoint/2010/main" val="2229789335"/>
+        <p14:creationId xmlns:p14="http://schemas.microsoft.com/office/powerpoint/2010/main" xmlns="" val="2229789335"/>
       </p:ext>
     </p:extLst>
   </p:cSld>
   <p:clrMapOvr>
     <a:masterClrMapping/>
   </p:clrMapOvr>
+  <p:timing>
+    <p:tnLst>
+      <p:par>
+        <p:cTn id="1" dur="indefinite" restart="never" nodeType="tmRoot"/>
+      </p:par>
+    </p:tnLst>
+  </p:timing>
 </p:sld>
 </file>
 
-<file path=ppt/slides/slide18.xml><?xml version="1.0" encoding="utf-8"?>
+<file path=ppt/slides/slide16.xml><?xml version="1.0" encoding="utf-8"?>
 <p:sld xmlns:a="http://schemas.openxmlformats.org/drawingml/2006/main" xmlns:r="http://schemas.openxmlformats.org/officeDocument/2006/relationships" xmlns:p="http://schemas.openxmlformats.org/presentationml/2006/main">
   <p:cSld>
     <p:spTree>
@@ -23612,12 +23322,14 @@
         </p:nvSpPr>
         <p:spPr/>
         <p:txBody>
-          <a:bodyPr/>
+          <a:bodyPr>
+            <a:normAutofit fontScale="90000"/>
+          </a:bodyPr>
           <a:lstStyle/>
           <a:p>
             <a:r>
               <a:rPr lang="en-US" dirty="0" smtClean="0"/>
-              <a:t>Requirements</a:t>
+              <a:t>Non-Functional Requirements</a:t>
             </a:r>
             <a:endParaRPr lang="en-US" dirty="0"/>
           </a:p>
@@ -23641,23 +23353,13 @@
         </p:spPr>
         <p:txBody>
           <a:bodyPr>
-            <a:normAutofit fontScale="85000" lnSpcReduction="20000"/>
+            <a:normAutofit fontScale="92500" lnSpcReduction="20000"/>
           </a:bodyPr>
           <a:lstStyle/>
           <a:p>
-            <a:pPr algn="just">
+            <a:pPr marL="68580" indent="0">
               <a:buSzPct val="45000"/>
-              <a:buFont typeface="StarSymbol"/>
-              <a:buChar char=""/>
-            </a:pPr>
-            <a:r>
-              <a:rPr lang="en-US" sz="3200" dirty="0"/>
-              <a:t> Non-Functional requirements:</a:t>
-            </a:r>
-          </a:p>
-          <a:p>
-            <a:pPr>
-              <a:buSzPct val="45000"/>
+              <a:buNone/>
             </a:pPr>
             <a:endParaRPr lang="en-US" dirty="0"/>
           </a:p>
@@ -23738,17 +23440,24 @@
     </p:spTree>
     <p:extLst>
       <p:ext uri="{BB962C8B-B14F-4D97-AF65-F5344CB8AC3E}">
-        <p14:creationId xmlns:p14="http://schemas.microsoft.com/office/powerpoint/2010/main" val="2295343860"/>
+        <p14:creationId xmlns:p14="http://schemas.microsoft.com/office/powerpoint/2010/main" xmlns="" val="2295343860"/>
       </p:ext>
     </p:extLst>
   </p:cSld>
   <p:clrMapOvr>
     <a:masterClrMapping/>
   </p:clrMapOvr>
+  <p:timing>
+    <p:tnLst>
+      <p:par>
+        <p:cTn id="1" dur="indefinite" restart="never" nodeType="tmRoot"/>
+      </p:par>
+    </p:tnLst>
+  </p:timing>
 </p:sld>
 </file>
 
-<file path=ppt/slides/slide19.xml><?xml version="1.0" encoding="utf-8"?>
+<file path=ppt/slides/slide17.xml><?xml version="1.0" encoding="utf-8"?>
 <p:sld xmlns:a="http://schemas.openxmlformats.org/drawingml/2006/main" xmlns:r="http://schemas.openxmlformats.org/officeDocument/2006/relationships" xmlns:p="http://schemas.openxmlformats.org/presentationml/2006/main">
   <p:cSld>
     <p:spTree>
@@ -23832,146 +23541,17 @@
   <p:clrMapOvr>
     <a:masterClrMapping/>
   </p:clrMapOvr>
+  <p:timing>
+    <p:tnLst>
+      <p:par>
+        <p:cTn id="1" dur="indefinite" restart="never" nodeType="tmRoot"/>
+      </p:par>
+    </p:tnLst>
+  </p:timing>
 </p:sld>
 </file>
 
-<file path=ppt/slides/slide2.xml><?xml version="1.0" encoding="utf-8"?>
-<p:sld xmlns:a="http://schemas.openxmlformats.org/drawingml/2006/main" xmlns:r="http://schemas.openxmlformats.org/officeDocument/2006/relationships" xmlns:p="http://schemas.openxmlformats.org/presentationml/2006/main">
-  <p:cSld>
-    <p:spTree>
-      <p:nvGrpSpPr>
-        <p:cNvPr id="1" name=""/>
-        <p:cNvGrpSpPr/>
-        <p:nvPr/>
-      </p:nvGrpSpPr>
-      <p:grpSpPr>
-        <a:xfrm>
-          <a:off x="0" y="0"/>
-          <a:ext cx="0" cy="0"/>
-          <a:chOff x="0" y="0"/>
-          <a:chExt cx="0" cy="0"/>
-        </a:xfrm>
-      </p:grpSpPr>
-      <p:sp>
-        <p:nvSpPr>
-          <p:cNvPr id="2" name="Title 1"/>
-          <p:cNvSpPr>
-            <a:spLocks noGrp="1"/>
-          </p:cNvSpPr>
-          <p:nvPr>
-            <p:ph type="title"/>
-          </p:nvPr>
-        </p:nvSpPr>
-        <p:spPr>
-          <a:xfrm>
-            <a:off x="796065" y="286439"/>
-            <a:ext cx="7024744" cy="1143000"/>
-          </a:xfrm>
-        </p:spPr>
-        <p:txBody>
-          <a:bodyPr>
-            <a:normAutofit/>
-          </a:bodyPr>
-          <a:lstStyle/>
-          <a:p>
-            <a:r>
-              <a:rPr lang="en-US" dirty="0" smtClean="0"/>
-              <a:t>What is iBudget?</a:t>
-            </a:r>
-            <a:endParaRPr lang="en-US" dirty="0"/>
-          </a:p>
-        </p:txBody>
-      </p:sp>
-      <p:sp>
-        <p:nvSpPr>
-          <p:cNvPr id="3" name="Content Placeholder 2"/>
-          <p:cNvSpPr>
-            <a:spLocks noGrp="1"/>
-          </p:cNvSpPr>
-          <p:nvPr>
-            <p:ph idx="1"/>
-          </p:nvPr>
-        </p:nvSpPr>
-        <p:spPr>
-          <a:xfrm>
-            <a:off x="796065" y="1726841"/>
-            <a:ext cx="6777317" cy="4376504"/>
-          </a:xfrm>
-        </p:spPr>
-        <p:txBody>
-          <a:bodyPr>
-            <a:normAutofit/>
-          </a:bodyPr>
-          <a:lstStyle/>
-          <a:p>
-            <a:pPr>
-              <a:buNone/>
-            </a:pPr>
-            <a:endParaRPr lang="en-US" dirty="0" smtClean="0"/>
-          </a:p>
-          <a:p>
-            <a:pPr>
-              <a:buNone/>
-            </a:pPr>
-            <a:r>
-              <a:rPr lang="en-US" dirty="0" smtClean="0"/>
-              <a:t>A web-based personal financial management service designed to:</a:t>
-            </a:r>
-          </a:p>
-          <a:p>
-            <a:pPr>
-              <a:buNone/>
-            </a:pPr>
-            <a:endParaRPr lang="en-US" dirty="0" smtClean="0"/>
-          </a:p>
-          <a:p>
-            <a:pPr marL="525780" indent="-457200">
-              <a:buFont typeface="Wingdings" pitchFamily="2" charset="2"/>
-              <a:buChar char="Ø"/>
-            </a:pPr>
-            <a:r>
-              <a:rPr lang="en-US" dirty="0" smtClean="0"/>
-              <a:t>Keep track of all your financial accounts into one place</a:t>
-            </a:r>
-          </a:p>
-          <a:p>
-            <a:pPr marL="525780" indent="-457200">
-              <a:buFont typeface="Wingdings" pitchFamily="2" charset="2"/>
-              <a:buChar char="Ø"/>
-            </a:pPr>
-            <a:r>
-              <a:rPr lang="en-US" dirty="0" smtClean="0"/>
-              <a:t>Allow you to set a budget</a:t>
-            </a:r>
-          </a:p>
-          <a:p>
-            <a:pPr marL="525780" indent="-457200">
-              <a:buFont typeface="Wingdings" pitchFamily="2" charset="2"/>
-              <a:buChar char="Ø"/>
-            </a:pPr>
-            <a:r>
-              <a:rPr lang="en-US" dirty="0" smtClean="0"/>
-              <a:t>Manage individual transactions</a:t>
-            </a:r>
-          </a:p>
-          <a:p>
-            <a:pPr marL="525780" indent="-457200">
-              <a:buFont typeface="+mj-lt"/>
-              <a:buAutoNum type="alphaUcPeriod"/>
-            </a:pPr>
-            <a:endParaRPr lang="en-US" dirty="0" smtClean="0"/>
-          </a:p>
-        </p:txBody>
-      </p:sp>
-    </p:spTree>
-  </p:cSld>
-  <p:clrMapOvr>
-    <a:masterClrMapping/>
-  </p:clrMapOvr>
-</p:sld>
-</file>
-
-<file path=ppt/slides/slide20.xml><?xml version="1.0" encoding="utf-8"?>
+<file path=ppt/slides/slide18.xml><?xml version="1.0" encoding="utf-8"?>
 <p:sld xmlns:a="http://schemas.openxmlformats.org/drawingml/2006/main" xmlns:r="http://schemas.openxmlformats.org/officeDocument/2006/relationships" xmlns:p="http://schemas.openxmlformats.org/presentationml/2006/main">
   <p:cSld>
     <p:spTree>
@@ -24048,8 +23628,8 @@
           <a:p>
             <a:pPr algn="just">
               <a:buSzPct val="45000"/>
-              <a:buFont typeface="StarSymbol"/>
-              <a:buChar char=""/>
+              <a:buFont typeface="Courier New"/>
+              <a:buChar char="o"/>
             </a:pPr>
             <a:r>
               <a:rPr lang="en-US" dirty="0"/>
@@ -24059,16 +23639,16 @@
           <a:p>
             <a:pPr algn="just">
               <a:buSzPct val="45000"/>
-              <a:buFont typeface="StarSymbol"/>
-              <a:buChar char=""/>
+              <a:buFont typeface="Courier New"/>
+              <a:buChar char="o"/>
             </a:pPr>
             <a:endParaRPr lang="en-US" dirty="0"/>
           </a:p>
           <a:p>
             <a:pPr>
               <a:buSzPct val="45000"/>
-              <a:buFont typeface="StarSymbol"/>
-              <a:buChar char=""/>
+              <a:buFont typeface="Courier New"/>
+              <a:buChar char="o"/>
             </a:pPr>
             <a:r>
               <a:rPr lang="en-US" dirty="0" smtClean="0"/>
@@ -24086,16 +23666,16 @@
           <a:p>
             <a:pPr>
               <a:buSzPct val="45000"/>
-              <a:buFont typeface="StarSymbol"/>
-              <a:buChar char=""/>
+              <a:buFont typeface="Courier New"/>
+              <a:buChar char="o"/>
             </a:pPr>
             <a:endParaRPr lang="en-US" dirty="0"/>
           </a:p>
           <a:p>
             <a:pPr>
               <a:buSzPct val="45000"/>
-              <a:buFont typeface="StarSymbol"/>
-              <a:buChar char=""/>
+              <a:buFont typeface="Courier New"/>
+              <a:buChar char="o"/>
             </a:pPr>
             <a:r>
               <a:rPr lang="en-US" dirty="0" smtClean="0">
@@ -24127,24 +23707,21 @@
           <a:p>
             <a:pPr>
               <a:buSzPct val="45000"/>
-              <a:buFont typeface="StarSymbol"/>
-              <a:buChar char=""/>
+              <a:buFont typeface="Courier New"/>
+              <a:buChar char="o"/>
             </a:pPr>
             <a:r>
               <a:rPr lang="en-US" dirty="0">
                 <a:ea typeface="Century Gothic"/>
               </a:rPr>
-              <a:t>Google code issue tracker used for issues</a:t>
+              <a:t>Google code issue tracker used for </a:t>
             </a:r>
-            <a:endParaRPr lang="en-US" dirty="0"/>
-          </a:p>
-          <a:p>
-            <a:endParaRPr lang="en-US" dirty="0"/>
-          </a:p>
-          <a:p>
-            <a:endParaRPr lang="en-US" dirty="0"/>
-          </a:p>
-          <a:p>
+            <a:r>
+              <a:rPr lang="en-US" dirty="0" smtClean="0">
+                <a:ea typeface="Century Gothic"/>
+              </a:rPr>
+              <a:t>issues</a:t>
+            </a:r>
             <a:endParaRPr lang="en-US" dirty="0"/>
           </a:p>
         </p:txBody>
@@ -24154,10 +23731,17 @@
   <p:clrMapOvr>
     <a:masterClrMapping/>
   </p:clrMapOvr>
+  <p:timing>
+    <p:tnLst>
+      <p:par>
+        <p:cTn id="1" dur="indefinite" restart="never" nodeType="tmRoot"/>
+      </p:par>
+    </p:tnLst>
+  </p:timing>
 </p:sld>
 </file>
 
-<file path=ppt/slides/slide21.xml><?xml version="1.0" encoding="utf-8"?>
+<file path=ppt/slides/slide19.xml><?xml version="1.0" encoding="utf-8"?>
 <p:sld xmlns:a="http://schemas.openxmlformats.org/drawingml/2006/main" xmlns:r="http://schemas.openxmlformats.org/officeDocument/2006/relationships" xmlns:p="http://schemas.openxmlformats.org/presentationml/2006/main">
   <p:cSld>
     <p:spTree>
@@ -24569,10 +24153,160 @@
   <p:clrMapOvr>
     <a:masterClrMapping/>
   </p:clrMapOvr>
+  <p:timing>
+    <p:tnLst>
+      <p:par>
+        <p:cTn id="1" dur="indefinite" restart="never" nodeType="tmRoot"/>
+      </p:par>
+    </p:tnLst>
+  </p:timing>
 </p:sld>
 </file>
 
-<file path=ppt/slides/slide22.xml><?xml version="1.0" encoding="utf-8"?>
+<file path=ppt/slides/slide2.xml><?xml version="1.0" encoding="utf-8"?>
+<p:sld xmlns:a="http://schemas.openxmlformats.org/drawingml/2006/main" xmlns:r="http://schemas.openxmlformats.org/officeDocument/2006/relationships" xmlns:p="http://schemas.openxmlformats.org/presentationml/2006/main">
+  <p:cSld>
+    <p:spTree>
+      <p:nvGrpSpPr>
+        <p:cNvPr id="1" name=""/>
+        <p:cNvGrpSpPr/>
+        <p:nvPr/>
+      </p:nvGrpSpPr>
+      <p:grpSpPr>
+        <a:xfrm>
+          <a:off x="0" y="0"/>
+          <a:ext cx="0" cy="0"/>
+          <a:chOff x="0" y="0"/>
+          <a:chExt cx="0" cy="0"/>
+        </a:xfrm>
+      </p:grpSpPr>
+      <p:sp>
+        <p:nvSpPr>
+          <p:cNvPr id="2" name="Title 1"/>
+          <p:cNvSpPr>
+            <a:spLocks noGrp="1"/>
+          </p:cNvSpPr>
+          <p:nvPr>
+            <p:ph type="title"/>
+          </p:nvPr>
+        </p:nvSpPr>
+        <p:spPr>
+          <a:xfrm>
+            <a:off x="796065" y="286439"/>
+            <a:ext cx="7024744" cy="1143000"/>
+          </a:xfrm>
+        </p:spPr>
+        <p:txBody>
+          <a:bodyPr>
+            <a:normAutofit/>
+          </a:bodyPr>
+          <a:lstStyle/>
+          <a:p>
+            <a:r>
+              <a:rPr lang="en-US" dirty="0" smtClean="0"/>
+              <a:t>What is iBudget?</a:t>
+            </a:r>
+            <a:endParaRPr lang="en-US" dirty="0"/>
+          </a:p>
+        </p:txBody>
+      </p:sp>
+      <p:sp>
+        <p:nvSpPr>
+          <p:cNvPr id="3" name="Content Placeholder 2"/>
+          <p:cNvSpPr>
+            <a:spLocks noGrp="1"/>
+          </p:cNvSpPr>
+          <p:nvPr>
+            <p:ph idx="1"/>
+          </p:nvPr>
+        </p:nvSpPr>
+        <p:spPr>
+          <a:xfrm>
+            <a:off x="796065" y="1726841"/>
+            <a:ext cx="6777317" cy="4376504"/>
+          </a:xfrm>
+        </p:spPr>
+        <p:txBody>
+          <a:bodyPr>
+            <a:normAutofit/>
+          </a:bodyPr>
+          <a:lstStyle/>
+          <a:p>
+            <a:pPr>
+              <a:buNone/>
+            </a:pPr>
+            <a:endParaRPr lang="en-US" dirty="0" smtClean="0"/>
+          </a:p>
+          <a:p>
+            <a:pPr>
+              <a:buNone/>
+            </a:pPr>
+            <a:r>
+              <a:rPr lang="en-US" dirty="0" smtClean="0"/>
+              <a:t>A web-based personal financial management service designed to:</a:t>
+            </a:r>
+          </a:p>
+          <a:p>
+            <a:pPr>
+              <a:buNone/>
+            </a:pPr>
+            <a:endParaRPr lang="en-US" dirty="0" smtClean="0"/>
+          </a:p>
+          <a:p>
+            <a:pPr>
+              <a:buFont typeface="Courier New"/>
+              <a:buChar char="o"/>
+            </a:pPr>
+            <a:r>
+              <a:rPr lang="en-US" dirty="0" smtClean="0"/>
+              <a:t>Keep track of all your financial accounts into one place</a:t>
+            </a:r>
+          </a:p>
+          <a:p>
+            <a:pPr>
+              <a:buFont typeface="Courier New"/>
+              <a:buChar char="o"/>
+            </a:pPr>
+            <a:r>
+              <a:rPr lang="en-US" dirty="0" smtClean="0"/>
+              <a:t>Allow you to set a budget</a:t>
+            </a:r>
+          </a:p>
+          <a:p>
+            <a:pPr>
+              <a:buFont typeface="Courier New"/>
+              <a:buChar char="o"/>
+            </a:pPr>
+            <a:r>
+              <a:rPr lang="en-US" dirty="0" smtClean="0"/>
+              <a:t>Manage individual transactions</a:t>
+            </a:r>
+          </a:p>
+          <a:p>
+            <a:pPr marL="525780" indent="-457200">
+              <a:buFont typeface="+mj-lt"/>
+              <a:buAutoNum type="alphaUcPeriod"/>
+            </a:pPr>
+            <a:endParaRPr lang="en-US" dirty="0" smtClean="0"/>
+          </a:p>
+        </p:txBody>
+      </p:sp>
+    </p:spTree>
+  </p:cSld>
+  <p:clrMapOvr>
+    <a:masterClrMapping/>
+  </p:clrMapOvr>
+  <p:timing>
+    <p:tnLst>
+      <p:par>
+        <p:cTn id="1" dur="indefinite" restart="never" nodeType="tmRoot"/>
+      </p:par>
+    </p:tnLst>
+  </p:timing>
+</p:sld>
+</file>
+
+<file path=ppt/slides/slide20.xml><?xml version="1.0" encoding="utf-8"?>
 <p:sld xmlns:a="http://schemas.openxmlformats.org/drawingml/2006/main" xmlns:r="http://schemas.openxmlformats.org/officeDocument/2006/relationships" xmlns:p="http://schemas.openxmlformats.org/presentationml/2006/main">
   <p:cSld>
     <p:spTree>
@@ -24648,7 +24382,7 @@
           <a:blip r:embed="rId2" cstate="email">
             <a:extLst>
               <a:ext uri="{28A0092B-C50C-407E-A947-70E740481C1C}">
-                <a14:useLocalDpi xmlns:a14="http://schemas.microsoft.com/office/drawing/2010/main" val="0"/>
+                <a14:useLocalDpi xmlns:a14="http://schemas.microsoft.com/office/drawing/2010/main" xmlns="" val="0"/>
               </a:ext>
             </a:extLst>
           </a:blip>
@@ -24666,7 +24400,7 @@
           <a:noFill/>
           <a:extLst>
             <a:ext uri="{909E8E84-426E-40dd-AFC4-6F175D3DCCD1}">
-              <a14:hiddenFill xmlns:a14="http://schemas.microsoft.com/office/drawing/2010/main">
+              <a14:hiddenFill xmlns:a14="http://schemas.microsoft.com/office/drawing/2010/main" xmlns="">
                 <a:solidFill>
                   <a:srgbClr val="FFFFFF"/>
                 </a:solidFill>
@@ -24678,17 +24412,105 @@
     </p:spTree>
     <p:extLst>
       <p:ext uri="{BB962C8B-B14F-4D97-AF65-F5344CB8AC3E}">
-        <p14:creationId xmlns:p14="http://schemas.microsoft.com/office/powerpoint/2010/main" val="3699591201"/>
+        <p14:creationId xmlns:p14="http://schemas.microsoft.com/office/powerpoint/2010/main" xmlns="" val="3699591201"/>
       </p:ext>
     </p:extLst>
   </p:cSld>
   <p:clrMapOvr>
     <a:masterClrMapping/>
   </p:clrMapOvr>
+  <p:timing>
+    <p:tnLst>
+      <p:par>
+        <p:cTn id="1" dur="indefinite" restart="never" nodeType="tmRoot"/>
+      </p:par>
+    </p:tnLst>
+  </p:timing>
 </p:sld>
 </file>
 
-<file path=ppt/slides/slide23.xml><?xml version="1.0" encoding="utf-8"?>
+<file path=ppt/slides/slide21.xml><?xml version="1.0" encoding="utf-8"?>
+<p:sld xmlns:a="http://schemas.openxmlformats.org/drawingml/2006/main" xmlns:r="http://schemas.openxmlformats.org/officeDocument/2006/relationships" xmlns:p="http://schemas.openxmlformats.org/presentationml/2006/main">
+  <p:cSld>
+    <p:spTree>
+      <p:nvGrpSpPr>
+        <p:cNvPr id="1" name=""/>
+        <p:cNvGrpSpPr/>
+        <p:nvPr/>
+      </p:nvGrpSpPr>
+      <p:grpSpPr>
+        <a:xfrm>
+          <a:off x="0" y="0"/>
+          <a:ext cx="0" cy="0"/>
+          <a:chOff x="0" y="0"/>
+          <a:chExt cx="0" cy="0"/>
+        </a:xfrm>
+      </p:grpSpPr>
+      <p:sp>
+        <p:nvSpPr>
+          <p:cNvPr id="2" name="Title 1"/>
+          <p:cNvSpPr>
+            <a:spLocks noGrp="1"/>
+          </p:cNvSpPr>
+          <p:nvPr>
+            <p:ph type="title"/>
+          </p:nvPr>
+        </p:nvSpPr>
+        <p:spPr>
+          <a:xfrm>
+            <a:off x="795281" y="363415"/>
+            <a:ext cx="7024744" cy="1143000"/>
+          </a:xfrm>
+        </p:spPr>
+        <p:txBody>
+          <a:bodyPr/>
+          <a:lstStyle/>
+          <a:p>
+            <a:r>
+              <a:rPr lang="en-US" dirty="0" smtClean="0"/>
+              <a:t>Time spent</a:t>
+            </a:r>
+            <a:endParaRPr lang="en-US" dirty="0"/>
+          </a:p>
+        </p:txBody>
+      </p:sp>
+      <p:graphicFrame>
+        <p:nvGraphicFramePr>
+          <p:cNvPr id="5" name="Chart 4"/>
+          <p:cNvGraphicFramePr/>
+          <p:nvPr/>
+        </p:nvGraphicFramePr>
+        <p:xfrm>
+          <a:off x="1042988" y="1740877"/>
+          <a:ext cx="7011499" cy="4520608"/>
+        </p:xfrm>
+        <a:graphic>
+          <a:graphicData uri="http://schemas.openxmlformats.org/drawingml/2006/chart">
+            <c:chart xmlns:c="http://schemas.openxmlformats.org/drawingml/2006/chart" xmlns:r="http://schemas.openxmlformats.org/officeDocument/2006/relationships" r:id="rId2"/>
+          </a:graphicData>
+        </a:graphic>
+      </p:graphicFrame>
+    </p:spTree>
+    <p:extLst>
+      <p:ext uri="{BB962C8B-B14F-4D97-AF65-F5344CB8AC3E}">
+        <p14:creationId xmlns:p14="http://schemas.microsoft.com/office/powerpoint/2010/main" xmlns="" val="643549545"/>
+      </p:ext>
+    </p:extLst>
+  </p:cSld>
+  <p:clrMapOvr>
+    <a:masterClrMapping/>
+  </p:clrMapOvr>
+  <p:timing>
+    <p:tnLst>
+      <p:par>
+        <p:cTn id="1" dur="indefinite" restart="never" nodeType="tmRoot"/>
+      </p:par>
+    </p:tnLst>
+  </p:timing>
+</p:sld>
+</file>
+
+<file path=ppt/slides/slide22.xml><?xml version="1.0" encoding="utf-8"?>
 <p:sld xmlns:a="http://schemas.openxmlformats.org/drawingml/2006/main" xmlns:r="http://schemas.openxmlformats.org/officeDocument/2006/relationships" xmlns:p="http://schemas.openxmlformats.org/presentationml/2006/main">
   <p:cSld>
     <p:spTree>
@@ -24759,8 +24581,8 @@
           <a:p>
             <a:pPr algn="just">
               <a:buSzPct val="45000"/>
-              <a:buFont typeface="StarSymbol"/>
-              <a:buChar char=""/>
+              <a:buFont typeface="Courier New"/>
+              <a:buChar char="o"/>
             </a:pPr>
             <a:r>
               <a:rPr lang="en-US" dirty="0">
@@ -24775,16 +24597,16 @@
           <a:p>
             <a:pPr algn="just">
               <a:buSzPct val="45000"/>
-              <a:buFont typeface="StarSymbol"/>
-              <a:buChar char=""/>
+              <a:buFont typeface="Courier New"/>
+              <a:buChar char="o"/>
             </a:pPr>
             <a:endParaRPr lang="en-US" dirty="0"/>
           </a:p>
           <a:p>
             <a:pPr>
               <a:buSzPct val="45000"/>
-              <a:buFont typeface="StarSymbol"/>
-              <a:buChar char=""/>
+              <a:buFont typeface="Courier New"/>
+              <a:buChar char="o"/>
             </a:pPr>
             <a:r>
               <a:rPr lang="en-US" dirty="0" smtClean="0">
@@ -24798,16 +24620,16 @@
           <a:p>
             <a:pPr>
               <a:buSzPct val="45000"/>
-              <a:buFont typeface="StarSymbol"/>
-              <a:buChar char=""/>
+              <a:buFont typeface="Courier New"/>
+              <a:buChar char="o"/>
             </a:pPr>
             <a:endParaRPr lang="en-US" dirty="0"/>
           </a:p>
           <a:p>
             <a:pPr>
               <a:buSzPct val="45000"/>
-              <a:buFont typeface="StarSymbol"/>
-              <a:buChar char=""/>
+              <a:buFont typeface="Courier New"/>
+              <a:buChar char="o"/>
             </a:pPr>
             <a:r>
               <a:rPr lang="en-US" dirty="0" smtClean="0">
@@ -24839,10 +24661,17 @@
   <p:clrMapOvr>
     <a:masterClrMapping/>
   </p:clrMapOvr>
+  <p:timing>
+    <p:tnLst>
+      <p:par>
+        <p:cTn id="1" dur="indefinite" restart="never" nodeType="tmRoot"/>
+      </p:par>
+    </p:tnLst>
+  </p:timing>
 </p:sld>
 </file>
 
-<file path=ppt/slides/slide24.xml><?xml version="1.0" encoding="utf-8"?>
+<file path=ppt/slides/slide23.xml><?xml version="1.0" encoding="utf-8"?>
 <p:sld xmlns:a="http://schemas.openxmlformats.org/drawingml/2006/main" xmlns:r="http://schemas.openxmlformats.org/officeDocument/2006/relationships" xmlns:p="http://schemas.openxmlformats.org/presentationml/2006/main">
   <p:cSld>
     <p:spTree>
@@ -24883,11 +24712,7 @@
           <a:p>
             <a:r>
               <a:rPr lang="en-US" dirty="0" smtClean="0"/>
-              <a:t>System </a:t>
-            </a:r>
-            <a:r>
-              <a:rPr lang="en-US" dirty="0" smtClean="0"/>
-              <a:t>Architecture</a:t>
+              <a:t>System Architecture</a:t>
             </a:r>
             <a:br>
               <a:rPr lang="en-US" dirty="0" smtClean="0"/>
@@ -24911,7 +24736,7 @@
           </p:nvPr>
         </p:nvPicPr>
         <p:blipFill>
-          <a:blip r:embed="rId3"/>
+          <a:blip r:embed="rId3" cstate="print"/>
           <a:srcRect l="-3473" r="-3473"/>
           <a:stretch>
             <a:fillRect/>
@@ -24922,7 +24747,7 @@
     </p:spTree>
     <p:extLst>
       <p:ext uri="{BB962C8B-B14F-4D97-AF65-F5344CB8AC3E}">
-        <p14:creationId xmlns:p14="http://schemas.microsoft.com/office/powerpoint/2010/main" val="3832736806"/>
+        <p14:creationId xmlns:p14="http://schemas.microsoft.com/office/powerpoint/2010/main" xmlns="" val="3832736806"/>
       </p:ext>
     </p:extLst>
   </p:cSld>
@@ -24932,14 +24757,14 @@
   <p:timing>
     <p:tnLst>
       <p:par>
-        <p:cTn xmlns:p14="http://schemas.microsoft.com/office/powerpoint/2010/main" id="1" dur="indefinite" restart="never" nodeType="tmRoot"/>
+        <p:cTn id="1" dur="indefinite" restart="never" nodeType="tmRoot"/>
       </p:par>
     </p:tnLst>
   </p:timing>
 </p:sld>
 </file>
 
-<file path=ppt/slides/slide25.xml><?xml version="1.0" encoding="utf-8"?>
+<file path=ppt/slides/slide24.xml><?xml version="1.0" encoding="utf-8"?>
 <p:sld xmlns:a="http://schemas.openxmlformats.org/drawingml/2006/main" xmlns:r="http://schemas.openxmlformats.org/officeDocument/2006/relationships" xmlns:p="http://schemas.openxmlformats.org/presentationml/2006/main">
   <p:cSld>
     <p:spTree>
@@ -25010,7 +24835,6 @@
               <a:rPr lang="en-US" dirty="0" smtClean="0"/>
               <a:t>Factory: All Application Objects (ORM Objects)</a:t>
             </a:r>
-            <a:endParaRPr lang="en-US" dirty="0" smtClean="0"/>
           </a:p>
           <a:p>
             <a:pPr>
@@ -25023,7 +24847,6 @@
               <a:rPr lang="en-US" dirty="0" smtClean="0"/>
               <a:t>Singleton: All Source Objects</a:t>
             </a:r>
-            <a:endParaRPr lang="en-US" dirty="0" smtClean="0"/>
           </a:p>
           <a:p>
             <a:pPr>
@@ -25034,15 +24857,15 @@
           <a:p>
             <a:r>
               <a:rPr lang="en-US" dirty="0" smtClean="0"/>
-              <a:t>Observer: Being use by </a:t>
-            </a:r>
-            <a:r>
-              <a:rPr lang="en-US" dirty="0" err="1" smtClean="0"/>
-              <a:t>javascript</a:t>
+              <a:t>Observer: Being use by JavaScript such as on </a:t>
             </a:r>
             <a:r>
               <a:rPr lang="en-US" dirty="0" smtClean="0"/>
-              <a:t> such as on click or on change events which activates an </a:t>
+              <a:t> click </a:t>
+            </a:r>
+            <a:r>
+              <a:rPr lang="en-US" dirty="0" smtClean="0"/>
+              <a:t>or on change events which activates an </a:t>
             </a:r>
             <a:r>
               <a:rPr lang="en-US" dirty="0" err="1" smtClean="0"/>
@@ -25059,7 +24882,7 @@
     </p:spTree>
     <p:extLst>
       <p:ext uri="{BB962C8B-B14F-4D97-AF65-F5344CB8AC3E}">
-        <p14:creationId xmlns:p14="http://schemas.microsoft.com/office/powerpoint/2010/main" val="1092677546"/>
+        <p14:creationId xmlns:p14="http://schemas.microsoft.com/office/powerpoint/2010/main" xmlns="" val="1092677546"/>
       </p:ext>
     </p:extLst>
   </p:cSld>
@@ -25069,14 +24892,14 @@
   <p:timing>
     <p:tnLst>
       <p:par>
-        <p:cTn xmlns:p14="http://schemas.microsoft.com/office/powerpoint/2010/main" id="1" dur="indefinite" restart="never" nodeType="tmRoot"/>
+        <p:cTn id="1" dur="indefinite" restart="never" nodeType="tmRoot"/>
       </p:par>
     </p:tnLst>
   </p:timing>
 </p:sld>
 </file>
 
-<file path=ppt/slides/slide26.xml><?xml version="1.0" encoding="utf-8"?>
+<file path=ppt/slides/slide25.xml><?xml version="1.0" encoding="utf-8"?>
 <p:sld xmlns:a="http://schemas.openxmlformats.org/drawingml/2006/main" xmlns:r="http://schemas.openxmlformats.org/officeDocument/2006/relationships" xmlns:p="http://schemas.openxmlformats.org/presentationml/2006/main">
   <p:cSld>
     <p:spTree>
@@ -25242,7 +25065,7 @@
     </p:spTree>
     <p:extLst>
       <p:ext uri="{BB962C8B-B14F-4D97-AF65-F5344CB8AC3E}">
-        <p14:creationId xmlns:p14="http://schemas.microsoft.com/office/powerpoint/2010/main" val="3037995522"/>
+        <p14:creationId xmlns:p14="http://schemas.microsoft.com/office/powerpoint/2010/main" xmlns="" val="3037995522"/>
       </p:ext>
     </p:extLst>
   </p:cSld>
@@ -25252,14 +25075,14 @@
   <p:timing>
     <p:tnLst>
       <p:par>
-        <p:cTn xmlns:p14="http://schemas.microsoft.com/office/powerpoint/2010/main" id="1" dur="indefinite" restart="never" nodeType="tmRoot"/>
+        <p:cTn id="1" dur="indefinite" restart="never" nodeType="tmRoot"/>
       </p:par>
     </p:tnLst>
   </p:timing>
 </p:sld>
 </file>
 
-<file path=ppt/slides/slide27.xml><?xml version="1.0" encoding="utf-8"?>
+<file path=ppt/slides/slide26.xml><?xml version="1.0" encoding="utf-8"?>
 <p:sld xmlns:a="http://schemas.openxmlformats.org/drawingml/2006/main" xmlns:r="http://schemas.openxmlformats.org/officeDocument/2006/relationships" xmlns:p="http://schemas.openxmlformats.org/presentationml/2006/main">
   <p:cSld>
     <p:spTree>
@@ -25359,14 +25182,14 @@
           <a:effectLst/>
           <a:extLst>
             <a:ext uri="{909E8E84-426E-40dd-AFC4-6F175D3DCCD1}">
-              <a14:hiddenFill xmlns:a14="http://schemas.microsoft.com/office/drawing/2010/main">
+              <a14:hiddenFill xmlns:a14="http://schemas.microsoft.com/office/drawing/2010/main" xmlns="">
                 <a:solidFill>
                   <a:schemeClr val="accent1"/>
                 </a:solidFill>
               </a14:hiddenFill>
             </a:ext>
             <a:ext uri="{91240B29-F687-4f45-9708-019B960494DF}">
-              <a14:hiddenLine xmlns:a14="http://schemas.microsoft.com/office/drawing/2010/main" w="9525">
+              <a14:hiddenLine xmlns:a14="http://schemas.microsoft.com/office/drawing/2010/main" xmlns="" w="9525">
                 <a:solidFill>
                   <a:schemeClr val="tx1"/>
                 </a:solidFill>
@@ -25376,7 +25199,7 @@
               </a14:hiddenLine>
             </a:ext>
             <a:ext uri="{AF507438-7753-43e0-B8FC-AC1667EBCBE1}">
-              <a14:hiddenEffects xmlns:a14="http://schemas.microsoft.com/office/drawing/2010/main">
+              <a14:hiddenEffects xmlns:a14="http://schemas.microsoft.com/office/drawing/2010/main" xmlns="">
                 <a:effectLst>
                   <a:outerShdw dist="35921" dir="2700000" algn="ctr" rotWithShape="0">
                     <a:schemeClr val="bg2"/>
@@ -25408,7 +25231,7 @@
           <p:nvPr>
             <p:extLst>
               <p:ext uri="{D42A27DB-BD31-4B8C-83A1-F6EECF244321}">
-                <p14:modId xmlns:p14="http://schemas.microsoft.com/office/powerpoint/2010/main" val="99859930"/>
+                <p14:modId xmlns:p14="http://schemas.microsoft.com/office/powerpoint/2010/main" xmlns="" val="99859930"/>
               </p:ext>
             </p:extLst>
           </p:nvPr>
@@ -25419,66 +25242,16 @@
         </p:xfrm>
         <a:graphic>
           <a:graphicData uri="http://schemas.openxmlformats.org/presentationml/2006/ole">
-            <mc:AlternateContent xmlns:mc="http://schemas.openxmlformats.org/markup-compatibility/2006">
-              <mc:Choice xmlns:v="urn:schemas-microsoft-com:vml" Requires="v">
-                <p:oleObj spid="_x0000_s36875" name="Visio" r:id="rId4" imgW="4580844" imgH="5596830" progId="">
-                  <p:embed/>
-                </p:oleObj>
-              </mc:Choice>
-              <mc:Fallback>
-                <p:oleObj name="Visio" r:id="rId4" imgW="4580844" imgH="5596830" progId="">
-                  <p:embed/>
-                  <p:pic>
-                    <p:nvPicPr>
-                      <p:cNvPr id="0" name="Picture 4"/>
-                      <p:cNvPicPr>
-                        <a:picLocks noChangeAspect="1" noChangeArrowheads="1"/>
-                      </p:cNvPicPr>
-                      <p:nvPr/>
-                    </p:nvPicPr>
-                    <p:blipFill>
-                      <a:blip r:embed="rId5">
-                        <a:extLst>
-                          <a:ext uri="{28A0092B-C50C-407E-A947-70E740481C1C}">
-                            <a14:useLocalDpi xmlns:a14="http://schemas.microsoft.com/office/drawing/2010/main" val="0"/>
-                          </a:ext>
-                        </a:extLst>
-                      </a:blip>
-                      <a:srcRect/>
-                      <a:stretch>
-                        <a:fillRect/>
-                      </a:stretch>
-                    </p:blipFill>
-                    <p:spPr bwMode="auto">
-                      <a:xfrm>
-                        <a:off x="4399912" y="1279872"/>
-                        <a:ext cx="4282558" cy="5235227"/>
-                      </a:xfrm>
-                      <a:prstGeom prst="rect">
-                        <a:avLst/>
-                      </a:prstGeom>
-                      <a:noFill/>
-                      <a:extLst>
-                        <a:ext uri="{909E8E84-426E-40dd-AFC4-6F175D3DCCD1}">
-                          <a14:hiddenFill xmlns:a14="http://schemas.microsoft.com/office/drawing/2010/main">
-                            <a:solidFill>
-                              <a:srgbClr val="FFFFFF"/>
-                            </a:solidFill>
-                          </a14:hiddenFill>
-                        </a:ext>
-                      </a:extLst>
-                    </p:spPr>
-                  </p:pic>
-                </p:oleObj>
-              </mc:Fallback>
-            </mc:AlternateContent>
+            <p:oleObj spid="_x0000_s36881" name="Visio" r:id="rId4" imgW="4580844" imgH="5596830" progId="">
+              <p:embed/>
+            </p:oleObj>
           </a:graphicData>
         </a:graphic>
       </p:graphicFrame>
     </p:spTree>
     <p:extLst>
       <p:ext uri="{BB962C8B-B14F-4D97-AF65-F5344CB8AC3E}">
-        <p14:creationId xmlns:p14="http://schemas.microsoft.com/office/powerpoint/2010/main" val="224431329"/>
+        <p14:creationId xmlns:p14="http://schemas.microsoft.com/office/powerpoint/2010/main" xmlns="" val="224431329"/>
       </p:ext>
     </p:extLst>
   </p:cSld>
@@ -25488,14 +25261,14 @@
   <p:timing>
     <p:tnLst>
       <p:par>
-        <p:cTn xmlns:p14="http://schemas.microsoft.com/office/powerpoint/2010/main" id="1" dur="indefinite" restart="never" nodeType="tmRoot"/>
+        <p:cTn id="1" dur="indefinite" restart="never" nodeType="tmRoot"/>
       </p:par>
     </p:tnLst>
   </p:timing>
 </p:sld>
 </file>
 
-<file path=ppt/slides/slide28.xml><?xml version="1.0" encoding="utf-8"?>
+<file path=ppt/slides/slide27.xml><?xml version="1.0" encoding="utf-8"?>
 <p:sld xmlns:a="http://schemas.openxmlformats.org/drawingml/2006/main" xmlns:r="http://schemas.openxmlformats.org/officeDocument/2006/relationships" xmlns:p="http://schemas.openxmlformats.org/presentationml/2006/main">
   <p:cSld>
     <p:spTree>
@@ -25565,14 +25338,14 @@
           <a:effectLst/>
           <a:extLst>
             <a:ext uri="{909E8E84-426E-40dd-AFC4-6F175D3DCCD1}">
-              <a14:hiddenFill xmlns:a14="http://schemas.microsoft.com/office/drawing/2010/main">
+              <a14:hiddenFill xmlns:a14="http://schemas.microsoft.com/office/drawing/2010/main" xmlns="">
                 <a:solidFill>
                   <a:schemeClr val="accent1"/>
                 </a:solidFill>
               </a14:hiddenFill>
             </a:ext>
             <a:ext uri="{91240B29-F687-4f45-9708-019B960494DF}">
-              <a14:hiddenLine xmlns:a14="http://schemas.microsoft.com/office/drawing/2010/main" w="9525">
+              <a14:hiddenLine xmlns:a14="http://schemas.microsoft.com/office/drawing/2010/main" xmlns="" w="9525">
                 <a:solidFill>
                   <a:schemeClr val="tx1"/>
                 </a:solidFill>
@@ -25582,306 +25355,7 @@
               </a14:hiddenLine>
             </a:ext>
             <a:ext uri="{AF507438-7753-43e0-B8FC-AC1667EBCBE1}">
-              <a14:hiddenEffects xmlns:a14="http://schemas.microsoft.com/office/drawing/2010/main">
-                <a:effectLst>
-                  <a:outerShdw dist="35921" dir="2700000" algn="ctr" rotWithShape="0">
-                    <a:schemeClr val="bg2"/>
-                  </a:outerShdw>
-                </a:effectLst>
-              </a14:hiddenEffects>
-            </a:ext>
-          </a:extLst>
-        </p:spPr>
-        <p:txBody>
-          <a:bodyPr vert="horz" wrap="none" lIns="91440" tIns="45720" rIns="91440" bIns="45720" numCol="1" anchor="ctr" anchorCtr="0" compatLnSpc="1">
-            <a:prstTxWarp prst="textNoShape">
-              <a:avLst/>
-            </a:prstTxWarp>
-            <a:spAutoFit/>
-          </a:bodyPr>
-          <a:lstStyle/>
-          <a:p>
-            <a:endParaRPr lang="en-US"/>
-          </a:p>
-        </p:txBody>
-      </p:sp>
-      <p:pic>
-        <p:nvPicPr>
-          <p:cNvPr id="6" name="Picture" descr="A description..."/>
-          <p:cNvPicPr/>
-          <p:nvPr/>
-        </p:nvPicPr>
-        <p:blipFill>
-          <a:blip r:embed="rId3" cstate="print"/>
-          <a:srcRect/>
-          <a:stretch>
-            <a:fillRect/>
-          </a:stretch>
-        </p:blipFill>
-        <p:spPr bwMode="auto">
-          <a:xfrm>
-            <a:off x="482600" y="1551710"/>
-            <a:ext cx="6851073" cy="4626436"/>
-          </a:xfrm>
-          <a:prstGeom prst="rect">
-            <a:avLst/>
-          </a:prstGeom>
-          <a:noFill/>
-          <a:ln w="9525">
-            <a:noFill/>
-            <a:miter lim="800000"/>
-            <a:headEnd/>
-            <a:tailEnd/>
-          </a:ln>
-        </p:spPr>
-      </p:pic>
-      <p:sp>
-        <p:nvSpPr>
-          <p:cNvPr id="5" name="Rectangle 2"/>
-          <p:cNvSpPr>
-            <a:spLocks noChangeArrowheads="1"/>
-          </p:cNvSpPr>
-          <p:nvPr/>
-        </p:nvSpPr>
-        <p:spPr bwMode="auto">
-          <a:xfrm>
-            <a:off x="0" y="0"/>
-            <a:ext cx="9144000" cy="0"/>
-          </a:xfrm>
-          <a:prstGeom prst="rect">
-            <a:avLst/>
-          </a:prstGeom>
-          <a:noFill/>
-          <a:ln>
-            <a:noFill/>
-          </a:ln>
-          <a:effectLst/>
-          <a:extLst>
-            <a:ext uri="{909E8E84-426E-40dd-AFC4-6F175D3DCCD1}">
-              <a14:hiddenFill xmlns:a14="http://schemas.microsoft.com/office/drawing/2010/main">
-                <a:solidFill>
-                  <a:schemeClr val="accent1"/>
-                </a:solidFill>
-              </a14:hiddenFill>
-            </a:ext>
-            <a:ext uri="{91240B29-F687-4f45-9708-019B960494DF}">
-              <a14:hiddenLine xmlns:a14="http://schemas.microsoft.com/office/drawing/2010/main" w="9525">
-                <a:solidFill>
-                  <a:schemeClr val="tx1"/>
-                </a:solidFill>
-                <a:miter lim="800000"/>
-                <a:headEnd/>
-                <a:tailEnd/>
-              </a14:hiddenLine>
-            </a:ext>
-            <a:ext uri="{AF507438-7753-43e0-B8FC-AC1667EBCBE1}">
-              <a14:hiddenEffects xmlns:a14="http://schemas.microsoft.com/office/drawing/2010/main">
-                <a:effectLst>
-                  <a:outerShdw dist="35921" dir="2700000" algn="ctr" rotWithShape="0">
-                    <a:schemeClr val="bg2"/>
-                  </a:outerShdw>
-                </a:effectLst>
-              </a14:hiddenEffects>
-            </a:ext>
-          </a:extLst>
-        </p:spPr>
-        <p:txBody>
-          <a:bodyPr vert="horz" wrap="none" lIns="91440" tIns="45720" rIns="91440" bIns="45720" numCol="1" anchor="ctr" anchorCtr="0" compatLnSpc="1">
-            <a:prstTxWarp prst="textNoShape">
-              <a:avLst/>
-            </a:prstTxWarp>
-            <a:spAutoFit/>
-          </a:bodyPr>
-          <a:lstStyle/>
-          <a:p>
-            <a:endParaRPr lang="en-US"/>
-          </a:p>
-        </p:txBody>
-      </p:sp>
-      <p:graphicFrame>
-        <p:nvGraphicFramePr>
-          <p:cNvPr id="8" name="Object 7"/>
-          <p:cNvGraphicFramePr>
-            <a:graphicFrameLocks noChangeAspect="1"/>
-          </p:cNvGraphicFramePr>
-          <p:nvPr>
-            <p:extLst>
-              <p:ext uri="{D42A27DB-BD31-4B8C-83A1-F6EECF244321}">
-                <p14:modId xmlns:p14="http://schemas.microsoft.com/office/powerpoint/2010/main" val="1552680796"/>
-              </p:ext>
-            </p:extLst>
-          </p:nvPr>
-        </p:nvGraphicFramePr>
-        <p:xfrm>
-          <a:off x="7213600" y="933016"/>
-          <a:ext cx="1447800" cy="5324475"/>
-        </p:xfrm>
-        <a:graphic>
-          <a:graphicData uri="http://schemas.openxmlformats.org/presentationml/2006/ole">
-            <mc:AlternateContent xmlns:mc="http://schemas.openxmlformats.org/markup-compatibility/2006">
-              <mc:Choice xmlns:v="urn:schemas-microsoft-com:vml" Requires="v">
-                <p:oleObj spid="_x0000_s37899" name="Visio" r:id="rId4" imgW="1447108" imgH="5311032" progId="">
-                  <p:embed/>
-                </p:oleObj>
-              </mc:Choice>
-              <mc:Fallback>
-                <p:oleObj name="Visio" r:id="rId4" imgW="1447108" imgH="5311032" progId="">
-                  <p:embed/>
-                  <p:pic>
-                    <p:nvPicPr>
-                      <p:cNvPr id="0" name="Picture 4"/>
-                      <p:cNvPicPr>
-                        <a:picLocks noChangeAspect="1" noChangeArrowheads="1"/>
-                      </p:cNvPicPr>
-                      <p:nvPr/>
-                    </p:nvPicPr>
-                    <p:blipFill>
-                      <a:blip r:embed="rId5">
-                        <a:extLst>
-                          <a:ext uri="{28A0092B-C50C-407E-A947-70E740481C1C}">
-                            <a14:useLocalDpi xmlns:a14="http://schemas.microsoft.com/office/drawing/2010/main" val="0"/>
-                          </a:ext>
-                        </a:extLst>
-                      </a:blip>
-                      <a:srcRect/>
-                      <a:stretch>
-                        <a:fillRect/>
-                      </a:stretch>
-                    </p:blipFill>
-                    <p:spPr bwMode="auto">
-                      <a:xfrm>
-                        <a:off x="7213600" y="933016"/>
-                        <a:ext cx="1447800" cy="5324475"/>
-                      </a:xfrm>
-                      <a:prstGeom prst="rect">
-                        <a:avLst/>
-                      </a:prstGeom>
-                      <a:noFill/>
-                      <a:extLst>
-                        <a:ext uri="{909E8E84-426E-40dd-AFC4-6F175D3DCCD1}">
-                          <a14:hiddenFill xmlns:a14="http://schemas.microsoft.com/office/drawing/2010/main">
-                            <a:solidFill>
-                              <a:srgbClr val="FFFFFF"/>
-                            </a:solidFill>
-                          </a14:hiddenFill>
-                        </a:ext>
-                      </a:extLst>
-                    </p:spPr>
-                  </p:pic>
-                </p:oleObj>
-              </mc:Fallback>
-            </mc:AlternateContent>
-          </a:graphicData>
-        </a:graphic>
-      </p:graphicFrame>
-    </p:spTree>
-    <p:extLst>
-      <p:ext uri="{BB962C8B-B14F-4D97-AF65-F5344CB8AC3E}">
-        <p14:creationId xmlns:p14="http://schemas.microsoft.com/office/powerpoint/2010/main" val="2798939284"/>
-      </p:ext>
-    </p:extLst>
-  </p:cSld>
-  <p:clrMapOvr>
-    <a:masterClrMapping/>
-  </p:clrMapOvr>
-  <p:timing>
-    <p:tnLst>
-      <p:par>
-        <p:cTn xmlns:p14="http://schemas.microsoft.com/office/powerpoint/2010/main" id="1" dur="indefinite" restart="never" nodeType="tmRoot"/>
-      </p:par>
-    </p:tnLst>
-  </p:timing>
-</p:sld>
-</file>
-
-<file path=ppt/slides/slide29.xml><?xml version="1.0" encoding="utf-8"?>
-<p:sld xmlns:a="http://schemas.openxmlformats.org/drawingml/2006/main" xmlns:r="http://schemas.openxmlformats.org/officeDocument/2006/relationships" xmlns:p="http://schemas.openxmlformats.org/presentationml/2006/main">
-  <p:cSld>
-    <p:spTree>
-      <p:nvGrpSpPr>
-        <p:cNvPr id="1" name=""/>
-        <p:cNvGrpSpPr/>
-        <p:nvPr/>
-      </p:nvGrpSpPr>
-      <p:grpSpPr>
-        <a:xfrm>
-          <a:off x="0" y="0"/>
-          <a:ext cx="0" cy="0"/>
-          <a:chOff x="0" y="0"/>
-          <a:chExt cx="0" cy="0"/>
-        </a:xfrm>
-      </p:grpSpPr>
-      <p:sp>
-        <p:nvSpPr>
-          <p:cNvPr id="2" name="Title 1"/>
-          <p:cNvSpPr>
-            <a:spLocks noGrp="1"/>
-          </p:cNvSpPr>
-          <p:nvPr>
-            <p:ph type="title"/>
-          </p:nvPr>
-        </p:nvSpPr>
-        <p:spPr>
-          <a:xfrm>
-            <a:off x="1043490" y="641291"/>
-            <a:ext cx="7024744" cy="638582"/>
-          </a:xfrm>
-        </p:spPr>
-        <p:txBody>
-          <a:bodyPr>
-            <a:normAutofit fontScale="90000"/>
-          </a:bodyPr>
-          <a:lstStyle/>
-          <a:p>
-            <a:r>
-              <a:rPr lang="en-US" dirty="0" smtClean="0"/>
-              <a:t>Human Interface Design</a:t>
-            </a:r>
-            <a:endParaRPr lang="en-US" dirty="0"/>
-          </a:p>
-        </p:txBody>
-      </p:sp>
-      <p:sp>
-        <p:nvSpPr>
-          <p:cNvPr id="3" name="Rectangle 2"/>
-          <p:cNvSpPr>
-            <a:spLocks noChangeArrowheads="1"/>
-          </p:cNvSpPr>
-          <p:nvPr/>
-        </p:nvSpPr>
-        <p:spPr bwMode="auto">
-          <a:xfrm>
-            <a:off x="0" y="0"/>
-            <a:ext cx="9144000" cy="0"/>
-          </a:xfrm>
-          <a:prstGeom prst="rect">
-            <a:avLst/>
-          </a:prstGeom>
-          <a:noFill/>
-          <a:ln>
-            <a:noFill/>
-          </a:ln>
-          <a:effectLst/>
-          <a:extLst>
-            <a:ext uri="{909E8E84-426E-40dd-AFC4-6F175D3DCCD1}">
-              <a14:hiddenFill xmlns:a14="http://schemas.microsoft.com/office/drawing/2010/main">
-                <a:solidFill>
-                  <a:schemeClr val="accent1"/>
-                </a:solidFill>
-              </a14:hiddenFill>
-            </a:ext>
-            <a:ext uri="{91240B29-F687-4f45-9708-019B960494DF}">
-              <a14:hiddenLine xmlns:a14="http://schemas.microsoft.com/office/drawing/2010/main" w="9525">
-                <a:solidFill>
-                  <a:schemeClr val="tx1"/>
-                </a:solidFill>
-                <a:miter lim="800000"/>
-                <a:headEnd/>
-                <a:tailEnd/>
-              </a14:hiddenLine>
-            </a:ext>
-            <a:ext uri="{AF507438-7753-43e0-B8FC-AC1667EBCBE1}">
-              <a14:hiddenEffects xmlns:a14="http://schemas.microsoft.com/office/drawing/2010/main">
+              <a14:hiddenEffects xmlns:a14="http://schemas.microsoft.com/office/drawing/2010/main" xmlns="">
                 <a:effectLst>
                   <a:outerShdw dist="35921" dir="2700000" algn="ctr" rotWithShape="0">
                     <a:schemeClr val="bg2"/>
@@ -25927,14 +25401,14 @@
           <a:effectLst/>
           <a:extLst>
             <a:ext uri="{909E8E84-426E-40dd-AFC4-6F175D3DCCD1}">
-              <a14:hiddenFill xmlns:a14="http://schemas.microsoft.com/office/drawing/2010/main">
+              <a14:hiddenFill xmlns:a14="http://schemas.microsoft.com/office/drawing/2010/main" xmlns="">
                 <a:solidFill>
                   <a:schemeClr val="accent1"/>
                 </a:solidFill>
               </a14:hiddenFill>
             </a:ext>
             <a:ext uri="{91240B29-F687-4f45-9708-019B960494DF}">
-              <a14:hiddenLine xmlns:a14="http://schemas.microsoft.com/office/drawing/2010/main" w="9525">
+              <a14:hiddenLine xmlns:a14="http://schemas.microsoft.com/office/drawing/2010/main" xmlns="" w="9525">
                 <a:solidFill>
                   <a:schemeClr val="tx1"/>
                 </a:solidFill>
@@ -25944,915 +25418,7 @@
               </a14:hiddenLine>
             </a:ext>
             <a:ext uri="{AF507438-7753-43e0-B8FC-AC1667EBCBE1}">
-              <a14:hiddenEffects xmlns:a14="http://schemas.microsoft.com/office/drawing/2010/main">
-                <a:effectLst>
-                  <a:outerShdw dist="35921" dir="2700000" algn="ctr" rotWithShape="0">
-                    <a:schemeClr val="bg2"/>
-                  </a:outerShdw>
-                </a:effectLst>
-              </a14:hiddenEffects>
-            </a:ext>
-          </a:extLst>
-        </p:spPr>
-        <p:txBody>
-          <a:bodyPr vert="horz" wrap="none" lIns="91440" tIns="45720" rIns="91440" bIns="45720" numCol="1" anchor="ctr" anchorCtr="0" compatLnSpc="1">
-            <a:prstTxWarp prst="textNoShape">
-              <a:avLst/>
-            </a:prstTxWarp>
-            <a:spAutoFit/>
-          </a:bodyPr>
-          <a:lstStyle/>
-          <a:p>
-            <a:endParaRPr lang="en-US"/>
-          </a:p>
-        </p:txBody>
-      </p:sp>
-      <p:pic>
-        <p:nvPicPr>
-          <p:cNvPr id="7" name="Picture" descr="A description..."/>
-          <p:cNvPicPr/>
-          <p:nvPr/>
-        </p:nvPicPr>
-        <p:blipFill>
-          <a:blip r:embed="rId2" cstate="print"/>
-          <a:srcRect/>
-          <a:stretch>
-            <a:fillRect/>
-          </a:stretch>
-        </p:blipFill>
-        <p:spPr bwMode="auto">
-          <a:xfrm>
-            <a:off x="602990" y="1175904"/>
-            <a:ext cx="5942965" cy="1790700"/>
-          </a:xfrm>
-          <a:prstGeom prst="rect">
-            <a:avLst/>
-          </a:prstGeom>
-          <a:noFill/>
-          <a:ln w="9525">
-            <a:noFill/>
-            <a:miter lim="800000"/>
-            <a:headEnd/>
-            <a:tailEnd/>
-          </a:ln>
-        </p:spPr>
-      </p:pic>
-      <p:pic>
-        <p:nvPicPr>
-          <p:cNvPr id="9" name="Picture" descr="A description..."/>
-          <p:cNvPicPr/>
-          <p:nvPr/>
-        </p:nvPicPr>
-        <p:blipFill>
-          <a:blip r:embed="rId3" cstate="print"/>
-          <a:srcRect/>
-          <a:stretch>
-            <a:fillRect/>
-          </a:stretch>
-        </p:blipFill>
-        <p:spPr bwMode="auto">
-          <a:xfrm>
-            <a:off x="2680854" y="2434012"/>
-            <a:ext cx="5943600" cy="4058920"/>
-          </a:xfrm>
-          <a:prstGeom prst="rect">
-            <a:avLst/>
-          </a:prstGeom>
-          <a:noFill/>
-          <a:ln w="9525">
-            <a:noFill/>
-            <a:miter lim="800000"/>
-            <a:headEnd/>
-            <a:tailEnd/>
-          </a:ln>
-        </p:spPr>
-      </p:pic>
-    </p:spTree>
-    <p:extLst>
-      <p:ext uri="{BB962C8B-B14F-4D97-AF65-F5344CB8AC3E}">
-        <p14:creationId xmlns:p14="http://schemas.microsoft.com/office/powerpoint/2010/main" val="792481554"/>
-      </p:ext>
-    </p:extLst>
-  </p:cSld>
-  <p:clrMapOvr>
-    <a:masterClrMapping/>
-  </p:clrMapOvr>
-  <p:timing>
-    <p:tnLst>
-      <p:par>
-        <p:cTn xmlns:p14="http://schemas.microsoft.com/office/powerpoint/2010/main" id="1" dur="indefinite" restart="never" nodeType="tmRoot"/>
-      </p:par>
-    </p:tnLst>
-  </p:timing>
-</p:sld>
-</file>
-
-<file path=ppt/slides/slide3.xml><?xml version="1.0" encoding="utf-8"?>
-<p:sld xmlns:a="http://schemas.openxmlformats.org/drawingml/2006/main" xmlns:r="http://schemas.openxmlformats.org/officeDocument/2006/relationships" xmlns:p="http://schemas.openxmlformats.org/presentationml/2006/main">
-  <p:cSld>
-    <p:spTree>
-      <p:nvGrpSpPr>
-        <p:cNvPr id="1" name=""/>
-        <p:cNvGrpSpPr/>
-        <p:nvPr/>
-      </p:nvGrpSpPr>
-      <p:grpSpPr>
-        <a:xfrm>
-          <a:off x="0" y="0"/>
-          <a:ext cx="0" cy="0"/>
-          <a:chOff x="0" y="0"/>
-          <a:chExt cx="0" cy="0"/>
-        </a:xfrm>
-      </p:grpSpPr>
-      <p:sp>
-        <p:nvSpPr>
-          <p:cNvPr id="2" name="Title 1"/>
-          <p:cNvSpPr>
-            <a:spLocks noGrp="1"/>
-          </p:cNvSpPr>
-          <p:nvPr>
-            <p:ph type="title"/>
-          </p:nvPr>
-        </p:nvSpPr>
-        <p:spPr>
-          <a:xfrm>
-            <a:off x="796065" y="286439"/>
-            <a:ext cx="7024744" cy="1143000"/>
-          </a:xfrm>
-        </p:spPr>
-        <p:txBody>
-          <a:bodyPr>
-            <a:normAutofit/>
-          </a:bodyPr>
-          <a:lstStyle/>
-          <a:p>
-            <a:r>
-              <a:rPr lang="en-US" dirty="0" smtClean="0"/>
-              <a:t>Competition: Mint.com</a:t>
-            </a:r>
-            <a:endParaRPr lang="en-US" dirty="0"/>
-          </a:p>
-        </p:txBody>
-      </p:sp>
-      <p:sp>
-        <p:nvSpPr>
-          <p:cNvPr id="3" name="Content Placeholder 2"/>
-          <p:cNvSpPr>
-            <a:spLocks noGrp="1"/>
-          </p:cNvSpPr>
-          <p:nvPr>
-            <p:ph idx="1"/>
-          </p:nvPr>
-        </p:nvSpPr>
-        <p:spPr>
-          <a:xfrm>
-            <a:off x="3007605" y="1795749"/>
-            <a:ext cx="5640636" cy="2448552"/>
-          </a:xfrm>
-        </p:spPr>
-        <p:txBody>
-          <a:bodyPr>
-            <a:normAutofit/>
-          </a:bodyPr>
-          <a:lstStyle/>
-          <a:p>
-            <a:r>
-              <a:rPr lang="en-US" dirty="0" smtClean="0"/>
-              <a:t>See all accounts</a:t>
-            </a:r>
-          </a:p>
-          <a:p>
-            <a:r>
-              <a:rPr lang="en-US" dirty="0" smtClean="0"/>
-              <a:t>Auto categorization</a:t>
-            </a:r>
-          </a:p>
-          <a:p>
-            <a:r>
-              <a:rPr lang="en-US" dirty="0" smtClean="0"/>
-              <a:t>Timely alerts to email and phone</a:t>
-            </a:r>
-          </a:p>
-          <a:p>
-            <a:r>
-              <a:rPr lang="en-US" dirty="0" smtClean="0"/>
-              <a:t>Helpful graphs</a:t>
-            </a:r>
-            <a:endParaRPr lang="en-US" dirty="0"/>
-          </a:p>
-        </p:txBody>
-      </p:sp>
-      <p:pic>
-        <p:nvPicPr>
-          <p:cNvPr id="16386" name="Picture 2" descr="File:Mintcom.png"/>
-          <p:cNvPicPr>
-            <a:picLocks noChangeAspect="1" noChangeArrowheads="1"/>
-          </p:cNvPicPr>
-          <p:nvPr/>
-        </p:nvPicPr>
-        <p:blipFill>
-          <a:blip r:embed="rId2" cstate="print"/>
-          <a:srcRect/>
-          <a:stretch>
-            <a:fillRect/>
-          </a:stretch>
-        </p:blipFill>
-        <p:spPr bwMode="auto">
-          <a:xfrm>
-            <a:off x="-283322" y="2310735"/>
-            <a:ext cx="7620000" cy="5715000"/>
-          </a:xfrm>
-          <a:prstGeom prst="rect">
-            <a:avLst/>
-          </a:prstGeom>
-          <a:noFill/>
-        </p:spPr>
-      </p:pic>
-    </p:spTree>
-  </p:cSld>
-  <p:clrMapOvr>
-    <a:masterClrMapping/>
-  </p:clrMapOvr>
-</p:sld>
-</file>
-
-<file path=ppt/slides/slide30.xml><?xml version="1.0" encoding="utf-8"?>
-<p:sld xmlns:a="http://schemas.openxmlformats.org/drawingml/2006/main" xmlns:r="http://schemas.openxmlformats.org/officeDocument/2006/relationships" xmlns:p="http://schemas.openxmlformats.org/presentationml/2006/main">
-  <p:cSld>
-    <p:spTree>
-      <p:nvGrpSpPr>
-        <p:cNvPr id="1" name=""/>
-        <p:cNvGrpSpPr/>
-        <p:nvPr/>
-      </p:nvGrpSpPr>
-      <p:grpSpPr>
-        <a:xfrm>
-          <a:off x="0" y="0"/>
-          <a:ext cx="0" cy="0"/>
-          <a:chOff x="0" y="0"/>
-          <a:chExt cx="0" cy="0"/>
-        </a:xfrm>
-      </p:grpSpPr>
-      <p:sp>
-        <p:nvSpPr>
-          <p:cNvPr id="2" name="Title 1"/>
-          <p:cNvSpPr>
-            <a:spLocks noGrp="1"/>
-          </p:cNvSpPr>
-          <p:nvPr>
-            <p:ph type="title"/>
-          </p:nvPr>
-        </p:nvSpPr>
-        <p:spPr>
-          <a:xfrm>
-            <a:off x="1043490" y="1027664"/>
-            <a:ext cx="7024744" cy="501131"/>
-          </a:xfrm>
-        </p:spPr>
-        <p:txBody>
-          <a:bodyPr>
-            <a:normAutofit fontScale="90000"/>
-          </a:bodyPr>
-          <a:lstStyle/>
-          <a:p>
-            <a:r>
-              <a:rPr lang="en-US" dirty="0"/>
-              <a:t>Human Interface Design</a:t>
-            </a:r>
-          </a:p>
-        </p:txBody>
-      </p:sp>
-      <p:pic>
-        <p:nvPicPr>
-          <p:cNvPr id="4" name="Content Placeholder 3"/>
-          <p:cNvPicPr>
-            <a:picLocks noGrp="1" noChangeAspect="1"/>
-          </p:cNvPicPr>
-          <p:nvPr>
-            <p:ph idx="1"/>
-          </p:nvPr>
-        </p:nvPicPr>
-        <p:blipFill>
-          <a:blip r:embed="rId2"/>
-          <a:srcRect l="-19066" r="-19066"/>
-          <a:stretch>
-            <a:fillRect/>
-          </a:stretch>
-        </p:blipFill>
-        <p:spPr>
-          <a:xfrm>
-            <a:off x="1042989" y="1528763"/>
-            <a:ext cx="5032156" cy="3195637"/>
-          </a:xfrm>
-        </p:spPr>
-      </p:pic>
-    </p:spTree>
-    <p:extLst>
-      <p:ext uri="{BB962C8B-B14F-4D97-AF65-F5344CB8AC3E}">
-        <p14:creationId xmlns:p14="http://schemas.microsoft.com/office/powerpoint/2010/main" val="302170737"/>
-      </p:ext>
-    </p:extLst>
-  </p:cSld>
-  <p:clrMapOvr>
-    <a:masterClrMapping/>
-  </p:clrMapOvr>
-</p:sld>
-</file>
-
-<file path=ppt/slides/slide31.xml><?xml version="1.0" encoding="utf-8"?>
-<p:sld xmlns:a="http://schemas.openxmlformats.org/drawingml/2006/main" xmlns:r="http://schemas.openxmlformats.org/officeDocument/2006/relationships" xmlns:p="http://schemas.openxmlformats.org/presentationml/2006/main">
-  <p:cSld>
-    <p:spTree>
-      <p:nvGrpSpPr>
-        <p:cNvPr id="1" name=""/>
-        <p:cNvGrpSpPr/>
-        <p:nvPr/>
-      </p:nvGrpSpPr>
-      <p:grpSpPr>
-        <a:xfrm>
-          <a:off x="0" y="0"/>
-          <a:ext cx="0" cy="0"/>
-          <a:chOff x="0" y="0"/>
-          <a:chExt cx="0" cy="0"/>
-        </a:xfrm>
-      </p:grpSpPr>
-      <p:pic>
-        <p:nvPicPr>
-          <p:cNvPr id="4" name="Content Placeholder 3"/>
-          <p:cNvPicPr>
-            <a:picLocks noGrp="1" noChangeAspect="1"/>
-          </p:cNvPicPr>
-          <p:nvPr>
-            <p:ph idx="1"/>
-          </p:nvPr>
-        </p:nvPicPr>
-        <p:blipFill>
-          <a:blip r:embed="rId2"/>
-          <a:srcRect l="2309" r="2309"/>
-          <a:stretch>
-            <a:fillRect/>
-          </a:stretch>
-        </p:blipFill>
-        <p:spPr/>
-      </p:pic>
-      <p:sp>
-        <p:nvSpPr>
-          <p:cNvPr id="6" name="Title 1"/>
-          <p:cNvSpPr>
-            <a:spLocks noGrp="1"/>
-          </p:cNvSpPr>
-          <p:nvPr>
-            <p:ph type="title"/>
-          </p:nvPr>
-        </p:nvSpPr>
-        <p:spPr>
-          <a:xfrm>
-            <a:off x="1043490" y="1027664"/>
-            <a:ext cx="7024744" cy="501131"/>
-          </a:xfrm>
-        </p:spPr>
-        <p:txBody>
-          <a:bodyPr>
-            <a:normAutofit fontScale="90000"/>
-          </a:bodyPr>
-          <a:lstStyle/>
-          <a:p>
-            <a:r>
-              <a:rPr lang="en-US" dirty="0"/>
-              <a:t>Human Interface Design</a:t>
-            </a:r>
-          </a:p>
-        </p:txBody>
-      </p:sp>
-    </p:spTree>
-    <p:extLst>
-      <p:ext uri="{BB962C8B-B14F-4D97-AF65-F5344CB8AC3E}">
-        <p14:creationId xmlns:p14="http://schemas.microsoft.com/office/powerpoint/2010/main" val="2750094236"/>
-      </p:ext>
-    </p:extLst>
-  </p:cSld>
-  <p:clrMapOvr>
-    <a:masterClrMapping/>
-  </p:clrMapOvr>
-</p:sld>
-</file>
-
-<file path=ppt/slides/slide32.xml><?xml version="1.0" encoding="utf-8"?>
-<p:sld xmlns:a="http://schemas.openxmlformats.org/drawingml/2006/main" xmlns:r="http://schemas.openxmlformats.org/officeDocument/2006/relationships" xmlns:p="http://schemas.openxmlformats.org/presentationml/2006/main">
-  <p:cSld>
-    <p:spTree>
-      <p:nvGrpSpPr>
-        <p:cNvPr id="1" name=""/>
-        <p:cNvGrpSpPr/>
-        <p:nvPr/>
-      </p:nvGrpSpPr>
-      <p:grpSpPr>
-        <a:xfrm>
-          <a:off x="0" y="0"/>
-          <a:ext cx="0" cy="0"/>
-          <a:chOff x="0" y="0"/>
-          <a:chExt cx="0" cy="0"/>
-        </a:xfrm>
-      </p:grpSpPr>
-      <p:sp>
-        <p:nvSpPr>
-          <p:cNvPr id="2" name="Title 1"/>
-          <p:cNvSpPr>
-            <a:spLocks noGrp="1"/>
-          </p:cNvSpPr>
-          <p:nvPr>
-            <p:ph type="title"/>
-          </p:nvPr>
-        </p:nvSpPr>
-        <p:spPr>
-          <a:xfrm>
-            <a:off x="1043490" y="641291"/>
-            <a:ext cx="7024744" cy="638582"/>
-          </a:xfrm>
-        </p:spPr>
-        <p:txBody>
-          <a:bodyPr>
-            <a:normAutofit fontScale="90000"/>
-          </a:bodyPr>
-          <a:lstStyle/>
-          <a:p>
-            <a:r>
-              <a:rPr lang="en-US" dirty="0" smtClean="0"/>
-              <a:t>Human Interface Design</a:t>
-            </a:r>
-            <a:endParaRPr lang="en-US" dirty="0"/>
-          </a:p>
-        </p:txBody>
-      </p:sp>
-      <p:sp>
-        <p:nvSpPr>
-          <p:cNvPr id="3" name="Rectangle 2"/>
-          <p:cNvSpPr>
-            <a:spLocks noChangeArrowheads="1"/>
-          </p:cNvSpPr>
-          <p:nvPr/>
-        </p:nvSpPr>
-        <p:spPr bwMode="auto">
-          <a:xfrm>
-            <a:off x="0" y="0"/>
-            <a:ext cx="9144000" cy="0"/>
-          </a:xfrm>
-          <a:prstGeom prst="rect">
-            <a:avLst/>
-          </a:prstGeom>
-          <a:noFill/>
-          <a:ln>
-            <a:noFill/>
-          </a:ln>
-          <a:effectLst/>
-          <a:extLst>
-            <a:ext uri="{909E8E84-426E-40dd-AFC4-6F175D3DCCD1}">
-              <a14:hiddenFill xmlns:a14="http://schemas.microsoft.com/office/drawing/2010/main">
-                <a:solidFill>
-                  <a:schemeClr val="accent1"/>
-                </a:solidFill>
-              </a14:hiddenFill>
-            </a:ext>
-            <a:ext uri="{91240B29-F687-4f45-9708-019B960494DF}">
-              <a14:hiddenLine xmlns:a14="http://schemas.microsoft.com/office/drawing/2010/main" w="9525">
-                <a:solidFill>
-                  <a:schemeClr val="tx1"/>
-                </a:solidFill>
-                <a:miter lim="800000"/>
-                <a:headEnd/>
-                <a:tailEnd/>
-              </a14:hiddenLine>
-            </a:ext>
-            <a:ext uri="{AF507438-7753-43e0-B8FC-AC1667EBCBE1}">
-              <a14:hiddenEffects xmlns:a14="http://schemas.microsoft.com/office/drawing/2010/main">
-                <a:effectLst>
-                  <a:outerShdw dist="35921" dir="2700000" algn="ctr" rotWithShape="0">
-                    <a:schemeClr val="bg2"/>
-                  </a:outerShdw>
-                </a:effectLst>
-              </a14:hiddenEffects>
-            </a:ext>
-          </a:extLst>
-        </p:spPr>
-        <p:txBody>
-          <a:bodyPr vert="horz" wrap="none" lIns="91440" tIns="45720" rIns="91440" bIns="45720" numCol="1" anchor="ctr" anchorCtr="0" compatLnSpc="1">
-            <a:prstTxWarp prst="textNoShape">
-              <a:avLst/>
-            </a:prstTxWarp>
-            <a:spAutoFit/>
-          </a:bodyPr>
-          <a:lstStyle/>
-          <a:p>
-            <a:endParaRPr lang="en-US"/>
-          </a:p>
-        </p:txBody>
-      </p:sp>
-      <p:sp>
-        <p:nvSpPr>
-          <p:cNvPr id="5" name="Rectangle 2"/>
-          <p:cNvSpPr>
-            <a:spLocks noChangeArrowheads="1"/>
-          </p:cNvSpPr>
-          <p:nvPr/>
-        </p:nvSpPr>
-        <p:spPr bwMode="auto">
-          <a:xfrm>
-            <a:off x="0" y="0"/>
-            <a:ext cx="9144000" cy="0"/>
-          </a:xfrm>
-          <a:prstGeom prst="rect">
-            <a:avLst/>
-          </a:prstGeom>
-          <a:noFill/>
-          <a:ln>
-            <a:noFill/>
-          </a:ln>
-          <a:effectLst/>
-          <a:extLst>
-            <a:ext uri="{909E8E84-426E-40dd-AFC4-6F175D3DCCD1}">
-              <a14:hiddenFill xmlns:a14="http://schemas.microsoft.com/office/drawing/2010/main">
-                <a:solidFill>
-                  <a:schemeClr val="accent1"/>
-                </a:solidFill>
-              </a14:hiddenFill>
-            </a:ext>
-            <a:ext uri="{91240B29-F687-4f45-9708-019B960494DF}">
-              <a14:hiddenLine xmlns:a14="http://schemas.microsoft.com/office/drawing/2010/main" w="9525">
-                <a:solidFill>
-                  <a:schemeClr val="tx1"/>
-                </a:solidFill>
-                <a:miter lim="800000"/>
-                <a:headEnd/>
-                <a:tailEnd/>
-              </a14:hiddenLine>
-            </a:ext>
-            <a:ext uri="{AF507438-7753-43e0-B8FC-AC1667EBCBE1}">
-              <a14:hiddenEffects xmlns:a14="http://schemas.microsoft.com/office/drawing/2010/main">
-                <a:effectLst>
-                  <a:outerShdw dist="35921" dir="2700000" algn="ctr" rotWithShape="0">
-                    <a:schemeClr val="bg2"/>
-                  </a:outerShdw>
-                </a:effectLst>
-              </a14:hiddenEffects>
-            </a:ext>
-          </a:extLst>
-        </p:spPr>
-        <p:txBody>
-          <a:bodyPr vert="horz" wrap="none" lIns="91440" tIns="45720" rIns="91440" bIns="45720" numCol="1" anchor="ctr" anchorCtr="0" compatLnSpc="1">
-            <a:prstTxWarp prst="textNoShape">
-              <a:avLst/>
-            </a:prstTxWarp>
-            <a:spAutoFit/>
-          </a:bodyPr>
-          <a:lstStyle/>
-          <a:p>
-            <a:endParaRPr lang="en-US"/>
-          </a:p>
-        </p:txBody>
-      </p:sp>
-      <p:pic>
-        <p:nvPicPr>
-          <p:cNvPr id="8" name="Picture 7"/>
-          <p:cNvPicPr/>
-          <p:nvPr/>
-        </p:nvPicPr>
-        <p:blipFill>
-          <a:blip r:embed="rId3" cstate="email">
-            <a:extLst>
-              <a:ext uri="{28A0092B-C50C-407E-A947-70E740481C1C}">
-                <a14:useLocalDpi xmlns:a14="http://schemas.microsoft.com/office/drawing/2010/main" val="0"/>
-              </a:ext>
-            </a:extLst>
-          </a:blip>
-          <a:srcRect/>
-          <a:stretch>
-            <a:fillRect/>
-          </a:stretch>
-        </p:blipFill>
-        <p:spPr bwMode="auto">
-          <a:xfrm>
-            <a:off x="477173" y="2419927"/>
-            <a:ext cx="4981518" cy="2767560"/>
-          </a:xfrm>
-          <a:prstGeom prst="rect">
-            <a:avLst/>
-          </a:prstGeom>
-          <a:noFill/>
-          <a:ln>
-            <a:noFill/>
-          </a:ln>
-        </p:spPr>
-      </p:pic>
-      <p:sp>
-        <p:nvSpPr>
-          <p:cNvPr id="4" name="Rectangle 2"/>
-          <p:cNvSpPr>
-            <a:spLocks noChangeArrowheads="1"/>
-          </p:cNvSpPr>
-          <p:nvPr/>
-        </p:nvSpPr>
-        <p:spPr bwMode="auto">
-          <a:xfrm>
-            <a:off x="0" y="0"/>
-            <a:ext cx="9144000" cy="0"/>
-          </a:xfrm>
-          <a:prstGeom prst="rect">
-            <a:avLst/>
-          </a:prstGeom>
-          <a:noFill/>
-          <a:ln>
-            <a:noFill/>
-          </a:ln>
-          <a:effectLst/>
-          <a:extLst>
-            <a:ext uri="{909E8E84-426E-40dd-AFC4-6F175D3DCCD1}">
-              <a14:hiddenFill xmlns:a14="http://schemas.microsoft.com/office/drawing/2010/main">
-                <a:solidFill>
-                  <a:schemeClr val="accent1"/>
-                </a:solidFill>
-              </a14:hiddenFill>
-            </a:ext>
-            <a:ext uri="{91240B29-F687-4f45-9708-019B960494DF}">
-              <a14:hiddenLine xmlns:a14="http://schemas.microsoft.com/office/drawing/2010/main" w="9525">
-                <a:solidFill>
-                  <a:schemeClr val="tx1"/>
-                </a:solidFill>
-                <a:miter lim="800000"/>
-                <a:headEnd/>
-                <a:tailEnd/>
-              </a14:hiddenLine>
-            </a:ext>
-            <a:ext uri="{AF507438-7753-43e0-B8FC-AC1667EBCBE1}">
-              <a14:hiddenEffects xmlns:a14="http://schemas.microsoft.com/office/drawing/2010/main">
-                <a:effectLst>
-                  <a:outerShdw dist="35921" dir="2700000" algn="ctr" rotWithShape="0">
-                    <a:schemeClr val="bg2"/>
-                  </a:outerShdw>
-                </a:effectLst>
-              </a14:hiddenEffects>
-            </a:ext>
-          </a:extLst>
-        </p:spPr>
-        <p:txBody>
-          <a:bodyPr vert="horz" wrap="none" lIns="91440" tIns="45720" rIns="91440" bIns="45720" numCol="1" anchor="ctr" anchorCtr="0" compatLnSpc="1">
-            <a:prstTxWarp prst="textNoShape">
-              <a:avLst/>
-            </a:prstTxWarp>
-            <a:spAutoFit/>
-          </a:bodyPr>
-          <a:lstStyle/>
-          <a:p>
-            <a:endParaRPr lang="en-US"/>
-          </a:p>
-        </p:txBody>
-      </p:sp>
-      <p:graphicFrame>
-        <p:nvGraphicFramePr>
-          <p:cNvPr id="6" name="Object 5"/>
-          <p:cNvGraphicFramePr>
-            <a:graphicFrameLocks noChangeAspect="1"/>
-          </p:cNvGraphicFramePr>
-          <p:nvPr>
-            <p:extLst>
-              <p:ext uri="{D42A27DB-BD31-4B8C-83A1-F6EECF244321}">
-                <p14:modId xmlns:p14="http://schemas.microsoft.com/office/powerpoint/2010/main" val="3607041668"/>
-              </p:ext>
-            </p:extLst>
-          </p:nvPr>
-        </p:nvGraphicFramePr>
-        <p:xfrm>
-          <a:off x="5458691" y="1279873"/>
-          <a:ext cx="3209925" cy="5086350"/>
-        </p:xfrm>
-        <a:graphic>
-          <a:graphicData uri="http://schemas.openxmlformats.org/presentationml/2006/ole">
-            <mc:AlternateContent xmlns:mc="http://schemas.openxmlformats.org/markup-compatibility/2006">
-              <mc:Choice xmlns:v="urn:schemas-microsoft-com:vml" Requires="v">
-                <p:oleObj spid="_x0000_s38923" name="Visio" r:id="rId4" imgW="3204214" imgH="5082432" progId="">
-                  <p:embed/>
-                </p:oleObj>
-              </mc:Choice>
-              <mc:Fallback>
-                <p:oleObj name="Visio" r:id="rId4" imgW="3204214" imgH="5082432" progId="">
-                  <p:embed/>
-                  <p:pic>
-                    <p:nvPicPr>
-                      <p:cNvPr id="0" name="Picture 4"/>
-                      <p:cNvPicPr>
-                        <a:picLocks noChangeAspect="1" noChangeArrowheads="1"/>
-                      </p:cNvPicPr>
-                      <p:nvPr/>
-                    </p:nvPicPr>
-                    <p:blipFill>
-                      <a:blip r:embed="rId5">
-                        <a:extLst>
-                          <a:ext uri="{28A0092B-C50C-407E-A947-70E740481C1C}">
-                            <a14:useLocalDpi xmlns:a14="http://schemas.microsoft.com/office/drawing/2010/main" val="0"/>
-                          </a:ext>
-                        </a:extLst>
-                      </a:blip>
-                      <a:srcRect/>
-                      <a:stretch>
-                        <a:fillRect/>
-                      </a:stretch>
-                    </p:blipFill>
-                    <p:spPr bwMode="auto">
-                      <a:xfrm>
-                        <a:off x="5458691" y="1279873"/>
-                        <a:ext cx="3209925" cy="5086350"/>
-                      </a:xfrm>
-                      <a:prstGeom prst="rect">
-                        <a:avLst/>
-                      </a:prstGeom>
-                      <a:noFill/>
-                      <a:extLst>
-                        <a:ext uri="{909E8E84-426E-40dd-AFC4-6F175D3DCCD1}">
-                          <a14:hiddenFill xmlns:a14="http://schemas.microsoft.com/office/drawing/2010/main">
-                            <a:solidFill>
-                              <a:srgbClr val="FFFFFF"/>
-                            </a:solidFill>
-                          </a14:hiddenFill>
-                        </a:ext>
-                      </a:extLst>
-                    </p:spPr>
-                  </p:pic>
-                </p:oleObj>
-              </mc:Fallback>
-            </mc:AlternateContent>
-          </a:graphicData>
-        </a:graphic>
-      </p:graphicFrame>
-    </p:spTree>
-    <p:extLst>
-      <p:ext uri="{BB962C8B-B14F-4D97-AF65-F5344CB8AC3E}">
-        <p14:creationId xmlns:p14="http://schemas.microsoft.com/office/powerpoint/2010/main" val="2227559208"/>
-      </p:ext>
-    </p:extLst>
-  </p:cSld>
-  <p:clrMapOvr>
-    <a:masterClrMapping/>
-  </p:clrMapOvr>
-  <p:timing>
-    <p:tnLst>
-      <p:par>
-        <p:cTn xmlns:p14="http://schemas.microsoft.com/office/powerpoint/2010/main" id="1" dur="indefinite" restart="never" nodeType="tmRoot"/>
-      </p:par>
-    </p:tnLst>
-  </p:timing>
-</p:sld>
-</file>
-
-<file path=ppt/slides/slide33.xml><?xml version="1.0" encoding="utf-8"?>
-<p:sld xmlns:a="http://schemas.openxmlformats.org/drawingml/2006/main" xmlns:r="http://schemas.openxmlformats.org/officeDocument/2006/relationships" xmlns:p="http://schemas.openxmlformats.org/presentationml/2006/main">
-  <p:cSld>
-    <p:spTree>
-      <p:nvGrpSpPr>
-        <p:cNvPr id="1" name=""/>
-        <p:cNvGrpSpPr/>
-        <p:nvPr/>
-      </p:nvGrpSpPr>
-      <p:grpSpPr>
-        <a:xfrm>
-          <a:off x="0" y="0"/>
-          <a:ext cx="0" cy="0"/>
-          <a:chOff x="0" y="0"/>
-          <a:chExt cx="0" cy="0"/>
-        </a:xfrm>
-      </p:grpSpPr>
-      <p:sp>
-        <p:nvSpPr>
-          <p:cNvPr id="2" name="Title 1"/>
-          <p:cNvSpPr>
-            <a:spLocks noGrp="1"/>
-          </p:cNvSpPr>
-          <p:nvPr>
-            <p:ph type="title"/>
-          </p:nvPr>
-        </p:nvSpPr>
-        <p:spPr>
-          <a:xfrm>
-            <a:off x="1043490" y="641291"/>
-            <a:ext cx="7024744" cy="638582"/>
-          </a:xfrm>
-        </p:spPr>
-        <p:txBody>
-          <a:bodyPr>
-            <a:normAutofit fontScale="90000"/>
-          </a:bodyPr>
-          <a:lstStyle/>
-          <a:p>
-            <a:r>
-              <a:rPr lang="en-US" dirty="0" smtClean="0"/>
-              <a:t>Human Interface Design</a:t>
-            </a:r>
-            <a:endParaRPr lang="en-US" dirty="0"/>
-          </a:p>
-        </p:txBody>
-      </p:sp>
-      <p:sp>
-        <p:nvSpPr>
-          <p:cNvPr id="3" name="Rectangle 2"/>
-          <p:cNvSpPr>
-            <a:spLocks noChangeArrowheads="1"/>
-          </p:cNvSpPr>
-          <p:nvPr/>
-        </p:nvSpPr>
-        <p:spPr bwMode="auto">
-          <a:xfrm>
-            <a:off x="0" y="0"/>
-            <a:ext cx="9144000" cy="0"/>
-          </a:xfrm>
-          <a:prstGeom prst="rect">
-            <a:avLst/>
-          </a:prstGeom>
-          <a:noFill/>
-          <a:ln>
-            <a:noFill/>
-          </a:ln>
-          <a:effectLst/>
-          <a:extLst>
-            <a:ext uri="{909E8E84-426E-40dd-AFC4-6F175D3DCCD1}">
-              <a14:hiddenFill xmlns:a14="http://schemas.microsoft.com/office/drawing/2010/main">
-                <a:solidFill>
-                  <a:schemeClr val="accent1"/>
-                </a:solidFill>
-              </a14:hiddenFill>
-            </a:ext>
-            <a:ext uri="{91240B29-F687-4f45-9708-019B960494DF}">
-              <a14:hiddenLine xmlns:a14="http://schemas.microsoft.com/office/drawing/2010/main" w="9525">
-                <a:solidFill>
-                  <a:schemeClr val="tx1"/>
-                </a:solidFill>
-                <a:miter lim="800000"/>
-                <a:headEnd/>
-                <a:tailEnd/>
-              </a14:hiddenLine>
-            </a:ext>
-            <a:ext uri="{AF507438-7753-43e0-B8FC-AC1667EBCBE1}">
-              <a14:hiddenEffects xmlns:a14="http://schemas.microsoft.com/office/drawing/2010/main">
-                <a:effectLst>
-                  <a:outerShdw dist="35921" dir="2700000" algn="ctr" rotWithShape="0">
-                    <a:schemeClr val="bg2"/>
-                  </a:outerShdw>
-                </a:effectLst>
-              </a14:hiddenEffects>
-            </a:ext>
-          </a:extLst>
-        </p:spPr>
-        <p:txBody>
-          <a:bodyPr vert="horz" wrap="none" lIns="91440" tIns="45720" rIns="91440" bIns="45720" numCol="1" anchor="ctr" anchorCtr="0" compatLnSpc="1">
-            <a:prstTxWarp prst="textNoShape">
-              <a:avLst/>
-            </a:prstTxWarp>
-            <a:spAutoFit/>
-          </a:bodyPr>
-          <a:lstStyle/>
-          <a:p>
-            <a:endParaRPr lang="en-US"/>
-          </a:p>
-        </p:txBody>
-      </p:sp>
-      <p:sp>
-        <p:nvSpPr>
-          <p:cNvPr id="5" name="Rectangle 2"/>
-          <p:cNvSpPr>
-            <a:spLocks noChangeArrowheads="1"/>
-          </p:cNvSpPr>
-          <p:nvPr/>
-        </p:nvSpPr>
-        <p:spPr bwMode="auto">
-          <a:xfrm>
-            <a:off x="0" y="0"/>
-            <a:ext cx="9144000" cy="0"/>
-          </a:xfrm>
-          <a:prstGeom prst="rect">
-            <a:avLst/>
-          </a:prstGeom>
-          <a:noFill/>
-          <a:ln>
-            <a:noFill/>
-          </a:ln>
-          <a:effectLst/>
-          <a:extLst>
-            <a:ext uri="{909E8E84-426E-40dd-AFC4-6F175D3DCCD1}">
-              <a14:hiddenFill xmlns:a14="http://schemas.microsoft.com/office/drawing/2010/main">
-                <a:solidFill>
-                  <a:schemeClr val="accent1"/>
-                </a:solidFill>
-              </a14:hiddenFill>
-            </a:ext>
-            <a:ext uri="{91240B29-F687-4f45-9708-019B960494DF}">
-              <a14:hiddenLine xmlns:a14="http://schemas.microsoft.com/office/drawing/2010/main" w="9525">
-                <a:solidFill>
-                  <a:schemeClr val="tx1"/>
-                </a:solidFill>
-                <a:miter lim="800000"/>
-                <a:headEnd/>
-                <a:tailEnd/>
-              </a14:hiddenLine>
-            </a:ext>
-            <a:ext uri="{AF507438-7753-43e0-B8FC-AC1667EBCBE1}">
-              <a14:hiddenEffects xmlns:a14="http://schemas.microsoft.com/office/drawing/2010/main">
+              <a14:hiddenEffects xmlns:a14="http://schemas.microsoft.com/office/drawing/2010/main" xmlns="">
                 <a:effectLst>
                   <a:outerShdw dist="35921" dir="2700000" algn="ctr" rotWithShape="0">
                     <a:schemeClr val="bg2"/>
@@ -26898,14 +25464,14 @@
           <a:effectLst/>
           <a:extLst>
             <a:ext uri="{909E8E84-426E-40dd-AFC4-6F175D3DCCD1}">
-              <a14:hiddenFill xmlns:a14="http://schemas.microsoft.com/office/drawing/2010/main">
+              <a14:hiddenFill xmlns:a14="http://schemas.microsoft.com/office/drawing/2010/main" xmlns="">
                 <a:solidFill>
                   <a:schemeClr val="accent1"/>
                 </a:solidFill>
               </a14:hiddenFill>
             </a:ext>
             <a:ext uri="{91240B29-F687-4f45-9708-019B960494DF}">
-              <a14:hiddenLine xmlns:a14="http://schemas.microsoft.com/office/drawing/2010/main" w="9525">
+              <a14:hiddenLine xmlns:a14="http://schemas.microsoft.com/office/drawing/2010/main" xmlns="" w="9525">
                 <a:solidFill>
                   <a:schemeClr val="tx1"/>
                 </a:solidFill>
@@ -26915,7 +25481,7 @@
               </a14:hiddenLine>
             </a:ext>
             <a:ext uri="{AF507438-7753-43e0-B8FC-AC1667EBCBE1}">
-              <a14:hiddenEffects xmlns:a14="http://schemas.microsoft.com/office/drawing/2010/main">
+              <a14:hiddenEffects xmlns:a14="http://schemas.microsoft.com/office/drawing/2010/main" xmlns="">
                 <a:effectLst>
                   <a:outerShdw dist="35921" dir="2700000" algn="ctr" rotWithShape="0">
                     <a:schemeClr val="bg2"/>
@@ -27001,7 +25567,7 @@
     </p:spTree>
     <p:extLst>
       <p:ext uri="{BB962C8B-B14F-4D97-AF65-F5344CB8AC3E}">
-        <p14:creationId xmlns:p14="http://schemas.microsoft.com/office/powerpoint/2010/main" val="273623958"/>
+        <p14:creationId xmlns:p14="http://schemas.microsoft.com/office/powerpoint/2010/main" xmlns="" val="273623958"/>
       </p:ext>
     </p:extLst>
   </p:cSld>
@@ -27011,7 +25577,1393 @@
   <p:timing>
     <p:tnLst>
       <p:par>
-        <p:cTn xmlns:p14="http://schemas.microsoft.com/office/powerpoint/2010/main" id="1" dur="indefinite" restart="never" nodeType="tmRoot"/>
+        <p:cTn id="1" dur="indefinite" restart="never" nodeType="tmRoot"/>
+      </p:par>
+    </p:tnLst>
+  </p:timing>
+</p:sld>
+</file>
+
+<file path=ppt/slides/slide28.xml><?xml version="1.0" encoding="utf-8"?>
+<p:sld xmlns:a="http://schemas.openxmlformats.org/drawingml/2006/main" xmlns:r="http://schemas.openxmlformats.org/officeDocument/2006/relationships" xmlns:p="http://schemas.openxmlformats.org/presentationml/2006/main">
+  <p:cSld>
+    <p:spTree>
+      <p:nvGrpSpPr>
+        <p:cNvPr id="1" name=""/>
+        <p:cNvGrpSpPr/>
+        <p:nvPr/>
+      </p:nvGrpSpPr>
+      <p:grpSpPr>
+        <a:xfrm>
+          <a:off x="0" y="0"/>
+          <a:ext cx="0" cy="0"/>
+          <a:chOff x="0" y="0"/>
+          <a:chExt cx="0" cy="0"/>
+        </a:xfrm>
+      </p:grpSpPr>
+      <p:sp>
+        <p:nvSpPr>
+          <p:cNvPr id="2" name="Title 1"/>
+          <p:cNvSpPr>
+            <a:spLocks noGrp="1"/>
+          </p:cNvSpPr>
+          <p:nvPr>
+            <p:ph type="title"/>
+          </p:nvPr>
+        </p:nvSpPr>
+        <p:spPr>
+          <a:xfrm>
+            <a:off x="1043490" y="641291"/>
+            <a:ext cx="7024744" cy="638582"/>
+          </a:xfrm>
+        </p:spPr>
+        <p:txBody>
+          <a:bodyPr>
+            <a:normAutofit fontScale="90000"/>
+          </a:bodyPr>
+          <a:lstStyle/>
+          <a:p>
+            <a:r>
+              <a:rPr lang="en-US" dirty="0" smtClean="0"/>
+              <a:t>Human Interface Design</a:t>
+            </a:r>
+            <a:endParaRPr lang="en-US" dirty="0"/>
+          </a:p>
+        </p:txBody>
+      </p:sp>
+      <p:sp>
+        <p:nvSpPr>
+          <p:cNvPr id="3" name="Rectangle 2"/>
+          <p:cNvSpPr>
+            <a:spLocks noChangeArrowheads="1"/>
+          </p:cNvSpPr>
+          <p:nvPr/>
+        </p:nvSpPr>
+        <p:spPr bwMode="auto">
+          <a:xfrm>
+            <a:off x="0" y="0"/>
+            <a:ext cx="9144000" cy="0"/>
+          </a:xfrm>
+          <a:prstGeom prst="rect">
+            <a:avLst/>
+          </a:prstGeom>
+          <a:noFill/>
+          <a:ln>
+            <a:noFill/>
+          </a:ln>
+          <a:effectLst/>
+          <a:extLst>
+            <a:ext uri="{909E8E84-426E-40dd-AFC4-6F175D3DCCD1}">
+              <a14:hiddenFill xmlns:a14="http://schemas.microsoft.com/office/drawing/2010/main" xmlns="">
+                <a:solidFill>
+                  <a:schemeClr val="accent1"/>
+                </a:solidFill>
+              </a14:hiddenFill>
+            </a:ext>
+            <a:ext uri="{91240B29-F687-4f45-9708-019B960494DF}">
+              <a14:hiddenLine xmlns:a14="http://schemas.microsoft.com/office/drawing/2010/main" xmlns="" w="9525">
+                <a:solidFill>
+                  <a:schemeClr val="tx1"/>
+                </a:solidFill>
+                <a:miter lim="800000"/>
+                <a:headEnd/>
+                <a:tailEnd/>
+              </a14:hiddenLine>
+            </a:ext>
+            <a:ext uri="{AF507438-7753-43e0-B8FC-AC1667EBCBE1}">
+              <a14:hiddenEffects xmlns:a14="http://schemas.microsoft.com/office/drawing/2010/main" xmlns="">
+                <a:effectLst>
+                  <a:outerShdw dist="35921" dir="2700000" algn="ctr" rotWithShape="0">
+                    <a:schemeClr val="bg2"/>
+                  </a:outerShdw>
+                </a:effectLst>
+              </a14:hiddenEffects>
+            </a:ext>
+          </a:extLst>
+        </p:spPr>
+        <p:txBody>
+          <a:bodyPr vert="horz" wrap="none" lIns="91440" tIns="45720" rIns="91440" bIns="45720" numCol="1" anchor="ctr" anchorCtr="0" compatLnSpc="1">
+            <a:prstTxWarp prst="textNoShape">
+              <a:avLst/>
+            </a:prstTxWarp>
+            <a:spAutoFit/>
+          </a:bodyPr>
+          <a:lstStyle/>
+          <a:p>
+            <a:endParaRPr lang="en-US"/>
+          </a:p>
+        </p:txBody>
+      </p:sp>
+      <p:pic>
+        <p:nvPicPr>
+          <p:cNvPr id="6" name="Picture" descr="A description..."/>
+          <p:cNvPicPr/>
+          <p:nvPr/>
+        </p:nvPicPr>
+        <p:blipFill>
+          <a:blip r:embed="rId3" cstate="print"/>
+          <a:srcRect/>
+          <a:stretch>
+            <a:fillRect/>
+          </a:stretch>
+        </p:blipFill>
+        <p:spPr bwMode="auto">
+          <a:xfrm>
+            <a:off x="482600" y="1551710"/>
+            <a:ext cx="6851073" cy="4626436"/>
+          </a:xfrm>
+          <a:prstGeom prst="rect">
+            <a:avLst/>
+          </a:prstGeom>
+          <a:noFill/>
+          <a:ln w="9525">
+            <a:noFill/>
+            <a:miter lim="800000"/>
+            <a:headEnd/>
+            <a:tailEnd/>
+          </a:ln>
+        </p:spPr>
+      </p:pic>
+      <p:sp>
+        <p:nvSpPr>
+          <p:cNvPr id="5" name="Rectangle 2"/>
+          <p:cNvSpPr>
+            <a:spLocks noChangeArrowheads="1"/>
+          </p:cNvSpPr>
+          <p:nvPr/>
+        </p:nvSpPr>
+        <p:spPr bwMode="auto">
+          <a:xfrm>
+            <a:off x="0" y="0"/>
+            <a:ext cx="9144000" cy="0"/>
+          </a:xfrm>
+          <a:prstGeom prst="rect">
+            <a:avLst/>
+          </a:prstGeom>
+          <a:noFill/>
+          <a:ln>
+            <a:noFill/>
+          </a:ln>
+          <a:effectLst/>
+          <a:extLst>
+            <a:ext uri="{909E8E84-426E-40dd-AFC4-6F175D3DCCD1}">
+              <a14:hiddenFill xmlns:a14="http://schemas.microsoft.com/office/drawing/2010/main" xmlns="">
+                <a:solidFill>
+                  <a:schemeClr val="accent1"/>
+                </a:solidFill>
+              </a14:hiddenFill>
+            </a:ext>
+            <a:ext uri="{91240B29-F687-4f45-9708-019B960494DF}">
+              <a14:hiddenLine xmlns:a14="http://schemas.microsoft.com/office/drawing/2010/main" xmlns="" w="9525">
+                <a:solidFill>
+                  <a:schemeClr val="tx1"/>
+                </a:solidFill>
+                <a:miter lim="800000"/>
+                <a:headEnd/>
+                <a:tailEnd/>
+              </a14:hiddenLine>
+            </a:ext>
+            <a:ext uri="{AF507438-7753-43e0-B8FC-AC1667EBCBE1}">
+              <a14:hiddenEffects xmlns:a14="http://schemas.microsoft.com/office/drawing/2010/main" xmlns="">
+                <a:effectLst>
+                  <a:outerShdw dist="35921" dir="2700000" algn="ctr" rotWithShape="0">
+                    <a:schemeClr val="bg2"/>
+                  </a:outerShdw>
+                </a:effectLst>
+              </a14:hiddenEffects>
+            </a:ext>
+          </a:extLst>
+        </p:spPr>
+        <p:txBody>
+          <a:bodyPr vert="horz" wrap="none" lIns="91440" tIns="45720" rIns="91440" bIns="45720" numCol="1" anchor="ctr" anchorCtr="0" compatLnSpc="1">
+            <a:prstTxWarp prst="textNoShape">
+              <a:avLst/>
+            </a:prstTxWarp>
+            <a:spAutoFit/>
+          </a:bodyPr>
+          <a:lstStyle/>
+          <a:p>
+            <a:endParaRPr lang="en-US"/>
+          </a:p>
+        </p:txBody>
+      </p:sp>
+      <p:graphicFrame>
+        <p:nvGraphicFramePr>
+          <p:cNvPr id="8" name="Object 7"/>
+          <p:cNvGraphicFramePr>
+            <a:graphicFrameLocks noChangeAspect="1"/>
+          </p:cNvGraphicFramePr>
+          <p:nvPr>
+            <p:extLst>
+              <p:ext uri="{D42A27DB-BD31-4B8C-83A1-F6EECF244321}">
+                <p14:modId xmlns:p14="http://schemas.microsoft.com/office/powerpoint/2010/main" xmlns="" val="1552680796"/>
+              </p:ext>
+            </p:extLst>
+          </p:nvPr>
+        </p:nvGraphicFramePr>
+        <p:xfrm>
+          <a:off x="7213600" y="933016"/>
+          <a:ext cx="1447800" cy="5324475"/>
+        </p:xfrm>
+        <a:graphic>
+          <a:graphicData uri="http://schemas.openxmlformats.org/presentationml/2006/ole">
+            <p:oleObj spid="_x0000_s37905" name="Visio" r:id="rId4" imgW="1447108" imgH="5311032" progId="">
+              <p:embed/>
+            </p:oleObj>
+          </a:graphicData>
+        </a:graphic>
+      </p:graphicFrame>
+    </p:spTree>
+    <p:extLst>
+      <p:ext uri="{BB962C8B-B14F-4D97-AF65-F5344CB8AC3E}">
+        <p14:creationId xmlns:p14="http://schemas.microsoft.com/office/powerpoint/2010/main" xmlns="" val="2798939284"/>
+      </p:ext>
+    </p:extLst>
+  </p:cSld>
+  <p:clrMapOvr>
+    <a:masterClrMapping/>
+  </p:clrMapOvr>
+  <p:timing>
+    <p:tnLst>
+      <p:par>
+        <p:cTn id="1" dur="indefinite" restart="never" nodeType="tmRoot"/>
+      </p:par>
+    </p:tnLst>
+  </p:timing>
+</p:sld>
+</file>
+
+<file path=ppt/slides/slide29.xml><?xml version="1.0" encoding="utf-8"?>
+<p:sld xmlns:a="http://schemas.openxmlformats.org/drawingml/2006/main" xmlns:r="http://schemas.openxmlformats.org/officeDocument/2006/relationships" xmlns:p="http://schemas.openxmlformats.org/presentationml/2006/main">
+  <p:cSld>
+    <p:spTree>
+      <p:nvGrpSpPr>
+        <p:cNvPr id="1" name=""/>
+        <p:cNvGrpSpPr/>
+        <p:nvPr/>
+      </p:nvGrpSpPr>
+      <p:grpSpPr>
+        <a:xfrm>
+          <a:off x="0" y="0"/>
+          <a:ext cx="0" cy="0"/>
+          <a:chOff x="0" y="0"/>
+          <a:chExt cx="0" cy="0"/>
+        </a:xfrm>
+      </p:grpSpPr>
+      <p:sp>
+        <p:nvSpPr>
+          <p:cNvPr id="2" name="Title 1"/>
+          <p:cNvSpPr>
+            <a:spLocks noGrp="1"/>
+          </p:cNvSpPr>
+          <p:nvPr>
+            <p:ph type="title"/>
+          </p:nvPr>
+        </p:nvSpPr>
+        <p:spPr>
+          <a:xfrm>
+            <a:off x="1043490" y="641290"/>
+            <a:ext cx="7024744" cy="1283043"/>
+          </a:xfrm>
+        </p:spPr>
+        <p:txBody>
+          <a:bodyPr>
+            <a:normAutofit fontScale="90000"/>
+          </a:bodyPr>
+          <a:lstStyle/>
+          <a:p>
+            <a:r>
+              <a:rPr lang="en-US" dirty="0" smtClean="0"/>
+              <a:t>Human Interface Design</a:t>
+            </a:r>
+            <a:br>
+              <a:rPr lang="en-US" dirty="0" smtClean="0"/>
+            </a:br>
+            <a:r>
+              <a:rPr lang="en-US" dirty="0" smtClean="0"/>
+              <a:t>Dashboard View</a:t>
+            </a:r>
+            <a:endParaRPr lang="en-US" dirty="0"/>
+          </a:p>
+        </p:txBody>
+      </p:sp>
+      <p:sp>
+        <p:nvSpPr>
+          <p:cNvPr id="3" name="Rectangle 2"/>
+          <p:cNvSpPr>
+            <a:spLocks noChangeArrowheads="1"/>
+          </p:cNvSpPr>
+          <p:nvPr/>
+        </p:nvSpPr>
+        <p:spPr bwMode="auto">
+          <a:xfrm>
+            <a:off x="0" y="0"/>
+            <a:ext cx="9144000" cy="0"/>
+          </a:xfrm>
+          <a:prstGeom prst="rect">
+            <a:avLst/>
+          </a:prstGeom>
+          <a:noFill/>
+          <a:ln>
+            <a:noFill/>
+          </a:ln>
+          <a:effectLst/>
+          <a:extLst>
+            <a:ext uri="{909E8E84-426E-40DD-AFC4-6F175D3DCCD1}">
+              <a14:hiddenFill xmlns:a14="http://schemas.microsoft.com/office/drawing/2010/main" xmlns="">
+                <a:solidFill>
+                  <a:schemeClr val="accent1"/>
+                </a:solidFill>
+              </a14:hiddenFill>
+            </a:ext>
+            <a:ext uri="{91240B29-F687-4F45-9708-019B960494DF}">
+              <a14:hiddenLine xmlns:a14="http://schemas.microsoft.com/office/drawing/2010/main" xmlns="" w="9525">
+                <a:solidFill>
+                  <a:schemeClr val="tx1"/>
+                </a:solidFill>
+                <a:miter lim="800000"/>
+                <a:headEnd/>
+                <a:tailEnd/>
+              </a14:hiddenLine>
+            </a:ext>
+            <a:ext uri="{AF507438-7753-43E0-B8FC-AC1667EBCBE1}">
+              <a14:hiddenEffects xmlns:a14="http://schemas.microsoft.com/office/drawing/2010/main" xmlns="">
+                <a:effectLst>
+                  <a:outerShdw dist="35921" dir="2700000" algn="ctr" rotWithShape="0">
+                    <a:schemeClr val="bg2"/>
+                  </a:outerShdw>
+                </a:effectLst>
+              </a14:hiddenEffects>
+            </a:ext>
+          </a:extLst>
+        </p:spPr>
+        <p:txBody>
+          <a:bodyPr vert="horz" wrap="none" lIns="91440" tIns="45720" rIns="91440" bIns="45720" numCol="1" anchor="ctr" anchorCtr="0" compatLnSpc="1">
+            <a:prstTxWarp prst="textNoShape">
+              <a:avLst/>
+            </a:prstTxWarp>
+            <a:spAutoFit/>
+          </a:bodyPr>
+          <a:lstStyle/>
+          <a:p>
+            <a:endParaRPr lang="en-US"/>
+          </a:p>
+        </p:txBody>
+      </p:sp>
+      <p:sp>
+        <p:nvSpPr>
+          <p:cNvPr id="5" name="Rectangle 2"/>
+          <p:cNvSpPr>
+            <a:spLocks noChangeArrowheads="1"/>
+          </p:cNvSpPr>
+          <p:nvPr/>
+        </p:nvSpPr>
+        <p:spPr bwMode="auto">
+          <a:xfrm>
+            <a:off x="0" y="0"/>
+            <a:ext cx="9144000" cy="0"/>
+          </a:xfrm>
+          <a:prstGeom prst="rect">
+            <a:avLst/>
+          </a:prstGeom>
+          <a:noFill/>
+          <a:ln>
+            <a:noFill/>
+          </a:ln>
+          <a:effectLst/>
+          <a:extLst>
+            <a:ext uri="{909E8E84-426E-40DD-AFC4-6F175D3DCCD1}">
+              <a14:hiddenFill xmlns:a14="http://schemas.microsoft.com/office/drawing/2010/main" xmlns="">
+                <a:solidFill>
+                  <a:schemeClr val="accent1"/>
+                </a:solidFill>
+              </a14:hiddenFill>
+            </a:ext>
+            <a:ext uri="{91240B29-F687-4F45-9708-019B960494DF}">
+              <a14:hiddenLine xmlns:a14="http://schemas.microsoft.com/office/drawing/2010/main" xmlns="" w="9525">
+                <a:solidFill>
+                  <a:schemeClr val="tx1"/>
+                </a:solidFill>
+                <a:miter lim="800000"/>
+                <a:headEnd/>
+                <a:tailEnd/>
+              </a14:hiddenLine>
+            </a:ext>
+            <a:ext uri="{AF507438-7753-43E0-B8FC-AC1667EBCBE1}">
+              <a14:hiddenEffects xmlns:a14="http://schemas.microsoft.com/office/drawing/2010/main" xmlns="">
+                <a:effectLst>
+                  <a:outerShdw dist="35921" dir="2700000" algn="ctr" rotWithShape="0">
+                    <a:schemeClr val="bg2"/>
+                  </a:outerShdw>
+                </a:effectLst>
+              </a14:hiddenEffects>
+            </a:ext>
+          </a:extLst>
+        </p:spPr>
+        <p:txBody>
+          <a:bodyPr vert="horz" wrap="none" lIns="91440" tIns="45720" rIns="91440" bIns="45720" numCol="1" anchor="ctr" anchorCtr="0" compatLnSpc="1">
+            <a:prstTxWarp prst="textNoShape">
+              <a:avLst/>
+            </a:prstTxWarp>
+            <a:spAutoFit/>
+          </a:bodyPr>
+          <a:lstStyle/>
+          <a:p>
+            <a:endParaRPr lang="en-US"/>
+          </a:p>
+        </p:txBody>
+      </p:sp>
+      <p:pic>
+        <p:nvPicPr>
+          <p:cNvPr id="40962" name="Picture 2"/>
+          <p:cNvPicPr>
+            <a:picLocks noChangeAspect="1" noChangeArrowheads="1"/>
+          </p:cNvPicPr>
+          <p:nvPr/>
+        </p:nvPicPr>
+        <p:blipFill>
+          <a:blip r:embed="rId2" cstate="print">
+            <a:extLst>
+              <a:ext uri="{28A0092B-C50C-407E-A947-70E740481C1C}">
+                <a14:useLocalDpi xmlns:a14="http://schemas.microsoft.com/office/drawing/2010/main" xmlns="" val="0"/>
+              </a:ext>
+            </a:extLst>
+          </a:blip>
+          <a:srcRect/>
+          <a:stretch>
+            <a:fillRect/>
+          </a:stretch>
+        </p:blipFill>
+        <p:spPr bwMode="auto">
+          <a:xfrm>
+            <a:off x="895349" y="2108577"/>
+            <a:ext cx="7351713" cy="4183063"/>
+          </a:xfrm>
+          <a:prstGeom prst="rect">
+            <a:avLst/>
+          </a:prstGeom>
+          <a:noFill/>
+          <a:ln>
+            <a:noFill/>
+          </a:ln>
+          <a:effectLst/>
+          <a:extLst>
+            <a:ext uri="{909E8E84-426E-40DD-AFC4-6F175D3DCCD1}">
+              <a14:hiddenFill xmlns:a14="http://schemas.microsoft.com/office/drawing/2010/main" xmlns="">
+                <a:solidFill>
+                  <a:schemeClr val="accent1"/>
+                </a:solidFill>
+              </a14:hiddenFill>
+            </a:ext>
+            <a:ext uri="{91240B29-F687-4F45-9708-019B960494DF}">
+              <a14:hiddenLine xmlns:a14="http://schemas.microsoft.com/office/drawing/2010/main" xmlns="" w="9525">
+                <a:solidFill>
+                  <a:schemeClr val="tx1"/>
+                </a:solidFill>
+                <a:miter lim="800000"/>
+                <a:headEnd/>
+                <a:tailEnd/>
+              </a14:hiddenLine>
+            </a:ext>
+            <a:ext uri="{AF507438-7753-43E0-B8FC-AC1667EBCBE1}">
+              <a14:hiddenEffects xmlns:a14="http://schemas.microsoft.com/office/drawing/2010/main" xmlns="">
+                <a:effectLst>
+                  <a:outerShdw dist="35921" dir="2700000" algn="ctr" rotWithShape="0">
+                    <a:schemeClr val="bg2"/>
+                  </a:outerShdw>
+                </a:effectLst>
+              </a14:hiddenEffects>
+            </a:ext>
+          </a:extLst>
+        </p:spPr>
+      </p:pic>
+    </p:spTree>
+    <p:extLst>
+      <p:ext uri="{BB962C8B-B14F-4D97-AF65-F5344CB8AC3E}">
+        <p14:creationId xmlns:p14="http://schemas.microsoft.com/office/powerpoint/2010/main" xmlns="" val="831222261"/>
+      </p:ext>
+    </p:extLst>
+  </p:cSld>
+  <p:clrMapOvr>
+    <a:masterClrMapping/>
+  </p:clrMapOvr>
+  <p:timing>
+    <p:tnLst>
+      <p:par>
+        <p:cTn id="1" dur="indefinite" restart="never" nodeType="tmRoot"/>
+      </p:par>
+    </p:tnLst>
+  </p:timing>
+</p:sld>
+</file>
+
+<file path=ppt/slides/slide3.xml><?xml version="1.0" encoding="utf-8"?>
+<p:sld xmlns:a="http://schemas.openxmlformats.org/drawingml/2006/main" xmlns:r="http://schemas.openxmlformats.org/officeDocument/2006/relationships" xmlns:p="http://schemas.openxmlformats.org/presentationml/2006/main">
+  <p:cSld>
+    <p:spTree>
+      <p:nvGrpSpPr>
+        <p:cNvPr id="1" name=""/>
+        <p:cNvGrpSpPr/>
+        <p:nvPr/>
+      </p:nvGrpSpPr>
+      <p:grpSpPr>
+        <a:xfrm>
+          <a:off x="0" y="0"/>
+          <a:ext cx="0" cy="0"/>
+          <a:chOff x="0" y="0"/>
+          <a:chExt cx="0" cy="0"/>
+        </a:xfrm>
+      </p:grpSpPr>
+      <p:sp>
+        <p:nvSpPr>
+          <p:cNvPr id="2" name="Title 1"/>
+          <p:cNvSpPr>
+            <a:spLocks noGrp="1"/>
+          </p:cNvSpPr>
+          <p:nvPr>
+            <p:ph type="title"/>
+          </p:nvPr>
+        </p:nvSpPr>
+        <p:spPr>
+          <a:xfrm>
+            <a:off x="796065" y="286439"/>
+            <a:ext cx="7024744" cy="1143000"/>
+          </a:xfrm>
+        </p:spPr>
+        <p:txBody>
+          <a:bodyPr>
+            <a:normAutofit/>
+          </a:bodyPr>
+          <a:lstStyle/>
+          <a:p>
+            <a:r>
+              <a:rPr lang="en-US" dirty="0" smtClean="0"/>
+              <a:t>Competition: Mint.com</a:t>
+            </a:r>
+            <a:endParaRPr lang="en-US" dirty="0"/>
+          </a:p>
+        </p:txBody>
+      </p:sp>
+      <p:sp>
+        <p:nvSpPr>
+          <p:cNvPr id="3" name="Content Placeholder 2"/>
+          <p:cNvSpPr>
+            <a:spLocks noGrp="1"/>
+          </p:cNvSpPr>
+          <p:nvPr>
+            <p:ph idx="1"/>
+          </p:nvPr>
+        </p:nvSpPr>
+        <p:spPr>
+          <a:xfrm>
+            <a:off x="3007605" y="1795749"/>
+            <a:ext cx="5640636" cy="2448552"/>
+          </a:xfrm>
+        </p:spPr>
+        <p:txBody>
+          <a:bodyPr>
+            <a:normAutofit/>
+          </a:bodyPr>
+          <a:lstStyle/>
+          <a:p>
+            <a:pPr>
+              <a:buFont typeface="Courier New"/>
+              <a:buChar char="o"/>
+            </a:pPr>
+            <a:r>
+              <a:rPr lang="en-US" dirty="0" smtClean="0"/>
+              <a:t>See all accounts</a:t>
+            </a:r>
+          </a:p>
+          <a:p>
+            <a:pPr>
+              <a:buFont typeface="Courier New"/>
+              <a:buChar char="o"/>
+            </a:pPr>
+            <a:r>
+              <a:rPr lang="en-US" dirty="0" smtClean="0"/>
+              <a:t>Auto categorization</a:t>
+            </a:r>
+          </a:p>
+          <a:p>
+            <a:pPr>
+              <a:buFont typeface="Courier New"/>
+              <a:buChar char="o"/>
+            </a:pPr>
+            <a:r>
+              <a:rPr lang="en-US" dirty="0" smtClean="0"/>
+              <a:t>Timely alerts to email and phone</a:t>
+            </a:r>
+          </a:p>
+          <a:p>
+            <a:pPr>
+              <a:buFont typeface="Courier New"/>
+              <a:buChar char="o"/>
+            </a:pPr>
+            <a:r>
+              <a:rPr lang="en-US" dirty="0" smtClean="0"/>
+              <a:t>Helpful graphs</a:t>
+            </a:r>
+            <a:endParaRPr lang="en-US" dirty="0"/>
+          </a:p>
+        </p:txBody>
+      </p:sp>
+      <p:pic>
+        <p:nvPicPr>
+          <p:cNvPr id="16386" name="Picture 2" descr="File:Mintcom.png"/>
+          <p:cNvPicPr>
+            <a:picLocks noChangeAspect="1" noChangeArrowheads="1"/>
+          </p:cNvPicPr>
+          <p:nvPr/>
+        </p:nvPicPr>
+        <p:blipFill>
+          <a:blip r:embed="rId2" cstate="print"/>
+          <a:srcRect/>
+          <a:stretch>
+            <a:fillRect/>
+          </a:stretch>
+        </p:blipFill>
+        <p:spPr bwMode="auto">
+          <a:xfrm>
+            <a:off x="-283322" y="2310735"/>
+            <a:ext cx="7620000" cy="5715000"/>
+          </a:xfrm>
+          <a:prstGeom prst="rect">
+            <a:avLst/>
+          </a:prstGeom>
+          <a:noFill/>
+        </p:spPr>
+      </p:pic>
+    </p:spTree>
+  </p:cSld>
+  <p:clrMapOvr>
+    <a:masterClrMapping/>
+  </p:clrMapOvr>
+  <p:timing>
+    <p:tnLst>
+      <p:par>
+        <p:cTn id="1" dur="indefinite" restart="never" nodeType="tmRoot"/>
+      </p:par>
+    </p:tnLst>
+  </p:timing>
+</p:sld>
+</file>
+
+<file path=ppt/slides/slide30.xml><?xml version="1.0" encoding="utf-8"?>
+<p:sld xmlns:a="http://schemas.openxmlformats.org/drawingml/2006/main" xmlns:r="http://schemas.openxmlformats.org/officeDocument/2006/relationships" xmlns:p="http://schemas.openxmlformats.org/presentationml/2006/main">
+  <p:cSld>
+    <p:spTree>
+      <p:nvGrpSpPr>
+        <p:cNvPr id="1" name=""/>
+        <p:cNvGrpSpPr/>
+        <p:nvPr/>
+      </p:nvGrpSpPr>
+      <p:grpSpPr>
+        <a:xfrm>
+          <a:off x="0" y="0"/>
+          <a:ext cx="0" cy="0"/>
+          <a:chOff x="0" y="0"/>
+          <a:chExt cx="0" cy="0"/>
+        </a:xfrm>
+      </p:grpSpPr>
+      <p:sp>
+        <p:nvSpPr>
+          <p:cNvPr id="2" name="Title 1"/>
+          <p:cNvSpPr>
+            <a:spLocks noGrp="1"/>
+          </p:cNvSpPr>
+          <p:nvPr>
+            <p:ph type="title"/>
+          </p:nvPr>
+        </p:nvSpPr>
+        <p:spPr>
+          <a:xfrm>
+            <a:off x="1043490" y="641290"/>
+            <a:ext cx="7024744" cy="1283043"/>
+          </a:xfrm>
+        </p:spPr>
+        <p:txBody>
+          <a:bodyPr>
+            <a:normAutofit fontScale="90000"/>
+          </a:bodyPr>
+          <a:lstStyle/>
+          <a:p>
+            <a:r>
+              <a:rPr lang="en-US" dirty="0" smtClean="0"/>
+              <a:t>Human Interface Design</a:t>
+            </a:r>
+            <a:br>
+              <a:rPr lang="en-US" dirty="0" smtClean="0"/>
+            </a:br>
+            <a:r>
+              <a:rPr lang="en-US" dirty="0" smtClean="0"/>
+              <a:t>Transaction View</a:t>
+            </a:r>
+            <a:endParaRPr lang="en-US" dirty="0"/>
+          </a:p>
+        </p:txBody>
+      </p:sp>
+      <p:sp>
+        <p:nvSpPr>
+          <p:cNvPr id="3" name="Rectangle 2"/>
+          <p:cNvSpPr>
+            <a:spLocks noChangeArrowheads="1"/>
+          </p:cNvSpPr>
+          <p:nvPr/>
+        </p:nvSpPr>
+        <p:spPr bwMode="auto">
+          <a:xfrm>
+            <a:off x="0" y="0"/>
+            <a:ext cx="9144000" cy="0"/>
+          </a:xfrm>
+          <a:prstGeom prst="rect">
+            <a:avLst/>
+          </a:prstGeom>
+          <a:noFill/>
+          <a:ln>
+            <a:noFill/>
+          </a:ln>
+          <a:effectLst/>
+          <a:extLst>
+            <a:ext uri="{909E8E84-426E-40DD-AFC4-6F175D3DCCD1}">
+              <a14:hiddenFill xmlns:a14="http://schemas.microsoft.com/office/drawing/2010/main" xmlns="">
+                <a:solidFill>
+                  <a:schemeClr val="accent1"/>
+                </a:solidFill>
+              </a14:hiddenFill>
+            </a:ext>
+            <a:ext uri="{91240B29-F687-4F45-9708-019B960494DF}">
+              <a14:hiddenLine xmlns:a14="http://schemas.microsoft.com/office/drawing/2010/main" xmlns="" w="9525">
+                <a:solidFill>
+                  <a:schemeClr val="tx1"/>
+                </a:solidFill>
+                <a:miter lim="800000"/>
+                <a:headEnd/>
+                <a:tailEnd/>
+              </a14:hiddenLine>
+            </a:ext>
+            <a:ext uri="{AF507438-7753-43E0-B8FC-AC1667EBCBE1}">
+              <a14:hiddenEffects xmlns:a14="http://schemas.microsoft.com/office/drawing/2010/main" xmlns="">
+                <a:effectLst>
+                  <a:outerShdw dist="35921" dir="2700000" algn="ctr" rotWithShape="0">
+                    <a:schemeClr val="bg2"/>
+                  </a:outerShdw>
+                </a:effectLst>
+              </a14:hiddenEffects>
+            </a:ext>
+          </a:extLst>
+        </p:spPr>
+        <p:txBody>
+          <a:bodyPr vert="horz" wrap="none" lIns="91440" tIns="45720" rIns="91440" bIns="45720" numCol="1" anchor="ctr" anchorCtr="0" compatLnSpc="1">
+            <a:prstTxWarp prst="textNoShape">
+              <a:avLst/>
+            </a:prstTxWarp>
+            <a:spAutoFit/>
+          </a:bodyPr>
+          <a:lstStyle/>
+          <a:p>
+            <a:endParaRPr lang="en-US"/>
+          </a:p>
+        </p:txBody>
+      </p:sp>
+      <p:sp>
+        <p:nvSpPr>
+          <p:cNvPr id="5" name="Rectangle 2"/>
+          <p:cNvSpPr>
+            <a:spLocks noChangeArrowheads="1"/>
+          </p:cNvSpPr>
+          <p:nvPr/>
+        </p:nvSpPr>
+        <p:spPr bwMode="auto">
+          <a:xfrm>
+            <a:off x="0" y="0"/>
+            <a:ext cx="9144000" cy="0"/>
+          </a:xfrm>
+          <a:prstGeom prst="rect">
+            <a:avLst/>
+          </a:prstGeom>
+          <a:noFill/>
+          <a:ln>
+            <a:noFill/>
+          </a:ln>
+          <a:effectLst/>
+          <a:extLst>
+            <a:ext uri="{909E8E84-426E-40DD-AFC4-6F175D3DCCD1}">
+              <a14:hiddenFill xmlns:a14="http://schemas.microsoft.com/office/drawing/2010/main" xmlns="">
+                <a:solidFill>
+                  <a:schemeClr val="accent1"/>
+                </a:solidFill>
+              </a14:hiddenFill>
+            </a:ext>
+            <a:ext uri="{91240B29-F687-4F45-9708-019B960494DF}">
+              <a14:hiddenLine xmlns:a14="http://schemas.microsoft.com/office/drawing/2010/main" xmlns="" w="9525">
+                <a:solidFill>
+                  <a:schemeClr val="tx1"/>
+                </a:solidFill>
+                <a:miter lim="800000"/>
+                <a:headEnd/>
+                <a:tailEnd/>
+              </a14:hiddenLine>
+            </a:ext>
+            <a:ext uri="{AF507438-7753-43E0-B8FC-AC1667EBCBE1}">
+              <a14:hiddenEffects xmlns:a14="http://schemas.microsoft.com/office/drawing/2010/main" xmlns="">
+                <a:effectLst>
+                  <a:outerShdw dist="35921" dir="2700000" algn="ctr" rotWithShape="0">
+                    <a:schemeClr val="bg2"/>
+                  </a:outerShdw>
+                </a:effectLst>
+              </a14:hiddenEffects>
+            </a:ext>
+          </a:extLst>
+        </p:spPr>
+        <p:txBody>
+          <a:bodyPr vert="horz" wrap="none" lIns="91440" tIns="45720" rIns="91440" bIns="45720" numCol="1" anchor="ctr" anchorCtr="0" compatLnSpc="1">
+            <a:prstTxWarp prst="textNoShape">
+              <a:avLst/>
+            </a:prstTxWarp>
+            <a:spAutoFit/>
+          </a:bodyPr>
+          <a:lstStyle/>
+          <a:p>
+            <a:endParaRPr lang="en-US"/>
+          </a:p>
+        </p:txBody>
+      </p:sp>
+      <p:pic>
+        <p:nvPicPr>
+          <p:cNvPr id="41986" name="Picture 2"/>
+          <p:cNvPicPr>
+            <a:picLocks noChangeAspect="1" noChangeArrowheads="1"/>
+          </p:cNvPicPr>
+          <p:nvPr/>
+        </p:nvPicPr>
+        <p:blipFill>
+          <a:blip r:embed="rId2" cstate="print">
+            <a:extLst>
+              <a:ext uri="{28A0092B-C50C-407E-A947-70E740481C1C}">
+                <a14:useLocalDpi xmlns:a14="http://schemas.microsoft.com/office/drawing/2010/main" xmlns="" val="0"/>
+              </a:ext>
+            </a:extLst>
+          </a:blip>
+          <a:srcRect/>
+          <a:stretch>
+            <a:fillRect/>
+          </a:stretch>
+        </p:blipFill>
+        <p:spPr bwMode="auto">
+          <a:xfrm>
+            <a:off x="749269" y="2219966"/>
+            <a:ext cx="7645459" cy="3757754"/>
+          </a:xfrm>
+          <a:prstGeom prst="rect">
+            <a:avLst/>
+          </a:prstGeom>
+          <a:noFill/>
+          <a:ln>
+            <a:noFill/>
+          </a:ln>
+          <a:effectLst/>
+          <a:extLst>
+            <a:ext uri="{909E8E84-426E-40DD-AFC4-6F175D3DCCD1}">
+              <a14:hiddenFill xmlns:a14="http://schemas.microsoft.com/office/drawing/2010/main" xmlns="">
+                <a:solidFill>
+                  <a:schemeClr val="accent1"/>
+                </a:solidFill>
+              </a14:hiddenFill>
+            </a:ext>
+            <a:ext uri="{91240B29-F687-4F45-9708-019B960494DF}">
+              <a14:hiddenLine xmlns:a14="http://schemas.microsoft.com/office/drawing/2010/main" xmlns="" w="9525">
+                <a:solidFill>
+                  <a:schemeClr val="tx1"/>
+                </a:solidFill>
+                <a:miter lim="800000"/>
+                <a:headEnd/>
+                <a:tailEnd/>
+              </a14:hiddenLine>
+            </a:ext>
+            <a:ext uri="{AF507438-7753-43E0-B8FC-AC1667EBCBE1}">
+              <a14:hiddenEffects xmlns:a14="http://schemas.microsoft.com/office/drawing/2010/main" xmlns="">
+                <a:effectLst>
+                  <a:outerShdw dist="35921" dir="2700000" algn="ctr" rotWithShape="0">
+                    <a:schemeClr val="bg2"/>
+                  </a:outerShdw>
+                </a:effectLst>
+              </a14:hiddenEffects>
+            </a:ext>
+          </a:extLst>
+        </p:spPr>
+      </p:pic>
+    </p:spTree>
+    <p:extLst>
+      <p:ext uri="{BB962C8B-B14F-4D97-AF65-F5344CB8AC3E}">
+        <p14:creationId xmlns:p14="http://schemas.microsoft.com/office/powerpoint/2010/main" xmlns="" val="1830264464"/>
+      </p:ext>
+    </p:extLst>
+  </p:cSld>
+  <p:clrMapOvr>
+    <a:masterClrMapping/>
+  </p:clrMapOvr>
+  <p:timing>
+    <p:tnLst>
+      <p:par>
+        <p:cTn id="1" dur="indefinite" restart="never" nodeType="tmRoot"/>
+      </p:par>
+    </p:tnLst>
+  </p:timing>
+</p:sld>
+</file>
+
+<file path=ppt/slides/slide31.xml><?xml version="1.0" encoding="utf-8"?>
+<p:sld xmlns:a="http://schemas.openxmlformats.org/drawingml/2006/main" xmlns:r="http://schemas.openxmlformats.org/officeDocument/2006/relationships" xmlns:p="http://schemas.openxmlformats.org/presentationml/2006/main">
+  <p:cSld>
+    <p:spTree>
+      <p:nvGrpSpPr>
+        <p:cNvPr id="1" name=""/>
+        <p:cNvGrpSpPr/>
+        <p:nvPr/>
+      </p:nvGrpSpPr>
+      <p:grpSpPr>
+        <a:xfrm>
+          <a:off x="0" y="0"/>
+          <a:ext cx="0" cy="0"/>
+          <a:chOff x="0" y="0"/>
+          <a:chExt cx="0" cy="0"/>
+        </a:xfrm>
+      </p:grpSpPr>
+      <p:sp>
+        <p:nvSpPr>
+          <p:cNvPr id="2" name="Title 1"/>
+          <p:cNvSpPr>
+            <a:spLocks noGrp="1"/>
+          </p:cNvSpPr>
+          <p:nvPr>
+            <p:ph type="title"/>
+          </p:nvPr>
+        </p:nvSpPr>
+        <p:spPr>
+          <a:xfrm>
+            <a:off x="1043490" y="866274"/>
+            <a:ext cx="7024744" cy="1143000"/>
+          </a:xfrm>
+        </p:spPr>
+        <p:txBody>
+          <a:bodyPr/>
+          <a:lstStyle/>
+          <a:p>
+            <a:r>
+              <a:rPr lang="en-US" dirty="0" smtClean="0"/>
+              <a:t>Human Interface Design</a:t>
+            </a:r>
+            <a:endParaRPr lang="en-US" dirty="0"/>
+          </a:p>
+        </p:txBody>
+      </p:sp>
+      <p:sp>
+        <p:nvSpPr>
+          <p:cNvPr id="3" name="Content Placeholder 2"/>
+          <p:cNvSpPr>
+            <a:spLocks noGrp="1"/>
+          </p:cNvSpPr>
+          <p:nvPr>
+            <p:ph idx="1"/>
+          </p:nvPr>
+        </p:nvSpPr>
+        <p:spPr/>
+        <p:txBody>
+          <a:bodyPr/>
+          <a:lstStyle/>
+          <a:p>
+            <a:endParaRPr lang="en-US"/>
+          </a:p>
+        </p:txBody>
+      </p:sp>
+      <p:pic>
+        <p:nvPicPr>
+          <p:cNvPr id="86018" name="Picture 2"/>
+          <p:cNvPicPr>
+            <a:picLocks noChangeAspect="1" noChangeArrowheads="1"/>
+          </p:cNvPicPr>
+          <p:nvPr/>
+        </p:nvPicPr>
+        <p:blipFill>
+          <a:blip r:embed="rId2" cstate="print"/>
+          <a:srcRect l="1607" t="16527" r="2977" b="8257"/>
+          <a:stretch>
+            <a:fillRect/>
+          </a:stretch>
+        </p:blipFill>
+        <p:spPr bwMode="auto">
+          <a:xfrm>
+            <a:off x="1135674" y="2170664"/>
+            <a:ext cx="6968077" cy="4025599"/>
+          </a:xfrm>
+          <a:prstGeom prst="rect">
+            <a:avLst/>
+          </a:prstGeom>
+          <a:noFill/>
+          <a:ln w="9525">
+            <a:noFill/>
+            <a:miter lim="800000"/>
+            <a:headEnd/>
+            <a:tailEnd/>
+          </a:ln>
+          <a:effectLst/>
+        </p:spPr>
+      </p:pic>
+    </p:spTree>
+  </p:cSld>
+  <p:clrMapOvr>
+    <a:masterClrMapping/>
+  </p:clrMapOvr>
+</p:sld>
+</file>
+
+<file path=ppt/slides/slide32.xml><?xml version="1.0" encoding="utf-8"?>
+<p:sld xmlns:a="http://schemas.openxmlformats.org/drawingml/2006/main" xmlns:r="http://schemas.openxmlformats.org/officeDocument/2006/relationships" xmlns:p="http://schemas.openxmlformats.org/presentationml/2006/main">
+  <p:cSld>
+    <p:spTree>
+      <p:nvGrpSpPr>
+        <p:cNvPr id="1" name=""/>
+        <p:cNvGrpSpPr/>
+        <p:nvPr/>
+      </p:nvGrpSpPr>
+      <p:grpSpPr>
+        <a:xfrm>
+          <a:off x="0" y="0"/>
+          <a:ext cx="0" cy="0"/>
+          <a:chOff x="0" y="0"/>
+          <a:chExt cx="0" cy="0"/>
+        </a:xfrm>
+      </p:grpSpPr>
+      <p:sp>
+        <p:nvSpPr>
+          <p:cNvPr id="2" name="Title 1"/>
+          <p:cNvSpPr>
+            <a:spLocks noGrp="1"/>
+          </p:cNvSpPr>
+          <p:nvPr>
+            <p:ph type="title"/>
+          </p:nvPr>
+        </p:nvSpPr>
+        <p:spPr>
+          <a:xfrm>
+            <a:off x="1043490" y="815137"/>
+            <a:ext cx="7024744" cy="1143000"/>
+          </a:xfrm>
+        </p:spPr>
+        <p:txBody>
+          <a:bodyPr/>
+          <a:lstStyle/>
+          <a:p>
+            <a:r>
+              <a:rPr lang="en-US" dirty="0" smtClean="0"/>
+              <a:t>Human Interface Design</a:t>
+            </a:r>
+            <a:endParaRPr lang="en-US" dirty="0"/>
+          </a:p>
+        </p:txBody>
+      </p:sp>
+      <p:sp>
+        <p:nvSpPr>
+          <p:cNvPr id="3" name="Content Placeholder 2"/>
+          <p:cNvSpPr>
+            <a:spLocks noGrp="1"/>
+          </p:cNvSpPr>
+          <p:nvPr>
+            <p:ph idx="1"/>
+          </p:nvPr>
+        </p:nvSpPr>
+        <p:spPr/>
+        <p:txBody>
+          <a:bodyPr/>
+          <a:lstStyle/>
+          <a:p>
+            <a:endParaRPr lang="en-US" dirty="0"/>
+          </a:p>
+        </p:txBody>
+      </p:sp>
+      <p:pic>
+        <p:nvPicPr>
+          <p:cNvPr id="84994" name="Picture 2"/>
+          <p:cNvPicPr>
+            <a:picLocks noChangeAspect="1" noChangeArrowheads="1"/>
+          </p:cNvPicPr>
+          <p:nvPr/>
+        </p:nvPicPr>
+        <p:blipFill>
+          <a:blip r:embed="rId2" cstate="print"/>
+          <a:srcRect l="1607" t="14405" r="2853" b="8425"/>
+          <a:stretch>
+            <a:fillRect/>
+          </a:stretch>
+        </p:blipFill>
+        <p:spPr bwMode="auto">
+          <a:xfrm>
+            <a:off x="1043489" y="1958136"/>
+            <a:ext cx="6935891" cy="4105779"/>
+          </a:xfrm>
+          <a:prstGeom prst="rect">
+            <a:avLst/>
+          </a:prstGeom>
+          <a:noFill/>
+          <a:ln w="9525">
+            <a:noFill/>
+            <a:miter lim="800000"/>
+            <a:headEnd/>
+            <a:tailEnd/>
+          </a:ln>
+          <a:effectLst/>
+        </p:spPr>
+      </p:pic>
+    </p:spTree>
+  </p:cSld>
+  <p:clrMapOvr>
+    <a:masterClrMapping/>
+  </p:clrMapOvr>
+</p:sld>
+</file>
+
+<file path=ppt/slides/slide33.xml><?xml version="1.0" encoding="utf-8"?>
+<p:sld xmlns:a="http://schemas.openxmlformats.org/drawingml/2006/main" xmlns:r="http://schemas.openxmlformats.org/officeDocument/2006/relationships" xmlns:p="http://schemas.openxmlformats.org/presentationml/2006/main">
+  <p:cSld>
+    <p:spTree>
+      <p:nvGrpSpPr>
+        <p:cNvPr id="1" name=""/>
+        <p:cNvGrpSpPr/>
+        <p:nvPr/>
+      </p:nvGrpSpPr>
+      <p:grpSpPr>
+        <a:xfrm>
+          <a:off x="0" y="0"/>
+          <a:ext cx="0" cy="0"/>
+          <a:chOff x="0" y="0"/>
+          <a:chExt cx="0" cy="0"/>
+        </a:xfrm>
+      </p:grpSpPr>
+      <p:sp>
+        <p:nvSpPr>
+          <p:cNvPr id="2" name="Title 1"/>
+          <p:cNvSpPr>
+            <a:spLocks noGrp="1"/>
+          </p:cNvSpPr>
+          <p:nvPr>
+            <p:ph type="title"/>
+          </p:nvPr>
+        </p:nvSpPr>
+        <p:spPr>
+          <a:xfrm>
+            <a:off x="1043490" y="641291"/>
+            <a:ext cx="7024744" cy="638582"/>
+          </a:xfrm>
+        </p:spPr>
+        <p:txBody>
+          <a:bodyPr>
+            <a:normAutofit fontScale="90000"/>
+          </a:bodyPr>
+          <a:lstStyle/>
+          <a:p>
+            <a:r>
+              <a:rPr lang="en-US" dirty="0" smtClean="0"/>
+              <a:t>Human Interface Design</a:t>
+            </a:r>
+            <a:endParaRPr lang="en-US" dirty="0"/>
+          </a:p>
+        </p:txBody>
+      </p:sp>
+      <p:sp>
+        <p:nvSpPr>
+          <p:cNvPr id="3" name="Rectangle 2"/>
+          <p:cNvSpPr>
+            <a:spLocks noChangeArrowheads="1"/>
+          </p:cNvSpPr>
+          <p:nvPr/>
+        </p:nvSpPr>
+        <p:spPr bwMode="auto">
+          <a:xfrm>
+            <a:off x="0" y="0"/>
+            <a:ext cx="9144000" cy="0"/>
+          </a:xfrm>
+          <a:prstGeom prst="rect">
+            <a:avLst/>
+          </a:prstGeom>
+          <a:noFill/>
+          <a:ln>
+            <a:noFill/>
+          </a:ln>
+          <a:effectLst/>
+          <a:extLst>
+            <a:ext uri="{909E8E84-426E-40dd-AFC4-6F175D3DCCD1}">
+              <a14:hiddenFill xmlns:a14="http://schemas.microsoft.com/office/drawing/2010/main" xmlns="">
+                <a:solidFill>
+                  <a:schemeClr val="accent1"/>
+                </a:solidFill>
+              </a14:hiddenFill>
+            </a:ext>
+            <a:ext uri="{91240B29-F687-4f45-9708-019B960494DF}">
+              <a14:hiddenLine xmlns:a14="http://schemas.microsoft.com/office/drawing/2010/main" xmlns="" w="9525">
+                <a:solidFill>
+                  <a:schemeClr val="tx1"/>
+                </a:solidFill>
+                <a:miter lim="800000"/>
+                <a:headEnd/>
+                <a:tailEnd/>
+              </a14:hiddenLine>
+            </a:ext>
+            <a:ext uri="{AF507438-7753-43e0-B8FC-AC1667EBCBE1}">
+              <a14:hiddenEffects xmlns:a14="http://schemas.microsoft.com/office/drawing/2010/main" xmlns="">
+                <a:effectLst>
+                  <a:outerShdw dist="35921" dir="2700000" algn="ctr" rotWithShape="0">
+                    <a:schemeClr val="bg2"/>
+                  </a:outerShdw>
+                </a:effectLst>
+              </a14:hiddenEffects>
+            </a:ext>
+          </a:extLst>
+        </p:spPr>
+        <p:txBody>
+          <a:bodyPr vert="horz" wrap="none" lIns="91440" tIns="45720" rIns="91440" bIns="45720" numCol="1" anchor="ctr" anchorCtr="0" compatLnSpc="1">
+            <a:prstTxWarp prst="textNoShape">
+              <a:avLst/>
+            </a:prstTxWarp>
+            <a:spAutoFit/>
+          </a:bodyPr>
+          <a:lstStyle/>
+          <a:p>
+            <a:endParaRPr lang="en-US"/>
+          </a:p>
+        </p:txBody>
+      </p:sp>
+      <p:sp>
+        <p:nvSpPr>
+          <p:cNvPr id="5" name="Rectangle 2"/>
+          <p:cNvSpPr>
+            <a:spLocks noChangeArrowheads="1"/>
+          </p:cNvSpPr>
+          <p:nvPr/>
+        </p:nvSpPr>
+        <p:spPr bwMode="auto">
+          <a:xfrm>
+            <a:off x="0" y="0"/>
+            <a:ext cx="9144000" cy="0"/>
+          </a:xfrm>
+          <a:prstGeom prst="rect">
+            <a:avLst/>
+          </a:prstGeom>
+          <a:noFill/>
+          <a:ln>
+            <a:noFill/>
+          </a:ln>
+          <a:effectLst/>
+          <a:extLst>
+            <a:ext uri="{909E8E84-426E-40dd-AFC4-6F175D3DCCD1}">
+              <a14:hiddenFill xmlns:a14="http://schemas.microsoft.com/office/drawing/2010/main" xmlns="">
+                <a:solidFill>
+                  <a:schemeClr val="accent1"/>
+                </a:solidFill>
+              </a14:hiddenFill>
+            </a:ext>
+            <a:ext uri="{91240B29-F687-4f45-9708-019B960494DF}">
+              <a14:hiddenLine xmlns:a14="http://schemas.microsoft.com/office/drawing/2010/main" xmlns="" w="9525">
+                <a:solidFill>
+                  <a:schemeClr val="tx1"/>
+                </a:solidFill>
+                <a:miter lim="800000"/>
+                <a:headEnd/>
+                <a:tailEnd/>
+              </a14:hiddenLine>
+            </a:ext>
+            <a:ext uri="{AF507438-7753-43e0-B8FC-AC1667EBCBE1}">
+              <a14:hiddenEffects xmlns:a14="http://schemas.microsoft.com/office/drawing/2010/main" xmlns="">
+                <a:effectLst>
+                  <a:outerShdw dist="35921" dir="2700000" algn="ctr" rotWithShape="0">
+                    <a:schemeClr val="bg2"/>
+                  </a:outerShdw>
+                </a:effectLst>
+              </a14:hiddenEffects>
+            </a:ext>
+          </a:extLst>
+        </p:spPr>
+        <p:txBody>
+          <a:bodyPr vert="horz" wrap="none" lIns="91440" tIns="45720" rIns="91440" bIns="45720" numCol="1" anchor="ctr" anchorCtr="0" compatLnSpc="1">
+            <a:prstTxWarp prst="textNoShape">
+              <a:avLst/>
+            </a:prstTxWarp>
+            <a:spAutoFit/>
+          </a:bodyPr>
+          <a:lstStyle/>
+          <a:p>
+            <a:endParaRPr lang="en-US"/>
+          </a:p>
+        </p:txBody>
+      </p:sp>
+      <p:pic>
+        <p:nvPicPr>
+          <p:cNvPr id="7" name="Picture" descr="A description..."/>
+          <p:cNvPicPr/>
+          <p:nvPr/>
+        </p:nvPicPr>
+        <p:blipFill>
+          <a:blip r:embed="rId2" cstate="print"/>
+          <a:srcRect/>
+          <a:stretch>
+            <a:fillRect/>
+          </a:stretch>
+        </p:blipFill>
+        <p:spPr bwMode="auto">
+          <a:xfrm>
+            <a:off x="602990" y="1175904"/>
+            <a:ext cx="5942965" cy="1790700"/>
+          </a:xfrm>
+          <a:prstGeom prst="rect">
+            <a:avLst/>
+          </a:prstGeom>
+          <a:noFill/>
+          <a:ln w="9525">
+            <a:noFill/>
+            <a:miter lim="800000"/>
+            <a:headEnd/>
+            <a:tailEnd/>
+          </a:ln>
+        </p:spPr>
+      </p:pic>
+      <p:pic>
+        <p:nvPicPr>
+          <p:cNvPr id="4" name="Picture 3"/>
+          <p:cNvPicPr>
+            <a:picLocks noChangeAspect="1"/>
+          </p:cNvPicPr>
+          <p:nvPr/>
+        </p:nvPicPr>
+        <p:blipFill>
+          <a:blip r:embed="rId3" cstate="print"/>
+          <a:stretch>
+            <a:fillRect/>
+          </a:stretch>
+        </p:blipFill>
+        <p:spPr>
+          <a:xfrm>
+            <a:off x="6284821" y="1279873"/>
+            <a:ext cx="1783413" cy="4660358"/>
+          </a:xfrm>
+          <a:prstGeom prst="rect">
+            <a:avLst/>
+          </a:prstGeom>
+        </p:spPr>
+      </p:pic>
+    </p:spTree>
+    <p:extLst>
+      <p:ext uri="{BB962C8B-B14F-4D97-AF65-F5344CB8AC3E}">
+        <p14:creationId xmlns:p14="http://schemas.microsoft.com/office/powerpoint/2010/main" xmlns="" val="792481554"/>
+      </p:ext>
+    </p:extLst>
+  </p:cSld>
+  <p:clrMapOvr>
+    <a:masterClrMapping/>
+  </p:clrMapOvr>
+  <p:timing>
+    <p:tnLst>
+      <p:par>
+        <p:cTn id="1" dur="indefinite" restart="never" nodeType="tmRoot"/>
       </p:par>
     </p:tnLst>
   </p:timing>
@@ -27019,6 +26971,1205 @@
 </file>
 
 <file path=ppt/slides/slide34.xml><?xml version="1.0" encoding="utf-8"?>
+<p:sld xmlns:a="http://schemas.openxmlformats.org/drawingml/2006/main" xmlns:r="http://schemas.openxmlformats.org/officeDocument/2006/relationships" xmlns:p="http://schemas.openxmlformats.org/presentationml/2006/main">
+  <p:cSld>
+    <p:spTree>
+      <p:nvGrpSpPr>
+        <p:cNvPr id="1" name=""/>
+        <p:cNvGrpSpPr/>
+        <p:nvPr/>
+      </p:nvGrpSpPr>
+      <p:grpSpPr>
+        <a:xfrm>
+          <a:off x="0" y="0"/>
+          <a:ext cx="0" cy="0"/>
+          <a:chOff x="0" y="0"/>
+          <a:chExt cx="0" cy="0"/>
+        </a:xfrm>
+      </p:grpSpPr>
+      <p:pic>
+        <p:nvPicPr>
+          <p:cNvPr id="4" name="Content Placeholder 3"/>
+          <p:cNvPicPr>
+            <a:picLocks noGrp="1" noChangeAspect="1"/>
+          </p:cNvPicPr>
+          <p:nvPr>
+            <p:ph idx="1"/>
+          </p:nvPr>
+        </p:nvPicPr>
+        <p:blipFill>
+          <a:blip r:embed="rId2" cstate="print"/>
+          <a:srcRect l="-19066" r="-19066"/>
+          <a:stretch>
+            <a:fillRect/>
+          </a:stretch>
+        </p:blipFill>
+        <p:spPr>
+          <a:xfrm>
+            <a:off x="1042989" y="1528763"/>
+            <a:ext cx="5032156" cy="3195637"/>
+          </a:xfrm>
+        </p:spPr>
+      </p:pic>
+      <p:sp>
+        <p:nvSpPr>
+          <p:cNvPr id="5" name="Title 1"/>
+          <p:cNvSpPr txBox="1">
+            <a:spLocks/>
+          </p:cNvSpPr>
+          <p:nvPr/>
+        </p:nvSpPr>
+        <p:spPr>
+          <a:xfrm>
+            <a:off x="1043490" y="641291"/>
+            <a:ext cx="7024744" cy="638582"/>
+          </a:xfrm>
+          <a:prstGeom prst="rect">
+            <a:avLst/>
+          </a:prstGeom>
+        </p:spPr>
+        <p:txBody>
+          <a:bodyPr vert="horz" lIns="91440" tIns="45720" rIns="91440" bIns="45720" rtlCol="0" anchor="b">
+            <a:normAutofit fontScale="90000" lnSpcReduction="10000"/>
+          </a:bodyPr>
+          <a:lstStyle>
+            <a:lvl1pPr algn="l" defTabSz="914400" rtl="0" eaLnBrk="1" latinLnBrk="0" hangingPunct="1">
+              <a:spcBef>
+                <a:spcPct val="0"/>
+              </a:spcBef>
+              <a:buNone/>
+              <a:defRPr sz="4000" kern="1200">
+                <a:solidFill>
+                  <a:schemeClr val="accent1"/>
+                </a:solidFill>
+                <a:latin typeface="+mj-lt"/>
+                <a:ea typeface="+mj-ea"/>
+                <a:cs typeface="+mj-cs"/>
+              </a:defRPr>
+            </a:lvl1pPr>
+            <a:lvl2pPr eaLnBrk="1" hangingPunct="1">
+              <a:defRPr>
+                <a:solidFill>
+                  <a:schemeClr val="tx2"/>
+                </a:solidFill>
+              </a:defRPr>
+            </a:lvl2pPr>
+            <a:lvl3pPr eaLnBrk="1" hangingPunct="1">
+              <a:defRPr>
+                <a:solidFill>
+                  <a:schemeClr val="tx2"/>
+                </a:solidFill>
+              </a:defRPr>
+            </a:lvl3pPr>
+            <a:lvl4pPr eaLnBrk="1" hangingPunct="1">
+              <a:defRPr>
+                <a:solidFill>
+                  <a:schemeClr val="tx2"/>
+                </a:solidFill>
+              </a:defRPr>
+            </a:lvl4pPr>
+            <a:lvl5pPr eaLnBrk="1" hangingPunct="1">
+              <a:defRPr>
+                <a:solidFill>
+                  <a:schemeClr val="tx2"/>
+                </a:solidFill>
+              </a:defRPr>
+            </a:lvl5pPr>
+            <a:lvl6pPr eaLnBrk="1" hangingPunct="1">
+              <a:defRPr>
+                <a:solidFill>
+                  <a:schemeClr val="tx2"/>
+                </a:solidFill>
+              </a:defRPr>
+            </a:lvl6pPr>
+            <a:lvl7pPr eaLnBrk="1" hangingPunct="1">
+              <a:defRPr>
+                <a:solidFill>
+                  <a:schemeClr val="tx2"/>
+                </a:solidFill>
+              </a:defRPr>
+            </a:lvl7pPr>
+            <a:lvl8pPr eaLnBrk="1" hangingPunct="1">
+              <a:defRPr>
+                <a:solidFill>
+                  <a:schemeClr val="tx2"/>
+                </a:solidFill>
+              </a:defRPr>
+            </a:lvl8pPr>
+            <a:lvl9pPr eaLnBrk="1" hangingPunct="1">
+              <a:defRPr>
+                <a:solidFill>
+                  <a:schemeClr val="tx2"/>
+                </a:solidFill>
+              </a:defRPr>
+            </a:lvl9pPr>
+          </a:lstStyle>
+          <a:p>
+            <a:r>
+              <a:rPr lang="en-US" smtClean="0"/>
+              <a:t>Human Interface Design</a:t>
+            </a:r>
+            <a:endParaRPr lang="en-US" dirty="0"/>
+          </a:p>
+        </p:txBody>
+      </p:sp>
+      <p:pic>
+        <p:nvPicPr>
+          <p:cNvPr id="7" name="Picture 6"/>
+          <p:cNvPicPr>
+            <a:picLocks noChangeAspect="1"/>
+          </p:cNvPicPr>
+          <p:nvPr/>
+        </p:nvPicPr>
+        <p:blipFill>
+          <a:blip r:embed="rId3" cstate="print"/>
+          <a:stretch>
+            <a:fillRect/>
+          </a:stretch>
+        </p:blipFill>
+        <p:spPr>
+          <a:xfrm>
+            <a:off x="6868977" y="826226"/>
+            <a:ext cx="1199257" cy="5560190"/>
+          </a:xfrm>
+          <a:prstGeom prst="rect">
+            <a:avLst/>
+          </a:prstGeom>
+        </p:spPr>
+      </p:pic>
+    </p:spTree>
+    <p:extLst>
+      <p:ext uri="{BB962C8B-B14F-4D97-AF65-F5344CB8AC3E}">
+        <p14:creationId xmlns:p14="http://schemas.microsoft.com/office/powerpoint/2010/main" xmlns="" val="302170737"/>
+      </p:ext>
+    </p:extLst>
+  </p:cSld>
+  <p:clrMapOvr>
+    <a:masterClrMapping/>
+  </p:clrMapOvr>
+  <p:timing>
+    <p:tnLst>
+      <p:par>
+        <p:cTn id="1" dur="indefinite" restart="never" nodeType="tmRoot"/>
+      </p:par>
+    </p:tnLst>
+  </p:timing>
+</p:sld>
+</file>
+
+<file path=ppt/slides/slide35.xml><?xml version="1.0" encoding="utf-8"?>
+<p:sld xmlns:a="http://schemas.openxmlformats.org/drawingml/2006/main" xmlns:r="http://schemas.openxmlformats.org/officeDocument/2006/relationships" xmlns:p="http://schemas.openxmlformats.org/presentationml/2006/main">
+  <p:cSld>
+    <p:spTree>
+      <p:nvGrpSpPr>
+        <p:cNvPr id="1" name=""/>
+        <p:cNvGrpSpPr/>
+        <p:nvPr/>
+      </p:nvGrpSpPr>
+      <p:grpSpPr>
+        <a:xfrm>
+          <a:off x="0" y="0"/>
+          <a:ext cx="0" cy="0"/>
+          <a:chOff x="0" y="0"/>
+          <a:chExt cx="0" cy="0"/>
+        </a:xfrm>
+      </p:grpSpPr>
+      <p:sp>
+        <p:nvSpPr>
+          <p:cNvPr id="3" name="Rectangle 2"/>
+          <p:cNvSpPr>
+            <a:spLocks noChangeArrowheads="1"/>
+          </p:cNvSpPr>
+          <p:nvPr/>
+        </p:nvSpPr>
+        <p:spPr bwMode="auto">
+          <a:xfrm>
+            <a:off x="0" y="0"/>
+            <a:ext cx="9144000" cy="0"/>
+          </a:xfrm>
+          <a:prstGeom prst="rect">
+            <a:avLst/>
+          </a:prstGeom>
+          <a:noFill/>
+          <a:ln>
+            <a:noFill/>
+          </a:ln>
+          <a:effectLst/>
+          <a:extLst>
+            <a:ext uri="{909E8E84-426E-40DD-AFC4-6F175D3DCCD1}">
+              <a14:hiddenFill xmlns:a14="http://schemas.microsoft.com/office/drawing/2010/main" xmlns="">
+                <a:solidFill>
+                  <a:schemeClr val="accent1"/>
+                </a:solidFill>
+              </a14:hiddenFill>
+            </a:ext>
+            <a:ext uri="{91240B29-F687-4F45-9708-019B960494DF}">
+              <a14:hiddenLine xmlns:a14="http://schemas.microsoft.com/office/drawing/2010/main" xmlns="" w="9525">
+                <a:solidFill>
+                  <a:schemeClr val="tx1"/>
+                </a:solidFill>
+                <a:miter lim="800000"/>
+                <a:headEnd/>
+                <a:tailEnd/>
+              </a14:hiddenLine>
+            </a:ext>
+            <a:ext uri="{AF507438-7753-43E0-B8FC-AC1667EBCBE1}">
+              <a14:hiddenEffects xmlns:a14="http://schemas.microsoft.com/office/drawing/2010/main" xmlns="">
+                <a:effectLst>
+                  <a:outerShdw dist="35921" dir="2700000" algn="ctr" rotWithShape="0">
+                    <a:schemeClr val="bg2"/>
+                  </a:outerShdw>
+                </a:effectLst>
+              </a14:hiddenEffects>
+            </a:ext>
+          </a:extLst>
+        </p:spPr>
+        <p:txBody>
+          <a:bodyPr vert="horz" wrap="none" lIns="91440" tIns="45720" rIns="91440" bIns="45720" numCol="1" anchor="ctr" anchorCtr="0" compatLnSpc="1">
+            <a:prstTxWarp prst="textNoShape">
+              <a:avLst/>
+            </a:prstTxWarp>
+            <a:spAutoFit/>
+          </a:bodyPr>
+          <a:lstStyle/>
+          <a:p>
+            <a:endParaRPr lang="en-US"/>
+          </a:p>
+        </p:txBody>
+      </p:sp>
+      <p:sp>
+        <p:nvSpPr>
+          <p:cNvPr id="5" name="Rectangle 2"/>
+          <p:cNvSpPr>
+            <a:spLocks noChangeArrowheads="1"/>
+          </p:cNvSpPr>
+          <p:nvPr/>
+        </p:nvSpPr>
+        <p:spPr bwMode="auto">
+          <a:xfrm>
+            <a:off x="0" y="0"/>
+            <a:ext cx="9144000" cy="0"/>
+          </a:xfrm>
+          <a:prstGeom prst="rect">
+            <a:avLst/>
+          </a:prstGeom>
+          <a:noFill/>
+          <a:ln>
+            <a:noFill/>
+          </a:ln>
+          <a:effectLst/>
+          <a:extLst>
+            <a:ext uri="{909E8E84-426E-40DD-AFC4-6F175D3DCCD1}">
+              <a14:hiddenFill xmlns:a14="http://schemas.microsoft.com/office/drawing/2010/main" xmlns="">
+                <a:solidFill>
+                  <a:schemeClr val="accent1"/>
+                </a:solidFill>
+              </a14:hiddenFill>
+            </a:ext>
+            <a:ext uri="{91240B29-F687-4F45-9708-019B960494DF}">
+              <a14:hiddenLine xmlns:a14="http://schemas.microsoft.com/office/drawing/2010/main" xmlns="" w="9525">
+                <a:solidFill>
+                  <a:schemeClr val="tx1"/>
+                </a:solidFill>
+                <a:miter lim="800000"/>
+                <a:headEnd/>
+                <a:tailEnd/>
+              </a14:hiddenLine>
+            </a:ext>
+            <a:ext uri="{AF507438-7753-43E0-B8FC-AC1667EBCBE1}">
+              <a14:hiddenEffects xmlns:a14="http://schemas.microsoft.com/office/drawing/2010/main" xmlns="">
+                <a:effectLst>
+                  <a:outerShdw dist="35921" dir="2700000" algn="ctr" rotWithShape="0">
+                    <a:schemeClr val="bg2"/>
+                  </a:outerShdw>
+                </a:effectLst>
+              </a14:hiddenEffects>
+            </a:ext>
+          </a:extLst>
+        </p:spPr>
+        <p:txBody>
+          <a:bodyPr vert="horz" wrap="none" lIns="91440" tIns="45720" rIns="91440" bIns="45720" numCol="1" anchor="ctr" anchorCtr="0" compatLnSpc="1">
+            <a:prstTxWarp prst="textNoShape">
+              <a:avLst/>
+            </a:prstTxWarp>
+            <a:spAutoFit/>
+          </a:bodyPr>
+          <a:lstStyle/>
+          <a:p>
+            <a:endParaRPr lang="en-US"/>
+          </a:p>
+        </p:txBody>
+      </p:sp>
+      <p:pic>
+        <p:nvPicPr>
+          <p:cNvPr id="43012" name="Picture 4"/>
+          <p:cNvPicPr>
+            <a:picLocks noChangeAspect="1" noChangeArrowheads="1"/>
+          </p:cNvPicPr>
+          <p:nvPr/>
+        </p:nvPicPr>
+        <p:blipFill>
+          <a:blip r:embed="rId2" cstate="email">
+            <a:extLst>
+              <a:ext uri="{28A0092B-C50C-407E-A947-70E740481C1C}">
+                <a14:useLocalDpi xmlns:a14="http://schemas.microsoft.com/office/drawing/2010/main" xmlns="" val="0"/>
+              </a:ext>
+            </a:extLst>
+          </a:blip>
+          <a:srcRect/>
+          <a:stretch>
+            <a:fillRect/>
+          </a:stretch>
+        </p:blipFill>
+        <p:spPr bwMode="auto">
+          <a:xfrm>
+            <a:off x="3862317" y="3273901"/>
+            <a:ext cx="4769892" cy="2893734"/>
+          </a:xfrm>
+          <a:prstGeom prst="rect">
+            <a:avLst/>
+          </a:prstGeom>
+          <a:noFill/>
+          <a:ln>
+            <a:noFill/>
+          </a:ln>
+          <a:effectLst/>
+          <a:extLst>
+            <a:ext uri="{909E8E84-426E-40DD-AFC4-6F175D3DCCD1}">
+              <a14:hiddenFill xmlns:a14="http://schemas.microsoft.com/office/drawing/2010/main" xmlns="">
+                <a:solidFill>
+                  <a:schemeClr val="accent1"/>
+                </a:solidFill>
+              </a14:hiddenFill>
+            </a:ext>
+            <a:ext uri="{91240B29-F687-4F45-9708-019B960494DF}">
+              <a14:hiddenLine xmlns:a14="http://schemas.microsoft.com/office/drawing/2010/main" xmlns="" w="9525">
+                <a:solidFill>
+                  <a:schemeClr val="tx1"/>
+                </a:solidFill>
+                <a:miter lim="800000"/>
+                <a:headEnd/>
+                <a:tailEnd/>
+              </a14:hiddenLine>
+            </a:ext>
+            <a:ext uri="{AF507438-7753-43E0-B8FC-AC1667EBCBE1}">
+              <a14:hiddenEffects xmlns:a14="http://schemas.microsoft.com/office/drawing/2010/main" xmlns="">
+                <a:effectLst>
+                  <a:outerShdw dist="35921" dir="2700000" algn="ctr" rotWithShape="0">
+                    <a:schemeClr val="bg2"/>
+                  </a:outerShdw>
+                </a:effectLst>
+              </a14:hiddenEffects>
+            </a:ext>
+          </a:extLst>
+        </p:spPr>
+      </p:pic>
+      <p:pic>
+        <p:nvPicPr>
+          <p:cNvPr id="43011" name="Picture 3"/>
+          <p:cNvPicPr>
+            <a:picLocks noChangeAspect="1" noChangeArrowheads="1"/>
+          </p:cNvPicPr>
+          <p:nvPr/>
+        </p:nvPicPr>
+        <p:blipFill>
+          <a:blip r:embed="rId3" cstate="print">
+            <a:extLst>
+              <a:ext uri="{28A0092B-C50C-407E-A947-70E740481C1C}">
+                <a14:useLocalDpi xmlns:a14="http://schemas.microsoft.com/office/drawing/2010/main" xmlns="" val="0"/>
+              </a:ext>
+            </a:extLst>
+          </a:blip>
+          <a:srcRect/>
+          <a:stretch>
+            <a:fillRect/>
+          </a:stretch>
+        </p:blipFill>
+        <p:spPr bwMode="auto">
+          <a:xfrm>
+            <a:off x="497007" y="1622520"/>
+            <a:ext cx="3810000" cy="4895850"/>
+          </a:xfrm>
+          <a:prstGeom prst="rect">
+            <a:avLst/>
+          </a:prstGeom>
+          <a:noFill/>
+          <a:ln>
+            <a:noFill/>
+          </a:ln>
+          <a:effectLst/>
+          <a:extLst>
+            <a:ext uri="{909E8E84-426E-40DD-AFC4-6F175D3DCCD1}">
+              <a14:hiddenFill xmlns:a14="http://schemas.microsoft.com/office/drawing/2010/main" xmlns="">
+                <a:solidFill>
+                  <a:schemeClr val="accent1"/>
+                </a:solidFill>
+              </a14:hiddenFill>
+            </a:ext>
+            <a:ext uri="{91240B29-F687-4F45-9708-019B960494DF}">
+              <a14:hiddenLine xmlns:a14="http://schemas.microsoft.com/office/drawing/2010/main" xmlns="" w="9525">
+                <a:solidFill>
+                  <a:schemeClr val="tx1"/>
+                </a:solidFill>
+                <a:miter lim="800000"/>
+                <a:headEnd/>
+                <a:tailEnd/>
+              </a14:hiddenLine>
+            </a:ext>
+            <a:ext uri="{AF507438-7753-43E0-B8FC-AC1667EBCBE1}">
+              <a14:hiddenEffects xmlns:a14="http://schemas.microsoft.com/office/drawing/2010/main" xmlns="">
+                <a:effectLst>
+                  <a:outerShdw dist="35921" dir="2700000" algn="ctr" rotWithShape="0">
+                    <a:schemeClr val="bg2"/>
+                  </a:outerShdw>
+                </a:effectLst>
+              </a14:hiddenEffects>
+            </a:ext>
+          </a:extLst>
+        </p:spPr>
+      </p:pic>
+      <p:sp>
+        <p:nvSpPr>
+          <p:cNvPr id="2" name="Title 1"/>
+          <p:cNvSpPr>
+            <a:spLocks noGrp="1"/>
+          </p:cNvSpPr>
+          <p:nvPr>
+            <p:ph type="title"/>
+          </p:nvPr>
+        </p:nvSpPr>
+        <p:spPr>
+          <a:xfrm>
+            <a:off x="1607465" y="482624"/>
+            <a:ext cx="7024744" cy="1283043"/>
+          </a:xfrm>
+        </p:spPr>
+        <p:txBody>
+          <a:bodyPr>
+            <a:normAutofit fontScale="90000"/>
+          </a:bodyPr>
+          <a:lstStyle/>
+          <a:p>
+            <a:pPr algn="r"/>
+            <a:r>
+              <a:rPr lang="en-US" dirty="0" smtClean="0"/>
+              <a:t>Human Interface Design</a:t>
+            </a:r>
+            <a:br>
+              <a:rPr lang="en-US" dirty="0" smtClean="0"/>
+            </a:br>
+            <a:r>
+              <a:rPr lang="en-US" dirty="0" smtClean="0"/>
+              <a:t>Custom CSV Mapping</a:t>
+            </a:r>
+            <a:endParaRPr lang="en-US" dirty="0"/>
+          </a:p>
+        </p:txBody>
+      </p:sp>
+    </p:spTree>
+    <p:extLst>
+      <p:ext uri="{BB962C8B-B14F-4D97-AF65-F5344CB8AC3E}">
+        <p14:creationId xmlns:p14="http://schemas.microsoft.com/office/powerpoint/2010/main" xmlns="" val="552582540"/>
+      </p:ext>
+    </p:extLst>
+  </p:cSld>
+  <p:clrMapOvr>
+    <a:masterClrMapping/>
+  </p:clrMapOvr>
+  <p:timing>
+    <p:tnLst>
+      <p:par>
+        <p:cTn id="1" dur="indefinite" restart="never" nodeType="tmRoot"/>
+      </p:par>
+    </p:tnLst>
+  </p:timing>
+</p:sld>
+</file>
+
+<file path=ppt/slides/slide36.xml><?xml version="1.0" encoding="utf-8"?>
+<p:sld xmlns:a="http://schemas.openxmlformats.org/drawingml/2006/main" xmlns:r="http://schemas.openxmlformats.org/officeDocument/2006/relationships" xmlns:p="http://schemas.openxmlformats.org/presentationml/2006/main">
+  <p:cSld>
+    <p:spTree>
+      <p:nvGrpSpPr>
+        <p:cNvPr id="1" name=""/>
+        <p:cNvGrpSpPr/>
+        <p:nvPr/>
+      </p:nvGrpSpPr>
+      <p:grpSpPr>
+        <a:xfrm>
+          <a:off x="0" y="0"/>
+          <a:ext cx="0" cy="0"/>
+          <a:chOff x="0" y="0"/>
+          <a:chExt cx="0" cy="0"/>
+        </a:xfrm>
+      </p:grpSpPr>
+      <p:pic>
+        <p:nvPicPr>
+          <p:cNvPr id="4" name="Content Placeholder 3"/>
+          <p:cNvPicPr>
+            <a:picLocks noGrp="1" noChangeAspect="1"/>
+          </p:cNvPicPr>
+          <p:nvPr>
+            <p:ph idx="1"/>
+          </p:nvPr>
+        </p:nvPicPr>
+        <p:blipFill>
+          <a:blip r:embed="rId2" cstate="print"/>
+          <a:srcRect t="-2421" b="-2421"/>
+          <a:stretch>
+            <a:fillRect/>
+          </a:stretch>
+        </p:blipFill>
+        <p:spPr>
+          <a:xfrm>
+            <a:off x="1042989" y="1528795"/>
+            <a:ext cx="7025596" cy="3637051"/>
+          </a:xfrm>
+        </p:spPr>
+      </p:pic>
+      <p:sp>
+        <p:nvSpPr>
+          <p:cNvPr id="8" name="Title 1"/>
+          <p:cNvSpPr txBox="1">
+            <a:spLocks/>
+          </p:cNvSpPr>
+          <p:nvPr/>
+        </p:nvSpPr>
+        <p:spPr>
+          <a:xfrm>
+            <a:off x="1043490" y="641291"/>
+            <a:ext cx="7024744" cy="638582"/>
+          </a:xfrm>
+          <a:prstGeom prst="rect">
+            <a:avLst/>
+          </a:prstGeom>
+        </p:spPr>
+        <p:txBody>
+          <a:bodyPr vert="horz" lIns="91440" tIns="45720" rIns="91440" bIns="45720" rtlCol="0" anchor="b">
+            <a:normAutofit fontScale="90000" lnSpcReduction="10000"/>
+          </a:bodyPr>
+          <a:lstStyle>
+            <a:lvl1pPr algn="l" defTabSz="914400" rtl="0" eaLnBrk="1" latinLnBrk="0" hangingPunct="1">
+              <a:spcBef>
+                <a:spcPct val="0"/>
+              </a:spcBef>
+              <a:buNone/>
+              <a:defRPr sz="4000" kern="1200">
+                <a:solidFill>
+                  <a:schemeClr val="accent1"/>
+                </a:solidFill>
+                <a:latin typeface="+mj-lt"/>
+                <a:ea typeface="+mj-ea"/>
+                <a:cs typeface="+mj-cs"/>
+              </a:defRPr>
+            </a:lvl1pPr>
+            <a:lvl2pPr eaLnBrk="1" hangingPunct="1">
+              <a:defRPr>
+                <a:solidFill>
+                  <a:schemeClr val="tx2"/>
+                </a:solidFill>
+              </a:defRPr>
+            </a:lvl2pPr>
+            <a:lvl3pPr eaLnBrk="1" hangingPunct="1">
+              <a:defRPr>
+                <a:solidFill>
+                  <a:schemeClr val="tx2"/>
+                </a:solidFill>
+              </a:defRPr>
+            </a:lvl3pPr>
+            <a:lvl4pPr eaLnBrk="1" hangingPunct="1">
+              <a:defRPr>
+                <a:solidFill>
+                  <a:schemeClr val="tx2"/>
+                </a:solidFill>
+              </a:defRPr>
+            </a:lvl4pPr>
+            <a:lvl5pPr eaLnBrk="1" hangingPunct="1">
+              <a:defRPr>
+                <a:solidFill>
+                  <a:schemeClr val="tx2"/>
+                </a:solidFill>
+              </a:defRPr>
+            </a:lvl5pPr>
+            <a:lvl6pPr eaLnBrk="1" hangingPunct="1">
+              <a:defRPr>
+                <a:solidFill>
+                  <a:schemeClr val="tx2"/>
+                </a:solidFill>
+              </a:defRPr>
+            </a:lvl6pPr>
+            <a:lvl7pPr eaLnBrk="1" hangingPunct="1">
+              <a:defRPr>
+                <a:solidFill>
+                  <a:schemeClr val="tx2"/>
+                </a:solidFill>
+              </a:defRPr>
+            </a:lvl7pPr>
+            <a:lvl8pPr eaLnBrk="1" hangingPunct="1">
+              <a:defRPr>
+                <a:solidFill>
+                  <a:schemeClr val="tx2"/>
+                </a:solidFill>
+              </a:defRPr>
+            </a:lvl8pPr>
+            <a:lvl9pPr eaLnBrk="1" hangingPunct="1">
+              <a:defRPr>
+                <a:solidFill>
+                  <a:schemeClr val="tx2"/>
+                </a:solidFill>
+              </a:defRPr>
+            </a:lvl9pPr>
+          </a:lstStyle>
+          <a:p>
+            <a:r>
+              <a:rPr lang="en-US" smtClean="0"/>
+              <a:t>Human Interface Design</a:t>
+            </a:r>
+            <a:endParaRPr lang="en-US" dirty="0"/>
+          </a:p>
+        </p:txBody>
+      </p:sp>
+    </p:spTree>
+    <p:extLst>
+      <p:ext uri="{BB962C8B-B14F-4D97-AF65-F5344CB8AC3E}">
+        <p14:creationId xmlns:p14="http://schemas.microsoft.com/office/powerpoint/2010/main" xmlns="" val="2750094236"/>
+      </p:ext>
+    </p:extLst>
+  </p:cSld>
+  <p:clrMapOvr>
+    <a:masterClrMapping/>
+  </p:clrMapOvr>
+  <p:timing>
+    <p:tnLst>
+      <p:par>
+        <p:cTn id="1" dur="indefinite" restart="never" nodeType="tmRoot"/>
+      </p:par>
+    </p:tnLst>
+  </p:timing>
+</p:sld>
+</file>
+
+<file path=ppt/slides/slide37.xml><?xml version="1.0" encoding="utf-8"?>
+<p:sld xmlns:a="http://schemas.openxmlformats.org/drawingml/2006/main" xmlns:r="http://schemas.openxmlformats.org/officeDocument/2006/relationships" xmlns:p="http://schemas.openxmlformats.org/presentationml/2006/main">
+  <p:cSld>
+    <p:spTree>
+      <p:nvGrpSpPr>
+        <p:cNvPr id="1" name=""/>
+        <p:cNvGrpSpPr/>
+        <p:nvPr/>
+      </p:nvGrpSpPr>
+      <p:grpSpPr>
+        <a:xfrm>
+          <a:off x="0" y="0"/>
+          <a:ext cx="0" cy="0"/>
+          <a:chOff x="0" y="0"/>
+          <a:chExt cx="0" cy="0"/>
+        </a:xfrm>
+      </p:grpSpPr>
+      <p:sp>
+        <p:nvSpPr>
+          <p:cNvPr id="2" name="Title 1"/>
+          <p:cNvSpPr>
+            <a:spLocks noGrp="1"/>
+          </p:cNvSpPr>
+          <p:nvPr>
+            <p:ph type="title"/>
+          </p:nvPr>
+        </p:nvSpPr>
+        <p:spPr>
+          <a:xfrm>
+            <a:off x="1043490" y="641291"/>
+            <a:ext cx="7024744" cy="638582"/>
+          </a:xfrm>
+        </p:spPr>
+        <p:txBody>
+          <a:bodyPr>
+            <a:normAutofit fontScale="90000"/>
+          </a:bodyPr>
+          <a:lstStyle/>
+          <a:p>
+            <a:r>
+              <a:rPr lang="en-US" dirty="0" smtClean="0"/>
+              <a:t>Human Interface Design</a:t>
+            </a:r>
+            <a:endParaRPr lang="en-US" dirty="0"/>
+          </a:p>
+        </p:txBody>
+      </p:sp>
+      <p:sp>
+        <p:nvSpPr>
+          <p:cNvPr id="3" name="Rectangle 2"/>
+          <p:cNvSpPr>
+            <a:spLocks noChangeArrowheads="1"/>
+          </p:cNvSpPr>
+          <p:nvPr/>
+        </p:nvSpPr>
+        <p:spPr bwMode="auto">
+          <a:xfrm>
+            <a:off x="0" y="0"/>
+            <a:ext cx="9144000" cy="0"/>
+          </a:xfrm>
+          <a:prstGeom prst="rect">
+            <a:avLst/>
+          </a:prstGeom>
+          <a:noFill/>
+          <a:ln>
+            <a:noFill/>
+          </a:ln>
+          <a:effectLst/>
+          <a:extLst>
+            <a:ext uri="{909E8E84-426E-40dd-AFC4-6F175D3DCCD1}">
+              <a14:hiddenFill xmlns:a14="http://schemas.microsoft.com/office/drawing/2010/main" xmlns="">
+                <a:solidFill>
+                  <a:schemeClr val="accent1"/>
+                </a:solidFill>
+              </a14:hiddenFill>
+            </a:ext>
+            <a:ext uri="{91240B29-F687-4f45-9708-019B960494DF}">
+              <a14:hiddenLine xmlns:a14="http://schemas.microsoft.com/office/drawing/2010/main" xmlns="" w="9525">
+                <a:solidFill>
+                  <a:schemeClr val="tx1"/>
+                </a:solidFill>
+                <a:miter lim="800000"/>
+                <a:headEnd/>
+                <a:tailEnd/>
+              </a14:hiddenLine>
+            </a:ext>
+            <a:ext uri="{AF507438-7753-43e0-B8FC-AC1667EBCBE1}">
+              <a14:hiddenEffects xmlns:a14="http://schemas.microsoft.com/office/drawing/2010/main" xmlns="">
+                <a:effectLst>
+                  <a:outerShdw dist="35921" dir="2700000" algn="ctr" rotWithShape="0">
+                    <a:schemeClr val="bg2"/>
+                  </a:outerShdw>
+                </a:effectLst>
+              </a14:hiddenEffects>
+            </a:ext>
+          </a:extLst>
+        </p:spPr>
+        <p:txBody>
+          <a:bodyPr vert="horz" wrap="none" lIns="91440" tIns="45720" rIns="91440" bIns="45720" numCol="1" anchor="ctr" anchorCtr="0" compatLnSpc="1">
+            <a:prstTxWarp prst="textNoShape">
+              <a:avLst/>
+            </a:prstTxWarp>
+            <a:spAutoFit/>
+          </a:bodyPr>
+          <a:lstStyle/>
+          <a:p>
+            <a:endParaRPr lang="en-US"/>
+          </a:p>
+        </p:txBody>
+      </p:sp>
+      <p:sp>
+        <p:nvSpPr>
+          <p:cNvPr id="5" name="Rectangle 2"/>
+          <p:cNvSpPr>
+            <a:spLocks noChangeArrowheads="1"/>
+          </p:cNvSpPr>
+          <p:nvPr/>
+        </p:nvSpPr>
+        <p:spPr bwMode="auto">
+          <a:xfrm>
+            <a:off x="0" y="0"/>
+            <a:ext cx="9144000" cy="0"/>
+          </a:xfrm>
+          <a:prstGeom prst="rect">
+            <a:avLst/>
+          </a:prstGeom>
+          <a:noFill/>
+          <a:ln>
+            <a:noFill/>
+          </a:ln>
+          <a:effectLst/>
+          <a:extLst>
+            <a:ext uri="{909E8E84-426E-40dd-AFC4-6F175D3DCCD1}">
+              <a14:hiddenFill xmlns:a14="http://schemas.microsoft.com/office/drawing/2010/main" xmlns="">
+                <a:solidFill>
+                  <a:schemeClr val="accent1"/>
+                </a:solidFill>
+              </a14:hiddenFill>
+            </a:ext>
+            <a:ext uri="{91240B29-F687-4f45-9708-019B960494DF}">
+              <a14:hiddenLine xmlns:a14="http://schemas.microsoft.com/office/drawing/2010/main" xmlns="" w="9525">
+                <a:solidFill>
+                  <a:schemeClr val="tx1"/>
+                </a:solidFill>
+                <a:miter lim="800000"/>
+                <a:headEnd/>
+                <a:tailEnd/>
+              </a14:hiddenLine>
+            </a:ext>
+            <a:ext uri="{AF507438-7753-43e0-B8FC-AC1667EBCBE1}">
+              <a14:hiddenEffects xmlns:a14="http://schemas.microsoft.com/office/drawing/2010/main" xmlns="">
+                <a:effectLst>
+                  <a:outerShdw dist="35921" dir="2700000" algn="ctr" rotWithShape="0">
+                    <a:schemeClr val="bg2"/>
+                  </a:outerShdw>
+                </a:effectLst>
+              </a14:hiddenEffects>
+            </a:ext>
+          </a:extLst>
+        </p:spPr>
+        <p:txBody>
+          <a:bodyPr vert="horz" wrap="none" lIns="91440" tIns="45720" rIns="91440" bIns="45720" numCol="1" anchor="ctr" anchorCtr="0" compatLnSpc="1">
+            <a:prstTxWarp prst="textNoShape">
+              <a:avLst/>
+            </a:prstTxWarp>
+            <a:spAutoFit/>
+          </a:bodyPr>
+          <a:lstStyle/>
+          <a:p>
+            <a:endParaRPr lang="en-US"/>
+          </a:p>
+        </p:txBody>
+      </p:sp>
+      <p:pic>
+        <p:nvPicPr>
+          <p:cNvPr id="8" name="Picture 7"/>
+          <p:cNvPicPr/>
+          <p:nvPr/>
+        </p:nvPicPr>
+        <p:blipFill>
+          <a:blip r:embed="rId3" cstate="email">
+            <a:extLst>
+              <a:ext uri="{28A0092B-C50C-407E-A947-70E740481C1C}">
+                <a14:useLocalDpi xmlns:a14="http://schemas.microsoft.com/office/drawing/2010/main" xmlns="" val="0"/>
+              </a:ext>
+            </a:extLst>
+          </a:blip>
+          <a:srcRect/>
+          <a:stretch>
+            <a:fillRect/>
+          </a:stretch>
+        </p:blipFill>
+        <p:spPr bwMode="auto">
+          <a:xfrm>
+            <a:off x="477173" y="2419927"/>
+            <a:ext cx="4981518" cy="2767560"/>
+          </a:xfrm>
+          <a:prstGeom prst="rect">
+            <a:avLst/>
+          </a:prstGeom>
+          <a:noFill/>
+          <a:ln>
+            <a:noFill/>
+          </a:ln>
+        </p:spPr>
+      </p:pic>
+      <p:sp>
+        <p:nvSpPr>
+          <p:cNvPr id="4" name="Rectangle 2"/>
+          <p:cNvSpPr>
+            <a:spLocks noChangeArrowheads="1"/>
+          </p:cNvSpPr>
+          <p:nvPr/>
+        </p:nvSpPr>
+        <p:spPr bwMode="auto">
+          <a:xfrm>
+            <a:off x="0" y="0"/>
+            <a:ext cx="9144000" cy="0"/>
+          </a:xfrm>
+          <a:prstGeom prst="rect">
+            <a:avLst/>
+          </a:prstGeom>
+          <a:noFill/>
+          <a:ln>
+            <a:noFill/>
+          </a:ln>
+          <a:effectLst/>
+          <a:extLst>
+            <a:ext uri="{909E8E84-426E-40dd-AFC4-6F175D3DCCD1}">
+              <a14:hiddenFill xmlns:a14="http://schemas.microsoft.com/office/drawing/2010/main" xmlns="">
+                <a:solidFill>
+                  <a:schemeClr val="accent1"/>
+                </a:solidFill>
+              </a14:hiddenFill>
+            </a:ext>
+            <a:ext uri="{91240B29-F687-4f45-9708-019B960494DF}">
+              <a14:hiddenLine xmlns:a14="http://schemas.microsoft.com/office/drawing/2010/main" xmlns="" w="9525">
+                <a:solidFill>
+                  <a:schemeClr val="tx1"/>
+                </a:solidFill>
+                <a:miter lim="800000"/>
+                <a:headEnd/>
+                <a:tailEnd/>
+              </a14:hiddenLine>
+            </a:ext>
+            <a:ext uri="{AF507438-7753-43e0-B8FC-AC1667EBCBE1}">
+              <a14:hiddenEffects xmlns:a14="http://schemas.microsoft.com/office/drawing/2010/main" xmlns="">
+                <a:effectLst>
+                  <a:outerShdw dist="35921" dir="2700000" algn="ctr" rotWithShape="0">
+                    <a:schemeClr val="bg2"/>
+                  </a:outerShdw>
+                </a:effectLst>
+              </a14:hiddenEffects>
+            </a:ext>
+          </a:extLst>
+        </p:spPr>
+        <p:txBody>
+          <a:bodyPr vert="horz" wrap="none" lIns="91440" tIns="45720" rIns="91440" bIns="45720" numCol="1" anchor="ctr" anchorCtr="0" compatLnSpc="1">
+            <a:prstTxWarp prst="textNoShape">
+              <a:avLst/>
+            </a:prstTxWarp>
+            <a:spAutoFit/>
+          </a:bodyPr>
+          <a:lstStyle/>
+          <a:p>
+            <a:endParaRPr lang="en-US"/>
+          </a:p>
+        </p:txBody>
+      </p:sp>
+      <p:graphicFrame>
+        <p:nvGraphicFramePr>
+          <p:cNvPr id="6" name="Object 5"/>
+          <p:cNvGraphicFramePr>
+            <a:graphicFrameLocks noChangeAspect="1"/>
+          </p:cNvGraphicFramePr>
+          <p:nvPr>
+            <p:extLst>
+              <p:ext uri="{D42A27DB-BD31-4B8C-83A1-F6EECF244321}">
+                <p14:modId xmlns:p14="http://schemas.microsoft.com/office/powerpoint/2010/main" xmlns="" val="3607041668"/>
+              </p:ext>
+            </p:extLst>
+          </p:nvPr>
+        </p:nvGraphicFramePr>
+        <p:xfrm>
+          <a:off x="5458691" y="1279873"/>
+          <a:ext cx="3209925" cy="5086350"/>
+        </p:xfrm>
+        <a:graphic>
+          <a:graphicData uri="http://schemas.openxmlformats.org/presentationml/2006/ole">
+            <p:oleObj spid="_x0000_s38930" name="Visio" r:id="rId4" imgW="3204214" imgH="5082432" progId="">
+              <p:embed/>
+            </p:oleObj>
+          </a:graphicData>
+        </a:graphic>
+      </p:graphicFrame>
+      <p:pic>
+        <p:nvPicPr>
+          <p:cNvPr id="9" name="Picture 7"/>
+          <p:cNvPicPr>
+            <a:picLocks noChangeAspect="1" noChangeArrowheads="1"/>
+          </p:cNvPicPr>
+          <p:nvPr/>
+        </p:nvPicPr>
+        <p:blipFill>
+          <a:blip r:embed="rId5" cstate="email">
+            <a:extLst>
+              <a:ext uri="{28A0092B-C50C-407E-A947-70E740481C1C}">
+                <a14:useLocalDpi xmlns:a14="http://schemas.microsoft.com/office/drawing/2010/main" xmlns="" val="0"/>
+              </a:ext>
+            </a:extLst>
+          </a:blip>
+          <a:srcRect/>
+          <a:stretch>
+            <a:fillRect/>
+          </a:stretch>
+        </p:blipFill>
+        <p:spPr bwMode="auto">
+          <a:xfrm>
+            <a:off x="477173" y="2229394"/>
+            <a:ext cx="5434692" cy="3238690"/>
+          </a:xfrm>
+          <a:prstGeom prst="rect">
+            <a:avLst/>
+          </a:prstGeom>
+          <a:noFill/>
+          <a:ln>
+            <a:noFill/>
+          </a:ln>
+          <a:effectLst/>
+          <a:extLst>
+            <a:ext uri="{909E8E84-426E-40DD-AFC4-6F175D3DCCD1}">
+              <a14:hiddenFill xmlns:a14="http://schemas.microsoft.com/office/drawing/2010/main" xmlns="">
+                <a:solidFill>
+                  <a:schemeClr val="accent1"/>
+                </a:solidFill>
+              </a14:hiddenFill>
+            </a:ext>
+            <a:ext uri="{91240B29-F687-4F45-9708-019B960494DF}">
+              <a14:hiddenLine xmlns:a14="http://schemas.microsoft.com/office/drawing/2010/main" xmlns="" w="9525">
+                <a:solidFill>
+                  <a:schemeClr val="tx1"/>
+                </a:solidFill>
+                <a:miter lim="800000"/>
+                <a:headEnd/>
+                <a:tailEnd/>
+              </a14:hiddenLine>
+            </a:ext>
+            <a:ext uri="{AF507438-7753-43E0-B8FC-AC1667EBCBE1}">
+              <a14:hiddenEffects xmlns:a14="http://schemas.microsoft.com/office/drawing/2010/main" xmlns="">
+                <a:effectLst>
+                  <a:outerShdw dist="35921" dir="2700000" algn="ctr" rotWithShape="0">
+                    <a:schemeClr val="bg2"/>
+                  </a:outerShdw>
+                </a:effectLst>
+              </a14:hiddenEffects>
+            </a:ext>
+          </a:extLst>
+        </p:spPr>
+      </p:pic>
+    </p:spTree>
+    <p:extLst>
+      <p:ext uri="{BB962C8B-B14F-4D97-AF65-F5344CB8AC3E}">
+        <p14:creationId xmlns:p14="http://schemas.microsoft.com/office/powerpoint/2010/main" xmlns="" val="2227559208"/>
+      </p:ext>
+    </p:extLst>
+  </p:cSld>
+  <p:clrMapOvr>
+    <a:masterClrMapping/>
+  </p:clrMapOvr>
+  <p:timing>
+    <p:tnLst>
+      <p:par>
+        <p:cTn id="1" dur="indefinite" restart="never" nodeType="tmRoot"/>
+      </p:par>
+    </p:tnLst>
+  </p:timing>
+</p:sld>
+</file>
+
+<file path=ppt/slides/slide38.xml><?xml version="1.0" encoding="utf-8"?>
+<p:sld xmlns:a="http://schemas.openxmlformats.org/drawingml/2006/main" xmlns:r="http://schemas.openxmlformats.org/officeDocument/2006/relationships" xmlns:p="http://schemas.openxmlformats.org/presentationml/2006/main">
+  <p:cSld>
+    <p:spTree>
+      <p:nvGrpSpPr>
+        <p:cNvPr id="1" name=""/>
+        <p:cNvGrpSpPr/>
+        <p:nvPr/>
+      </p:nvGrpSpPr>
+      <p:grpSpPr>
+        <a:xfrm>
+          <a:off x="0" y="0"/>
+          <a:ext cx="0" cy="0"/>
+          <a:chOff x="0" y="0"/>
+          <a:chExt cx="0" cy="0"/>
+        </a:xfrm>
+      </p:grpSpPr>
+      <p:sp>
+        <p:nvSpPr>
+          <p:cNvPr id="2" name="Title 1"/>
+          <p:cNvSpPr>
+            <a:spLocks noGrp="1"/>
+          </p:cNvSpPr>
+          <p:nvPr>
+            <p:ph type="title"/>
+          </p:nvPr>
+        </p:nvSpPr>
+        <p:spPr/>
+        <p:txBody>
+          <a:bodyPr/>
+          <a:lstStyle/>
+          <a:p>
+            <a:r>
+              <a:rPr lang="en-US" dirty="0" smtClean="0"/>
+              <a:t>Online </a:t>
+            </a:r>
+            <a:r>
+              <a:rPr lang="en-US" dirty="0" smtClean="0"/>
+              <a:t>Demonstration</a:t>
+            </a:r>
+            <a:endParaRPr lang="en-US" dirty="0"/>
+          </a:p>
+        </p:txBody>
+      </p:sp>
+      <p:sp>
+        <p:nvSpPr>
+          <p:cNvPr id="3" name="Content Placeholder 2"/>
+          <p:cNvSpPr>
+            <a:spLocks noGrp="1"/>
+          </p:cNvSpPr>
+          <p:nvPr>
+            <p:ph idx="1"/>
+          </p:nvPr>
+        </p:nvSpPr>
+        <p:spPr/>
+        <p:txBody>
+          <a:bodyPr/>
+          <a:lstStyle/>
+          <a:p>
+            <a:endParaRPr lang="en-US" dirty="0" smtClean="0">
+              <a:hlinkClick r:id="rId2"/>
+            </a:endParaRPr>
+          </a:p>
+          <a:p>
+            <a:r>
+              <a:rPr lang="en-US" dirty="0" smtClean="0">
+                <a:hlinkClick r:id="rId2"/>
+              </a:rPr>
+              <a:t>http://ibudget.simplefunctions.com</a:t>
+            </a:r>
+            <a:endParaRPr lang="en-US" dirty="0" smtClean="0"/>
+          </a:p>
+          <a:p>
+            <a:pPr>
+              <a:buNone/>
+            </a:pPr>
+            <a:endParaRPr lang="en-US" dirty="0" smtClean="0"/>
+          </a:p>
+        </p:txBody>
+      </p:sp>
+      <p:pic>
+        <p:nvPicPr>
+          <p:cNvPr id="1026" name="Picture 2" descr="HTML5-logo.svg"/>
+          <p:cNvPicPr>
+            <a:picLocks noChangeAspect="1" noChangeArrowheads="1"/>
+          </p:cNvPicPr>
+          <p:nvPr/>
+        </p:nvPicPr>
+        <p:blipFill>
+          <a:blip r:embed="rId3" cstate="print">
+            <a:extLst>
+              <a:ext uri="{28A0092B-C50C-407E-A947-70E740481C1C}">
+                <a14:useLocalDpi xmlns:a14="http://schemas.microsoft.com/office/drawing/2010/main" xmlns="" val="0"/>
+              </a:ext>
+            </a:extLst>
+          </a:blip>
+          <a:srcRect/>
+          <a:stretch>
+            <a:fillRect/>
+          </a:stretch>
+        </p:blipFill>
+        <p:spPr bwMode="auto">
+          <a:xfrm>
+            <a:off x="3862602" y="4284833"/>
+            <a:ext cx="1143000" cy="1143001"/>
+          </a:xfrm>
+          <a:prstGeom prst="rect">
+            <a:avLst/>
+          </a:prstGeom>
+          <a:noFill/>
+          <a:extLst>
+            <a:ext uri="{909E8E84-426E-40dd-AFC4-6F175D3DCCD1}">
+              <a14:hiddenFill xmlns:a14="http://schemas.microsoft.com/office/drawing/2010/main" xmlns="">
+                <a:solidFill>
+                  <a:srgbClr val="FFFFFF"/>
+                </a:solidFill>
+              </a14:hiddenFill>
+            </a:ext>
+          </a:extLst>
+        </p:spPr>
+      </p:pic>
+    </p:spTree>
+    <p:extLst>
+      <p:ext uri="{BB962C8B-B14F-4D97-AF65-F5344CB8AC3E}">
+        <p14:creationId xmlns:p14="http://schemas.microsoft.com/office/powerpoint/2010/main" xmlns="" val="3832736806"/>
+      </p:ext>
+    </p:extLst>
+  </p:cSld>
+  <p:clrMapOvr>
+    <a:masterClrMapping/>
+  </p:clrMapOvr>
+  <p:timing>
+    <p:tnLst>
+      <p:par>
+        <p:cTn id="1" dur="indefinite" restart="never" nodeType="tmRoot"/>
+      </p:par>
+    </p:tnLst>
+  </p:timing>
+</p:sld>
+</file>
+
+<file path=ppt/slides/slide39.xml><?xml version="1.0" encoding="utf-8"?>
 <p:sld xmlns:a="http://schemas.openxmlformats.org/drawingml/2006/main" xmlns:r="http://schemas.openxmlformats.org/officeDocument/2006/relationships" xmlns:p="http://schemas.openxmlformats.org/presentationml/2006/main">
   <p:cSld>
     <p:spTree>
@@ -27089,14 +28240,14 @@
           <a:effectLst/>
           <a:extLst>
             <a:ext uri="{909E8E84-426E-40dd-AFC4-6F175D3DCCD1}">
-              <a14:hiddenFill xmlns:a14="http://schemas.microsoft.com/office/drawing/2010/main">
+              <a14:hiddenFill xmlns:a14="http://schemas.microsoft.com/office/drawing/2010/main" xmlns="">
                 <a:solidFill>
                   <a:schemeClr val="accent1"/>
                 </a:solidFill>
               </a14:hiddenFill>
             </a:ext>
             <a:ext uri="{91240B29-F687-4f45-9708-019B960494DF}">
-              <a14:hiddenLine xmlns:a14="http://schemas.microsoft.com/office/drawing/2010/main" w="9525">
+              <a14:hiddenLine xmlns:a14="http://schemas.microsoft.com/office/drawing/2010/main" xmlns="" w="9525">
                 <a:solidFill>
                   <a:schemeClr val="tx1"/>
                 </a:solidFill>
@@ -27106,7 +28257,7 @@
               </a14:hiddenLine>
             </a:ext>
             <a:ext uri="{AF507438-7753-43e0-B8FC-AC1667EBCBE1}">
-              <a14:hiddenEffects xmlns:a14="http://schemas.microsoft.com/office/drawing/2010/main">
+              <a14:hiddenEffects xmlns:a14="http://schemas.microsoft.com/office/drawing/2010/main" xmlns="">
                 <a:effectLst>
                   <a:outerShdw dist="35921" dir="2700000" algn="ctr" rotWithShape="0">
                     <a:schemeClr val="bg2"/>
@@ -27152,14 +28303,14 @@
           <a:effectLst/>
           <a:extLst>
             <a:ext uri="{909E8E84-426E-40dd-AFC4-6F175D3DCCD1}">
-              <a14:hiddenFill xmlns:a14="http://schemas.microsoft.com/office/drawing/2010/main">
+              <a14:hiddenFill xmlns:a14="http://schemas.microsoft.com/office/drawing/2010/main" xmlns="">
                 <a:solidFill>
                   <a:schemeClr val="accent1"/>
                 </a:solidFill>
               </a14:hiddenFill>
             </a:ext>
             <a:ext uri="{91240B29-F687-4f45-9708-019B960494DF}">
-              <a14:hiddenLine xmlns:a14="http://schemas.microsoft.com/office/drawing/2010/main" w="9525">
+              <a14:hiddenLine xmlns:a14="http://schemas.microsoft.com/office/drawing/2010/main" xmlns="" w="9525">
                 <a:solidFill>
                   <a:schemeClr val="tx1"/>
                 </a:solidFill>
@@ -27169,7 +28320,7 @@
               </a14:hiddenLine>
             </a:ext>
             <a:ext uri="{AF507438-7753-43e0-B8FC-AC1667EBCBE1}">
-              <a14:hiddenEffects xmlns:a14="http://schemas.microsoft.com/office/drawing/2010/main">
+              <a14:hiddenEffects xmlns:a14="http://schemas.microsoft.com/office/drawing/2010/main" xmlns="">
                 <a:effectLst>
                   <a:outerShdw dist="35921" dir="2700000" algn="ctr" rotWithShape="0">
                     <a:schemeClr val="bg2"/>
@@ -27215,14 +28366,14 @@
           <a:effectLst/>
           <a:extLst>
             <a:ext uri="{909E8E84-426E-40dd-AFC4-6F175D3DCCD1}">
-              <a14:hiddenFill xmlns:a14="http://schemas.microsoft.com/office/drawing/2010/main">
+              <a14:hiddenFill xmlns:a14="http://schemas.microsoft.com/office/drawing/2010/main" xmlns="">
                 <a:solidFill>
                   <a:schemeClr val="accent1"/>
                 </a:solidFill>
               </a14:hiddenFill>
             </a:ext>
             <a:ext uri="{91240B29-F687-4f45-9708-019B960494DF}">
-              <a14:hiddenLine xmlns:a14="http://schemas.microsoft.com/office/drawing/2010/main" w="9525">
+              <a14:hiddenLine xmlns:a14="http://schemas.microsoft.com/office/drawing/2010/main" xmlns="" w="9525">
                 <a:solidFill>
                   <a:schemeClr val="tx1"/>
                 </a:solidFill>
@@ -27232,7 +28383,7 @@
               </a14:hiddenLine>
             </a:ext>
             <a:ext uri="{AF507438-7753-43e0-B8FC-AC1667EBCBE1}">
-              <a14:hiddenEffects xmlns:a14="http://schemas.microsoft.com/office/drawing/2010/main">
+              <a14:hiddenEffects xmlns:a14="http://schemas.microsoft.com/office/drawing/2010/main" xmlns="">
                 <a:effectLst>
                   <a:outerShdw dist="35921" dir="2700000" algn="ctr" rotWithShape="0">
                     <a:schemeClr val="bg2"/>
@@ -27258,7 +28409,7 @@
     </p:spTree>
     <p:extLst>
       <p:ext uri="{BB962C8B-B14F-4D97-AF65-F5344CB8AC3E}">
-        <p14:creationId xmlns:p14="http://schemas.microsoft.com/office/powerpoint/2010/main" val="336984967"/>
+        <p14:creationId xmlns:p14="http://schemas.microsoft.com/office/powerpoint/2010/main" xmlns="" val="336984967"/>
       </p:ext>
     </p:extLst>
   </p:cSld>
@@ -27268,152 +28419,7 @@
   <p:timing>
     <p:tnLst>
       <p:par>
-        <p:cTn xmlns:p14="http://schemas.microsoft.com/office/powerpoint/2010/main" id="1" dur="indefinite" restart="never" nodeType="tmRoot"/>
-      </p:par>
-    </p:tnLst>
-  </p:timing>
-</p:sld>
-</file>
-
-<file path=ppt/slides/slide35.xml><?xml version="1.0" encoding="utf-8"?>
-<p:sld xmlns:a="http://schemas.openxmlformats.org/drawingml/2006/main" xmlns:r="http://schemas.openxmlformats.org/officeDocument/2006/relationships" xmlns:p="http://schemas.openxmlformats.org/presentationml/2006/main">
-  <p:cSld>
-    <p:spTree>
-      <p:nvGrpSpPr>
-        <p:cNvPr id="1" name=""/>
-        <p:cNvGrpSpPr/>
-        <p:nvPr/>
-      </p:nvGrpSpPr>
-      <p:grpSpPr>
-        <a:xfrm>
-          <a:off x="0" y="0"/>
-          <a:ext cx="0" cy="0"/>
-          <a:chOff x="0" y="0"/>
-          <a:chExt cx="0" cy="0"/>
-        </a:xfrm>
-      </p:grpSpPr>
-      <p:sp>
-        <p:nvSpPr>
-          <p:cNvPr id="2" name="Title 1"/>
-          <p:cNvSpPr>
-            <a:spLocks noGrp="1"/>
-          </p:cNvSpPr>
-          <p:nvPr>
-            <p:ph type="title"/>
-          </p:nvPr>
-        </p:nvSpPr>
-        <p:spPr/>
-        <p:txBody>
-          <a:bodyPr/>
-          <a:lstStyle/>
-          <a:p>
-            <a:r>
-              <a:rPr lang="en-US" dirty="0" smtClean="0"/>
-              <a:t>Online </a:t>
-            </a:r>
-            <a:r>
-              <a:rPr lang="en-US" dirty="0" err="1" smtClean="0"/>
-              <a:t>Demonstation</a:t>
-            </a:r>
-            <a:endParaRPr lang="en-US" dirty="0"/>
-          </a:p>
-        </p:txBody>
-      </p:sp>
-      <p:sp>
-        <p:nvSpPr>
-          <p:cNvPr id="3" name="Content Placeholder 2"/>
-          <p:cNvSpPr>
-            <a:spLocks noGrp="1"/>
-          </p:cNvSpPr>
-          <p:nvPr>
-            <p:ph idx="1"/>
-          </p:nvPr>
-        </p:nvSpPr>
-        <p:spPr/>
-        <p:txBody>
-          <a:bodyPr/>
-          <a:lstStyle/>
-          <a:p>
-            <a:endParaRPr lang="en-US" dirty="0" smtClean="0">
-              <a:hlinkClick r:id="rId2"/>
-            </a:endParaRPr>
-          </a:p>
-          <a:p>
-            <a:r>
-              <a:rPr lang="en-US" dirty="0" smtClean="0">
-                <a:hlinkClick r:id="rId2"/>
-              </a:rPr>
-              <a:t>http://ibudget.simplefunctions.com</a:t>
-            </a:r>
-            <a:endParaRPr lang="en-US" dirty="0" smtClean="0"/>
-          </a:p>
-          <a:p>
-            <a:endParaRPr lang="en-US" dirty="0" smtClean="0"/>
-          </a:p>
-          <a:p>
-            <a:r>
-              <a:rPr lang="en-US" dirty="0" smtClean="0"/>
-              <a:t>We each take turn to show the pages or functionalities that we worked on.</a:t>
-            </a:r>
-            <a:endParaRPr lang="en-US" dirty="0"/>
-          </a:p>
-        </p:txBody>
-      </p:sp>
-      <p:pic>
-        <p:nvPicPr>
-          <p:cNvPr id="1026" name="Picture 2" descr="HTML5-logo.svg"/>
-          <p:cNvPicPr>
-            <a:picLocks noChangeAspect="1" noChangeArrowheads="1"/>
-          </p:cNvPicPr>
-          <p:nvPr/>
-        </p:nvPicPr>
-        <p:blipFill>
-          <a:blip r:embed="rId3" cstate="print">
-            <a:extLst>
-              <a:ext uri="{28A0092B-C50C-407E-A947-70E740481C1C}">
-                <a14:useLocalDpi xmlns:a14="http://schemas.microsoft.com/office/drawing/2010/main" val="0"/>
-              </a:ext>
-            </a:extLst>
-          </a:blip>
-          <a:srcRect/>
-          <a:stretch>
-            <a:fillRect/>
-          </a:stretch>
-        </p:blipFill>
-        <p:spPr bwMode="auto">
-          <a:xfrm>
-            <a:off x="3862602" y="4856334"/>
-            <a:ext cx="1143000" cy="1143001"/>
-          </a:xfrm>
-          <a:prstGeom prst="rect">
-            <a:avLst/>
-          </a:prstGeom>
-          <a:noFill/>
-          <a:extLst>
-            <a:ext uri="{909E8E84-426E-40dd-AFC4-6F175D3DCCD1}">
-              <a14:hiddenFill xmlns:a14="http://schemas.microsoft.com/office/drawing/2010/main">
-                <a:solidFill>
-                  <a:srgbClr val="FFFFFF"/>
-                </a:solidFill>
-              </a14:hiddenFill>
-            </a:ext>
-          </a:extLst>
-        </p:spPr>
-      </p:pic>
-    </p:spTree>
-    <p:extLst>
-      <p:ext uri="{BB962C8B-B14F-4D97-AF65-F5344CB8AC3E}">
-        <p14:creationId xmlns:p14="http://schemas.microsoft.com/office/powerpoint/2010/main" val="3832736806"/>
-      </p:ext>
-    </p:extLst>
-  </p:cSld>
-  <p:clrMapOvr>
-    <a:masterClrMapping/>
-  </p:clrMapOvr>
-  <p:timing>
-    <p:tnLst>
-      <p:par>
-        <p:cTn xmlns:p14="http://schemas.microsoft.com/office/powerpoint/2010/main" id="1" dur="indefinite" restart="never" nodeType="tmRoot"/>
+        <p:cTn id="1" dur="indefinite" restart="never" nodeType="tmRoot"/>
       </p:par>
     </p:tnLst>
   </p:timing>
@@ -27590,8 +28596,8 @@
           </a:p>
           <a:p>
             <a:pPr marL="342900" indent="-342900">
-              <a:buFont typeface="+mj-lt"/>
-              <a:buAutoNum type="alphaLcParenR"/>
+              <a:buFont typeface="Courier New"/>
+              <a:buChar char="o"/>
             </a:pPr>
             <a:r>
               <a:rPr lang="en-US" dirty="0" smtClean="0"/>
@@ -27600,15 +28606,15 @@
           </a:p>
           <a:p>
             <a:pPr marL="342900" indent="-342900">
-              <a:buFont typeface="+mj-lt"/>
-              <a:buAutoNum type="alphaLcParenR"/>
+              <a:buFont typeface="Courier New"/>
+              <a:buChar char="o"/>
             </a:pPr>
             <a:endParaRPr lang="en-US" dirty="0" smtClean="0"/>
           </a:p>
           <a:p>
             <a:pPr marL="342900" indent="-342900">
-              <a:buFont typeface="+mj-lt"/>
-              <a:buAutoNum type="alphaLcParenR"/>
+              <a:buFont typeface="Courier New"/>
+              <a:buChar char="o"/>
             </a:pPr>
             <a:r>
               <a:rPr lang="en-US" dirty="0" smtClean="0"/>
@@ -27648,6 +28654,10 @@
             <a:endParaRPr lang="en-US" dirty="0" smtClean="0"/>
           </a:p>
           <a:p>
+            <a:pPr marL="285750" indent="-285750">
+              <a:buFont typeface="Courier New"/>
+              <a:buChar char="o"/>
+            </a:pPr>
             <a:r>
               <a:rPr lang="en-US" dirty="0" smtClean="0"/>
               <a:t>Account credentials to financial institutions</a:t>
@@ -27660,6 +28670,13 @@
   <p:clrMapOvr>
     <a:masterClrMapping/>
   </p:clrMapOvr>
+  <p:timing>
+    <p:tnLst>
+      <p:par>
+        <p:cTn id="1" dur="indefinite" restart="never" nodeType="tmRoot"/>
+      </p:par>
+    </p:tnLst>
+  </p:timing>
 </p:sld>
 </file>
 
@@ -28723,6 +29740,13 @@
   <p:clrMapOvr>
     <a:masterClrMapping/>
   </p:clrMapOvr>
+  <p:timing>
+    <p:tnLst>
+      <p:par>
+        <p:cTn id="1" dur="indefinite" restart="never" nodeType="tmRoot"/>
+      </p:par>
+    </p:tnLst>
+  </p:timing>
 </p:sld>
 </file>
 
@@ -28753,7 +29777,12 @@
             <p:ph type="title"/>
           </p:nvPr>
         </p:nvSpPr>
-        <p:spPr/>
+        <p:spPr>
+          <a:xfrm>
+            <a:off x="796065" y="410308"/>
+            <a:ext cx="7024744" cy="1143000"/>
+          </a:xfrm>
+        </p:spPr>
         <p:txBody>
           <a:bodyPr>
             <a:normAutofit/>
@@ -28770,41 +29799,1507 @@
       </p:sp>
       <p:sp>
         <p:nvSpPr>
-          <p:cNvPr id="3" name="Content Placeholder 2"/>
+          <p:cNvPr id="54274" name="Rectangle 2"/>
           <p:cNvSpPr>
-            <a:spLocks noGrp="1"/>
+            <a:spLocks noChangeArrowheads="1"/>
           </p:cNvSpPr>
-          <p:nvPr>
-            <p:ph idx="1"/>
-          </p:nvPr>
+          <p:nvPr/>
         </p:nvSpPr>
-        <p:spPr/>
+        <p:spPr bwMode="auto">
+          <a:xfrm>
+            <a:off x="0" y="0"/>
+            <a:ext cx="9144000" cy="0"/>
+          </a:xfrm>
+          <a:prstGeom prst="rect">
+            <a:avLst/>
+          </a:prstGeom>
+          <a:noFill/>
+          <a:ln w="9525">
+            <a:noFill/>
+            <a:miter lim="800000"/>
+            <a:headEnd/>
+            <a:tailEnd/>
+          </a:ln>
+          <a:effectLst/>
+        </p:spPr>
         <p:txBody>
-          <a:bodyPr/>
+          <a:bodyPr vert="horz" wrap="none" lIns="91440" tIns="45720" rIns="91440" bIns="45720" numCol="1" anchor="ctr" anchorCtr="0" compatLnSpc="1">
+            <a:prstTxWarp prst="textNoShape">
+              <a:avLst/>
+            </a:prstTxWarp>
+            <a:spAutoFit/>
+          </a:bodyPr>
           <a:lstStyle/>
           <a:p>
-            <a:r>
-              <a:rPr lang="en-US" dirty="0" smtClean="0"/>
-              <a:t>Organizational Structure</a:t>
-            </a:r>
-          </a:p>
-          <a:p>
-            <a:pPr>
-              <a:buNone/>
-            </a:pPr>
-            <a:r>
-              <a:rPr lang="en-US" dirty="0" smtClean="0"/>
-              <a:t> </a:t>
-            </a:r>
-            <a:endParaRPr lang="en-US" dirty="0"/>
+            <a:endParaRPr lang="en-US"/>
           </a:p>
         </p:txBody>
       </p:sp>
+      <p:graphicFrame>
+        <p:nvGraphicFramePr>
+          <p:cNvPr id="54273" name="Object 1"/>
+          <p:cNvGraphicFramePr>
+            <a:graphicFrameLocks noChangeAspect="1"/>
+          </p:cNvGraphicFramePr>
+          <p:nvPr/>
+        </p:nvGraphicFramePr>
+        <p:xfrm>
+          <a:off x="2391506" y="1633171"/>
+          <a:ext cx="4296567" cy="3220183"/>
+        </p:xfrm>
+        <a:graphic>
+          <a:graphicData uri="http://schemas.openxmlformats.org/presentationml/2006/ole">
+            <p:oleObj spid="_x0000_s83970" name="Presentation" r:id="rId3" imgW="4570378" imgH="3427559" progId="PowerPoint.Show.12">
+              <p:embed/>
+            </p:oleObj>
+          </a:graphicData>
+        </a:graphic>
+      </p:graphicFrame>
+      <p:graphicFrame>
+        <p:nvGraphicFramePr>
+          <p:cNvPr id="7" name="Table 6"/>
+          <p:cNvGraphicFramePr>
+            <a:graphicFrameLocks noGrp="1"/>
+          </p:cNvGraphicFramePr>
+          <p:nvPr/>
+        </p:nvGraphicFramePr>
+        <p:xfrm>
+          <a:off x="1411803" y="4853354"/>
+          <a:ext cx="6080760" cy="1341120"/>
+        </p:xfrm>
+        <a:graphic>
+          <a:graphicData uri="http://schemas.openxmlformats.org/drawingml/2006/table">
+            <a:tbl>
+              <a:tblPr/>
+              <a:tblGrid>
+                <a:gridCol w="868680"/>
+                <a:gridCol w="868680"/>
+                <a:gridCol w="868680"/>
+                <a:gridCol w="868680"/>
+                <a:gridCol w="868680"/>
+                <a:gridCol w="868680"/>
+                <a:gridCol w="868680"/>
+              </a:tblGrid>
+              <a:tr h="0">
+                <a:tc>
+                  <a:txBody>
+                    <a:bodyPr/>
+                    <a:lstStyle/>
+                    <a:p>
+                      <a:pPr marL="0" marR="0" algn="ctr">
+                        <a:spcBef>
+                          <a:spcPts val="0"/>
+                        </a:spcBef>
+                        <a:spcAft>
+                          <a:spcPts val="0"/>
+                        </a:spcAft>
+                      </a:pPr>
+                      <a:r>
+                        <a:rPr lang="en-US" sz="1100" dirty="0">
+                          <a:latin typeface="Arial"/>
+                          <a:ea typeface="Calibri"/>
+                          <a:cs typeface="Arial"/>
+                        </a:rPr>
+                        <a:t>Member</a:t>
+                      </a:r>
+                      <a:endParaRPr lang="en-US" sz="1200" dirty="0">
+                        <a:latin typeface="Arial"/>
+                        <a:ea typeface="Calibri"/>
+                        <a:cs typeface="Times New Roman"/>
+                      </a:endParaRPr>
+                    </a:p>
+                  </a:txBody>
+                  <a:tcPr marL="68580" marR="68580" marT="0" marB="0">
+                    <a:lnL w="12700" cap="flat" cmpd="sng" algn="ctr">
+                      <a:solidFill>
+                        <a:srgbClr val="000000"/>
+                      </a:solidFill>
+                      <a:prstDash val="solid"/>
+                      <a:round/>
+                      <a:headEnd type="none" w="med" len="med"/>
+                      <a:tailEnd type="none" w="med" len="med"/>
+                    </a:lnL>
+                    <a:lnR w="12700" cap="flat" cmpd="sng" algn="ctr">
+                      <a:solidFill>
+                        <a:srgbClr val="000000"/>
+                      </a:solidFill>
+                      <a:prstDash val="solid"/>
+                      <a:round/>
+                      <a:headEnd type="none" w="med" len="med"/>
+                      <a:tailEnd type="none" w="med" len="med"/>
+                    </a:lnR>
+                    <a:lnT w="12700" cap="flat" cmpd="sng" algn="ctr">
+                      <a:solidFill>
+                        <a:srgbClr val="000000"/>
+                      </a:solidFill>
+                      <a:prstDash val="solid"/>
+                      <a:round/>
+                      <a:headEnd type="none" w="med" len="med"/>
+                      <a:tailEnd type="none" w="med" len="med"/>
+                    </a:lnT>
+                    <a:lnB w="12700" cap="flat" cmpd="sng" algn="ctr">
+                      <a:solidFill>
+                        <a:srgbClr val="000000"/>
+                      </a:solidFill>
+                      <a:prstDash val="solid"/>
+                      <a:round/>
+                      <a:headEnd type="none" w="med" len="med"/>
+                      <a:tailEnd type="none" w="med" len="med"/>
+                    </a:lnB>
+                    <a:solidFill>
+                      <a:srgbClr val="BFBFBF"/>
+                    </a:solidFill>
+                  </a:tcPr>
+                </a:tc>
+                <a:tc>
+                  <a:txBody>
+                    <a:bodyPr/>
+                    <a:lstStyle/>
+                    <a:p>
+                      <a:pPr marL="0" marR="0" algn="ctr">
+                        <a:spcBef>
+                          <a:spcPts val="0"/>
+                        </a:spcBef>
+                        <a:spcAft>
+                          <a:spcPts val="0"/>
+                        </a:spcAft>
+                      </a:pPr>
+                      <a:r>
+                        <a:rPr lang="en-US" sz="1100">
+                          <a:latin typeface="Arial"/>
+                          <a:ea typeface="Calibri"/>
+                          <a:cs typeface="Arial"/>
+                        </a:rPr>
+                        <a:t>Team Leader</a:t>
+                      </a:r>
+                      <a:endParaRPr lang="en-US" sz="1200">
+                        <a:latin typeface="Arial"/>
+                        <a:ea typeface="Calibri"/>
+                        <a:cs typeface="Times New Roman"/>
+                      </a:endParaRPr>
+                    </a:p>
+                  </a:txBody>
+                  <a:tcPr marL="68580" marR="68580" marT="0" marB="0">
+                    <a:lnL w="12700" cap="flat" cmpd="sng" algn="ctr">
+                      <a:solidFill>
+                        <a:srgbClr val="000000"/>
+                      </a:solidFill>
+                      <a:prstDash val="solid"/>
+                      <a:round/>
+                      <a:headEnd type="none" w="med" len="med"/>
+                      <a:tailEnd type="none" w="med" len="med"/>
+                    </a:lnL>
+                    <a:lnR w="12700" cap="flat" cmpd="sng" algn="ctr">
+                      <a:solidFill>
+                        <a:srgbClr val="000000"/>
+                      </a:solidFill>
+                      <a:prstDash val="solid"/>
+                      <a:round/>
+                      <a:headEnd type="none" w="med" len="med"/>
+                      <a:tailEnd type="none" w="med" len="med"/>
+                    </a:lnR>
+                    <a:lnT w="12700" cap="flat" cmpd="sng" algn="ctr">
+                      <a:solidFill>
+                        <a:srgbClr val="000000"/>
+                      </a:solidFill>
+                      <a:prstDash val="solid"/>
+                      <a:round/>
+                      <a:headEnd type="none" w="med" len="med"/>
+                      <a:tailEnd type="none" w="med" len="med"/>
+                    </a:lnT>
+                    <a:lnB w="12700" cap="flat" cmpd="sng" algn="ctr">
+                      <a:solidFill>
+                        <a:srgbClr val="000000"/>
+                      </a:solidFill>
+                      <a:prstDash val="solid"/>
+                      <a:round/>
+                      <a:headEnd type="none" w="med" len="med"/>
+                      <a:tailEnd type="none" w="med" len="med"/>
+                    </a:lnB>
+                    <a:solidFill>
+                      <a:srgbClr val="BFBFBF"/>
+                    </a:solidFill>
+                  </a:tcPr>
+                </a:tc>
+                <a:tc>
+                  <a:txBody>
+                    <a:bodyPr/>
+                    <a:lstStyle/>
+                    <a:p>
+                      <a:pPr marL="0" marR="0" algn="ctr">
+                        <a:spcBef>
+                          <a:spcPts val="0"/>
+                        </a:spcBef>
+                        <a:spcAft>
+                          <a:spcPts val="0"/>
+                        </a:spcAft>
+                      </a:pPr>
+                      <a:r>
+                        <a:rPr lang="en-US" sz="1100" dirty="0">
+                          <a:latin typeface="Arial"/>
+                          <a:ea typeface="Calibri"/>
+                          <a:cs typeface="Arial"/>
+                        </a:rPr>
+                        <a:t>CM Leader</a:t>
+                      </a:r>
+                      <a:endParaRPr lang="en-US" sz="1200" dirty="0">
+                        <a:latin typeface="Arial"/>
+                        <a:ea typeface="Calibri"/>
+                        <a:cs typeface="Times New Roman"/>
+                      </a:endParaRPr>
+                    </a:p>
+                  </a:txBody>
+                  <a:tcPr marL="68580" marR="68580" marT="0" marB="0">
+                    <a:lnL w="12700" cap="flat" cmpd="sng" algn="ctr">
+                      <a:solidFill>
+                        <a:srgbClr val="000000"/>
+                      </a:solidFill>
+                      <a:prstDash val="solid"/>
+                      <a:round/>
+                      <a:headEnd type="none" w="med" len="med"/>
+                      <a:tailEnd type="none" w="med" len="med"/>
+                    </a:lnL>
+                    <a:lnR w="12700" cap="flat" cmpd="sng" algn="ctr">
+                      <a:solidFill>
+                        <a:srgbClr val="000000"/>
+                      </a:solidFill>
+                      <a:prstDash val="solid"/>
+                      <a:round/>
+                      <a:headEnd type="none" w="med" len="med"/>
+                      <a:tailEnd type="none" w="med" len="med"/>
+                    </a:lnR>
+                    <a:lnT w="12700" cap="flat" cmpd="sng" algn="ctr">
+                      <a:solidFill>
+                        <a:srgbClr val="000000"/>
+                      </a:solidFill>
+                      <a:prstDash val="solid"/>
+                      <a:round/>
+                      <a:headEnd type="none" w="med" len="med"/>
+                      <a:tailEnd type="none" w="med" len="med"/>
+                    </a:lnT>
+                    <a:lnB w="12700" cap="flat" cmpd="sng" algn="ctr">
+                      <a:solidFill>
+                        <a:srgbClr val="000000"/>
+                      </a:solidFill>
+                      <a:prstDash val="solid"/>
+                      <a:round/>
+                      <a:headEnd type="none" w="med" len="med"/>
+                      <a:tailEnd type="none" w="med" len="med"/>
+                    </a:lnB>
+                    <a:solidFill>
+                      <a:srgbClr val="BFBFBF"/>
+                    </a:solidFill>
+                  </a:tcPr>
+                </a:tc>
+                <a:tc>
+                  <a:txBody>
+                    <a:bodyPr/>
+                    <a:lstStyle/>
+                    <a:p>
+                      <a:pPr marL="0" marR="0" algn="ctr">
+                        <a:spcBef>
+                          <a:spcPts val="0"/>
+                        </a:spcBef>
+                        <a:spcAft>
+                          <a:spcPts val="0"/>
+                        </a:spcAft>
+                      </a:pPr>
+                      <a:r>
+                        <a:rPr lang="en-US" sz="1100">
+                          <a:latin typeface="Arial"/>
+                          <a:ea typeface="Calibri"/>
+                          <a:cs typeface="Arial"/>
+                        </a:rPr>
+                        <a:t>QA Leader</a:t>
+                      </a:r>
+                      <a:endParaRPr lang="en-US" sz="1200">
+                        <a:latin typeface="Arial"/>
+                        <a:ea typeface="Calibri"/>
+                        <a:cs typeface="Times New Roman"/>
+                      </a:endParaRPr>
+                    </a:p>
+                  </a:txBody>
+                  <a:tcPr marL="68580" marR="68580" marT="0" marB="0">
+                    <a:lnL w="12700" cap="flat" cmpd="sng" algn="ctr">
+                      <a:solidFill>
+                        <a:srgbClr val="000000"/>
+                      </a:solidFill>
+                      <a:prstDash val="solid"/>
+                      <a:round/>
+                      <a:headEnd type="none" w="med" len="med"/>
+                      <a:tailEnd type="none" w="med" len="med"/>
+                    </a:lnL>
+                    <a:lnR w="12700" cap="flat" cmpd="sng" algn="ctr">
+                      <a:solidFill>
+                        <a:srgbClr val="000000"/>
+                      </a:solidFill>
+                      <a:prstDash val="solid"/>
+                      <a:round/>
+                      <a:headEnd type="none" w="med" len="med"/>
+                      <a:tailEnd type="none" w="med" len="med"/>
+                    </a:lnR>
+                    <a:lnT w="12700" cap="flat" cmpd="sng" algn="ctr">
+                      <a:solidFill>
+                        <a:srgbClr val="000000"/>
+                      </a:solidFill>
+                      <a:prstDash val="solid"/>
+                      <a:round/>
+                      <a:headEnd type="none" w="med" len="med"/>
+                      <a:tailEnd type="none" w="med" len="med"/>
+                    </a:lnT>
+                    <a:lnB w="12700" cap="flat" cmpd="sng" algn="ctr">
+                      <a:solidFill>
+                        <a:srgbClr val="000000"/>
+                      </a:solidFill>
+                      <a:prstDash val="solid"/>
+                      <a:round/>
+                      <a:headEnd type="none" w="med" len="med"/>
+                      <a:tailEnd type="none" w="med" len="med"/>
+                    </a:lnB>
+                    <a:solidFill>
+                      <a:srgbClr val="BFBFBF"/>
+                    </a:solidFill>
+                  </a:tcPr>
+                </a:tc>
+                <a:tc>
+                  <a:txBody>
+                    <a:bodyPr/>
+                    <a:lstStyle/>
+                    <a:p>
+                      <a:pPr marL="0" marR="0" algn="ctr">
+                        <a:spcBef>
+                          <a:spcPts val="0"/>
+                        </a:spcBef>
+                        <a:spcAft>
+                          <a:spcPts val="0"/>
+                        </a:spcAft>
+                      </a:pPr>
+                      <a:r>
+                        <a:rPr lang="en-US" sz="1100">
+                          <a:latin typeface="Arial"/>
+                          <a:ea typeface="Calibri"/>
+                          <a:cs typeface="Arial"/>
+                        </a:rPr>
+                        <a:t>Requirements Management Leader</a:t>
+                      </a:r>
+                      <a:endParaRPr lang="en-US" sz="1200">
+                        <a:latin typeface="Arial"/>
+                        <a:ea typeface="Calibri"/>
+                        <a:cs typeface="Times New Roman"/>
+                      </a:endParaRPr>
+                    </a:p>
+                  </a:txBody>
+                  <a:tcPr marL="68580" marR="68580" marT="0" marB="0">
+                    <a:lnL w="12700" cap="flat" cmpd="sng" algn="ctr">
+                      <a:solidFill>
+                        <a:srgbClr val="000000"/>
+                      </a:solidFill>
+                      <a:prstDash val="solid"/>
+                      <a:round/>
+                      <a:headEnd type="none" w="med" len="med"/>
+                      <a:tailEnd type="none" w="med" len="med"/>
+                    </a:lnL>
+                    <a:lnR w="12700" cap="flat" cmpd="sng" algn="ctr">
+                      <a:solidFill>
+                        <a:srgbClr val="000000"/>
+                      </a:solidFill>
+                      <a:prstDash val="solid"/>
+                      <a:round/>
+                      <a:headEnd type="none" w="med" len="med"/>
+                      <a:tailEnd type="none" w="med" len="med"/>
+                    </a:lnR>
+                    <a:lnT w="12700" cap="flat" cmpd="sng" algn="ctr">
+                      <a:solidFill>
+                        <a:srgbClr val="000000"/>
+                      </a:solidFill>
+                      <a:prstDash val="solid"/>
+                      <a:round/>
+                      <a:headEnd type="none" w="med" len="med"/>
+                      <a:tailEnd type="none" w="med" len="med"/>
+                    </a:lnT>
+                    <a:lnB w="12700" cap="flat" cmpd="sng" algn="ctr">
+                      <a:solidFill>
+                        <a:srgbClr val="000000"/>
+                      </a:solidFill>
+                      <a:prstDash val="solid"/>
+                      <a:round/>
+                      <a:headEnd type="none" w="med" len="med"/>
+                      <a:tailEnd type="none" w="med" len="med"/>
+                    </a:lnB>
+                    <a:solidFill>
+                      <a:srgbClr val="BFBFBF"/>
+                    </a:solidFill>
+                  </a:tcPr>
+                </a:tc>
+                <a:tc>
+                  <a:txBody>
+                    <a:bodyPr/>
+                    <a:lstStyle/>
+                    <a:p>
+                      <a:pPr marL="0" marR="0" algn="ctr">
+                        <a:spcBef>
+                          <a:spcPts val="0"/>
+                        </a:spcBef>
+                        <a:spcAft>
+                          <a:spcPts val="0"/>
+                        </a:spcAft>
+                      </a:pPr>
+                      <a:r>
+                        <a:rPr lang="en-US" sz="1100">
+                          <a:latin typeface="Arial"/>
+                          <a:ea typeface="Calibri"/>
+                          <a:cs typeface="Arial"/>
+                        </a:rPr>
+                        <a:t>Design Leader</a:t>
+                      </a:r>
+                      <a:endParaRPr lang="en-US" sz="1200">
+                        <a:latin typeface="Arial"/>
+                        <a:ea typeface="Calibri"/>
+                        <a:cs typeface="Times New Roman"/>
+                      </a:endParaRPr>
+                    </a:p>
+                  </a:txBody>
+                  <a:tcPr marL="68580" marR="68580" marT="0" marB="0">
+                    <a:lnL w="12700" cap="flat" cmpd="sng" algn="ctr">
+                      <a:solidFill>
+                        <a:srgbClr val="000000"/>
+                      </a:solidFill>
+                      <a:prstDash val="solid"/>
+                      <a:round/>
+                      <a:headEnd type="none" w="med" len="med"/>
+                      <a:tailEnd type="none" w="med" len="med"/>
+                    </a:lnL>
+                    <a:lnR w="12700" cap="flat" cmpd="sng" algn="ctr">
+                      <a:solidFill>
+                        <a:srgbClr val="000000"/>
+                      </a:solidFill>
+                      <a:prstDash val="solid"/>
+                      <a:round/>
+                      <a:headEnd type="none" w="med" len="med"/>
+                      <a:tailEnd type="none" w="med" len="med"/>
+                    </a:lnR>
+                    <a:lnT w="12700" cap="flat" cmpd="sng" algn="ctr">
+                      <a:solidFill>
+                        <a:srgbClr val="000000"/>
+                      </a:solidFill>
+                      <a:prstDash val="solid"/>
+                      <a:round/>
+                      <a:headEnd type="none" w="med" len="med"/>
+                      <a:tailEnd type="none" w="med" len="med"/>
+                    </a:lnT>
+                    <a:lnB w="12700" cap="flat" cmpd="sng" algn="ctr">
+                      <a:solidFill>
+                        <a:srgbClr val="000000"/>
+                      </a:solidFill>
+                      <a:prstDash val="solid"/>
+                      <a:round/>
+                      <a:headEnd type="none" w="med" len="med"/>
+                      <a:tailEnd type="none" w="med" len="med"/>
+                    </a:lnB>
+                    <a:solidFill>
+                      <a:srgbClr val="BFBFBF"/>
+                    </a:solidFill>
+                  </a:tcPr>
+                </a:tc>
+                <a:tc>
+                  <a:txBody>
+                    <a:bodyPr/>
+                    <a:lstStyle/>
+                    <a:p>
+                      <a:pPr marL="0" marR="0" algn="ctr">
+                        <a:spcBef>
+                          <a:spcPts val="0"/>
+                        </a:spcBef>
+                        <a:spcAft>
+                          <a:spcPts val="0"/>
+                        </a:spcAft>
+                      </a:pPr>
+                      <a:r>
+                        <a:rPr lang="en-US" sz="1100">
+                          <a:latin typeface="Arial"/>
+                          <a:ea typeface="Calibri"/>
+                          <a:cs typeface="Arial"/>
+                        </a:rPr>
+                        <a:t>Implementation Leader</a:t>
+                      </a:r>
+                      <a:endParaRPr lang="en-US" sz="1200">
+                        <a:latin typeface="Arial"/>
+                        <a:ea typeface="Calibri"/>
+                        <a:cs typeface="Times New Roman"/>
+                      </a:endParaRPr>
+                    </a:p>
+                  </a:txBody>
+                  <a:tcPr marL="68580" marR="68580" marT="0" marB="0">
+                    <a:lnL w="12700" cap="flat" cmpd="sng" algn="ctr">
+                      <a:solidFill>
+                        <a:srgbClr val="000000"/>
+                      </a:solidFill>
+                      <a:prstDash val="solid"/>
+                      <a:round/>
+                      <a:headEnd type="none" w="med" len="med"/>
+                      <a:tailEnd type="none" w="med" len="med"/>
+                    </a:lnL>
+                    <a:lnR w="12700" cap="flat" cmpd="sng" algn="ctr">
+                      <a:solidFill>
+                        <a:srgbClr val="000000"/>
+                      </a:solidFill>
+                      <a:prstDash val="solid"/>
+                      <a:round/>
+                      <a:headEnd type="none" w="med" len="med"/>
+                      <a:tailEnd type="none" w="med" len="med"/>
+                    </a:lnR>
+                    <a:lnT w="12700" cap="flat" cmpd="sng" algn="ctr">
+                      <a:solidFill>
+                        <a:srgbClr val="000000"/>
+                      </a:solidFill>
+                      <a:prstDash val="solid"/>
+                      <a:round/>
+                      <a:headEnd type="none" w="med" len="med"/>
+                      <a:tailEnd type="none" w="med" len="med"/>
+                    </a:lnT>
+                    <a:lnB w="12700" cap="flat" cmpd="sng" algn="ctr">
+                      <a:solidFill>
+                        <a:srgbClr val="000000"/>
+                      </a:solidFill>
+                      <a:prstDash val="solid"/>
+                      <a:round/>
+                      <a:headEnd type="none" w="med" len="med"/>
+                      <a:tailEnd type="none" w="med" len="med"/>
+                    </a:lnB>
+                    <a:solidFill>
+                      <a:srgbClr val="BFBFBF"/>
+                    </a:solidFill>
+                  </a:tcPr>
+                </a:tc>
+              </a:tr>
+              <a:tr h="0">
+                <a:tc>
+                  <a:txBody>
+                    <a:bodyPr/>
+                    <a:lstStyle/>
+                    <a:p>
+                      <a:pPr marL="0" marR="0" algn="ctr">
+                        <a:spcBef>
+                          <a:spcPts val="0"/>
+                        </a:spcBef>
+                        <a:spcAft>
+                          <a:spcPts val="0"/>
+                        </a:spcAft>
+                      </a:pPr>
+                      <a:endParaRPr lang="en-US" sz="1100">
+                        <a:latin typeface="Arial"/>
+                        <a:ea typeface="Calibri"/>
+                        <a:cs typeface="Arial"/>
+                      </a:endParaRPr>
+                    </a:p>
+                  </a:txBody>
+                  <a:tcPr marL="68580" marR="68580" marT="0" marB="0">
+                    <a:lnL w="12700" cap="flat" cmpd="sng" algn="ctr">
+                      <a:solidFill>
+                        <a:srgbClr val="000000"/>
+                      </a:solidFill>
+                      <a:prstDash val="solid"/>
+                      <a:round/>
+                      <a:headEnd type="none" w="med" len="med"/>
+                      <a:tailEnd type="none" w="med" len="med"/>
+                    </a:lnL>
+                    <a:lnR w="12700" cap="flat" cmpd="sng" algn="ctr">
+                      <a:solidFill>
+                        <a:srgbClr val="000000"/>
+                      </a:solidFill>
+                      <a:prstDash val="solid"/>
+                      <a:round/>
+                      <a:headEnd type="none" w="med" len="med"/>
+                      <a:tailEnd type="none" w="med" len="med"/>
+                    </a:lnR>
+                    <a:lnT w="12700" cap="flat" cmpd="sng" algn="ctr">
+                      <a:solidFill>
+                        <a:srgbClr val="000000"/>
+                      </a:solidFill>
+                      <a:prstDash val="solid"/>
+                      <a:round/>
+                      <a:headEnd type="none" w="med" len="med"/>
+                      <a:tailEnd type="none" w="med" len="med"/>
+                    </a:lnT>
+                    <a:lnB w="12700" cap="flat" cmpd="sng" algn="ctr">
+                      <a:solidFill>
+                        <a:srgbClr val="000000"/>
+                      </a:solidFill>
+                      <a:prstDash val="solid"/>
+                      <a:round/>
+                      <a:headEnd type="none" w="med" len="med"/>
+                      <a:tailEnd type="none" w="med" len="med"/>
+                    </a:lnB>
+                  </a:tcPr>
+                </a:tc>
+                <a:tc>
+                  <a:txBody>
+                    <a:bodyPr/>
+                    <a:lstStyle/>
+                    <a:p>
+                      <a:pPr marL="0" marR="0" algn="ctr">
+                        <a:spcBef>
+                          <a:spcPts val="0"/>
+                        </a:spcBef>
+                        <a:spcAft>
+                          <a:spcPts val="0"/>
+                        </a:spcAft>
+                      </a:pPr>
+                      <a:endParaRPr lang="en-US" sz="1100">
+                        <a:latin typeface="Arial"/>
+                        <a:ea typeface="Calibri"/>
+                        <a:cs typeface="Arial"/>
+                      </a:endParaRPr>
+                    </a:p>
+                  </a:txBody>
+                  <a:tcPr marL="68580" marR="68580" marT="0" marB="0">
+                    <a:lnL w="12700" cap="flat" cmpd="sng" algn="ctr">
+                      <a:solidFill>
+                        <a:srgbClr val="000000"/>
+                      </a:solidFill>
+                      <a:prstDash val="solid"/>
+                      <a:round/>
+                      <a:headEnd type="none" w="med" len="med"/>
+                      <a:tailEnd type="none" w="med" len="med"/>
+                    </a:lnL>
+                    <a:lnR w="12700" cap="flat" cmpd="sng" algn="ctr">
+                      <a:solidFill>
+                        <a:srgbClr val="000000"/>
+                      </a:solidFill>
+                      <a:prstDash val="solid"/>
+                      <a:round/>
+                      <a:headEnd type="none" w="med" len="med"/>
+                      <a:tailEnd type="none" w="med" len="med"/>
+                    </a:lnR>
+                    <a:lnT w="12700" cap="flat" cmpd="sng" algn="ctr">
+                      <a:solidFill>
+                        <a:srgbClr val="000000"/>
+                      </a:solidFill>
+                      <a:prstDash val="solid"/>
+                      <a:round/>
+                      <a:headEnd type="none" w="med" len="med"/>
+                      <a:tailEnd type="none" w="med" len="med"/>
+                    </a:lnT>
+                    <a:lnB w="12700" cap="flat" cmpd="sng" algn="ctr">
+                      <a:solidFill>
+                        <a:srgbClr val="000000"/>
+                      </a:solidFill>
+                      <a:prstDash val="solid"/>
+                      <a:round/>
+                      <a:headEnd type="none" w="med" len="med"/>
+                      <a:tailEnd type="none" w="med" len="med"/>
+                    </a:lnB>
+                  </a:tcPr>
+                </a:tc>
+                <a:tc>
+                  <a:txBody>
+                    <a:bodyPr/>
+                    <a:lstStyle/>
+                    <a:p>
+                      <a:pPr marL="0" marR="0" algn="ctr">
+                        <a:spcBef>
+                          <a:spcPts val="0"/>
+                        </a:spcBef>
+                        <a:spcAft>
+                          <a:spcPts val="0"/>
+                        </a:spcAft>
+                      </a:pPr>
+                      <a:endParaRPr lang="en-US" sz="1100">
+                        <a:latin typeface="Arial"/>
+                        <a:ea typeface="Calibri"/>
+                        <a:cs typeface="Arial"/>
+                      </a:endParaRPr>
+                    </a:p>
+                  </a:txBody>
+                  <a:tcPr marL="68580" marR="68580" marT="0" marB="0">
+                    <a:lnL w="12700" cap="flat" cmpd="sng" algn="ctr">
+                      <a:solidFill>
+                        <a:srgbClr val="000000"/>
+                      </a:solidFill>
+                      <a:prstDash val="solid"/>
+                      <a:round/>
+                      <a:headEnd type="none" w="med" len="med"/>
+                      <a:tailEnd type="none" w="med" len="med"/>
+                    </a:lnL>
+                    <a:lnR w="12700" cap="flat" cmpd="sng" algn="ctr">
+                      <a:solidFill>
+                        <a:srgbClr val="000000"/>
+                      </a:solidFill>
+                      <a:prstDash val="solid"/>
+                      <a:round/>
+                      <a:headEnd type="none" w="med" len="med"/>
+                      <a:tailEnd type="none" w="med" len="med"/>
+                    </a:lnR>
+                    <a:lnT w="12700" cap="flat" cmpd="sng" algn="ctr">
+                      <a:solidFill>
+                        <a:srgbClr val="000000"/>
+                      </a:solidFill>
+                      <a:prstDash val="solid"/>
+                      <a:round/>
+                      <a:headEnd type="none" w="med" len="med"/>
+                      <a:tailEnd type="none" w="med" len="med"/>
+                    </a:lnT>
+                    <a:lnB w="12700" cap="flat" cmpd="sng" algn="ctr">
+                      <a:solidFill>
+                        <a:srgbClr val="000000"/>
+                      </a:solidFill>
+                      <a:prstDash val="solid"/>
+                      <a:round/>
+                      <a:headEnd type="none" w="med" len="med"/>
+                      <a:tailEnd type="none" w="med" len="med"/>
+                    </a:lnB>
+                  </a:tcPr>
+                </a:tc>
+                <a:tc>
+                  <a:txBody>
+                    <a:bodyPr/>
+                    <a:lstStyle/>
+                    <a:p>
+                      <a:pPr marL="0" marR="0" algn="ctr">
+                        <a:spcBef>
+                          <a:spcPts val="0"/>
+                        </a:spcBef>
+                        <a:spcAft>
+                          <a:spcPts val="0"/>
+                        </a:spcAft>
+                      </a:pPr>
+                      <a:endParaRPr lang="en-US" sz="1100">
+                        <a:latin typeface="Arial"/>
+                        <a:ea typeface="Calibri"/>
+                        <a:cs typeface="Arial"/>
+                      </a:endParaRPr>
+                    </a:p>
+                  </a:txBody>
+                  <a:tcPr marL="68580" marR="68580" marT="0" marB="0">
+                    <a:lnL w="12700" cap="flat" cmpd="sng" algn="ctr">
+                      <a:solidFill>
+                        <a:srgbClr val="000000"/>
+                      </a:solidFill>
+                      <a:prstDash val="solid"/>
+                      <a:round/>
+                      <a:headEnd type="none" w="med" len="med"/>
+                      <a:tailEnd type="none" w="med" len="med"/>
+                    </a:lnL>
+                    <a:lnR w="12700" cap="flat" cmpd="sng" algn="ctr">
+                      <a:solidFill>
+                        <a:srgbClr val="000000"/>
+                      </a:solidFill>
+                      <a:prstDash val="solid"/>
+                      <a:round/>
+                      <a:headEnd type="none" w="med" len="med"/>
+                      <a:tailEnd type="none" w="med" len="med"/>
+                    </a:lnR>
+                    <a:lnT w="12700" cap="flat" cmpd="sng" algn="ctr">
+                      <a:solidFill>
+                        <a:srgbClr val="000000"/>
+                      </a:solidFill>
+                      <a:prstDash val="solid"/>
+                      <a:round/>
+                      <a:headEnd type="none" w="med" len="med"/>
+                      <a:tailEnd type="none" w="med" len="med"/>
+                    </a:lnT>
+                    <a:lnB w="12700" cap="flat" cmpd="sng" algn="ctr">
+                      <a:solidFill>
+                        <a:srgbClr val="000000"/>
+                      </a:solidFill>
+                      <a:prstDash val="solid"/>
+                      <a:round/>
+                      <a:headEnd type="none" w="med" len="med"/>
+                      <a:tailEnd type="none" w="med" len="med"/>
+                    </a:lnB>
+                  </a:tcPr>
+                </a:tc>
+                <a:tc>
+                  <a:txBody>
+                    <a:bodyPr/>
+                    <a:lstStyle/>
+                    <a:p>
+                      <a:pPr marL="0" marR="0" algn="ctr">
+                        <a:spcBef>
+                          <a:spcPts val="0"/>
+                        </a:spcBef>
+                        <a:spcAft>
+                          <a:spcPts val="0"/>
+                        </a:spcAft>
+                      </a:pPr>
+                      <a:endParaRPr lang="en-US" sz="1100">
+                        <a:latin typeface="Arial"/>
+                        <a:ea typeface="Calibri"/>
+                        <a:cs typeface="Arial"/>
+                      </a:endParaRPr>
+                    </a:p>
+                  </a:txBody>
+                  <a:tcPr marL="68580" marR="68580" marT="0" marB="0">
+                    <a:lnL w="12700" cap="flat" cmpd="sng" algn="ctr">
+                      <a:solidFill>
+                        <a:srgbClr val="000000"/>
+                      </a:solidFill>
+                      <a:prstDash val="solid"/>
+                      <a:round/>
+                      <a:headEnd type="none" w="med" len="med"/>
+                      <a:tailEnd type="none" w="med" len="med"/>
+                    </a:lnL>
+                    <a:lnR w="12700" cap="flat" cmpd="sng" algn="ctr">
+                      <a:solidFill>
+                        <a:srgbClr val="000000"/>
+                      </a:solidFill>
+                      <a:prstDash val="solid"/>
+                      <a:round/>
+                      <a:headEnd type="none" w="med" len="med"/>
+                      <a:tailEnd type="none" w="med" len="med"/>
+                    </a:lnR>
+                    <a:lnT w="12700" cap="flat" cmpd="sng" algn="ctr">
+                      <a:solidFill>
+                        <a:srgbClr val="000000"/>
+                      </a:solidFill>
+                      <a:prstDash val="solid"/>
+                      <a:round/>
+                      <a:headEnd type="none" w="med" len="med"/>
+                      <a:tailEnd type="none" w="med" len="med"/>
+                    </a:lnT>
+                    <a:lnB w="12700" cap="flat" cmpd="sng" algn="ctr">
+                      <a:solidFill>
+                        <a:srgbClr val="000000"/>
+                      </a:solidFill>
+                      <a:prstDash val="solid"/>
+                      <a:round/>
+                      <a:headEnd type="none" w="med" len="med"/>
+                      <a:tailEnd type="none" w="med" len="med"/>
+                    </a:lnB>
+                  </a:tcPr>
+                </a:tc>
+                <a:tc>
+                  <a:txBody>
+                    <a:bodyPr/>
+                    <a:lstStyle/>
+                    <a:p>
+                      <a:pPr marL="0" marR="0" algn="ctr">
+                        <a:spcBef>
+                          <a:spcPts val="0"/>
+                        </a:spcBef>
+                        <a:spcAft>
+                          <a:spcPts val="0"/>
+                        </a:spcAft>
+                      </a:pPr>
+                      <a:endParaRPr lang="en-US" sz="1100">
+                        <a:latin typeface="Arial"/>
+                        <a:ea typeface="Calibri"/>
+                        <a:cs typeface="Arial"/>
+                      </a:endParaRPr>
+                    </a:p>
+                  </a:txBody>
+                  <a:tcPr marL="68580" marR="68580" marT="0" marB="0">
+                    <a:lnL w="12700" cap="flat" cmpd="sng" algn="ctr">
+                      <a:solidFill>
+                        <a:srgbClr val="000000"/>
+                      </a:solidFill>
+                      <a:prstDash val="solid"/>
+                      <a:round/>
+                      <a:headEnd type="none" w="med" len="med"/>
+                      <a:tailEnd type="none" w="med" len="med"/>
+                    </a:lnL>
+                    <a:lnR w="12700" cap="flat" cmpd="sng" algn="ctr">
+                      <a:solidFill>
+                        <a:srgbClr val="000000"/>
+                      </a:solidFill>
+                      <a:prstDash val="solid"/>
+                      <a:round/>
+                      <a:headEnd type="none" w="med" len="med"/>
+                      <a:tailEnd type="none" w="med" len="med"/>
+                    </a:lnR>
+                    <a:lnT w="12700" cap="flat" cmpd="sng" algn="ctr">
+                      <a:solidFill>
+                        <a:srgbClr val="000000"/>
+                      </a:solidFill>
+                      <a:prstDash val="solid"/>
+                      <a:round/>
+                      <a:headEnd type="none" w="med" len="med"/>
+                      <a:tailEnd type="none" w="med" len="med"/>
+                    </a:lnT>
+                    <a:lnB w="12700" cap="flat" cmpd="sng" algn="ctr">
+                      <a:solidFill>
+                        <a:srgbClr val="000000"/>
+                      </a:solidFill>
+                      <a:prstDash val="solid"/>
+                      <a:round/>
+                      <a:headEnd type="none" w="med" len="med"/>
+                      <a:tailEnd type="none" w="med" len="med"/>
+                    </a:lnB>
+                  </a:tcPr>
+                </a:tc>
+                <a:tc>
+                  <a:txBody>
+                    <a:bodyPr/>
+                    <a:lstStyle/>
+                    <a:p>
+                      <a:pPr marL="0" marR="0" algn="ctr">
+                        <a:spcBef>
+                          <a:spcPts val="0"/>
+                        </a:spcBef>
+                        <a:spcAft>
+                          <a:spcPts val="0"/>
+                        </a:spcAft>
+                      </a:pPr>
+                      <a:endParaRPr lang="en-US" sz="1100">
+                        <a:latin typeface="Arial"/>
+                        <a:ea typeface="Calibri"/>
+                        <a:cs typeface="Arial"/>
+                      </a:endParaRPr>
+                    </a:p>
+                  </a:txBody>
+                  <a:tcPr marL="68580" marR="68580" marT="0" marB="0">
+                    <a:lnL w="12700" cap="flat" cmpd="sng" algn="ctr">
+                      <a:solidFill>
+                        <a:srgbClr val="000000"/>
+                      </a:solidFill>
+                      <a:prstDash val="solid"/>
+                      <a:round/>
+                      <a:headEnd type="none" w="med" len="med"/>
+                      <a:tailEnd type="none" w="med" len="med"/>
+                    </a:lnL>
+                    <a:lnR w="12700" cap="flat" cmpd="sng" algn="ctr">
+                      <a:solidFill>
+                        <a:srgbClr val="000000"/>
+                      </a:solidFill>
+                      <a:prstDash val="solid"/>
+                      <a:round/>
+                      <a:headEnd type="none" w="med" len="med"/>
+                      <a:tailEnd type="none" w="med" len="med"/>
+                    </a:lnR>
+                    <a:lnT w="12700" cap="flat" cmpd="sng" algn="ctr">
+                      <a:solidFill>
+                        <a:srgbClr val="000000"/>
+                      </a:solidFill>
+                      <a:prstDash val="solid"/>
+                      <a:round/>
+                      <a:headEnd type="none" w="med" len="med"/>
+                      <a:tailEnd type="none" w="med" len="med"/>
+                    </a:lnT>
+                    <a:lnB w="12700" cap="flat" cmpd="sng" algn="ctr">
+                      <a:solidFill>
+                        <a:srgbClr val="000000"/>
+                      </a:solidFill>
+                      <a:prstDash val="solid"/>
+                      <a:round/>
+                      <a:headEnd type="none" w="med" len="med"/>
+                      <a:tailEnd type="none" w="med" len="med"/>
+                    </a:lnB>
+                  </a:tcPr>
+                </a:tc>
+              </a:tr>
+              <a:tr h="0">
+                <a:tc>
+                  <a:txBody>
+                    <a:bodyPr/>
+                    <a:lstStyle/>
+                    <a:p>
+                      <a:pPr marL="0" marR="0" algn="ctr">
+                        <a:spcBef>
+                          <a:spcPts val="0"/>
+                        </a:spcBef>
+                        <a:spcAft>
+                          <a:spcPts val="0"/>
+                        </a:spcAft>
+                      </a:pPr>
+                      <a:r>
+                        <a:rPr lang="en-US" sz="1100">
+                          <a:latin typeface="Arial"/>
+                          <a:ea typeface="Calibri"/>
+                          <a:cs typeface="Arial"/>
+                        </a:rPr>
+                        <a:t>Document Responsibility</a:t>
+                      </a:r>
+                      <a:endParaRPr lang="en-US" sz="1200">
+                        <a:latin typeface="Arial"/>
+                        <a:ea typeface="Calibri"/>
+                        <a:cs typeface="Times New Roman"/>
+                      </a:endParaRPr>
+                    </a:p>
+                  </a:txBody>
+                  <a:tcPr marL="68580" marR="68580" marT="0" marB="0">
+                    <a:lnL w="12700" cap="flat" cmpd="sng" algn="ctr">
+                      <a:solidFill>
+                        <a:srgbClr val="000000"/>
+                      </a:solidFill>
+                      <a:prstDash val="solid"/>
+                      <a:round/>
+                      <a:headEnd type="none" w="med" len="med"/>
+                      <a:tailEnd type="none" w="med" len="med"/>
+                    </a:lnL>
+                    <a:lnR w="12700" cap="flat" cmpd="sng" algn="ctr">
+                      <a:solidFill>
+                        <a:srgbClr val="000000"/>
+                      </a:solidFill>
+                      <a:prstDash val="solid"/>
+                      <a:round/>
+                      <a:headEnd type="none" w="med" len="med"/>
+                      <a:tailEnd type="none" w="med" len="med"/>
+                    </a:lnR>
+                    <a:lnT w="12700" cap="flat" cmpd="sng" algn="ctr">
+                      <a:solidFill>
+                        <a:srgbClr val="000000"/>
+                      </a:solidFill>
+                      <a:prstDash val="solid"/>
+                      <a:round/>
+                      <a:headEnd type="none" w="med" len="med"/>
+                      <a:tailEnd type="none" w="med" len="med"/>
+                    </a:lnT>
+                    <a:lnB w="12700" cap="flat" cmpd="sng" algn="ctr">
+                      <a:solidFill>
+                        <a:srgbClr val="000000"/>
+                      </a:solidFill>
+                      <a:prstDash val="solid"/>
+                      <a:round/>
+                      <a:headEnd type="none" w="med" len="med"/>
+                      <a:tailEnd type="none" w="med" len="med"/>
+                    </a:lnB>
+                    <a:solidFill>
+                      <a:srgbClr val="BFBFBF"/>
+                    </a:solidFill>
+                  </a:tcPr>
+                </a:tc>
+                <a:tc>
+                  <a:txBody>
+                    <a:bodyPr/>
+                    <a:lstStyle/>
+                    <a:p>
+                      <a:pPr marL="0" marR="0" algn="ctr">
+                        <a:spcBef>
+                          <a:spcPts val="0"/>
+                        </a:spcBef>
+                        <a:spcAft>
+                          <a:spcPts val="0"/>
+                        </a:spcAft>
+                      </a:pPr>
+                      <a:r>
+                        <a:rPr lang="en-US" sz="1100">
+                          <a:latin typeface="Arial"/>
+                          <a:ea typeface="Calibri"/>
+                          <a:cs typeface="Arial"/>
+                        </a:rPr>
+                        <a:t>SPMP</a:t>
+                      </a:r>
+                      <a:endParaRPr lang="en-US" sz="1200">
+                        <a:latin typeface="Arial"/>
+                        <a:ea typeface="Calibri"/>
+                        <a:cs typeface="Times New Roman"/>
+                      </a:endParaRPr>
+                    </a:p>
+                  </a:txBody>
+                  <a:tcPr marL="68580" marR="68580" marT="0" marB="0">
+                    <a:lnL w="12700" cap="flat" cmpd="sng" algn="ctr">
+                      <a:solidFill>
+                        <a:srgbClr val="000000"/>
+                      </a:solidFill>
+                      <a:prstDash val="solid"/>
+                      <a:round/>
+                      <a:headEnd type="none" w="med" len="med"/>
+                      <a:tailEnd type="none" w="med" len="med"/>
+                    </a:lnL>
+                    <a:lnR w="12700" cap="flat" cmpd="sng" algn="ctr">
+                      <a:solidFill>
+                        <a:srgbClr val="000000"/>
+                      </a:solidFill>
+                      <a:prstDash val="solid"/>
+                      <a:round/>
+                      <a:headEnd type="none" w="med" len="med"/>
+                      <a:tailEnd type="none" w="med" len="med"/>
+                    </a:lnR>
+                    <a:lnT w="12700" cap="flat" cmpd="sng" algn="ctr">
+                      <a:solidFill>
+                        <a:srgbClr val="000000"/>
+                      </a:solidFill>
+                      <a:prstDash val="solid"/>
+                      <a:round/>
+                      <a:headEnd type="none" w="med" len="med"/>
+                      <a:tailEnd type="none" w="med" len="med"/>
+                    </a:lnT>
+                    <a:lnB w="12700" cap="flat" cmpd="sng" algn="ctr">
+                      <a:solidFill>
+                        <a:srgbClr val="000000"/>
+                      </a:solidFill>
+                      <a:prstDash val="solid"/>
+                      <a:round/>
+                      <a:headEnd type="none" w="med" len="med"/>
+                      <a:tailEnd type="none" w="med" len="med"/>
+                    </a:lnB>
+                  </a:tcPr>
+                </a:tc>
+                <a:tc>
+                  <a:txBody>
+                    <a:bodyPr/>
+                    <a:lstStyle/>
+                    <a:p>
+                      <a:pPr marL="0" marR="0" algn="ctr">
+                        <a:spcBef>
+                          <a:spcPts val="0"/>
+                        </a:spcBef>
+                        <a:spcAft>
+                          <a:spcPts val="0"/>
+                        </a:spcAft>
+                      </a:pPr>
+                      <a:r>
+                        <a:rPr lang="en-US" sz="1100">
+                          <a:latin typeface="Arial"/>
+                          <a:ea typeface="Calibri"/>
+                          <a:cs typeface="Arial"/>
+                        </a:rPr>
+                        <a:t>SCMP</a:t>
+                      </a:r>
+                      <a:endParaRPr lang="en-US" sz="1200">
+                        <a:latin typeface="Arial"/>
+                        <a:ea typeface="Calibri"/>
+                        <a:cs typeface="Times New Roman"/>
+                      </a:endParaRPr>
+                    </a:p>
+                  </a:txBody>
+                  <a:tcPr marL="68580" marR="68580" marT="0" marB="0">
+                    <a:lnL w="12700" cap="flat" cmpd="sng" algn="ctr">
+                      <a:solidFill>
+                        <a:srgbClr val="000000"/>
+                      </a:solidFill>
+                      <a:prstDash val="solid"/>
+                      <a:round/>
+                      <a:headEnd type="none" w="med" len="med"/>
+                      <a:tailEnd type="none" w="med" len="med"/>
+                    </a:lnL>
+                    <a:lnR w="12700" cap="flat" cmpd="sng" algn="ctr">
+                      <a:solidFill>
+                        <a:srgbClr val="000000"/>
+                      </a:solidFill>
+                      <a:prstDash val="solid"/>
+                      <a:round/>
+                      <a:headEnd type="none" w="med" len="med"/>
+                      <a:tailEnd type="none" w="med" len="med"/>
+                    </a:lnR>
+                    <a:lnT w="12700" cap="flat" cmpd="sng" algn="ctr">
+                      <a:solidFill>
+                        <a:srgbClr val="000000"/>
+                      </a:solidFill>
+                      <a:prstDash val="solid"/>
+                      <a:round/>
+                      <a:headEnd type="none" w="med" len="med"/>
+                      <a:tailEnd type="none" w="med" len="med"/>
+                    </a:lnT>
+                    <a:lnB w="12700" cap="flat" cmpd="sng" algn="ctr">
+                      <a:solidFill>
+                        <a:srgbClr val="000000"/>
+                      </a:solidFill>
+                      <a:prstDash val="solid"/>
+                      <a:round/>
+                      <a:headEnd type="none" w="med" len="med"/>
+                      <a:tailEnd type="none" w="med" len="med"/>
+                    </a:lnB>
+                  </a:tcPr>
+                </a:tc>
+                <a:tc>
+                  <a:txBody>
+                    <a:bodyPr/>
+                    <a:lstStyle/>
+                    <a:p>
+                      <a:pPr marL="0" marR="0" algn="ctr">
+                        <a:spcBef>
+                          <a:spcPts val="0"/>
+                        </a:spcBef>
+                        <a:spcAft>
+                          <a:spcPts val="0"/>
+                        </a:spcAft>
+                      </a:pPr>
+                      <a:r>
+                        <a:rPr lang="en-US" sz="1100">
+                          <a:latin typeface="Arial"/>
+                          <a:ea typeface="Calibri"/>
+                          <a:cs typeface="Arial"/>
+                        </a:rPr>
+                        <a:t>SQAP</a:t>
+                      </a:r>
+                      <a:endParaRPr lang="en-US" sz="1200">
+                        <a:latin typeface="Arial"/>
+                        <a:ea typeface="Calibri"/>
+                        <a:cs typeface="Times New Roman"/>
+                      </a:endParaRPr>
+                    </a:p>
+                    <a:p>
+                      <a:pPr marL="0" marR="0" algn="ctr">
+                        <a:spcBef>
+                          <a:spcPts val="0"/>
+                        </a:spcBef>
+                        <a:spcAft>
+                          <a:spcPts val="0"/>
+                        </a:spcAft>
+                      </a:pPr>
+                      <a:r>
+                        <a:rPr lang="en-US" sz="1100">
+                          <a:latin typeface="Arial"/>
+                          <a:ea typeface="Calibri"/>
+                          <a:cs typeface="Arial"/>
+                        </a:rPr>
+                        <a:t>STP</a:t>
+                      </a:r>
+                      <a:endParaRPr lang="en-US" sz="1200">
+                        <a:latin typeface="Arial"/>
+                        <a:ea typeface="Calibri"/>
+                        <a:cs typeface="Times New Roman"/>
+                      </a:endParaRPr>
+                    </a:p>
+                  </a:txBody>
+                  <a:tcPr marL="68580" marR="68580" marT="0" marB="0">
+                    <a:lnL w="12700" cap="flat" cmpd="sng" algn="ctr">
+                      <a:solidFill>
+                        <a:srgbClr val="000000"/>
+                      </a:solidFill>
+                      <a:prstDash val="solid"/>
+                      <a:round/>
+                      <a:headEnd type="none" w="med" len="med"/>
+                      <a:tailEnd type="none" w="med" len="med"/>
+                    </a:lnL>
+                    <a:lnR w="12700" cap="flat" cmpd="sng" algn="ctr">
+                      <a:solidFill>
+                        <a:srgbClr val="000000"/>
+                      </a:solidFill>
+                      <a:prstDash val="solid"/>
+                      <a:round/>
+                      <a:headEnd type="none" w="med" len="med"/>
+                      <a:tailEnd type="none" w="med" len="med"/>
+                    </a:lnR>
+                    <a:lnT w="12700" cap="flat" cmpd="sng" algn="ctr">
+                      <a:solidFill>
+                        <a:srgbClr val="000000"/>
+                      </a:solidFill>
+                      <a:prstDash val="solid"/>
+                      <a:round/>
+                      <a:headEnd type="none" w="med" len="med"/>
+                      <a:tailEnd type="none" w="med" len="med"/>
+                    </a:lnT>
+                    <a:lnB w="12700" cap="flat" cmpd="sng" algn="ctr">
+                      <a:solidFill>
+                        <a:srgbClr val="000000"/>
+                      </a:solidFill>
+                      <a:prstDash val="solid"/>
+                      <a:round/>
+                      <a:headEnd type="none" w="med" len="med"/>
+                      <a:tailEnd type="none" w="med" len="med"/>
+                    </a:lnB>
+                  </a:tcPr>
+                </a:tc>
+                <a:tc>
+                  <a:txBody>
+                    <a:bodyPr/>
+                    <a:lstStyle/>
+                    <a:p>
+                      <a:pPr marL="0" marR="0" algn="ctr">
+                        <a:spcBef>
+                          <a:spcPts val="0"/>
+                        </a:spcBef>
+                        <a:spcAft>
+                          <a:spcPts val="0"/>
+                        </a:spcAft>
+                      </a:pPr>
+                      <a:r>
+                        <a:rPr lang="en-US" sz="1100">
+                          <a:latin typeface="Arial"/>
+                          <a:ea typeface="Calibri"/>
+                          <a:cs typeface="Arial"/>
+                        </a:rPr>
+                        <a:t>SRS</a:t>
+                      </a:r>
+                      <a:endParaRPr lang="en-US" sz="1200">
+                        <a:latin typeface="Arial"/>
+                        <a:ea typeface="Calibri"/>
+                        <a:cs typeface="Times New Roman"/>
+                      </a:endParaRPr>
+                    </a:p>
+                  </a:txBody>
+                  <a:tcPr marL="68580" marR="68580" marT="0" marB="0">
+                    <a:lnL w="12700" cap="flat" cmpd="sng" algn="ctr">
+                      <a:solidFill>
+                        <a:srgbClr val="000000"/>
+                      </a:solidFill>
+                      <a:prstDash val="solid"/>
+                      <a:round/>
+                      <a:headEnd type="none" w="med" len="med"/>
+                      <a:tailEnd type="none" w="med" len="med"/>
+                    </a:lnL>
+                    <a:lnR w="12700" cap="flat" cmpd="sng" algn="ctr">
+                      <a:solidFill>
+                        <a:srgbClr val="000000"/>
+                      </a:solidFill>
+                      <a:prstDash val="solid"/>
+                      <a:round/>
+                      <a:headEnd type="none" w="med" len="med"/>
+                      <a:tailEnd type="none" w="med" len="med"/>
+                    </a:lnR>
+                    <a:lnT w="12700" cap="flat" cmpd="sng" algn="ctr">
+                      <a:solidFill>
+                        <a:srgbClr val="000000"/>
+                      </a:solidFill>
+                      <a:prstDash val="solid"/>
+                      <a:round/>
+                      <a:headEnd type="none" w="med" len="med"/>
+                      <a:tailEnd type="none" w="med" len="med"/>
+                    </a:lnT>
+                    <a:lnB w="12700" cap="flat" cmpd="sng" algn="ctr">
+                      <a:solidFill>
+                        <a:srgbClr val="000000"/>
+                      </a:solidFill>
+                      <a:prstDash val="solid"/>
+                      <a:round/>
+                      <a:headEnd type="none" w="med" len="med"/>
+                      <a:tailEnd type="none" w="med" len="med"/>
+                    </a:lnB>
+                  </a:tcPr>
+                </a:tc>
+                <a:tc>
+                  <a:txBody>
+                    <a:bodyPr/>
+                    <a:lstStyle/>
+                    <a:p>
+                      <a:pPr marL="0" marR="0" algn="ctr">
+                        <a:spcBef>
+                          <a:spcPts val="0"/>
+                        </a:spcBef>
+                        <a:spcAft>
+                          <a:spcPts val="0"/>
+                        </a:spcAft>
+                      </a:pPr>
+                      <a:r>
+                        <a:rPr lang="en-US" sz="1100">
+                          <a:latin typeface="Arial"/>
+                          <a:ea typeface="Calibri"/>
+                          <a:cs typeface="Arial"/>
+                        </a:rPr>
+                        <a:t>SDD</a:t>
+                      </a:r>
+                      <a:endParaRPr lang="en-US" sz="1200">
+                        <a:latin typeface="Arial"/>
+                        <a:ea typeface="Calibri"/>
+                        <a:cs typeface="Times New Roman"/>
+                      </a:endParaRPr>
+                    </a:p>
+                  </a:txBody>
+                  <a:tcPr marL="68580" marR="68580" marT="0" marB="0">
+                    <a:lnL w="12700" cap="flat" cmpd="sng" algn="ctr">
+                      <a:solidFill>
+                        <a:srgbClr val="000000"/>
+                      </a:solidFill>
+                      <a:prstDash val="solid"/>
+                      <a:round/>
+                      <a:headEnd type="none" w="med" len="med"/>
+                      <a:tailEnd type="none" w="med" len="med"/>
+                    </a:lnL>
+                    <a:lnR w="12700" cap="flat" cmpd="sng" algn="ctr">
+                      <a:solidFill>
+                        <a:srgbClr val="000000"/>
+                      </a:solidFill>
+                      <a:prstDash val="solid"/>
+                      <a:round/>
+                      <a:headEnd type="none" w="med" len="med"/>
+                      <a:tailEnd type="none" w="med" len="med"/>
+                    </a:lnR>
+                    <a:lnT w="12700" cap="flat" cmpd="sng" algn="ctr">
+                      <a:solidFill>
+                        <a:srgbClr val="000000"/>
+                      </a:solidFill>
+                      <a:prstDash val="solid"/>
+                      <a:round/>
+                      <a:headEnd type="none" w="med" len="med"/>
+                      <a:tailEnd type="none" w="med" len="med"/>
+                    </a:lnT>
+                    <a:lnB w="12700" cap="flat" cmpd="sng" algn="ctr">
+                      <a:solidFill>
+                        <a:srgbClr val="000000"/>
+                      </a:solidFill>
+                      <a:prstDash val="solid"/>
+                      <a:round/>
+                      <a:headEnd type="none" w="med" len="med"/>
+                      <a:tailEnd type="none" w="med" len="med"/>
+                    </a:lnB>
+                  </a:tcPr>
+                </a:tc>
+                <a:tc>
+                  <a:txBody>
+                    <a:bodyPr/>
+                    <a:lstStyle/>
+                    <a:p>
+                      <a:pPr marL="0" marR="0" algn="ctr">
+                        <a:spcBef>
+                          <a:spcPts val="0"/>
+                        </a:spcBef>
+                        <a:spcAft>
+                          <a:spcPts val="0"/>
+                        </a:spcAft>
+                      </a:pPr>
+                      <a:r>
+                        <a:rPr lang="en-US" sz="1100" dirty="0">
+                          <a:latin typeface="Arial"/>
+                          <a:ea typeface="Calibri"/>
+                          <a:cs typeface="Arial"/>
+                        </a:rPr>
+                        <a:t>Code Base</a:t>
+                      </a:r>
+                      <a:endParaRPr lang="en-US" sz="1200" dirty="0">
+                        <a:latin typeface="Arial"/>
+                        <a:ea typeface="Calibri"/>
+                        <a:cs typeface="Times New Roman"/>
+                      </a:endParaRPr>
+                    </a:p>
+                  </a:txBody>
+                  <a:tcPr marL="68580" marR="68580" marT="0" marB="0">
+                    <a:lnL w="12700" cap="flat" cmpd="sng" algn="ctr">
+                      <a:solidFill>
+                        <a:srgbClr val="000000"/>
+                      </a:solidFill>
+                      <a:prstDash val="solid"/>
+                      <a:round/>
+                      <a:headEnd type="none" w="med" len="med"/>
+                      <a:tailEnd type="none" w="med" len="med"/>
+                    </a:lnL>
+                    <a:lnR w="12700" cap="flat" cmpd="sng" algn="ctr">
+                      <a:solidFill>
+                        <a:srgbClr val="000000"/>
+                      </a:solidFill>
+                      <a:prstDash val="solid"/>
+                      <a:round/>
+                      <a:headEnd type="none" w="med" len="med"/>
+                      <a:tailEnd type="none" w="med" len="med"/>
+                    </a:lnR>
+                    <a:lnT w="12700" cap="flat" cmpd="sng" algn="ctr">
+                      <a:solidFill>
+                        <a:srgbClr val="000000"/>
+                      </a:solidFill>
+                      <a:prstDash val="solid"/>
+                      <a:round/>
+                      <a:headEnd type="none" w="med" len="med"/>
+                      <a:tailEnd type="none" w="med" len="med"/>
+                    </a:lnT>
+                    <a:lnB w="12700" cap="flat" cmpd="sng" algn="ctr">
+                      <a:solidFill>
+                        <a:srgbClr val="000000"/>
+                      </a:solidFill>
+                      <a:prstDash val="solid"/>
+                      <a:round/>
+                      <a:headEnd type="none" w="med" len="med"/>
+                      <a:tailEnd type="none" w="med" len="med"/>
+                    </a:lnB>
+                  </a:tcPr>
+                </a:tc>
+              </a:tr>
+            </a:tbl>
+          </a:graphicData>
+        </a:graphic>
+      </p:graphicFrame>
     </p:spTree>
   </p:cSld>
   <p:clrMapOvr>
     <a:masterClrMapping/>
   </p:clrMapOvr>
+  <p:timing>
+    <p:tnLst>
+      <p:par>
+        <p:cTn id="1" dur="indefinite" restart="never" nodeType="tmRoot"/>
+      </p:par>
+    </p:tnLst>
+  </p:timing>
 </p:sld>
 </file>
 
@@ -28929,6 +31424,13 @@
   <p:clrMapOvr>
     <a:masterClrMapping/>
   </p:clrMapOvr>
+  <p:timing>
+    <p:tnLst>
+      <p:par>
+        <p:cTn id="1" dur="indefinite" restart="never" nodeType="tmRoot"/>
+      </p:par>
+    </p:tnLst>
+  </p:timing>
 </p:sld>
 </file>
 
@@ -32832,6 +35334,13 @@
   <p:clrMapOvr>
     <a:masterClrMapping/>
   </p:clrMapOvr>
+  <p:timing>
+    <p:tnLst>
+      <p:par>
+        <p:cTn id="1" dur="indefinite" restart="never" nodeType="tmRoot"/>
+      </p:par>
+    </p:tnLst>
+  </p:timing>
 </p:sld>
 </file>
 
@@ -32944,6 +35453,13 @@
   <p:clrMapOvr>
     <a:masterClrMapping/>
   </p:clrMapOvr>
+  <p:timing>
+    <p:tnLst>
+      <p:par>
+        <p:cTn id="1" dur="indefinite" restart="never" nodeType="tmRoot"/>
+      </p:par>
+    </p:tnLst>
+  </p:timing>
 </p:sld>
 </file>
 

--- a/deliverables/final/Final Presentation.pptx
+++ b/deliverables/final/Final Presentation.pptx
@@ -150,13 +150,25 @@
 
 <file path=ppt/charts/chart1.xml><?xml version="1.0" encoding="utf-8"?>
 <c:chartSpace xmlns:c="http://schemas.openxmlformats.org/drawingml/2006/chart" xmlns:a="http://schemas.openxmlformats.org/drawingml/2006/main" xmlns:r="http://schemas.openxmlformats.org/officeDocument/2006/relationships">
+  <c:date1904 val="0"/>
   <c:lang val="en-US"/>
+  <c:roundedCorners val="0"/>
+  <mc:AlternateContent xmlns:mc="http://schemas.openxmlformats.org/markup-compatibility/2006">
+    <mc:Choice xmlns:c14="http://schemas.microsoft.com/office/drawing/2007/8/2/chart" Requires="c14">
+      <c14:style val="102"/>
+    </mc:Choice>
+    <mc:Fallback>
+      <c:style val="2"/>
+    </mc:Fallback>
+  </mc:AlternateContent>
   <c:chart>
+    <c:autoTitleDeleted val="0"/>
     <c:plotArea>
       <c:layout/>
       <c:barChart>
         <c:barDir val="col"/>
         <c:grouping val="clustered"/>
+        <c:varyColors val="0"/>
         <c:ser>
           <c:idx val="0"/>
           <c:order val="0"/>
@@ -176,6 +188,7 @@
               <a:srgbClr val="004586"/>
             </a:solidFill>
           </c:spPr>
+          <c:invertIfNegative val="0"/>
           <c:cat>
             <c:strRef>
               <c:f>Sheet1!$A$3:$A$6</c:f>
@@ -237,6 +250,7 @@
               <a:srgbClr val="FF420E"/>
             </a:solidFill>
           </c:spPr>
+          <c:invertIfNegative val="0"/>
           <c:cat>
             <c:strRef>
               <c:f>Sheet1!$A$3:$A$6</c:f>
@@ -279,17 +293,27 @@
             </c:numRef>
           </c:val>
         </c:ser>
-        <c:dLbls/>
+        <c:dLbls>
+          <c:showLegendKey val="0"/>
+          <c:showVal val="0"/>
+          <c:showCatName val="0"/>
+          <c:showSerName val="0"/>
+          <c:showPercent val="0"/>
+          <c:showBubbleSize val="0"/>
+        </c:dLbls>
         <c:gapWidth val="100"/>
-        <c:axId val="57674752"/>
-        <c:axId val="57701504"/>
+        <c:axId val="111418880"/>
+        <c:axId val="99029504"/>
       </c:barChart>
       <c:catAx>
-        <c:axId val="57674752"/>
+        <c:axId val="111418880"/>
         <c:scaling>
           <c:orientation val="minMax"/>
         </c:scaling>
+        <c:delete val="0"/>
         <c:axPos val="b"/>
+        <c:majorTickMark val="out"/>
+        <c:minorTickMark val="none"/>
         <c:tickLblPos val="nextTo"/>
         <c:spPr>
           <a:ln>
@@ -298,17 +322,19 @@
             </a:solidFill>
           </a:ln>
         </c:spPr>
-        <c:crossAx val="57701504"/>
+        <c:crossAx val="99029504"/>
         <c:crossesAt val="0"/>
         <c:auto val="1"/>
         <c:lblAlgn val="ctr"/>
         <c:lblOffset val="100"/>
+        <c:noMultiLvlLbl val="0"/>
       </c:catAx>
       <c:valAx>
-        <c:axId val="57701504"/>
+        <c:axId val="99029504"/>
         <c:scaling>
           <c:orientation val="minMax"/>
         </c:scaling>
+        <c:delete val="0"/>
         <c:axPos val="l"/>
         <c:majorGridlines>
           <c:spPr>
@@ -320,6 +346,8 @@
           </c:spPr>
         </c:majorGridlines>
         <c:numFmt formatCode="[hh]:mm:ss" sourceLinked="1"/>
+        <c:majorTickMark val="out"/>
+        <c:minorTickMark val="none"/>
         <c:tickLblPos val="nextTo"/>
         <c:spPr>
           <a:ln>
@@ -328,7 +356,7 @@
             </a:solidFill>
           </a:ln>
         </c:spPr>
-        <c:crossAx val="57674752"/>
+        <c:crossAx val="111418880"/>
         <c:crossesAt val="0"/>
         <c:crossBetween val="between"/>
       </c:valAx>
@@ -343,16 +371,20 @@
     <c:legend>
       <c:legendPos val="r"/>
       <c:layout/>
+      <c:overlay val="0"/>
     </c:legend>
     <c:plotVisOnly val="1"/>
     <c:dispBlanksAs val="gap"/>
+    <c:showDLblsOverMax val="0"/>
   </c:chart>
   <c:spPr>
     <a:solidFill>
       <a:srgbClr val="FFFFFF"/>
     </a:solidFill>
   </c:spPr>
-  <c:externalData r:id="rId1"/>
+  <c:externalData r:id="rId1">
+    <c:autoUpdate val="0"/>
+  </c:externalData>
 </c:chartSpace>
 </file>
 
@@ -439,7 +471,7 @@
             <a:fld id="{1C1C5CF6-DD17-4F1F-ADC8-DFB45EB30005}" type="datetimeFigureOut">
               <a:rPr lang="en-US" smtClean="0"/>
               <a:pPr/>
-              <a:t>4/30/2012</a:t>
+              <a:t>5/6/2012</a:t>
             </a:fld>
             <a:endParaRPr lang="en-US"/>
           </a:p>
@@ -610,7 +642,7 @@
     </p:spTree>
     <p:extLst>
       <p:ext uri="{BB962C8B-B14F-4D97-AF65-F5344CB8AC3E}">
-        <p14:creationId xmlns:p14="http://schemas.microsoft.com/office/powerpoint/2010/main" xmlns="" val="2012456123"/>
+        <p14:creationId xmlns:p14="http://schemas.microsoft.com/office/powerpoint/2010/main" val="2012456123"/>
       </p:ext>
     </p:extLst>
   </p:cSld>
@@ -3587,7 +3619,7 @@
             <a:fld id="{0A98AF03-7270-45C2-A683-C5E353EF01A5}" type="datetime4">
               <a:rPr lang="en-US" smtClean="0"/>
               <a:pPr/>
-              <a:t>April 30, 2012</a:t>
+              <a:t>May 6, 2012</a:t>
             </a:fld>
             <a:endParaRPr lang="en-US" dirty="0"/>
           </a:p>
@@ -3874,7 +3906,7 @@
             <a:fld id="{A2FB5AFD-D735-4504-A039-ADEBB6448D55}" type="datetime4">
               <a:rPr lang="en-US" smtClean="0"/>
               <a:pPr/>
-              <a:t>April 30, 2012</a:t>
+              <a:t>May 6, 2012</a:t>
             </a:fld>
             <a:endParaRPr lang="en-US" dirty="0"/>
           </a:p>
@@ -4051,7 +4083,7 @@
             <a:fld id="{AB5C8118-FB93-4E87-B380-0175F2FE2167}" type="datetime4">
               <a:rPr lang="en-US" smtClean="0"/>
               <a:pPr/>
-              <a:t>April 30, 2012</a:t>
+              <a:t>May 6, 2012</a:t>
             </a:fld>
             <a:endParaRPr lang="en-US" dirty="0"/>
           </a:p>
@@ -4218,7 +4250,7 @@
             <a:fld id="{05A93482-8E69-40F7-BCAD-5662A6CADB27}" type="datetime4">
               <a:rPr lang="en-US" smtClean="0"/>
               <a:pPr/>
-              <a:t>April 30, 2012</a:t>
+              <a:t>May 6, 2012</a:t>
             </a:fld>
             <a:endParaRPr lang="en-US" dirty="0"/>
           </a:p>
@@ -4461,7 +4493,7 @@
             <a:fld id="{FBB7EAE1-CAAC-4AEF-919E-158692B1E55E}" type="datetime4">
               <a:rPr lang="en-US" smtClean="0"/>
               <a:pPr/>
-              <a:t>April 30, 2012</a:t>
+              <a:t>May 6, 2012</a:t>
             </a:fld>
             <a:endParaRPr lang="en-US" dirty="0"/>
           </a:p>
@@ -4576,7 +4608,7 @@
             <a:fld id="{9525A706-D8F2-4D1A-855A-CADC92600C26}" type="datetime4">
               <a:rPr lang="en-US" smtClean="0"/>
               <a:pPr/>
-              <a:t>April 30, 2012</a:t>
+              <a:t>May 6, 2012</a:t>
             </a:fld>
             <a:endParaRPr lang="en-US" dirty="0"/>
           </a:p>
@@ -5117,7 +5149,7 @@
             <a:fld id="{99B4F123-1704-49AC-9D15-C4B1462B8014}" type="datetime4">
               <a:rPr lang="en-US" smtClean="0"/>
               <a:pPr/>
-              <a:t>April 30, 2012</a:t>
+              <a:t>May 6, 2012</a:t>
             </a:fld>
             <a:endParaRPr lang="en-US" dirty="0"/>
           </a:p>
@@ -5232,7 +5264,7 @@
             <a:fld id="{E3127EC2-47FB-48A1-8644-C8A81DDAA119}" type="datetime4">
               <a:rPr lang="en-US" smtClean="0"/>
               <a:pPr/>
-              <a:t>April 30, 2012</a:t>
+              <a:t>May 6, 2012</a:t>
             </a:fld>
             <a:endParaRPr lang="en-US" dirty="0"/>
           </a:p>
@@ -5324,7 +5356,7 @@
             <a:fld id="{AE3EC3ED-7435-49F9-84C8-03CCA2F8DEDB}" type="datetime4">
               <a:rPr lang="en-US" smtClean="0"/>
               <a:pPr/>
-              <a:t>April 30, 2012</a:t>
+              <a:t>May 6, 2012</a:t>
             </a:fld>
             <a:endParaRPr lang="en-US" dirty="0"/>
           </a:p>
@@ -7977,7 +8009,7 @@
             <a:fld id="{3FC49BF1-FCD3-4395-8FF6-0047AF66228E}" type="datetime4">
               <a:rPr lang="en-US" smtClean="0"/>
               <a:pPr/>
-              <a:t>April 30, 2012</a:t>
+              <a:t>May 6, 2012</a:t>
             </a:fld>
             <a:endParaRPr lang="en-US" dirty="0"/>
           </a:p>
@@ -11191,7 +11223,7 @@
             <a:fld id="{CA861222-2C8B-4501-BE87-6797EC025925}" type="datetime4">
               <a:rPr lang="en-US" smtClean="0"/>
               <a:pPr/>
-              <a:t>April 30, 2012</a:t>
+              <a:t>May 6, 2012</a:t>
             </a:fld>
             <a:endParaRPr lang="en-US" dirty="0"/>
           </a:p>
@@ -14015,7 +14047,7 @@
             <a:fld id="{16C01193-8287-4834-A286-6B880643E934}" type="datetime4">
               <a:rPr lang="en-US" smtClean="0"/>
               <a:pPr/>
-              <a:t>April 30, 2012</a:t>
+              <a:t>May 6, 2012</a:t>
             </a:fld>
             <a:endParaRPr lang="en-US" dirty="0"/>
           </a:p>
@@ -14610,7 +14642,7 @@
     </p:spTree>
     <p:extLst>
       <p:ext uri="{BB962C8B-B14F-4D97-AF65-F5344CB8AC3E}">
-        <p14:creationId xmlns:p14="http://schemas.microsoft.com/office/powerpoint/2010/main" xmlns="" val="1809248185"/>
+        <p14:creationId xmlns:p14="http://schemas.microsoft.com/office/powerpoint/2010/main" val="1809248185"/>
       </p:ext>
     </p:extLst>
   </p:cSld>
@@ -23089,7 +23121,7 @@
           <a:blip r:embed="rId2" cstate="email">
             <a:extLst>
               <a:ext uri="{28A0092B-C50C-407E-A947-70E740481C1C}">
-                <a14:useLocalDpi xmlns:a14="http://schemas.microsoft.com/office/drawing/2010/main" xmlns="" val="0"/>
+                <a14:useLocalDpi xmlns:a14="http://schemas.microsoft.com/office/drawing/2010/main" val="0"/>
               </a:ext>
             </a:extLst>
           </a:blip>
@@ -23106,8 +23138,8 @@
           </a:prstGeom>
           <a:noFill/>
           <a:extLst>
-            <a:ext uri="{909E8E84-426E-40dd-AFC4-6F175D3DCCD1}">
-              <a14:hiddenFill xmlns:a14="http://schemas.microsoft.com/office/drawing/2010/main" xmlns="">
+            <a:ext uri="{909E8E84-426E-40DD-AFC4-6F175D3DCCD1}">
+              <a14:hiddenFill xmlns:a14="http://schemas.microsoft.com/office/drawing/2010/main">
                 <a:solidFill>
                   <a:srgbClr val="FFFFFF"/>
                 </a:solidFill>
@@ -23119,7 +23151,7 @@
     </p:spTree>
     <p:extLst>
       <p:ext uri="{BB962C8B-B14F-4D97-AF65-F5344CB8AC3E}">
-        <p14:creationId xmlns:p14="http://schemas.microsoft.com/office/powerpoint/2010/main" xmlns="" val="1986630412"/>
+        <p14:creationId xmlns:p14="http://schemas.microsoft.com/office/powerpoint/2010/main" val="1986630412"/>
       </p:ext>
     </p:extLst>
   </p:cSld>
@@ -23276,7 +23308,7 @@
     </p:spTree>
     <p:extLst>
       <p:ext uri="{BB962C8B-B14F-4D97-AF65-F5344CB8AC3E}">
-        <p14:creationId xmlns:p14="http://schemas.microsoft.com/office/powerpoint/2010/main" xmlns="" val="2229789335"/>
+        <p14:creationId xmlns:p14="http://schemas.microsoft.com/office/powerpoint/2010/main" val="2229789335"/>
       </p:ext>
     </p:extLst>
   </p:cSld>
@@ -23440,7 +23472,7 @@
     </p:spTree>
     <p:extLst>
       <p:ext uri="{BB962C8B-B14F-4D97-AF65-F5344CB8AC3E}">
-        <p14:creationId xmlns:p14="http://schemas.microsoft.com/office/powerpoint/2010/main" xmlns="" val="2295343860"/>
+        <p14:creationId xmlns:p14="http://schemas.microsoft.com/office/powerpoint/2010/main" val="2295343860"/>
       </p:ext>
     </p:extLst>
   </p:cSld>
@@ -24382,7 +24414,7 @@
           <a:blip r:embed="rId2" cstate="email">
             <a:extLst>
               <a:ext uri="{28A0092B-C50C-407E-A947-70E740481C1C}">
-                <a14:useLocalDpi xmlns:a14="http://schemas.microsoft.com/office/drawing/2010/main" xmlns="" val="0"/>
+                <a14:useLocalDpi xmlns:a14="http://schemas.microsoft.com/office/drawing/2010/main" val="0"/>
               </a:ext>
             </a:extLst>
           </a:blip>
@@ -24399,8 +24431,8 @@
           </a:prstGeom>
           <a:noFill/>
           <a:extLst>
-            <a:ext uri="{909E8E84-426E-40dd-AFC4-6F175D3DCCD1}">
-              <a14:hiddenFill xmlns:a14="http://schemas.microsoft.com/office/drawing/2010/main" xmlns="">
+            <a:ext uri="{909E8E84-426E-40DD-AFC4-6F175D3DCCD1}">
+              <a14:hiddenFill xmlns:a14="http://schemas.microsoft.com/office/drawing/2010/main">
                 <a:solidFill>
                   <a:srgbClr val="FFFFFF"/>
                 </a:solidFill>
@@ -24412,7 +24444,7 @@
     </p:spTree>
     <p:extLst>
       <p:ext uri="{BB962C8B-B14F-4D97-AF65-F5344CB8AC3E}">
-        <p14:creationId xmlns:p14="http://schemas.microsoft.com/office/powerpoint/2010/main" xmlns="" val="3699591201"/>
+        <p14:creationId xmlns:p14="http://schemas.microsoft.com/office/powerpoint/2010/main" val="3699591201"/>
       </p:ext>
     </p:extLst>
   </p:cSld>
@@ -24493,7 +24525,7 @@
     </p:spTree>
     <p:extLst>
       <p:ext uri="{BB962C8B-B14F-4D97-AF65-F5344CB8AC3E}">
-        <p14:creationId xmlns:p14="http://schemas.microsoft.com/office/powerpoint/2010/main" xmlns="" val="643549545"/>
+        <p14:creationId xmlns:p14="http://schemas.microsoft.com/office/powerpoint/2010/main" val="643549545"/>
       </p:ext>
     </p:extLst>
   </p:cSld>
@@ -24747,7 +24779,7 @@
     </p:spTree>
     <p:extLst>
       <p:ext uri="{BB962C8B-B14F-4D97-AF65-F5344CB8AC3E}">
-        <p14:creationId xmlns:p14="http://schemas.microsoft.com/office/powerpoint/2010/main" xmlns="" val="3832736806"/>
+        <p14:creationId xmlns:p14="http://schemas.microsoft.com/office/powerpoint/2010/main" val="3832736806"/>
       </p:ext>
     </p:extLst>
   </p:cSld>
@@ -24857,15 +24889,7 @@
           <a:p>
             <a:r>
               <a:rPr lang="en-US" dirty="0" smtClean="0"/>
-              <a:t>Observer: Being use by JavaScript such as on </a:t>
-            </a:r>
-            <a:r>
-              <a:rPr lang="en-US" dirty="0" smtClean="0"/>
-              <a:t> click </a:t>
-            </a:r>
-            <a:r>
-              <a:rPr lang="en-US" dirty="0" smtClean="0"/>
-              <a:t>or on change events which activates an </a:t>
+              <a:t>Observer: Being use by JavaScript such as on  click or on change events which activates an </a:t>
             </a:r>
             <a:r>
               <a:rPr lang="en-US" dirty="0" err="1" smtClean="0"/>
@@ -24882,7 +24906,7 @@
     </p:spTree>
     <p:extLst>
       <p:ext uri="{BB962C8B-B14F-4D97-AF65-F5344CB8AC3E}">
-        <p14:creationId xmlns:p14="http://schemas.microsoft.com/office/powerpoint/2010/main" xmlns="" val="1092677546"/>
+        <p14:creationId xmlns:p14="http://schemas.microsoft.com/office/powerpoint/2010/main" val="1092677546"/>
       </p:ext>
     </p:extLst>
   </p:cSld>
@@ -25065,7 +25089,7 @@
     </p:spTree>
     <p:extLst>
       <p:ext uri="{BB962C8B-B14F-4D97-AF65-F5344CB8AC3E}">
-        <p14:creationId xmlns:p14="http://schemas.microsoft.com/office/powerpoint/2010/main" xmlns="" val="3037995522"/>
+        <p14:creationId xmlns:p14="http://schemas.microsoft.com/office/powerpoint/2010/main" val="3037995522"/>
       </p:ext>
     </p:extLst>
   </p:cSld>
@@ -25181,15 +25205,15 @@
           </a:ln>
           <a:effectLst/>
           <a:extLst>
-            <a:ext uri="{909E8E84-426E-40dd-AFC4-6F175D3DCCD1}">
-              <a14:hiddenFill xmlns:a14="http://schemas.microsoft.com/office/drawing/2010/main" xmlns="">
+            <a:ext uri="{909E8E84-426E-40DD-AFC4-6F175D3DCCD1}">
+              <a14:hiddenFill xmlns:a14="http://schemas.microsoft.com/office/drawing/2010/main">
                 <a:solidFill>
                   <a:schemeClr val="accent1"/>
                 </a:solidFill>
               </a14:hiddenFill>
             </a:ext>
-            <a:ext uri="{91240B29-F687-4f45-9708-019B960494DF}">
-              <a14:hiddenLine xmlns:a14="http://schemas.microsoft.com/office/drawing/2010/main" xmlns="" w="9525">
+            <a:ext uri="{91240B29-F687-4F45-9708-019B960494DF}">
+              <a14:hiddenLine xmlns:a14="http://schemas.microsoft.com/office/drawing/2010/main" w="9525">
                 <a:solidFill>
                   <a:schemeClr val="tx1"/>
                 </a:solidFill>
@@ -25198,8 +25222,8 @@
                 <a:tailEnd/>
               </a14:hiddenLine>
             </a:ext>
-            <a:ext uri="{AF507438-7753-43e0-B8FC-AC1667EBCBE1}">
-              <a14:hiddenEffects xmlns:a14="http://schemas.microsoft.com/office/drawing/2010/main" xmlns="">
+            <a:ext uri="{AF507438-7753-43E0-B8FC-AC1667EBCBE1}">
+              <a14:hiddenEffects xmlns:a14="http://schemas.microsoft.com/office/drawing/2010/main">
                 <a:effectLst>
                   <a:outerShdw dist="35921" dir="2700000" algn="ctr" rotWithShape="0">
                     <a:schemeClr val="bg2"/>
@@ -25231,7 +25255,7 @@
           <p:nvPr>
             <p:extLst>
               <p:ext uri="{D42A27DB-BD31-4B8C-83A1-F6EECF244321}">
-                <p14:modId xmlns:p14="http://schemas.microsoft.com/office/powerpoint/2010/main" xmlns="" val="99859930"/>
+                <p14:modId xmlns:p14="http://schemas.microsoft.com/office/powerpoint/2010/main" val="99859930"/>
               </p:ext>
             </p:extLst>
           </p:nvPr>
@@ -25242,16 +25266,66 @@
         </p:xfrm>
         <a:graphic>
           <a:graphicData uri="http://schemas.openxmlformats.org/presentationml/2006/ole">
-            <p:oleObj spid="_x0000_s36881" name="Visio" r:id="rId4" imgW="4580844" imgH="5596830" progId="">
-              <p:embed/>
-            </p:oleObj>
+            <mc:AlternateContent xmlns:mc="http://schemas.openxmlformats.org/markup-compatibility/2006">
+              <mc:Choice xmlns:v="urn:schemas-microsoft-com:vml" Requires="v">
+                <p:oleObj spid="_x0000_s36883" name="Visio" r:id="rId4" imgW="4580844" imgH="5596830" progId="">
+                  <p:embed/>
+                </p:oleObj>
+              </mc:Choice>
+              <mc:Fallback>
+                <p:oleObj name="Visio" r:id="rId4" imgW="4580844" imgH="5596830" progId="">
+                  <p:embed/>
+                  <p:pic>
+                    <p:nvPicPr>
+                      <p:cNvPr id="0" name="Picture 17"/>
+                      <p:cNvPicPr>
+                        <a:picLocks noChangeAspect="1" noChangeArrowheads="1"/>
+                      </p:cNvPicPr>
+                      <p:nvPr/>
+                    </p:nvPicPr>
+                    <p:blipFill>
+                      <a:blip r:embed="rId5">
+                        <a:extLst>
+                          <a:ext uri="{28A0092B-C50C-407E-A947-70E740481C1C}">
+                            <a14:useLocalDpi xmlns:a14="http://schemas.microsoft.com/office/drawing/2010/main" val="0"/>
+                          </a:ext>
+                        </a:extLst>
+                      </a:blip>
+                      <a:srcRect/>
+                      <a:stretch>
+                        <a:fillRect/>
+                      </a:stretch>
+                    </p:blipFill>
+                    <p:spPr bwMode="auto">
+                      <a:xfrm>
+                        <a:off x="4399912" y="1279872"/>
+                        <a:ext cx="4282558" cy="5235227"/>
+                      </a:xfrm>
+                      <a:prstGeom prst="rect">
+                        <a:avLst/>
+                      </a:prstGeom>
+                      <a:noFill/>
+                      <a:extLst>
+                        <a:ext uri="{909E8E84-426E-40DD-AFC4-6F175D3DCCD1}">
+                          <a14:hiddenFill xmlns:a14="http://schemas.microsoft.com/office/drawing/2010/main">
+                            <a:solidFill>
+                              <a:srgbClr val="FFFFFF"/>
+                            </a:solidFill>
+                          </a14:hiddenFill>
+                        </a:ext>
+                      </a:extLst>
+                    </p:spPr>
+                  </p:pic>
+                </p:oleObj>
+              </mc:Fallback>
+            </mc:AlternateContent>
           </a:graphicData>
         </a:graphic>
       </p:graphicFrame>
     </p:spTree>
     <p:extLst>
       <p:ext uri="{BB962C8B-B14F-4D97-AF65-F5344CB8AC3E}">
-        <p14:creationId xmlns:p14="http://schemas.microsoft.com/office/powerpoint/2010/main" xmlns="" val="224431329"/>
+        <p14:creationId xmlns:p14="http://schemas.microsoft.com/office/powerpoint/2010/main" val="224431329"/>
       </p:ext>
     </p:extLst>
   </p:cSld>
@@ -25337,15 +25411,15 @@
           </a:ln>
           <a:effectLst/>
           <a:extLst>
-            <a:ext uri="{909E8E84-426E-40dd-AFC4-6F175D3DCCD1}">
-              <a14:hiddenFill xmlns:a14="http://schemas.microsoft.com/office/drawing/2010/main" xmlns="">
+            <a:ext uri="{909E8E84-426E-40DD-AFC4-6F175D3DCCD1}">
+              <a14:hiddenFill xmlns:a14="http://schemas.microsoft.com/office/drawing/2010/main">
                 <a:solidFill>
                   <a:schemeClr val="accent1"/>
                 </a:solidFill>
               </a14:hiddenFill>
             </a:ext>
-            <a:ext uri="{91240B29-F687-4f45-9708-019B960494DF}">
-              <a14:hiddenLine xmlns:a14="http://schemas.microsoft.com/office/drawing/2010/main" xmlns="" w="9525">
+            <a:ext uri="{91240B29-F687-4F45-9708-019B960494DF}">
+              <a14:hiddenLine xmlns:a14="http://schemas.microsoft.com/office/drawing/2010/main" w="9525">
                 <a:solidFill>
                   <a:schemeClr val="tx1"/>
                 </a:solidFill>
@@ -25354,8 +25428,8 @@
                 <a:tailEnd/>
               </a14:hiddenLine>
             </a:ext>
-            <a:ext uri="{AF507438-7753-43e0-B8FC-AC1667EBCBE1}">
-              <a14:hiddenEffects xmlns:a14="http://schemas.microsoft.com/office/drawing/2010/main" xmlns="">
+            <a:ext uri="{AF507438-7753-43E0-B8FC-AC1667EBCBE1}">
+              <a14:hiddenEffects xmlns:a14="http://schemas.microsoft.com/office/drawing/2010/main">
                 <a:effectLst>
                   <a:outerShdw dist="35921" dir="2700000" algn="ctr" rotWithShape="0">
                     <a:schemeClr val="bg2"/>
@@ -25400,15 +25474,15 @@
           </a:ln>
           <a:effectLst/>
           <a:extLst>
-            <a:ext uri="{909E8E84-426E-40dd-AFC4-6F175D3DCCD1}">
-              <a14:hiddenFill xmlns:a14="http://schemas.microsoft.com/office/drawing/2010/main" xmlns="">
+            <a:ext uri="{909E8E84-426E-40DD-AFC4-6F175D3DCCD1}">
+              <a14:hiddenFill xmlns:a14="http://schemas.microsoft.com/office/drawing/2010/main">
                 <a:solidFill>
                   <a:schemeClr val="accent1"/>
                 </a:solidFill>
               </a14:hiddenFill>
             </a:ext>
-            <a:ext uri="{91240B29-F687-4f45-9708-019B960494DF}">
-              <a14:hiddenLine xmlns:a14="http://schemas.microsoft.com/office/drawing/2010/main" xmlns="" w="9525">
+            <a:ext uri="{91240B29-F687-4F45-9708-019B960494DF}">
+              <a14:hiddenLine xmlns:a14="http://schemas.microsoft.com/office/drawing/2010/main" w="9525">
                 <a:solidFill>
                   <a:schemeClr val="tx1"/>
                 </a:solidFill>
@@ -25417,8 +25491,8 @@
                 <a:tailEnd/>
               </a14:hiddenLine>
             </a:ext>
-            <a:ext uri="{AF507438-7753-43e0-B8FC-AC1667EBCBE1}">
-              <a14:hiddenEffects xmlns:a14="http://schemas.microsoft.com/office/drawing/2010/main" xmlns="">
+            <a:ext uri="{AF507438-7753-43E0-B8FC-AC1667EBCBE1}">
+              <a14:hiddenEffects xmlns:a14="http://schemas.microsoft.com/office/drawing/2010/main">
                 <a:effectLst>
                   <a:outerShdw dist="35921" dir="2700000" algn="ctr" rotWithShape="0">
                     <a:schemeClr val="bg2"/>
@@ -25463,15 +25537,15 @@
           </a:ln>
           <a:effectLst/>
           <a:extLst>
-            <a:ext uri="{909E8E84-426E-40dd-AFC4-6F175D3DCCD1}">
-              <a14:hiddenFill xmlns:a14="http://schemas.microsoft.com/office/drawing/2010/main" xmlns="">
+            <a:ext uri="{909E8E84-426E-40DD-AFC4-6F175D3DCCD1}">
+              <a14:hiddenFill xmlns:a14="http://schemas.microsoft.com/office/drawing/2010/main">
                 <a:solidFill>
                   <a:schemeClr val="accent1"/>
                 </a:solidFill>
               </a14:hiddenFill>
             </a:ext>
-            <a:ext uri="{91240B29-F687-4f45-9708-019B960494DF}">
-              <a14:hiddenLine xmlns:a14="http://schemas.microsoft.com/office/drawing/2010/main" xmlns="" w="9525">
+            <a:ext uri="{91240B29-F687-4F45-9708-019B960494DF}">
+              <a14:hiddenLine xmlns:a14="http://schemas.microsoft.com/office/drawing/2010/main" w="9525">
                 <a:solidFill>
                   <a:schemeClr val="tx1"/>
                 </a:solidFill>
@@ -25480,8 +25554,8 @@
                 <a:tailEnd/>
               </a14:hiddenLine>
             </a:ext>
-            <a:ext uri="{AF507438-7753-43e0-B8FC-AC1667EBCBE1}">
-              <a14:hiddenEffects xmlns:a14="http://schemas.microsoft.com/office/drawing/2010/main" xmlns="">
+            <a:ext uri="{AF507438-7753-43E0-B8FC-AC1667EBCBE1}">
+              <a14:hiddenEffects xmlns:a14="http://schemas.microsoft.com/office/drawing/2010/main">
                 <a:effectLst>
                   <a:outerShdw dist="35921" dir="2700000" algn="ctr" rotWithShape="0">
                     <a:schemeClr val="bg2"/>
@@ -25567,7 +25641,7 @@
     </p:spTree>
     <p:extLst>
       <p:ext uri="{BB962C8B-B14F-4D97-AF65-F5344CB8AC3E}">
-        <p14:creationId xmlns:p14="http://schemas.microsoft.com/office/powerpoint/2010/main" xmlns="" val="273623958"/>
+        <p14:creationId xmlns:p14="http://schemas.microsoft.com/office/powerpoint/2010/main" val="273623958"/>
       </p:ext>
     </p:extLst>
   </p:cSld>
@@ -25653,15 +25727,15 @@
           </a:ln>
           <a:effectLst/>
           <a:extLst>
-            <a:ext uri="{909E8E84-426E-40dd-AFC4-6F175D3DCCD1}">
-              <a14:hiddenFill xmlns:a14="http://schemas.microsoft.com/office/drawing/2010/main" xmlns="">
+            <a:ext uri="{909E8E84-426E-40DD-AFC4-6F175D3DCCD1}">
+              <a14:hiddenFill xmlns:a14="http://schemas.microsoft.com/office/drawing/2010/main">
                 <a:solidFill>
                   <a:schemeClr val="accent1"/>
                 </a:solidFill>
               </a14:hiddenFill>
             </a:ext>
-            <a:ext uri="{91240B29-F687-4f45-9708-019B960494DF}">
-              <a14:hiddenLine xmlns:a14="http://schemas.microsoft.com/office/drawing/2010/main" xmlns="" w="9525">
+            <a:ext uri="{91240B29-F687-4F45-9708-019B960494DF}">
+              <a14:hiddenLine xmlns:a14="http://schemas.microsoft.com/office/drawing/2010/main" w="9525">
                 <a:solidFill>
                   <a:schemeClr val="tx1"/>
                 </a:solidFill>
@@ -25670,8 +25744,8 @@
                 <a:tailEnd/>
               </a14:hiddenLine>
             </a:ext>
-            <a:ext uri="{AF507438-7753-43e0-B8FC-AC1667EBCBE1}">
-              <a14:hiddenEffects xmlns:a14="http://schemas.microsoft.com/office/drawing/2010/main" xmlns="">
+            <a:ext uri="{AF507438-7753-43E0-B8FC-AC1667EBCBE1}">
+              <a14:hiddenEffects xmlns:a14="http://schemas.microsoft.com/office/drawing/2010/main">
                 <a:effectLst>
                   <a:outerShdw dist="35921" dir="2700000" algn="ctr" rotWithShape="0">
                     <a:schemeClr val="bg2"/>
@@ -25746,15 +25820,15 @@
           </a:ln>
           <a:effectLst/>
           <a:extLst>
-            <a:ext uri="{909E8E84-426E-40dd-AFC4-6F175D3DCCD1}">
-              <a14:hiddenFill xmlns:a14="http://schemas.microsoft.com/office/drawing/2010/main" xmlns="">
+            <a:ext uri="{909E8E84-426E-40DD-AFC4-6F175D3DCCD1}">
+              <a14:hiddenFill xmlns:a14="http://schemas.microsoft.com/office/drawing/2010/main">
                 <a:solidFill>
                   <a:schemeClr val="accent1"/>
                 </a:solidFill>
               </a14:hiddenFill>
             </a:ext>
-            <a:ext uri="{91240B29-F687-4f45-9708-019B960494DF}">
-              <a14:hiddenLine xmlns:a14="http://schemas.microsoft.com/office/drawing/2010/main" xmlns="" w="9525">
+            <a:ext uri="{91240B29-F687-4F45-9708-019B960494DF}">
+              <a14:hiddenLine xmlns:a14="http://schemas.microsoft.com/office/drawing/2010/main" w="9525">
                 <a:solidFill>
                   <a:schemeClr val="tx1"/>
                 </a:solidFill>
@@ -25763,8 +25837,8 @@
                 <a:tailEnd/>
               </a14:hiddenLine>
             </a:ext>
-            <a:ext uri="{AF507438-7753-43e0-B8FC-AC1667EBCBE1}">
-              <a14:hiddenEffects xmlns:a14="http://schemas.microsoft.com/office/drawing/2010/main" xmlns="">
+            <a:ext uri="{AF507438-7753-43E0-B8FC-AC1667EBCBE1}">
+              <a14:hiddenEffects xmlns:a14="http://schemas.microsoft.com/office/drawing/2010/main">
                 <a:effectLst>
                   <a:outerShdw dist="35921" dir="2700000" algn="ctr" rotWithShape="0">
                     <a:schemeClr val="bg2"/>
@@ -25796,7 +25870,7 @@
           <p:nvPr>
             <p:extLst>
               <p:ext uri="{D42A27DB-BD31-4B8C-83A1-F6EECF244321}">
-                <p14:modId xmlns:p14="http://schemas.microsoft.com/office/powerpoint/2010/main" xmlns="" val="1552680796"/>
+                <p14:modId xmlns:p14="http://schemas.microsoft.com/office/powerpoint/2010/main" val="1552680796"/>
               </p:ext>
             </p:extLst>
           </p:nvPr>
@@ -25807,16 +25881,66 @@
         </p:xfrm>
         <a:graphic>
           <a:graphicData uri="http://schemas.openxmlformats.org/presentationml/2006/ole">
-            <p:oleObj spid="_x0000_s37905" name="Visio" r:id="rId4" imgW="1447108" imgH="5311032" progId="">
-              <p:embed/>
-            </p:oleObj>
+            <mc:AlternateContent xmlns:mc="http://schemas.openxmlformats.org/markup-compatibility/2006">
+              <mc:Choice xmlns:v="urn:schemas-microsoft-com:vml" Requires="v">
+                <p:oleObj spid="_x0000_s37907" name="Visio" r:id="rId4" imgW="1447108" imgH="5311032" progId="">
+                  <p:embed/>
+                </p:oleObj>
+              </mc:Choice>
+              <mc:Fallback>
+                <p:oleObj name="Visio" r:id="rId4" imgW="1447108" imgH="5311032" progId="">
+                  <p:embed/>
+                  <p:pic>
+                    <p:nvPicPr>
+                      <p:cNvPr id="0" name="Picture 17"/>
+                      <p:cNvPicPr>
+                        <a:picLocks noChangeAspect="1" noChangeArrowheads="1"/>
+                      </p:cNvPicPr>
+                      <p:nvPr/>
+                    </p:nvPicPr>
+                    <p:blipFill>
+                      <a:blip r:embed="rId5">
+                        <a:extLst>
+                          <a:ext uri="{28A0092B-C50C-407E-A947-70E740481C1C}">
+                            <a14:useLocalDpi xmlns:a14="http://schemas.microsoft.com/office/drawing/2010/main" val="0"/>
+                          </a:ext>
+                        </a:extLst>
+                      </a:blip>
+                      <a:srcRect/>
+                      <a:stretch>
+                        <a:fillRect/>
+                      </a:stretch>
+                    </p:blipFill>
+                    <p:spPr bwMode="auto">
+                      <a:xfrm>
+                        <a:off x="7213600" y="933016"/>
+                        <a:ext cx="1447800" cy="5324475"/>
+                      </a:xfrm>
+                      <a:prstGeom prst="rect">
+                        <a:avLst/>
+                      </a:prstGeom>
+                      <a:noFill/>
+                      <a:extLst>
+                        <a:ext uri="{909E8E84-426E-40DD-AFC4-6F175D3DCCD1}">
+                          <a14:hiddenFill xmlns:a14="http://schemas.microsoft.com/office/drawing/2010/main">
+                            <a:solidFill>
+                              <a:srgbClr val="FFFFFF"/>
+                            </a:solidFill>
+                          </a14:hiddenFill>
+                        </a:ext>
+                      </a:extLst>
+                    </p:spPr>
+                  </p:pic>
+                </p:oleObj>
+              </mc:Fallback>
+            </mc:AlternateContent>
           </a:graphicData>
         </a:graphic>
       </p:graphicFrame>
     </p:spTree>
     <p:extLst>
       <p:ext uri="{BB962C8B-B14F-4D97-AF65-F5344CB8AC3E}">
-        <p14:creationId xmlns:p14="http://schemas.microsoft.com/office/powerpoint/2010/main" xmlns="" val="2798939284"/>
+        <p14:creationId xmlns:p14="http://schemas.microsoft.com/office/powerpoint/2010/main" val="2798939284"/>
       </p:ext>
     </p:extLst>
   </p:cSld>
@@ -25910,14 +26034,14 @@
           <a:effectLst/>
           <a:extLst>
             <a:ext uri="{909E8E84-426E-40DD-AFC4-6F175D3DCCD1}">
-              <a14:hiddenFill xmlns:a14="http://schemas.microsoft.com/office/drawing/2010/main" xmlns="">
+              <a14:hiddenFill xmlns:a14="http://schemas.microsoft.com/office/drawing/2010/main">
                 <a:solidFill>
                   <a:schemeClr val="accent1"/>
                 </a:solidFill>
               </a14:hiddenFill>
             </a:ext>
             <a:ext uri="{91240B29-F687-4F45-9708-019B960494DF}">
-              <a14:hiddenLine xmlns:a14="http://schemas.microsoft.com/office/drawing/2010/main" xmlns="" w="9525">
+              <a14:hiddenLine xmlns:a14="http://schemas.microsoft.com/office/drawing/2010/main" w="9525">
                 <a:solidFill>
                   <a:schemeClr val="tx1"/>
                 </a:solidFill>
@@ -25927,7 +26051,7 @@
               </a14:hiddenLine>
             </a:ext>
             <a:ext uri="{AF507438-7753-43E0-B8FC-AC1667EBCBE1}">
-              <a14:hiddenEffects xmlns:a14="http://schemas.microsoft.com/office/drawing/2010/main" xmlns="">
+              <a14:hiddenEffects xmlns:a14="http://schemas.microsoft.com/office/drawing/2010/main">
                 <a:effectLst>
                   <a:outerShdw dist="35921" dir="2700000" algn="ctr" rotWithShape="0">
                     <a:schemeClr val="bg2"/>
@@ -25973,14 +26097,14 @@
           <a:effectLst/>
           <a:extLst>
             <a:ext uri="{909E8E84-426E-40DD-AFC4-6F175D3DCCD1}">
-              <a14:hiddenFill xmlns:a14="http://schemas.microsoft.com/office/drawing/2010/main" xmlns="">
+              <a14:hiddenFill xmlns:a14="http://schemas.microsoft.com/office/drawing/2010/main">
                 <a:solidFill>
                   <a:schemeClr val="accent1"/>
                 </a:solidFill>
               </a14:hiddenFill>
             </a:ext>
             <a:ext uri="{91240B29-F687-4F45-9708-019B960494DF}">
-              <a14:hiddenLine xmlns:a14="http://schemas.microsoft.com/office/drawing/2010/main" xmlns="" w="9525">
+              <a14:hiddenLine xmlns:a14="http://schemas.microsoft.com/office/drawing/2010/main" w="9525">
                 <a:solidFill>
                   <a:schemeClr val="tx1"/>
                 </a:solidFill>
@@ -25990,7 +26114,7 @@
               </a14:hiddenLine>
             </a:ext>
             <a:ext uri="{AF507438-7753-43E0-B8FC-AC1667EBCBE1}">
-              <a14:hiddenEffects xmlns:a14="http://schemas.microsoft.com/office/drawing/2010/main" xmlns="">
+              <a14:hiddenEffects xmlns:a14="http://schemas.microsoft.com/office/drawing/2010/main">
                 <a:effectLst>
                   <a:outerShdw dist="35921" dir="2700000" algn="ctr" rotWithShape="0">
                     <a:schemeClr val="bg2"/>
@@ -26025,7 +26149,7 @@
           <a:blip r:embed="rId2" cstate="print">
             <a:extLst>
               <a:ext uri="{28A0092B-C50C-407E-A947-70E740481C1C}">
-                <a14:useLocalDpi xmlns:a14="http://schemas.microsoft.com/office/drawing/2010/main" xmlns="" val="0"/>
+                <a14:useLocalDpi xmlns:a14="http://schemas.microsoft.com/office/drawing/2010/main" val="0"/>
               </a:ext>
             </a:extLst>
           </a:blip>
@@ -26049,14 +26173,14 @@
           <a:effectLst/>
           <a:extLst>
             <a:ext uri="{909E8E84-426E-40DD-AFC4-6F175D3DCCD1}">
-              <a14:hiddenFill xmlns:a14="http://schemas.microsoft.com/office/drawing/2010/main" xmlns="">
+              <a14:hiddenFill xmlns:a14="http://schemas.microsoft.com/office/drawing/2010/main">
                 <a:solidFill>
                   <a:schemeClr val="accent1"/>
                 </a:solidFill>
               </a14:hiddenFill>
             </a:ext>
             <a:ext uri="{91240B29-F687-4F45-9708-019B960494DF}">
-              <a14:hiddenLine xmlns:a14="http://schemas.microsoft.com/office/drawing/2010/main" xmlns="" w="9525">
+              <a14:hiddenLine xmlns:a14="http://schemas.microsoft.com/office/drawing/2010/main" w="9525">
                 <a:solidFill>
                   <a:schemeClr val="tx1"/>
                 </a:solidFill>
@@ -26066,7 +26190,7 @@
               </a14:hiddenLine>
             </a:ext>
             <a:ext uri="{AF507438-7753-43E0-B8FC-AC1667EBCBE1}">
-              <a14:hiddenEffects xmlns:a14="http://schemas.microsoft.com/office/drawing/2010/main" xmlns="">
+              <a14:hiddenEffects xmlns:a14="http://schemas.microsoft.com/office/drawing/2010/main">
                 <a:effectLst>
                   <a:outerShdw dist="35921" dir="2700000" algn="ctr" rotWithShape="0">
                     <a:schemeClr val="bg2"/>
@@ -26080,7 +26204,7 @@
     </p:spTree>
     <p:extLst>
       <p:ext uri="{BB962C8B-B14F-4D97-AF65-F5344CB8AC3E}">
-        <p14:creationId xmlns:p14="http://schemas.microsoft.com/office/powerpoint/2010/main" xmlns="" val="831222261"/>
+        <p14:creationId xmlns:p14="http://schemas.microsoft.com/office/powerpoint/2010/main" val="831222261"/>
       </p:ext>
     </p:extLst>
   </p:cSld>
@@ -26326,14 +26450,14 @@
           <a:effectLst/>
           <a:extLst>
             <a:ext uri="{909E8E84-426E-40DD-AFC4-6F175D3DCCD1}">
-              <a14:hiddenFill xmlns:a14="http://schemas.microsoft.com/office/drawing/2010/main" xmlns="">
+              <a14:hiddenFill xmlns:a14="http://schemas.microsoft.com/office/drawing/2010/main">
                 <a:solidFill>
                   <a:schemeClr val="accent1"/>
                 </a:solidFill>
               </a14:hiddenFill>
             </a:ext>
             <a:ext uri="{91240B29-F687-4F45-9708-019B960494DF}">
-              <a14:hiddenLine xmlns:a14="http://schemas.microsoft.com/office/drawing/2010/main" xmlns="" w="9525">
+              <a14:hiddenLine xmlns:a14="http://schemas.microsoft.com/office/drawing/2010/main" w="9525">
                 <a:solidFill>
                   <a:schemeClr val="tx1"/>
                 </a:solidFill>
@@ -26343,7 +26467,7 @@
               </a14:hiddenLine>
             </a:ext>
             <a:ext uri="{AF507438-7753-43E0-B8FC-AC1667EBCBE1}">
-              <a14:hiddenEffects xmlns:a14="http://schemas.microsoft.com/office/drawing/2010/main" xmlns="">
+              <a14:hiddenEffects xmlns:a14="http://schemas.microsoft.com/office/drawing/2010/main">
                 <a:effectLst>
                   <a:outerShdw dist="35921" dir="2700000" algn="ctr" rotWithShape="0">
                     <a:schemeClr val="bg2"/>
@@ -26389,14 +26513,14 @@
           <a:effectLst/>
           <a:extLst>
             <a:ext uri="{909E8E84-426E-40DD-AFC4-6F175D3DCCD1}">
-              <a14:hiddenFill xmlns:a14="http://schemas.microsoft.com/office/drawing/2010/main" xmlns="">
+              <a14:hiddenFill xmlns:a14="http://schemas.microsoft.com/office/drawing/2010/main">
                 <a:solidFill>
                   <a:schemeClr val="accent1"/>
                 </a:solidFill>
               </a14:hiddenFill>
             </a:ext>
             <a:ext uri="{91240B29-F687-4F45-9708-019B960494DF}">
-              <a14:hiddenLine xmlns:a14="http://schemas.microsoft.com/office/drawing/2010/main" xmlns="" w="9525">
+              <a14:hiddenLine xmlns:a14="http://schemas.microsoft.com/office/drawing/2010/main" w="9525">
                 <a:solidFill>
                   <a:schemeClr val="tx1"/>
                 </a:solidFill>
@@ -26406,7 +26530,7 @@
               </a14:hiddenLine>
             </a:ext>
             <a:ext uri="{AF507438-7753-43E0-B8FC-AC1667EBCBE1}">
-              <a14:hiddenEffects xmlns:a14="http://schemas.microsoft.com/office/drawing/2010/main" xmlns="">
+              <a14:hiddenEffects xmlns:a14="http://schemas.microsoft.com/office/drawing/2010/main">
                 <a:effectLst>
                   <a:outerShdw dist="35921" dir="2700000" algn="ctr" rotWithShape="0">
                     <a:schemeClr val="bg2"/>
@@ -26441,7 +26565,7 @@
           <a:blip r:embed="rId2" cstate="print">
             <a:extLst>
               <a:ext uri="{28A0092B-C50C-407E-A947-70E740481C1C}">
-                <a14:useLocalDpi xmlns:a14="http://schemas.microsoft.com/office/drawing/2010/main" xmlns="" val="0"/>
+                <a14:useLocalDpi xmlns:a14="http://schemas.microsoft.com/office/drawing/2010/main" val="0"/>
               </a:ext>
             </a:extLst>
           </a:blip>
@@ -26465,14 +26589,14 @@
           <a:effectLst/>
           <a:extLst>
             <a:ext uri="{909E8E84-426E-40DD-AFC4-6F175D3DCCD1}">
-              <a14:hiddenFill xmlns:a14="http://schemas.microsoft.com/office/drawing/2010/main" xmlns="">
+              <a14:hiddenFill xmlns:a14="http://schemas.microsoft.com/office/drawing/2010/main">
                 <a:solidFill>
                   <a:schemeClr val="accent1"/>
                 </a:solidFill>
               </a14:hiddenFill>
             </a:ext>
             <a:ext uri="{91240B29-F687-4F45-9708-019B960494DF}">
-              <a14:hiddenLine xmlns:a14="http://schemas.microsoft.com/office/drawing/2010/main" xmlns="" w="9525">
+              <a14:hiddenLine xmlns:a14="http://schemas.microsoft.com/office/drawing/2010/main" w="9525">
                 <a:solidFill>
                   <a:schemeClr val="tx1"/>
                 </a:solidFill>
@@ -26482,7 +26606,7 @@
               </a14:hiddenLine>
             </a:ext>
             <a:ext uri="{AF507438-7753-43E0-B8FC-AC1667EBCBE1}">
-              <a14:hiddenEffects xmlns:a14="http://schemas.microsoft.com/office/drawing/2010/main" xmlns="">
+              <a14:hiddenEffects xmlns:a14="http://schemas.microsoft.com/office/drawing/2010/main">
                 <a:effectLst>
                   <a:outerShdw dist="35921" dir="2700000" algn="ctr" rotWithShape="0">
                     <a:schemeClr val="bg2"/>
@@ -26496,7 +26620,7 @@
     </p:spTree>
     <p:extLst>
       <p:ext uri="{BB962C8B-B14F-4D97-AF65-F5344CB8AC3E}">
-        <p14:creationId xmlns:p14="http://schemas.microsoft.com/office/powerpoint/2010/main" xmlns="" val="1830264464"/>
+        <p14:creationId xmlns:p14="http://schemas.microsoft.com/office/powerpoint/2010/main" val="1830264464"/>
       </p:ext>
     </p:extLst>
   </p:cSld>
@@ -26573,41 +26697,72 @@
           <a:bodyPr/>
           <a:lstStyle/>
           <a:p>
-            <a:endParaRPr lang="en-US"/>
+            <a:endParaRPr lang="en-US" dirty="0"/>
           </a:p>
         </p:txBody>
       </p:sp>
       <p:pic>
         <p:nvPicPr>
-          <p:cNvPr id="86018" name="Picture 2"/>
+          <p:cNvPr id="84994" name="Picture 2"/>
           <p:cNvPicPr>
             <a:picLocks noChangeAspect="1" noChangeArrowheads="1"/>
           </p:cNvPicPr>
           <p:nvPr/>
         </p:nvPicPr>
         <p:blipFill>
-          <a:blip r:embed="rId2" cstate="print"/>
-          <a:srcRect l="1607" t="16527" r="2977" b="8257"/>
+          <a:blip r:embed="rId2" cstate="email">
+            <a:extLst>
+              <a:ext uri="{28A0092B-C50C-407E-A947-70E740481C1C}">
+                <a14:useLocalDpi xmlns:a14="http://schemas.microsoft.com/office/drawing/2010/main" val="0"/>
+              </a:ext>
+            </a:extLst>
+          </a:blip>
+          <a:srcRect/>
           <a:stretch>
             <a:fillRect/>
           </a:stretch>
         </p:blipFill>
         <p:spPr bwMode="auto">
           <a:xfrm>
-            <a:off x="1135674" y="2170664"/>
-            <a:ext cx="6968077" cy="4025599"/>
+            <a:off x="1043493" y="2105526"/>
+            <a:ext cx="7298910" cy="3727103"/>
           </a:xfrm>
           <a:prstGeom prst="rect">
             <a:avLst/>
           </a:prstGeom>
           <a:noFill/>
-          <a:ln w="9525">
+          <a:ln>
             <a:noFill/>
-            <a:miter lim="800000"/>
-            <a:headEnd/>
-            <a:tailEnd/>
           </a:ln>
           <a:effectLst/>
+          <a:extLst>
+            <a:ext uri="{909E8E84-426E-40DD-AFC4-6F175D3DCCD1}">
+              <a14:hiddenFill xmlns:a14="http://schemas.microsoft.com/office/drawing/2010/main">
+                <a:solidFill>
+                  <a:schemeClr val="accent1"/>
+                </a:solidFill>
+              </a14:hiddenFill>
+            </a:ext>
+            <a:ext uri="{91240B29-F687-4F45-9708-019B960494DF}">
+              <a14:hiddenLine xmlns:a14="http://schemas.microsoft.com/office/drawing/2010/main" w="9525">
+                <a:solidFill>
+                  <a:schemeClr val="tx1"/>
+                </a:solidFill>
+                <a:miter lim="800000"/>
+                <a:headEnd/>
+                <a:tailEnd/>
+              </a14:hiddenLine>
+            </a:ext>
+            <a:ext uri="{AF507438-7753-43E0-B8FC-AC1667EBCBE1}">
+              <a14:hiddenEffects xmlns:a14="http://schemas.microsoft.com/office/drawing/2010/main">
+                <a:effectLst>
+                  <a:outerShdw dist="35921" dir="2700000" algn="ctr" rotWithShape="0">
+                    <a:schemeClr val="bg2"/>
+                  </a:outerShdw>
+                </a:effectLst>
+              </a14:hiddenEffects>
+            </a:ext>
+          </a:extLst>
         </p:spPr>
       </p:pic>
     </p:spTree>
@@ -26792,15 +26947,15 @@
           </a:ln>
           <a:effectLst/>
           <a:extLst>
-            <a:ext uri="{909E8E84-426E-40dd-AFC4-6F175D3DCCD1}">
-              <a14:hiddenFill xmlns:a14="http://schemas.microsoft.com/office/drawing/2010/main" xmlns="">
+            <a:ext uri="{909E8E84-426E-40DD-AFC4-6F175D3DCCD1}">
+              <a14:hiddenFill xmlns:a14="http://schemas.microsoft.com/office/drawing/2010/main">
                 <a:solidFill>
                   <a:schemeClr val="accent1"/>
                 </a:solidFill>
               </a14:hiddenFill>
             </a:ext>
-            <a:ext uri="{91240B29-F687-4f45-9708-019B960494DF}">
-              <a14:hiddenLine xmlns:a14="http://schemas.microsoft.com/office/drawing/2010/main" xmlns="" w="9525">
+            <a:ext uri="{91240B29-F687-4F45-9708-019B960494DF}">
+              <a14:hiddenLine xmlns:a14="http://schemas.microsoft.com/office/drawing/2010/main" w="9525">
                 <a:solidFill>
                   <a:schemeClr val="tx1"/>
                 </a:solidFill>
@@ -26809,8 +26964,8 @@
                 <a:tailEnd/>
               </a14:hiddenLine>
             </a:ext>
-            <a:ext uri="{AF507438-7753-43e0-B8FC-AC1667EBCBE1}">
-              <a14:hiddenEffects xmlns:a14="http://schemas.microsoft.com/office/drawing/2010/main" xmlns="">
+            <a:ext uri="{AF507438-7753-43E0-B8FC-AC1667EBCBE1}">
+              <a14:hiddenEffects xmlns:a14="http://schemas.microsoft.com/office/drawing/2010/main">
                 <a:effectLst>
                   <a:outerShdw dist="35921" dir="2700000" algn="ctr" rotWithShape="0">
                     <a:schemeClr val="bg2"/>
@@ -26855,15 +27010,15 @@
           </a:ln>
           <a:effectLst/>
           <a:extLst>
-            <a:ext uri="{909E8E84-426E-40dd-AFC4-6F175D3DCCD1}">
-              <a14:hiddenFill xmlns:a14="http://schemas.microsoft.com/office/drawing/2010/main" xmlns="">
+            <a:ext uri="{909E8E84-426E-40DD-AFC4-6F175D3DCCD1}">
+              <a14:hiddenFill xmlns:a14="http://schemas.microsoft.com/office/drawing/2010/main">
                 <a:solidFill>
                   <a:schemeClr val="accent1"/>
                 </a:solidFill>
               </a14:hiddenFill>
             </a:ext>
-            <a:ext uri="{91240B29-F687-4f45-9708-019B960494DF}">
-              <a14:hiddenLine xmlns:a14="http://schemas.microsoft.com/office/drawing/2010/main" xmlns="" w="9525">
+            <a:ext uri="{91240B29-F687-4F45-9708-019B960494DF}">
+              <a14:hiddenLine xmlns:a14="http://schemas.microsoft.com/office/drawing/2010/main" w="9525">
                 <a:solidFill>
                   <a:schemeClr val="tx1"/>
                 </a:solidFill>
@@ -26872,8 +27027,8 @@
                 <a:tailEnd/>
               </a14:hiddenLine>
             </a:ext>
-            <a:ext uri="{AF507438-7753-43e0-B8FC-AC1667EBCBE1}">
-              <a14:hiddenEffects xmlns:a14="http://schemas.microsoft.com/office/drawing/2010/main" xmlns="">
+            <a:ext uri="{AF507438-7753-43E0-B8FC-AC1667EBCBE1}">
+              <a14:hiddenEffects xmlns:a14="http://schemas.microsoft.com/office/drawing/2010/main">
                 <a:effectLst>
                   <a:outerShdw dist="35921" dir="2700000" algn="ctr" rotWithShape="0">
                     <a:schemeClr val="bg2"/>
@@ -26953,7 +27108,7 @@
     </p:spTree>
     <p:extLst>
       <p:ext uri="{BB962C8B-B14F-4D97-AF65-F5344CB8AC3E}">
-        <p14:creationId xmlns:p14="http://schemas.microsoft.com/office/powerpoint/2010/main" xmlns="" val="792481554"/>
+        <p14:creationId xmlns:p14="http://schemas.microsoft.com/office/powerpoint/2010/main" val="792481554"/>
       </p:ext>
     </p:extLst>
   </p:cSld>
@@ -27140,7 +27295,7 @@
     </p:spTree>
     <p:extLst>
       <p:ext uri="{BB962C8B-B14F-4D97-AF65-F5344CB8AC3E}">
-        <p14:creationId xmlns:p14="http://schemas.microsoft.com/office/powerpoint/2010/main" xmlns="" val="302170737"/>
+        <p14:creationId xmlns:p14="http://schemas.microsoft.com/office/powerpoint/2010/main" val="302170737"/>
       </p:ext>
     </p:extLst>
   </p:cSld>
@@ -27197,14 +27352,14 @@
           <a:effectLst/>
           <a:extLst>
             <a:ext uri="{909E8E84-426E-40DD-AFC4-6F175D3DCCD1}">
-              <a14:hiddenFill xmlns:a14="http://schemas.microsoft.com/office/drawing/2010/main" xmlns="">
+              <a14:hiddenFill xmlns:a14="http://schemas.microsoft.com/office/drawing/2010/main">
                 <a:solidFill>
                   <a:schemeClr val="accent1"/>
                 </a:solidFill>
               </a14:hiddenFill>
             </a:ext>
             <a:ext uri="{91240B29-F687-4F45-9708-019B960494DF}">
-              <a14:hiddenLine xmlns:a14="http://schemas.microsoft.com/office/drawing/2010/main" xmlns="" w="9525">
+              <a14:hiddenLine xmlns:a14="http://schemas.microsoft.com/office/drawing/2010/main" w="9525">
                 <a:solidFill>
                   <a:schemeClr val="tx1"/>
                 </a:solidFill>
@@ -27214,7 +27369,7 @@
               </a14:hiddenLine>
             </a:ext>
             <a:ext uri="{AF507438-7753-43E0-B8FC-AC1667EBCBE1}">
-              <a14:hiddenEffects xmlns:a14="http://schemas.microsoft.com/office/drawing/2010/main" xmlns="">
+              <a14:hiddenEffects xmlns:a14="http://schemas.microsoft.com/office/drawing/2010/main">
                 <a:effectLst>
                   <a:outerShdw dist="35921" dir="2700000" algn="ctr" rotWithShape="0">
                     <a:schemeClr val="bg2"/>
@@ -27260,14 +27415,14 @@
           <a:effectLst/>
           <a:extLst>
             <a:ext uri="{909E8E84-426E-40DD-AFC4-6F175D3DCCD1}">
-              <a14:hiddenFill xmlns:a14="http://schemas.microsoft.com/office/drawing/2010/main" xmlns="">
+              <a14:hiddenFill xmlns:a14="http://schemas.microsoft.com/office/drawing/2010/main">
                 <a:solidFill>
                   <a:schemeClr val="accent1"/>
                 </a:solidFill>
               </a14:hiddenFill>
             </a:ext>
             <a:ext uri="{91240B29-F687-4F45-9708-019B960494DF}">
-              <a14:hiddenLine xmlns:a14="http://schemas.microsoft.com/office/drawing/2010/main" xmlns="" w="9525">
+              <a14:hiddenLine xmlns:a14="http://schemas.microsoft.com/office/drawing/2010/main" w="9525">
                 <a:solidFill>
                   <a:schemeClr val="tx1"/>
                 </a:solidFill>
@@ -27277,7 +27432,7 @@
               </a14:hiddenLine>
             </a:ext>
             <a:ext uri="{AF507438-7753-43E0-B8FC-AC1667EBCBE1}">
-              <a14:hiddenEffects xmlns:a14="http://schemas.microsoft.com/office/drawing/2010/main" xmlns="">
+              <a14:hiddenEffects xmlns:a14="http://schemas.microsoft.com/office/drawing/2010/main">
                 <a:effectLst>
                   <a:outerShdw dist="35921" dir="2700000" algn="ctr" rotWithShape="0">
                     <a:schemeClr val="bg2"/>
@@ -27312,7 +27467,7 @@
           <a:blip r:embed="rId2" cstate="email">
             <a:extLst>
               <a:ext uri="{28A0092B-C50C-407E-A947-70E740481C1C}">
-                <a14:useLocalDpi xmlns:a14="http://schemas.microsoft.com/office/drawing/2010/main" xmlns="" val="0"/>
+                <a14:useLocalDpi xmlns:a14="http://schemas.microsoft.com/office/drawing/2010/main" val="0"/>
               </a:ext>
             </a:extLst>
           </a:blip>
@@ -27336,14 +27491,14 @@
           <a:effectLst/>
           <a:extLst>
             <a:ext uri="{909E8E84-426E-40DD-AFC4-6F175D3DCCD1}">
-              <a14:hiddenFill xmlns:a14="http://schemas.microsoft.com/office/drawing/2010/main" xmlns="">
+              <a14:hiddenFill xmlns:a14="http://schemas.microsoft.com/office/drawing/2010/main">
                 <a:solidFill>
                   <a:schemeClr val="accent1"/>
                 </a:solidFill>
               </a14:hiddenFill>
             </a:ext>
             <a:ext uri="{91240B29-F687-4F45-9708-019B960494DF}">
-              <a14:hiddenLine xmlns:a14="http://schemas.microsoft.com/office/drawing/2010/main" xmlns="" w="9525">
+              <a14:hiddenLine xmlns:a14="http://schemas.microsoft.com/office/drawing/2010/main" w="9525">
                 <a:solidFill>
                   <a:schemeClr val="tx1"/>
                 </a:solidFill>
@@ -27353,7 +27508,7 @@
               </a14:hiddenLine>
             </a:ext>
             <a:ext uri="{AF507438-7753-43E0-B8FC-AC1667EBCBE1}">
-              <a14:hiddenEffects xmlns:a14="http://schemas.microsoft.com/office/drawing/2010/main" xmlns="">
+              <a14:hiddenEffects xmlns:a14="http://schemas.microsoft.com/office/drawing/2010/main">
                 <a:effectLst>
                   <a:outerShdw dist="35921" dir="2700000" algn="ctr" rotWithShape="0">
                     <a:schemeClr val="bg2"/>
@@ -27376,7 +27531,7 @@
           <a:blip r:embed="rId3" cstate="print">
             <a:extLst>
               <a:ext uri="{28A0092B-C50C-407E-A947-70E740481C1C}">
-                <a14:useLocalDpi xmlns:a14="http://schemas.microsoft.com/office/drawing/2010/main" xmlns="" val="0"/>
+                <a14:useLocalDpi xmlns:a14="http://schemas.microsoft.com/office/drawing/2010/main" val="0"/>
               </a:ext>
             </a:extLst>
           </a:blip>
@@ -27400,14 +27555,14 @@
           <a:effectLst/>
           <a:extLst>
             <a:ext uri="{909E8E84-426E-40DD-AFC4-6F175D3DCCD1}">
-              <a14:hiddenFill xmlns:a14="http://schemas.microsoft.com/office/drawing/2010/main" xmlns="">
+              <a14:hiddenFill xmlns:a14="http://schemas.microsoft.com/office/drawing/2010/main">
                 <a:solidFill>
                   <a:schemeClr val="accent1"/>
                 </a:solidFill>
               </a14:hiddenFill>
             </a:ext>
             <a:ext uri="{91240B29-F687-4F45-9708-019B960494DF}">
-              <a14:hiddenLine xmlns:a14="http://schemas.microsoft.com/office/drawing/2010/main" xmlns="" w="9525">
+              <a14:hiddenLine xmlns:a14="http://schemas.microsoft.com/office/drawing/2010/main" w="9525">
                 <a:solidFill>
                   <a:schemeClr val="tx1"/>
                 </a:solidFill>
@@ -27417,7 +27572,7 @@
               </a14:hiddenLine>
             </a:ext>
             <a:ext uri="{AF507438-7753-43E0-B8FC-AC1667EBCBE1}">
-              <a14:hiddenEffects xmlns:a14="http://schemas.microsoft.com/office/drawing/2010/main" xmlns="">
+              <a14:hiddenEffects xmlns:a14="http://schemas.microsoft.com/office/drawing/2010/main">
                 <a:effectLst>
                   <a:outerShdw dist="35921" dir="2700000" algn="ctr" rotWithShape="0">
                     <a:schemeClr val="bg2"/>
@@ -27469,7 +27624,7 @@
     </p:spTree>
     <p:extLst>
       <p:ext uri="{BB962C8B-B14F-4D97-AF65-F5344CB8AC3E}">
-        <p14:creationId xmlns:p14="http://schemas.microsoft.com/office/powerpoint/2010/main" xmlns="" val="552582540"/>
+        <p14:creationId xmlns:p14="http://schemas.microsoft.com/office/powerpoint/2010/main" val="552582540"/>
       </p:ext>
     </p:extLst>
   </p:cSld>
@@ -27632,7 +27787,7 @@
     </p:spTree>
     <p:extLst>
       <p:ext uri="{BB962C8B-B14F-4D97-AF65-F5344CB8AC3E}">
-        <p14:creationId xmlns:p14="http://schemas.microsoft.com/office/powerpoint/2010/main" xmlns="" val="2750094236"/>
+        <p14:creationId xmlns:p14="http://schemas.microsoft.com/office/powerpoint/2010/main" val="2750094236"/>
       </p:ext>
     </p:extLst>
   </p:cSld>
@@ -27718,15 +27873,15 @@
           </a:ln>
           <a:effectLst/>
           <a:extLst>
-            <a:ext uri="{909E8E84-426E-40dd-AFC4-6F175D3DCCD1}">
-              <a14:hiddenFill xmlns:a14="http://schemas.microsoft.com/office/drawing/2010/main" xmlns="">
+            <a:ext uri="{909E8E84-426E-40DD-AFC4-6F175D3DCCD1}">
+              <a14:hiddenFill xmlns:a14="http://schemas.microsoft.com/office/drawing/2010/main">
                 <a:solidFill>
                   <a:schemeClr val="accent1"/>
                 </a:solidFill>
               </a14:hiddenFill>
             </a:ext>
-            <a:ext uri="{91240B29-F687-4f45-9708-019B960494DF}">
-              <a14:hiddenLine xmlns:a14="http://schemas.microsoft.com/office/drawing/2010/main" xmlns="" w="9525">
+            <a:ext uri="{91240B29-F687-4F45-9708-019B960494DF}">
+              <a14:hiddenLine xmlns:a14="http://schemas.microsoft.com/office/drawing/2010/main" w="9525">
                 <a:solidFill>
                   <a:schemeClr val="tx1"/>
                 </a:solidFill>
@@ -27735,8 +27890,8 @@
                 <a:tailEnd/>
               </a14:hiddenLine>
             </a:ext>
-            <a:ext uri="{AF507438-7753-43e0-B8FC-AC1667EBCBE1}">
-              <a14:hiddenEffects xmlns:a14="http://schemas.microsoft.com/office/drawing/2010/main" xmlns="">
+            <a:ext uri="{AF507438-7753-43E0-B8FC-AC1667EBCBE1}">
+              <a14:hiddenEffects xmlns:a14="http://schemas.microsoft.com/office/drawing/2010/main">
                 <a:effectLst>
                   <a:outerShdw dist="35921" dir="2700000" algn="ctr" rotWithShape="0">
                     <a:schemeClr val="bg2"/>
@@ -27781,15 +27936,15 @@
           </a:ln>
           <a:effectLst/>
           <a:extLst>
-            <a:ext uri="{909E8E84-426E-40dd-AFC4-6F175D3DCCD1}">
-              <a14:hiddenFill xmlns:a14="http://schemas.microsoft.com/office/drawing/2010/main" xmlns="">
+            <a:ext uri="{909E8E84-426E-40DD-AFC4-6F175D3DCCD1}">
+              <a14:hiddenFill xmlns:a14="http://schemas.microsoft.com/office/drawing/2010/main">
                 <a:solidFill>
                   <a:schemeClr val="accent1"/>
                 </a:solidFill>
               </a14:hiddenFill>
             </a:ext>
-            <a:ext uri="{91240B29-F687-4f45-9708-019B960494DF}">
-              <a14:hiddenLine xmlns:a14="http://schemas.microsoft.com/office/drawing/2010/main" xmlns="" w="9525">
+            <a:ext uri="{91240B29-F687-4F45-9708-019B960494DF}">
+              <a14:hiddenLine xmlns:a14="http://schemas.microsoft.com/office/drawing/2010/main" w="9525">
                 <a:solidFill>
                   <a:schemeClr val="tx1"/>
                 </a:solidFill>
@@ -27798,8 +27953,8 @@
                 <a:tailEnd/>
               </a14:hiddenLine>
             </a:ext>
-            <a:ext uri="{AF507438-7753-43e0-B8FC-AC1667EBCBE1}">
-              <a14:hiddenEffects xmlns:a14="http://schemas.microsoft.com/office/drawing/2010/main" xmlns="">
+            <a:ext uri="{AF507438-7753-43E0-B8FC-AC1667EBCBE1}">
+              <a14:hiddenEffects xmlns:a14="http://schemas.microsoft.com/office/drawing/2010/main">
                 <a:effectLst>
                   <a:outerShdw dist="35921" dir="2700000" algn="ctr" rotWithShape="0">
                     <a:schemeClr val="bg2"/>
@@ -27832,7 +27987,7 @@
           <a:blip r:embed="rId3" cstate="email">
             <a:extLst>
               <a:ext uri="{28A0092B-C50C-407E-A947-70E740481C1C}">
-                <a14:useLocalDpi xmlns:a14="http://schemas.microsoft.com/office/drawing/2010/main" xmlns="" val="0"/>
+                <a14:useLocalDpi xmlns:a14="http://schemas.microsoft.com/office/drawing/2010/main" val="0"/>
               </a:ext>
             </a:extLst>
           </a:blip>
@@ -27877,15 +28032,15 @@
           </a:ln>
           <a:effectLst/>
           <a:extLst>
-            <a:ext uri="{909E8E84-426E-40dd-AFC4-6F175D3DCCD1}">
-              <a14:hiddenFill xmlns:a14="http://schemas.microsoft.com/office/drawing/2010/main" xmlns="">
+            <a:ext uri="{909E8E84-426E-40DD-AFC4-6F175D3DCCD1}">
+              <a14:hiddenFill xmlns:a14="http://schemas.microsoft.com/office/drawing/2010/main">
                 <a:solidFill>
                   <a:schemeClr val="accent1"/>
                 </a:solidFill>
               </a14:hiddenFill>
             </a:ext>
-            <a:ext uri="{91240B29-F687-4f45-9708-019B960494DF}">
-              <a14:hiddenLine xmlns:a14="http://schemas.microsoft.com/office/drawing/2010/main" xmlns="" w="9525">
+            <a:ext uri="{91240B29-F687-4F45-9708-019B960494DF}">
+              <a14:hiddenLine xmlns:a14="http://schemas.microsoft.com/office/drawing/2010/main" w="9525">
                 <a:solidFill>
                   <a:schemeClr val="tx1"/>
                 </a:solidFill>
@@ -27894,8 +28049,135 @@
                 <a:tailEnd/>
               </a14:hiddenLine>
             </a:ext>
-            <a:ext uri="{AF507438-7753-43e0-B8FC-AC1667EBCBE1}">
-              <a14:hiddenEffects xmlns:a14="http://schemas.microsoft.com/office/drawing/2010/main" xmlns="">
+            <a:ext uri="{AF507438-7753-43E0-B8FC-AC1667EBCBE1}">
+              <a14:hiddenEffects xmlns:a14="http://schemas.microsoft.com/office/drawing/2010/main">
+                <a:effectLst>
+                  <a:outerShdw dist="35921" dir="2700000" algn="ctr" rotWithShape="0">
+                    <a:schemeClr val="bg2"/>
+                  </a:outerShdw>
+                </a:effectLst>
+              </a14:hiddenEffects>
+            </a:ext>
+          </a:extLst>
+        </p:spPr>
+        <p:txBody>
+          <a:bodyPr vert="horz" wrap="none" lIns="91440" tIns="45720" rIns="91440" bIns="45720" numCol="1" anchor="ctr" anchorCtr="0" compatLnSpc="1">
+            <a:prstTxWarp prst="textNoShape">
+              <a:avLst/>
+            </a:prstTxWarp>
+            <a:spAutoFit/>
+          </a:bodyPr>
+          <a:lstStyle/>
+          <a:p>
+            <a:endParaRPr lang="en-US"/>
+          </a:p>
+        </p:txBody>
+      </p:sp>
+      <p:pic>
+        <p:nvPicPr>
+          <p:cNvPr id="9" name="Picture 7"/>
+          <p:cNvPicPr>
+            <a:picLocks noChangeAspect="1" noChangeArrowheads="1"/>
+          </p:cNvPicPr>
+          <p:nvPr/>
+        </p:nvPicPr>
+        <p:blipFill>
+          <a:blip r:embed="rId4" cstate="email">
+            <a:extLst>
+              <a:ext uri="{28A0092B-C50C-407E-A947-70E740481C1C}">
+                <a14:useLocalDpi xmlns:a14="http://schemas.microsoft.com/office/drawing/2010/main" val="0"/>
+              </a:ext>
+            </a:extLst>
+          </a:blip>
+          <a:srcRect/>
+          <a:stretch>
+            <a:fillRect/>
+          </a:stretch>
+        </p:blipFill>
+        <p:spPr bwMode="auto">
+          <a:xfrm>
+            <a:off x="477173" y="2229394"/>
+            <a:ext cx="5434692" cy="3238690"/>
+          </a:xfrm>
+          <a:prstGeom prst="rect">
+            <a:avLst/>
+          </a:prstGeom>
+          <a:noFill/>
+          <a:ln>
+            <a:noFill/>
+          </a:ln>
+          <a:effectLst/>
+          <a:extLst>
+            <a:ext uri="{909E8E84-426E-40DD-AFC4-6F175D3DCCD1}">
+              <a14:hiddenFill xmlns:a14="http://schemas.microsoft.com/office/drawing/2010/main">
+                <a:solidFill>
+                  <a:schemeClr val="accent1"/>
+                </a:solidFill>
+              </a14:hiddenFill>
+            </a:ext>
+            <a:ext uri="{91240B29-F687-4F45-9708-019B960494DF}">
+              <a14:hiddenLine xmlns:a14="http://schemas.microsoft.com/office/drawing/2010/main" w="9525">
+                <a:solidFill>
+                  <a:schemeClr val="tx1"/>
+                </a:solidFill>
+                <a:miter lim="800000"/>
+                <a:headEnd/>
+                <a:tailEnd/>
+              </a14:hiddenLine>
+            </a:ext>
+            <a:ext uri="{AF507438-7753-43E0-B8FC-AC1667EBCBE1}">
+              <a14:hiddenEffects xmlns:a14="http://schemas.microsoft.com/office/drawing/2010/main">
+                <a:effectLst>
+                  <a:outerShdw dist="35921" dir="2700000" algn="ctr" rotWithShape="0">
+                    <a:schemeClr val="bg2"/>
+                  </a:outerShdw>
+                </a:effectLst>
+              </a14:hiddenEffects>
+            </a:ext>
+          </a:extLst>
+        </p:spPr>
+      </p:pic>
+      <p:sp>
+        <p:nvSpPr>
+          <p:cNvPr id="7" name="Rectangle 21"/>
+          <p:cNvSpPr>
+            <a:spLocks noChangeArrowheads="1"/>
+          </p:cNvSpPr>
+          <p:nvPr/>
+        </p:nvSpPr>
+        <p:spPr bwMode="auto">
+          <a:xfrm>
+            <a:off x="0" y="0"/>
+            <a:ext cx="9144000" cy="0"/>
+          </a:xfrm>
+          <a:prstGeom prst="rect">
+            <a:avLst/>
+          </a:prstGeom>
+          <a:noFill/>
+          <a:ln>
+            <a:noFill/>
+          </a:ln>
+          <a:effectLst/>
+          <a:extLst>
+            <a:ext uri="{909E8E84-426E-40DD-AFC4-6F175D3DCCD1}">
+              <a14:hiddenFill xmlns:a14="http://schemas.microsoft.com/office/drawing/2010/main">
+                <a:solidFill>
+                  <a:schemeClr val="accent1"/>
+                </a:solidFill>
+              </a14:hiddenFill>
+            </a:ext>
+            <a:ext uri="{91240B29-F687-4F45-9708-019B960494DF}">
+              <a14:hiddenLine xmlns:a14="http://schemas.microsoft.com/office/drawing/2010/main" w="9525">
+                <a:solidFill>
+                  <a:schemeClr val="tx1"/>
+                </a:solidFill>
+                <a:miter lim="800000"/>
+                <a:headEnd/>
+                <a:tailEnd/>
+              </a14:hiddenLine>
+            </a:ext>
+            <a:ext uri="{AF507438-7753-43E0-B8FC-AC1667EBCBE1}">
+              <a14:hiddenEffects xmlns:a14="http://schemas.microsoft.com/office/drawing/2010/main">
                 <a:effectLst>
                   <a:outerShdw dist="35921" dir="2700000" algn="ctr" rotWithShape="0">
                     <a:schemeClr val="bg2"/>
@@ -27920,98 +28202,84 @@
       </p:sp>
       <p:graphicFrame>
         <p:nvGraphicFramePr>
-          <p:cNvPr id="6" name="Object 5"/>
+          <p:cNvPr id="10" name="Object 9"/>
           <p:cNvGraphicFramePr>
             <a:graphicFrameLocks noChangeAspect="1"/>
           </p:cNvGraphicFramePr>
           <p:nvPr>
             <p:extLst>
               <p:ext uri="{D42A27DB-BD31-4B8C-83A1-F6EECF244321}">
-                <p14:modId xmlns:p14="http://schemas.microsoft.com/office/powerpoint/2010/main" xmlns="" val="3607041668"/>
+                <p14:modId xmlns:p14="http://schemas.microsoft.com/office/powerpoint/2010/main" val="3097682555"/>
               </p:ext>
             </p:extLst>
           </p:nvPr>
         </p:nvGraphicFramePr>
         <p:xfrm>
-          <a:off x="5458691" y="1279873"/>
+          <a:off x="5582653" y="1368162"/>
           <a:ext cx="3209925" cy="5086350"/>
         </p:xfrm>
         <a:graphic>
           <a:graphicData uri="http://schemas.openxmlformats.org/presentationml/2006/ole">
-            <p:oleObj spid="_x0000_s38930" name="Visio" r:id="rId4" imgW="3204214" imgH="5082432" progId="">
-              <p:embed/>
-            </p:oleObj>
+            <mc:AlternateContent xmlns:mc="http://schemas.openxmlformats.org/markup-compatibility/2006">
+              <mc:Choice xmlns:v="urn:schemas-microsoft-com:vml" Requires="v">
+                <p:oleObj spid="_x0000_s38934" name="Visio" r:id="rId5" imgW="3204214" imgH="5082432" progId="Visio.Drawing.11">
+                  <p:embed/>
+                </p:oleObj>
+              </mc:Choice>
+              <mc:Fallback>
+                <p:oleObj name="Visio" r:id="rId5" imgW="3204214" imgH="5082432" progId="Visio.Drawing.11">
+                  <p:embed/>
+                  <p:pic>
+                    <p:nvPicPr>
+                      <p:cNvPr id="0" name="Object 20"/>
+                      <p:cNvPicPr>
+                        <a:picLocks noChangeAspect="1" noChangeArrowheads="1"/>
+                      </p:cNvPicPr>
+                      <p:nvPr/>
+                    </p:nvPicPr>
+                    <p:blipFill>
+                      <a:blip r:embed="rId6">
+                        <a:extLst>
+                          <a:ext uri="{28A0092B-C50C-407E-A947-70E740481C1C}">
+                            <a14:useLocalDpi xmlns:a14="http://schemas.microsoft.com/office/drawing/2010/main" val="0"/>
+                          </a:ext>
+                        </a:extLst>
+                      </a:blip>
+                      <a:srcRect/>
+                      <a:stretch>
+                        <a:fillRect/>
+                      </a:stretch>
+                    </p:blipFill>
+                    <p:spPr bwMode="auto">
+                      <a:xfrm>
+                        <a:off x="5582653" y="1368162"/>
+                        <a:ext cx="3209925" cy="5086350"/>
+                      </a:xfrm>
+                      <a:prstGeom prst="rect">
+                        <a:avLst/>
+                      </a:prstGeom>
+                      <a:noFill/>
+                      <a:extLst>
+                        <a:ext uri="{909E8E84-426E-40DD-AFC4-6F175D3DCCD1}">
+                          <a14:hiddenFill xmlns:a14="http://schemas.microsoft.com/office/drawing/2010/main">
+                            <a:solidFill>
+                              <a:srgbClr val="FFFFFF"/>
+                            </a:solidFill>
+                          </a14:hiddenFill>
+                        </a:ext>
+                      </a:extLst>
+                    </p:spPr>
+                  </p:pic>
+                </p:oleObj>
+              </mc:Fallback>
+            </mc:AlternateContent>
           </a:graphicData>
         </a:graphic>
       </p:graphicFrame>
-      <p:pic>
-        <p:nvPicPr>
-          <p:cNvPr id="9" name="Picture 7"/>
-          <p:cNvPicPr>
-            <a:picLocks noChangeAspect="1" noChangeArrowheads="1"/>
-          </p:cNvPicPr>
-          <p:nvPr/>
-        </p:nvPicPr>
-        <p:blipFill>
-          <a:blip r:embed="rId5" cstate="email">
-            <a:extLst>
-              <a:ext uri="{28A0092B-C50C-407E-A947-70E740481C1C}">
-                <a14:useLocalDpi xmlns:a14="http://schemas.microsoft.com/office/drawing/2010/main" xmlns="" val="0"/>
-              </a:ext>
-            </a:extLst>
-          </a:blip>
-          <a:srcRect/>
-          <a:stretch>
-            <a:fillRect/>
-          </a:stretch>
-        </p:blipFill>
-        <p:spPr bwMode="auto">
-          <a:xfrm>
-            <a:off x="477173" y="2229394"/>
-            <a:ext cx="5434692" cy="3238690"/>
-          </a:xfrm>
-          <a:prstGeom prst="rect">
-            <a:avLst/>
-          </a:prstGeom>
-          <a:noFill/>
-          <a:ln>
-            <a:noFill/>
-          </a:ln>
-          <a:effectLst/>
-          <a:extLst>
-            <a:ext uri="{909E8E84-426E-40DD-AFC4-6F175D3DCCD1}">
-              <a14:hiddenFill xmlns:a14="http://schemas.microsoft.com/office/drawing/2010/main" xmlns="">
-                <a:solidFill>
-                  <a:schemeClr val="accent1"/>
-                </a:solidFill>
-              </a14:hiddenFill>
-            </a:ext>
-            <a:ext uri="{91240B29-F687-4F45-9708-019B960494DF}">
-              <a14:hiddenLine xmlns:a14="http://schemas.microsoft.com/office/drawing/2010/main" xmlns="" w="9525">
-                <a:solidFill>
-                  <a:schemeClr val="tx1"/>
-                </a:solidFill>
-                <a:miter lim="800000"/>
-                <a:headEnd/>
-                <a:tailEnd/>
-              </a14:hiddenLine>
-            </a:ext>
-            <a:ext uri="{AF507438-7753-43E0-B8FC-AC1667EBCBE1}">
-              <a14:hiddenEffects xmlns:a14="http://schemas.microsoft.com/office/drawing/2010/main" xmlns="">
-                <a:effectLst>
-                  <a:outerShdw dist="35921" dir="2700000" algn="ctr" rotWithShape="0">
-                    <a:schemeClr val="bg2"/>
-                  </a:outerShdw>
-                </a:effectLst>
-              </a14:hiddenEffects>
-            </a:ext>
-          </a:extLst>
-        </p:spPr>
-      </p:pic>
     </p:spTree>
     <p:extLst>
       <p:ext uri="{BB962C8B-B14F-4D97-AF65-F5344CB8AC3E}">
-        <p14:creationId xmlns:p14="http://schemas.microsoft.com/office/powerpoint/2010/main" xmlns="" val="2227559208"/>
+        <p14:creationId xmlns:p14="http://schemas.microsoft.com/office/powerpoint/2010/main" val="2227559208"/>
       </p:ext>
     </p:extLst>
   </p:cSld>
@@ -28062,11 +28330,7 @@
           <a:p>
             <a:r>
               <a:rPr lang="en-US" dirty="0" smtClean="0"/>
-              <a:t>Online </a:t>
-            </a:r>
-            <a:r>
-              <a:rPr lang="en-US" dirty="0" smtClean="0"/>
-              <a:t>Demonstration</a:t>
+              <a:t>Online Demonstration</a:t>
             </a:r>
             <a:endParaRPr lang="en-US" dirty="0"/>
           </a:p>
@@ -28120,7 +28384,7 @@
           <a:blip r:embed="rId3" cstate="print">
             <a:extLst>
               <a:ext uri="{28A0092B-C50C-407E-A947-70E740481C1C}">
-                <a14:useLocalDpi xmlns:a14="http://schemas.microsoft.com/office/drawing/2010/main" xmlns="" val="0"/>
+                <a14:useLocalDpi xmlns:a14="http://schemas.microsoft.com/office/drawing/2010/main" val="0"/>
               </a:ext>
             </a:extLst>
           </a:blip>
@@ -28139,8 +28403,8 @@
           </a:prstGeom>
           <a:noFill/>
           <a:extLst>
-            <a:ext uri="{909E8E84-426E-40dd-AFC4-6F175D3DCCD1}">
-              <a14:hiddenFill xmlns:a14="http://schemas.microsoft.com/office/drawing/2010/main" xmlns="">
+            <a:ext uri="{909E8E84-426E-40DD-AFC4-6F175D3DCCD1}">
+              <a14:hiddenFill xmlns:a14="http://schemas.microsoft.com/office/drawing/2010/main">
                 <a:solidFill>
                   <a:srgbClr val="FFFFFF"/>
                 </a:solidFill>
@@ -28152,7 +28416,7 @@
     </p:spTree>
     <p:extLst>
       <p:ext uri="{BB962C8B-B14F-4D97-AF65-F5344CB8AC3E}">
-        <p14:creationId xmlns:p14="http://schemas.microsoft.com/office/powerpoint/2010/main" xmlns="" val="3832736806"/>
+        <p14:creationId xmlns:p14="http://schemas.microsoft.com/office/powerpoint/2010/main" val="3832736806"/>
       </p:ext>
     </p:extLst>
   </p:cSld>
@@ -28239,15 +28503,15 @@
           </a:ln>
           <a:effectLst/>
           <a:extLst>
-            <a:ext uri="{909E8E84-426E-40dd-AFC4-6F175D3DCCD1}">
-              <a14:hiddenFill xmlns:a14="http://schemas.microsoft.com/office/drawing/2010/main" xmlns="">
+            <a:ext uri="{909E8E84-426E-40DD-AFC4-6F175D3DCCD1}">
+              <a14:hiddenFill xmlns:a14="http://schemas.microsoft.com/office/drawing/2010/main">
                 <a:solidFill>
                   <a:schemeClr val="accent1"/>
                 </a:solidFill>
               </a14:hiddenFill>
             </a:ext>
-            <a:ext uri="{91240B29-F687-4f45-9708-019B960494DF}">
-              <a14:hiddenLine xmlns:a14="http://schemas.microsoft.com/office/drawing/2010/main" xmlns="" w="9525">
+            <a:ext uri="{91240B29-F687-4F45-9708-019B960494DF}">
+              <a14:hiddenLine xmlns:a14="http://schemas.microsoft.com/office/drawing/2010/main" w="9525">
                 <a:solidFill>
                   <a:schemeClr val="tx1"/>
                 </a:solidFill>
@@ -28256,8 +28520,8 @@
                 <a:tailEnd/>
               </a14:hiddenLine>
             </a:ext>
-            <a:ext uri="{AF507438-7753-43e0-B8FC-AC1667EBCBE1}">
-              <a14:hiddenEffects xmlns:a14="http://schemas.microsoft.com/office/drawing/2010/main" xmlns="">
+            <a:ext uri="{AF507438-7753-43E0-B8FC-AC1667EBCBE1}">
+              <a14:hiddenEffects xmlns:a14="http://schemas.microsoft.com/office/drawing/2010/main">
                 <a:effectLst>
                   <a:outerShdw dist="35921" dir="2700000" algn="ctr" rotWithShape="0">
                     <a:schemeClr val="bg2"/>
@@ -28302,15 +28566,15 @@
           </a:ln>
           <a:effectLst/>
           <a:extLst>
-            <a:ext uri="{909E8E84-426E-40dd-AFC4-6F175D3DCCD1}">
-              <a14:hiddenFill xmlns:a14="http://schemas.microsoft.com/office/drawing/2010/main" xmlns="">
+            <a:ext uri="{909E8E84-426E-40DD-AFC4-6F175D3DCCD1}">
+              <a14:hiddenFill xmlns:a14="http://schemas.microsoft.com/office/drawing/2010/main">
                 <a:solidFill>
                   <a:schemeClr val="accent1"/>
                 </a:solidFill>
               </a14:hiddenFill>
             </a:ext>
-            <a:ext uri="{91240B29-F687-4f45-9708-019B960494DF}">
-              <a14:hiddenLine xmlns:a14="http://schemas.microsoft.com/office/drawing/2010/main" xmlns="" w="9525">
+            <a:ext uri="{91240B29-F687-4F45-9708-019B960494DF}">
+              <a14:hiddenLine xmlns:a14="http://schemas.microsoft.com/office/drawing/2010/main" w="9525">
                 <a:solidFill>
                   <a:schemeClr val="tx1"/>
                 </a:solidFill>
@@ -28319,8 +28583,8 @@
                 <a:tailEnd/>
               </a14:hiddenLine>
             </a:ext>
-            <a:ext uri="{AF507438-7753-43e0-B8FC-AC1667EBCBE1}">
-              <a14:hiddenEffects xmlns:a14="http://schemas.microsoft.com/office/drawing/2010/main" xmlns="">
+            <a:ext uri="{AF507438-7753-43E0-B8FC-AC1667EBCBE1}">
+              <a14:hiddenEffects xmlns:a14="http://schemas.microsoft.com/office/drawing/2010/main">
                 <a:effectLst>
                   <a:outerShdw dist="35921" dir="2700000" algn="ctr" rotWithShape="0">
                     <a:schemeClr val="bg2"/>
@@ -28365,15 +28629,15 @@
           </a:ln>
           <a:effectLst/>
           <a:extLst>
-            <a:ext uri="{909E8E84-426E-40dd-AFC4-6F175D3DCCD1}">
-              <a14:hiddenFill xmlns:a14="http://schemas.microsoft.com/office/drawing/2010/main" xmlns="">
+            <a:ext uri="{909E8E84-426E-40DD-AFC4-6F175D3DCCD1}">
+              <a14:hiddenFill xmlns:a14="http://schemas.microsoft.com/office/drawing/2010/main">
                 <a:solidFill>
                   <a:schemeClr val="accent1"/>
                 </a:solidFill>
               </a14:hiddenFill>
             </a:ext>
-            <a:ext uri="{91240B29-F687-4f45-9708-019B960494DF}">
-              <a14:hiddenLine xmlns:a14="http://schemas.microsoft.com/office/drawing/2010/main" xmlns="" w="9525">
+            <a:ext uri="{91240B29-F687-4F45-9708-019B960494DF}">
+              <a14:hiddenLine xmlns:a14="http://schemas.microsoft.com/office/drawing/2010/main" w="9525">
                 <a:solidFill>
                   <a:schemeClr val="tx1"/>
                 </a:solidFill>
@@ -28382,8 +28646,8 @@
                 <a:tailEnd/>
               </a14:hiddenLine>
             </a:ext>
-            <a:ext uri="{AF507438-7753-43e0-B8FC-AC1667EBCBE1}">
-              <a14:hiddenEffects xmlns:a14="http://schemas.microsoft.com/office/drawing/2010/main" xmlns="">
+            <a:ext uri="{AF507438-7753-43E0-B8FC-AC1667EBCBE1}">
+              <a14:hiddenEffects xmlns:a14="http://schemas.microsoft.com/office/drawing/2010/main">
                 <a:effectLst>
                   <a:outerShdw dist="35921" dir="2700000" algn="ctr" rotWithShape="0">
                     <a:schemeClr val="bg2"/>
@@ -28409,7 +28673,7 @@
     </p:spTree>
     <p:extLst>
       <p:ext uri="{BB962C8B-B14F-4D97-AF65-F5344CB8AC3E}">
-        <p14:creationId xmlns:p14="http://schemas.microsoft.com/office/powerpoint/2010/main" xmlns="" val="336984967"/>
+        <p14:creationId xmlns:p14="http://schemas.microsoft.com/office/powerpoint/2010/main" val="336984967"/>
       </p:ext>
     </p:extLst>
   </p:cSld>
@@ -29849,9 +30113,59 @@
         </p:xfrm>
         <a:graphic>
           <a:graphicData uri="http://schemas.openxmlformats.org/presentationml/2006/ole">
-            <p:oleObj spid="_x0000_s83970" name="Presentation" r:id="rId3" imgW="4570378" imgH="3427559" progId="PowerPoint.Show.12">
-              <p:embed/>
-            </p:oleObj>
+            <mc:AlternateContent xmlns:mc="http://schemas.openxmlformats.org/markup-compatibility/2006">
+              <mc:Choice xmlns:v="urn:schemas-microsoft-com:vml" Requires="v">
+                <p:oleObj spid="_x0000_s83972" name="Presentation" r:id="rId3" imgW="4570378" imgH="3427559" progId="PowerPoint.Show.12">
+                  <p:embed/>
+                </p:oleObj>
+              </mc:Choice>
+              <mc:Fallback>
+                <p:oleObj name="Presentation" r:id="rId3" imgW="4570378" imgH="3427559" progId="PowerPoint.Show.12">
+                  <p:embed/>
+                  <p:pic>
+                    <p:nvPicPr>
+                      <p:cNvPr id="0" name="Picture 2"/>
+                      <p:cNvPicPr>
+                        <a:picLocks noChangeAspect="1" noChangeArrowheads="1"/>
+                      </p:cNvPicPr>
+                      <p:nvPr/>
+                    </p:nvPicPr>
+                    <p:blipFill>
+                      <a:blip r:embed="rId4">
+                        <a:extLst>
+                          <a:ext uri="{28A0092B-C50C-407E-A947-70E740481C1C}">
+                            <a14:useLocalDpi xmlns:a14="http://schemas.microsoft.com/office/drawing/2010/main" val="0"/>
+                          </a:ext>
+                        </a:extLst>
+                      </a:blip>
+                      <a:srcRect/>
+                      <a:stretch>
+                        <a:fillRect/>
+                      </a:stretch>
+                    </p:blipFill>
+                    <p:spPr bwMode="auto">
+                      <a:xfrm>
+                        <a:off x="2391506" y="1633171"/>
+                        <a:ext cx="4296567" cy="3220183"/>
+                      </a:xfrm>
+                      <a:prstGeom prst="rect">
+                        <a:avLst/>
+                      </a:prstGeom>
+                      <a:noFill/>
+                      <a:extLst>
+                        <a:ext uri="{909E8E84-426E-40DD-AFC4-6F175D3DCCD1}">
+                          <a14:hiddenFill xmlns:a14="http://schemas.microsoft.com/office/drawing/2010/main">
+                            <a:solidFill>
+                              <a:srgbClr val="FFFFFF"/>
+                            </a:solidFill>
+                          </a14:hiddenFill>
+                        </a:ext>
+                      </a:extLst>
+                    </p:spPr>
+                  </p:pic>
+                </p:oleObj>
+              </mc:Fallback>
+            </mc:AlternateContent>
           </a:graphicData>
         </a:graphic>
       </p:graphicFrame>
